--- a/Итоговые документы/presentation.pptx
+++ b/Итоговые документы/presentation.pptx
@@ -122,7 +122,7 @@
   </p:defaultTextStyle>
   <p:extLst>
     <p:ext uri="{EFAFB233-063F-42B5-8137-9DF3F51BA10A}">
-      <p15:sldGuideLst xmlns:p15="http://schemas.microsoft.com/office/powerpoint/2012/main" xmlns="">
+      <p15:sldGuideLst xmlns="" xmlns:p15="http://schemas.microsoft.com/office/powerpoint/2012/main">
         <p15:guide id="2" pos="325" userDrawn="1">
           <p15:clr>
             <a:srgbClr val="A4A3A4"/>
@@ -181,7 +181,7 @@
       </p15:sldGuideLst>
     </p:ext>
     <p:ext uri="{2D200454-40CA-4A62-9FC3-DE9A4176ACB9}">
-      <p15:notesGuideLst xmlns:p15="http://schemas.microsoft.com/office/powerpoint/2012/main" xmlns="">
+      <p15:notesGuideLst xmlns="" xmlns:p15="http://schemas.microsoft.com/office/powerpoint/2012/main">
         <p15:guide id="1" orient="horz" pos="2880" userDrawn="1">
           <p15:clr>
             <a:srgbClr val="A4A3A4"/>
@@ -296,7 +296,7 @@
           <a:p>
             <a:fld id="{73261BF4-8B2C-784B-9959-B59A059012C3}" type="datetimeFigureOut">
               <a:rPr lang="x-none" smtClean="0"/>
-              <a:t>24.04.2023</a:t>
+              <a:t>25.04.2023</a:t>
             </a:fld>
             <a:endParaRPr lang="x-none"/>
           </a:p>
@@ -1104,7 +1104,7 @@
           <p:cNvPr id="7" name="Picture 28" descr="A blue circle with white text&#10;&#10;Description automatically generated with low confidence">
             <a:extLst>
               <a:ext uri="{FF2B5EF4-FFF2-40B4-BE49-F238E27FC236}">
-                <a16:creationId xmlns:a16="http://schemas.microsoft.com/office/drawing/2014/main" xmlns="" id="{BA292C80-0DA8-194A-9A66-279048FA2A54}"/>
+                <a16:creationId xmlns="" xmlns:a16="http://schemas.microsoft.com/office/drawing/2014/main" id="{BA292C80-0DA8-194A-9A66-279048FA2A54}"/>
               </a:ext>
             </a:extLst>
           </p:cNvPr>
@@ -1134,7 +1134,7 @@
           <p:cNvPr id="11" name="Straight Connector 48">
             <a:extLst>
               <a:ext uri="{FF2B5EF4-FFF2-40B4-BE49-F238E27FC236}">
-                <a16:creationId xmlns:a16="http://schemas.microsoft.com/office/drawing/2014/main" xmlns="" id="{313EF906-5BAC-0141-A198-076E155DF9E2}"/>
+                <a16:creationId xmlns="" xmlns:a16="http://schemas.microsoft.com/office/drawing/2014/main" id="{313EF906-5BAC-0141-A198-076E155DF9E2}"/>
               </a:ext>
             </a:extLst>
           </p:cNvPr>
@@ -1177,7 +1177,7 @@
           <p:cNvPr id="12" name="Straight Connector 50">
             <a:extLst>
               <a:ext uri="{FF2B5EF4-FFF2-40B4-BE49-F238E27FC236}">
-                <a16:creationId xmlns:a16="http://schemas.microsoft.com/office/drawing/2014/main" xmlns="" id="{61206A97-26F2-E646-8775-9928FEF465B5}"/>
+                <a16:creationId xmlns="" xmlns:a16="http://schemas.microsoft.com/office/drawing/2014/main" id="{61206A97-26F2-E646-8775-9928FEF465B5}"/>
               </a:ext>
             </a:extLst>
           </p:cNvPr>
@@ -1220,7 +1220,7 @@
           <p:cNvPr id="13" name="Straight Connector 51">
             <a:extLst>
               <a:ext uri="{FF2B5EF4-FFF2-40B4-BE49-F238E27FC236}">
-                <a16:creationId xmlns:a16="http://schemas.microsoft.com/office/drawing/2014/main" xmlns="" id="{28E0E5F6-C1CA-9B41-B1DB-6E4FB509084D}"/>
+                <a16:creationId xmlns="" xmlns:a16="http://schemas.microsoft.com/office/drawing/2014/main" id="{28E0E5F6-C1CA-9B41-B1DB-6E4FB509084D}"/>
               </a:ext>
             </a:extLst>
           </p:cNvPr>
@@ -1263,7 +1263,7 @@
           <p:cNvPr id="16" name="Заголовок 15">
             <a:extLst>
               <a:ext uri="{FF2B5EF4-FFF2-40B4-BE49-F238E27FC236}">
-                <a16:creationId xmlns:a16="http://schemas.microsoft.com/office/drawing/2014/main" xmlns="" id="{6007C52F-2E27-E24A-B9DC-AAAB052DBD59}"/>
+                <a16:creationId xmlns="" xmlns:a16="http://schemas.microsoft.com/office/drawing/2014/main" id="{6007C52F-2E27-E24A-B9DC-AAAB052DBD59}"/>
               </a:ext>
             </a:extLst>
           </p:cNvPr>
@@ -1373,7 +1373,7 @@
           <p:cNvPr id="20" name="Текст 19">
             <a:extLst>
               <a:ext uri="{FF2B5EF4-FFF2-40B4-BE49-F238E27FC236}">
-                <a16:creationId xmlns:a16="http://schemas.microsoft.com/office/drawing/2014/main" xmlns="" id="{18109844-C2E7-354F-9C01-8834E4DCE373}"/>
+                <a16:creationId xmlns="" xmlns:a16="http://schemas.microsoft.com/office/drawing/2014/main" id="{18109844-C2E7-354F-9C01-8834E4DCE373}"/>
               </a:ext>
             </a:extLst>
           </p:cNvPr>
@@ -1479,7 +1479,7 @@
           <p:cNvPr id="25" name="Текст 24">
             <a:extLst>
               <a:ext uri="{FF2B5EF4-FFF2-40B4-BE49-F238E27FC236}">
-                <a16:creationId xmlns:a16="http://schemas.microsoft.com/office/drawing/2014/main" xmlns="" id="{40A04329-C800-BB42-BFE0-7E3C68848DA7}"/>
+                <a16:creationId xmlns="" xmlns:a16="http://schemas.microsoft.com/office/drawing/2014/main" id="{40A04329-C800-BB42-BFE0-7E3C68848DA7}"/>
               </a:ext>
             </a:extLst>
           </p:cNvPr>
@@ -1576,7 +1576,7 @@
           <p:cNvPr id="27" name="Текст 26">
             <a:extLst>
               <a:ext uri="{FF2B5EF4-FFF2-40B4-BE49-F238E27FC236}">
-                <a16:creationId xmlns:a16="http://schemas.microsoft.com/office/drawing/2014/main" xmlns="" id="{98337931-3EC2-F348-99EA-860F4FFDC188}"/>
+                <a16:creationId xmlns="" xmlns:a16="http://schemas.microsoft.com/office/drawing/2014/main" id="{98337931-3EC2-F348-99EA-860F4FFDC188}"/>
               </a:ext>
             </a:extLst>
           </p:cNvPr>
@@ -1673,7 +1673,7 @@
           <p:cNvPr id="29" name="Текст 28">
             <a:extLst>
               <a:ext uri="{FF2B5EF4-FFF2-40B4-BE49-F238E27FC236}">
-                <a16:creationId xmlns:a16="http://schemas.microsoft.com/office/drawing/2014/main" xmlns="" id="{EEA7A79B-D410-B44F-BF32-C3EAEFC20A6E}"/>
+                <a16:creationId xmlns="" xmlns:a16="http://schemas.microsoft.com/office/drawing/2014/main" id="{EEA7A79B-D410-B44F-BF32-C3EAEFC20A6E}"/>
               </a:ext>
             </a:extLst>
           </p:cNvPr>
@@ -1778,7 +1778,7 @@
   </p:clrMapOvr>
   <p:extLst>
     <p:ext uri="{DCECCB84-F9BA-43D5-87BE-67443E8EF086}">
-      <p15:sldGuideLst xmlns:p15="http://schemas.microsoft.com/office/powerpoint/2012/main" xmlns=""/>
+      <p15:sldGuideLst xmlns="" xmlns:p15="http://schemas.microsoft.com/office/powerpoint/2012/main"/>
     </p:ext>
   </p:extLst>
 </p:sldLayout>
@@ -1820,7 +1820,7 @@
           <p:cNvPr id="7" name="Picture 4" descr="Icon&#10;&#10;Description automatically generated">
             <a:extLst>
               <a:ext uri="{FF2B5EF4-FFF2-40B4-BE49-F238E27FC236}">
-                <a16:creationId xmlns:a16="http://schemas.microsoft.com/office/drawing/2014/main" xmlns="" id="{9328428E-0D3D-6E4B-BAC0-3F63BAF7DB74}"/>
+                <a16:creationId xmlns="" xmlns:a16="http://schemas.microsoft.com/office/drawing/2014/main" id="{9328428E-0D3D-6E4B-BAC0-3F63BAF7DB74}"/>
               </a:ext>
             </a:extLst>
           </p:cNvPr>
@@ -1850,7 +1850,7 @@
           <p:cNvPr id="8" name="Straight Connector 19">
             <a:extLst>
               <a:ext uri="{FF2B5EF4-FFF2-40B4-BE49-F238E27FC236}">
-                <a16:creationId xmlns:a16="http://schemas.microsoft.com/office/drawing/2014/main" xmlns="" id="{86CF47C6-D972-9E44-A717-6848F3489399}"/>
+                <a16:creationId xmlns="" xmlns:a16="http://schemas.microsoft.com/office/drawing/2014/main" id="{86CF47C6-D972-9E44-A717-6848F3489399}"/>
               </a:ext>
             </a:extLst>
           </p:cNvPr>
@@ -1893,7 +1893,7 @@
           <p:cNvPr id="9" name="Straight Connector 21">
             <a:extLst>
               <a:ext uri="{FF2B5EF4-FFF2-40B4-BE49-F238E27FC236}">
-                <a16:creationId xmlns:a16="http://schemas.microsoft.com/office/drawing/2014/main" xmlns="" id="{412FEF63-77C0-7C4A-B9BE-4BC0EEEEB78C}"/>
+                <a16:creationId xmlns="" xmlns:a16="http://schemas.microsoft.com/office/drawing/2014/main" id="{412FEF63-77C0-7C4A-B9BE-4BC0EEEEB78C}"/>
               </a:ext>
             </a:extLst>
           </p:cNvPr>
@@ -1936,7 +1936,7 @@
           <p:cNvPr id="10" name="Straight Connector 25">
             <a:extLst>
               <a:ext uri="{FF2B5EF4-FFF2-40B4-BE49-F238E27FC236}">
-                <a16:creationId xmlns:a16="http://schemas.microsoft.com/office/drawing/2014/main" xmlns="" id="{C4F550E9-E979-284D-B65F-44E092DD9D02}"/>
+                <a16:creationId xmlns="" xmlns:a16="http://schemas.microsoft.com/office/drawing/2014/main" id="{C4F550E9-E979-284D-B65F-44E092DD9D02}"/>
               </a:ext>
             </a:extLst>
           </p:cNvPr>
@@ -1979,7 +1979,7 @@
           <p:cNvPr id="11" name="TextBox 10">
             <a:extLst>
               <a:ext uri="{FF2B5EF4-FFF2-40B4-BE49-F238E27FC236}">
-                <a16:creationId xmlns:a16="http://schemas.microsoft.com/office/drawing/2014/main" xmlns="" id="{3A39D099-B515-F343-BF7A-A95468DA3860}"/>
+                <a16:creationId xmlns="" xmlns:a16="http://schemas.microsoft.com/office/drawing/2014/main" id="{3A39D099-B515-F343-BF7A-A95468DA3860}"/>
               </a:ext>
             </a:extLst>
           </p:cNvPr>
@@ -2025,7 +2025,7 @@
           <p:cNvPr id="12" name="Straight Connector 59">
             <a:extLst>
               <a:ext uri="{FF2B5EF4-FFF2-40B4-BE49-F238E27FC236}">
-                <a16:creationId xmlns:a16="http://schemas.microsoft.com/office/drawing/2014/main" xmlns="" id="{396B1F99-9711-C64F-A7C9-4F1D89E7F11D}"/>
+                <a16:creationId xmlns="" xmlns:a16="http://schemas.microsoft.com/office/drawing/2014/main" id="{396B1F99-9711-C64F-A7C9-4F1D89E7F11D}"/>
               </a:ext>
             </a:extLst>
           </p:cNvPr>
@@ -2068,7 +2068,7 @@
           <p:cNvPr id="13" name="Текст 37">
             <a:extLst>
               <a:ext uri="{FF2B5EF4-FFF2-40B4-BE49-F238E27FC236}">
-                <a16:creationId xmlns:a16="http://schemas.microsoft.com/office/drawing/2014/main" xmlns="" id="{9C21DFE9-C3B2-C54E-9275-7776355F7360}"/>
+                <a16:creationId xmlns="" xmlns:a16="http://schemas.microsoft.com/office/drawing/2014/main" id="{9C21DFE9-C3B2-C54E-9275-7776355F7360}"/>
               </a:ext>
             </a:extLst>
           </p:cNvPr>
@@ -2198,7 +2198,7 @@
           <p:cNvPr id="14" name="Текст 39">
             <a:extLst>
               <a:ext uri="{FF2B5EF4-FFF2-40B4-BE49-F238E27FC236}">
-                <a16:creationId xmlns:a16="http://schemas.microsoft.com/office/drawing/2014/main" xmlns="" id="{5A73F99D-6D58-724E-ADB3-150D9B24F8CB}"/>
+                <a16:creationId xmlns="" xmlns:a16="http://schemas.microsoft.com/office/drawing/2014/main" id="{5A73F99D-6D58-724E-ADB3-150D9B24F8CB}"/>
               </a:ext>
             </a:extLst>
           </p:cNvPr>
@@ -2296,7 +2296,7 @@
           <p:cNvPr id="16" name="Текст 39">
             <a:extLst>
               <a:ext uri="{FF2B5EF4-FFF2-40B4-BE49-F238E27FC236}">
-                <a16:creationId xmlns:a16="http://schemas.microsoft.com/office/drawing/2014/main" xmlns="" id="{7E89E360-BE39-5041-BAD6-C7B708340AA2}"/>
+                <a16:creationId xmlns="" xmlns:a16="http://schemas.microsoft.com/office/drawing/2014/main" id="{7E89E360-BE39-5041-BAD6-C7B708340AA2}"/>
               </a:ext>
             </a:extLst>
           </p:cNvPr>
@@ -2394,7 +2394,7 @@
           <p:cNvPr id="19" name="Заголовок 31">
             <a:extLst>
               <a:ext uri="{FF2B5EF4-FFF2-40B4-BE49-F238E27FC236}">
-                <a16:creationId xmlns:a16="http://schemas.microsoft.com/office/drawing/2014/main" xmlns="" id="{1C20890C-BC1C-0745-9AF3-46700BA27C4A}"/>
+                <a16:creationId xmlns="" xmlns:a16="http://schemas.microsoft.com/office/drawing/2014/main" id="{1C20890C-BC1C-0745-9AF3-46700BA27C4A}"/>
               </a:ext>
             </a:extLst>
           </p:cNvPr>
@@ -2460,7 +2460,7 @@
           <p:cNvPr id="20" name="Текст 35">
             <a:extLst>
               <a:ext uri="{FF2B5EF4-FFF2-40B4-BE49-F238E27FC236}">
-                <a16:creationId xmlns:a16="http://schemas.microsoft.com/office/drawing/2014/main" xmlns="" id="{CA2589F7-4500-024F-8E07-D726629A599C}"/>
+                <a16:creationId xmlns="" xmlns:a16="http://schemas.microsoft.com/office/drawing/2014/main" id="{CA2589F7-4500-024F-8E07-D726629A599C}"/>
               </a:ext>
             </a:extLst>
           </p:cNvPr>
@@ -2584,7 +2584,7 @@
           <p:cNvPr id="21" name="Oval 5">
             <a:extLst>
               <a:ext uri="{FF2B5EF4-FFF2-40B4-BE49-F238E27FC236}">
-                <a16:creationId xmlns:a16="http://schemas.microsoft.com/office/drawing/2014/main" xmlns="" id="{D2CA403A-98E7-6C42-8F44-30AB6622C802}"/>
+                <a16:creationId xmlns="" xmlns:a16="http://schemas.microsoft.com/office/drawing/2014/main" id="{D2CA403A-98E7-6C42-8F44-30AB6622C802}"/>
               </a:ext>
             </a:extLst>
           </p:cNvPr>
@@ -2636,7 +2636,7 @@
           <p:cNvPr id="22" name="Oval 20">
             <a:extLst>
               <a:ext uri="{FF2B5EF4-FFF2-40B4-BE49-F238E27FC236}">
-                <a16:creationId xmlns:a16="http://schemas.microsoft.com/office/drawing/2014/main" xmlns="" id="{42ABAA5D-E7AB-6E48-9D43-A48178C9BDD4}"/>
+                <a16:creationId xmlns="" xmlns:a16="http://schemas.microsoft.com/office/drawing/2014/main" id="{42ABAA5D-E7AB-6E48-9D43-A48178C9BDD4}"/>
               </a:ext>
             </a:extLst>
           </p:cNvPr>
@@ -2688,7 +2688,7 @@
           <p:cNvPr id="23" name="Oval 22">
             <a:extLst>
               <a:ext uri="{FF2B5EF4-FFF2-40B4-BE49-F238E27FC236}">
-                <a16:creationId xmlns:a16="http://schemas.microsoft.com/office/drawing/2014/main" xmlns="" id="{209F185A-8F67-9C42-A7C5-87E483F4FC19}"/>
+                <a16:creationId xmlns="" xmlns:a16="http://schemas.microsoft.com/office/drawing/2014/main" id="{209F185A-8F67-9C42-A7C5-87E483F4FC19}"/>
               </a:ext>
             </a:extLst>
           </p:cNvPr>
@@ -2740,7 +2740,7 @@
           <p:cNvPr id="24" name="Oval 23">
             <a:extLst>
               <a:ext uri="{FF2B5EF4-FFF2-40B4-BE49-F238E27FC236}">
-                <a16:creationId xmlns:a16="http://schemas.microsoft.com/office/drawing/2014/main" xmlns="" id="{279AE0F6-4E37-6C4D-AF45-824EEE489A15}"/>
+                <a16:creationId xmlns="" xmlns:a16="http://schemas.microsoft.com/office/drawing/2014/main" id="{279AE0F6-4E37-6C4D-AF45-824EEE489A15}"/>
               </a:ext>
             </a:extLst>
           </p:cNvPr>
@@ -2792,7 +2792,7 @@
           <p:cNvPr id="25" name="Oval 26">
             <a:extLst>
               <a:ext uri="{FF2B5EF4-FFF2-40B4-BE49-F238E27FC236}">
-                <a16:creationId xmlns:a16="http://schemas.microsoft.com/office/drawing/2014/main" xmlns="" id="{330C0EA4-7FD1-CE4D-AC95-8C484C5AC790}"/>
+                <a16:creationId xmlns="" xmlns:a16="http://schemas.microsoft.com/office/drawing/2014/main" id="{330C0EA4-7FD1-CE4D-AC95-8C484C5AC790}"/>
               </a:ext>
             </a:extLst>
           </p:cNvPr>
@@ -2844,7 +2844,7 @@
           <p:cNvPr id="26" name="Oval 29">
             <a:extLst>
               <a:ext uri="{FF2B5EF4-FFF2-40B4-BE49-F238E27FC236}">
-                <a16:creationId xmlns:a16="http://schemas.microsoft.com/office/drawing/2014/main" xmlns="" id="{4C53CF3D-7EFB-DF4F-8EA6-5644574E9AFB}"/>
+                <a16:creationId xmlns="" xmlns:a16="http://schemas.microsoft.com/office/drawing/2014/main" id="{4C53CF3D-7EFB-DF4F-8EA6-5644574E9AFB}"/>
               </a:ext>
             </a:extLst>
           </p:cNvPr>
@@ -2896,7 +2896,7 @@
           <p:cNvPr id="27" name="Oval 33">
             <a:extLst>
               <a:ext uri="{FF2B5EF4-FFF2-40B4-BE49-F238E27FC236}">
-                <a16:creationId xmlns:a16="http://schemas.microsoft.com/office/drawing/2014/main" xmlns="" id="{B42CE88A-E9A3-2A4E-BD50-EB37311F39EC}"/>
+                <a16:creationId xmlns="" xmlns:a16="http://schemas.microsoft.com/office/drawing/2014/main" id="{B42CE88A-E9A3-2A4E-BD50-EB37311F39EC}"/>
               </a:ext>
             </a:extLst>
           </p:cNvPr>
@@ -2948,7 +2948,7 @@
           <p:cNvPr id="28" name="Oval 34">
             <a:extLst>
               <a:ext uri="{FF2B5EF4-FFF2-40B4-BE49-F238E27FC236}">
-                <a16:creationId xmlns:a16="http://schemas.microsoft.com/office/drawing/2014/main" xmlns="" id="{B699EFDF-DB9D-3C4F-9D1F-461508017BDA}"/>
+                <a16:creationId xmlns="" xmlns:a16="http://schemas.microsoft.com/office/drawing/2014/main" id="{B699EFDF-DB9D-3C4F-9D1F-461508017BDA}"/>
               </a:ext>
             </a:extLst>
           </p:cNvPr>
@@ -3000,7 +3000,7 @@
           <p:cNvPr id="29" name="Oval 35">
             <a:extLst>
               <a:ext uri="{FF2B5EF4-FFF2-40B4-BE49-F238E27FC236}">
-                <a16:creationId xmlns:a16="http://schemas.microsoft.com/office/drawing/2014/main" xmlns="" id="{5DF3131C-EEA1-5446-B567-C9DA0A2A1AFF}"/>
+                <a16:creationId xmlns="" xmlns:a16="http://schemas.microsoft.com/office/drawing/2014/main" id="{5DF3131C-EEA1-5446-B567-C9DA0A2A1AFF}"/>
               </a:ext>
             </a:extLst>
           </p:cNvPr>
@@ -3052,7 +3052,7 @@
           <p:cNvPr id="30" name="Oval 36">
             <a:extLst>
               <a:ext uri="{FF2B5EF4-FFF2-40B4-BE49-F238E27FC236}">
-                <a16:creationId xmlns:a16="http://schemas.microsoft.com/office/drawing/2014/main" xmlns="" id="{6D03B317-B61D-2945-8C0A-A6EBD87ACD07}"/>
+                <a16:creationId xmlns="" xmlns:a16="http://schemas.microsoft.com/office/drawing/2014/main" id="{6D03B317-B61D-2945-8C0A-A6EBD87ACD07}"/>
               </a:ext>
             </a:extLst>
           </p:cNvPr>
@@ -3104,7 +3104,7 @@
           <p:cNvPr id="31" name="Oval 37">
             <a:extLst>
               <a:ext uri="{FF2B5EF4-FFF2-40B4-BE49-F238E27FC236}">
-                <a16:creationId xmlns:a16="http://schemas.microsoft.com/office/drawing/2014/main" xmlns="" id="{9C0266F1-C0B7-624A-A873-5F2C8801E766}"/>
+                <a16:creationId xmlns="" xmlns:a16="http://schemas.microsoft.com/office/drawing/2014/main" id="{9C0266F1-C0B7-624A-A873-5F2C8801E766}"/>
               </a:ext>
             </a:extLst>
           </p:cNvPr>
@@ -3156,7 +3156,7 @@
           <p:cNvPr id="32" name="Oval 38">
             <a:extLst>
               <a:ext uri="{FF2B5EF4-FFF2-40B4-BE49-F238E27FC236}">
-                <a16:creationId xmlns:a16="http://schemas.microsoft.com/office/drawing/2014/main" xmlns="" id="{30C0C10E-388C-9843-8270-19D471BD3756}"/>
+                <a16:creationId xmlns="" xmlns:a16="http://schemas.microsoft.com/office/drawing/2014/main" id="{30C0C10E-388C-9843-8270-19D471BD3756}"/>
               </a:ext>
             </a:extLst>
           </p:cNvPr>
@@ -3208,7 +3208,7 @@
           <p:cNvPr id="33" name="Oval 39">
             <a:extLst>
               <a:ext uri="{FF2B5EF4-FFF2-40B4-BE49-F238E27FC236}">
-                <a16:creationId xmlns:a16="http://schemas.microsoft.com/office/drawing/2014/main" xmlns="" id="{87047EA3-79D2-8644-A568-E64AA1D7D370}"/>
+                <a16:creationId xmlns="" xmlns:a16="http://schemas.microsoft.com/office/drawing/2014/main" id="{87047EA3-79D2-8644-A568-E64AA1D7D370}"/>
               </a:ext>
             </a:extLst>
           </p:cNvPr>
@@ -3260,7 +3260,7 @@
           <p:cNvPr id="34" name="Oval 40">
             <a:extLst>
               <a:ext uri="{FF2B5EF4-FFF2-40B4-BE49-F238E27FC236}">
-                <a16:creationId xmlns:a16="http://schemas.microsoft.com/office/drawing/2014/main" xmlns="" id="{7F5D1C6B-4E6B-0346-A5DC-C511DB14EFD6}"/>
+                <a16:creationId xmlns="" xmlns:a16="http://schemas.microsoft.com/office/drawing/2014/main" id="{7F5D1C6B-4E6B-0346-A5DC-C511DB14EFD6}"/>
               </a:ext>
             </a:extLst>
           </p:cNvPr>
@@ -3312,7 +3312,7 @@
           <p:cNvPr id="35" name="Oval 41">
             <a:extLst>
               <a:ext uri="{FF2B5EF4-FFF2-40B4-BE49-F238E27FC236}">
-                <a16:creationId xmlns:a16="http://schemas.microsoft.com/office/drawing/2014/main" xmlns="" id="{EB421DBA-35DE-2C4F-A89E-27F0998EF4E8}"/>
+                <a16:creationId xmlns="" xmlns:a16="http://schemas.microsoft.com/office/drawing/2014/main" id="{EB421DBA-35DE-2C4F-A89E-27F0998EF4E8}"/>
               </a:ext>
             </a:extLst>
           </p:cNvPr>
@@ -3364,7 +3364,7 @@
           <p:cNvPr id="36" name="Oval 42">
             <a:extLst>
               <a:ext uri="{FF2B5EF4-FFF2-40B4-BE49-F238E27FC236}">
-                <a16:creationId xmlns:a16="http://schemas.microsoft.com/office/drawing/2014/main" xmlns="" id="{081BD842-A9A1-5B44-81ED-A97BA390032B}"/>
+                <a16:creationId xmlns="" xmlns:a16="http://schemas.microsoft.com/office/drawing/2014/main" id="{081BD842-A9A1-5B44-81ED-A97BA390032B}"/>
               </a:ext>
             </a:extLst>
           </p:cNvPr>
@@ -3416,7 +3416,7 @@
           <p:cNvPr id="37" name="Oval 43">
             <a:extLst>
               <a:ext uri="{FF2B5EF4-FFF2-40B4-BE49-F238E27FC236}">
-                <a16:creationId xmlns:a16="http://schemas.microsoft.com/office/drawing/2014/main" xmlns="" id="{036EE7D2-A33A-434C-B272-C82E2CDD4D4D}"/>
+                <a16:creationId xmlns="" xmlns:a16="http://schemas.microsoft.com/office/drawing/2014/main" id="{036EE7D2-A33A-434C-B272-C82E2CDD4D4D}"/>
               </a:ext>
             </a:extLst>
           </p:cNvPr>
@@ -3468,7 +3468,7 @@
           <p:cNvPr id="38" name="Oval 44">
             <a:extLst>
               <a:ext uri="{FF2B5EF4-FFF2-40B4-BE49-F238E27FC236}">
-                <a16:creationId xmlns:a16="http://schemas.microsoft.com/office/drawing/2014/main" xmlns="" id="{7DD65DA4-F076-C242-813E-8C17DCABCCFB}"/>
+                <a16:creationId xmlns="" xmlns:a16="http://schemas.microsoft.com/office/drawing/2014/main" id="{7DD65DA4-F076-C242-813E-8C17DCABCCFB}"/>
               </a:ext>
             </a:extLst>
           </p:cNvPr>
@@ -3520,7 +3520,7 @@
           <p:cNvPr id="39" name="Oval 45">
             <a:extLst>
               <a:ext uri="{FF2B5EF4-FFF2-40B4-BE49-F238E27FC236}">
-                <a16:creationId xmlns:a16="http://schemas.microsoft.com/office/drawing/2014/main" xmlns="" id="{8A44D99D-BF66-2848-B460-F59D8ECF5690}"/>
+                <a16:creationId xmlns="" xmlns:a16="http://schemas.microsoft.com/office/drawing/2014/main" id="{8A44D99D-BF66-2848-B460-F59D8ECF5690}"/>
               </a:ext>
             </a:extLst>
           </p:cNvPr>
@@ -3572,7 +3572,7 @@
           <p:cNvPr id="40" name="Oval 46">
             <a:extLst>
               <a:ext uri="{FF2B5EF4-FFF2-40B4-BE49-F238E27FC236}">
-                <a16:creationId xmlns:a16="http://schemas.microsoft.com/office/drawing/2014/main" xmlns="" id="{9B130CEB-3D74-B647-BA6B-32F7D70FD354}"/>
+                <a16:creationId xmlns="" xmlns:a16="http://schemas.microsoft.com/office/drawing/2014/main" id="{9B130CEB-3D74-B647-BA6B-32F7D70FD354}"/>
               </a:ext>
             </a:extLst>
           </p:cNvPr>
@@ -3668,7 +3668,7 @@
           <p:cNvPr id="8" name="Picture 4" descr="Icon&#10;&#10;Description automatically generated">
             <a:extLst>
               <a:ext uri="{FF2B5EF4-FFF2-40B4-BE49-F238E27FC236}">
-                <a16:creationId xmlns:a16="http://schemas.microsoft.com/office/drawing/2014/main" xmlns="" id="{A7FA04E4-3213-8F41-B068-4DC281441422}"/>
+                <a16:creationId xmlns="" xmlns:a16="http://schemas.microsoft.com/office/drawing/2014/main" id="{A7FA04E4-3213-8F41-B068-4DC281441422}"/>
               </a:ext>
             </a:extLst>
           </p:cNvPr>
@@ -3698,7 +3698,7 @@
           <p:cNvPr id="9" name="Straight Connector 19">
             <a:extLst>
               <a:ext uri="{FF2B5EF4-FFF2-40B4-BE49-F238E27FC236}">
-                <a16:creationId xmlns:a16="http://schemas.microsoft.com/office/drawing/2014/main" xmlns="" id="{938052A0-3DF0-DC47-B7E0-C20EF981C230}"/>
+                <a16:creationId xmlns="" xmlns:a16="http://schemas.microsoft.com/office/drawing/2014/main" id="{938052A0-3DF0-DC47-B7E0-C20EF981C230}"/>
               </a:ext>
             </a:extLst>
           </p:cNvPr>
@@ -3741,7 +3741,7 @@
           <p:cNvPr id="10" name="Straight Connector 21">
             <a:extLst>
               <a:ext uri="{FF2B5EF4-FFF2-40B4-BE49-F238E27FC236}">
-                <a16:creationId xmlns:a16="http://schemas.microsoft.com/office/drawing/2014/main" xmlns="" id="{8C6147F0-3CA1-264C-B2B2-F88597196943}"/>
+                <a16:creationId xmlns="" xmlns:a16="http://schemas.microsoft.com/office/drawing/2014/main" id="{8C6147F0-3CA1-264C-B2B2-F88597196943}"/>
               </a:ext>
             </a:extLst>
           </p:cNvPr>
@@ -3784,7 +3784,7 @@
           <p:cNvPr id="11" name="Straight Connector 25">
             <a:extLst>
               <a:ext uri="{FF2B5EF4-FFF2-40B4-BE49-F238E27FC236}">
-                <a16:creationId xmlns:a16="http://schemas.microsoft.com/office/drawing/2014/main" xmlns="" id="{62CDF50E-4D58-AF4A-ABFD-140AF88B3681}"/>
+                <a16:creationId xmlns="" xmlns:a16="http://schemas.microsoft.com/office/drawing/2014/main" id="{62CDF50E-4D58-AF4A-ABFD-140AF88B3681}"/>
               </a:ext>
             </a:extLst>
           </p:cNvPr>
@@ -3827,7 +3827,7 @@
           <p:cNvPr id="12" name="TextBox 11">
             <a:extLst>
               <a:ext uri="{FF2B5EF4-FFF2-40B4-BE49-F238E27FC236}">
-                <a16:creationId xmlns:a16="http://schemas.microsoft.com/office/drawing/2014/main" xmlns="" id="{C62171D1-2A5B-7A4A-9760-17CCE51B9802}"/>
+                <a16:creationId xmlns="" xmlns:a16="http://schemas.microsoft.com/office/drawing/2014/main" id="{C62171D1-2A5B-7A4A-9760-17CCE51B9802}"/>
               </a:ext>
             </a:extLst>
           </p:cNvPr>
@@ -3873,7 +3873,7 @@
           <p:cNvPr id="13" name="Straight Connector 59">
             <a:extLst>
               <a:ext uri="{FF2B5EF4-FFF2-40B4-BE49-F238E27FC236}">
-                <a16:creationId xmlns:a16="http://schemas.microsoft.com/office/drawing/2014/main" xmlns="" id="{3C71A0C3-CD3E-0748-98E5-6B2507CAB296}"/>
+                <a16:creationId xmlns="" xmlns:a16="http://schemas.microsoft.com/office/drawing/2014/main" id="{3C71A0C3-CD3E-0748-98E5-6B2507CAB296}"/>
               </a:ext>
             </a:extLst>
           </p:cNvPr>
@@ -3916,7 +3916,7 @@
           <p:cNvPr id="14" name="Текст 37">
             <a:extLst>
               <a:ext uri="{FF2B5EF4-FFF2-40B4-BE49-F238E27FC236}">
-                <a16:creationId xmlns:a16="http://schemas.microsoft.com/office/drawing/2014/main" xmlns="" id="{9856D01B-EC9A-6047-B7FB-D47084AB3F50}"/>
+                <a16:creationId xmlns="" xmlns:a16="http://schemas.microsoft.com/office/drawing/2014/main" id="{9856D01B-EC9A-6047-B7FB-D47084AB3F50}"/>
               </a:ext>
             </a:extLst>
           </p:cNvPr>
@@ -4046,7 +4046,7 @@
           <p:cNvPr id="15" name="Текст 39">
             <a:extLst>
               <a:ext uri="{FF2B5EF4-FFF2-40B4-BE49-F238E27FC236}">
-                <a16:creationId xmlns:a16="http://schemas.microsoft.com/office/drawing/2014/main" xmlns="" id="{83E23342-AC91-354A-9A28-A14FF7BADCD2}"/>
+                <a16:creationId xmlns="" xmlns:a16="http://schemas.microsoft.com/office/drawing/2014/main" id="{83E23342-AC91-354A-9A28-A14FF7BADCD2}"/>
               </a:ext>
             </a:extLst>
           </p:cNvPr>
@@ -4144,7 +4144,7 @@
           <p:cNvPr id="17" name="Текст 39">
             <a:extLst>
               <a:ext uri="{FF2B5EF4-FFF2-40B4-BE49-F238E27FC236}">
-                <a16:creationId xmlns:a16="http://schemas.microsoft.com/office/drawing/2014/main" xmlns="" id="{BB1CCE68-8F57-1A41-BC43-633D2EFC801E}"/>
+                <a16:creationId xmlns="" xmlns:a16="http://schemas.microsoft.com/office/drawing/2014/main" id="{BB1CCE68-8F57-1A41-BC43-633D2EFC801E}"/>
               </a:ext>
             </a:extLst>
           </p:cNvPr>
@@ -4286,7 +4286,7 @@
           <p:cNvPr id="3" name="Rectangle 2">
             <a:extLst>
               <a:ext uri="{FF2B5EF4-FFF2-40B4-BE49-F238E27FC236}">
-                <a16:creationId xmlns:a16="http://schemas.microsoft.com/office/drawing/2014/main" xmlns="" id="{65234703-C735-5D41-99C2-019C7EBECCF4}"/>
+                <a16:creationId xmlns="" xmlns:a16="http://schemas.microsoft.com/office/drawing/2014/main" id="{65234703-C735-5D41-99C2-019C7EBECCF4}"/>
               </a:ext>
             </a:extLst>
           </p:cNvPr>
@@ -4332,7 +4332,7 @@
           <p:cNvPr id="2" name="Picture 1">
             <a:extLst>
               <a:ext uri="{FF2B5EF4-FFF2-40B4-BE49-F238E27FC236}">
-                <a16:creationId xmlns:a16="http://schemas.microsoft.com/office/drawing/2014/main" xmlns="" id="{682F59B5-E815-AE43-BAE2-FA594BB42C02}"/>
+                <a16:creationId xmlns="" xmlns:a16="http://schemas.microsoft.com/office/drawing/2014/main" id="{682F59B5-E815-AE43-BAE2-FA594BB42C02}"/>
               </a:ext>
             </a:extLst>
           </p:cNvPr>
@@ -4405,7 +4405,7 @@
           <p:cNvPr id="10" name="Picture 4" descr="Icon&#10;&#10;Description automatically generated">
             <a:extLst>
               <a:ext uri="{FF2B5EF4-FFF2-40B4-BE49-F238E27FC236}">
-                <a16:creationId xmlns:a16="http://schemas.microsoft.com/office/drawing/2014/main" xmlns="" id="{4A1436AC-5F96-2A4F-BFC7-B3442083EBE4}"/>
+                <a16:creationId xmlns="" xmlns:a16="http://schemas.microsoft.com/office/drawing/2014/main" id="{4A1436AC-5F96-2A4F-BFC7-B3442083EBE4}"/>
               </a:ext>
             </a:extLst>
           </p:cNvPr>
@@ -4435,7 +4435,7 @@
           <p:cNvPr id="11" name="Straight Connector 19">
             <a:extLst>
               <a:ext uri="{FF2B5EF4-FFF2-40B4-BE49-F238E27FC236}">
-                <a16:creationId xmlns:a16="http://schemas.microsoft.com/office/drawing/2014/main" xmlns="" id="{067DD2ED-246D-7D41-B51F-FED98BF873FD}"/>
+                <a16:creationId xmlns="" xmlns:a16="http://schemas.microsoft.com/office/drawing/2014/main" id="{067DD2ED-246D-7D41-B51F-FED98BF873FD}"/>
               </a:ext>
             </a:extLst>
           </p:cNvPr>
@@ -4478,7 +4478,7 @@
           <p:cNvPr id="12" name="Straight Connector 21">
             <a:extLst>
               <a:ext uri="{FF2B5EF4-FFF2-40B4-BE49-F238E27FC236}">
-                <a16:creationId xmlns:a16="http://schemas.microsoft.com/office/drawing/2014/main" xmlns="" id="{68E8C250-D449-A743-8975-B5BFB04D9744}"/>
+                <a16:creationId xmlns="" xmlns:a16="http://schemas.microsoft.com/office/drawing/2014/main" id="{68E8C250-D449-A743-8975-B5BFB04D9744}"/>
               </a:ext>
             </a:extLst>
           </p:cNvPr>
@@ -4521,7 +4521,7 @@
           <p:cNvPr id="13" name="Straight Connector 25">
             <a:extLst>
               <a:ext uri="{FF2B5EF4-FFF2-40B4-BE49-F238E27FC236}">
-                <a16:creationId xmlns:a16="http://schemas.microsoft.com/office/drawing/2014/main" xmlns="" id="{DD1C71CA-B883-AF42-959D-BCA5690AAA4B}"/>
+                <a16:creationId xmlns="" xmlns:a16="http://schemas.microsoft.com/office/drawing/2014/main" id="{DD1C71CA-B883-AF42-959D-BCA5690AAA4B}"/>
               </a:ext>
             </a:extLst>
           </p:cNvPr>
@@ -4564,7 +4564,7 @@
           <p:cNvPr id="17" name="TextBox 16">
             <a:extLst>
               <a:ext uri="{FF2B5EF4-FFF2-40B4-BE49-F238E27FC236}">
-                <a16:creationId xmlns:a16="http://schemas.microsoft.com/office/drawing/2014/main" xmlns="" id="{24D3A12E-0E10-C441-81D2-C3C1EB6A0537}"/>
+                <a16:creationId xmlns="" xmlns:a16="http://schemas.microsoft.com/office/drawing/2014/main" id="{24D3A12E-0E10-C441-81D2-C3C1EB6A0537}"/>
               </a:ext>
             </a:extLst>
           </p:cNvPr>
@@ -4610,7 +4610,7 @@
           <p:cNvPr id="19" name="Straight Connector 59">
             <a:extLst>
               <a:ext uri="{FF2B5EF4-FFF2-40B4-BE49-F238E27FC236}">
-                <a16:creationId xmlns:a16="http://schemas.microsoft.com/office/drawing/2014/main" xmlns="" id="{3447008E-4F3B-FC4E-B96D-3927FAE1ED17}"/>
+                <a16:creationId xmlns="" xmlns:a16="http://schemas.microsoft.com/office/drawing/2014/main" id="{3447008E-4F3B-FC4E-B96D-3927FAE1ED17}"/>
               </a:ext>
             </a:extLst>
           </p:cNvPr>
@@ -4653,7 +4653,7 @@
           <p:cNvPr id="24" name="Рисунок 23">
             <a:extLst>
               <a:ext uri="{FF2B5EF4-FFF2-40B4-BE49-F238E27FC236}">
-                <a16:creationId xmlns:a16="http://schemas.microsoft.com/office/drawing/2014/main" xmlns="" id="{61115A7A-23E5-E442-9551-F72F1CDA57B9}"/>
+                <a16:creationId xmlns="" xmlns:a16="http://schemas.microsoft.com/office/drawing/2014/main" id="{61115A7A-23E5-E442-9551-F72F1CDA57B9}"/>
               </a:ext>
             </a:extLst>
           </p:cNvPr>
@@ -4743,7 +4743,7 @@
           <p:cNvPr id="32" name="Заголовок 31">
             <a:extLst>
               <a:ext uri="{FF2B5EF4-FFF2-40B4-BE49-F238E27FC236}">
-                <a16:creationId xmlns:a16="http://schemas.microsoft.com/office/drawing/2014/main" xmlns="" id="{9ED7AA97-D972-DF4F-B662-A65F2A544CC5}"/>
+                <a16:creationId xmlns="" xmlns:a16="http://schemas.microsoft.com/office/drawing/2014/main" id="{9ED7AA97-D972-DF4F-B662-A65F2A544CC5}"/>
               </a:ext>
             </a:extLst>
           </p:cNvPr>
@@ -4842,7 +4842,7 @@
           <p:cNvPr id="36" name="Текст 35">
             <a:extLst>
               <a:ext uri="{FF2B5EF4-FFF2-40B4-BE49-F238E27FC236}">
-                <a16:creationId xmlns:a16="http://schemas.microsoft.com/office/drawing/2014/main" xmlns="" id="{69E35E54-2B19-7441-876F-1C6A84F4F156}"/>
+                <a16:creationId xmlns="" xmlns:a16="http://schemas.microsoft.com/office/drawing/2014/main" id="{69E35E54-2B19-7441-876F-1C6A84F4F156}"/>
               </a:ext>
             </a:extLst>
           </p:cNvPr>
@@ -4977,7 +4977,7 @@
           <p:cNvPr id="38" name="Текст 37">
             <a:extLst>
               <a:ext uri="{FF2B5EF4-FFF2-40B4-BE49-F238E27FC236}">
-                <a16:creationId xmlns:a16="http://schemas.microsoft.com/office/drawing/2014/main" xmlns="" id="{7FB4A275-856E-364D-8AA4-2071AADC6AAA}"/>
+                <a16:creationId xmlns="" xmlns:a16="http://schemas.microsoft.com/office/drawing/2014/main" id="{7FB4A275-856E-364D-8AA4-2071AADC6AAA}"/>
               </a:ext>
             </a:extLst>
           </p:cNvPr>
@@ -5107,7 +5107,7 @@
           <p:cNvPr id="40" name="Текст 39">
             <a:extLst>
               <a:ext uri="{FF2B5EF4-FFF2-40B4-BE49-F238E27FC236}">
-                <a16:creationId xmlns:a16="http://schemas.microsoft.com/office/drawing/2014/main" xmlns="" id="{58FBA0EA-8BE0-A643-B258-4E5C34467172}"/>
+                <a16:creationId xmlns="" xmlns:a16="http://schemas.microsoft.com/office/drawing/2014/main" id="{58FBA0EA-8BE0-A643-B258-4E5C34467172}"/>
               </a:ext>
             </a:extLst>
           </p:cNvPr>
@@ -5205,7 +5205,7 @@
           <p:cNvPr id="41" name="Текст 39">
             <a:extLst>
               <a:ext uri="{FF2B5EF4-FFF2-40B4-BE49-F238E27FC236}">
-                <a16:creationId xmlns:a16="http://schemas.microsoft.com/office/drawing/2014/main" xmlns="" id="{0BEC062F-1BEB-DE4C-B7EE-C552C9D45F13}"/>
+                <a16:creationId xmlns="" xmlns:a16="http://schemas.microsoft.com/office/drawing/2014/main" id="{0BEC062F-1BEB-DE4C-B7EE-C552C9D45F13}"/>
               </a:ext>
             </a:extLst>
           </p:cNvPr>
@@ -5347,7 +5347,7 @@
           <p:cNvPr id="7" name="Picture 4" descr="Icon&#10;&#10;Description automatically generated">
             <a:extLst>
               <a:ext uri="{FF2B5EF4-FFF2-40B4-BE49-F238E27FC236}">
-                <a16:creationId xmlns:a16="http://schemas.microsoft.com/office/drawing/2014/main" xmlns="" id="{FDC66DB8-29BC-5940-A721-40F10021456A}"/>
+                <a16:creationId xmlns="" xmlns:a16="http://schemas.microsoft.com/office/drawing/2014/main" id="{FDC66DB8-29BC-5940-A721-40F10021456A}"/>
               </a:ext>
             </a:extLst>
           </p:cNvPr>
@@ -5377,7 +5377,7 @@
           <p:cNvPr id="8" name="Straight Connector 19">
             <a:extLst>
               <a:ext uri="{FF2B5EF4-FFF2-40B4-BE49-F238E27FC236}">
-                <a16:creationId xmlns:a16="http://schemas.microsoft.com/office/drawing/2014/main" xmlns="" id="{DE27C859-478F-3648-8A9D-2C85DBDCAC09}"/>
+                <a16:creationId xmlns="" xmlns:a16="http://schemas.microsoft.com/office/drawing/2014/main" id="{DE27C859-478F-3648-8A9D-2C85DBDCAC09}"/>
               </a:ext>
             </a:extLst>
           </p:cNvPr>
@@ -5420,7 +5420,7 @@
           <p:cNvPr id="9" name="Straight Connector 21">
             <a:extLst>
               <a:ext uri="{FF2B5EF4-FFF2-40B4-BE49-F238E27FC236}">
-                <a16:creationId xmlns:a16="http://schemas.microsoft.com/office/drawing/2014/main" xmlns="" id="{58EA1144-CFD8-1D47-B430-7014F576043B}"/>
+                <a16:creationId xmlns="" xmlns:a16="http://schemas.microsoft.com/office/drawing/2014/main" id="{58EA1144-CFD8-1D47-B430-7014F576043B}"/>
               </a:ext>
             </a:extLst>
           </p:cNvPr>
@@ -5463,7 +5463,7 @@
           <p:cNvPr id="10" name="Straight Connector 25">
             <a:extLst>
               <a:ext uri="{FF2B5EF4-FFF2-40B4-BE49-F238E27FC236}">
-                <a16:creationId xmlns:a16="http://schemas.microsoft.com/office/drawing/2014/main" xmlns="" id="{96EDC73C-5A3C-014E-8E52-04CAFCA9B20B}"/>
+                <a16:creationId xmlns="" xmlns:a16="http://schemas.microsoft.com/office/drawing/2014/main" id="{96EDC73C-5A3C-014E-8E52-04CAFCA9B20B}"/>
               </a:ext>
             </a:extLst>
           </p:cNvPr>
@@ -5506,7 +5506,7 @@
           <p:cNvPr id="11" name="TextBox 10">
             <a:extLst>
               <a:ext uri="{FF2B5EF4-FFF2-40B4-BE49-F238E27FC236}">
-                <a16:creationId xmlns:a16="http://schemas.microsoft.com/office/drawing/2014/main" xmlns="" id="{55E88681-53A8-3B45-B80A-372EDFB53883}"/>
+                <a16:creationId xmlns="" xmlns:a16="http://schemas.microsoft.com/office/drawing/2014/main" id="{55E88681-53A8-3B45-B80A-372EDFB53883}"/>
               </a:ext>
             </a:extLst>
           </p:cNvPr>
@@ -5552,7 +5552,7 @@
           <p:cNvPr id="12" name="Straight Connector 59">
             <a:extLst>
               <a:ext uri="{FF2B5EF4-FFF2-40B4-BE49-F238E27FC236}">
-                <a16:creationId xmlns:a16="http://schemas.microsoft.com/office/drawing/2014/main" xmlns="" id="{EDA7D8BF-DF37-704F-B77F-7E40752ACE25}"/>
+                <a16:creationId xmlns="" xmlns:a16="http://schemas.microsoft.com/office/drawing/2014/main" id="{EDA7D8BF-DF37-704F-B77F-7E40752ACE25}"/>
               </a:ext>
             </a:extLst>
           </p:cNvPr>
@@ -5595,7 +5595,7 @@
           <p:cNvPr id="13" name="Текст 37">
             <a:extLst>
               <a:ext uri="{FF2B5EF4-FFF2-40B4-BE49-F238E27FC236}">
-                <a16:creationId xmlns:a16="http://schemas.microsoft.com/office/drawing/2014/main" xmlns="" id="{5026DBD8-54A3-1446-9D3B-BA2B38460F1E}"/>
+                <a16:creationId xmlns="" xmlns:a16="http://schemas.microsoft.com/office/drawing/2014/main" id="{5026DBD8-54A3-1446-9D3B-BA2B38460F1E}"/>
               </a:ext>
             </a:extLst>
           </p:cNvPr>
@@ -5725,7 +5725,7 @@
           <p:cNvPr id="14" name="Текст 39">
             <a:extLst>
               <a:ext uri="{FF2B5EF4-FFF2-40B4-BE49-F238E27FC236}">
-                <a16:creationId xmlns:a16="http://schemas.microsoft.com/office/drawing/2014/main" xmlns="" id="{E8AA3569-5054-7D47-AB14-BCFB0440D0A6}"/>
+                <a16:creationId xmlns="" xmlns:a16="http://schemas.microsoft.com/office/drawing/2014/main" id="{E8AA3569-5054-7D47-AB14-BCFB0440D0A6}"/>
               </a:ext>
             </a:extLst>
           </p:cNvPr>
@@ -5823,7 +5823,7 @@
           <p:cNvPr id="16" name="Заголовок 31">
             <a:extLst>
               <a:ext uri="{FF2B5EF4-FFF2-40B4-BE49-F238E27FC236}">
-                <a16:creationId xmlns:a16="http://schemas.microsoft.com/office/drawing/2014/main" xmlns="" id="{76942483-EB13-0A4B-8060-DB65024C294E}"/>
+                <a16:creationId xmlns="" xmlns:a16="http://schemas.microsoft.com/office/drawing/2014/main" id="{76942483-EB13-0A4B-8060-DB65024C294E}"/>
               </a:ext>
             </a:extLst>
           </p:cNvPr>
@@ -5905,7 +5905,7 @@
           <p:cNvPr id="17" name="Текст 35">
             <a:extLst>
               <a:ext uri="{FF2B5EF4-FFF2-40B4-BE49-F238E27FC236}">
-                <a16:creationId xmlns:a16="http://schemas.microsoft.com/office/drawing/2014/main" xmlns="" id="{66FAD63B-F743-0F47-BBE3-D7731766705A}"/>
+                <a16:creationId xmlns="" xmlns:a16="http://schemas.microsoft.com/office/drawing/2014/main" id="{66FAD63B-F743-0F47-BBE3-D7731766705A}"/>
               </a:ext>
             </a:extLst>
           </p:cNvPr>
@@ -6046,7 +6046,7 @@
           <p:cNvPr id="18" name="Текст 39">
             <a:extLst>
               <a:ext uri="{FF2B5EF4-FFF2-40B4-BE49-F238E27FC236}">
-                <a16:creationId xmlns:a16="http://schemas.microsoft.com/office/drawing/2014/main" xmlns="" id="{8A048480-30C9-044E-8C2E-0F67398FEE12}"/>
+                <a16:creationId xmlns="" xmlns:a16="http://schemas.microsoft.com/office/drawing/2014/main" id="{8A048480-30C9-044E-8C2E-0F67398FEE12}"/>
               </a:ext>
             </a:extLst>
           </p:cNvPr>
@@ -6188,7 +6188,7 @@
           <p:cNvPr id="7" name="Picture 4" descr="Icon&#10;&#10;Description automatically generated">
             <a:extLst>
               <a:ext uri="{FF2B5EF4-FFF2-40B4-BE49-F238E27FC236}">
-                <a16:creationId xmlns:a16="http://schemas.microsoft.com/office/drawing/2014/main" xmlns="" id="{0E78CA68-7A0C-CF41-9AC6-A547FB9EC3B0}"/>
+                <a16:creationId xmlns="" xmlns:a16="http://schemas.microsoft.com/office/drawing/2014/main" id="{0E78CA68-7A0C-CF41-9AC6-A547FB9EC3B0}"/>
               </a:ext>
             </a:extLst>
           </p:cNvPr>
@@ -6218,7 +6218,7 @@
           <p:cNvPr id="8" name="Straight Connector 19">
             <a:extLst>
               <a:ext uri="{FF2B5EF4-FFF2-40B4-BE49-F238E27FC236}">
-                <a16:creationId xmlns:a16="http://schemas.microsoft.com/office/drawing/2014/main" xmlns="" id="{45DC512A-A23B-B24D-A1F6-6793976867CF}"/>
+                <a16:creationId xmlns="" xmlns:a16="http://schemas.microsoft.com/office/drawing/2014/main" id="{45DC512A-A23B-B24D-A1F6-6793976867CF}"/>
               </a:ext>
             </a:extLst>
           </p:cNvPr>
@@ -6261,7 +6261,7 @@
           <p:cNvPr id="9" name="Straight Connector 21">
             <a:extLst>
               <a:ext uri="{FF2B5EF4-FFF2-40B4-BE49-F238E27FC236}">
-                <a16:creationId xmlns:a16="http://schemas.microsoft.com/office/drawing/2014/main" xmlns="" id="{21F91649-DF0F-5F45-A43B-2CED9ACDD049}"/>
+                <a16:creationId xmlns="" xmlns:a16="http://schemas.microsoft.com/office/drawing/2014/main" id="{21F91649-DF0F-5F45-A43B-2CED9ACDD049}"/>
               </a:ext>
             </a:extLst>
           </p:cNvPr>
@@ -6304,7 +6304,7 @@
           <p:cNvPr id="10" name="Straight Connector 25">
             <a:extLst>
               <a:ext uri="{FF2B5EF4-FFF2-40B4-BE49-F238E27FC236}">
-                <a16:creationId xmlns:a16="http://schemas.microsoft.com/office/drawing/2014/main" xmlns="" id="{3137B760-1A50-1845-B7F2-1EF31C71C72B}"/>
+                <a16:creationId xmlns="" xmlns:a16="http://schemas.microsoft.com/office/drawing/2014/main" id="{3137B760-1A50-1845-B7F2-1EF31C71C72B}"/>
               </a:ext>
             </a:extLst>
           </p:cNvPr>
@@ -6347,7 +6347,7 @@
           <p:cNvPr id="11" name="TextBox 10">
             <a:extLst>
               <a:ext uri="{FF2B5EF4-FFF2-40B4-BE49-F238E27FC236}">
-                <a16:creationId xmlns:a16="http://schemas.microsoft.com/office/drawing/2014/main" xmlns="" id="{05ECCF8F-5855-7943-B503-5573887A534D}"/>
+                <a16:creationId xmlns="" xmlns:a16="http://schemas.microsoft.com/office/drawing/2014/main" id="{05ECCF8F-5855-7943-B503-5573887A534D}"/>
               </a:ext>
             </a:extLst>
           </p:cNvPr>
@@ -6393,7 +6393,7 @@
           <p:cNvPr id="12" name="Straight Connector 59">
             <a:extLst>
               <a:ext uri="{FF2B5EF4-FFF2-40B4-BE49-F238E27FC236}">
-                <a16:creationId xmlns:a16="http://schemas.microsoft.com/office/drawing/2014/main" xmlns="" id="{FB81B23D-CDD8-E64C-9887-3540F7EE1C4B}"/>
+                <a16:creationId xmlns="" xmlns:a16="http://schemas.microsoft.com/office/drawing/2014/main" id="{FB81B23D-CDD8-E64C-9887-3540F7EE1C4B}"/>
               </a:ext>
             </a:extLst>
           </p:cNvPr>
@@ -6436,7 +6436,7 @@
           <p:cNvPr id="13" name="Текст 37">
             <a:extLst>
               <a:ext uri="{FF2B5EF4-FFF2-40B4-BE49-F238E27FC236}">
-                <a16:creationId xmlns:a16="http://schemas.microsoft.com/office/drawing/2014/main" xmlns="" id="{C2D710AE-3CBE-5940-A7EB-F96132E6592D}"/>
+                <a16:creationId xmlns="" xmlns:a16="http://schemas.microsoft.com/office/drawing/2014/main" id="{C2D710AE-3CBE-5940-A7EB-F96132E6592D}"/>
               </a:ext>
             </a:extLst>
           </p:cNvPr>
@@ -6566,7 +6566,7 @@
           <p:cNvPr id="14" name="Текст 39">
             <a:extLst>
               <a:ext uri="{FF2B5EF4-FFF2-40B4-BE49-F238E27FC236}">
-                <a16:creationId xmlns:a16="http://schemas.microsoft.com/office/drawing/2014/main" xmlns="" id="{FCC5A33D-0A3C-F140-B745-367744A5F308}"/>
+                <a16:creationId xmlns="" xmlns:a16="http://schemas.microsoft.com/office/drawing/2014/main" id="{FCC5A33D-0A3C-F140-B745-367744A5F308}"/>
               </a:ext>
             </a:extLst>
           </p:cNvPr>
@@ -6664,7 +6664,7 @@
           <p:cNvPr id="17" name="Текст 35">
             <a:extLst>
               <a:ext uri="{FF2B5EF4-FFF2-40B4-BE49-F238E27FC236}">
-                <a16:creationId xmlns:a16="http://schemas.microsoft.com/office/drawing/2014/main" xmlns="" id="{5163BE0A-A745-414A-AF21-D968BD69D2DA}"/>
+                <a16:creationId xmlns="" xmlns:a16="http://schemas.microsoft.com/office/drawing/2014/main" id="{5163BE0A-A745-414A-AF21-D968BD69D2DA}"/>
               </a:ext>
             </a:extLst>
           </p:cNvPr>
@@ -6799,7 +6799,7 @@
           <p:cNvPr id="20" name="Текст 35">
             <a:extLst>
               <a:ext uri="{FF2B5EF4-FFF2-40B4-BE49-F238E27FC236}">
-                <a16:creationId xmlns:a16="http://schemas.microsoft.com/office/drawing/2014/main" xmlns="" id="{B3D47CF6-5FC1-2346-8894-A7CC39063DE3}"/>
+                <a16:creationId xmlns="" xmlns:a16="http://schemas.microsoft.com/office/drawing/2014/main" id="{B3D47CF6-5FC1-2346-8894-A7CC39063DE3}"/>
               </a:ext>
             </a:extLst>
           </p:cNvPr>
@@ -6932,7 +6932,7 @@
           <p:cNvPr id="23" name="Текст 22">
             <a:extLst>
               <a:ext uri="{FF2B5EF4-FFF2-40B4-BE49-F238E27FC236}">
-                <a16:creationId xmlns:a16="http://schemas.microsoft.com/office/drawing/2014/main" xmlns="" id="{CD14B8F3-89C2-9F45-809E-D1EAF85AC566}"/>
+                <a16:creationId xmlns="" xmlns:a16="http://schemas.microsoft.com/office/drawing/2014/main" id="{CD14B8F3-89C2-9F45-809E-D1EAF85AC566}"/>
               </a:ext>
             </a:extLst>
           </p:cNvPr>
@@ -7016,7 +7016,7 @@
           <p:cNvPr id="24" name="Текст 39">
             <a:extLst>
               <a:ext uri="{FF2B5EF4-FFF2-40B4-BE49-F238E27FC236}">
-                <a16:creationId xmlns:a16="http://schemas.microsoft.com/office/drawing/2014/main" xmlns="" id="{3BE4279A-8109-B244-B721-18F10C696B17}"/>
+                <a16:creationId xmlns="" xmlns:a16="http://schemas.microsoft.com/office/drawing/2014/main" id="{3BE4279A-8109-B244-B721-18F10C696B17}"/>
               </a:ext>
             </a:extLst>
           </p:cNvPr>
@@ -7114,7 +7114,7 @@
           <p:cNvPr id="25" name="Заголовок 31">
             <a:extLst>
               <a:ext uri="{FF2B5EF4-FFF2-40B4-BE49-F238E27FC236}">
-                <a16:creationId xmlns:a16="http://schemas.microsoft.com/office/drawing/2014/main" xmlns="" id="{B32DC3D4-97A5-3E4F-A29B-422D5E3129B7}"/>
+                <a16:creationId xmlns="" xmlns:a16="http://schemas.microsoft.com/office/drawing/2014/main" id="{B32DC3D4-97A5-3E4F-A29B-422D5E3129B7}"/>
               </a:ext>
             </a:extLst>
           </p:cNvPr>
@@ -7240,7 +7240,7 @@
           <p:cNvPr id="7" name="Picture 4" descr="Icon&#10;&#10;Description automatically generated">
             <a:extLst>
               <a:ext uri="{FF2B5EF4-FFF2-40B4-BE49-F238E27FC236}">
-                <a16:creationId xmlns:a16="http://schemas.microsoft.com/office/drawing/2014/main" xmlns="" id="{9E89D752-CAC6-0943-9A3D-4C52DBF50CE2}"/>
+                <a16:creationId xmlns="" xmlns:a16="http://schemas.microsoft.com/office/drawing/2014/main" id="{9E89D752-CAC6-0943-9A3D-4C52DBF50CE2}"/>
               </a:ext>
             </a:extLst>
           </p:cNvPr>
@@ -7270,7 +7270,7 @@
           <p:cNvPr id="8" name="Straight Connector 19">
             <a:extLst>
               <a:ext uri="{FF2B5EF4-FFF2-40B4-BE49-F238E27FC236}">
-                <a16:creationId xmlns:a16="http://schemas.microsoft.com/office/drawing/2014/main" xmlns="" id="{64D89E64-93BB-044D-B3D4-8F2679C5CA4C}"/>
+                <a16:creationId xmlns="" xmlns:a16="http://schemas.microsoft.com/office/drawing/2014/main" id="{64D89E64-93BB-044D-B3D4-8F2679C5CA4C}"/>
               </a:ext>
             </a:extLst>
           </p:cNvPr>
@@ -7313,7 +7313,7 @@
           <p:cNvPr id="9" name="Straight Connector 21">
             <a:extLst>
               <a:ext uri="{FF2B5EF4-FFF2-40B4-BE49-F238E27FC236}">
-                <a16:creationId xmlns:a16="http://schemas.microsoft.com/office/drawing/2014/main" xmlns="" id="{D0C3B169-866D-C645-AF76-00F8C2A97E9B}"/>
+                <a16:creationId xmlns="" xmlns:a16="http://schemas.microsoft.com/office/drawing/2014/main" id="{D0C3B169-866D-C645-AF76-00F8C2A97E9B}"/>
               </a:ext>
             </a:extLst>
           </p:cNvPr>
@@ -7356,7 +7356,7 @@
           <p:cNvPr id="10" name="Straight Connector 25">
             <a:extLst>
               <a:ext uri="{FF2B5EF4-FFF2-40B4-BE49-F238E27FC236}">
-                <a16:creationId xmlns:a16="http://schemas.microsoft.com/office/drawing/2014/main" xmlns="" id="{FDDF48AB-D8AE-0E42-A544-8EA5B8744778}"/>
+                <a16:creationId xmlns="" xmlns:a16="http://schemas.microsoft.com/office/drawing/2014/main" id="{FDDF48AB-D8AE-0E42-A544-8EA5B8744778}"/>
               </a:ext>
             </a:extLst>
           </p:cNvPr>
@@ -7399,7 +7399,7 @@
           <p:cNvPr id="11" name="TextBox 10">
             <a:extLst>
               <a:ext uri="{FF2B5EF4-FFF2-40B4-BE49-F238E27FC236}">
-                <a16:creationId xmlns:a16="http://schemas.microsoft.com/office/drawing/2014/main" xmlns="" id="{66DF89EC-1E7C-3B40-85F4-6D19A7D29AC7}"/>
+                <a16:creationId xmlns="" xmlns:a16="http://schemas.microsoft.com/office/drawing/2014/main" id="{66DF89EC-1E7C-3B40-85F4-6D19A7D29AC7}"/>
               </a:ext>
             </a:extLst>
           </p:cNvPr>
@@ -7445,7 +7445,7 @@
           <p:cNvPr id="12" name="Straight Connector 59">
             <a:extLst>
               <a:ext uri="{FF2B5EF4-FFF2-40B4-BE49-F238E27FC236}">
-                <a16:creationId xmlns:a16="http://schemas.microsoft.com/office/drawing/2014/main" xmlns="" id="{019D6862-BD52-734D-9E19-38C147CA2D29}"/>
+                <a16:creationId xmlns="" xmlns:a16="http://schemas.microsoft.com/office/drawing/2014/main" id="{019D6862-BD52-734D-9E19-38C147CA2D29}"/>
               </a:ext>
             </a:extLst>
           </p:cNvPr>
@@ -7488,7 +7488,7 @@
           <p:cNvPr id="13" name="Текст 37">
             <a:extLst>
               <a:ext uri="{FF2B5EF4-FFF2-40B4-BE49-F238E27FC236}">
-                <a16:creationId xmlns:a16="http://schemas.microsoft.com/office/drawing/2014/main" xmlns="" id="{A9BD5ADD-B3F2-C342-82F7-83683F040D2F}"/>
+                <a16:creationId xmlns="" xmlns:a16="http://schemas.microsoft.com/office/drawing/2014/main" id="{A9BD5ADD-B3F2-C342-82F7-83683F040D2F}"/>
               </a:ext>
             </a:extLst>
           </p:cNvPr>
@@ -7618,7 +7618,7 @@
           <p:cNvPr id="14" name="Текст 39">
             <a:extLst>
               <a:ext uri="{FF2B5EF4-FFF2-40B4-BE49-F238E27FC236}">
-                <a16:creationId xmlns:a16="http://schemas.microsoft.com/office/drawing/2014/main" xmlns="" id="{4F15CBC0-FC8B-744E-95A7-C9863CDC31BD}"/>
+                <a16:creationId xmlns="" xmlns:a16="http://schemas.microsoft.com/office/drawing/2014/main" id="{4F15CBC0-FC8B-744E-95A7-C9863CDC31BD}"/>
               </a:ext>
             </a:extLst>
           </p:cNvPr>
@@ -7716,7 +7716,7 @@
           <p:cNvPr id="16" name="Текст 39">
             <a:extLst>
               <a:ext uri="{FF2B5EF4-FFF2-40B4-BE49-F238E27FC236}">
-                <a16:creationId xmlns:a16="http://schemas.microsoft.com/office/drawing/2014/main" xmlns="" id="{BC3B54AA-A0BD-E646-B3B7-C0E724D26D23}"/>
+                <a16:creationId xmlns="" xmlns:a16="http://schemas.microsoft.com/office/drawing/2014/main" id="{BC3B54AA-A0BD-E646-B3B7-C0E724D26D23}"/>
               </a:ext>
             </a:extLst>
           </p:cNvPr>
@@ -7814,7 +7814,7 @@
           <p:cNvPr id="17" name="Заголовок 31">
             <a:extLst>
               <a:ext uri="{FF2B5EF4-FFF2-40B4-BE49-F238E27FC236}">
-                <a16:creationId xmlns:a16="http://schemas.microsoft.com/office/drawing/2014/main" xmlns="" id="{B3F16318-C9C3-B948-A508-4BC53D0B7716}"/>
+                <a16:creationId xmlns="" xmlns:a16="http://schemas.microsoft.com/office/drawing/2014/main" id="{B3F16318-C9C3-B948-A508-4BC53D0B7716}"/>
               </a:ext>
             </a:extLst>
           </p:cNvPr>
@@ -7913,7 +7913,7 @@
           <p:cNvPr id="18" name="Текст 35">
             <a:extLst>
               <a:ext uri="{FF2B5EF4-FFF2-40B4-BE49-F238E27FC236}">
-                <a16:creationId xmlns:a16="http://schemas.microsoft.com/office/drawing/2014/main" xmlns="" id="{23B3E5FB-BBCE-4149-AD9A-8CAB06CC9FCF}"/>
+                <a16:creationId xmlns="" xmlns:a16="http://schemas.microsoft.com/office/drawing/2014/main" id="{23B3E5FB-BBCE-4149-AD9A-8CAB06CC9FCF}"/>
               </a:ext>
             </a:extLst>
           </p:cNvPr>
@@ -8592,7 +8592,7 @@
           <p:cNvPr id="19" name="Текст 35">
             <a:extLst>
               <a:ext uri="{FF2B5EF4-FFF2-40B4-BE49-F238E27FC236}">
-                <a16:creationId xmlns:a16="http://schemas.microsoft.com/office/drawing/2014/main" xmlns="" id="{658542D3-7E45-6E46-8039-27C4C43DD617}"/>
+                <a16:creationId xmlns="" xmlns:a16="http://schemas.microsoft.com/office/drawing/2014/main" id="{658542D3-7E45-6E46-8039-27C4C43DD617}"/>
               </a:ext>
             </a:extLst>
           </p:cNvPr>
@@ -8725,7 +8725,7 @@
           <p:cNvPr id="21" name="Диаграмма 7">
             <a:extLst>
               <a:ext uri="{FF2B5EF4-FFF2-40B4-BE49-F238E27FC236}">
-                <a16:creationId xmlns:a16="http://schemas.microsoft.com/office/drawing/2014/main" xmlns="" id="{57965DCA-4776-7546-97FD-A69317A34CF2}"/>
+                <a16:creationId xmlns="" xmlns:a16="http://schemas.microsoft.com/office/drawing/2014/main" id="{57965DCA-4776-7546-97FD-A69317A34CF2}"/>
               </a:ext>
             </a:extLst>
           </p:cNvPr>
@@ -8799,7 +8799,7 @@
           <p:cNvPr id="8" name="Picture 4" descr="Icon&#10;&#10;Description automatically generated">
             <a:extLst>
               <a:ext uri="{FF2B5EF4-FFF2-40B4-BE49-F238E27FC236}">
-                <a16:creationId xmlns:a16="http://schemas.microsoft.com/office/drawing/2014/main" xmlns="" id="{11D7C3EB-CCEB-E142-9753-8B2D75A0A80D}"/>
+                <a16:creationId xmlns="" xmlns:a16="http://schemas.microsoft.com/office/drawing/2014/main" id="{11D7C3EB-CCEB-E142-9753-8B2D75A0A80D}"/>
               </a:ext>
             </a:extLst>
           </p:cNvPr>
@@ -8829,7 +8829,7 @@
           <p:cNvPr id="9" name="Straight Connector 19">
             <a:extLst>
               <a:ext uri="{FF2B5EF4-FFF2-40B4-BE49-F238E27FC236}">
-                <a16:creationId xmlns:a16="http://schemas.microsoft.com/office/drawing/2014/main" xmlns="" id="{527C9F89-51CC-D243-9351-73AB081DB944}"/>
+                <a16:creationId xmlns="" xmlns:a16="http://schemas.microsoft.com/office/drawing/2014/main" id="{527C9F89-51CC-D243-9351-73AB081DB944}"/>
               </a:ext>
             </a:extLst>
           </p:cNvPr>
@@ -8872,7 +8872,7 @@
           <p:cNvPr id="10" name="Straight Connector 21">
             <a:extLst>
               <a:ext uri="{FF2B5EF4-FFF2-40B4-BE49-F238E27FC236}">
-                <a16:creationId xmlns:a16="http://schemas.microsoft.com/office/drawing/2014/main" xmlns="" id="{F09EE119-6C80-E846-95F9-BB3907664128}"/>
+                <a16:creationId xmlns="" xmlns:a16="http://schemas.microsoft.com/office/drawing/2014/main" id="{F09EE119-6C80-E846-95F9-BB3907664128}"/>
               </a:ext>
             </a:extLst>
           </p:cNvPr>
@@ -8915,7 +8915,7 @@
           <p:cNvPr id="11" name="Straight Connector 25">
             <a:extLst>
               <a:ext uri="{FF2B5EF4-FFF2-40B4-BE49-F238E27FC236}">
-                <a16:creationId xmlns:a16="http://schemas.microsoft.com/office/drawing/2014/main" xmlns="" id="{6C0A681B-44BF-6A46-98D8-483EF13B9114}"/>
+                <a16:creationId xmlns="" xmlns:a16="http://schemas.microsoft.com/office/drawing/2014/main" id="{6C0A681B-44BF-6A46-98D8-483EF13B9114}"/>
               </a:ext>
             </a:extLst>
           </p:cNvPr>
@@ -8958,7 +8958,7 @@
           <p:cNvPr id="12" name="TextBox 11">
             <a:extLst>
               <a:ext uri="{FF2B5EF4-FFF2-40B4-BE49-F238E27FC236}">
-                <a16:creationId xmlns:a16="http://schemas.microsoft.com/office/drawing/2014/main" xmlns="" id="{C65A5D7C-EB12-9D4D-A99A-4B26C81B7387}"/>
+                <a16:creationId xmlns="" xmlns:a16="http://schemas.microsoft.com/office/drawing/2014/main" id="{C65A5D7C-EB12-9D4D-A99A-4B26C81B7387}"/>
               </a:ext>
             </a:extLst>
           </p:cNvPr>
@@ -9004,7 +9004,7 @@
           <p:cNvPr id="13" name="Straight Connector 59">
             <a:extLst>
               <a:ext uri="{FF2B5EF4-FFF2-40B4-BE49-F238E27FC236}">
-                <a16:creationId xmlns:a16="http://schemas.microsoft.com/office/drawing/2014/main" xmlns="" id="{D4C3D74D-BE91-9547-ADCA-ACCE93C18789}"/>
+                <a16:creationId xmlns="" xmlns:a16="http://schemas.microsoft.com/office/drawing/2014/main" id="{D4C3D74D-BE91-9547-ADCA-ACCE93C18789}"/>
               </a:ext>
             </a:extLst>
           </p:cNvPr>
@@ -9047,7 +9047,7 @@
           <p:cNvPr id="14" name="Текст 37">
             <a:extLst>
               <a:ext uri="{FF2B5EF4-FFF2-40B4-BE49-F238E27FC236}">
-                <a16:creationId xmlns:a16="http://schemas.microsoft.com/office/drawing/2014/main" xmlns="" id="{3E0AB43B-5E98-6042-A282-C61E0C5A37B9}"/>
+                <a16:creationId xmlns="" xmlns:a16="http://schemas.microsoft.com/office/drawing/2014/main" id="{3E0AB43B-5E98-6042-A282-C61E0C5A37B9}"/>
               </a:ext>
             </a:extLst>
           </p:cNvPr>
@@ -9177,7 +9177,7 @@
           <p:cNvPr id="15" name="Текст 39">
             <a:extLst>
               <a:ext uri="{FF2B5EF4-FFF2-40B4-BE49-F238E27FC236}">
-                <a16:creationId xmlns:a16="http://schemas.microsoft.com/office/drawing/2014/main" xmlns="" id="{7388A8DF-D130-5445-A3F8-F96E1202BA19}"/>
+                <a16:creationId xmlns="" xmlns:a16="http://schemas.microsoft.com/office/drawing/2014/main" id="{7388A8DF-D130-5445-A3F8-F96E1202BA19}"/>
               </a:ext>
             </a:extLst>
           </p:cNvPr>
@@ -9275,7 +9275,7 @@
           <p:cNvPr id="17" name="Текст 39">
             <a:extLst>
               <a:ext uri="{FF2B5EF4-FFF2-40B4-BE49-F238E27FC236}">
-                <a16:creationId xmlns:a16="http://schemas.microsoft.com/office/drawing/2014/main" xmlns="" id="{02CBC466-1703-7541-94E4-AC76F4E6D938}"/>
+                <a16:creationId xmlns="" xmlns:a16="http://schemas.microsoft.com/office/drawing/2014/main" id="{02CBC466-1703-7541-94E4-AC76F4E6D938}"/>
               </a:ext>
             </a:extLst>
           </p:cNvPr>
@@ -9373,7 +9373,7 @@
           <p:cNvPr id="20" name="Текст 35">
             <a:extLst>
               <a:ext uri="{FF2B5EF4-FFF2-40B4-BE49-F238E27FC236}">
-                <a16:creationId xmlns:a16="http://schemas.microsoft.com/office/drawing/2014/main" xmlns="" id="{5812BF3C-1D24-3640-84D2-BFFCA525AE5F}"/>
+                <a16:creationId xmlns="" xmlns:a16="http://schemas.microsoft.com/office/drawing/2014/main" id="{5812BF3C-1D24-3640-84D2-BFFCA525AE5F}"/>
               </a:ext>
             </a:extLst>
           </p:cNvPr>
@@ -9506,7 +9506,7 @@
           <p:cNvPr id="21" name="Диаграмма 7">
             <a:extLst>
               <a:ext uri="{FF2B5EF4-FFF2-40B4-BE49-F238E27FC236}">
-                <a16:creationId xmlns:a16="http://schemas.microsoft.com/office/drawing/2014/main" xmlns="" id="{BCBBDD44-9DC9-F74E-979F-120A7BBD4EE1}"/>
+                <a16:creationId xmlns="" xmlns:a16="http://schemas.microsoft.com/office/drawing/2014/main" id="{BCBBDD44-9DC9-F74E-979F-120A7BBD4EE1}"/>
               </a:ext>
             </a:extLst>
           </p:cNvPr>
@@ -9536,7 +9536,7 @@
           <p:cNvPr id="23" name="Текст 22">
             <a:extLst>
               <a:ext uri="{FF2B5EF4-FFF2-40B4-BE49-F238E27FC236}">
-                <a16:creationId xmlns:a16="http://schemas.microsoft.com/office/drawing/2014/main" xmlns="" id="{7C68DF7B-E804-E44B-83DF-5DC36AF76F43}"/>
+                <a16:creationId xmlns="" xmlns:a16="http://schemas.microsoft.com/office/drawing/2014/main" id="{7C68DF7B-E804-E44B-83DF-5DC36AF76F43}"/>
               </a:ext>
             </a:extLst>
           </p:cNvPr>
@@ -9633,7 +9633,7 @@
           <p:cNvPr id="28" name="Текст 35">
             <a:extLst>
               <a:ext uri="{FF2B5EF4-FFF2-40B4-BE49-F238E27FC236}">
-                <a16:creationId xmlns:a16="http://schemas.microsoft.com/office/drawing/2014/main" xmlns="" id="{89E931D8-2901-A54D-86EA-096E47B81880}"/>
+                <a16:creationId xmlns="" xmlns:a16="http://schemas.microsoft.com/office/drawing/2014/main" id="{89E931D8-2901-A54D-86EA-096E47B81880}"/>
               </a:ext>
             </a:extLst>
           </p:cNvPr>
@@ -10356,7 +10356,7 @@
           <p:cNvPr id="6" name="Picture 4" descr="Icon&#10;&#10;Description automatically generated">
             <a:extLst>
               <a:ext uri="{FF2B5EF4-FFF2-40B4-BE49-F238E27FC236}">
-                <a16:creationId xmlns:a16="http://schemas.microsoft.com/office/drawing/2014/main" xmlns="" id="{E9A64721-E55E-8749-B29E-51DD8955936F}"/>
+                <a16:creationId xmlns="" xmlns:a16="http://schemas.microsoft.com/office/drawing/2014/main" id="{E9A64721-E55E-8749-B29E-51DD8955936F}"/>
               </a:ext>
             </a:extLst>
           </p:cNvPr>
@@ -10386,7 +10386,7 @@
           <p:cNvPr id="7" name="Straight Connector 19">
             <a:extLst>
               <a:ext uri="{FF2B5EF4-FFF2-40B4-BE49-F238E27FC236}">
-                <a16:creationId xmlns:a16="http://schemas.microsoft.com/office/drawing/2014/main" xmlns="" id="{B0C162B7-B84F-874A-960E-31F512518C6E}"/>
+                <a16:creationId xmlns="" xmlns:a16="http://schemas.microsoft.com/office/drawing/2014/main" id="{B0C162B7-B84F-874A-960E-31F512518C6E}"/>
               </a:ext>
             </a:extLst>
           </p:cNvPr>
@@ -10429,7 +10429,7 @@
           <p:cNvPr id="8" name="Straight Connector 21">
             <a:extLst>
               <a:ext uri="{FF2B5EF4-FFF2-40B4-BE49-F238E27FC236}">
-                <a16:creationId xmlns:a16="http://schemas.microsoft.com/office/drawing/2014/main" xmlns="" id="{1CB321BB-9FE3-294F-85D8-AA7DC75CA4AF}"/>
+                <a16:creationId xmlns="" xmlns:a16="http://schemas.microsoft.com/office/drawing/2014/main" id="{1CB321BB-9FE3-294F-85D8-AA7DC75CA4AF}"/>
               </a:ext>
             </a:extLst>
           </p:cNvPr>
@@ -10472,7 +10472,7 @@
           <p:cNvPr id="9" name="Straight Connector 25">
             <a:extLst>
               <a:ext uri="{FF2B5EF4-FFF2-40B4-BE49-F238E27FC236}">
-                <a16:creationId xmlns:a16="http://schemas.microsoft.com/office/drawing/2014/main" xmlns="" id="{0A610A45-8712-8A45-AFB3-931CF468EC32}"/>
+                <a16:creationId xmlns="" xmlns:a16="http://schemas.microsoft.com/office/drawing/2014/main" id="{0A610A45-8712-8A45-AFB3-931CF468EC32}"/>
               </a:ext>
             </a:extLst>
           </p:cNvPr>
@@ -10515,7 +10515,7 @@
           <p:cNvPr id="10" name="TextBox 9">
             <a:extLst>
               <a:ext uri="{FF2B5EF4-FFF2-40B4-BE49-F238E27FC236}">
-                <a16:creationId xmlns:a16="http://schemas.microsoft.com/office/drawing/2014/main" xmlns="" id="{30460EF6-ECAD-8941-8132-1B3E005D6067}"/>
+                <a16:creationId xmlns="" xmlns:a16="http://schemas.microsoft.com/office/drawing/2014/main" id="{30460EF6-ECAD-8941-8132-1B3E005D6067}"/>
               </a:ext>
             </a:extLst>
           </p:cNvPr>
@@ -10561,7 +10561,7 @@
           <p:cNvPr id="11" name="Straight Connector 59">
             <a:extLst>
               <a:ext uri="{FF2B5EF4-FFF2-40B4-BE49-F238E27FC236}">
-                <a16:creationId xmlns:a16="http://schemas.microsoft.com/office/drawing/2014/main" xmlns="" id="{41AE56A2-5FAA-FD44-AE1A-338E1E304184}"/>
+                <a16:creationId xmlns="" xmlns:a16="http://schemas.microsoft.com/office/drawing/2014/main" id="{41AE56A2-5FAA-FD44-AE1A-338E1E304184}"/>
               </a:ext>
             </a:extLst>
           </p:cNvPr>
@@ -10604,7 +10604,7 @@
           <p:cNvPr id="12" name="Текст 37">
             <a:extLst>
               <a:ext uri="{FF2B5EF4-FFF2-40B4-BE49-F238E27FC236}">
-                <a16:creationId xmlns:a16="http://schemas.microsoft.com/office/drawing/2014/main" xmlns="" id="{D9986185-6D5E-FD48-A5CA-AF2D5B58A3E7}"/>
+                <a16:creationId xmlns="" xmlns:a16="http://schemas.microsoft.com/office/drawing/2014/main" id="{D9986185-6D5E-FD48-A5CA-AF2D5B58A3E7}"/>
               </a:ext>
             </a:extLst>
           </p:cNvPr>
@@ -10734,7 +10734,7 @@
           <p:cNvPr id="13" name="Текст 39">
             <a:extLst>
               <a:ext uri="{FF2B5EF4-FFF2-40B4-BE49-F238E27FC236}">
-                <a16:creationId xmlns:a16="http://schemas.microsoft.com/office/drawing/2014/main" xmlns="" id="{5DBFD327-E3A8-944A-AABF-7D813AD0F13C}"/>
+                <a16:creationId xmlns="" xmlns:a16="http://schemas.microsoft.com/office/drawing/2014/main" id="{5DBFD327-E3A8-944A-AABF-7D813AD0F13C}"/>
               </a:ext>
             </a:extLst>
           </p:cNvPr>
@@ -10832,7 +10832,7 @@
           <p:cNvPr id="15" name="Текст 39">
             <a:extLst>
               <a:ext uri="{FF2B5EF4-FFF2-40B4-BE49-F238E27FC236}">
-                <a16:creationId xmlns:a16="http://schemas.microsoft.com/office/drawing/2014/main" xmlns="" id="{D206FCE0-05C3-2C45-A7D6-1FC287C017BE}"/>
+                <a16:creationId xmlns="" xmlns:a16="http://schemas.microsoft.com/office/drawing/2014/main" id="{D206FCE0-05C3-2C45-A7D6-1FC287C017BE}"/>
               </a:ext>
             </a:extLst>
           </p:cNvPr>
@@ -10930,7 +10930,7 @@
           <p:cNvPr id="17" name="Заголовок 31">
             <a:extLst>
               <a:ext uri="{FF2B5EF4-FFF2-40B4-BE49-F238E27FC236}">
-                <a16:creationId xmlns:a16="http://schemas.microsoft.com/office/drawing/2014/main" xmlns="" id="{3B28B62E-5EE9-834C-9BB6-BD66079B8164}"/>
+                <a16:creationId xmlns="" xmlns:a16="http://schemas.microsoft.com/office/drawing/2014/main" id="{3B28B62E-5EE9-834C-9BB6-BD66079B8164}"/>
               </a:ext>
             </a:extLst>
           </p:cNvPr>
@@ -11012,7 +11012,7 @@
           <p:cNvPr id="24" name="Текст 35">
             <a:extLst>
               <a:ext uri="{FF2B5EF4-FFF2-40B4-BE49-F238E27FC236}">
-                <a16:creationId xmlns:a16="http://schemas.microsoft.com/office/drawing/2014/main" xmlns="" id="{621215DE-C1FD-2B4C-B236-AF679CF906BE}"/>
+                <a16:creationId xmlns="" xmlns:a16="http://schemas.microsoft.com/office/drawing/2014/main" id="{621215DE-C1FD-2B4C-B236-AF679CF906BE}"/>
               </a:ext>
             </a:extLst>
           </p:cNvPr>
@@ -11136,7 +11136,7 @@
           <p:cNvPr id="25" name="Текст 35">
             <a:extLst>
               <a:ext uri="{FF2B5EF4-FFF2-40B4-BE49-F238E27FC236}">
-                <a16:creationId xmlns:a16="http://schemas.microsoft.com/office/drawing/2014/main" xmlns="" id="{8BC2F90D-0CE0-574C-A7C1-EAA3E6F1AB56}"/>
+                <a16:creationId xmlns="" xmlns:a16="http://schemas.microsoft.com/office/drawing/2014/main" id="{8BC2F90D-0CE0-574C-A7C1-EAA3E6F1AB56}"/>
               </a:ext>
             </a:extLst>
           </p:cNvPr>
@@ -11260,7 +11260,7 @@
           <p:cNvPr id="26" name="Текст 35">
             <a:extLst>
               <a:ext uri="{FF2B5EF4-FFF2-40B4-BE49-F238E27FC236}">
-                <a16:creationId xmlns:a16="http://schemas.microsoft.com/office/drawing/2014/main" xmlns="" id="{239E188B-2696-8A48-9F8A-36223EEF61E9}"/>
+                <a16:creationId xmlns="" xmlns:a16="http://schemas.microsoft.com/office/drawing/2014/main" id="{239E188B-2696-8A48-9F8A-36223EEF61E9}"/>
               </a:ext>
             </a:extLst>
           </p:cNvPr>
@@ -11384,7 +11384,7 @@
           <p:cNvPr id="28" name="Текст 27">
             <a:extLst>
               <a:ext uri="{FF2B5EF4-FFF2-40B4-BE49-F238E27FC236}">
-                <a16:creationId xmlns:a16="http://schemas.microsoft.com/office/drawing/2014/main" xmlns="" id="{379BF4C6-F899-294C-B88E-8363AFBEEC2A}"/>
+                <a16:creationId xmlns="" xmlns:a16="http://schemas.microsoft.com/office/drawing/2014/main" id="{379BF4C6-F899-294C-B88E-8363AFBEEC2A}"/>
               </a:ext>
             </a:extLst>
           </p:cNvPr>
@@ -11453,7 +11453,7 @@
           <p:cNvPr id="29" name="Текст 27">
             <a:extLst>
               <a:ext uri="{FF2B5EF4-FFF2-40B4-BE49-F238E27FC236}">
-                <a16:creationId xmlns:a16="http://schemas.microsoft.com/office/drawing/2014/main" xmlns="" id="{DE7F352B-F6D9-B545-A835-443A55956E74}"/>
+                <a16:creationId xmlns="" xmlns:a16="http://schemas.microsoft.com/office/drawing/2014/main" id="{DE7F352B-F6D9-B545-A835-443A55956E74}"/>
               </a:ext>
             </a:extLst>
           </p:cNvPr>
@@ -11522,7 +11522,7 @@
           <p:cNvPr id="30" name="Текст 27">
             <a:extLst>
               <a:ext uri="{FF2B5EF4-FFF2-40B4-BE49-F238E27FC236}">
-                <a16:creationId xmlns:a16="http://schemas.microsoft.com/office/drawing/2014/main" xmlns="" id="{D1D5AF9F-C1B0-7842-8789-1DB8963D981B}"/>
+                <a16:creationId xmlns="" xmlns:a16="http://schemas.microsoft.com/office/drawing/2014/main" id="{D1D5AF9F-C1B0-7842-8789-1DB8963D981B}"/>
               </a:ext>
             </a:extLst>
           </p:cNvPr>
@@ -11635,7 +11635,7 @@
           <p:cNvPr id="5" name="Picture 4" descr="Icon&#10;&#10;Description automatically generated">
             <a:extLst>
               <a:ext uri="{FF2B5EF4-FFF2-40B4-BE49-F238E27FC236}">
-                <a16:creationId xmlns:a16="http://schemas.microsoft.com/office/drawing/2014/main" xmlns="" id="{C5425806-16DD-844E-927C-26E7143A9ED8}"/>
+                <a16:creationId xmlns="" xmlns:a16="http://schemas.microsoft.com/office/drawing/2014/main" id="{C5425806-16DD-844E-927C-26E7143A9ED8}"/>
               </a:ext>
             </a:extLst>
           </p:cNvPr>
@@ -11665,7 +11665,7 @@
           <p:cNvPr id="6" name="Straight Connector 19">
             <a:extLst>
               <a:ext uri="{FF2B5EF4-FFF2-40B4-BE49-F238E27FC236}">
-                <a16:creationId xmlns:a16="http://schemas.microsoft.com/office/drawing/2014/main" xmlns="" id="{479746FF-3282-DF46-9D7C-D80431604A55}"/>
+                <a16:creationId xmlns="" xmlns:a16="http://schemas.microsoft.com/office/drawing/2014/main" id="{479746FF-3282-DF46-9D7C-D80431604A55}"/>
               </a:ext>
             </a:extLst>
           </p:cNvPr>
@@ -11708,7 +11708,7 @@
           <p:cNvPr id="7" name="Straight Connector 21">
             <a:extLst>
               <a:ext uri="{FF2B5EF4-FFF2-40B4-BE49-F238E27FC236}">
-                <a16:creationId xmlns:a16="http://schemas.microsoft.com/office/drawing/2014/main" xmlns="" id="{51B44297-B0E7-D74D-B291-D39A0D468B42}"/>
+                <a16:creationId xmlns="" xmlns:a16="http://schemas.microsoft.com/office/drawing/2014/main" id="{51B44297-B0E7-D74D-B291-D39A0D468B42}"/>
               </a:ext>
             </a:extLst>
           </p:cNvPr>
@@ -11751,7 +11751,7 @@
           <p:cNvPr id="8" name="Straight Connector 25">
             <a:extLst>
               <a:ext uri="{FF2B5EF4-FFF2-40B4-BE49-F238E27FC236}">
-                <a16:creationId xmlns:a16="http://schemas.microsoft.com/office/drawing/2014/main" xmlns="" id="{0EA4A057-F0CB-E04F-B472-4A1ABFB64C66}"/>
+                <a16:creationId xmlns="" xmlns:a16="http://schemas.microsoft.com/office/drawing/2014/main" id="{0EA4A057-F0CB-E04F-B472-4A1ABFB64C66}"/>
               </a:ext>
             </a:extLst>
           </p:cNvPr>
@@ -11794,7 +11794,7 @@
           <p:cNvPr id="9" name="TextBox 8">
             <a:extLst>
               <a:ext uri="{FF2B5EF4-FFF2-40B4-BE49-F238E27FC236}">
-                <a16:creationId xmlns:a16="http://schemas.microsoft.com/office/drawing/2014/main" xmlns="" id="{764502F5-56EE-354B-A3B1-E79F8B005172}"/>
+                <a16:creationId xmlns="" xmlns:a16="http://schemas.microsoft.com/office/drawing/2014/main" id="{764502F5-56EE-354B-A3B1-E79F8B005172}"/>
               </a:ext>
             </a:extLst>
           </p:cNvPr>
@@ -11840,7 +11840,7 @@
           <p:cNvPr id="10" name="Straight Connector 59">
             <a:extLst>
               <a:ext uri="{FF2B5EF4-FFF2-40B4-BE49-F238E27FC236}">
-                <a16:creationId xmlns:a16="http://schemas.microsoft.com/office/drawing/2014/main" xmlns="" id="{A80E0956-5C10-CC40-A426-CBD2E0C4158E}"/>
+                <a16:creationId xmlns="" xmlns:a16="http://schemas.microsoft.com/office/drawing/2014/main" id="{A80E0956-5C10-CC40-A426-CBD2E0C4158E}"/>
               </a:ext>
             </a:extLst>
           </p:cNvPr>
@@ -11883,7 +11883,7 @@
           <p:cNvPr id="11" name="Текст 37">
             <a:extLst>
               <a:ext uri="{FF2B5EF4-FFF2-40B4-BE49-F238E27FC236}">
-                <a16:creationId xmlns:a16="http://schemas.microsoft.com/office/drawing/2014/main" xmlns="" id="{6EC59AAD-5962-8D49-BF4D-7DA5D573073E}"/>
+                <a16:creationId xmlns="" xmlns:a16="http://schemas.microsoft.com/office/drawing/2014/main" id="{6EC59AAD-5962-8D49-BF4D-7DA5D573073E}"/>
               </a:ext>
             </a:extLst>
           </p:cNvPr>
@@ -12013,7 +12013,7 @@
           <p:cNvPr id="12" name="Текст 39">
             <a:extLst>
               <a:ext uri="{FF2B5EF4-FFF2-40B4-BE49-F238E27FC236}">
-                <a16:creationId xmlns:a16="http://schemas.microsoft.com/office/drawing/2014/main" xmlns="" id="{49041ACC-EEF4-D34B-A7DE-87B1AF2ED383}"/>
+                <a16:creationId xmlns="" xmlns:a16="http://schemas.microsoft.com/office/drawing/2014/main" id="{49041ACC-EEF4-D34B-A7DE-87B1AF2ED383}"/>
               </a:ext>
             </a:extLst>
           </p:cNvPr>
@@ -12111,7 +12111,7 @@
           <p:cNvPr id="14" name="Текст 39">
             <a:extLst>
               <a:ext uri="{FF2B5EF4-FFF2-40B4-BE49-F238E27FC236}">
-                <a16:creationId xmlns:a16="http://schemas.microsoft.com/office/drawing/2014/main" xmlns="" id="{BF93B2CC-81A4-0943-AF6C-C86576792995}"/>
+                <a16:creationId xmlns="" xmlns:a16="http://schemas.microsoft.com/office/drawing/2014/main" id="{BF93B2CC-81A4-0943-AF6C-C86576792995}"/>
               </a:ext>
             </a:extLst>
           </p:cNvPr>
@@ -12209,7 +12209,7 @@
           <p:cNvPr id="15" name="Текст 22">
             <a:extLst>
               <a:ext uri="{FF2B5EF4-FFF2-40B4-BE49-F238E27FC236}">
-                <a16:creationId xmlns:a16="http://schemas.microsoft.com/office/drawing/2014/main" xmlns="" id="{51340CB4-0355-3640-A212-F684523CDCCF}"/>
+                <a16:creationId xmlns="" xmlns:a16="http://schemas.microsoft.com/office/drawing/2014/main" id="{51340CB4-0355-3640-A212-F684523CDCCF}"/>
               </a:ext>
             </a:extLst>
           </p:cNvPr>
@@ -12315,7 +12315,7 @@
           <p:cNvPr id="17" name="Текст 16">
             <a:extLst>
               <a:ext uri="{FF2B5EF4-FFF2-40B4-BE49-F238E27FC236}">
-                <a16:creationId xmlns:a16="http://schemas.microsoft.com/office/drawing/2014/main" xmlns="" id="{8C6F2EA4-CEDC-324C-9C06-8713118041EB}"/>
+                <a16:creationId xmlns="" xmlns:a16="http://schemas.microsoft.com/office/drawing/2014/main" id="{8C6F2EA4-CEDC-324C-9C06-8713118041EB}"/>
               </a:ext>
             </a:extLst>
           </p:cNvPr>
@@ -12439,7 +12439,7 @@
           <p:cNvPr id="19" name="Таблица 18">
             <a:extLst>
               <a:ext uri="{FF2B5EF4-FFF2-40B4-BE49-F238E27FC236}">
-                <a16:creationId xmlns:a16="http://schemas.microsoft.com/office/drawing/2014/main" xmlns="" id="{7B291085-A9B9-D842-B1A7-96258FAF012C}"/>
+                <a16:creationId xmlns="" xmlns:a16="http://schemas.microsoft.com/office/drawing/2014/main" id="{7B291085-A9B9-D842-B1A7-96258FAF012C}"/>
               </a:ext>
             </a:extLst>
           </p:cNvPr>
@@ -12513,7 +12513,7 @@
           <p:cNvPr id="8" name="Picture 4" descr="Icon&#10;&#10;Description automatically generated">
             <a:extLst>
               <a:ext uri="{FF2B5EF4-FFF2-40B4-BE49-F238E27FC236}">
-                <a16:creationId xmlns:a16="http://schemas.microsoft.com/office/drawing/2014/main" xmlns="" id="{259ABC72-D738-1143-BF2A-D85AE9A4F73B}"/>
+                <a16:creationId xmlns="" xmlns:a16="http://schemas.microsoft.com/office/drawing/2014/main" id="{259ABC72-D738-1143-BF2A-D85AE9A4F73B}"/>
               </a:ext>
             </a:extLst>
           </p:cNvPr>
@@ -12543,7 +12543,7 @@
           <p:cNvPr id="9" name="Straight Connector 19">
             <a:extLst>
               <a:ext uri="{FF2B5EF4-FFF2-40B4-BE49-F238E27FC236}">
-                <a16:creationId xmlns:a16="http://schemas.microsoft.com/office/drawing/2014/main" xmlns="" id="{237A1E42-2FC3-8841-8C41-992C5BC2368D}"/>
+                <a16:creationId xmlns="" xmlns:a16="http://schemas.microsoft.com/office/drawing/2014/main" id="{237A1E42-2FC3-8841-8C41-992C5BC2368D}"/>
               </a:ext>
             </a:extLst>
           </p:cNvPr>
@@ -12586,7 +12586,7 @@
           <p:cNvPr id="10" name="Straight Connector 21">
             <a:extLst>
               <a:ext uri="{FF2B5EF4-FFF2-40B4-BE49-F238E27FC236}">
-                <a16:creationId xmlns:a16="http://schemas.microsoft.com/office/drawing/2014/main" xmlns="" id="{47503EA0-3883-E24D-9EB8-7B6175182929}"/>
+                <a16:creationId xmlns="" xmlns:a16="http://schemas.microsoft.com/office/drawing/2014/main" id="{47503EA0-3883-E24D-9EB8-7B6175182929}"/>
               </a:ext>
             </a:extLst>
           </p:cNvPr>
@@ -12629,7 +12629,7 @@
           <p:cNvPr id="11" name="Straight Connector 25">
             <a:extLst>
               <a:ext uri="{FF2B5EF4-FFF2-40B4-BE49-F238E27FC236}">
-                <a16:creationId xmlns:a16="http://schemas.microsoft.com/office/drawing/2014/main" xmlns="" id="{E0144DF2-9891-324D-B34E-AFA025FBCBF9}"/>
+                <a16:creationId xmlns="" xmlns:a16="http://schemas.microsoft.com/office/drawing/2014/main" id="{E0144DF2-9891-324D-B34E-AFA025FBCBF9}"/>
               </a:ext>
             </a:extLst>
           </p:cNvPr>
@@ -12672,7 +12672,7 @@
           <p:cNvPr id="12" name="TextBox 11">
             <a:extLst>
               <a:ext uri="{FF2B5EF4-FFF2-40B4-BE49-F238E27FC236}">
-                <a16:creationId xmlns:a16="http://schemas.microsoft.com/office/drawing/2014/main" xmlns="" id="{F33F65D6-1072-F140-B6A5-758D7B595A92}"/>
+                <a16:creationId xmlns="" xmlns:a16="http://schemas.microsoft.com/office/drawing/2014/main" id="{F33F65D6-1072-F140-B6A5-758D7B595A92}"/>
               </a:ext>
             </a:extLst>
           </p:cNvPr>
@@ -12718,7 +12718,7 @@
           <p:cNvPr id="13" name="Straight Connector 59">
             <a:extLst>
               <a:ext uri="{FF2B5EF4-FFF2-40B4-BE49-F238E27FC236}">
-                <a16:creationId xmlns:a16="http://schemas.microsoft.com/office/drawing/2014/main" xmlns="" id="{5F1F09D4-22FA-7B4B-9488-F8FDDCC2D447}"/>
+                <a16:creationId xmlns="" xmlns:a16="http://schemas.microsoft.com/office/drawing/2014/main" id="{5F1F09D4-22FA-7B4B-9488-F8FDDCC2D447}"/>
               </a:ext>
             </a:extLst>
           </p:cNvPr>
@@ -12761,7 +12761,7 @@
           <p:cNvPr id="14" name="Текст 37">
             <a:extLst>
               <a:ext uri="{FF2B5EF4-FFF2-40B4-BE49-F238E27FC236}">
-                <a16:creationId xmlns:a16="http://schemas.microsoft.com/office/drawing/2014/main" xmlns="" id="{44D0326E-FD7A-3541-A998-62A1C30E2738}"/>
+                <a16:creationId xmlns="" xmlns:a16="http://schemas.microsoft.com/office/drawing/2014/main" id="{44D0326E-FD7A-3541-A998-62A1C30E2738}"/>
               </a:ext>
             </a:extLst>
           </p:cNvPr>
@@ -12891,7 +12891,7 @@
           <p:cNvPr id="15" name="Текст 39">
             <a:extLst>
               <a:ext uri="{FF2B5EF4-FFF2-40B4-BE49-F238E27FC236}">
-                <a16:creationId xmlns:a16="http://schemas.microsoft.com/office/drawing/2014/main" xmlns="" id="{279CCCA0-F959-5245-8321-106D3C5E837D}"/>
+                <a16:creationId xmlns="" xmlns:a16="http://schemas.microsoft.com/office/drawing/2014/main" id="{279CCCA0-F959-5245-8321-106D3C5E837D}"/>
               </a:ext>
             </a:extLst>
           </p:cNvPr>
@@ -12989,7 +12989,7 @@
           <p:cNvPr id="17" name="Текст 39">
             <a:extLst>
               <a:ext uri="{FF2B5EF4-FFF2-40B4-BE49-F238E27FC236}">
-                <a16:creationId xmlns:a16="http://schemas.microsoft.com/office/drawing/2014/main" xmlns="" id="{8B839C6B-8494-8841-9714-4C8F710F8400}"/>
+                <a16:creationId xmlns="" xmlns:a16="http://schemas.microsoft.com/office/drawing/2014/main" id="{8B839C6B-8494-8841-9714-4C8F710F8400}"/>
               </a:ext>
             </a:extLst>
           </p:cNvPr>
@@ -13087,7 +13087,7 @@
           <p:cNvPr id="18" name="Текст 22">
             <a:extLst>
               <a:ext uri="{FF2B5EF4-FFF2-40B4-BE49-F238E27FC236}">
-                <a16:creationId xmlns:a16="http://schemas.microsoft.com/office/drawing/2014/main" xmlns="" id="{4D940599-2B77-CE47-91E6-CDB51ADE1840}"/>
+                <a16:creationId xmlns="" xmlns:a16="http://schemas.microsoft.com/office/drawing/2014/main" id="{4D940599-2B77-CE47-91E6-CDB51ADE1840}"/>
               </a:ext>
             </a:extLst>
           </p:cNvPr>
@@ -13193,7 +13193,7 @@
           <p:cNvPr id="19" name="Текст 16">
             <a:extLst>
               <a:ext uri="{FF2B5EF4-FFF2-40B4-BE49-F238E27FC236}">
-                <a16:creationId xmlns:a16="http://schemas.microsoft.com/office/drawing/2014/main" xmlns="" id="{A7333712-9DED-4F4B-B209-2F13075EDB3F}"/>
+                <a16:creationId xmlns="" xmlns:a16="http://schemas.microsoft.com/office/drawing/2014/main" id="{A7333712-9DED-4F4B-B209-2F13075EDB3F}"/>
               </a:ext>
             </a:extLst>
           </p:cNvPr>
@@ -13317,7 +13317,7 @@
           <p:cNvPr id="20" name="Таблица 18">
             <a:extLst>
               <a:ext uri="{FF2B5EF4-FFF2-40B4-BE49-F238E27FC236}">
-                <a16:creationId xmlns:a16="http://schemas.microsoft.com/office/drawing/2014/main" xmlns="" id="{DD467C42-8209-B740-8419-DBB6A6F7D5EE}"/>
+                <a16:creationId xmlns="" xmlns:a16="http://schemas.microsoft.com/office/drawing/2014/main" id="{DD467C42-8209-B740-8419-DBB6A6F7D5EE}"/>
               </a:ext>
             </a:extLst>
           </p:cNvPr>
@@ -13347,7 +13347,7 @@
           <p:cNvPr id="21" name="Текст 35">
             <a:extLst>
               <a:ext uri="{FF2B5EF4-FFF2-40B4-BE49-F238E27FC236}">
-                <a16:creationId xmlns:a16="http://schemas.microsoft.com/office/drawing/2014/main" xmlns="" id="{B4309850-76EA-224C-A9E2-B6BBDBF99DE2}"/>
+                <a16:creationId xmlns="" xmlns:a16="http://schemas.microsoft.com/office/drawing/2014/main" id="{B4309850-76EA-224C-A9E2-B6BBDBF99DE2}"/>
               </a:ext>
             </a:extLst>
           </p:cNvPr>
@@ -14061,7 +14061,7 @@
           <p:cNvPr id="2" name="Title Placeholder 1">
             <a:extLst>
               <a:ext uri="{FF2B5EF4-FFF2-40B4-BE49-F238E27FC236}">
-                <a16:creationId xmlns:a16="http://schemas.microsoft.com/office/drawing/2014/main" xmlns="" id="{D33F8FDE-7383-E947-8568-FF6B7A77655A}"/>
+                <a16:creationId xmlns="" xmlns:a16="http://schemas.microsoft.com/office/drawing/2014/main" id="{D33F8FDE-7383-E947-8568-FF6B7A77655A}"/>
               </a:ext>
             </a:extLst>
           </p:cNvPr>
@@ -14100,7 +14100,7 @@
           <p:cNvPr id="3" name="Text Placeholder 2">
             <a:extLst>
               <a:ext uri="{FF2B5EF4-FFF2-40B4-BE49-F238E27FC236}">
-                <a16:creationId xmlns:a16="http://schemas.microsoft.com/office/drawing/2014/main" xmlns="" id="{6F8E6541-45CA-8B42-98B4-D42737B8509B}"/>
+                <a16:creationId xmlns="" xmlns:a16="http://schemas.microsoft.com/office/drawing/2014/main" id="{6F8E6541-45CA-8B42-98B4-D42737B8509B}"/>
               </a:ext>
             </a:extLst>
           </p:cNvPr>
@@ -14168,7 +14168,7 @@
           <p:cNvPr id="4" name="Date Placeholder 3">
             <a:extLst>
               <a:ext uri="{FF2B5EF4-FFF2-40B4-BE49-F238E27FC236}">
-                <a16:creationId xmlns:a16="http://schemas.microsoft.com/office/drawing/2014/main" xmlns="" id="{0E70645B-C5D9-8544-BBF2-E4A13F8E4054}"/>
+                <a16:creationId xmlns="" xmlns:a16="http://schemas.microsoft.com/office/drawing/2014/main" id="{0E70645B-C5D9-8544-BBF2-E4A13F8E4054}"/>
               </a:ext>
             </a:extLst>
           </p:cNvPr>
@@ -14204,7 +14204,7 @@
           <a:p>
             <a:fld id="{53063DFB-8595-A44B-9F09-A50FA310E559}" type="datetimeFigureOut">
               <a:rPr lang="x-none" smtClean="0"/>
-              <a:t>24.04.2023</a:t>
+              <a:t>25.04.2023</a:t>
             </a:fld>
             <a:endParaRPr lang="x-none"/>
           </a:p>
@@ -14215,7 +14215,7 @@
           <p:cNvPr id="5" name="Footer Placeholder 4">
             <a:extLst>
               <a:ext uri="{FF2B5EF4-FFF2-40B4-BE49-F238E27FC236}">
-                <a16:creationId xmlns:a16="http://schemas.microsoft.com/office/drawing/2014/main" xmlns="" id="{71F52289-7F57-544F-95EE-F8B2E106276A}"/>
+                <a16:creationId xmlns="" xmlns:a16="http://schemas.microsoft.com/office/drawing/2014/main" id="{71F52289-7F57-544F-95EE-F8B2E106276A}"/>
               </a:ext>
             </a:extLst>
           </p:cNvPr>
@@ -14258,7 +14258,7 @@
           <p:cNvPr id="6" name="Slide Number Placeholder 5">
             <a:extLst>
               <a:ext uri="{FF2B5EF4-FFF2-40B4-BE49-F238E27FC236}">
-                <a16:creationId xmlns:a16="http://schemas.microsoft.com/office/drawing/2014/main" xmlns="" id="{A11C5F56-F795-5643-ABE3-DDED2186989C}"/>
+                <a16:creationId xmlns="" xmlns:a16="http://schemas.microsoft.com/office/drawing/2014/main" id="{A11C5F56-F795-5643-ABE3-DDED2186989C}"/>
               </a:ext>
             </a:extLst>
           </p:cNvPr>
@@ -14627,7 +14627,7 @@
           <p:cNvPr id="2" name="Заголовок 1">
             <a:extLst>
               <a:ext uri="{FF2B5EF4-FFF2-40B4-BE49-F238E27FC236}">
-                <a16:creationId xmlns:a16="http://schemas.microsoft.com/office/drawing/2014/main" xmlns="" id="{8CD95C0D-D7DC-EF40-9E45-F5F0A4817CD2}"/>
+                <a16:creationId xmlns="" xmlns:a16="http://schemas.microsoft.com/office/drawing/2014/main" id="{8CD95C0D-D7DC-EF40-9E45-F5F0A4817CD2}"/>
               </a:ext>
             </a:extLst>
           </p:cNvPr>
@@ -14652,8 +14652,13 @@
           <a:p>
             <a:r>
               <a:rPr lang="ru-RU" sz="3600" dirty="0"/>
-              <a:t>Программа для запоминания числовых данных с использованием основной мнемонической и Доминиканской систем.</a:t>
-            </a:r>
+              <a:t>Программа для запоминания числовых данных с использованием основной мнемонической и Доминиканской </a:t>
+            </a:r>
+            <a:r>
+              <a:rPr lang="ru-RU" sz="3600" dirty="0" smtClean="0"/>
+              <a:t>систем</a:t>
+            </a:r>
+            <a:endParaRPr lang="ru-RU" sz="3600" dirty="0"/>
           </a:p>
         </p:txBody>
       </p:sp>
@@ -14662,7 +14667,7 @@
           <p:cNvPr id="3" name="Текст 2">
             <a:extLst>
               <a:ext uri="{FF2B5EF4-FFF2-40B4-BE49-F238E27FC236}">
-                <a16:creationId xmlns:a16="http://schemas.microsoft.com/office/drawing/2014/main" xmlns="" id="{2B85EA7E-BEC4-B745-B2A8-D4E4AFC614FC}"/>
+                <a16:creationId xmlns="" xmlns:a16="http://schemas.microsoft.com/office/drawing/2014/main" id="{2B85EA7E-BEC4-B745-B2A8-D4E4AFC614FC}"/>
               </a:ext>
             </a:extLst>
           </p:cNvPr>
@@ -14702,7 +14707,7 @@
           <p:cNvPr id="4" name="Текст 3">
             <a:extLst>
               <a:ext uri="{FF2B5EF4-FFF2-40B4-BE49-F238E27FC236}">
-                <a16:creationId xmlns:a16="http://schemas.microsoft.com/office/drawing/2014/main" xmlns="" id="{DB8D49EC-434A-5443-AC3F-85F01995E632}"/>
+                <a16:creationId xmlns="" xmlns:a16="http://schemas.microsoft.com/office/drawing/2014/main" id="{DB8D49EC-434A-5443-AC3F-85F01995E632}"/>
               </a:ext>
             </a:extLst>
           </p:cNvPr>
@@ -14740,7 +14745,7 @@
           <p:cNvPr id="5" name="Текст 4">
             <a:extLst>
               <a:ext uri="{FF2B5EF4-FFF2-40B4-BE49-F238E27FC236}">
-                <a16:creationId xmlns:a16="http://schemas.microsoft.com/office/drawing/2014/main" xmlns="" id="{C6FAE0FA-3CAF-BA4B-8F9F-5FEF3C2F3CC6}"/>
+                <a16:creationId xmlns="" xmlns:a16="http://schemas.microsoft.com/office/drawing/2014/main" id="{C6FAE0FA-3CAF-BA4B-8F9F-5FEF3C2F3CC6}"/>
               </a:ext>
             </a:extLst>
           </p:cNvPr>
@@ -14775,7 +14780,7 @@
           <p:cNvPr id="6" name="Текст 5">
             <a:extLst>
               <a:ext uri="{FF2B5EF4-FFF2-40B4-BE49-F238E27FC236}">
-                <a16:creationId xmlns:a16="http://schemas.microsoft.com/office/drawing/2014/main" xmlns="" id="{44AFB2BF-A7AB-5648-ADCD-2A7F1BD35815}"/>
+                <a16:creationId xmlns="" xmlns:a16="http://schemas.microsoft.com/office/drawing/2014/main" id="{44AFB2BF-A7AB-5648-ADCD-2A7F1BD35815}"/>
               </a:ext>
             </a:extLst>
           </p:cNvPr>
@@ -14789,18 +14794,50 @@
         <p:spPr>
           <a:xfrm>
             <a:off x="1027967" y="4181686"/>
-            <a:ext cx="10045501" cy="1472493"/>
+            <a:ext cx="10045501" cy="1633898"/>
           </a:xfrm>
         </p:spPr>
         <p:txBody>
           <a:bodyPr>
-            <a:normAutofit/>
+            <a:normAutofit lnSpcReduction="10000"/>
           </a:bodyPr>
           <a:lstStyle/>
           <a:p>
             <a:r>
               <a:rPr lang="en-US" dirty="0"/>
-              <a:t>A program for storing numerical data using the basic mnemonic and Dominican systems. </a:t>
+              <a:t>A </a:t>
+            </a:r>
+            <a:r>
+              <a:rPr lang="en-US" dirty="0" smtClean="0"/>
+              <a:t>Program </a:t>
+            </a:r>
+            <a:r>
+              <a:rPr lang="en-US" dirty="0"/>
+              <a:t>for </a:t>
+            </a:r>
+            <a:r>
+              <a:rPr lang="en-US" dirty="0" smtClean="0"/>
+              <a:t>Memorization Numerical </a:t>
+            </a:r>
+            <a:r>
+              <a:rPr lang="en-US" dirty="0" smtClean="0"/>
+              <a:t>Data Using </a:t>
+            </a:r>
+            <a:r>
+              <a:rPr lang="en-US" dirty="0"/>
+              <a:t>the </a:t>
+            </a:r>
+            <a:r>
+              <a:rPr lang="en-US" dirty="0" smtClean="0"/>
+              <a:t>Major Mnemonic </a:t>
+            </a:r>
+            <a:r>
+              <a:rPr lang="en-US" dirty="0"/>
+              <a:t>and Dominican </a:t>
+            </a:r>
+            <a:r>
+              <a:rPr lang="en-US" dirty="0" smtClean="0"/>
+              <a:t>Systems </a:t>
             </a:r>
             <a:endParaRPr lang="ru-RU" dirty="0" smtClean="0"/>
           </a:p>
@@ -14830,11 +14867,41 @@
           <a:p>
             <a:r>
               <a:rPr lang="ru-RU" dirty="0"/>
-              <a:t>Руководитель: Доцент департамента Академический руководитель Программной инженерии, образовательной программы ФКН, к.т.н. «Программная инженерия» К. Ю. </a:t>
+              <a:t>Руководитель: Доцент департамента </a:t>
             </a:r>
             <a:r>
               <a:rPr lang="ru-RU" dirty="0" smtClean="0"/>
-              <a:t>Дегтярёв</a:t>
+              <a:t>ПИ, </a:t>
+            </a:r>
+            <a:r>
+              <a:rPr lang="ru-RU" dirty="0"/>
+              <a:t>к.т.н. </a:t>
+            </a:r>
+            <a:r>
+              <a:rPr lang="ru-RU" dirty="0" smtClean="0"/>
+              <a:t>К</a:t>
+            </a:r>
+            <a:r>
+              <a:rPr lang="ru-RU" dirty="0"/>
+              <a:t>. Ю. </a:t>
+            </a:r>
+            <a:r>
+              <a:rPr lang="ru-RU" dirty="0" smtClean="0"/>
+              <a:t>Дегтярёв,</a:t>
+            </a:r>
+          </a:p>
+          <a:p>
+            <a:r>
+              <a:rPr lang="ru-RU" dirty="0" smtClean="0"/>
+              <a:t>Образовательная программа </a:t>
+            </a:r>
+            <a:r>
+              <a:rPr lang="ru-RU" dirty="0"/>
+              <a:t>«Программная инженерия» </a:t>
+            </a:r>
+            <a:r>
+              <a:rPr lang="ru-RU" dirty="0" smtClean="0"/>
+              <a:t>ФКН ВШЭ</a:t>
             </a:r>
             <a:endParaRPr lang="ru-RU" dirty="0"/>
           </a:p>
@@ -14875,7 +14942,7 @@
           <p:cNvPr id="2" name="Текст 1">
             <a:extLst>
               <a:ext uri="{FF2B5EF4-FFF2-40B4-BE49-F238E27FC236}">
-                <a16:creationId xmlns:a16="http://schemas.microsoft.com/office/drawing/2014/main" xmlns="" id="{2FFBD88B-BF2A-8F44-B648-677BB7D9750D}"/>
+                <a16:creationId xmlns="" xmlns:a16="http://schemas.microsoft.com/office/drawing/2014/main" id="{2FFBD88B-BF2A-8F44-B648-677BB7D9750D}"/>
               </a:ext>
             </a:extLst>
           </p:cNvPr>
@@ -14912,7 +14979,7 @@
           <p:cNvPr id="3" name="Текст 2">
             <a:extLst>
               <a:ext uri="{FF2B5EF4-FFF2-40B4-BE49-F238E27FC236}">
-                <a16:creationId xmlns:a16="http://schemas.microsoft.com/office/drawing/2014/main" xmlns="" id="{BD6DFA47-ACB8-5246-AC9C-19D438CF658E}"/>
+                <a16:creationId xmlns="" xmlns:a16="http://schemas.microsoft.com/office/drawing/2014/main" id="{BD6DFA47-ACB8-5246-AC9C-19D438CF658E}"/>
               </a:ext>
             </a:extLst>
           </p:cNvPr>
@@ -14960,7 +15027,7 @@
           <p:cNvPr id="4" name="Текст 3">
             <a:extLst>
               <a:ext uri="{FF2B5EF4-FFF2-40B4-BE49-F238E27FC236}">
-                <a16:creationId xmlns:a16="http://schemas.microsoft.com/office/drawing/2014/main" xmlns="" id="{49A5DD86-C5F3-5843-B60F-AC26E1B16228}"/>
+                <a16:creationId xmlns="" xmlns:a16="http://schemas.microsoft.com/office/drawing/2014/main" id="{49A5DD86-C5F3-5843-B60F-AC26E1B16228}"/>
               </a:ext>
             </a:extLst>
           </p:cNvPr>
@@ -14997,7 +15064,7 @@
           <p:cNvPr id="5" name="Заголовок 4">
             <a:extLst>
               <a:ext uri="{FF2B5EF4-FFF2-40B4-BE49-F238E27FC236}">
-                <a16:creationId xmlns:a16="http://schemas.microsoft.com/office/drawing/2014/main" xmlns="" id="{D060AA73-8574-054A-B94B-1EAA5FAB0470}"/>
+                <a16:creationId xmlns="" xmlns:a16="http://schemas.microsoft.com/office/drawing/2014/main" id="{D060AA73-8574-054A-B94B-1EAA5FAB0470}"/>
               </a:ext>
             </a:extLst>
           </p:cNvPr>
@@ -15032,7 +15099,6 @@
               <a:rPr lang="ru-RU" dirty="0"/>
               <a:t>реализации </a:t>
             </a:r>
-            <a:endParaRPr lang="ru-RU" dirty="0"/>
           </a:p>
         </p:txBody>
       </p:sp>
@@ -15041,7 +15107,7 @@
           <p:cNvPr id="6" name="Текст 5">
             <a:extLst>
               <a:ext uri="{FF2B5EF4-FFF2-40B4-BE49-F238E27FC236}">
-                <a16:creationId xmlns:a16="http://schemas.microsoft.com/office/drawing/2014/main" xmlns="" id="{5E7B9744-FF5D-DB4B-8DCD-FF4C0C57287E}"/>
+                <a16:creationId xmlns="" xmlns:a16="http://schemas.microsoft.com/office/drawing/2014/main" id="{5E7B9744-FF5D-DB4B-8DCD-FF4C0C57287E}"/>
               </a:ext>
             </a:extLst>
           </p:cNvPr>
@@ -15104,7 +15170,7 @@
           <p:cNvPr id="2" name="Текст 1">
             <a:extLst>
               <a:ext uri="{FF2B5EF4-FFF2-40B4-BE49-F238E27FC236}">
-                <a16:creationId xmlns:a16="http://schemas.microsoft.com/office/drawing/2014/main" xmlns="" id="{2FFBD88B-BF2A-8F44-B648-677BB7D9750D}"/>
+                <a16:creationId xmlns="" xmlns:a16="http://schemas.microsoft.com/office/drawing/2014/main" id="{2FFBD88B-BF2A-8F44-B648-677BB7D9750D}"/>
               </a:ext>
             </a:extLst>
           </p:cNvPr>
@@ -15141,7 +15207,7 @@
           <p:cNvPr id="3" name="Текст 2">
             <a:extLst>
               <a:ext uri="{FF2B5EF4-FFF2-40B4-BE49-F238E27FC236}">
-                <a16:creationId xmlns:a16="http://schemas.microsoft.com/office/drawing/2014/main" xmlns="" id="{BD6DFA47-ACB8-5246-AC9C-19D438CF658E}"/>
+                <a16:creationId xmlns="" xmlns:a16="http://schemas.microsoft.com/office/drawing/2014/main" id="{BD6DFA47-ACB8-5246-AC9C-19D438CF658E}"/>
               </a:ext>
             </a:extLst>
           </p:cNvPr>
@@ -15189,7 +15255,7 @@
           <p:cNvPr id="4" name="Текст 3">
             <a:extLst>
               <a:ext uri="{FF2B5EF4-FFF2-40B4-BE49-F238E27FC236}">
-                <a16:creationId xmlns:a16="http://schemas.microsoft.com/office/drawing/2014/main" xmlns="" id="{49A5DD86-C5F3-5843-B60F-AC26E1B16228}"/>
+                <a16:creationId xmlns="" xmlns:a16="http://schemas.microsoft.com/office/drawing/2014/main" id="{49A5DD86-C5F3-5843-B60F-AC26E1B16228}"/>
               </a:ext>
             </a:extLst>
           </p:cNvPr>
@@ -15522,7 +15588,7 @@
           <p:cNvPr id="2" name="Текст 1">
             <a:extLst>
               <a:ext uri="{FF2B5EF4-FFF2-40B4-BE49-F238E27FC236}">
-                <a16:creationId xmlns:a16="http://schemas.microsoft.com/office/drawing/2014/main" xmlns="" id="{2FFBD88B-BF2A-8F44-B648-677BB7D9750D}"/>
+                <a16:creationId xmlns="" xmlns:a16="http://schemas.microsoft.com/office/drawing/2014/main" id="{2FFBD88B-BF2A-8F44-B648-677BB7D9750D}"/>
               </a:ext>
             </a:extLst>
           </p:cNvPr>
@@ -15559,7 +15625,7 @@
           <p:cNvPr id="3" name="Текст 2">
             <a:extLst>
               <a:ext uri="{FF2B5EF4-FFF2-40B4-BE49-F238E27FC236}">
-                <a16:creationId xmlns:a16="http://schemas.microsoft.com/office/drawing/2014/main" xmlns="" id="{BD6DFA47-ACB8-5246-AC9C-19D438CF658E}"/>
+                <a16:creationId xmlns="" xmlns:a16="http://schemas.microsoft.com/office/drawing/2014/main" id="{BD6DFA47-ACB8-5246-AC9C-19D438CF658E}"/>
               </a:ext>
             </a:extLst>
           </p:cNvPr>
@@ -15607,7 +15673,7 @@
           <p:cNvPr id="4" name="Текст 3">
             <a:extLst>
               <a:ext uri="{FF2B5EF4-FFF2-40B4-BE49-F238E27FC236}">
-                <a16:creationId xmlns:a16="http://schemas.microsoft.com/office/drawing/2014/main" xmlns="" id="{49A5DD86-C5F3-5843-B60F-AC26E1B16228}"/>
+                <a16:creationId xmlns="" xmlns:a16="http://schemas.microsoft.com/office/drawing/2014/main" id="{49A5DD86-C5F3-5843-B60F-AC26E1B16228}"/>
               </a:ext>
             </a:extLst>
           </p:cNvPr>
@@ -15650,7 +15716,7 @@
           <p:cNvPr id="5" name="Заголовок 4">
             <a:extLst>
               <a:ext uri="{FF2B5EF4-FFF2-40B4-BE49-F238E27FC236}">
-                <a16:creationId xmlns:a16="http://schemas.microsoft.com/office/drawing/2014/main" xmlns="" id="{D060AA73-8574-054A-B94B-1EAA5FAB0470}"/>
+                <a16:creationId xmlns="" xmlns:a16="http://schemas.microsoft.com/office/drawing/2014/main" id="{D060AA73-8574-054A-B94B-1EAA5FAB0470}"/>
               </a:ext>
             </a:extLst>
           </p:cNvPr>
@@ -15685,7 +15751,6 @@
               <a:rPr lang="ru-RU" dirty="0"/>
               <a:t>дальнейшей работы</a:t>
             </a:r>
-            <a:endParaRPr lang="ru-RU" dirty="0"/>
           </a:p>
         </p:txBody>
       </p:sp>
@@ -15694,7 +15759,7 @@
           <p:cNvPr id="6" name="Текст 5">
             <a:extLst>
               <a:ext uri="{FF2B5EF4-FFF2-40B4-BE49-F238E27FC236}">
-                <a16:creationId xmlns:a16="http://schemas.microsoft.com/office/drawing/2014/main" xmlns="" id="{5E7B9744-FF5D-DB4B-8DCD-FF4C0C57287E}"/>
+                <a16:creationId xmlns="" xmlns:a16="http://schemas.microsoft.com/office/drawing/2014/main" id="{5E7B9744-FF5D-DB4B-8DCD-FF4C0C57287E}"/>
               </a:ext>
             </a:extLst>
           </p:cNvPr>
@@ -15849,7 +15914,6 @@
               <a:rPr lang="ru-RU" dirty="0"/>
               <a:t>тренировки памяти для её улучшения.</a:t>
             </a:r>
-            <a:endParaRPr lang="ru-RU" dirty="0"/>
           </a:p>
         </p:txBody>
       </p:sp>
@@ -15929,7 +15993,7 @@
           <p:cNvPr id="2" name="Текст 1">
             <a:extLst>
               <a:ext uri="{FF2B5EF4-FFF2-40B4-BE49-F238E27FC236}">
-                <a16:creationId xmlns:a16="http://schemas.microsoft.com/office/drawing/2014/main" xmlns="" id="{2FFBD88B-BF2A-8F44-B648-677BB7D9750D}"/>
+                <a16:creationId xmlns="" xmlns:a16="http://schemas.microsoft.com/office/drawing/2014/main" id="{2FFBD88B-BF2A-8F44-B648-677BB7D9750D}"/>
               </a:ext>
             </a:extLst>
           </p:cNvPr>
@@ -15966,7 +16030,7 @@
           <p:cNvPr id="3" name="Текст 2">
             <a:extLst>
               <a:ext uri="{FF2B5EF4-FFF2-40B4-BE49-F238E27FC236}">
-                <a16:creationId xmlns:a16="http://schemas.microsoft.com/office/drawing/2014/main" xmlns="" id="{BD6DFA47-ACB8-5246-AC9C-19D438CF658E}"/>
+                <a16:creationId xmlns="" xmlns:a16="http://schemas.microsoft.com/office/drawing/2014/main" id="{BD6DFA47-ACB8-5246-AC9C-19D438CF658E}"/>
               </a:ext>
             </a:extLst>
           </p:cNvPr>
@@ -16014,7 +16078,7 @@
           <p:cNvPr id="4" name="Текст 3">
             <a:extLst>
               <a:ext uri="{FF2B5EF4-FFF2-40B4-BE49-F238E27FC236}">
-                <a16:creationId xmlns:a16="http://schemas.microsoft.com/office/drawing/2014/main" xmlns="" id="{49A5DD86-C5F3-5843-B60F-AC26E1B16228}"/>
+                <a16:creationId xmlns="" xmlns:a16="http://schemas.microsoft.com/office/drawing/2014/main" id="{49A5DD86-C5F3-5843-B60F-AC26E1B16228}"/>
               </a:ext>
             </a:extLst>
           </p:cNvPr>
@@ -16046,7 +16110,7 @@
           <p:cNvPr id="5" name="Заголовок 4">
             <a:extLst>
               <a:ext uri="{FF2B5EF4-FFF2-40B4-BE49-F238E27FC236}">
-                <a16:creationId xmlns:a16="http://schemas.microsoft.com/office/drawing/2014/main" xmlns="" id="{D060AA73-8574-054A-B94B-1EAA5FAB0470}"/>
+                <a16:creationId xmlns="" xmlns:a16="http://schemas.microsoft.com/office/drawing/2014/main" id="{D060AA73-8574-054A-B94B-1EAA5FAB0470}"/>
               </a:ext>
             </a:extLst>
           </p:cNvPr>
@@ -16074,7 +16138,6 @@
               <a:rPr lang="ru-RU" dirty="0"/>
               <a:t>Список использованных источников</a:t>
             </a:r>
-            <a:endParaRPr lang="ru-RU" dirty="0"/>
           </a:p>
         </p:txBody>
       </p:sp>
@@ -16083,7 +16146,7 @@
           <p:cNvPr id="6" name="Текст 5">
             <a:extLst>
               <a:ext uri="{FF2B5EF4-FFF2-40B4-BE49-F238E27FC236}">
-                <a16:creationId xmlns:a16="http://schemas.microsoft.com/office/drawing/2014/main" xmlns="" id="{5E7B9744-FF5D-DB4B-8DCD-FF4C0C57287E}"/>
+                <a16:creationId xmlns="" xmlns:a16="http://schemas.microsoft.com/office/drawing/2014/main" id="{5E7B9744-FF5D-DB4B-8DCD-FF4C0C57287E}"/>
               </a:ext>
             </a:extLst>
           </p:cNvPr>
@@ -16110,7 +16173,6 @@
               <a:rPr lang="ru-RU" dirty="0"/>
               <a:t>[1] ГОСТ 19.101-77. Единая система программной документации. Термины и определения: утвержден и введен в действие Постановлением Государственного комитета стандартов Совета Министров СССР от 20 мая 1977 г. № 1268 срок введения: с 01.01.1980 г. – URL: https://www.swrit.ru/doc/espd/19.001-77.pdf (дата обращения: 27.01.2023). – Текст: электронный. [2] ГОСТ 19.102-77. Единая система программной документации. Термины и определения: утвержден и введен в действие Постановлением Государственного комитета стандартов Совета Министров СССР от 20 мая 1977 г. № 1268 срок введения: с 01.01.1980 г. – URL: https://www.swrit.ru/doc/espd/19.102-77.pdf (дата обращения: 27.01.2023). – Текст: электронный. [3] 19.103-77. Единая система программной документации. Термины и определения: утвержден и введен в действие Постановлением Государственного комитета стандартов Совета Министров СССР от 20 мая 1977 г. № 1268 срок введения: с 01.01.1980 г. – URL: https://www.swrit.ru/doc/espd/19.103-77.pdf (дата обращения: 27.01.2023). – Текст: электронный. </a:t>
             </a:r>
-            <a:endParaRPr lang="ru-RU" dirty="0"/>
           </a:p>
         </p:txBody>
       </p:sp>
@@ -16119,7 +16181,7 @@
           <p:cNvPr id="7" name="Текст 5">
             <a:extLst>
               <a:ext uri="{FF2B5EF4-FFF2-40B4-BE49-F238E27FC236}">
-                <a16:creationId xmlns:a16="http://schemas.microsoft.com/office/drawing/2014/main" xmlns="" id="{5E7B9744-FF5D-DB4B-8DCD-FF4C0C57287E}"/>
+                <a16:creationId xmlns="" xmlns:a16="http://schemas.microsoft.com/office/drawing/2014/main" id="{5E7B9744-FF5D-DB4B-8DCD-FF4C0C57287E}"/>
               </a:ext>
             </a:extLst>
           </p:cNvPr>
@@ -16299,7 +16361,6 @@
               <a:rPr lang="ru-RU" dirty="0"/>
               <a:t>Просмотрено: 07.04.2023.</a:t>
             </a:r>
-            <a:endParaRPr lang="ru-RU" dirty="0"/>
           </a:p>
         </p:txBody>
       </p:sp>
@@ -16338,7 +16399,7 @@
           <p:cNvPr id="3" name="Заголовок 4">
             <a:extLst>
               <a:ext uri="{FF2B5EF4-FFF2-40B4-BE49-F238E27FC236}">
-                <a16:creationId xmlns:a16="http://schemas.microsoft.com/office/drawing/2014/main" xmlns="" id="{D060AA73-8574-054A-B94B-1EAA5FAB0470}"/>
+                <a16:creationId xmlns="" xmlns:a16="http://schemas.microsoft.com/office/drawing/2014/main" id="{D060AA73-8574-054A-B94B-1EAA5FAB0470}"/>
               </a:ext>
             </a:extLst>
           </p:cNvPr>
@@ -16431,7 +16492,7 @@
           <p:cNvPr id="3" name="Заголовок 2">
             <a:extLst>
               <a:ext uri="{FF2B5EF4-FFF2-40B4-BE49-F238E27FC236}">
-                <a16:creationId xmlns:a16="http://schemas.microsoft.com/office/drawing/2014/main" xmlns="" id="{E2EAF03B-EC26-1D47-94AC-C75942861D6C}"/>
+                <a16:creationId xmlns="" xmlns:a16="http://schemas.microsoft.com/office/drawing/2014/main" id="{E2EAF03B-EC26-1D47-94AC-C75942861D6C}"/>
               </a:ext>
             </a:extLst>
           </p:cNvPr>
@@ -16460,7 +16521,7 @@
           <p:cNvPr id="4" name="Текст 3">
             <a:extLst>
               <a:ext uri="{FF2B5EF4-FFF2-40B4-BE49-F238E27FC236}">
-                <a16:creationId xmlns:a16="http://schemas.microsoft.com/office/drawing/2014/main" xmlns="" id="{53356540-7218-FF4B-B6BC-5BD291A372E2}"/>
+                <a16:creationId xmlns="" xmlns:a16="http://schemas.microsoft.com/office/drawing/2014/main" id="{53356540-7218-FF4B-B6BC-5BD291A372E2}"/>
               </a:ext>
             </a:extLst>
           </p:cNvPr>
@@ -16471,13 +16532,20 @@
             <p:ph type="body" sz="quarter" idx="12"/>
           </p:nvPr>
         </p:nvSpPr>
-        <p:spPr/>
+        <p:spPr>
+          <a:xfrm>
+            <a:off x="585897" y="2014720"/>
+            <a:ext cx="6601287" cy="4294640"/>
+          </a:xfrm>
+        </p:spPr>
         <p:txBody>
-          <a:bodyPr/>
+          <a:bodyPr>
+            <a:noAutofit/>
+          </a:bodyPr>
           <a:lstStyle/>
           <a:p>
             <a:r>
-              <a:rPr lang="ru-RU" dirty="0"/>
+              <a:rPr lang="ru-RU" sz="2000" dirty="0"/>
               <a:t>Приложение позволяет русскоязычному пользователю использовать мнемонические системы - основную и Доминиканскую - для запоминания информации с помощью ассоциаций и образов. Основная мнемоническая система преобразует числа в слова, а Доминиканская ассоциирует каждую пару цифр с человеком, чьи инициалы начинаются на соответствующие буквы. Обе системы основываются на использовании изображений и звуков для создания связей между новой информацией и уже имеющимися знаниями, что делает их эффективными способами запоминания информации.</a:t>
             </a:r>
           </a:p>
@@ -16488,7 +16556,7 @@
           <p:cNvPr id="5" name="Текст 4">
             <a:extLst>
               <a:ext uri="{FF2B5EF4-FFF2-40B4-BE49-F238E27FC236}">
-                <a16:creationId xmlns:a16="http://schemas.microsoft.com/office/drawing/2014/main" xmlns="" id="{3EB29DC1-D5D4-FB41-9E2D-AA4750D0CC8B}"/>
+                <a16:creationId xmlns="" xmlns:a16="http://schemas.microsoft.com/office/drawing/2014/main" id="{3EB29DC1-D5D4-FB41-9E2D-AA4750D0CC8B}"/>
               </a:ext>
             </a:extLst>
           </p:cNvPr>
@@ -16524,7 +16592,7 @@
           <p:cNvPr id="6" name="Текст 5">
             <a:extLst>
               <a:ext uri="{FF2B5EF4-FFF2-40B4-BE49-F238E27FC236}">
-                <a16:creationId xmlns:a16="http://schemas.microsoft.com/office/drawing/2014/main" xmlns="" id="{B5B6DD1A-BEFA-D842-9B7A-78D7BD1A5259}"/>
+                <a16:creationId xmlns="" xmlns:a16="http://schemas.microsoft.com/office/drawing/2014/main" id="{B5B6DD1A-BEFA-D842-9B7A-78D7BD1A5259}"/>
               </a:ext>
             </a:extLst>
           </p:cNvPr>
@@ -16560,7 +16628,7 @@
           <p:cNvPr id="7" name="Текст 6">
             <a:extLst>
               <a:ext uri="{FF2B5EF4-FFF2-40B4-BE49-F238E27FC236}">
-                <a16:creationId xmlns:a16="http://schemas.microsoft.com/office/drawing/2014/main" xmlns="" id="{88968744-3B75-9B47-92FD-77E1E725F232}"/>
+                <a16:creationId xmlns="" xmlns:a16="http://schemas.microsoft.com/office/drawing/2014/main" id="{88968744-3B75-9B47-92FD-77E1E725F232}"/>
               </a:ext>
             </a:extLst>
           </p:cNvPr>
@@ -16614,6 +16682,10 @@
           </a:stretch>
         </p:blipFill>
         <p:spPr bwMode="auto">
+          <a:xfrm>
+            <a:off x="7666105" y="2014719"/>
+            <a:ext cx="3517451" cy="3517402"/>
+          </a:xfrm>
           <a:prstGeom prst="rect">
             <a:avLst/>
           </a:prstGeom>
@@ -16664,7 +16736,7 @@
           <p:cNvPr id="2" name="Текст 1">
             <a:extLst>
               <a:ext uri="{FF2B5EF4-FFF2-40B4-BE49-F238E27FC236}">
-                <a16:creationId xmlns:a16="http://schemas.microsoft.com/office/drawing/2014/main" xmlns="" id="{0648CF85-8F56-2C4F-8090-85FF4624B587}"/>
+                <a16:creationId xmlns="" xmlns:a16="http://schemas.microsoft.com/office/drawing/2014/main" id="{0648CF85-8F56-2C4F-8090-85FF4624B587}"/>
               </a:ext>
             </a:extLst>
           </p:cNvPr>
@@ -16700,7 +16772,7 @@
           <p:cNvPr id="3" name="Текст 2">
             <a:extLst>
               <a:ext uri="{FF2B5EF4-FFF2-40B4-BE49-F238E27FC236}">
-                <a16:creationId xmlns:a16="http://schemas.microsoft.com/office/drawing/2014/main" xmlns="" id="{5576F3CC-3C73-F441-AAE6-50AF712EACBF}"/>
+                <a16:creationId xmlns="" xmlns:a16="http://schemas.microsoft.com/office/drawing/2014/main" id="{5576F3CC-3C73-F441-AAE6-50AF712EACBF}"/>
               </a:ext>
             </a:extLst>
           </p:cNvPr>
@@ -16743,7 +16815,7 @@
           <p:cNvPr id="4" name="Заголовок 3">
             <a:extLst>
               <a:ext uri="{FF2B5EF4-FFF2-40B4-BE49-F238E27FC236}">
-                <a16:creationId xmlns:a16="http://schemas.microsoft.com/office/drawing/2014/main" xmlns="" id="{C7D49100-ECF5-A24F-9537-3BD16DFCCCC7}"/>
+                <a16:creationId xmlns="" xmlns:a16="http://schemas.microsoft.com/office/drawing/2014/main" id="{C7D49100-ECF5-A24F-9537-3BD16DFCCCC7}"/>
               </a:ext>
             </a:extLst>
           </p:cNvPr>
@@ -16785,7 +16857,7 @@
           <p:cNvPr id="5" name="Текст 4">
             <a:extLst>
               <a:ext uri="{FF2B5EF4-FFF2-40B4-BE49-F238E27FC236}">
-                <a16:creationId xmlns:a16="http://schemas.microsoft.com/office/drawing/2014/main" xmlns="" id="{9B7E5D6A-C1E4-8943-BE6A-9D9537FCC2D6}"/>
+                <a16:creationId xmlns="" xmlns:a16="http://schemas.microsoft.com/office/drawing/2014/main" id="{9B7E5D6A-C1E4-8943-BE6A-9D9537FCC2D6}"/>
               </a:ext>
             </a:extLst>
           </p:cNvPr>
@@ -16798,12 +16870,12 @@
         </p:nvSpPr>
         <p:spPr>
           <a:xfrm>
-            <a:off x="6114882" y="2376852"/>
-            <a:ext cx="11057971" cy="4300785"/>
+            <a:off x="4436911" y="2706624"/>
+            <a:ext cx="7337167" cy="3348844"/>
           </a:xfrm>
         </p:spPr>
         <p:txBody>
-          <a:bodyPr/>
+          <a:bodyPr numCol="1"/>
           <a:lstStyle/>
           <a:p>
             <a:r>
@@ -16818,7 +16890,7 @@
           <p:cNvPr id="6" name="Текст 5">
             <a:extLst>
               <a:ext uri="{FF2B5EF4-FFF2-40B4-BE49-F238E27FC236}">
-                <a16:creationId xmlns:a16="http://schemas.microsoft.com/office/drawing/2014/main" xmlns="" id="{1F4B1D31-3576-0740-BA52-B317564F66BD}"/>
+                <a16:creationId xmlns="" xmlns:a16="http://schemas.microsoft.com/office/drawing/2014/main" id="{1F4B1D31-3576-0740-BA52-B317564F66BD}"/>
               </a:ext>
             </a:extLst>
           </p:cNvPr>
@@ -16877,8 +16949,8 @@
         </p:blipFill>
         <p:spPr bwMode="auto">
           <a:xfrm>
-            <a:off x="585897" y="1963023"/>
-            <a:ext cx="4856867" cy="4234169"/>
+            <a:off x="585897" y="2224815"/>
+            <a:ext cx="3522510" cy="3070890"/>
           </a:xfrm>
           <a:prstGeom prst="rect">
             <a:avLst/>
@@ -16953,7 +17025,7 @@
           <p:cNvPr id="2" name="Текст 1">
             <a:extLst>
               <a:ext uri="{FF2B5EF4-FFF2-40B4-BE49-F238E27FC236}">
-                <a16:creationId xmlns:a16="http://schemas.microsoft.com/office/drawing/2014/main" xmlns="" id="{DA33D5D5-13C7-8644-8CD8-A04CCCE73695}"/>
+                <a16:creationId xmlns="" xmlns:a16="http://schemas.microsoft.com/office/drawing/2014/main" id="{DA33D5D5-13C7-8644-8CD8-A04CCCE73695}"/>
               </a:ext>
             </a:extLst>
           </p:cNvPr>
@@ -16988,7 +17060,7 @@
           <p:cNvPr id="3" name="Текст 2">
             <a:extLst>
               <a:ext uri="{FF2B5EF4-FFF2-40B4-BE49-F238E27FC236}">
-                <a16:creationId xmlns:a16="http://schemas.microsoft.com/office/drawing/2014/main" xmlns="" id="{B68095CB-94DB-754D-A4ED-35EBDDB3F749}"/>
+                <a16:creationId xmlns="" xmlns:a16="http://schemas.microsoft.com/office/drawing/2014/main" id="{B68095CB-94DB-754D-A4ED-35EBDDB3F749}"/>
               </a:ext>
             </a:extLst>
           </p:cNvPr>
@@ -17024,7 +17096,7 @@
           <p:cNvPr id="4" name="Заголовок 3">
             <a:extLst>
               <a:ext uri="{FF2B5EF4-FFF2-40B4-BE49-F238E27FC236}">
-                <a16:creationId xmlns:a16="http://schemas.microsoft.com/office/drawing/2014/main" xmlns="" id="{DEBFC62C-9588-F544-918B-2104A12C933E}"/>
+                <a16:creationId xmlns="" xmlns:a16="http://schemas.microsoft.com/office/drawing/2014/main" id="{DEBFC62C-9588-F544-918B-2104A12C933E}"/>
               </a:ext>
             </a:extLst>
           </p:cNvPr>
@@ -17061,7 +17133,7 @@
           <p:cNvPr id="5" name="Текст 4">
             <a:extLst>
               <a:ext uri="{FF2B5EF4-FFF2-40B4-BE49-F238E27FC236}">
-                <a16:creationId xmlns:a16="http://schemas.microsoft.com/office/drawing/2014/main" xmlns="" id="{A6622317-DCC7-F945-8031-3E7F389B9870}"/>
+                <a16:creationId xmlns="" xmlns:a16="http://schemas.microsoft.com/office/drawing/2014/main" id="{A6622317-DCC7-F945-8031-3E7F389B9870}"/>
               </a:ext>
             </a:extLst>
           </p:cNvPr>
@@ -17080,12 +17152,39 @@
           <a:lstStyle/>
           <a:p>
             <a:r>
-              <a:rPr lang="ru-RU" sz="2000" b="1" dirty="0"/>
-              <a:t>Цель данной курсовой работы </a:t>
-            </a:r>
-            <a:r>
               <a:rPr lang="ru-RU" sz="2000" dirty="0"/>
-              <a:t>— создание мобильного приложения, позволяющего русскоговорящему пользователю применять обе мнемонические системы с помощью смартфона</a:t>
+              <a:t>Цель данной курсовой </a:t>
+            </a:r>
+            <a:r>
+              <a:rPr lang="ru-RU" sz="2000" dirty="0" smtClean="0"/>
+              <a:t>работы:</a:t>
+            </a:r>
+            <a:r>
+              <a:rPr lang="ru-RU" sz="2000" b="1" dirty="0" smtClean="0"/>
+              <a:t/>
+            </a:r>
+            <a:br>
+              <a:rPr lang="ru-RU" sz="2000" b="1" dirty="0" smtClean="0"/>
+            </a:br>
+            <a:r>
+              <a:rPr lang="ru-RU" sz="2000" dirty="0" smtClean="0"/>
+              <a:t>создание </a:t>
+            </a:r>
+            <a:r>
+              <a:rPr lang="ru-RU" sz="2000" dirty="0"/>
+              <a:t>мобильного приложения, позволяющего русскоговорящему пользователю применять обе мнемонические системы с </a:t>
+            </a:r>
+            <a:r>
+              <a:rPr lang="ru-RU" sz="2000" dirty="0" smtClean="0"/>
+              <a:t>использованием</a:t>
+            </a:r>
+            <a:r>
+              <a:rPr lang="ru-RU" sz="2000" dirty="0" smtClean="0"/>
+              <a:t> </a:t>
+            </a:r>
+            <a:r>
+              <a:rPr lang="ru-RU" sz="2000" dirty="0"/>
+              <a:t>смартфона</a:t>
             </a:r>
             <a:r>
               <a:rPr lang="ru-RU" sz="2000" dirty="0" smtClean="0"/>
@@ -17110,7 +17209,7 @@
           <p:cNvPr id="7" name="Текст 6">
             <a:extLst>
               <a:ext uri="{FF2B5EF4-FFF2-40B4-BE49-F238E27FC236}">
-                <a16:creationId xmlns:a16="http://schemas.microsoft.com/office/drawing/2014/main" xmlns="" id="{B46BB51F-3F05-3C42-B510-D008849890AC}"/>
+                <a16:creationId xmlns="" xmlns:a16="http://schemas.microsoft.com/office/drawing/2014/main" id="{B46BB51F-3F05-3C42-B510-D008849890AC}"/>
               </a:ext>
             </a:extLst>
           </p:cNvPr>
@@ -17121,138 +17220,164 @@
             <p:ph type="body" sz="quarter" idx="18"/>
           </p:nvPr>
         </p:nvSpPr>
-        <p:spPr/>
+        <p:spPr>
+          <a:xfrm>
+            <a:off x="6259892" y="1447790"/>
+            <a:ext cx="5383968" cy="4706121"/>
+          </a:xfrm>
+        </p:spPr>
         <p:txBody>
           <a:bodyPr>
-            <a:normAutofit fontScale="62500" lnSpcReduction="20000"/>
+            <a:noAutofit/>
           </a:bodyPr>
           <a:lstStyle/>
           <a:p>
-            <a:r>
-              <a:rPr lang="ru-RU" dirty="0"/>
+            <a:pPr>
+              <a:lnSpc>
+                <a:spcPct val="120000"/>
+              </a:lnSpc>
+            </a:pPr>
+            <a:r>
+              <a:rPr lang="ru-RU" sz="2000" dirty="0"/>
               <a:t>Задачи </a:t>
             </a:r>
             <a:r>
-              <a:rPr lang="ru-RU" dirty="0" smtClean="0"/>
+              <a:rPr lang="ru-RU" sz="2000" dirty="0"/>
               <a:t>работы:</a:t>
             </a:r>
           </a:p>
           <a:p>
             <a:pPr marL="457200" indent="-457200">
+              <a:lnSpc>
+                <a:spcPct val="120000"/>
+              </a:lnSpc>
               <a:buFont typeface="Arial" panose="020B0604020202020204" pitchFamily="34" charset="0"/>
               <a:buChar char="•"/>
             </a:pPr>
             <a:r>
-              <a:rPr lang="ru-RU" dirty="0" smtClean="0"/>
+              <a:rPr lang="ru-RU" sz="2000" dirty="0"/>
               <a:t>анализ </a:t>
             </a:r>
             <a:r>
-              <a:rPr lang="ru-RU" dirty="0"/>
+              <a:rPr lang="ru-RU" sz="2000" dirty="0"/>
               <a:t>источников</a:t>
             </a:r>
             <a:r>
-              <a:rPr lang="ru-RU" dirty="0" smtClean="0"/>
+              <a:rPr lang="ru-RU" sz="2000" dirty="0"/>
               <a:t>,</a:t>
             </a:r>
           </a:p>
           <a:p>
             <a:pPr marL="457200" indent="-457200">
+              <a:lnSpc>
+                <a:spcPct val="120000"/>
+              </a:lnSpc>
               <a:buFont typeface="Arial" panose="020B0604020202020204" pitchFamily="34" charset="0"/>
               <a:buChar char="•"/>
             </a:pPr>
             <a:r>
-              <a:rPr lang="ru-RU" dirty="0" smtClean="0"/>
+              <a:rPr lang="ru-RU" sz="2000" dirty="0"/>
               <a:t>общение </a:t>
             </a:r>
             <a:r>
-              <a:rPr lang="ru-RU" dirty="0"/>
+              <a:rPr lang="ru-RU" sz="2000" dirty="0"/>
               <a:t>с потенциальными </a:t>
             </a:r>
             <a:r>
-              <a:rPr lang="ru-RU" dirty="0" smtClean="0"/>
+              <a:rPr lang="ru-RU" sz="2000" dirty="0"/>
               <a:t>пользователями,</a:t>
             </a:r>
           </a:p>
           <a:p>
             <a:pPr marL="457200" indent="-457200">
+              <a:lnSpc>
+                <a:spcPct val="120000"/>
+              </a:lnSpc>
               <a:buFont typeface="Arial" panose="020B0604020202020204" pitchFamily="34" charset="0"/>
               <a:buChar char="•"/>
             </a:pPr>
             <a:r>
-              <a:rPr lang="ru-RU" dirty="0" smtClean="0"/>
+              <a:rPr lang="ru-RU" sz="2000" dirty="0"/>
               <a:t>анализ </a:t>
             </a:r>
             <a:r>
-              <a:rPr lang="ru-RU" dirty="0"/>
+              <a:rPr lang="ru-RU" sz="2000" dirty="0"/>
               <a:t>потенциальных конкурентов</a:t>
             </a:r>
             <a:r>
-              <a:rPr lang="ru-RU" dirty="0" smtClean="0"/>
+              <a:rPr lang="ru-RU" sz="2000" dirty="0"/>
               <a:t>,</a:t>
             </a:r>
           </a:p>
           <a:p>
             <a:pPr marL="457200" indent="-457200">
+              <a:lnSpc>
+                <a:spcPct val="120000"/>
+              </a:lnSpc>
               <a:buFont typeface="Arial" panose="020B0604020202020204" pitchFamily="34" charset="0"/>
               <a:buChar char="•"/>
             </a:pPr>
             <a:r>
-              <a:rPr lang="ru-RU" dirty="0" smtClean="0"/>
+              <a:rPr lang="ru-RU" sz="2000" dirty="0"/>
               <a:t>создание </a:t>
             </a:r>
             <a:r>
-              <a:rPr lang="ru-RU" dirty="0"/>
-              <a:t>прототипа приложения</a:t>
-            </a:r>
-            <a:r>
-              <a:rPr lang="ru-RU" dirty="0" smtClean="0"/>
-              <a:t>,</a:t>
-            </a:r>
-            <a:br>
-              <a:rPr lang="ru-RU" dirty="0" smtClean="0"/>
-            </a:br>
-            <a:r>
-              <a:rPr lang="ru-RU" dirty="0" smtClean="0"/>
-              <a:t>формирование </a:t>
-            </a:r>
-            <a:r>
-              <a:rPr lang="ru-RU" dirty="0"/>
-              <a:t>технического задания</a:t>
-            </a:r>
-            <a:r>
-              <a:rPr lang="ru-RU" dirty="0" smtClean="0"/>
-              <a:t>,</a:t>
+              <a:rPr lang="ru-RU" sz="2000" dirty="0"/>
+              <a:t>прототипа </a:t>
+            </a:r>
+            <a:r>
+              <a:rPr lang="ru-RU" sz="2000" dirty="0"/>
+              <a:t>приложения,</a:t>
             </a:r>
           </a:p>
           <a:p>
             <a:pPr marL="457200" indent="-457200">
+              <a:lnSpc>
+                <a:spcPct val="120000"/>
+              </a:lnSpc>
               <a:buFont typeface="Arial" panose="020B0604020202020204" pitchFamily="34" charset="0"/>
               <a:buChar char="•"/>
             </a:pPr>
             <a:r>
-              <a:rPr lang="ru-RU" dirty="0" smtClean="0"/>
-              <a:t>разработка </a:t>
-            </a:r>
-            <a:r>
-              <a:rPr lang="ru-RU" dirty="0"/>
-              <a:t>мобильного приложения</a:t>
-            </a:r>
-            <a:r>
-              <a:rPr lang="ru-RU" dirty="0" smtClean="0"/>
-              <a:t>,</a:t>
+              <a:rPr lang="ru-RU" sz="2000" dirty="0"/>
+              <a:t>формирование технического задания,</a:t>
             </a:r>
           </a:p>
           <a:p>
             <a:pPr marL="457200" indent="-457200">
+              <a:lnSpc>
+                <a:spcPct val="120000"/>
+              </a:lnSpc>
               <a:buFont typeface="Arial" panose="020B0604020202020204" pitchFamily="34" charset="0"/>
               <a:buChar char="•"/>
             </a:pPr>
             <a:r>
-              <a:rPr lang="ru-RU" dirty="0" smtClean="0"/>
+              <a:rPr lang="ru-RU" sz="2000" dirty="0"/>
+              <a:t>разработка </a:t>
+            </a:r>
+            <a:r>
+              <a:rPr lang="ru-RU" sz="2000" dirty="0"/>
+              <a:t>мобильного приложения</a:t>
+            </a:r>
+            <a:r>
+              <a:rPr lang="ru-RU" sz="2000" dirty="0"/>
+              <a:t>,</a:t>
+            </a:r>
+          </a:p>
+          <a:p>
+            <a:pPr marL="457200" indent="-457200">
+              <a:lnSpc>
+                <a:spcPct val="120000"/>
+              </a:lnSpc>
+              <a:buFont typeface="Arial" panose="020B0604020202020204" pitchFamily="34" charset="0"/>
+              <a:buChar char="•"/>
+            </a:pPr>
+            <a:r>
+              <a:rPr lang="ru-RU" sz="2000" dirty="0"/>
               <a:t>подготовка </a:t>
             </a:r>
             <a:r>
-              <a:rPr lang="ru-RU" dirty="0"/>
+              <a:rPr lang="ru-RU" sz="2000" dirty="0"/>
               <a:t>итогового отчёта.</a:t>
             </a:r>
           </a:p>
@@ -17263,7 +17388,7 @@
           <p:cNvPr id="8" name="Текст 7">
             <a:extLst>
               <a:ext uri="{FF2B5EF4-FFF2-40B4-BE49-F238E27FC236}">
-                <a16:creationId xmlns:a16="http://schemas.microsoft.com/office/drawing/2014/main" xmlns="" id="{5FE4DD9E-D443-AF4F-A072-F5C4D494A05A}"/>
+                <a16:creationId xmlns="" xmlns:a16="http://schemas.microsoft.com/office/drawing/2014/main" id="{5FE4DD9E-D443-AF4F-A072-F5C4D494A05A}"/>
               </a:ext>
             </a:extLst>
           </p:cNvPr>
@@ -17332,7 +17457,7 @@
           <p:cNvPr id="2" name="Текст 1">
             <a:extLst>
               <a:ext uri="{FF2B5EF4-FFF2-40B4-BE49-F238E27FC236}">
-                <a16:creationId xmlns:a16="http://schemas.microsoft.com/office/drawing/2014/main" xmlns="" id="{7686AF3F-C863-864E-AFDC-D574F8060B43}"/>
+                <a16:creationId xmlns="" xmlns:a16="http://schemas.microsoft.com/office/drawing/2014/main" id="{7686AF3F-C863-864E-AFDC-D574F8060B43}"/>
               </a:ext>
             </a:extLst>
           </p:cNvPr>
@@ -17367,7 +17492,7 @@
           <p:cNvPr id="3" name="Текст 2">
             <a:extLst>
               <a:ext uri="{FF2B5EF4-FFF2-40B4-BE49-F238E27FC236}">
-                <a16:creationId xmlns:a16="http://schemas.microsoft.com/office/drawing/2014/main" xmlns="" id="{D3A1EC68-7619-8F49-AEC3-176ECF1F6A21}"/>
+                <a16:creationId xmlns="" xmlns:a16="http://schemas.microsoft.com/office/drawing/2014/main" id="{D3A1EC68-7619-8F49-AEC3-176ECF1F6A21}"/>
               </a:ext>
             </a:extLst>
           </p:cNvPr>
@@ -17410,7 +17535,7 @@
           <p:cNvPr id="4" name="Текст 3">
             <a:extLst>
               <a:ext uri="{FF2B5EF4-FFF2-40B4-BE49-F238E27FC236}">
-                <a16:creationId xmlns:a16="http://schemas.microsoft.com/office/drawing/2014/main" xmlns="" id="{D223B065-0902-0141-A245-63D5DCF436EE}"/>
+                <a16:creationId xmlns="" xmlns:a16="http://schemas.microsoft.com/office/drawing/2014/main" id="{D223B065-0902-0141-A245-63D5DCF436EE}"/>
               </a:ext>
             </a:extLst>
           </p:cNvPr>
@@ -17449,7 +17574,7 @@
           <p:cNvPr id="5" name="Заголовок 4">
             <a:extLst>
               <a:ext uri="{FF2B5EF4-FFF2-40B4-BE49-F238E27FC236}">
-                <a16:creationId xmlns:a16="http://schemas.microsoft.com/office/drawing/2014/main" xmlns="" id="{3872CBB7-AE1B-9D40-A298-6BDF023AFBD6}"/>
+                <a16:creationId xmlns="" xmlns:a16="http://schemas.microsoft.com/office/drawing/2014/main" id="{3872CBB7-AE1B-9D40-A298-6BDF023AFBD6}"/>
               </a:ext>
             </a:extLst>
           </p:cNvPr>
@@ -17483,7 +17608,7 @@
           <p:cNvPr id="6" name="Текст 5">
             <a:extLst>
               <a:ext uri="{FF2B5EF4-FFF2-40B4-BE49-F238E27FC236}">
-                <a16:creationId xmlns:a16="http://schemas.microsoft.com/office/drawing/2014/main" xmlns="" id="{87F297E4-9695-684A-A8A3-54FEC946000F}"/>
+                <a16:creationId xmlns="" xmlns:a16="http://schemas.microsoft.com/office/drawing/2014/main" id="{87F297E4-9695-684A-A8A3-54FEC946000F}"/>
               </a:ext>
             </a:extLst>
           </p:cNvPr>
@@ -17739,7 +17864,7 @@
           <p:cNvPr id="2" name="Текст 1">
             <a:extLst>
               <a:ext uri="{FF2B5EF4-FFF2-40B4-BE49-F238E27FC236}">
-                <a16:creationId xmlns:a16="http://schemas.microsoft.com/office/drawing/2014/main" xmlns="" id="{ABE1F6DB-2C79-0F40-985F-DB8180BAFB92}"/>
+                <a16:creationId xmlns="" xmlns:a16="http://schemas.microsoft.com/office/drawing/2014/main" id="{ABE1F6DB-2C79-0F40-985F-DB8180BAFB92}"/>
               </a:ext>
             </a:extLst>
           </p:cNvPr>
@@ -17764,7 +17889,7 @@
           <p:cNvPr id="3" name="Текст 2">
             <a:extLst>
               <a:ext uri="{FF2B5EF4-FFF2-40B4-BE49-F238E27FC236}">
-                <a16:creationId xmlns:a16="http://schemas.microsoft.com/office/drawing/2014/main" xmlns="" id="{92CC9B4C-151F-204A-9B26-BE1838EFB24F}"/>
+                <a16:creationId xmlns="" xmlns:a16="http://schemas.microsoft.com/office/drawing/2014/main" id="{92CC9B4C-151F-204A-9B26-BE1838EFB24F}"/>
               </a:ext>
             </a:extLst>
           </p:cNvPr>
@@ -17806,7 +17931,7 @@
           <p:cNvPr id="4" name="Текст 3">
             <a:extLst>
               <a:ext uri="{FF2B5EF4-FFF2-40B4-BE49-F238E27FC236}">
-                <a16:creationId xmlns:a16="http://schemas.microsoft.com/office/drawing/2014/main" xmlns="" id="{43CD81CA-2715-AB4B-A575-27FBCE550D22}"/>
+                <a16:creationId xmlns="" xmlns:a16="http://schemas.microsoft.com/office/drawing/2014/main" id="{43CD81CA-2715-AB4B-A575-27FBCE550D22}"/>
               </a:ext>
             </a:extLst>
           </p:cNvPr>
@@ -17841,7 +17966,7 @@
           <p:cNvPr id="5" name="Заголовок 4">
             <a:extLst>
               <a:ext uri="{FF2B5EF4-FFF2-40B4-BE49-F238E27FC236}">
-                <a16:creationId xmlns:a16="http://schemas.microsoft.com/office/drawing/2014/main" xmlns="" id="{D6248A15-8E7E-BC4A-A1F2-4446573BCA36}"/>
+                <a16:creationId xmlns="" xmlns:a16="http://schemas.microsoft.com/office/drawing/2014/main" id="{D6248A15-8E7E-BC4A-A1F2-4446573BCA36}"/>
               </a:ext>
             </a:extLst>
           </p:cNvPr>
@@ -17882,7 +18007,7 @@
           <p:cNvPr id="6" name="Текст 5">
             <a:extLst>
               <a:ext uri="{FF2B5EF4-FFF2-40B4-BE49-F238E27FC236}">
-                <a16:creationId xmlns:a16="http://schemas.microsoft.com/office/drawing/2014/main" xmlns="" id="{5759A9C6-69C4-5447-8A46-A98387532C83}"/>
+                <a16:creationId xmlns="" xmlns:a16="http://schemas.microsoft.com/office/drawing/2014/main" id="{5759A9C6-69C4-5447-8A46-A98387532C83}"/>
               </a:ext>
             </a:extLst>
           </p:cNvPr>
@@ -18089,7 +18214,7 @@
           <p:cNvPr id="2" name="Текст 1">
             <a:extLst>
               <a:ext uri="{FF2B5EF4-FFF2-40B4-BE49-F238E27FC236}">
-                <a16:creationId xmlns:a16="http://schemas.microsoft.com/office/drawing/2014/main" xmlns="" id="{E239B216-F5ED-B348-A1BB-CE85242168B6}"/>
+                <a16:creationId xmlns="" xmlns:a16="http://schemas.microsoft.com/office/drawing/2014/main" id="{E239B216-F5ED-B348-A1BB-CE85242168B6}"/>
               </a:ext>
             </a:extLst>
           </p:cNvPr>
@@ -18126,7 +18251,7 @@
           <p:cNvPr id="3" name="Текст 2">
             <a:extLst>
               <a:ext uri="{FF2B5EF4-FFF2-40B4-BE49-F238E27FC236}">
-                <a16:creationId xmlns:a16="http://schemas.microsoft.com/office/drawing/2014/main" xmlns="" id="{7986A2D4-D42B-854C-9F3E-6A8095E580B6}"/>
+                <a16:creationId xmlns="" xmlns:a16="http://schemas.microsoft.com/office/drawing/2014/main" id="{7986A2D4-D42B-854C-9F3E-6A8095E580B6}"/>
               </a:ext>
             </a:extLst>
           </p:cNvPr>
@@ -18171,7 +18296,7 @@
           <p:cNvPr id="4" name="Текст 3">
             <a:extLst>
               <a:ext uri="{FF2B5EF4-FFF2-40B4-BE49-F238E27FC236}">
-                <a16:creationId xmlns:a16="http://schemas.microsoft.com/office/drawing/2014/main" xmlns="" id="{628F0E61-4402-1545-ABC6-7EB156E5B9E6}"/>
+                <a16:creationId xmlns="" xmlns:a16="http://schemas.microsoft.com/office/drawing/2014/main" id="{628F0E61-4402-1545-ABC6-7EB156E5B9E6}"/>
               </a:ext>
             </a:extLst>
           </p:cNvPr>
@@ -18205,7 +18330,6 @@
               <a:rPr lang="ru-RU" dirty="0"/>
               <a:t>работе методов</a:t>
             </a:r>
-            <a:endParaRPr lang="ru-RU" dirty="0"/>
           </a:p>
         </p:txBody>
       </p:sp>
@@ -18214,7 +18338,7 @@
           <p:cNvPr id="5" name="Заголовок 4">
             <a:extLst>
               <a:ext uri="{FF2B5EF4-FFF2-40B4-BE49-F238E27FC236}">
-                <a16:creationId xmlns:a16="http://schemas.microsoft.com/office/drawing/2014/main" xmlns="" id="{7B6EC5B9-282D-B84A-B169-E82D52070680}"/>
+                <a16:creationId xmlns="" xmlns:a16="http://schemas.microsoft.com/office/drawing/2014/main" id="{7B6EC5B9-282D-B84A-B169-E82D52070680}"/>
               </a:ext>
             </a:extLst>
           </p:cNvPr>
@@ -18243,7 +18367,7 @@
           <p:cNvPr id="6" name="Текст 5">
             <a:extLst>
               <a:ext uri="{FF2B5EF4-FFF2-40B4-BE49-F238E27FC236}">
-                <a16:creationId xmlns:a16="http://schemas.microsoft.com/office/drawing/2014/main" xmlns="" id="{52A84FC5-C615-ED4D-97BC-765AAF50474A}"/>
+                <a16:creationId xmlns="" xmlns:a16="http://schemas.microsoft.com/office/drawing/2014/main" id="{52A84FC5-C615-ED4D-97BC-765AAF50474A}"/>
               </a:ext>
             </a:extLst>
           </p:cNvPr>
@@ -18420,7 +18544,7 @@
           <p:cNvPr id="2" name="Текст 1">
             <a:extLst>
               <a:ext uri="{FF2B5EF4-FFF2-40B4-BE49-F238E27FC236}">
-                <a16:creationId xmlns:a16="http://schemas.microsoft.com/office/drawing/2014/main" xmlns="" id="{2FFBD88B-BF2A-8F44-B648-677BB7D9750D}"/>
+                <a16:creationId xmlns="" xmlns:a16="http://schemas.microsoft.com/office/drawing/2014/main" id="{2FFBD88B-BF2A-8F44-B648-677BB7D9750D}"/>
               </a:ext>
             </a:extLst>
           </p:cNvPr>
@@ -18457,7 +18581,7 @@
           <p:cNvPr id="3" name="Текст 2">
             <a:extLst>
               <a:ext uri="{FF2B5EF4-FFF2-40B4-BE49-F238E27FC236}">
-                <a16:creationId xmlns:a16="http://schemas.microsoft.com/office/drawing/2014/main" xmlns="" id="{BD6DFA47-ACB8-5246-AC9C-19D438CF658E}"/>
+                <a16:creationId xmlns="" xmlns:a16="http://schemas.microsoft.com/office/drawing/2014/main" id="{BD6DFA47-ACB8-5246-AC9C-19D438CF658E}"/>
               </a:ext>
             </a:extLst>
           </p:cNvPr>
@@ -18505,7 +18629,7 @@
           <p:cNvPr id="4" name="Текст 3">
             <a:extLst>
               <a:ext uri="{FF2B5EF4-FFF2-40B4-BE49-F238E27FC236}">
-                <a16:creationId xmlns:a16="http://schemas.microsoft.com/office/drawing/2014/main" xmlns="" id="{49A5DD86-C5F3-5843-B60F-AC26E1B16228}"/>
+                <a16:creationId xmlns="" xmlns:a16="http://schemas.microsoft.com/office/drawing/2014/main" id="{49A5DD86-C5F3-5843-B60F-AC26E1B16228}"/>
               </a:ext>
             </a:extLst>
           </p:cNvPr>
@@ -18526,7 +18650,6 @@
               <a:rPr lang="ru-RU" dirty="0"/>
               <a:t>Архитектура приложения / программы</a:t>
             </a:r>
-            <a:endParaRPr lang="ru-RU" dirty="0"/>
           </a:p>
           <a:p>
             <a:endParaRPr lang="ru-RU" dirty="0"/>
@@ -18538,7 +18661,7 @@
           <p:cNvPr id="5" name="Заголовок 4">
             <a:extLst>
               <a:ext uri="{FF2B5EF4-FFF2-40B4-BE49-F238E27FC236}">
-                <a16:creationId xmlns:a16="http://schemas.microsoft.com/office/drawing/2014/main" xmlns="" id="{D060AA73-8574-054A-B94B-1EAA5FAB0470}"/>
+                <a16:creationId xmlns="" xmlns:a16="http://schemas.microsoft.com/office/drawing/2014/main" id="{D060AA73-8574-054A-B94B-1EAA5FAB0470}"/>
               </a:ext>
             </a:extLst>
           </p:cNvPr>
@@ -18585,7 +18708,7 @@
           <p:cNvPr id="6" name="Текст 5">
             <a:extLst>
               <a:ext uri="{FF2B5EF4-FFF2-40B4-BE49-F238E27FC236}">
-                <a16:creationId xmlns:a16="http://schemas.microsoft.com/office/drawing/2014/main" xmlns="" id="{5E7B9744-FF5D-DB4B-8DCD-FF4C0C57287E}"/>
+                <a16:creationId xmlns="" xmlns:a16="http://schemas.microsoft.com/office/drawing/2014/main" id="{5E7B9744-FF5D-DB4B-8DCD-FF4C0C57287E}"/>
               </a:ext>
             </a:extLst>
           </p:cNvPr>
@@ -18648,7 +18771,7 @@
           <p:cNvPr id="2" name="Текст 1">
             <a:extLst>
               <a:ext uri="{FF2B5EF4-FFF2-40B4-BE49-F238E27FC236}">
-                <a16:creationId xmlns:a16="http://schemas.microsoft.com/office/drawing/2014/main" xmlns="" id="{2FFBD88B-BF2A-8F44-B648-677BB7D9750D}"/>
+                <a16:creationId xmlns="" xmlns:a16="http://schemas.microsoft.com/office/drawing/2014/main" id="{2FFBD88B-BF2A-8F44-B648-677BB7D9750D}"/>
               </a:ext>
             </a:extLst>
           </p:cNvPr>
@@ -18685,7 +18808,7 @@
           <p:cNvPr id="3" name="Текст 2">
             <a:extLst>
               <a:ext uri="{FF2B5EF4-FFF2-40B4-BE49-F238E27FC236}">
-                <a16:creationId xmlns:a16="http://schemas.microsoft.com/office/drawing/2014/main" xmlns="" id="{BD6DFA47-ACB8-5246-AC9C-19D438CF658E}"/>
+                <a16:creationId xmlns="" xmlns:a16="http://schemas.microsoft.com/office/drawing/2014/main" id="{BD6DFA47-ACB8-5246-AC9C-19D438CF658E}"/>
               </a:ext>
             </a:extLst>
           </p:cNvPr>
@@ -18733,7 +18856,7 @@
           <p:cNvPr id="4" name="Текст 3">
             <a:extLst>
               <a:ext uri="{FF2B5EF4-FFF2-40B4-BE49-F238E27FC236}">
-                <a16:creationId xmlns:a16="http://schemas.microsoft.com/office/drawing/2014/main" xmlns="" id="{49A5DD86-C5F3-5843-B60F-AC26E1B16228}"/>
+                <a16:creationId xmlns="" xmlns:a16="http://schemas.microsoft.com/office/drawing/2014/main" id="{49A5DD86-C5F3-5843-B60F-AC26E1B16228}"/>
               </a:ext>
             </a:extLst>
           </p:cNvPr>
@@ -18770,7 +18893,7 @@
           <p:cNvPr id="5" name="Заголовок 4">
             <a:extLst>
               <a:ext uri="{FF2B5EF4-FFF2-40B4-BE49-F238E27FC236}">
-                <a16:creationId xmlns:a16="http://schemas.microsoft.com/office/drawing/2014/main" xmlns="" id="{D060AA73-8574-054A-B94B-1EAA5FAB0470}"/>
+                <a16:creationId xmlns="" xmlns:a16="http://schemas.microsoft.com/office/drawing/2014/main" id="{D060AA73-8574-054A-B94B-1EAA5FAB0470}"/>
               </a:ext>
             </a:extLst>
           </p:cNvPr>
@@ -18805,7 +18928,6 @@
               <a:rPr lang="ru-RU" dirty="0"/>
               <a:t>реализации </a:t>
             </a:r>
-            <a:endParaRPr lang="ru-RU" dirty="0"/>
           </a:p>
         </p:txBody>
       </p:sp>
@@ -18814,7 +18936,7 @@
           <p:cNvPr id="6" name="Текст 5">
             <a:extLst>
               <a:ext uri="{FF2B5EF4-FFF2-40B4-BE49-F238E27FC236}">
-                <a16:creationId xmlns:a16="http://schemas.microsoft.com/office/drawing/2014/main" xmlns="" id="{5E7B9744-FF5D-DB4B-8DCD-FF4C0C57287E}"/>
+                <a16:creationId xmlns="" xmlns:a16="http://schemas.microsoft.com/office/drawing/2014/main" id="{5E7B9744-FF5D-DB4B-8DCD-FF4C0C57287E}"/>
               </a:ext>
             </a:extLst>
           </p:cNvPr>
@@ -18920,7 +19042,7 @@
           <p:cNvPr id="7" name="Текст 5">
             <a:extLst>
               <a:ext uri="{FF2B5EF4-FFF2-40B4-BE49-F238E27FC236}">
-                <a16:creationId xmlns:a16="http://schemas.microsoft.com/office/drawing/2014/main" xmlns="" id="{5E7B9744-FF5D-DB4B-8DCD-FF4C0C57287E}"/>
+                <a16:creationId xmlns="" xmlns:a16="http://schemas.microsoft.com/office/drawing/2014/main" id="{5E7B9744-FF5D-DB4B-8DCD-FF4C0C57287E}"/>
               </a:ext>
             </a:extLst>
           </p:cNvPr>
@@ -19208,7 +19330,6 @@
               <a:rPr lang="ru-RU" dirty="0"/>
               <a:t>или выше.</a:t>
             </a:r>
-            <a:endParaRPr lang="ru-RU" dirty="0"/>
           </a:p>
         </p:txBody>
       </p:sp>
@@ -19571,7 +19692,7 @@
   <a:extraClrSchemeLst/>
   <a:extLst>
     <a:ext uri="{05A4C25C-085E-4340-85A3-A5531E510DB2}">
-      <thm15:themeFamily xmlns:thm15="http://schemas.microsoft.com/office/thememl/2012/main" xmlns="" name="Office Theme" id="{62F939B6-93AF-4DB8-9C6B-D6C7DFDC589F}" vid="{4A3C46E8-61CC-4603-A589-7422A47A8E4A}"/>
+      <thm15:themeFamily xmlns="" xmlns:thm15="http://schemas.microsoft.com/office/thememl/2012/main" name="Office Theme" id="{62F939B6-93AF-4DB8-9C6B-D6C7DFDC589F}" vid="{4A3C46E8-61CC-4603-A589-7422A47A8E4A}"/>
     </a:ext>
   </a:extLst>
 </a:theme>
@@ -19866,16 +19987,19 @@
   <a:extraClrSchemeLst/>
   <a:extLst>
     <a:ext uri="{05A4C25C-085E-4340-85A3-A5531E510DB2}">
-      <thm15:themeFamily xmlns:thm15="http://schemas.microsoft.com/office/thememl/2012/main" xmlns="" name="Office Theme" id="{62F939B6-93AF-4DB8-9C6B-D6C7DFDC589F}" vid="{4A3C46E8-61CC-4603-A589-7422A47A8E4A}"/>
+      <thm15:themeFamily xmlns="" xmlns:thm15="http://schemas.microsoft.com/office/thememl/2012/main" name="Office Theme" id="{62F939B6-93AF-4DB8-9C6B-D6C7DFDC589F}" vid="{4A3C46E8-61CC-4603-A589-7422A47A8E4A}"/>
     </a:ext>
   </a:extLst>
 </a:theme>
 </file>
 
 <file path=customXml/item1.xml><?xml version="1.0" encoding="utf-8"?>
-<p:properties xmlns:p="http://schemas.microsoft.com/office/2006/metadata/properties" xmlns:xsi="http://www.w3.org/2001/XMLSchema-instance" xmlns:pc="http://schemas.microsoft.com/office/infopath/2007/PartnerControls">
-  <documentManagement/>
-</p:properties>
+<?mso-contentType ?>
+<FormTemplates xmlns="http://schemas.microsoft.com/sharepoint/v3/contenttype/forms">
+  <Display>DocumentLibraryForm</Display>
+  <Edit>DocumentLibraryForm</Edit>
+  <New>DocumentLibraryForm</New>
+</FormTemplates>
 </file>
 
 <file path=customXml/item2.xml><?xml version="1.0" encoding="utf-8"?>
@@ -20102,27 +20226,15 @@
 </file>
 
 <file path=customXml/item3.xml><?xml version="1.0" encoding="utf-8"?>
-<?mso-contentType ?>
-<FormTemplates xmlns="http://schemas.microsoft.com/sharepoint/v3/contenttype/forms">
-  <Display>DocumentLibraryForm</Display>
-  <Edit>DocumentLibraryForm</Edit>
-  <New>DocumentLibraryForm</New>
-</FormTemplates>
+<p:properties xmlns:p="http://schemas.microsoft.com/office/2006/metadata/properties" xmlns:xsi="http://www.w3.org/2001/XMLSchema-instance" xmlns:pc="http://schemas.microsoft.com/office/infopath/2007/PartnerControls">
+  <documentManagement/>
+</p:properties>
 </file>
 
 <file path=customXml/itemProps1.xml><?xml version="1.0" encoding="utf-8"?>
-<ds:datastoreItem xmlns:ds="http://schemas.openxmlformats.org/officeDocument/2006/customXml" ds:itemID="{433DAF31-D8A6-49A0-9A5D-8B2EA5B1C511}">
+<ds:datastoreItem xmlns:ds="http://schemas.openxmlformats.org/officeDocument/2006/customXml" ds:itemID="{B34386AA-1848-4C75-B336-1053927CB025}">
   <ds:schemaRefs>
-    <ds:schemaRef ds:uri="http://purl.org/dc/terms/"/>
-    <ds:schemaRef ds:uri="http://schemas.microsoft.com/office/2006/documentManagement/types"/>
-    <ds:schemaRef ds:uri="e96afe77-3acb-4328-97fc-408e1bde3ecd"/>
-    <ds:schemaRef ds:uri="http://purl.org/dc/elements/1.1/"/>
-    <ds:schemaRef ds:uri="9875bd71-cde8-496c-a136-433f55d5e6d0"/>
-    <ds:schemaRef ds:uri="http://schemas.microsoft.com/office/infopath/2007/PartnerControls"/>
-    <ds:schemaRef ds:uri="http://schemas.openxmlformats.org/package/2006/metadata/core-properties"/>
-    <ds:schemaRef ds:uri="http://schemas.microsoft.com/office/2006/metadata/properties"/>
-    <ds:schemaRef ds:uri="http://www.w3.org/XML/1998/namespace"/>
-    <ds:schemaRef ds:uri="http://purl.org/dc/dcmitype/"/>
+    <ds:schemaRef ds:uri="http://schemas.microsoft.com/sharepoint/v3/contenttype/forms"/>
   </ds:schemaRefs>
 </ds:datastoreItem>
 </file>
@@ -20147,9 +20259,18 @@
 </file>
 
 <file path=customXml/itemProps3.xml><?xml version="1.0" encoding="utf-8"?>
-<ds:datastoreItem xmlns:ds="http://schemas.openxmlformats.org/officeDocument/2006/customXml" ds:itemID="{B34386AA-1848-4C75-B336-1053927CB025}">
+<ds:datastoreItem xmlns:ds="http://schemas.openxmlformats.org/officeDocument/2006/customXml" ds:itemID="{433DAF31-D8A6-49A0-9A5D-8B2EA5B1C511}">
   <ds:schemaRefs>
-    <ds:schemaRef ds:uri="http://schemas.microsoft.com/sharepoint/v3/contenttype/forms"/>
+    <ds:schemaRef ds:uri="http://purl.org/dc/terms/"/>
+    <ds:schemaRef ds:uri="http://schemas.microsoft.com/office/2006/documentManagement/types"/>
+    <ds:schemaRef ds:uri="e96afe77-3acb-4328-97fc-408e1bde3ecd"/>
+    <ds:schemaRef ds:uri="http://purl.org/dc/elements/1.1/"/>
+    <ds:schemaRef ds:uri="9875bd71-cde8-496c-a136-433f55d5e6d0"/>
+    <ds:schemaRef ds:uri="http://schemas.microsoft.com/office/infopath/2007/PartnerControls"/>
+    <ds:schemaRef ds:uri="http://schemas.openxmlformats.org/package/2006/metadata/core-properties"/>
+    <ds:schemaRef ds:uri="http://schemas.microsoft.com/office/2006/metadata/properties"/>
+    <ds:schemaRef ds:uri="http://www.w3.org/XML/1998/namespace"/>
+    <ds:schemaRef ds:uri="http://purl.org/dc/dcmitype/"/>
   </ds:schemaRefs>
 </ds:datastoreItem>
 </file>
--- a/Итоговые документы/presentation.pptx
+++ b/Итоговые документы/presentation.pptx
@@ -5,7 +5,7 @@
     <p:sldMasterId id="2147483648" r:id="rId4"/>
   </p:sldMasterIdLst>
   <p:notesMasterIdLst>
-    <p:notesMasterId r:id="rId19"/>
+    <p:notesMasterId r:id="rId20"/>
   </p:notesMasterIdLst>
   <p:sldIdLst>
     <p:sldId id="271" r:id="rId5"/>
@@ -13,15 +13,16 @@
     <p:sldId id="273" r:id="rId7"/>
     <p:sldId id="274" r:id="rId8"/>
     <p:sldId id="275" r:id="rId9"/>
-    <p:sldId id="277" r:id="rId10"/>
-    <p:sldId id="278" r:id="rId11"/>
-    <p:sldId id="281" r:id="rId12"/>
-    <p:sldId id="286" r:id="rId13"/>
-    <p:sldId id="287" r:id="rId14"/>
-    <p:sldId id="288" r:id="rId15"/>
-    <p:sldId id="289" r:id="rId16"/>
-    <p:sldId id="290" r:id="rId17"/>
-    <p:sldId id="285" r:id="rId18"/>
+    <p:sldId id="291" r:id="rId10"/>
+    <p:sldId id="277" r:id="rId11"/>
+    <p:sldId id="278" r:id="rId12"/>
+    <p:sldId id="281" r:id="rId13"/>
+    <p:sldId id="286" r:id="rId14"/>
+    <p:sldId id="287" r:id="rId15"/>
+    <p:sldId id="288" r:id="rId16"/>
+    <p:sldId id="289" r:id="rId17"/>
+    <p:sldId id="290" r:id="rId18"/>
+    <p:sldId id="285" r:id="rId19"/>
   </p:sldIdLst>
   <p:sldSz cx="12192000" cy="6858000"/>
   <p:notesSz cx="6858000" cy="9144000"/>
@@ -122,7 +123,7 @@
   </p:defaultTextStyle>
   <p:extLst>
     <p:ext uri="{EFAFB233-063F-42B5-8137-9DF3F51BA10A}">
-      <p15:sldGuideLst xmlns="" xmlns:p15="http://schemas.microsoft.com/office/powerpoint/2012/main">
+      <p15:sldGuideLst xmlns:p15="http://schemas.microsoft.com/office/powerpoint/2012/main" xmlns="">
         <p15:guide id="2" pos="325" userDrawn="1">
           <p15:clr>
             <a:srgbClr val="A4A3A4"/>
@@ -181,7 +182,7 @@
       </p15:sldGuideLst>
     </p:ext>
     <p:ext uri="{2D200454-40CA-4A62-9FC3-DE9A4176ACB9}">
-      <p15:notesGuideLst xmlns="" xmlns:p15="http://schemas.microsoft.com/office/powerpoint/2012/main">
+      <p15:notesGuideLst xmlns:p15="http://schemas.microsoft.com/office/powerpoint/2012/main" xmlns="">
         <p15:guide id="1" orient="horz" pos="2880" userDrawn="1">
           <p15:clr>
             <a:srgbClr val="A4A3A4"/>
@@ -629,7 +630,7 @@
           <a:p>
             <a:fld id="{6C748903-8EB5-294E-A216-6B54B0368783}" type="slidenum">
               <a:rPr lang="x-none" smtClean="0"/>
-              <a:t>8</a:t>
+              <a:t>9</a:t>
             </a:fld>
             <a:endParaRPr lang="x-none"/>
           </a:p>
@@ -713,7 +714,7 @@
           <a:p>
             <a:fld id="{6C748903-8EB5-294E-A216-6B54B0368783}" type="slidenum">
               <a:rPr lang="x-none" smtClean="0"/>
-              <a:t>9</a:t>
+              <a:t>10</a:t>
             </a:fld>
             <a:endParaRPr lang="x-none"/>
           </a:p>
@@ -797,7 +798,7 @@
           <a:p>
             <a:fld id="{6C748903-8EB5-294E-A216-6B54B0368783}" type="slidenum">
               <a:rPr lang="x-none" smtClean="0"/>
-              <a:t>10</a:t>
+              <a:t>11</a:t>
             </a:fld>
             <a:endParaRPr lang="x-none"/>
           </a:p>
@@ -881,7 +882,7 @@
           <a:p>
             <a:fld id="{6C748903-8EB5-294E-A216-6B54B0368783}" type="slidenum">
               <a:rPr lang="x-none" smtClean="0"/>
-              <a:t>11</a:t>
+              <a:t>12</a:t>
             </a:fld>
             <a:endParaRPr lang="x-none"/>
           </a:p>
@@ -965,7 +966,7 @@
           <a:p>
             <a:fld id="{6C748903-8EB5-294E-A216-6B54B0368783}" type="slidenum">
               <a:rPr lang="x-none" smtClean="0"/>
-              <a:t>12</a:t>
+              <a:t>13</a:t>
             </a:fld>
             <a:endParaRPr lang="x-none"/>
           </a:p>
@@ -1049,7 +1050,7 @@
           <a:p>
             <a:fld id="{6C748903-8EB5-294E-A216-6B54B0368783}" type="slidenum">
               <a:rPr lang="x-none" smtClean="0"/>
-              <a:t>13</a:t>
+              <a:t>14</a:t>
             </a:fld>
             <a:endParaRPr lang="x-none"/>
           </a:p>
@@ -1104,7 +1105,7 @@
           <p:cNvPr id="7" name="Picture 28" descr="A blue circle with white text&#10;&#10;Description automatically generated with low confidence">
             <a:extLst>
               <a:ext uri="{FF2B5EF4-FFF2-40B4-BE49-F238E27FC236}">
-                <a16:creationId xmlns="" xmlns:a16="http://schemas.microsoft.com/office/drawing/2014/main" id="{BA292C80-0DA8-194A-9A66-279048FA2A54}"/>
+                <a16:creationId xmlns:a16="http://schemas.microsoft.com/office/drawing/2014/main" xmlns="" id="{BA292C80-0DA8-194A-9A66-279048FA2A54}"/>
               </a:ext>
             </a:extLst>
           </p:cNvPr>
@@ -1134,7 +1135,7 @@
           <p:cNvPr id="11" name="Straight Connector 48">
             <a:extLst>
               <a:ext uri="{FF2B5EF4-FFF2-40B4-BE49-F238E27FC236}">
-                <a16:creationId xmlns="" xmlns:a16="http://schemas.microsoft.com/office/drawing/2014/main" id="{313EF906-5BAC-0141-A198-076E155DF9E2}"/>
+                <a16:creationId xmlns:a16="http://schemas.microsoft.com/office/drawing/2014/main" xmlns="" id="{313EF906-5BAC-0141-A198-076E155DF9E2}"/>
               </a:ext>
             </a:extLst>
           </p:cNvPr>
@@ -1177,7 +1178,7 @@
           <p:cNvPr id="12" name="Straight Connector 50">
             <a:extLst>
               <a:ext uri="{FF2B5EF4-FFF2-40B4-BE49-F238E27FC236}">
-                <a16:creationId xmlns="" xmlns:a16="http://schemas.microsoft.com/office/drawing/2014/main" id="{61206A97-26F2-E646-8775-9928FEF465B5}"/>
+                <a16:creationId xmlns:a16="http://schemas.microsoft.com/office/drawing/2014/main" xmlns="" id="{61206A97-26F2-E646-8775-9928FEF465B5}"/>
               </a:ext>
             </a:extLst>
           </p:cNvPr>
@@ -1220,7 +1221,7 @@
           <p:cNvPr id="13" name="Straight Connector 51">
             <a:extLst>
               <a:ext uri="{FF2B5EF4-FFF2-40B4-BE49-F238E27FC236}">
-                <a16:creationId xmlns="" xmlns:a16="http://schemas.microsoft.com/office/drawing/2014/main" id="{28E0E5F6-C1CA-9B41-B1DB-6E4FB509084D}"/>
+                <a16:creationId xmlns:a16="http://schemas.microsoft.com/office/drawing/2014/main" xmlns="" id="{28E0E5F6-C1CA-9B41-B1DB-6E4FB509084D}"/>
               </a:ext>
             </a:extLst>
           </p:cNvPr>
@@ -1263,7 +1264,7 @@
           <p:cNvPr id="16" name="Заголовок 15">
             <a:extLst>
               <a:ext uri="{FF2B5EF4-FFF2-40B4-BE49-F238E27FC236}">
-                <a16:creationId xmlns="" xmlns:a16="http://schemas.microsoft.com/office/drawing/2014/main" id="{6007C52F-2E27-E24A-B9DC-AAAB052DBD59}"/>
+                <a16:creationId xmlns:a16="http://schemas.microsoft.com/office/drawing/2014/main" xmlns="" id="{6007C52F-2E27-E24A-B9DC-AAAB052DBD59}"/>
               </a:ext>
             </a:extLst>
           </p:cNvPr>
@@ -1373,7 +1374,7 @@
           <p:cNvPr id="20" name="Текст 19">
             <a:extLst>
               <a:ext uri="{FF2B5EF4-FFF2-40B4-BE49-F238E27FC236}">
-                <a16:creationId xmlns="" xmlns:a16="http://schemas.microsoft.com/office/drawing/2014/main" id="{18109844-C2E7-354F-9C01-8834E4DCE373}"/>
+                <a16:creationId xmlns:a16="http://schemas.microsoft.com/office/drawing/2014/main" xmlns="" id="{18109844-C2E7-354F-9C01-8834E4DCE373}"/>
               </a:ext>
             </a:extLst>
           </p:cNvPr>
@@ -1479,7 +1480,7 @@
           <p:cNvPr id="25" name="Текст 24">
             <a:extLst>
               <a:ext uri="{FF2B5EF4-FFF2-40B4-BE49-F238E27FC236}">
-                <a16:creationId xmlns="" xmlns:a16="http://schemas.microsoft.com/office/drawing/2014/main" id="{40A04329-C800-BB42-BFE0-7E3C68848DA7}"/>
+                <a16:creationId xmlns:a16="http://schemas.microsoft.com/office/drawing/2014/main" xmlns="" id="{40A04329-C800-BB42-BFE0-7E3C68848DA7}"/>
               </a:ext>
             </a:extLst>
           </p:cNvPr>
@@ -1576,7 +1577,7 @@
           <p:cNvPr id="27" name="Текст 26">
             <a:extLst>
               <a:ext uri="{FF2B5EF4-FFF2-40B4-BE49-F238E27FC236}">
-                <a16:creationId xmlns="" xmlns:a16="http://schemas.microsoft.com/office/drawing/2014/main" id="{98337931-3EC2-F348-99EA-860F4FFDC188}"/>
+                <a16:creationId xmlns:a16="http://schemas.microsoft.com/office/drawing/2014/main" xmlns="" id="{98337931-3EC2-F348-99EA-860F4FFDC188}"/>
               </a:ext>
             </a:extLst>
           </p:cNvPr>
@@ -1673,7 +1674,7 @@
           <p:cNvPr id="29" name="Текст 28">
             <a:extLst>
               <a:ext uri="{FF2B5EF4-FFF2-40B4-BE49-F238E27FC236}">
-                <a16:creationId xmlns="" xmlns:a16="http://schemas.microsoft.com/office/drawing/2014/main" id="{EEA7A79B-D410-B44F-BF32-C3EAEFC20A6E}"/>
+                <a16:creationId xmlns:a16="http://schemas.microsoft.com/office/drawing/2014/main" xmlns="" id="{EEA7A79B-D410-B44F-BF32-C3EAEFC20A6E}"/>
               </a:ext>
             </a:extLst>
           </p:cNvPr>
@@ -1778,7 +1779,7 @@
   </p:clrMapOvr>
   <p:extLst>
     <p:ext uri="{DCECCB84-F9BA-43D5-87BE-67443E8EF086}">
-      <p15:sldGuideLst xmlns="" xmlns:p15="http://schemas.microsoft.com/office/powerpoint/2012/main"/>
+      <p15:sldGuideLst xmlns:p15="http://schemas.microsoft.com/office/powerpoint/2012/main" xmlns=""/>
     </p:ext>
   </p:extLst>
 </p:sldLayout>
@@ -1820,7 +1821,7 @@
           <p:cNvPr id="7" name="Picture 4" descr="Icon&#10;&#10;Description automatically generated">
             <a:extLst>
               <a:ext uri="{FF2B5EF4-FFF2-40B4-BE49-F238E27FC236}">
-                <a16:creationId xmlns="" xmlns:a16="http://schemas.microsoft.com/office/drawing/2014/main" id="{9328428E-0D3D-6E4B-BAC0-3F63BAF7DB74}"/>
+                <a16:creationId xmlns:a16="http://schemas.microsoft.com/office/drawing/2014/main" xmlns="" id="{9328428E-0D3D-6E4B-BAC0-3F63BAF7DB74}"/>
               </a:ext>
             </a:extLst>
           </p:cNvPr>
@@ -1850,7 +1851,7 @@
           <p:cNvPr id="8" name="Straight Connector 19">
             <a:extLst>
               <a:ext uri="{FF2B5EF4-FFF2-40B4-BE49-F238E27FC236}">
-                <a16:creationId xmlns="" xmlns:a16="http://schemas.microsoft.com/office/drawing/2014/main" id="{86CF47C6-D972-9E44-A717-6848F3489399}"/>
+                <a16:creationId xmlns:a16="http://schemas.microsoft.com/office/drawing/2014/main" xmlns="" id="{86CF47C6-D972-9E44-A717-6848F3489399}"/>
               </a:ext>
             </a:extLst>
           </p:cNvPr>
@@ -1893,7 +1894,7 @@
           <p:cNvPr id="9" name="Straight Connector 21">
             <a:extLst>
               <a:ext uri="{FF2B5EF4-FFF2-40B4-BE49-F238E27FC236}">
-                <a16:creationId xmlns="" xmlns:a16="http://schemas.microsoft.com/office/drawing/2014/main" id="{412FEF63-77C0-7C4A-B9BE-4BC0EEEEB78C}"/>
+                <a16:creationId xmlns:a16="http://schemas.microsoft.com/office/drawing/2014/main" xmlns="" id="{412FEF63-77C0-7C4A-B9BE-4BC0EEEEB78C}"/>
               </a:ext>
             </a:extLst>
           </p:cNvPr>
@@ -1936,7 +1937,7 @@
           <p:cNvPr id="10" name="Straight Connector 25">
             <a:extLst>
               <a:ext uri="{FF2B5EF4-FFF2-40B4-BE49-F238E27FC236}">
-                <a16:creationId xmlns="" xmlns:a16="http://schemas.microsoft.com/office/drawing/2014/main" id="{C4F550E9-E979-284D-B65F-44E092DD9D02}"/>
+                <a16:creationId xmlns:a16="http://schemas.microsoft.com/office/drawing/2014/main" xmlns="" id="{C4F550E9-E979-284D-B65F-44E092DD9D02}"/>
               </a:ext>
             </a:extLst>
           </p:cNvPr>
@@ -1979,7 +1980,7 @@
           <p:cNvPr id="11" name="TextBox 10">
             <a:extLst>
               <a:ext uri="{FF2B5EF4-FFF2-40B4-BE49-F238E27FC236}">
-                <a16:creationId xmlns="" xmlns:a16="http://schemas.microsoft.com/office/drawing/2014/main" id="{3A39D099-B515-F343-BF7A-A95468DA3860}"/>
+                <a16:creationId xmlns:a16="http://schemas.microsoft.com/office/drawing/2014/main" xmlns="" id="{3A39D099-B515-F343-BF7A-A95468DA3860}"/>
               </a:ext>
             </a:extLst>
           </p:cNvPr>
@@ -2025,7 +2026,7 @@
           <p:cNvPr id="12" name="Straight Connector 59">
             <a:extLst>
               <a:ext uri="{FF2B5EF4-FFF2-40B4-BE49-F238E27FC236}">
-                <a16:creationId xmlns="" xmlns:a16="http://schemas.microsoft.com/office/drawing/2014/main" id="{396B1F99-9711-C64F-A7C9-4F1D89E7F11D}"/>
+                <a16:creationId xmlns:a16="http://schemas.microsoft.com/office/drawing/2014/main" xmlns="" id="{396B1F99-9711-C64F-A7C9-4F1D89E7F11D}"/>
               </a:ext>
             </a:extLst>
           </p:cNvPr>
@@ -2068,7 +2069,7 @@
           <p:cNvPr id="13" name="Текст 37">
             <a:extLst>
               <a:ext uri="{FF2B5EF4-FFF2-40B4-BE49-F238E27FC236}">
-                <a16:creationId xmlns="" xmlns:a16="http://schemas.microsoft.com/office/drawing/2014/main" id="{9C21DFE9-C3B2-C54E-9275-7776355F7360}"/>
+                <a16:creationId xmlns:a16="http://schemas.microsoft.com/office/drawing/2014/main" xmlns="" id="{9C21DFE9-C3B2-C54E-9275-7776355F7360}"/>
               </a:ext>
             </a:extLst>
           </p:cNvPr>
@@ -2198,7 +2199,7 @@
           <p:cNvPr id="14" name="Текст 39">
             <a:extLst>
               <a:ext uri="{FF2B5EF4-FFF2-40B4-BE49-F238E27FC236}">
-                <a16:creationId xmlns="" xmlns:a16="http://schemas.microsoft.com/office/drawing/2014/main" id="{5A73F99D-6D58-724E-ADB3-150D9B24F8CB}"/>
+                <a16:creationId xmlns:a16="http://schemas.microsoft.com/office/drawing/2014/main" xmlns="" id="{5A73F99D-6D58-724E-ADB3-150D9B24F8CB}"/>
               </a:ext>
             </a:extLst>
           </p:cNvPr>
@@ -2296,7 +2297,7 @@
           <p:cNvPr id="16" name="Текст 39">
             <a:extLst>
               <a:ext uri="{FF2B5EF4-FFF2-40B4-BE49-F238E27FC236}">
-                <a16:creationId xmlns="" xmlns:a16="http://schemas.microsoft.com/office/drawing/2014/main" id="{7E89E360-BE39-5041-BAD6-C7B708340AA2}"/>
+                <a16:creationId xmlns:a16="http://schemas.microsoft.com/office/drawing/2014/main" xmlns="" id="{7E89E360-BE39-5041-BAD6-C7B708340AA2}"/>
               </a:ext>
             </a:extLst>
           </p:cNvPr>
@@ -2394,7 +2395,7 @@
           <p:cNvPr id="19" name="Заголовок 31">
             <a:extLst>
               <a:ext uri="{FF2B5EF4-FFF2-40B4-BE49-F238E27FC236}">
-                <a16:creationId xmlns="" xmlns:a16="http://schemas.microsoft.com/office/drawing/2014/main" id="{1C20890C-BC1C-0745-9AF3-46700BA27C4A}"/>
+                <a16:creationId xmlns:a16="http://schemas.microsoft.com/office/drawing/2014/main" xmlns="" id="{1C20890C-BC1C-0745-9AF3-46700BA27C4A}"/>
               </a:ext>
             </a:extLst>
           </p:cNvPr>
@@ -2460,7 +2461,7 @@
           <p:cNvPr id="20" name="Текст 35">
             <a:extLst>
               <a:ext uri="{FF2B5EF4-FFF2-40B4-BE49-F238E27FC236}">
-                <a16:creationId xmlns="" xmlns:a16="http://schemas.microsoft.com/office/drawing/2014/main" id="{CA2589F7-4500-024F-8E07-D726629A599C}"/>
+                <a16:creationId xmlns:a16="http://schemas.microsoft.com/office/drawing/2014/main" xmlns="" id="{CA2589F7-4500-024F-8E07-D726629A599C}"/>
               </a:ext>
             </a:extLst>
           </p:cNvPr>
@@ -2584,7 +2585,7 @@
           <p:cNvPr id="21" name="Oval 5">
             <a:extLst>
               <a:ext uri="{FF2B5EF4-FFF2-40B4-BE49-F238E27FC236}">
-                <a16:creationId xmlns="" xmlns:a16="http://schemas.microsoft.com/office/drawing/2014/main" id="{D2CA403A-98E7-6C42-8F44-30AB6622C802}"/>
+                <a16:creationId xmlns:a16="http://schemas.microsoft.com/office/drawing/2014/main" xmlns="" id="{D2CA403A-98E7-6C42-8F44-30AB6622C802}"/>
               </a:ext>
             </a:extLst>
           </p:cNvPr>
@@ -2636,7 +2637,7 @@
           <p:cNvPr id="22" name="Oval 20">
             <a:extLst>
               <a:ext uri="{FF2B5EF4-FFF2-40B4-BE49-F238E27FC236}">
-                <a16:creationId xmlns="" xmlns:a16="http://schemas.microsoft.com/office/drawing/2014/main" id="{42ABAA5D-E7AB-6E48-9D43-A48178C9BDD4}"/>
+                <a16:creationId xmlns:a16="http://schemas.microsoft.com/office/drawing/2014/main" xmlns="" id="{42ABAA5D-E7AB-6E48-9D43-A48178C9BDD4}"/>
               </a:ext>
             </a:extLst>
           </p:cNvPr>
@@ -2688,7 +2689,7 @@
           <p:cNvPr id="23" name="Oval 22">
             <a:extLst>
               <a:ext uri="{FF2B5EF4-FFF2-40B4-BE49-F238E27FC236}">
-                <a16:creationId xmlns="" xmlns:a16="http://schemas.microsoft.com/office/drawing/2014/main" id="{209F185A-8F67-9C42-A7C5-87E483F4FC19}"/>
+                <a16:creationId xmlns:a16="http://schemas.microsoft.com/office/drawing/2014/main" xmlns="" id="{209F185A-8F67-9C42-A7C5-87E483F4FC19}"/>
               </a:ext>
             </a:extLst>
           </p:cNvPr>
@@ -2740,7 +2741,7 @@
           <p:cNvPr id="24" name="Oval 23">
             <a:extLst>
               <a:ext uri="{FF2B5EF4-FFF2-40B4-BE49-F238E27FC236}">
-                <a16:creationId xmlns="" xmlns:a16="http://schemas.microsoft.com/office/drawing/2014/main" id="{279AE0F6-4E37-6C4D-AF45-824EEE489A15}"/>
+                <a16:creationId xmlns:a16="http://schemas.microsoft.com/office/drawing/2014/main" xmlns="" id="{279AE0F6-4E37-6C4D-AF45-824EEE489A15}"/>
               </a:ext>
             </a:extLst>
           </p:cNvPr>
@@ -2792,7 +2793,7 @@
           <p:cNvPr id="25" name="Oval 26">
             <a:extLst>
               <a:ext uri="{FF2B5EF4-FFF2-40B4-BE49-F238E27FC236}">
-                <a16:creationId xmlns="" xmlns:a16="http://schemas.microsoft.com/office/drawing/2014/main" id="{330C0EA4-7FD1-CE4D-AC95-8C484C5AC790}"/>
+                <a16:creationId xmlns:a16="http://schemas.microsoft.com/office/drawing/2014/main" xmlns="" id="{330C0EA4-7FD1-CE4D-AC95-8C484C5AC790}"/>
               </a:ext>
             </a:extLst>
           </p:cNvPr>
@@ -2844,7 +2845,7 @@
           <p:cNvPr id="26" name="Oval 29">
             <a:extLst>
               <a:ext uri="{FF2B5EF4-FFF2-40B4-BE49-F238E27FC236}">
-                <a16:creationId xmlns="" xmlns:a16="http://schemas.microsoft.com/office/drawing/2014/main" id="{4C53CF3D-7EFB-DF4F-8EA6-5644574E9AFB}"/>
+                <a16:creationId xmlns:a16="http://schemas.microsoft.com/office/drawing/2014/main" xmlns="" id="{4C53CF3D-7EFB-DF4F-8EA6-5644574E9AFB}"/>
               </a:ext>
             </a:extLst>
           </p:cNvPr>
@@ -2896,7 +2897,7 @@
           <p:cNvPr id="27" name="Oval 33">
             <a:extLst>
               <a:ext uri="{FF2B5EF4-FFF2-40B4-BE49-F238E27FC236}">
-                <a16:creationId xmlns="" xmlns:a16="http://schemas.microsoft.com/office/drawing/2014/main" id="{B42CE88A-E9A3-2A4E-BD50-EB37311F39EC}"/>
+                <a16:creationId xmlns:a16="http://schemas.microsoft.com/office/drawing/2014/main" xmlns="" id="{B42CE88A-E9A3-2A4E-BD50-EB37311F39EC}"/>
               </a:ext>
             </a:extLst>
           </p:cNvPr>
@@ -2948,7 +2949,7 @@
           <p:cNvPr id="28" name="Oval 34">
             <a:extLst>
               <a:ext uri="{FF2B5EF4-FFF2-40B4-BE49-F238E27FC236}">
-                <a16:creationId xmlns="" xmlns:a16="http://schemas.microsoft.com/office/drawing/2014/main" id="{B699EFDF-DB9D-3C4F-9D1F-461508017BDA}"/>
+                <a16:creationId xmlns:a16="http://schemas.microsoft.com/office/drawing/2014/main" xmlns="" id="{B699EFDF-DB9D-3C4F-9D1F-461508017BDA}"/>
               </a:ext>
             </a:extLst>
           </p:cNvPr>
@@ -3000,7 +3001,7 @@
           <p:cNvPr id="29" name="Oval 35">
             <a:extLst>
               <a:ext uri="{FF2B5EF4-FFF2-40B4-BE49-F238E27FC236}">
-                <a16:creationId xmlns="" xmlns:a16="http://schemas.microsoft.com/office/drawing/2014/main" id="{5DF3131C-EEA1-5446-B567-C9DA0A2A1AFF}"/>
+                <a16:creationId xmlns:a16="http://schemas.microsoft.com/office/drawing/2014/main" xmlns="" id="{5DF3131C-EEA1-5446-B567-C9DA0A2A1AFF}"/>
               </a:ext>
             </a:extLst>
           </p:cNvPr>
@@ -3052,7 +3053,7 @@
           <p:cNvPr id="30" name="Oval 36">
             <a:extLst>
               <a:ext uri="{FF2B5EF4-FFF2-40B4-BE49-F238E27FC236}">
-                <a16:creationId xmlns="" xmlns:a16="http://schemas.microsoft.com/office/drawing/2014/main" id="{6D03B317-B61D-2945-8C0A-A6EBD87ACD07}"/>
+                <a16:creationId xmlns:a16="http://schemas.microsoft.com/office/drawing/2014/main" xmlns="" id="{6D03B317-B61D-2945-8C0A-A6EBD87ACD07}"/>
               </a:ext>
             </a:extLst>
           </p:cNvPr>
@@ -3104,7 +3105,7 @@
           <p:cNvPr id="31" name="Oval 37">
             <a:extLst>
               <a:ext uri="{FF2B5EF4-FFF2-40B4-BE49-F238E27FC236}">
-                <a16:creationId xmlns="" xmlns:a16="http://schemas.microsoft.com/office/drawing/2014/main" id="{9C0266F1-C0B7-624A-A873-5F2C8801E766}"/>
+                <a16:creationId xmlns:a16="http://schemas.microsoft.com/office/drawing/2014/main" xmlns="" id="{9C0266F1-C0B7-624A-A873-5F2C8801E766}"/>
               </a:ext>
             </a:extLst>
           </p:cNvPr>
@@ -3156,7 +3157,7 @@
           <p:cNvPr id="32" name="Oval 38">
             <a:extLst>
               <a:ext uri="{FF2B5EF4-FFF2-40B4-BE49-F238E27FC236}">
-                <a16:creationId xmlns="" xmlns:a16="http://schemas.microsoft.com/office/drawing/2014/main" id="{30C0C10E-388C-9843-8270-19D471BD3756}"/>
+                <a16:creationId xmlns:a16="http://schemas.microsoft.com/office/drawing/2014/main" xmlns="" id="{30C0C10E-388C-9843-8270-19D471BD3756}"/>
               </a:ext>
             </a:extLst>
           </p:cNvPr>
@@ -3208,7 +3209,7 @@
           <p:cNvPr id="33" name="Oval 39">
             <a:extLst>
               <a:ext uri="{FF2B5EF4-FFF2-40B4-BE49-F238E27FC236}">
-                <a16:creationId xmlns="" xmlns:a16="http://schemas.microsoft.com/office/drawing/2014/main" id="{87047EA3-79D2-8644-A568-E64AA1D7D370}"/>
+                <a16:creationId xmlns:a16="http://schemas.microsoft.com/office/drawing/2014/main" xmlns="" id="{87047EA3-79D2-8644-A568-E64AA1D7D370}"/>
               </a:ext>
             </a:extLst>
           </p:cNvPr>
@@ -3260,7 +3261,7 @@
           <p:cNvPr id="34" name="Oval 40">
             <a:extLst>
               <a:ext uri="{FF2B5EF4-FFF2-40B4-BE49-F238E27FC236}">
-                <a16:creationId xmlns="" xmlns:a16="http://schemas.microsoft.com/office/drawing/2014/main" id="{7F5D1C6B-4E6B-0346-A5DC-C511DB14EFD6}"/>
+                <a16:creationId xmlns:a16="http://schemas.microsoft.com/office/drawing/2014/main" xmlns="" id="{7F5D1C6B-4E6B-0346-A5DC-C511DB14EFD6}"/>
               </a:ext>
             </a:extLst>
           </p:cNvPr>
@@ -3312,7 +3313,7 @@
           <p:cNvPr id="35" name="Oval 41">
             <a:extLst>
               <a:ext uri="{FF2B5EF4-FFF2-40B4-BE49-F238E27FC236}">
-                <a16:creationId xmlns="" xmlns:a16="http://schemas.microsoft.com/office/drawing/2014/main" id="{EB421DBA-35DE-2C4F-A89E-27F0998EF4E8}"/>
+                <a16:creationId xmlns:a16="http://schemas.microsoft.com/office/drawing/2014/main" xmlns="" id="{EB421DBA-35DE-2C4F-A89E-27F0998EF4E8}"/>
               </a:ext>
             </a:extLst>
           </p:cNvPr>
@@ -3364,7 +3365,7 @@
           <p:cNvPr id="36" name="Oval 42">
             <a:extLst>
               <a:ext uri="{FF2B5EF4-FFF2-40B4-BE49-F238E27FC236}">
-                <a16:creationId xmlns="" xmlns:a16="http://schemas.microsoft.com/office/drawing/2014/main" id="{081BD842-A9A1-5B44-81ED-A97BA390032B}"/>
+                <a16:creationId xmlns:a16="http://schemas.microsoft.com/office/drawing/2014/main" xmlns="" id="{081BD842-A9A1-5B44-81ED-A97BA390032B}"/>
               </a:ext>
             </a:extLst>
           </p:cNvPr>
@@ -3416,7 +3417,7 @@
           <p:cNvPr id="37" name="Oval 43">
             <a:extLst>
               <a:ext uri="{FF2B5EF4-FFF2-40B4-BE49-F238E27FC236}">
-                <a16:creationId xmlns="" xmlns:a16="http://schemas.microsoft.com/office/drawing/2014/main" id="{036EE7D2-A33A-434C-B272-C82E2CDD4D4D}"/>
+                <a16:creationId xmlns:a16="http://schemas.microsoft.com/office/drawing/2014/main" xmlns="" id="{036EE7D2-A33A-434C-B272-C82E2CDD4D4D}"/>
               </a:ext>
             </a:extLst>
           </p:cNvPr>
@@ -3468,7 +3469,7 @@
           <p:cNvPr id="38" name="Oval 44">
             <a:extLst>
               <a:ext uri="{FF2B5EF4-FFF2-40B4-BE49-F238E27FC236}">
-                <a16:creationId xmlns="" xmlns:a16="http://schemas.microsoft.com/office/drawing/2014/main" id="{7DD65DA4-F076-C242-813E-8C17DCABCCFB}"/>
+                <a16:creationId xmlns:a16="http://schemas.microsoft.com/office/drawing/2014/main" xmlns="" id="{7DD65DA4-F076-C242-813E-8C17DCABCCFB}"/>
               </a:ext>
             </a:extLst>
           </p:cNvPr>
@@ -3520,7 +3521,7 @@
           <p:cNvPr id="39" name="Oval 45">
             <a:extLst>
               <a:ext uri="{FF2B5EF4-FFF2-40B4-BE49-F238E27FC236}">
-                <a16:creationId xmlns="" xmlns:a16="http://schemas.microsoft.com/office/drawing/2014/main" id="{8A44D99D-BF66-2848-B460-F59D8ECF5690}"/>
+                <a16:creationId xmlns:a16="http://schemas.microsoft.com/office/drawing/2014/main" xmlns="" id="{8A44D99D-BF66-2848-B460-F59D8ECF5690}"/>
               </a:ext>
             </a:extLst>
           </p:cNvPr>
@@ -3572,7 +3573,7 @@
           <p:cNvPr id="40" name="Oval 46">
             <a:extLst>
               <a:ext uri="{FF2B5EF4-FFF2-40B4-BE49-F238E27FC236}">
-                <a16:creationId xmlns="" xmlns:a16="http://schemas.microsoft.com/office/drawing/2014/main" id="{9B130CEB-3D74-B647-BA6B-32F7D70FD354}"/>
+                <a16:creationId xmlns:a16="http://schemas.microsoft.com/office/drawing/2014/main" xmlns="" id="{9B130CEB-3D74-B647-BA6B-32F7D70FD354}"/>
               </a:ext>
             </a:extLst>
           </p:cNvPr>
@@ -3668,7 +3669,7 @@
           <p:cNvPr id="8" name="Picture 4" descr="Icon&#10;&#10;Description automatically generated">
             <a:extLst>
               <a:ext uri="{FF2B5EF4-FFF2-40B4-BE49-F238E27FC236}">
-                <a16:creationId xmlns="" xmlns:a16="http://schemas.microsoft.com/office/drawing/2014/main" id="{A7FA04E4-3213-8F41-B068-4DC281441422}"/>
+                <a16:creationId xmlns:a16="http://schemas.microsoft.com/office/drawing/2014/main" xmlns="" id="{A7FA04E4-3213-8F41-B068-4DC281441422}"/>
               </a:ext>
             </a:extLst>
           </p:cNvPr>
@@ -3698,7 +3699,7 @@
           <p:cNvPr id="9" name="Straight Connector 19">
             <a:extLst>
               <a:ext uri="{FF2B5EF4-FFF2-40B4-BE49-F238E27FC236}">
-                <a16:creationId xmlns="" xmlns:a16="http://schemas.microsoft.com/office/drawing/2014/main" id="{938052A0-3DF0-DC47-B7E0-C20EF981C230}"/>
+                <a16:creationId xmlns:a16="http://schemas.microsoft.com/office/drawing/2014/main" xmlns="" id="{938052A0-3DF0-DC47-B7E0-C20EF981C230}"/>
               </a:ext>
             </a:extLst>
           </p:cNvPr>
@@ -3741,7 +3742,7 @@
           <p:cNvPr id="10" name="Straight Connector 21">
             <a:extLst>
               <a:ext uri="{FF2B5EF4-FFF2-40B4-BE49-F238E27FC236}">
-                <a16:creationId xmlns="" xmlns:a16="http://schemas.microsoft.com/office/drawing/2014/main" id="{8C6147F0-3CA1-264C-B2B2-F88597196943}"/>
+                <a16:creationId xmlns:a16="http://schemas.microsoft.com/office/drawing/2014/main" xmlns="" id="{8C6147F0-3CA1-264C-B2B2-F88597196943}"/>
               </a:ext>
             </a:extLst>
           </p:cNvPr>
@@ -3784,7 +3785,7 @@
           <p:cNvPr id="11" name="Straight Connector 25">
             <a:extLst>
               <a:ext uri="{FF2B5EF4-FFF2-40B4-BE49-F238E27FC236}">
-                <a16:creationId xmlns="" xmlns:a16="http://schemas.microsoft.com/office/drawing/2014/main" id="{62CDF50E-4D58-AF4A-ABFD-140AF88B3681}"/>
+                <a16:creationId xmlns:a16="http://schemas.microsoft.com/office/drawing/2014/main" xmlns="" id="{62CDF50E-4D58-AF4A-ABFD-140AF88B3681}"/>
               </a:ext>
             </a:extLst>
           </p:cNvPr>
@@ -3827,7 +3828,7 @@
           <p:cNvPr id="12" name="TextBox 11">
             <a:extLst>
               <a:ext uri="{FF2B5EF4-FFF2-40B4-BE49-F238E27FC236}">
-                <a16:creationId xmlns="" xmlns:a16="http://schemas.microsoft.com/office/drawing/2014/main" id="{C62171D1-2A5B-7A4A-9760-17CCE51B9802}"/>
+                <a16:creationId xmlns:a16="http://schemas.microsoft.com/office/drawing/2014/main" xmlns="" id="{C62171D1-2A5B-7A4A-9760-17CCE51B9802}"/>
               </a:ext>
             </a:extLst>
           </p:cNvPr>
@@ -3873,7 +3874,7 @@
           <p:cNvPr id="13" name="Straight Connector 59">
             <a:extLst>
               <a:ext uri="{FF2B5EF4-FFF2-40B4-BE49-F238E27FC236}">
-                <a16:creationId xmlns="" xmlns:a16="http://schemas.microsoft.com/office/drawing/2014/main" id="{3C71A0C3-CD3E-0748-98E5-6B2507CAB296}"/>
+                <a16:creationId xmlns:a16="http://schemas.microsoft.com/office/drawing/2014/main" xmlns="" id="{3C71A0C3-CD3E-0748-98E5-6B2507CAB296}"/>
               </a:ext>
             </a:extLst>
           </p:cNvPr>
@@ -3916,7 +3917,7 @@
           <p:cNvPr id="14" name="Текст 37">
             <a:extLst>
               <a:ext uri="{FF2B5EF4-FFF2-40B4-BE49-F238E27FC236}">
-                <a16:creationId xmlns="" xmlns:a16="http://schemas.microsoft.com/office/drawing/2014/main" id="{9856D01B-EC9A-6047-B7FB-D47084AB3F50}"/>
+                <a16:creationId xmlns:a16="http://schemas.microsoft.com/office/drawing/2014/main" xmlns="" id="{9856D01B-EC9A-6047-B7FB-D47084AB3F50}"/>
               </a:ext>
             </a:extLst>
           </p:cNvPr>
@@ -4046,7 +4047,7 @@
           <p:cNvPr id="15" name="Текст 39">
             <a:extLst>
               <a:ext uri="{FF2B5EF4-FFF2-40B4-BE49-F238E27FC236}">
-                <a16:creationId xmlns="" xmlns:a16="http://schemas.microsoft.com/office/drawing/2014/main" id="{83E23342-AC91-354A-9A28-A14FF7BADCD2}"/>
+                <a16:creationId xmlns:a16="http://schemas.microsoft.com/office/drawing/2014/main" xmlns="" id="{83E23342-AC91-354A-9A28-A14FF7BADCD2}"/>
               </a:ext>
             </a:extLst>
           </p:cNvPr>
@@ -4144,7 +4145,7 @@
           <p:cNvPr id="17" name="Текст 39">
             <a:extLst>
               <a:ext uri="{FF2B5EF4-FFF2-40B4-BE49-F238E27FC236}">
-                <a16:creationId xmlns="" xmlns:a16="http://schemas.microsoft.com/office/drawing/2014/main" id="{BB1CCE68-8F57-1A41-BC43-633D2EFC801E}"/>
+                <a16:creationId xmlns:a16="http://schemas.microsoft.com/office/drawing/2014/main" xmlns="" id="{BB1CCE68-8F57-1A41-BC43-633D2EFC801E}"/>
               </a:ext>
             </a:extLst>
           </p:cNvPr>
@@ -4286,7 +4287,7 @@
           <p:cNvPr id="3" name="Rectangle 2">
             <a:extLst>
               <a:ext uri="{FF2B5EF4-FFF2-40B4-BE49-F238E27FC236}">
-                <a16:creationId xmlns="" xmlns:a16="http://schemas.microsoft.com/office/drawing/2014/main" id="{65234703-C735-5D41-99C2-019C7EBECCF4}"/>
+                <a16:creationId xmlns:a16="http://schemas.microsoft.com/office/drawing/2014/main" xmlns="" id="{65234703-C735-5D41-99C2-019C7EBECCF4}"/>
               </a:ext>
             </a:extLst>
           </p:cNvPr>
@@ -4332,7 +4333,7 @@
           <p:cNvPr id="2" name="Picture 1">
             <a:extLst>
               <a:ext uri="{FF2B5EF4-FFF2-40B4-BE49-F238E27FC236}">
-                <a16:creationId xmlns="" xmlns:a16="http://schemas.microsoft.com/office/drawing/2014/main" id="{682F59B5-E815-AE43-BAE2-FA594BB42C02}"/>
+                <a16:creationId xmlns:a16="http://schemas.microsoft.com/office/drawing/2014/main" xmlns="" id="{682F59B5-E815-AE43-BAE2-FA594BB42C02}"/>
               </a:ext>
             </a:extLst>
           </p:cNvPr>
@@ -4405,7 +4406,7 @@
           <p:cNvPr id="10" name="Picture 4" descr="Icon&#10;&#10;Description automatically generated">
             <a:extLst>
               <a:ext uri="{FF2B5EF4-FFF2-40B4-BE49-F238E27FC236}">
-                <a16:creationId xmlns="" xmlns:a16="http://schemas.microsoft.com/office/drawing/2014/main" id="{4A1436AC-5F96-2A4F-BFC7-B3442083EBE4}"/>
+                <a16:creationId xmlns:a16="http://schemas.microsoft.com/office/drawing/2014/main" xmlns="" id="{4A1436AC-5F96-2A4F-BFC7-B3442083EBE4}"/>
               </a:ext>
             </a:extLst>
           </p:cNvPr>
@@ -4435,7 +4436,7 @@
           <p:cNvPr id="11" name="Straight Connector 19">
             <a:extLst>
               <a:ext uri="{FF2B5EF4-FFF2-40B4-BE49-F238E27FC236}">
-                <a16:creationId xmlns="" xmlns:a16="http://schemas.microsoft.com/office/drawing/2014/main" id="{067DD2ED-246D-7D41-B51F-FED98BF873FD}"/>
+                <a16:creationId xmlns:a16="http://schemas.microsoft.com/office/drawing/2014/main" xmlns="" id="{067DD2ED-246D-7D41-B51F-FED98BF873FD}"/>
               </a:ext>
             </a:extLst>
           </p:cNvPr>
@@ -4478,7 +4479,7 @@
           <p:cNvPr id="12" name="Straight Connector 21">
             <a:extLst>
               <a:ext uri="{FF2B5EF4-FFF2-40B4-BE49-F238E27FC236}">
-                <a16:creationId xmlns="" xmlns:a16="http://schemas.microsoft.com/office/drawing/2014/main" id="{68E8C250-D449-A743-8975-B5BFB04D9744}"/>
+                <a16:creationId xmlns:a16="http://schemas.microsoft.com/office/drawing/2014/main" xmlns="" id="{68E8C250-D449-A743-8975-B5BFB04D9744}"/>
               </a:ext>
             </a:extLst>
           </p:cNvPr>
@@ -4521,7 +4522,7 @@
           <p:cNvPr id="13" name="Straight Connector 25">
             <a:extLst>
               <a:ext uri="{FF2B5EF4-FFF2-40B4-BE49-F238E27FC236}">
-                <a16:creationId xmlns="" xmlns:a16="http://schemas.microsoft.com/office/drawing/2014/main" id="{DD1C71CA-B883-AF42-959D-BCA5690AAA4B}"/>
+                <a16:creationId xmlns:a16="http://schemas.microsoft.com/office/drawing/2014/main" xmlns="" id="{DD1C71CA-B883-AF42-959D-BCA5690AAA4B}"/>
               </a:ext>
             </a:extLst>
           </p:cNvPr>
@@ -4564,7 +4565,7 @@
           <p:cNvPr id="17" name="TextBox 16">
             <a:extLst>
               <a:ext uri="{FF2B5EF4-FFF2-40B4-BE49-F238E27FC236}">
-                <a16:creationId xmlns="" xmlns:a16="http://schemas.microsoft.com/office/drawing/2014/main" id="{24D3A12E-0E10-C441-81D2-C3C1EB6A0537}"/>
+                <a16:creationId xmlns:a16="http://schemas.microsoft.com/office/drawing/2014/main" xmlns="" id="{24D3A12E-0E10-C441-81D2-C3C1EB6A0537}"/>
               </a:ext>
             </a:extLst>
           </p:cNvPr>
@@ -4610,7 +4611,7 @@
           <p:cNvPr id="19" name="Straight Connector 59">
             <a:extLst>
               <a:ext uri="{FF2B5EF4-FFF2-40B4-BE49-F238E27FC236}">
-                <a16:creationId xmlns="" xmlns:a16="http://schemas.microsoft.com/office/drawing/2014/main" id="{3447008E-4F3B-FC4E-B96D-3927FAE1ED17}"/>
+                <a16:creationId xmlns:a16="http://schemas.microsoft.com/office/drawing/2014/main" xmlns="" id="{3447008E-4F3B-FC4E-B96D-3927FAE1ED17}"/>
               </a:ext>
             </a:extLst>
           </p:cNvPr>
@@ -4653,7 +4654,7 @@
           <p:cNvPr id="24" name="Рисунок 23">
             <a:extLst>
               <a:ext uri="{FF2B5EF4-FFF2-40B4-BE49-F238E27FC236}">
-                <a16:creationId xmlns="" xmlns:a16="http://schemas.microsoft.com/office/drawing/2014/main" id="{61115A7A-23E5-E442-9551-F72F1CDA57B9}"/>
+                <a16:creationId xmlns:a16="http://schemas.microsoft.com/office/drawing/2014/main" xmlns="" id="{61115A7A-23E5-E442-9551-F72F1CDA57B9}"/>
               </a:ext>
             </a:extLst>
           </p:cNvPr>
@@ -4743,7 +4744,7 @@
           <p:cNvPr id="32" name="Заголовок 31">
             <a:extLst>
               <a:ext uri="{FF2B5EF4-FFF2-40B4-BE49-F238E27FC236}">
-                <a16:creationId xmlns="" xmlns:a16="http://schemas.microsoft.com/office/drawing/2014/main" id="{9ED7AA97-D972-DF4F-B662-A65F2A544CC5}"/>
+                <a16:creationId xmlns:a16="http://schemas.microsoft.com/office/drawing/2014/main" xmlns="" id="{9ED7AA97-D972-DF4F-B662-A65F2A544CC5}"/>
               </a:ext>
             </a:extLst>
           </p:cNvPr>
@@ -4842,7 +4843,7 @@
           <p:cNvPr id="36" name="Текст 35">
             <a:extLst>
               <a:ext uri="{FF2B5EF4-FFF2-40B4-BE49-F238E27FC236}">
-                <a16:creationId xmlns="" xmlns:a16="http://schemas.microsoft.com/office/drawing/2014/main" id="{69E35E54-2B19-7441-876F-1C6A84F4F156}"/>
+                <a16:creationId xmlns:a16="http://schemas.microsoft.com/office/drawing/2014/main" xmlns="" id="{69E35E54-2B19-7441-876F-1C6A84F4F156}"/>
               </a:ext>
             </a:extLst>
           </p:cNvPr>
@@ -4977,7 +4978,7 @@
           <p:cNvPr id="38" name="Текст 37">
             <a:extLst>
               <a:ext uri="{FF2B5EF4-FFF2-40B4-BE49-F238E27FC236}">
-                <a16:creationId xmlns="" xmlns:a16="http://schemas.microsoft.com/office/drawing/2014/main" id="{7FB4A275-856E-364D-8AA4-2071AADC6AAA}"/>
+                <a16:creationId xmlns:a16="http://schemas.microsoft.com/office/drawing/2014/main" xmlns="" id="{7FB4A275-856E-364D-8AA4-2071AADC6AAA}"/>
               </a:ext>
             </a:extLst>
           </p:cNvPr>
@@ -5107,7 +5108,7 @@
           <p:cNvPr id="40" name="Текст 39">
             <a:extLst>
               <a:ext uri="{FF2B5EF4-FFF2-40B4-BE49-F238E27FC236}">
-                <a16:creationId xmlns="" xmlns:a16="http://schemas.microsoft.com/office/drawing/2014/main" id="{58FBA0EA-8BE0-A643-B258-4E5C34467172}"/>
+                <a16:creationId xmlns:a16="http://schemas.microsoft.com/office/drawing/2014/main" xmlns="" id="{58FBA0EA-8BE0-A643-B258-4E5C34467172}"/>
               </a:ext>
             </a:extLst>
           </p:cNvPr>
@@ -5205,7 +5206,7 @@
           <p:cNvPr id="41" name="Текст 39">
             <a:extLst>
               <a:ext uri="{FF2B5EF4-FFF2-40B4-BE49-F238E27FC236}">
-                <a16:creationId xmlns="" xmlns:a16="http://schemas.microsoft.com/office/drawing/2014/main" id="{0BEC062F-1BEB-DE4C-B7EE-C552C9D45F13}"/>
+                <a16:creationId xmlns:a16="http://schemas.microsoft.com/office/drawing/2014/main" xmlns="" id="{0BEC062F-1BEB-DE4C-B7EE-C552C9D45F13}"/>
               </a:ext>
             </a:extLst>
           </p:cNvPr>
@@ -5347,7 +5348,7 @@
           <p:cNvPr id="7" name="Picture 4" descr="Icon&#10;&#10;Description automatically generated">
             <a:extLst>
               <a:ext uri="{FF2B5EF4-FFF2-40B4-BE49-F238E27FC236}">
-                <a16:creationId xmlns="" xmlns:a16="http://schemas.microsoft.com/office/drawing/2014/main" id="{FDC66DB8-29BC-5940-A721-40F10021456A}"/>
+                <a16:creationId xmlns:a16="http://schemas.microsoft.com/office/drawing/2014/main" xmlns="" id="{FDC66DB8-29BC-5940-A721-40F10021456A}"/>
               </a:ext>
             </a:extLst>
           </p:cNvPr>
@@ -5377,7 +5378,7 @@
           <p:cNvPr id="8" name="Straight Connector 19">
             <a:extLst>
               <a:ext uri="{FF2B5EF4-FFF2-40B4-BE49-F238E27FC236}">
-                <a16:creationId xmlns="" xmlns:a16="http://schemas.microsoft.com/office/drawing/2014/main" id="{DE27C859-478F-3648-8A9D-2C85DBDCAC09}"/>
+                <a16:creationId xmlns:a16="http://schemas.microsoft.com/office/drawing/2014/main" xmlns="" id="{DE27C859-478F-3648-8A9D-2C85DBDCAC09}"/>
               </a:ext>
             </a:extLst>
           </p:cNvPr>
@@ -5420,7 +5421,7 @@
           <p:cNvPr id="9" name="Straight Connector 21">
             <a:extLst>
               <a:ext uri="{FF2B5EF4-FFF2-40B4-BE49-F238E27FC236}">
-                <a16:creationId xmlns="" xmlns:a16="http://schemas.microsoft.com/office/drawing/2014/main" id="{58EA1144-CFD8-1D47-B430-7014F576043B}"/>
+                <a16:creationId xmlns:a16="http://schemas.microsoft.com/office/drawing/2014/main" xmlns="" id="{58EA1144-CFD8-1D47-B430-7014F576043B}"/>
               </a:ext>
             </a:extLst>
           </p:cNvPr>
@@ -5463,7 +5464,7 @@
           <p:cNvPr id="10" name="Straight Connector 25">
             <a:extLst>
               <a:ext uri="{FF2B5EF4-FFF2-40B4-BE49-F238E27FC236}">
-                <a16:creationId xmlns="" xmlns:a16="http://schemas.microsoft.com/office/drawing/2014/main" id="{96EDC73C-5A3C-014E-8E52-04CAFCA9B20B}"/>
+                <a16:creationId xmlns:a16="http://schemas.microsoft.com/office/drawing/2014/main" xmlns="" id="{96EDC73C-5A3C-014E-8E52-04CAFCA9B20B}"/>
               </a:ext>
             </a:extLst>
           </p:cNvPr>
@@ -5506,7 +5507,7 @@
           <p:cNvPr id="11" name="TextBox 10">
             <a:extLst>
               <a:ext uri="{FF2B5EF4-FFF2-40B4-BE49-F238E27FC236}">
-                <a16:creationId xmlns="" xmlns:a16="http://schemas.microsoft.com/office/drawing/2014/main" id="{55E88681-53A8-3B45-B80A-372EDFB53883}"/>
+                <a16:creationId xmlns:a16="http://schemas.microsoft.com/office/drawing/2014/main" xmlns="" id="{55E88681-53A8-3B45-B80A-372EDFB53883}"/>
               </a:ext>
             </a:extLst>
           </p:cNvPr>
@@ -5552,7 +5553,7 @@
           <p:cNvPr id="12" name="Straight Connector 59">
             <a:extLst>
               <a:ext uri="{FF2B5EF4-FFF2-40B4-BE49-F238E27FC236}">
-                <a16:creationId xmlns="" xmlns:a16="http://schemas.microsoft.com/office/drawing/2014/main" id="{EDA7D8BF-DF37-704F-B77F-7E40752ACE25}"/>
+                <a16:creationId xmlns:a16="http://schemas.microsoft.com/office/drawing/2014/main" xmlns="" id="{EDA7D8BF-DF37-704F-B77F-7E40752ACE25}"/>
               </a:ext>
             </a:extLst>
           </p:cNvPr>
@@ -5595,7 +5596,7 @@
           <p:cNvPr id="13" name="Текст 37">
             <a:extLst>
               <a:ext uri="{FF2B5EF4-FFF2-40B4-BE49-F238E27FC236}">
-                <a16:creationId xmlns="" xmlns:a16="http://schemas.microsoft.com/office/drawing/2014/main" id="{5026DBD8-54A3-1446-9D3B-BA2B38460F1E}"/>
+                <a16:creationId xmlns:a16="http://schemas.microsoft.com/office/drawing/2014/main" xmlns="" id="{5026DBD8-54A3-1446-9D3B-BA2B38460F1E}"/>
               </a:ext>
             </a:extLst>
           </p:cNvPr>
@@ -5725,7 +5726,7 @@
           <p:cNvPr id="14" name="Текст 39">
             <a:extLst>
               <a:ext uri="{FF2B5EF4-FFF2-40B4-BE49-F238E27FC236}">
-                <a16:creationId xmlns="" xmlns:a16="http://schemas.microsoft.com/office/drawing/2014/main" id="{E8AA3569-5054-7D47-AB14-BCFB0440D0A6}"/>
+                <a16:creationId xmlns:a16="http://schemas.microsoft.com/office/drawing/2014/main" xmlns="" id="{E8AA3569-5054-7D47-AB14-BCFB0440D0A6}"/>
               </a:ext>
             </a:extLst>
           </p:cNvPr>
@@ -5823,7 +5824,7 @@
           <p:cNvPr id="16" name="Заголовок 31">
             <a:extLst>
               <a:ext uri="{FF2B5EF4-FFF2-40B4-BE49-F238E27FC236}">
-                <a16:creationId xmlns="" xmlns:a16="http://schemas.microsoft.com/office/drawing/2014/main" id="{76942483-EB13-0A4B-8060-DB65024C294E}"/>
+                <a16:creationId xmlns:a16="http://schemas.microsoft.com/office/drawing/2014/main" xmlns="" id="{76942483-EB13-0A4B-8060-DB65024C294E}"/>
               </a:ext>
             </a:extLst>
           </p:cNvPr>
@@ -5905,7 +5906,7 @@
           <p:cNvPr id="17" name="Текст 35">
             <a:extLst>
               <a:ext uri="{FF2B5EF4-FFF2-40B4-BE49-F238E27FC236}">
-                <a16:creationId xmlns="" xmlns:a16="http://schemas.microsoft.com/office/drawing/2014/main" id="{66FAD63B-F743-0F47-BBE3-D7731766705A}"/>
+                <a16:creationId xmlns:a16="http://schemas.microsoft.com/office/drawing/2014/main" xmlns="" id="{66FAD63B-F743-0F47-BBE3-D7731766705A}"/>
               </a:ext>
             </a:extLst>
           </p:cNvPr>
@@ -6046,7 +6047,7 @@
           <p:cNvPr id="18" name="Текст 39">
             <a:extLst>
               <a:ext uri="{FF2B5EF4-FFF2-40B4-BE49-F238E27FC236}">
-                <a16:creationId xmlns="" xmlns:a16="http://schemas.microsoft.com/office/drawing/2014/main" id="{8A048480-30C9-044E-8C2E-0F67398FEE12}"/>
+                <a16:creationId xmlns:a16="http://schemas.microsoft.com/office/drawing/2014/main" xmlns="" id="{8A048480-30C9-044E-8C2E-0F67398FEE12}"/>
               </a:ext>
             </a:extLst>
           </p:cNvPr>
@@ -6188,7 +6189,7 @@
           <p:cNvPr id="7" name="Picture 4" descr="Icon&#10;&#10;Description automatically generated">
             <a:extLst>
               <a:ext uri="{FF2B5EF4-FFF2-40B4-BE49-F238E27FC236}">
-                <a16:creationId xmlns="" xmlns:a16="http://schemas.microsoft.com/office/drawing/2014/main" id="{0E78CA68-7A0C-CF41-9AC6-A547FB9EC3B0}"/>
+                <a16:creationId xmlns:a16="http://schemas.microsoft.com/office/drawing/2014/main" xmlns="" id="{0E78CA68-7A0C-CF41-9AC6-A547FB9EC3B0}"/>
               </a:ext>
             </a:extLst>
           </p:cNvPr>
@@ -6218,7 +6219,7 @@
           <p:cNvPr id="8" name="Straight Connector 19">
             <a:extLst>
               <a:ext uri="{FF2B5EF4-FFF2-40B4-BE49-F238E27FC236}">
-                <a16:creationId xmlns="" xmlns:a16="http://schemas.microsoft.com/office/drawing/2014/main" id="{45DC512A-A23B-B24D-A1F6-6793976867CF}"/>
+                <a16:creationId xmlns:a16="http://schemas.microsoft.com/office/drawing/2014/main" xmlns="" id="{45DC512A-A23B-B24D-A1F6-6793976867CF}"/>
               </a:ext>
             </a:extLst>
           </p:cNvPr>
@@ -6261,7 +6262,7 @@
           <p:cNvPr id="9" name="Straight Connector 21">
             <a:extLst>
               <a:ext uri="{FF2B5EF4-FFF2-40B4-BE49-F238E27FC236}">
-                <a16:creationId xmlns="" xmlns:a16="http://schemas.microsoft.com/office/drawing/2014/main" id="{21F91649-DF0F-5F45-A43B-2CED9ACDD049}"/>
+                <a16:creationId xmlns:a16="http://schemas.microsoft.com/office/drawing/2014/main" xmlns="" id="{21F91649-DF0F-5F45-A43B-2CED9ACDD049}"/>
               </a:ext>
             </a:extLst>
           </p:cNvPr>
@@ -6304,7 +6305,7 @@
           <p:cNvPr id="10" name="Straight Connector 25">
             <a:extLst>
               <a:ext uri="{FF2B5EF4-FFF2-40B4-BE49-F238E27FC236}">
-                <a16:creationId xmlns="" xmlns:a16="http://schemas.microsoft.com/office/drawing/2014/main" id="{3137B760-1A50-1845-B7F2-1EF31C71C72B}"/>
+                <a16:creationId xmlns:a16="http://schemas.microsoft.com/office/drawing/2014/main" xmlns="" id="{3137B760-1A50-1845-B7F2-1EF31C71C72B}"/>
               </a:ext>
             </a:extLst>
           </p:cNvPr>
@@ -6347,7 +6348,7 @@
           <p:cNvPr id="11" name="TextBox 10">
             <a:extLst>
               <a:ext uri="{FF2B5EF4-FFF2-40B4-BE49-F238E27FC236}">
-                <a16:creationId xmlns="" xmlns:a16="http://schemas.microsoft.com/office/drawing/2014/main" id="{05ECCF8F-5855-7943-B503-5573887A534D}"/>
+                <a16:creationId xmlns:a16="http://schemas.microsoft.com/office/drawing/2014/main" xmlns="" id="{05ECCF8F-5855-7943-B503-5573887A534D}"/>
               </a:ext>
             </a:extLst>
           </p:cNvPr>
@@ -6393,7 +6394,7 @@
           <p:cNvPr id="12" name="Straight Connector 59">
             <a:extLst>
               <a:ext uri="{FF2B5EF4-FFF2-40B4-BE49-F238E27FC236}">
-                <a16:creationId xmlns="" xmlns:a16="http://schemas.microsoft.com/office/drawing/2014/main" id="{FB81B23D-CDD8-E64C-9887-3540F7EE1C4B}"/>
+                <a16:creationId xmlns:a16="http://schemas.microsoft.com/office/drawing/2014/main" xmlns="" id="{FB81B23D-CDD8-E64C-9887-3540F7EE1C4B}"/>
               </a:ext>
             </a:extLst>
           </p:cNvPr>
@@ -6436,7 +6437,7 @@
           <p:cNvPr id="13" name="Текст 37">
             <a:extLst>
               <a:ext uri="{FF2B5EF4-FFF2-40B4-BE49-F238E27FC236}">
-                <a16:creationId xmlns="" xmlns:a16="http://schemas.microsoft.com/office/drawing/2014/main" id="{C2D710AE-3CBE-5940-A7EB-F96132E6592D}"/>
+                <a16:creationId xmlns:a16="http://schemas.microsoft.com/office/drawing/2014/main" xmlns="" id="{C2D710AE-3CBE-5940-A7EB-F96132E6592D}"/>
               </a:ext>
             </a:extLst>
           </p:cNvPr>
@@ -6566,7 +6567,7 @@
           <p:cNvPr id="14" name="Текст 39">
             <a:extLst>
               <a:ext uri="{FF2B5EF4-FFF2-40B4-BE49-F238E27FC236}">
-                <a16:creationId xmlns="" xmlns:a16="http://schemas.microsoft.com/office/drawing/2014/main" id="{FCC5A33D-0A3C-F140-B745-367744A5F308}"/>
+                <a16:creationId xmlns:a16="http://schemas.microsoft.com/office/drawing/2014/main" xmlns="" id="{FCC5A33D-0A3C-F140-B745-367744A5F308}"/>
               </a:ext>
             </a:extLst>
           </p:cNvPr>
@@ -6664,7 +6665,7 @@
           <p:cNvPr id="17" name="Текст 35">
             <a:extLst>
               <a:ext uri="{FF2B5EF4-FFF2-40B4-BE49-F238E27FC236}">
-                <a16:creationId xmlns="" xmlns:a16="http://schemas.microsoft.com/office/drawing/2014/main" id="{5163BE0A-A745-414A-AF21-D968BD69D2DA}"/>
+                <a16:creationId xmlns:a16="http://schemas.microsoft.com/office/drawing/2014/main" xmlns="" id="{5163BE0A-A745-414A-AF21-D968BD69D2DA}"/>
               </a:ext>
             </a:extLst>
           </p:cNvPr>
@@ -6799,7 +6800,7 @@
           <p:cNvPr id="20" name="Текст 35">
             <a:extLst>
               <a:ext uri="{FF2B5EF4-FFF2-40B4-BE49-F238E27FC236}">
-                <a16:creationId xmlns="" xmlns:a16="http://schemas.microsoft.com/office/drawing/2014/main" id="{B3D47CF6-5FC1-2346-8894-A7CC39063DE3}"/>
+                <a16:creationId xmlns:a16="http://schemas.microsoft.com/office/drawing/2014/main" xmlns="" id="{B3D47CF6-5FC1-2346-8894-A7CC39063DE3}"/>
               </a:ext>
             </a:extLst>
           </p:cNvPr>
@@ -6932,7 +6933,7 @@
           <p:cNvPr id="23" name="Текст 22">
             <a:extLst>
               <a:ext uri="{FF2B5EF4-FFF2-40B4-BE49-F238E27FC236}">
-                <a16:creationId xmlns="" xmlns:a16="http://schemas.microsoft.com/office/drawing/2014/main" id="{CD14B8F3-89C2-9F45-809E-D1EAF85AC566}"/>
+                <a16:creationId xmlns:a16="http://schemas.microsoft.com/office/drawing/2014/main" xmlns="" id="{CD14B8F3-89C2-9F45-809E-D1EAF85AC566}"/>
               </a:ext>
             </a:extLst>
           </p:cNvPr>
@@ -7016,7 +7017,7 @@
           <p:cNvPr id="24" name="Текст 39">
             <a:extLst>
               <a:ext uri="{FF2B5EF4-FFF2-40B4-BE49-F238E27FC236}">
-                <a16:creationId xmlns="" xmlns:a16="http://schemas.microsoft.com/office/drawing/2014/main" id="{3BE4279A-8109-B244-B721-18F10C696B17}"/>
+                <a16:creationId xmlns:a16="http://schemas.microsoft.com/office/drawing/2014/main" xmlns="" id="{3BE4279A-8109-B244-B721-18F10C696B17}"/>
               </a:ext>
             </a:extLst>
           </p:cNvPr>
@@ -7114,7 +7115,7 @@
           <p:cNvPr id="25" name="Заголовок 31">
             <a:extLst>
               <a:ext uri="{FF2B5EF4-FFF2-40B4-BE49-F238E27FC236}">
-                <a16:creationId xmlns="" xmlns:a16="http://schemas.microsoft.com/office/drawing/2014/main" id="{B32DC3D4-97A5-3E4F-A29B-422D5E3129B7}"/>
+                <a16:creationId xmlns:a16="http://schemas.microsoft.com/office/drawing/2014/main" xmlns="" id="{B32DC3D4-97A5-3E4F-A29B-422D5E3129B7}"/>
               </a:ext>
             </a:extLst>
           </p:cNvPr>
@@ -7240,7 +7241,7 @@
           <p:cNvPr id="7" name="Picture 4" descr="Icon&#10;&#10;Description automatically generated">
             <a:extLst>
               <a:ext uri="{FF2B5EF4-FFF2-40B4-BE49-F238E27FC236}">
-                <a16:creationId xmlns="" xmlns:a16="http://schemas.microsoft.com/office/drawing/2014/main" id="{9E89D752-CAC6-0943-9A3D-4C52DBF50CE2}"/>
+                <a16:creationId xmlns:a16="http://schemas.microsoft.com/office/drawing/2014/main" xmlns="" id="{9E89D752-CAC6-0943-9A3D-4C52DBF50CE2}"/>
               </a:ext>
             </a:extLst>
           </p:cNvPr>
@@ -7270,7 +7271,7 @@
           <p:cNvPr id="8" name="Straight Connector 19">
             <a:extLst>
               <a:ext uri="{FF2B5EF4-FFF2-40B4-BE49-F238E27FC236}">
-                <a16:creationId xmlns="" xmlns:a16="http://schemas.microsoft.com/office/drawing/2014/main" id="{64D89E64-93BB-044D-B3D4-8F2679C5CA4C}"/>
+                <a16:creationId xmlns:a16="http://schemas.microsoft.com/office/drawing/2014/main" xmlns="" id="{64D89E64-93BB-044D-B3D4-8F2679C5CA4C}"/>
               </a:ext>
             </a:extLst>
           </p:cNvPr>
@@ -7313,7 +7314,7 @@
           <p:cNvPr id="9" name="Straight Connector 21">
             <a:extLst>
               <a:ext uri="{FF2B5EF4-FFF2-40B4-BE49-F238E27FC236}">
-                <a16:creationId xmlns="" xmlns:a16="http://schemas.microsoft.com/office/drawing/2014/main" id="{D0C3B169-866D-C645-AF76-00F8C2A97E9B}"/>
+                <a16:creationId xmlns:a16="http://schemas.microsoft.com/office/drawing/2014/main" xmlns="" id="{D0C3B169-866D-C645-AF76-00F8C2A97E9B}"/>
               </a:ext>
             </a:extLst>
           </p:cNvPr>
@@ -7356,7 +7357,7 @@
           <p:cNvPr id="10" name="Straight Connector 25">
             <a:extLst>
               <a:ext uri="{FF2B5EF4-FFF2-40B4-BE49-F238E27FC236}">
-                <a16:creationId xmlns="" xmlns:a16="http://schemas.microsoft.com/office/drawing/2014/main" id="{FDDF48AB-D8AE-0E42-A544-8EA5B8744778}"/>
+                <a16:creationId xmlns:a16="http://schemas.microsoft.com/office/drawing/2014/main" xmlns="" id="{FDDF48AB-D8AE-0E42-A544-8EA5B8744778}"/>
               </a:ext>
             </a:extLst>
           </p:cNvPr>
@@ -7399,7 +7400,7 @@
           <p:cNvPr id="11" name="TextBox 10">
             <a:extLst>
               <a:ext uri="{FF2B5EF4-FFF2-40B4-BE49-F238E27FC236}">
-                <a16:creationId xmlns="" xmlns:a16="http://schemas.microsoft.com/office/drawing/2014/main" id="{66DF89EC-1E7C-3B40-85F4-6D19A7D29AC7}"/>
+                <a16:creationId xmlns:a16="http://schemas.microsoft.com/office/drawing/2014/main" xmlns="" id="{66DF89EC-1E7C-3B40-85F4-6D19A7D29AC7}"/>
               </a:ext>
             </a:extLst>
           </p:cNvPr>
@@ -7445,7 +7446,7 @@
           <p:cNvPr id="12" name="Straight Connector 59">
             <a:extLst>
               <a:ext uri="{FF2B5EF4-FFF2-40B4-BE49-F238E27FC236}">
-                <a16:creationId xmlns="" xmlns:a16="http://schemas.microsoft.com/office/drawing/2014/main" id="{019D6862-BD52-734D-9E19-38C147CA2D29}"/>
+                <a16:creationId xmlns:a16="http://schemas.microsoft.com/office/drawing/2014/main" xmlns="" id="{019D6862-BD52-734D-9E19-38C147CA2D29}"/>
               </a:ext>
             </a:extLst>
           </p:cNvPr>
@@ -7488,7 +7489,7 @@
           <p:cNvPr id="13" name="Текст 37">
             <a:extLst>
               <a:ext uri="{FF2B5EF4-FFF2-40B4-BE49-F238E27FC236}">
-                <a16:creationId xmlns="" xmlns:a16="http://schemas.microsoft.com/office/drawing/2014/main" id="{A9BD5ADD-B3F2-C342-82F7-83683F040D2F}"/>
+                <a16:creationId xmlns:a16="http://schemas.microsoft.com/office/drawing/2014/main" xmlns="" id="{A9BD5ADD-B3F2-C342-82F7-83683F040D2F}"/>
               </a:ext>
             </a:extLst>
           </p:cNvPr>
@@ -7618,7 +7619,7 @@
           <p:cNvPr id="14" name="Текст 39">
             <a:extLst>
               <a:ext uri="{FF2B5EF4-FFF2-40B4-BE49-F238E27FC236}">
-                <a16:creationId xmlns="" xmlns:a16="http://schemas.microsoft.com/office/drawing/2014/main" id="{4F15CBC0-FC8B-744E-95A7-C9863CDC31BD}"/>
+                <a16:creationId xmlns:a16="http://schemas.microsoft.com/office/drawing/2014/main" xmlns="" id="{4F15CBC0-FC8B-744E-95A7-C9863CDC31BD}"/>
               </a:ext>
             </a:extLst>
           </p:cNvPr>
@@ -7716,7 +7717,7 @@
           <p:cNvPr id="16" name="Текст 39">
             <a:extLst>
               <a:ext uri="{FF2B5EF4-FFF2-40B4-BE49-F238E27FC236}">
-                <a16:creationId xmlns="" xmlns:a16="http://schemas.microsoft.com/office/drawing/2014/main" id="{BC3B54AA-A0BD-E646-B3B7-C0E724D26D23}"/>
+                <a16:creationId xmlns:a16="http://schemas.microsoft.com/office/drawing/2014/main" xmlns="" id="{BC3B54AA-A0BD-E646-B3B7-C0E724D26D23}"/>
               </a:ext>
             </a:extLst>
           </p:cNvPr>
@@ -7814,7 +7815,7 @@
           <p:cNvPr id="17" name="Заголовок 31">
             <a:extLst>
               <a:ext uri="{FF2B5EF4-FFF2-40B4-BE49-F238E27FC236}">
-                <a16:creationId xmlns="" xmlns:a16="http://schemas.microsoft.com/office/drawing/2014/main" id="{B3F16318-C9C3-B948-A508-4BC53D0B7716}"/>
+                <a16:creationId xmlns:a16="http://schemas.microsoft.com/office/drawing/2014/main" xmlns="" id="{B3F16318-C9C3-B948-A508-4BC53D0B7716}"/>
               </a:ext>
             </a:extLst>
           </p:cNvPr>
@@ -7913,7 +7914,7 @@
           <p:cNvPr id="18" name="Текст 35">
             <a:extLst>
               <a:ext uri="{FF2B5EF4-FFF2-40B4-BE49-F238E27FC236}">
-                <a16:creationId xmlns="" xmlns:a16="http://schemas.microsoft.com/office/drawing/2014/main" id="{23B3E5FB-BBCE-4149-AD9A-8CAB06CC9FCF}"/>
+                <a16:creationId xmlns:a16="http://schemas.microsoft.com/office/drawing/2014/main" xmlns="" id="{23B3E5FB-BBCE-4149-AD9A-8CAB06CC9FCF}"/>
               </a:ext>
             </a:extLst>
           </p:cNvPr>
@@ -8592,7 +8593,7 @@
           <p:cNvPr id="19" name="Текст 35">
             <a:extLst>
               <a:ext uri="{FF2B5EF4-FFF2-40B4-BE49-F238E27FC236}">
-                <a16:creationId xmlns="" xmlns:a16="http://schemas.microsoft.com/office/drawing/2014/main" id="{658542D3-7E45-6E46-8039-27C4C43DD617}"/>
+                <a16:creationId xmlns:a16="http://schemas.microsoft.com/office/drawing/2014/main" xmlns="" id="{658542D3-7E45-6E46-8039-27C4C43DD617}"/>
               </a:ext>
             </a:extLst>
           </p:cNvPr>
@@ -8725,7 +8726,7 @@
           <p:cNvPr id="21" name="Диаграмма 7">
             <a:extLst>
               <a:ext uri="{FF2B5EF4-FFF2-40B4-BE49-F238E27FC236}">
-                <a16:creationId xmlns="" xmlns:a16="http://schemas.microsoft.com/office/drawing/2014/main" id="{57965DCA-4776-7546-97FD-A69317A34CF2}"/>
+                <a16:creationId xmlns:a16="http://schemas.microsoft.com/office/drawing/2014/main" xmlns="" id="{57965DCA-4776-7546-97FD-A69317A34CF2}"/>
               </a:ext>
             </a:extLst>
           </p:cNvPr>
@@ -8799,7 +8800,7 @@
           <p:cNvPr id="8" name="Picture 4" descr="Icon&#10;&#10;Description automatically generated">
             <a:extLst>
               <a:ext uri="{FF2B5EF4-FFF2-40B4-BE49-F238E27FC236}">
-                <a16:creationId xmlns="" xmlns:a16="http://schemas.microsoft.com/office/drawing/2014/main" id="{11D7C3EB-CCEB-E142-9753-8B2D75A0A80D}"/>
+                <a16:creationId xmlns:a16="http://schemas.microsoft.com/office/drawing/2014/main" xmlns="" id="{11D7C3EB-CCEB-E142-9753-8B2D75A0A80D}"/>
               </a:ext>
             </a:extLst>
           </p:cNvPr>
@@ -8829,7 +8830,7 @@
           <p:cNvPr id="9" name="Straight Connector 19">
             <a:extLst>
               <a:ext uri="{FF2B5EF4-FFF2-40B4-BE49-F238E27FC236}">
-                <a16:creationId xmlns="" xmlns:a16="http://schemas.microsoft.com/office/drawing/2014/main" id="{527C9F89-51CC-D243-9351-73AB081DB944}"/>
+                <a16:creationId xmlns:a16="http://schemas.microsoft.com/office/drawing/2014/main" xmlns="" id="{527C9F89-51CC-D243-9351-73AB081DB944}"/>
               </a:ext>
             </a:extLst>
           </p:cNvPr>
@@ -8872,7 +8873,7 @@
           <p:cNvPr id="10" name="Straight Connector 21">
             <a:extLst>
               <a:ext uri="{FF2B5EF4-FFF2-40B4-BE49-F238E27FC236}">
-                <a16:creationId xmlns="" xmlns:a16="http://schemas.microsoft.com/office/drawing/2014/main" id="{F09EE119-6C80-E846-95F9-BB3907664128}"/>
+                <a16:creationId xmlns:a16="http://schemas.microsoft.com/office/drawing/2014/main" xmlns="" id="{F09EE119-6C80-E846-95F9-BB3907664128}"/>
               </a:ext>
             </a:extLst>
           </p:cNvPr>
@@ -8915,7 +8916,7 @@
           <p:cNvPr id="11" name="Straight Connector 25">
             <a:extLst>
               <a:ext uri="{FF2B5EF4-FFF2-40B4-BE49-F238E27FC236}">
-                <a16:creationId xmlns="" xmlns:a16="http://schemas.microsoft.com/office/drawing/2014/main" id="{6C0A681B-44BF-6A46-98D8-483EF13B9114}"/>
+                <a16:creationId xmlns:a16="http://schemas.microsoft.com/office/drawing/2014/main" xmlns="" id="{6C0A681B-44BF-6A46-98D8-483EF13B9114}"/>
               </a:ext>
             </a:extLst>
           </p:cNvPr>
@@ -8958,7 +8959,7 @@
           <p:cNvPr id="12" name="TextBox 11">
             <a:extLst>
               <a:ext uri="{FF2B5EF4-FFF2-40B4-BE49-F238E27FC236}">
-                <a16:creationId xmlns="" xmlns:a16="http://schemas.microsoft.com/office/drawing/2014/main" id="{C65A5D7C-EB12-9D4D-A99A-4B26C81B7387}"/>
+                <a16:creationId xmlns:a16="http://schemas.microsoft.com/office/drawing/2014/main" xmlns="" id="{C65A5D7C-EB12-9D4D-A99A-4B26C81B7387}"/>
               </a:ext>
             </a:extLst>
           </p:cNvPr>
@@ -9004,7 +9005,7 @@
           <p:cNvPr id="13" name="Straight Connector 59">
             <a:extLst>
               <a:ext uri="{FF2B5EF4-FFF2-40B4-BE49-F238E27FC236}">
-                <a16:creationId xmlns="" xmlns:a16="http://schemas.microsoft.com/office/drawing/2014/main" id="{D4C3D74D-BE91-9547-ADCA-ACCE93C18789}"/>
+                <a16:creationId xmlns:a16="http://schemas.microsoft.com/office/drawing/2014/main" xmlns="" id="{D4C3D74D-BE91-9547-ADCA-ACCE93C18789}"/>
               </a:ext>
             </a:extLst>
           </p:cNvPr>
@@ -9047,7 +9048,7 @@
           <p:cNvPr id="14" name="Текст 37">
             <a:extLst>
               <a:ext uri="{FF2B5EF4-FFF2-40B4-BE49-F238E27FC236}">
-                <a16:creationId xmlns="" xmlns:a16="http://schemas.microsoft.com/office/drawing/2014/main" id="{3E0AB43B-5E98-6042-A282-C61E0C5A37B9}"/>
+                <a16:creationId xmlns:a16="http://schemas.microsoft.com/office/drawing/2014/main" xmlns="" id="{3E0AB43B-5E98-6042-A282-C61E0C5A37B9}"/>
               </a:ext>
             </a:extLst>
           </p:cNvPr>
@@ -9177,7 +9178,7 @@
           <p:cNvPr id="15" name="Текст 39">
             <a:extLst>
               <a:ext uri="{FF2B5EF4-FFF2-40B4-BE49-F238E27FC236}">
-                <a16:creationId xmlns="" xmlns:a16="http://schemas.microsoft.com/office/drawing/2014/main" id="{7388A8DF-D130-5445-A3F8-F96E1202BA19}"/>
+                <a16:creationId xmlns:a16="http://schemas.microsoft.com/office/drawing/2014/main" xmlns="" id="{7388A8DF-D130-5445-A3F8-F96E1202BA19}"/>
               </a:ext>
             </a:extLst>
           </p:cNvPr>
@@ -9275,7 +9276,7 @@
           <p:cNvPr id="17" name="Текст 39">
             <a:extLst>
               <a:ext uri="{FF2B5EF4-FFF2-40B4-BE49-F238E27FC236}">
-                <a16:creationId xmlns="" xmlns:a16="http://schemas.microsoft.com/office/drawing/2014/main" id="{02CBC466-1703-7541-94E4-AC76F4E6D938}"/>
+                <a16:creationId xmlns:a16="http://schemas.microsoft.com/office/drawing/2014/main" xmlns="" id="{02CBC466-1703-7541-94E4-AC76F4E6D938}"/>
               </a:ext>
             </a:extLst>
           </p:cNvPr>
@@ -9373,7 +9374,7 @@
           <p:cNvPr id="20" name="Текст 35">
             <a:extLst>
               <a:ext uri="{FF2B5EF4-FFF2-40B4-BE49-F238E27FC236}">
-                <a16:creationId xmlns="" xmlns:a16="http://schemas.microsoft.com/office/drawing/2014/main" id="{5812BF3C-1D24-3640-84D2-BFFCA525AE5F}"/>
+                <a16:creationId xmlns:a16="http://schemas.microsoft.com/office/drawing/2014/main" xmlns="" id="{5812BF3C-1D24-3640-84D2-BFFCA525AE5F}"/>
               </a:ext>
             </a:extLst>
           </p:cNvPr>
@@ -9506,7 +9507,7 @@
           <p:cNvPr id="21" name="Диаграмма 7">
             <a:extLst>
               <a:ext uri="{FF2B5EF4-FFF2-40B4-BE49-F238E27FC236}">
-                <a16:creationId xmlns="" xmlns:a16="http://schemas.microsoft.com/office/drawing/2014/main" id="{BCBBDD44-9DC9-F74E-979F-120A7BBD4EE1}"/>
+                <a16:creationId xmlns:a16="http://schemas.microsoft.com/office/drawing/2014/main" xmlns="" id="{BCBBDD44-9DC9-F74E-979F-120A7BBD4EE1}"/>
               </a:ext>
             </a:extLst>
           </p:cNvPr>
@@ -9536,7 +9537,7 @@
           <p:cNvPr id="23" name="Текст 22">
             <a:extLst>
               <a:ext uri="{FF2B5EF4-FFF2-40B4-BE49-F238E27FC236}">
-                <a16:creationId xmlns="" xmlns:a16="http://schemas.microsoft.com/office/drawing/2014/main" id="{7C68DF7B-E804-E44B-83DF-5DC36AF76F43}"/>
+                <a16:creationId xmlns:a16="http://schemas.microsoft.com/office/drawing/2014/main" xmlns="" id="{7C68DF7B-E804-E44B-83DF-5DC36AF76F43}"/>
               </a:ext>
             </a:extLst>
           </p:cNvPr>
@@ -9633,7 +9634,7 @@
           <p:cNvPr id="28" name="Текст 35">
             <a:extLst>
               <a:ext uri="{FF2B5EF4-FFF2-40B4-BE49-F238E27FC236}">
-                <a16:creationId xmlns="" xmlns:a16="http://schemas.microsoft.com/office/drawing/2014/main" id="{89E931D8-2901-A54D-86EA-096E47B81880}"/>
+                <a16:creationId xmlns:a16="http://schemas.microsoft.com/office/drawing/2014/main" xmlns="" id="{89E931D8-2901-A54D-86EA-096E47B81880}"/>
               </a:ext>
             </a:extLst>
           </p:cNvPr>
@@ -10356,7 +10357,7 @@
           <p:cNvPr id="6" name="Picture 4" descr="Icon&#10;&#10;Description automatically generated">
             <a:extLst>
               <a:ext uri="{FF2B5EF4-FFF2-40B4-BE49-F238E27FC236}">
-                <a16:creationId xmlns="" xmlns:a16="http://schemas.microsoft.com/office/drawing/2014/main" id="{E9A64721-E55E-8749-B29E-51DD8955936F}"/>
+                <a16:creationId xmlns:a16="http://schemas.microsoft.com/office/drawing/2014/main" xmlns="" id="{E9A64721-E55E-8749-B29E-51DD8955936F}"/>
               </a:ext>
             </a:extLst>
           </p:cNvPr>
@@ -10386,7 +10387,7 @@
           <p:cNvPr id="7" name="Straight Connector 19">
             <a:extLst>
               <a:ext uri="{FF2B5EF4-FFF2-40B4-BE49-F238E27FC236}">
-                <a16:creationId xmlns="" xmlns:a16="http://schemas.microsoft.com/office/drawing/2014/main" id="{B0C162B7-B84F-874A-960E-31F512518C6E}"/>
+                <a16:creationId xmlns:a16="http://schemas.microsoft.com/office/drawing/2014/main" xmlns="" id="{B0C162B7-B84F-874A-960E-31F512518C6E}"/>
               </a:ext>
             </a:extLst>
           </p:cNvPr>
@@ -10429,7 +10430,7 @@
           <p:cNvPr id="8" name="Straight Connector 21">
             <a:extLst>
               <a:ext uri="{FF2B5EF4-FFF2-40B4-BE49-F238E27FC236}">
-                <a16:creationId xmlns="" xmlns:a16="http://schemas.microsoft.com/office/drawing/2014/main" id="{1CB321BB-9FE3-294F-85D8-AA7DC75CA4AF}"/>
+                <a16:creationId xmlns:a16="http://schemas.microsoft.com/office/drawing/2014/main" xmlns="" id="{1CB321BB-9FE3-294F-85D8-AA7DC75CA4AF}"/>
               </a:ext>
             </a:extLst>
           </p:cNvPr>
@@ -10472,7 +10473,7 @@
           <p:cNvPr id="9" name="Straight Connector 25">
             <a:extLst>
               <a:ext uri="{FF2B5EF4-FFF2-40B4-BE49-F238E27FC236}">
-                <a16:creationId xmlns="" xmlns:a16="http://schemas.microsoft.com/office/drawing/2014/main" id="{0A610A45-8712-8A45-AFB3-931CF468EC32}"/>
+                <a16:creationId xmlns:a16="http://schemas.microsoft.com/office/drawing/2014/main" xmlns="" id="{0A610A45-8712-8A45-AFB3-931CF468EC32}"/>
               </a:ext>
             </a:extLst>
           </p:cNvPr>
@@ -10515,7 +10516,7 @@
           <p:cNvPr id="10" name="TextBox 9">
             <a:extLst>
               <a:ext uri="{FF2B5EF4-FFF2-40B4-BE49-F238E27FC236}">
-                <a16:creationId xmlns="" xmlns:a16="http://schemas.microsoft.com/office/drawing/2014/main" id="{30460EF6-ECAD-8941-8132-1B3E005D6067}"/>
+                <a16:creationId xmlns:a16="http://schemas.microsoft.com/office/drawing/2014/main" xmlns="" id="{30460EF6-ECAD-8941-8132-1B3E005D6067}"/>
               </a:ext>
             </a:extLst>
           </p:cNvPr>
@@ -10561,7 +10562,7 @@
           <p:cNvPr id="11" name="Straight Connector 59">
             <a:extLst>
               <a:ext uri="{FF2B5EF4-FFF2-40B4-BE49-F238E27FC236}">
-                <a16:creationId xmlns="" xmlns:a16="http://schemas.microsoft.com/office/drawing/2014/main" id="{41AE56A2-5FAA-FD44-AE1A-338E1E304184}"/>
+                <a16:creationId xmlns:a16="http://schemas.microsoft.com/office/drawing/2014/main" xmlns="" id="{41AE56A2-5FAA-FD44-AE1A-338E1E304184}"/>
               </a:ext>
             </a:extLst>
           </p:cNvPr>
@@ -10604,7 +10605,7 @@
           <p:cNvPr id="12" name="Текст 37">
             <a:extLst>
               <a:ext uri="{FF2B5EF4-FFF2-40B4-BE49-F238E27FC236}">
-                <a16:creationId xmlns="" xmlns:a16="http://schemas.microsoft.com/office/drawing/2014/main" id="{D9986185-6D5E-FD48-A5CA-AF2D5B58A3E7}"/>
+                <a16:creationId xmlns:a16="http://schemas.microsoft.com/office/drawing/2014/main" xmlns="" id="{D9986185-6D5E-FD48-A5CA-AF2D5B58A3E7}"/>
               </a:ext>
             </a:extLst>
           </p:cNvPr>
@@ -10734,7 +10735,7 @@
           <p:cNvPr id="13" name="Текст 39">
             <a:extLst>
               <a:ext uri="{FF2B5EF4-FFF2-40B4-BE49-F238E27FC236}">
-                <a16:creationId xmlns="" xmlns:a16="http://schemas.microsoft.com/office/drawing/2014/main" id="{5DBFD327-E3A8-944A-AABF-7D813AD0F13C}"/>
+                <a16:creationId xmlns:a16="http://schemas.microsoft.com/office/drawing/2014/main" xmlns="" id="{5DBFD327-E3A8-944A-AABF-7D813AD0F13C}"/>
               </a:ext>
             </a:extLst>
           </p:cNvPr>
@@ -10832,7 +10833,7 @@
           <p:cNvPr id="15" name="Текст 39">
             <a:extLst>
               <a:ext uri="{FF2B5EF4-FFF2-40B4-BE49-F238E27FC236}">
-                <a16:creationId xmlns="" xmlns:a16="http://schemas.microsoft.com/office/drawing/2014/main" id="{D206FCE0-05C3-2C45-A7D6-1FC287C017BE}"/>
+                <a16:creationId xmlns:a16="http://schemas.microsoft.com/office/drawing/2014/main" xmlns="" id="{D206FCE0-05C3-2C45-A7D6-1FC287C017BE}"/>
               </a:ext>
             </a:extLst>
           </p:cNvPr>
@@ -10930,7 +10931,7 @@
           <p:cNvPr id="17" name="Заголовок 31">
             <a:extLst>
               <a:ext uri="{FF2B5EF4-FFF2-40B4-BE49-F238E27FC236}">
-                <a16:creationId xmlns="" xmlns:a16="http://schemas.microsoft.com/office/drawing/2014/main" id="{3B28B62E-5EE9-834C-9BB6-BD66079B8164}"/>
+                <a16:creationId xmlns:a16="http://schemas.microsoft.com/office/drawing/2014/main" xmlns="" id="{3B28B62E-5EE9-834C-9BB6-BD66079B8164}"/>
               </a:ext>
             </a:extLst>
           </p:cNvPr>
@@ -11012,7 +11013,7 @@
           <p:cNvPr id="24" name="Текст 35">
             <a:extLst>
               <a:ext uri="{FF2B5EF4-FFF2-40B4-BE49-F238E27FC236}">
-                <a16:creationId xmlns="" xmlns:a16="http://schemas.microsoft.com/office/drawing/2014/main" id="{621215DE-C1FD-2B4C-B236-AF679CF906BE}"/>
+                <a16:creationId xmlns:a16="http://schemas.microsoft.com/office/drawing/2014/main" xmlns="" id="{621215DE-C1FD-2B4C-B236-AF679CF906BE}"/>
               </a:ext>
             </a:extLst>
           </p:cNvPr>
@@ -11136,7 +11137,7 @@
           <p:cNvPr id="25" name="Текст 35">
             <a:extLst>
               <a:ext uri="{FF2B5EF4-FFF2-40B4-BE49-F238E27FC236}">
-                <a16:creationId xmlns="" xmlns:a16="http://schemas.microsoft.com/office/drawing/2014/main" id="{8BC2F90D-0CE0-574C-A7C1-EAA3E6F1AB56}"/>
+                <a16:creationId xmlns:a16="http://schemas.microsoft.com/office/drawing/2014/main" xmlns="" id="{8BC2F90D-0CE0-574C-A7C1-EAA3E6F1AB56}"/>
               </a:ext>
             </a:extLst>
           </p:cNvPr>
@@ -11260,7 +11261,7 @@
           <p:cNvPr id="26" name="Текст 35">
             <a:extLst>
               <a:ext uri="{FF2B5EF4-FFF2-40B4-BE49-F238E27FC236}">
-                <a16:creationId xmlns="" xmlns:a16="http://schemas.microsoft.com/office/drawing/2014/main" id="{239E188B-2696-8A48-9F8A-36223EEF61E9}"/>
+                <a16:creationId xmlns:a16="http://schemas.microsoft.com/office/drawing/2014/main" xmlns="" id="{239E188B-2696-8A48-9F8A-36223EEF61E9}"/>
               </a:ext>
             </a:extLst>
           </p:cNvPr>
@@ -11384,7 +11385,7 @@
           <p:cNvPr id="28" name="Текст 27">
             <a:extLst>
               <a:ext uri="{FF2B5EF4-FFF2-40B4-BE49-F238E27FC236}">
-                <a16:creationId xmlns="" xmlns:a16="http://schemas.microsoft.com/office/drawing/2014/main" id="{379BF4C6-F899-294C-B88E-8363AFBEEC2A}"/>
+                <a16:creationId xmlns:a16="http://schemas.microsoft.com/office/drawing/2014/main" xmlns="" id="{379BF4C6-F899-294C-B88E-8363AFBEEC2A}"/>
               </a:ext>
             </a:extLst>
           </p:cNvPr>
@@ -11453,7 +11454,7 @@
           <p:cNvPr id="29" name="Текст 27">
             <a:extLst>
               <a:ext uri="{FF2B5EF4-FFF2-40B4-BE49-F238E27FC236}">
-                <a16:creationId xmlns="" xmlns:a16="http://schemas.microsoft.com/office/drawing/2014/main" id="{DE7F352B-F6D9-B545-A835-443A55956E74}"/>
+                <a16:creationId xmlns:a16="http://schemas.microsoft.com/office/drawing/2014/main" xmlns="" id="{DE7F352B-F6D9-B545-A835-443A55956E74}"/>
               </a:ext>
             </a:extLst>
           </p:cNvPr>
@@ -11522,7 +11523,7 @@
           <p:cNvPr id="30" name="Текст 27">
             <a:extLst>
               <a:ext uri="{FF2B5EF4-FFF2-40B4-BE49-F238E27FC236}">
-                <a16:creationId xmlns="" xmlns:a16="http://schemas.microsoft.com/office/drawing/2014/main" id="{D1D5AF9F-C1B0-7842-8789-1DB8963D981B}"/>
+                <a16:creationId xmlns:a16="http://schemas.microsoft.com/office/drawing/2014/main" xmlns="" id="{D1D5AF9F-C1B0-7842-8789-1DB8963D981B}"/>
               </a:ext>
             </a:extLst>
           </p:cNvPr>
@@ -11635,7 +11636,7 @@
           <p:cNvPr id="5" name="Picture 4" descr="Icon&#10;&#10;Description automatically generated">
             <a:extLst>
               <a:ext uri="{FF2B5EF4-FFF2-40B4-BE49-F238E27FC236}">
-                <a16:creationId xmlns="" xmlns:a16="http://schemas.microsoft.com/office/drawing/2014/main" id="{C5425806-16DD-844E-927C-26E7143A9ED8}"/>
+                <a16:creationId xmlns:a16="http://schemas.microsoft.com/office/drawing/2014/main" xmlns="" id="{C5425806-16DD-844E-927C-26E7143A9ED8}"/>
               </a:ext>
             </a:extLst>
           </p:cNvPr>
@@ -11665,7 +11666,7 @@
           <p:cNvPr id="6" name="Straight Connector 19">
             <a:extLst>
               <a:ext uri="{FF2B5EF4-FFF2-40B4-BE49-F238E27FC236}">
-                <a16:creationId xmlns="" xmlns:a16="http://schemas.microsoft.com/office/drawing/2014/main" id="{479746FF-3282-DF46-9D7C-D80431604A55}"/>
+                <a16:creationId xmlns:a16="http://schemas.microsoft.com/office/drawing/2014/main" xmlns="" id="{479746FF-3282-DF46-9D7C-D80431604A55}"/>
               </a:ext>
             </a:extLst>
           </p:cNvPr>
@@ -11708,7 +11709,7 @@
           <p:cNvPr id="7" name="Straight Connector 21">
             <a:extLst>
               <a:ext uri="{FF2B5EF4-FFF2-40B4-BE49-F238E27FC236}">
-                <a16:creationId xmlns="" xmlns:a16="http://schemas.microsoft.com/office/drawing/2014/main" id="{51B44297-B0E7-D74D-B291-D39A0D468B42}"/>
+                <a16:creationId xmlns:a16="http://schemas.microsoft.com/office/drawing/2014/main" xmlns="" id="{51B44297-B0E7-D74D-B291-D39A0D468B42}"/>
               </a:ext>
             </a:extLst>
           </p:cNvPr>
@@ -11751,7 +11752,7 @@
           <p:cNvPr id="8" name="Straight Connector 25">
             <a:extLst>
               <a:ext uri="{FF2B5EF4-FFF2-40B4-BE49-F238E27FC236}">
-                <a16:creationId xmlns="" xmlns:a16="http://schemas.microsoft.com/office/drawing/2014/main" id="{0EA4A057-F0CB-E04F-B472-4A1ABFB64C66}"/>
+                <a16:creationId xmlns:a16="http://schemas.microsoft.com/office/drawing/2014/main" xmlns="" id="{0EA4A057-F0CB-E04F-B472-4A1ABFB64C66}"/>
               </a:ext>
             </a:extLst>
           </p:cNvPr>
@@ -11794,7 +11795,7 @@
           <p:cNvPr id="9" name="TextBox 8">
             <a:extLst>
               <a:ext uri="{FF2B5EF4-FFF2-40B4-BE49-F238E27FC236}">
-                <a16:creationId xmlns="" xmlns:a16="http://schemas.microsoft.com/office/drawing/2014/main" id="{764502F5-56EE-354B-A3B1-E79F8B005172}"/>
+                <a16:creationId xmlns:a16="http://schemas.microsoft.com/office/drawing/2014/main" xmlns="" id="{764502F5-56EE-354B-A3B1-E79F8B005172}"/>
               </a:ext>
             </a:extLst>
           </p:cNvPr>
@@ -11840,7 +11841,7 @@
           <p:cNvPr id="10" name="Straight Connector 59">
             <a:extLst>
               <a:ext uri="{FF2B5EF4-FFF2-40B4-BE49-F238E27FC236}">
-                <a16:creationId xmlns="" xmlns:a16="http://schemas.microsoft.com/office/drawing/2014/main" id="{A80E0956-5C10-CC40-A426-CBD2E0C4158E}"/>
+                <a16:creationId xmlns:a16="http://schemas.microsoft.com/office/drawing/2014/main" xmlns="" id="{A80E0956-5C10-CC40-A426-CBD2E0C4158E}"/>
               </a:ext>
             </a:extLst>
           </p:cNvPr>
@@ -11883,7 +11884,7 @@
           <p:cNvPr id="11" name="Текст 37">
             <a:extLst>
               <a:ext uri="{FF2B5EF4-FFF2-40B4-BE49-F238E27FC236}">
-                <a16:creationId xmlns="" xmlns:a16="http://schemas.microsoft.com/office/drawing/2014/main" id="{6EC59AAD-5962-8D49-BF4D-7DA5D573073E}"/>
+                <a16:creationId xmlns:a16="http://schemas.microsoft.com/office/drawing/2014/main" xmlns="" id="{6EC59AAD-5962-8D49-BF4D-7DA5D573073E}"/>
               </a:ext>
             </a:extLst>
           </p:cNvPr>
@@ -12013,7 +12014,7 @@
           <p:cNvPr id="12" name="Текст 39">
             <a:extLst>
               <a:ext uri="{FF2B5EF4-FFF2-40B4-BE49-F238E27FC236}">
-                <a16:creationId xmlns="" xmlns:a16="http://schemas.microsoft.com/office/drawing/2014/main" id="{49041ACC-EEF4-D34B-A7DE-87B1AF2ED383}"/>
+                <a16:creationId xmlns:a16="http://schemas.microsoft.com/office/drawing/2014/main" xmlns="" id="{49041ACC-EEF4-D34B-A7DE-87B1AF2ED383}"/>
               </a:ext>
             </a:extLst>
           </p:cNvPr>
@@ -12111,7 +12112,7 @@
           <p:cNvPr id="14" name="Текст 39">
             <a:extLst>
               <a:ext uri="{FF2B5EF4-FFF2-40B4-BE49-F238E27FC236}">
-                <a16:creationId xmlns="" xmlns:a16="http://schemas.microsoft.com/office/drawing/2014/main" id="{BF93B2CC-81A4-0943-AF6C-C86576792995}"/>
+                <a16:creationId xmlns:a16="http://schemas.microsoft.com/office/drawing/2014/main" xmlns="" id="{BF93B2CC-81A4-0943-AF6C-C86576792995}"/>
               </a:ext>
             </a:extLst>
           </p:cNvPr>
@@ -12209,7 +12210,7 @@
           <p:cNvPr id="15" name="Текст 22">
             <a:extLst>
               <a:ext uri="{FF2B5EF4-FFF2-40B4-BE49-F238E27FC236}">
-                <a16:creationId xmlns="" xmlns:a16="http://schemas.microsoft.com/office/drawing/2014/main" id="{51340CB4-0355-3640-A212-F684523CDCCF}"/>
+                <a16:creationId xmlns:a16="http://schemas.microsoft.com/office/drawing/2014/main" xmlns="" id="{51340CB4-0355-3640-A212-F684523CDCCF}"/>
               </a:ext>
             </a:extLst>
           </p:cNvPr>
@@ -12315,7 +12316,7 @@
           <p:cNvPr id="17" name="Текст 16">
             <a:extLst>
               <a:ext uri="{FF2B5EF4-FFF2-40B4-BE49-F238E27FC236}">
-                <a16:creationId xmlns="" xmlns:a16="http://schemas.microsoft.com/office/drawing/2014/main" id="{8C6F2EA4-CEDC-324C-9C06-8713118041EB}"/>
+                <a16:creationId xmlns:a16="http://schemas.microsoft.com/office/drawing/2014/main" xmlns="" id="{8C6F2EA4-CEDC-324C-9C06-8713118041EB}"/>
               </a:ext>
             </a:extLst>
           </p:cNvPr>
@@ -12439,7 +12440,7 @@
           <p:cNvPr id="19" name="Таблица 18">
             <a:extLst>
               <a:ext uri="{FF2B5EF4-FFF2-40B4-BE49-F238E27FC236}">
-                <a16:creationId xmlns="" xmlns:a16="http://schemas.microsoft.com/office/drawing/2014/main" id="{7B291085-A9B9-D842-B1A7-96258FAF012C}"/>
+                <a16:creationId xmlns:a16="http://schemas.microsoft.com/office/drawing/2014/main" xmlns="" id="{7B291085-A9B9-D842-B1A7-96258FAF012C}"/>
               </a:ext>
             </a:extLst>
           </p:cNvPr>
@@ -12513,7 +12514,7 @@
           <p:cNvPr id="8" name="Picture 4" descr="Icon&#10;&#10;Description automatically generated">
             <a:extLst>
               <a:ext uri="{FF2B5EF4-FFF2-40B4-BE49-F238E27FC236}">
-                <a16:creationId xmlns="" xmlns:a16="http://schemas.microsoft.com/office/drawing/2014/main" id="{259ABC72-D738-1143-BF2A-D85AE9A4F73B}"/>
+                <a16:creationId xmlns:a16="http://schemas.microsoft.com/office/drawing/2014/main" xmlns="" id="{259ABC72-D738-1143-BF2A-D85AE9A4F73B}"/>
               </a:ext>
             </a:extLst>
           </p:cNvPr>
@@ -12543,7 +12544,7 @@
           <p:cNvPr id="9" name="Straight Connector 19">
             <a:extLst>
               <a:ext uri="{FF2B5EF4-FFF2-40B4-BE49-F238E27FC236}">
-                <a16:creationId xmlns="" xmlns:a16="http://schemas.microsoft.com/office/drawing/2014/main" id="{237A1E42-2FC3-8841-8C41-992C5BC2368D}"/>
+                <a16:creationId xmlns:a16="http://schemas.microsoft.com/office/drawing/2014/main" xmlns="" id="{237A1E42-2FC3-8841-8C41-992C5BC2368D}"/>
               </a:ext>
             </a:extLst>
           </p:cNvPr>
@@ -12586,7 +12587,7 @@
           <p:cNvPr id="10" name="Straight Connector 21">
             <a:extLst>
               <a:ext uri="{FF2B5EF4-FFF2-40B4-BE49-F238E27FC236}">
-                <a16:creationId xmlns="" xmlns:a16="http://schemas.microsoft.com/office/drawing/2014/main" id="{47503EA0-3883-E24D-9EB8-7B6175182929}"/>
+                <a16:creationId xmlns:a16="http://schemas.microsoft.com/office/drawing/2014/main" xmlns="" id="{47503EA0-3883-E24D-9EB8-7B6175182929}"/>
               </a:ext>
             </a:extLst>
           </p:cNvPr>
@@ -12629,7 +12630,7 @@
           <p:cNvPr id="11" name="Straight Connector 25">
             <a:extLst>
               <a:ext uri="{FF2B5EF4-FFF2-40B4-BE49-F238E27FC236}">
-                <a16:creationId xmlns="" xmlns:a16="http://schemas.microsoft.com/office/drawing/2014/main" id="{E0144DF2-9891-324D-B34E-AFA025FBCBF9}"/>
+                <a16:creationId xmlns:a16="http://schemas.microsoft.com/office/drawing/2014/main" xmlns="" id="{E0144DF2-9891-324D-B34E-AFA025FBCBF9}"/>
               </a:ext>
             </a:extLst>
           </p:cNvPr>
@@ -12672,7 +12673,7 @@
           <p:cNvPr id="12" name="TextBox 11">
             <a:extLst>
               <a:ext uri="{FF2B5EF4-FFF2-40B4-BE49-F238E27FC236}">
-                <a16:creationId xmlns="" xmlns:a16="http://schemas.microsoft.com/office/drawing/2014/main" id="{F33F65D6-1072-F140-B6A5-758D7B595A92}"/>
+                <a16:creationId xmlns:a16="http://schemas.microsoft.com/office/drawing/2014/main" xmlns="" id="{F33F65D6-1072-F140-B6A5-758D7B595A92}"/>
               </a:ext>
             </a:extLst>
           </p:cNvPr>
@@ -12718,7 +12719,7 @@
           <p:cNvPr id="13" name="Straight Connector 59">
             <a:extLst>
               <a:ext uri="{FF2B5EF4-FFF2-40B4-BE49-F238E27FC236}">
-                <a16:creationId xmlns="" xmlns:a16="http://schemas.microsoft.com/office/drawing/2014/main" id="{5F1F09D4-22FA-7B4B-9488-F8FDDCC2D447}"/>
+                <a16:creationId xmlns:a16="http://schemas.microsoft.com/office/drawing/2014/main" xmlns="" id="{5F1F09D4-22FA-7B4B-9488-F8FDDCC2D447}"/>
               </a:ext>
             </a:extLst>
           </p:cNvPr>
@@ -12761,7 +12762,7 @@
           <p:cNvPr id="14" name="Текст 37">
             <a:extLst>
               <a:ext uri="{FF2B5EF4-FFF2-40B4-BE49-F238E27FC236}">
-                <a16:creationId xmlns="" xmlns:a16="http://schemas.microsoft.com/office/drawing/2014/main" id="{44D0326E-FD7A-3541-A998-62A1C30E2738}"/>
+                <a16:creationId xmlns:a16="http://schemas.microsoft.com/office/drawing/2014/main" xmlns="" id="{44D0326E-FD7A-3541-A998-62A1C30E2738}"/>
               </a:ext>
             </a:extLst>
           </p:cNvPr>
@@ -12891,7 +12892,7 @@
           <p:cNvPr id="15" name="Текст 39">
             <a:extLst>
               <a:ext uri="{FF2B5EF4-FFF2-40B4-BE49-F238E27FC236}">
-                <a16:creationId xmlns="" xmlns:a16="http://schemas.microsoft.com/office/drawing/2014/main" id="{279CCCA0-F959-5245-8321-106D3C5E837D}"/>
+                <a16:creationId xmlns:a16="http://schemas.microsoft.com/office/drawing/2014/main" xmlns="" id="{279CCCA0-F959-5245-8321-106D3C5E837D}"/>
               </a:ext>
             </a:extLst>
           </p:cNvPr>
@@ -12989,7 +12990,7 @@
           <p:cNvPr id="17" name="Текст 39">
             <a:extLst>
               <a:ext uri="{FF2B5EF4-FFF2-40B4-BE49-F238E27FC236}">
-                <a16:creationId xmlns="" xmlns:a16="http://schemas.microsoft.com/office/drawing/2014/main" id="{8B839C6B-8494-8841-9714-4C8F710F8400}"/>
+                <a16:creationId xmlns:a16="http://schemas.microsoft.com/office/drawing/2014/main" xmlns="" id="{8B839C6B-8494-8841-9714-4C8F710F8400}"/>
               </a:ext>
             </a:extLst>
           </p:cNvPr>
@@ -13087,7 +13088,7 @@
           <p:cNvPr id="18" name="Текст 22">
             <a:extLst>
               <a:ext uri="{FF2B5EF4-FFF2-40B4-BE49-F238E27FC236}">
-                <a16:creationId xmlns="" xmlns:a16="http://schemas.microsoft.com/office/drawing/2014/main" id="{4D940599-2B77-CE47-91E6-CDB51ADE1840}"/>
+                <a16:creationId xmlns:a16="http://schemas.microsoft.com/office/drawing/2014/main" xmlns="" id="{4D940599-2B77-CE47-91E6-CDB51ADE1840}"/>
               </a:ext>
             </a:extLst>
           </p:cNvPr>
@@ -13193,7 +13194,7 @@
           <p:cNvPr id="19" name="Текст 16">
             <a:extLst>
               <a:ext uri="{FF2B5EF4-FFF2-40B4-BE49-F238E27FC236}">
-                <a16:creationId xmlns="" xmlns:a16="http://schemas.microsoft.com/office/drawing/2014/main" id="{A7333712-9DED-4F4B-B209-2F13075EDB3F}"/>
+                <a16:creationId xmlns:a16="http://schemas.microsoft.com/office/drawing/2014/main" xmlns="" id="{A7333712-9DED-4F4B-B209-2F13075EDB3F}"/>
               </a:ext>
             </a:extLst>
           </p:cNvPr>
@@ -13317,7 +13318,7 @@
           <p:cNvPr id="20" name="Таблица 18">
             <a:extLst>
               <a:ext uri="{FF2B5EF4-FFF2-40B4-BE49-F238E27FC236}">
-                <a16:creationId xmlns="" xmlns:a16="http://schemas.microsoft.com/office/drawing/2014/main" id="{DD467C42-8209-B740-8419-DBB6A6F7D5EE}"/>
+                <a16:creationId xmlns:a16="http://schemas.microsoft.com/office/drawing/2014/main" xmlns="" id="{DD467C42-8209-B740-8419-DBB6A6F7D5EE}"/>
               </a:ext>
             </a:extLst>
           </p:cNvPr>
@@ -13347,7 +13348,7 @@
           <p:cNvPr id="21" name="Текст 35">
             <a:extLst>
               <a:ext uri="{FF2B5EF4-FFF2-40B4-BE49-F238E27FC236}">
-                <a16:creationId xmlns="" xmlns:a16="http://schemas.microsoft.com/office/drawing/2014/main" id="{B4309850-76EA-224C-A9E2-B6BBDBF99DE2}"/>
+                <a16:creationId xmlns:a16="http://schemas.microsoft.com/office/drawing/2014/main" xmlns="" id="{B4309850-76EA-224C-A9E2-B6BBDBF99DE2}"/>
               </a:ext>
             </a:extLst>
           </p:cNvPr>
@@ -14061,7 +14062,7 @@
           <p:cNvPr id="2" name="Title Placeholder 1">
             <a:extLst>
               <a:ext uri="{FF2B5EF4-FFF2-40B4-BE49-F238E27FC236}">
-                <a16:creationId xmlns="" xmlns:a16="http://schemas.microsoft.com/office/drawing/2014/main" id="{D33F8FDE-7383-E947-8568-FF6B7A77655A}"/>
+                <a16:creationId xmlns:a16="http://schemas.microsoft.com/office/drawing/2014/main" xmlns="" id="{D33F8FDE-7383-E947-8568-FF6B7A77655A}"/>
               </a:ext>
             </a:extLst>
           </p:cNvPr>
@@ -14100,7 +14101,7 @@
           <p:cNvPr id="3" name="Text Placeholder 2">
             <a:extLst>
               <a:ext uri="{FF2B5EF4-FFF2-40B4-BE49-F238E27FC236}">
-                <a16:creationId xmlns="" xmlns:a16="http://schemas.microsoft.com/office/drawing/2014/main" id="{6F8E6541-45CA-8B42-98B4-D42737B8509B}"/>
+                <a16:creationId xmlns:a16="http://schemas.microsoft.com/office/drawing/2014/main" xmlns="" id="{6F8E6541-45CA-8B42-98B4-D42737B8509B}"/>
               </a:ext>
             </a:extLst>
           </p:cNvPr>
@@ -14168,7 +14169,7 @@
           <p:cNvPr id="4" name="Date Placeholder 3">
             <a:extLst>
               <a:ext uri="{FF2B5EF4-FFF2-40B4-BE49-F238E27FC236}">
-                <a16:creationId xmlns="" xmlns:a16="http://schemas.microsoft.com/office/drawing/2014/main" id="{0E70645B-C5D9-8544-BBF2-E4A13F8E4054}"/>
+                <a16:creationId xmlns:a16="http://schemas.microsoft.com/office/drawing/2014/main" xmlns="" id="{0E70645B-C5D9-8544-BBF2-E4A13F8E4054}"/>
               </a:ext>
             </a:extLst>
           </p:cNvPr>
@@ -14215,7 +14216,7 @@
           <p:cNvPr id="5" name="Footer Placeholder 4">
             <a:extLst>
               <a:ext uri="{FF2B5EF4-FFF2-40B4-BE49-F238E27FC236}">
-                <a16:creationId xmlns="" xmlns:a16="http://schemas.microsoft.com/office/drawing/2014/main" id="{71F52289-7F57-544F-95EE-F8B2E106276A}"/>
+                <a16:creationId xmlns:a16="http://schemas.microsoft.com/office/drawing/2014/main" xmlns="" id="{71F52289-7F57-544F-95EE-F8B2E106276A}"/>
               </a:ext>
             </a:extLst>
           </p:cNvPr>
@@ -14258,7 +14259,7 @@
           <p:cNvPr id="6" name="Slide Number Placeholder 5">
             <a:extLst>
               <a:ext uri="{FF2B5EF4-FFF2-40B4-BE49-F238E27FC236}">
-                <a16:creationId xmlns="" xmlns:a16="http://schemas.microsoft.com/office/drawing/2014/main" id="{A11C5F56-F795-5643-ABE3-DDED2186989C}"/>
+                <a16:creationId xmlns:a16="http://schemas.microsoft.com/office/drawing/2014/main" xmlns="" id="{A11C5F56-F795-5643-ABE3-DDED2186989C}"/>
               </a:ext>
             </a:extLst>
           </p:cNvPr>
@@ -14627,7 +14628,7 @@
           <p:cNvPr id="2" name="Заголовок 1">
             <a:extLst>
               <a:ext uri="{FF2B5EF4-FFF2-40B4-BE49-F238E27FC236}">
-                <a16:creationId xmlns="" xmlns:a16="http://schemas.microsoft.com/office/drawing/2014/main" id="{8CD95C0D-D7DC-EF40-9E45-F5F0A4817CD2}"/>
+                <a16:creationId xmlns:a16="http://schemas.microsoft.com/office/drawing/2014/main" xmlns="" id="{8CD95C0D-D7DC-EF40-9E45-F5F0A4817CD2}"/>
               </a:ext>
             </a:extLst>
           </p:cNvPr>
@@ -14667,7 +14668,7 @@
           <p:cNvPr id="3" name="Текст 2">
             <a:extLst>
               <a:ext uri="{FF2B5EF4-FFF2-40B4-BE49-F238E27FC236}">
-                <a16:creationId xmlns="" xmlns:a16="http://schemas.microsoft.com/office/drawing/2014/main" id="{2B85EA7E-BEC4-B745-B2A8-D4E4AFC614FC}"/>
+                <a16:creationId xmlns:a16="http://schemas.microsoft.com/office/drawing/2014/main" xmlns="" id="{2B85EA7E-BEC4-B745-B2A8-D4E4AFC614FC}"/>
               </a:ext>
             </a:extLst>
           </p:cNvPr>
@@ -14707,7 +14708,7 @@
           <p:cNvPr id="4" name="Текст 3">
             <a:extLst>
               <a:ext uri="{FF2B5EF4-FFF2-40B4-BE49-F238E27FC236}">
-                <a16:creationId xmlns="" xmlns:a16="http://schemas.microsoft.com/office/drawing/2014/main" id="{DB8D49EC-434A-5443-AC3F-85F01995E632}"/>
+                <a16:creationId xmlns:a16="http://schemas.microsoft.com/office/drawing/2014/main" xmlns="" id="{DB8D49EC-434A-5443-AC3F-85F01995E632}"/>
               </a:ext>
             </a:extLst>
           </p:cNvPr>
@@ -14745,7 +14746,7 @@
           <p:cNvPr id="5" name="Текст 4">
             <a:extLst>
               <a:ext uri="{FF2B5EF4-FFF2-40B4-BE49-F238E27FC236}">
-                <a16:creationId xmlns="" xmlns:a16="http://schemas.microsoft.com/office/drawing/2014/main" id="{C6FAE0FA-3CAF-BA4B-8F9F-5FEF3C2F3CC6}"/>
+                <a16:creationId xmlns:a16="http://schemas.microsoft.com/office/drawing/2014/main" xmlns="" id="{C6FAE0FA-3CAF-BA4B-8F9F-5FEF3C2F3CC6}"/>
               </a:ext>
             </a:extLst>
           </p:cNvPr>
@@ -14780,7 +14781,7 @@
           <p:cNvPr id="6" name="Текст 5">
             <a:extLst>
               <a:ext uri="{FF2B5EF4-FFF2-40B4-BE49-F238E27FC236}">
-                <a16:creationId xmlns="" xmlns:a16="http://schemas.microsoft.com/office/drawing/2014/main" id="{44AFB2BF-A7AB-5648-ADCD-2A7F1BD35815}"/>
+                <a16:creationId xmlns:a16="http://schemas.microsoft.com/office/drawing/2014/main" xmlns="" id="{44AFB2BF-A7AB-5648-ADCD-2A7F1BD35815}"/>
               </a:ext>
             </a:extLst>
           </p:cNvPr>
@@ -14817,11 +14818,7 @@
             </a:r>
             <a:r>
               <a:rPr lang="en-US" dirty="0" smtClean="0"/>
-              <a:t>Memorization Numerical </a:t>
-            </a:r>
-            <a:r>
-              <a:rPr lang="en-US" dirty="0" smtClean="0"/>
-              <a:t>Data Using </a:t>
+              <a:t>Memorization Numerical Data Using </a:t>
             </a:r>
             <a:r>
               <a:rPr lang="en-US" dirty="0"/>
@@ -14942,7 +14939,7 @@
           <p:cNvPr id="2" name="Текст 1">
             <a:extLst>
               <a:ext uri="{FF2B5EF4-FFF2-40B4-BE49-F238E27FC236}">
-                <a16:creationId xmlns="" xmlns:a16="http://schemas.microsoft.com/office/drawing/2014/main" id="{2FFBD88B-BF2A-8F44-B648-677BB7D9750D}"/>
+                <a16:creationId xmlns:a16="http://schemas.microsoft.com/office/drawing/2014/main" xmlns="" id="{2FFBD88B-BF2A-8F44-B648-677BB7D9750D}"/>
               </a:ext>
             </a:extLst>
           </p:cNvPr>
@@ -14979,7 +14976,7 @@
           <p:cNvPr id="3" name="Текст 2">
             <a:extLst>
               <a:ext uri="{FF2B5EF4-FFF2-40B4-BE49-F238E27FC236}">
-                <a16:creationId xmlns="" xmlns:a16="http://schemas.microsoft.com/office/drawing/2014/main" id="{BD6DFA47-ACB8-5246-AC9C-19D438CF658E}"/>
+                <a16:creationId xmlns:a16="http://schemas.microsoft.com/office/drawing/2014/main" xmlns="" id="{BD6DFA47-ACB8-5246-AC9C-19D438CF658E}"/>
               </a:ext>
             </a:extLst>
           </p:cNvPr>
@@ -15027,7 +15024,7 @@
           <p:cNvPr id="4" name="Текст 3">
             <a:extLst>
               <a:ext uri="{FF2B5EF4-FFF2-40B4-BE49-F238E27FC236}">
-                <a16:creationId xmlns="" xmlns:a16="http://schemas.microsoft.com/office/drawing/2014/main" id="{49A5DD86-C5F3-5843-B60F-AC26E1B16228}"/>
+                <a16:creationId xmlns:a16="http://schemas.microsoft.com/office/drawing/2014/main" xmlns="" id="{49A5DD86-C5F3-5843-B60F-AC26E1B16228}"/>
               </a:ext>
             </a:extLst>
           </p:cNvPr>
@@ -15046,11 +15043,11 @@
             <a:pPr lvl="0"/>
             <a:r>
               <a:rPr lang="ru-RU" dirty="0" smtClean="0"/>
-              <a:t>Особенности</a:t>
-            </a:r>
-            <a:br>
-              <a:rPr lang="ru-RU" dirty="0" smtClean="0"/>
-            </a:br>
+              <a:t>Выбор средств</a:t>
+            </a:r>
+          </a:p>
+          <a:p>
+            <a:pPr lvl="0"/>
             <a:r>
               <a:rPr lang="ru-RU" dirty="0" smtClean="0"/>
               <a:t>реализации </a:t>
@@ -15064,7 +15061,7 @@
           <p:cNvPr id="5" name="Заголовок 4">
             <a:extLst>
               <a:ext uri="{FF2B5EF4-FFF2-40B4-BE49-F238E27FC236}">
-                <a16:creationId xmlns="" xmlns:a16="http://schemas.microsoft.com/office/drawing/2014/main" id="{D060AA73-8574-054A-B94B-1EAA5FAB0470}"/>
+                <a16:creationId xmlns:a16="http://schemas.microsoft.com/office/drawing/2014/main" xmlns="" id="{D060AA73-8574-054A-B94B-1EAA5FAB0470}"/>
               </a:ext>
             </a:extLst>
           </p:cNvPr>
@@ -15077,7 +15074,7 @@
         </p:nvSpPr>
         <p:spPr>
           <a:xfrm>
-            <a:off x="7004987" y="1319774"/>
+            <a:off x="540179" y="1466078"/>
             <a:ext cx="4322530" cy="777025"/>
           </a:xfrm>
         </p:spPr>
@@ -15090,7 +15087,7 @@
             <a:pPr lvl="0"/>
             <a:r>
               <a:rPr lang="ru-RU" dirty="0"/>
-              <a:t>Особенности</a:t>
+              <a:t>Выбор средств</a:t>
             </a:r>
             <a:br>
               <a:rPr lang="ru-RU" dirty="0"/>
@@ -15107,7 +15104,7 @@
           <p:cNvPr id="6" name="Текст 5">
             <a:extLst>
               <a:ext uri="{FF2B5EF4-FFF2-40B4-BE49-F238E27FC236}">
-                <a16:creationId xmlns="" xmlns:a16="http://schemas.microsoft.com/office/drawing/2014/main" id="{5E7B9744-FF5D-DB4B-8DCD-FF4C0C57287E}"/>
+                <a16:creationId xmlns:a16="http://schemas.microsoft.com/office/drawing/2014/main" xmlns="" id="{5E7B9744-FF5D-DB4B-8DCD-FF4C0C57287E}"/>
               </a:ext>
             </a:extLst>
           </p:cNvPr>
@@ -15120,25 +15117,435 @@
         </p:nvSpPr>
         <p:spPr>
           <a:xfrm>
-            <a:off x="7004986" y="2822677"/>
-            <a:ext cx="4322531" cy="2399371"/>
+            <a:off x="540178" y="2359152"/>
+            <a:ext cx="4322531" cy="4032504"/>
           </a:xfrm>
         </p:spPr>
         <p:txBody>
-          <a:bodyPr/>
+          <a:bodyPr>
+            <a:noAutofit/>
+          </a:bodyPr>
           <a:lstStyle/>
           <a:p>
             <a:r>
+              <a:rPr lang="ru-RU" dirty="0" smtClean="0"/>
+              <a:t>Разработка </a:t>
+            </a:r>
+            <a:r>
               <a:rPr lang="ru-RU" dirty="0"/>
-              <a:t>Для оформления графиков, таблиц, диаграмм могут потребоваться дополнительные цвета и вы совершенно правы, задавая вопрос, какие цвета использовать и где их взять. Мы предлагаем использовать палитру цветов Вышки для этих целей.</a:t>
-            </a:r>
+              <a:t>велась в </a:t>
+            </a:r>
+            <a:r>
+              <a:rPr lang="ru-RU" dirty="0" err="1"/>
+              <a:t>Android</a:t>
+            </a:r>
+            <a:r>
+              <a:rPr lang="ru-RU" dirty="0"/>
+              <a:t> </a:t>
+            </a:r>
+            <a:r>
+              <a:rPr lang="ru-RU" dirty="0" err="1"/>
+              <a:t>Studio</a:t>
+            </a:r>
+            <a:r>
+              <a:rPr lang="ru-RU" dirty="0"/>
+              <a:t>. </a:t>
+            </a:r>
+            <a:r>
+              <a:rPr lang="ru-RU" dirty="0" err="1"/>
+              <a:t>Android</a:t>
+            </a:r>
+            <a:r>
+              <a:rPr lang="ru-RU" dirty="0"/>
+              <a:t> </a:t>
+            </a:r>
+            <a:r>
+              <a:rPr lang="ru-RU" dirty="0" err="1"/>
+              <a:t>Studio</a:t>
+            </a:r>
+            <a:r>
+              <a:rPr lang="ru-RU" dirty="0"/>
+              <a:t> — интегрированная среда разработки для работы с платформой </a:t>
+            </a:r>
+            <a:r>
+              <a:rPr lang="ru-RU" dirty="0" err="1"/>
+              <a:t>Android</a:t>
+            </a:r>
+            <a:r>
+              <a:rPr lang="ru-RU" dirty="0"/>
+              <a:t>, анонсированная 16 мая 2013 года на конференции </a:t>
+            </a:r>
+            <a:r>
+              <a:rPr lang="ru-RU" dirty="0" err="1"/>
+              <a:t>Google</a:t>
+            </a:r>
+            <a:r>
+              <a:rPr lang="ru-RU" dirty="0"/>
+              <a:t> </a:t>
+            </a:r>
+            <a:r>
+              <a:rPr lang="ru-RU" dirty="0" smtClean="0"/>
+              <a:t>I/O</a:t>
+            </a:r>
+            <a:r>
+              <a:rPr lang="en-US" dirty="0" smtClean="0"/>
+              <a:t>.</a:t>
+            </a:r>
+            <a:br>
+              <a:rPr lang="en-US" dirty="0" smtClean="0"/>
+            </a:br>
+            <a:r>
+              <a:rPr lang="en-US" dirty="0" smtClean="0"/>
+              <a:t/>
+            </a:r>
+            <a:br>
+              <a:rPr lang="en-US" dirty="0" smtClean="0"/>
+            </a:br>
+            <a:endParaRPr lang="ru-RU" dirty="0"/>
           </a:p>
         </p:txBody>
       </p:sp>
+      <p:sp>
+        <p:nvSpPr>
+          <p:cNvPr id="7" name="Текст 5">
+            <a:extLst>
+              <a:ext uri="{FF2B5EF4-FFF2-40B4-BE49-F238E27FC236}">
+                <a16:creationId xmlns:a16="http://schemas.microsoft.com/office/drawing/2014/main" xmlns="" id="{5E7B9744-FF5D-DB4B-8DCD-FF4C0C57287E}"/>
+              </a:ext>
+            </a:extLst>
+          </p:cNvPr>
+          <p:cNvSpPr>
+            <a:spLocks noGrp="1"/>
+          </p:cNvSpPr>
+          <p:nvPr>
+            <p:ph type="body" sz="quarter" idx="12"/>
+          </p:nvPr>
+        </p:nvSpPr>
+        <p:spPr>
+          <a:xfrm>
+            <a:off x="5849794" y="1240536"/>
+            <a:ext cx="4322531" cy="4032504"/>
+          </a:xfrm>
+        </p:spPr>
+        <p:txBody>
+          <a:bodyPr>
+            <a:noAutofit/>
+          </a:bodyPr>
+          <a:lstStyle/>
+          <a:p>
+            <a:r>
+              <a:rPr lang="ru-RU" dirty="0" smtClean="0"/>
+              <a:t>Необходимое </a:t>
+            </a:r>
+            <a:r>
+              <a:rPr lang="ru-RU" dirty="0"/>
+              <a:t>для разработки </a:t>
+            </a:r>
+            <a:r>
+              <a:rPr lang="ru-RU" dirty="0" smtClean="0"/>
+              <a:t>оборудование</a:t>
+            </a:r>
+            <a:r>
+              <a:rPr lang="en-US" dirty="0"/>
+              <a:t> </a:t>
+            </a:r>
+            <a:r>
+              <a:rPr lang="en-US" dirty="0" smtClean="0"/>
+              <a:t>— </a:t>
+            </a:r>
+            <a:r>
+              <a:rPr lang="ru-RU" dirty="0" smtClean="0"/>
+              <a:t>компьютер</a:t>
+            </a:r>
+            <a:r>
+              <a:rPr lang="ru-RU" dirty="0"/>
+              <a:t>, обладающий следующими системными </a:t>
+            </a:r>
+            <a:r>
+              <a:rPr lang="ru-RU" dirty="0" smtClean="0"/>
+              <a:t>требованиями:</a:t>
+            </a:r>
+          </a:p>
+          <a:p>
+            <a:pPr marL="285750" indent="-285750">
+              <a:buFont typeface="Arial" panose="020B0604020202020204" pitchFamily="34" charset="0"/>
+              <a:buChar char="•"/>
+            </a:pPr>
+            <a:r>
+              <a:rPr lang="ru-RU" dirty="0" smtClean="0"/>
+              <a:t>Операционные </a:t>
+            </a:r>
+            <a:r>
+              <a:rPr lang="ru-RU" dirty="0"/>
+              <a:t>системы </a:t>
+            </a:r>
+            <a:r>
+              <a:rPr lang="en-US" dirty="0"/>
+              <a:t>Microsoft Windows 11/10/8/7/Vista (64-bit), Apple </a:t>
+            </a:r>
+            <a:r>
+              <a:rPr lang="en-US" dirty="0" err="1"/>
+              <a:t>macOS</a:t>
+            </a:r>
+            <a:r>
+              <a:rPr lang="en-US" dirty="0"/>
+              <a:t> 10.8.5 </a:t>
+            </a:r>
+            <a:r>
+              <a:rPr lang="ru-RU" dirty="0"/>
+              <a:t>или выше, до 10.13 (</a:t>
+            </a:r>
+            <a:r>
+              <a:rPr lang="en-US" dirty="0"/>
+              <a:t>High Sierra)/ 10.14 (Mojave), Linux GNOME </a:t>
+            </a:r>
+            <a:r>
+              <a:rPr lang="ru-RU" dirty="0"/>
+              <a:t>или </a:t>
+            </a:r>
+            <a:r>
+              <a:rPr lang="en-US" dirty="0"/>
+              <a:t>KDE;  </a:t>
+            </a:r>
+            <a:r>
+              <a:rPr lang="ru-RU" dirty="0"/>
+              <a:t>Процессор </a:t>
+            </a:r>
+            <a:r>
+              <a:rPr lang="en-US" dirty="0"/>
+              <a:t>x86-64 Intel </a:t>
+            </a:r>
+            <a:r>
+              <a:rPr lang="ru-RU" dirty="0"/>
+              <a:t>с поддержкой </a:t>
+            </a:r>
+            <a:r>
+              <a:rPr lang="en-US" dirty="0"/>
+              <a:t>VT-x, </a:t>
+            </a:r>
+            <a:r>
+              <a:rPr lang="ru-RU" dirty="0"/>
+              <a:t>или </a:t>
+            </a:r>
+            <a:r>
+              <a:rPr lang="en-US" dirty="0"/>
+              <a:t>AMD </a:t>
+            </a:r>
+            <a:r>
+              <a:rPr lang="ru-RU" dirty="0"/>
+              <a:t>с поддержкой </a:t>
+            </a:r>
+            <a:r>
+              <a:rPr lang="en-US" dirty="0"/>
+              <a:t>AMD-V, </a:t>
+            </a:r>
+            <a:r>
+              <a:rPr lang="ru-RU" dirty="0"/>
+              <a:t>или </a:t>
+            </a:r>
+            <a:r>
+              <a:rPr lang="en-US" dirty="0"/>
+              <a:t>ARM (</a:t>
+            </a:r>
+            <a:r>
+              <a:rPr lang="ru-RU" dirty="0"/>
+              <a:t>для </a:t>
+            </a:r>
+            <a:r>
+              <a:rPr lang="en-US" dirty="0"/>
+              <a:t>Apple);  </a:t>
+            </a:r>
+            <a:endParaRPr lang="ru-RU" dirty="0" smtClean="0"/>
+          </a:p>
+          <a:p>
+            <a:pPr marL="285750" indent="-285750">
+              <a:buFont typeface="Arial" panose="020B0604020202020204" pitchFamily="34" charset="0"/>
+              <a:buChar char="•"/>
+            </a:pPr>
+            <a:r>
+              <a:rPr lang="ru-RU" dirty="0" smtClean="0"/>
+              <a:t>Оперативная </a:t>
+            </a:r>
+            <a:r>
+              <a:rPr lang="ru-RU" dirty="0"/>
+              <a:t>память 8 ГБ (минимум), 16 ГБ (рекомендуется);  </a:t>
+            </a:r>
+            <a:endParaRPr lang="ru-RU" dirty="0" smtClean="0"/>
+          </a:p>
+          <a:p>
+            <a:pPr marL="285750" indent="-285750">
+              <a:buFont typeface="Arial" panose="020B0604020202020204" pitchFamily="34" charset="0"/>
+              <a:buChar char="•"/>
+            </a:pPr>
+            <a:r>
+              <a:rPr lang="ru-RU" dirty="0" smtClean="0"/>
+              <a:t>Свободное </a:t>
+            </a:r>
+            <a:r>
+              <a:rPr lang="ru-RU" dirty="0"/>
+              <a:t>место на диске 8 ГБ минимум (2,5 ГБ для </a:t>
+            </a:r>
+            <a:r>
+              <a:rPr lang="en-US" dirty="0"/>
+              <a:t>IDE + 5.5 </a:t>
+            </a:r>
+            <a:r>
+              <a:rPr lang="ru-RU" dirty="0"/>
+              <a:t>ГБ для </a:t>
+            </a:r>
+            <a:r>
+              <a:rPr lang="en-US" dirty="0"/>
+              <a:t>Android SDK </a:t>
+            </a:r>
+            <a:r>
+              <a:rPr lang="ru-RU" dirty="0"/>
+              <a:t>и образа системы эмулятора), 32 ГБ </a:t>
+            </a:r>
+            <a:r>
+              <a:rPr lang="en-US" dirty="0"/>
+              <a:t>SSD (</a:t>
+            </a:r>
+            <a:r>
+              <a:rPr lang="ru-RU" dirty="0"/>
+              <a:t>рекомендуется);  </a:t>
+            </a:r>
+            <a:endParaRPr lang="ru-RU" dirty="0" smtClean="0"/>
+          </a:p>
+          <a:p>
+            <a:pPr marL="285750" indent="-285750">
+              <a:buFont typeface="Arial" panose="020B0604020202020204" pitchFamily="34" charset="0"/>
+              <a:buChar char="•"/>
+            </a:pPr>
+            <a:r>
+              <a:rPr lang="ru-RU" dirty="0" smtClean="0"/>
+              <a:t>Версия </a:t>
+            </a:r>
+            <a:r>
+              <a:rPr lang="en-US" dirty="0"/>
+              <a:t>JDK Java Development Kit 8;  </a:t>
+            </a:r>
+            <a:endParaRPr lang="ru-RU" dirty="0" smtClean="0"/>
+          </a:p>
+          <a:p>
+            <a:pPr marL="285750" indent="-285750">
+              <a:buFont typeface="Arial" panose="020B0604020202020204" pitchFamily="34" charset="0"/>
+              <a:buChar char="•"/>
+            </a:pPr>
+            <a:r>
+              <a:rPr lang="ru-RU" dirty="0" smtClean="0"/>
+              <a:t>Разрешение </a:t>
+            </a:r>
+            <a:r>
+              <a:rPr lang="ru-RU" dirty="0"/>
+              <a:t>экрана 1280 </a:t>
+            </a:r>
+            <a:r>
+              <a:rPr lang="en-US" dirty="0"/>
+              <a:t>x 800 (</a:t>
+            </a:r>
+            <a:r>
+              <a:rPr lang="ru-RU" dirty="0"/>
+              <a:t>минимум);  </a:t>
+            </a:r>
+            <a:endParaRPr lang="ru-RU" dirty="0" smtClean="0"/>
+          </a:p>
+          <a:p>
+            <a:pPr marL="285750" indent="-285750">
+              <a:buFont typeface="Arial" panose="020B0604020202020204" pitchFamily="34" charset="0"/>
+              <a:buChar char="•"/>
+            </a:pPr>
+            <a:r>
+              <a:rPr lang="ru-RU" dirty="0" smtClean="0"/>
+              <a:t>Дополнительно </a:t>
+            </a:r>
+            <a:r>
+              <a:rPr lang="ru-RU" dirty="0"/>
+              <a:t>для </a:t>
+            </a:r>
+            <a:r>
+              <a:rPr lang="en-US" dirty="0" err="1"/>
+              <a:t>MacOS</a:t>
+            </a:r>
+            <a:r>
+              <a:rPr lang="en-US" dirty="0"/>
+              <a:t> </a:t>
+            </a:r>
+            <a:r>
+              <a:rPr lang="ru-RU" dirty="0"/>
+              <a:t>требуется </a:t>
+            </a:r>
+            <a:r>
+              <a:rPr lang="en-US" dirty="0"/>
+              <a:t>Java Runtime Environment (JRE) 6, </a:t>
+            </a:r>
+            <a:r>
+              <a:rPr lang="ru-RU" dirty="0"/>
+              <a:t>для </a:t>
+            </a:r>
+            <a:r>
+              <a:rPr lang="en-US" dirty="0"/>
+              <a:t>Linux GNU C Library (</a:t>
+            </a:r>
+            <a:r>
+              <a:rPr lang="en-US" dirty="0" err="1"/>
+              <a:t>glibc</a:t>
+            </a:r>
+            <a:r>
+              <a:rPr lang="en-US" dirty="0"/>
+              <a:t>) 2.31 </a:t>
+            </a:r>
+            <a:r>
+              <a:rPr lang="ru-RU" dirty="0"/>
+              <a:t>или выше.</a:t>
+            </a:r>
+          </a:p>
+        </p:txBody>
+      </p:sp>
+      <p:pic>
+        <p:nvPicPr>
+          <p:cNvPr id="3074" name="Picture 2" descr="Файл:Android Studio Trademark.svg — Википедия"/>
+          <p:cNvPicPr>
+            <a:picLocks noChangeAspect="1" noChangeArrowheads="1"/>
+          </p:cNvPicPr>
+          <p:nvPr/>
+        </p:nvPicPr>
+        <p:blipFill>
+          <a:blip r:embed="rId3">
+            <a:extLst>
+              <a:ext uri="{28A0092B-C50C-407E-A947-70E740481C1C}">
+                <a14:useLocalDpi xmlns:a14="http://schemas.microsoft.com/office/drawing/2010/main" val="0"/>
+              </a:ext>
+            </a:extLst>
+          </a:blip>
+          <a:srcRect/>
+          <a:stretch>
+            <a:fillRect/>
+          </a:stretch>
+        </p:blipFill>
+        <p:spPr bwMode="auto">
+          <a:xfrm>
+            <a:off x="466128" y="3866545"/>
+            <a:ext cx="4965408" cy="1571087"/>
+          </a:xfrm>
+          <a:prstGeom prst="rect">
+            <a:avLst/>
+          </a:prstGeom>
+          <a:noFill/>
+          <a:extLst>
+            <a:ext uri="{909E8E84-426E-40DD-AFC4-6F175D3DCCD1}">
+              <a14:hiddenFill xmlns:a14="http://schemas.microsoft.com/office/drawing/2010/main">
+                <a:solidFill>
+                  <a:srgbClr val="FFFFFF"/>
+                </a:solidFill>
+              </a14:hiddenFill>
+            </a:ext>
+          </a:extLst>
+        </p:spPr>
+      </p:pic>
     </p:spTree>
     <p:extLst>
       <p:ext uri="{BB962C8B-B14F-4D97-AF65-F5344CB8AC3E}">
-        <p14:creationId xmlns:p14="http://schemas.microsoft.com/office/powerpoint/2010/main" val="2801224041"/>
+        <p14:creationId xmlns:p14="http://schemas.microsoft.com/office/powerpoint/2010/main" val="2867289658"/>
       </p:ext>
     </p:extLst>
   </p:cSld>
@@ -15170,7 +15577,7 @@
           <p:cNvPr id="2" name="Текст 1">
             <a:extLst>
               <a:ext uri="{FF2B5EF4-FFF2-40B4-BE49-F238E27FC236}">
-                <a16:creationId xmlns="" xmlns:a16="http://schemas.microsoft.com/office/drawing/2014/main" id="{2FFBD88B-BF2A-8F44-B648-677BB7D9750D}"/>
+                <a16:creationId xmlns:a16="http://schemas.microsoft.com/office/drawing/2014/main" xmlns="" id="{2FFBD88B-BF2A-8F44-B648-677BB7D9750D}"/>
               </a:ext>
             </a:extLst>
           </p:cNvPr>
@@ -15207,7 +15614,7 @@
           <p:cNvPr id="3" name="Текст 2">
             <a:extLst>
               <a:ext uri="{FF2B5EF4-FFF2-40B4-BE49-F238E27FC236}">
-                <a16:creationId xmlns="" xmlns:a16="http://schemas.microsoft.com/office/drawing/2014/main" id="{BD6DFA47-ACB8-5246-AC9C-19D438CF658E}"/>
+                <a16:creationId xmlns:a16="http://schemas.microsoft.com/office/drawing/2014/main" xmlns="" id="{BD6DFA47-ACB8-5246-AC9C-19D438CF658E}"/>
               </a:ext>
             </a:extLst>
           </p:cNvPr>
@@ -15255,7 +15662,235 @@
           <p:cNvPr id="4" name="Текст 3">
             <a:extLst>
               <a:ext uri="{FF2B5EF4-FFF2-40B4-BE49-F238E27FC236}">
-                <a16:creationId xmlns="" xmlns:a16="http://schemas.microsoft.com/office/drawing/2014/main" id="{49A5DD86-C5F3-5843-B60F-AC26E1B16228}"/>
+                <a16:creationId xmlns:a16="http://schemas.microsoft.com/office/drawing/2014/main" xmlns="" id="{49A5DD86-C5F3-5843-B60F-AC26E1B16228}"/>
+              </a:ext>
+            </a:extLst>
+          </p:cNvPr>
+          <p:cNvSpPr>
+            <a:spLocks noGrp="1"/>
+          </p:cNvSpPr>
+          <p:nvPr>
+            <p:ph type="body" sz="quarter" idx="15"/>
+          </p:nvPr>
+        </p:nvSpPr>
+        <p:spPr/>
+        <p:txBody>
+          <a:bodyPr/>
+          <a:lstStyle/>
+          <a:p>
+            <a:pPr lvl="0"/>
+            <a:r>
+              <a:rPr lang="ru-RU" dirty="0" smtClean="0"/>
+              <a:t>Особенности</a:t>
+            </a:r>
+            <a:br>
+              <a:rPr lang="ru-RU" dirty="0" smtClean="0"/>
+            </a:br>
+            <a:r>
+              <a:rPr lang="ru-RU" dirty="0" smtClean="0"/>
+              <a:t>реализации </a:t>
+            </a:r>
+            <a:endParaRPr lang="ru-RU" dirty="0"/>
+          </a:p>
+        </p:txBody>
+      </p:sp>
+      <p:sp>
+        <p:nvSpPr>
+          <p:cNvPr id="5" name="Заголовок 4">
+            <a:extLst>
+              <a:ext uri="{FF2B5EF4-FFF2-40B4-BE49-F238E27FC236}">
+                <a16:creationId xmlns:a16="http://schemas.microsoft.com/office/drawing/2014/main" xmlns="" id="{D060AA73-8574-054A-B94B-1EAA5FAB0470}"/>
+              </a:ext>
+            </a:extLst>
+          </p:cNvPr>
+          <p:cNvSpPr>
+            <a:spLocks noGrp="1"/>
+          </p:cNvSpPr>
+          <p:nvPr>
+            <p:ph type="title"/>
+          </p:nvPr>
+        </p:nvSpPr>
+        <p:spPr>
+          <a:xfrm>
+            <a:off x="7004987" y="1319774"/>
+            <a:ext cx="4322530" cy="777025"/>
+          </a:xfrm>
+        </p:spPr>
+        <p:txBody>
+          <a:bodyPr>
+            <a:normAutofit/>
+          </a:bodyPr>
+          <a:lstStyle/>
+          <a:p>
+            <a:pPr lvl="0"/>
+            <a:r>
+              <a:rPr lang="ru-RU" dirty="0"/>
+              <a:t>Особенности</a:t>
+            </a:r>
+            <a:br>
+              <a:rPr lang="ru-RU" dirty="0"/>
+            </a:br>
+            <a:r>
+              <a:rPr lang="ru-RU" dirty="0"/>
+              <a:t>реализации </a:t>
+            </a:r>
+          </a:p>
+        </p:txBody>
+      </p:sp>
+      <p:sp>
+        <p:nvSpPr>
+          <p:cNvPr id="6" name="Текст 5">
+            <a:extLst>
+              <a:ext uri="{FF2B5EF4-FFF2-40B4-BE49-F238E27FC236}">
+                <a16:creationId xmlns:a16="http://schemas.microsoft.com/office/drawing/2014/main" xmlns="" id="{5E7B9744-FF5D-DB4B-8DCD-FF4C0C57287E}"/>
+              </a:ext>
+            </a:extLst>
+          </p:cNvPr>
+          <p:cNvSpPr>
+            <a:spLocks noGrp="1"/>
+          </p:cNvSpPr>
+          <p:nvPr>
+            <p:ph type="body" sz="quarter" idx="12"/>
+          </p:nvPr>
+        </p:nvSpPr>
+        <p:spPr>
+          <a:xfrm>
+            <a:off x="7004986" y="2822677"/>
+            <a:ext cx="4322531" cy="2399371"/>
+          </a:xfrm>
+        </p:spPr>
+        <p:txBody>
+          <a:bodyPr/>
+          <a:lstStyle/>
+          <a:p>
+            <a:r>
+              <a:rPr lang="ru-RU" dirty="0"/>
+              <a:t>Для оформления графиков, таблиц, диаграмм могут потребоваться дополнительные цвета и вы совершенно правы, задавая вопрос, какие цвета использовать и где их взять. Мы предлагаем использовать палитру цветов Вышки для этих целей.</a:t>
+            </a:r>
+          </a:p>
+        </p:txBody>
+      </p:sp>
+    </p:spTree>
+    <p:extLst>
+      <p:ext uri="{BB962C8B-B14F-4D97-AF65-F5344CB8AC3E}">
+        <p14:creationId xmlns:p14="http://schemas.microsoft.com/office/powerpoint/2010/main" val="2801224041"/>
+      </p:ext>
+    </p:extLst>
+  </p:cSld>
+  <p:clrMapOvr>
+    <a:masterClrMapping/>
+  </p:clrMapOvr>
+</p:sld>
+</file>
+
+<file path=ppt/slides/slide12.xml><?xml version="1.0" encoding="utf-8"?>
+<p:sld xmlns:a="http://schemas.openxmlformats.org/drawingml/2006/main" xmlns:r="http://schemas.openxmlformats.org/officeDocument/2006/relationships" xmlns:p="http://schemas.openxmlformats.org/presentationml/2006/main">
+  <p:cSld>
+    <p:spTree>
+      <p:nvGrpSpPr>
+        <p:cNvPr id="1" name=""/>
+        <p:cNvGrpSpPr/>
+        <p:nvPr/>
+      </p:nvGrpSpPr>
+      <p:grpSpPr>
+        <a:xfrm>
+          <a:off x="0" y="0"/>
+          <a:ext cx="0" cy="0"/>
+          <a:chOff x="0" y="0"/>
+          <a:chExt cx="0" cy="0"/>
+        </a:xfrm>
+      </p:grpSpPr>
+      <p:sp>
+        <p:nvSpPr>
+          <p:cNvPr id="2" name="Текст 1">
+            <a:extLst>
+              <a:ext uri="{FF2B5EF4-FFF2-40B4-BE49-F238E27FC236}">
+                <a16:creationId xmlns:a16="http://schemas.microsoft.com/office/drawing/2014/main" xmlns="" id="{2FFBD88B-BF2A-8F44-B648-677BB7D9750D}"/>
+              </a:ext>
+            </a:extLst>
+          </p:cNvPr>
+          <p:cNvSpPr>
+            <a:spLocks noGrp="1"/>
+          </p:cNvSpPr>
+          <p:nvPr>
+            <p:ph type="body" sz="quarter" idx="13"/>
+          </p:nvPr>
+        </p:nvSpPr>
+        <p:spPr/>
+        <p:txBody>
+          <a:bodyPr/>
+          <a:lstStyle/>
+          <a:p>
+            <a:r>
+              <a:rPr lang="ru-RU" dirty="0"/>
+              <a:t>НИУ ВШЭ</a:t>
+            </a:r>
+          </a:p>
+          <a:p>
+            <a:r>
+              <a:rPr lang="ru-RU" dirty="0"/>
+              <a:t>ФКН ПИ</a:t>
+            </a:r>
+          </a:p>
+          <a:p>
+            <a:endParaRPr lang="ru-RU" dirty="0"/>
+          </a:p>
+        </p:txBody>
+      </p:sp>
+      <p:sp>
+        <p:nvSpPr>
+          <p:cNvPr id="3" name="Текст 2">
+            <a:extLst>
+              <a:ext uri="{FF2B5EF4-FFF2-40B4-BE49-F238E27FC236}">
+                <a16:creationId xmlns:a16="http://schemas.microsoft.com/office/drawing/2014/main" xmlns="" id="{BD6DFA47-ACB8-5246-AC9C-19D438CF658E}"/>
+              </a:ext>
+            </a:extLst>
+          </p:cNvPr>
+          <p:cNvSpPr>
+            <a:spLocks noGrp="1"/>
+          </p:cNvSpPr>
+          <p:nvPr>
+            <p:ph type="body" sz="quarter" idx="14"/>
+          </p:nvPr>
+        </p:nvSpPr>
+        <p:spPr/>
+        <p:txBody>
+          <a:bodyPr/>
+          <a:lstStyle/>
+          <a:p>
+            <a:r>
+              <a:rPr lang="en-US" dirty="0"/>
+              <a:t>Mnemonic </a:t>
+            </a:r>
+            <a:endParaRPr lang="ru-RU" dirty="0"/>
+          </a:p>
+          <a:p>
+            <a:r>
+              <a:rPr lang="en-US" dirty="0"/>
+              <a:t>systems app</a:t>
+            </a:r>
+            <a:endParaRPr lang="ru-RU" dirty="0"/>
+          </a:p>
+          <a:p>
+            <a:endParaRPr lang="ru-RU" dirty="0"/>
+          </a:p>
+          <a:p>
+            <a:endParaRPr lang="ru-RU" dirty="0"/>
+          </a:p>
+          <a:p>
+            <a:endParaRPr lang="ru-RU" dirty="0"/>
+          </a:p>
+          <a:p>
+            <a:endParaRPr lang="ru-RU" dirty="0"/>
+          </a:p>
+        </p:txBody>
+      </p:sp>
+      <p:sp>
+        <p:nvSpPr>
+          <p:cNvPr id="4" name="Текст 3">
+            <a:extLst>
+              <a:ext uri="{FF2B5EF4-FFF2-40B4-BE49-F238E27FC236}">
+                <a16:creationId xmlns:a16="http://schemas.microsoft.com/office/drawing/2014/main" xmlns="" id="{49A5DD86-C5F3-5843-B60F-AC26E1B16228}"/>
               </a:ext>
             </a:extLst>
           </p:cNvPr>
@@ -15566,411 +16201,6 @@
 </p:sld>
 </file>
 
-<file path=ppt/slides/slide12.xml><?xml version="1.0" encoding="utf-8"?>
-<p:sld xmlns:a="http://schemas.openxmlformats.org/drawingml/2006/main" xmlns:r="http://schemas.openxmlformats.org/officeDocument/2006/relationships" xmlns:p="http://schemas.openxmlformats.org/presentationml/2006/main">
-  <p:cSld>
-    <p:spTree>
-      <p:nvGrpSpPr>
-        <p:cNvPr id="1" name=""/>
-        <p:cNvGrpSpPr/>
-        <p:nvPr/>
-      </p:nvGrpSpPr>
-      <p:grpSpPr>
-        <a:xfrm>
-          <a:off x="0" y="0"/>
-          <a:ext cx="0" cy="0"/>
-          <a:chOff x="0" y="0"/>
-          <a:chExt cx="0" cy="0"/>
-        </a:xfrm>
-      </p:grpSpPr>
-      <p:sp>
-        <p:nvSpPr>
-          <p:cNvPr id="2" name="Текст 1">
-            <a:extLst>
-              <a:ext uri="{FF2B5EF4-FFF2-40B4-BE49-F238E27FC236}">
-                <a16:creationId xmlns="" xmlns:a16="http://schemas.microsoft.com/office/drawing/2014/main" id="{2FFBD88B-BF2A-8F44-B648-677BB7D9750D}"/>
-              </a:ext>
-            </a:extLst>
-          </p:cNvPr>
-          <p:cNvSpPr>
-            <a:spLocks noGrp="1"/>
-          </p:cNvSpPr>
-          <p:nvPr>
-            <p:ph type="body" sz="quarter" idx="13"/>
-          </p:nvPr>
-        </p:nvSpPr>
-        <p:spPr/>
-        <p:txBody>
-          <a:bodyPr/>
-          <a:lstStyle/>
-          <a:p>
-            <a:r>
-              <a:rPr lang="ru-RU" dirty="0"/>
-              <a:t>НИУ ВШЭ</a:t>
-            </a:r>
-          </a:p>
-          <a:p>
-            <a:r>
-              <a:rPr lang="ru-RU" dirty="0"/>
-              <a:t>ФКН ПИ</a:t>
-            </a:r>
-          </a:p>
-          <a:p>
-            <a:endParaRPr lang="ru-RU" dirty="0"/>
-          </a:p>
-        </p:txBody>
-      </p:sp>
-      <p:sp>
-        <p:nvSpPr>
-          <p:cNvPr id="3" name="Текст 2">
-            <a:extLst>
-              <a:ext uri="{FF2B5EF4-FFF2-40B4-BE49-F238E27FC236}">
-                <a16:creationId xmlns="" xmlns:a16="http://schemas.microsoft.com/office/drawing/2014/main" id="{BD6DFA47-ACB8-5246-AC9C-19D438CF658E}"/>
-              </a:ext>
-            </a:extLst>
-          </p:cNvPr>
-          <p:cNvSpPr>
-            <a:spLocks noGrp="1"/>
-          </p:cNvSpPr>
-          <p:nvPr>
-            <p:ph type="body" sz="quarter" idx="14"/>
-          </p:nvPr>
-        </p:nvSpPr>
-        <p:spPr/>
-        <p:txBody>
-          <a:bodyPr/>
-          <a:lstStyle/>
-          <a:p>
-            <a:r>
-              <a:rPr lang="en-US" dirty="0"/>
-              <a:t>Mnemonic </a:t>
-            </a:r>
-            <a:endParaRPr lang="ru-RU" dirty="0"/>
-          </a:p>
-          <a:p>
-            <a:r>
-              <a:rPr lang="en-US" dirty="0"/>
-              <a:t>systems app</a:t>
-            </a:r>
-            <a:endParaRPr lang="ru-RU" dirty="0"/>
-          </a:p>
-          <a:p>
-            <a:endParaRPr lang="ru-RU" dirty="0"/>
-          </a:p>
-          <a:p>
-            <a:endParaRPr lang="ru-RU" dirty="0"/>
-          </a:p>
-          <a:p>
-            <a:endParaRPr lang="ru-RU" dirty="0"/>
-          </a:p>
-          <a:p>
-            <a:endParaRPr lang="ru-RU" dirty="0"/>
-          </a:p>
-        </p:txBody>
-      </p:sp>
-      <p:sp>
-        <p:nvSpPr>
-          <p:cNvPr id="4" name="Текст 3">
-            <a:extLst>
-              <a:ext uri="{FF2B5EF4-FFF2-40B4-BE49-F238E27FC236}">
-                <a16:creationId xmlns="" xmlns:a16="http://schemas.microsoft.com/office/drawing/2014/main" id="{49A5DD86-C5F3-5843-B60F-AC26E1B16228}"/>
-              </a:ext>
-            </a:extLst>
-          </p:cNvPr>
-          <p:cNvSpPr>
-            <a:spLocks noGrp="1"/>
-          </p:cNvSpPr>
-          <p:nvPr>
-            <p:ph type="body" sz="quarter" idx="15"/>
-          </p:nvPr>
-        </p:nvSpPr>
-        <p:spPr/>
-        <p:txBody>
-          <a:bodyPr/>
-          <a:lstStyle/>
-          <a:p>
-            <a:pPr lvl="0"/>
-            <a:r>
-              <a:rPr lang="ru-RU" dirty="0" smtClean="0"/>
-              <a:t>Направления</a:t>
-            </a:r>
-          </a:p>
-          <a:p>
-            <a:pPr lvl="0"/>
-            <a:r>
-              <a:rPr lang="ru-RU" dirty="0" smtClean="0"/>
-              <a:t>дальнейшей </a:t>
-            </a:r>
-            <a:r>
-              <a:rPr lang="ru-RU" dirty="0"/>
-              <a:t>работы</a:t>
-            </a:r>
-            <a:endParaRPr lang="ru-RU" dirty="0">
-              <a:effectLst/>
-            </a:endParaRPr>
-          </a:p>
-        </p:txBody>
-      </p:sp>
-      <p:sp>
-        <p:nvSpPr>
-          <p:cNvPr id="5" name="Заголовок 4">
-            <a:extLst>
-              <a:ext uri="{FF2B5EF4-FFF2-40B4-BE49-F238E27FC236}">
-                <a16:creationId xmlns="" xmlns:a16="http://schemas.microsoft.com/office/drawing/2014/main" id="{D060AA73-8574-054A-B94B-1EAA5FAB0470}"/>
-              </a:ext>
-            </a:extLst>
-          </p:cNvPr>
-          <p:cNvSpPr>
-            <a:spLocks noGrp="1"/>
-          </p:cNvSpPr>
-          <p:nvPr>
-            <p:ph type="title"/>
-          </p:nvPr>
-        </p:nvSpPr>
-        <p:spPr>
-          <a:xfrm>
-            <a:off x="6081443" y="1246622"/>
-            <a:ext cx="4322530" cy="777025"/>
-          </a:xfrm>
-        </p:spPr>
-        <p:txBody>
-          <a:bodyPr>
-            <a:normAutofit/>
-          </a:bodyPr>
-          <a:lstStyle/>
-          <a:p>
-            <a:pPr lvl="0"/>
-            <a:r>
-              <a:rPr lang="ru-RU" dirty="0"/>
-              <a:t>Направления</a:t>
-            </a:r>
-            <a:br>
-              <a:rPr lang="ru-RU" dirty="0"/>
-            </a:br>
-            <a:r>
-              <a:rPr lang="ru-RU" dirty="0"/>
-              <a:t>дальнейшей работы</a:t>
-            </a:r>
-          </a:p>
-        </p:txBody>
-      </p:sp>
-      <p:sp>
-        <p:nvSpPr>
-          <p:cNvPr id="6" name="Текст 5">
-            <a:extLst>
-              <a:ext uri="{FF2B5EF4-FFF2-40B4-BE49-F238E27FC236}">
-                <a16:creationId xmlns="" xmlns:a16="http://schemas.microsoft.com/office/drawing/2014/main" id="{5E7B9744-FF5D-DB4B-8DCD-FF4C0C57287E}"/>
-              </a:ext>
-            </a:extLst>
-          </p:cNvPr>
-          <p:cNvSpPr>
-            <a:spLocks noGrp="1"/>
-          </p:cNvSpPr>
-          <p:nvPr>
-            <p:ph type="body" sz="quarter" idx="12"/>
-          </p:nvPr>
-        </p:nvSpPr>
-        <p:spPr>
-          <a:xfrm>
-            <a:off x="6081444" y="2240280"/>
-            <a:ext cx="5246074" cy="4169663"/>
-          </a:xfrm>
-        </p:spPr>
-        <p:txBody>
-          <a:bodyPr>
-            <a:normAutofit/>
-          </a:bodyPr>
-          <a:lstStyle/>
-          <a:p>
-            <a:r>
-              <a:rPr lang="ru-RU" dirty="0" smtClean="0"/>
-              <a:t>В </a:t>
-            </a:r>
-            <a:r>
-              <a:rPr lang="ru-RU" dirty="0"/>
-              <a:t>краткосрочной перспективе могут быть </a:t>
-            </a:r>
-            <a:r>
-              <a:rPr lang="ru-RU" dirty="0" smtClean="0"/>
-              <a:t>добавлены:</a:t>
-            </a:r>
-          </a:p>
-          <a:p>
-            <a:pPr marL="285750" indent="-285750">
-              <a:buFont typeface="Arial" panose="020B0604020202020204" pitchFamily="34" charset="0"/>
-              <a:buChar char="•"/>
-            </a:pPr>
-            <a:r>
-              <a:rPr lang="ru-RU" dirty="0" smtClean="0"/>
-              <a:t>Статистика</a:t>
-            </a:r>
-            <a:r>
-              <a:rPr lang="ru-RU" dirty="0"/>
-              <a:t>, позволяющая пользователю отслеживать свои результаты;  </a:t>
-            </a:r>
-            <a:endParaRPr lang="ru-RU" dirty="0" smtClean="0"/>
-          </a:p>
-          <a:p>
-            <a:pPr marL="285750" indent="-285750">
-              <a:buFont typeface="Arial" panose="020B0604020202020204" pitchFamily="34" charset="0"/>
-              <a:buChar char="•"/>
-            </a:pPr>
-            <a:r>
-              <a:rPr lang="ru-RU" dirty="0" smtClean="0"/>
-              <a:t>Возможность </a:t>
-            </a:r>
-            <a:r>
-              <a:rPr lang="ru-RU" dirty="0"/>
-              <a:t>делиться сохраненными числами с другими пользователями</a:t>
-            </a:r>
-            <a:r>
-              <a:rPr lang="ru-RU" dirty="0" smtClean="0"/>
-              <a:t>;</a:t>
-            </a:r>
-          </a:p>
-          <a:p>
-            <a:pPr marL="285750" indent="-285750">
-              <a:buFont typeface="Arial" panose="020B0604020202020204" pitchFamily="34" charset="0"/>
-              <a:buChar char="•"/>
-            </a:pPr>
-            <a:r>
-              <a:rPr lang="ru-RU" dirty="0" smtClean="0"/>
-              <a:t>Отслеживание </a:t>
-            </a:r>
-            <a:r>
-              <a:rPr lang="ru-RU" dirty="0"/>
-              <a:t>статистики друзей для создания соревновательного эффекта; </a:t>
-            </a:r>
-            <a:endParaRPr lang="ru-RU" dirty="0" smtClean="0"/>
-          </a:p>
-          <a:p>
-            <a:r>
-              <a:rPr lang="ru-RU" dirty="0" smtClean="0"/>
-              <a:t>В </a:t>
-            </a:r>
-            <a:r>
-              <a:rPr lang="ru-RU" dirty="0"/>
-              <a:t>долгосрочной перспективе могут быть добавлены: </a:t>
-            </a:r>
-            <a:r>
-              <a:rPr lang="ru-RU" dirty="0" smtClean="0"/>
-              <a:t></a:t>
-            </a:r>
-          </a:p>
-          <a:p>
-            <a:pPr marL="285750" indent="-285750">
-              <a:buFont typeface="Arial" panose="020B0604020202020204" pitchFamily="34" charset="0"/>
-              <a:buChar char="•"/>
-            </a:pPr>
-            <a:r>
-              <a:rPr lang="ru-RU" dirty="0" smtClean="0"/>
-              <a:t>Поддержка </a:t>
-            </a:r>
-            <a:r>
-              <a:rPr lang="ru-RU" dirty="0"/>
-              <a:t>других языков, кроме русского и английского; </a:t>
-            </a:r>
-            <a:r>
-              <a:rPr lang="ru-RU" dirty="0" smtClean="0"/>
-              <a:t></a:t>
-            </a:r>
-          </a:p>
-          <a:p>
-            <a:pPr marL="285750" indent="-285750">
-              <a:buFont typeface="Arial" panose="020B0604020202020204" pitchFamily="34" charset="0"/>
-              <a:buChar char="•"/>
-            </a:pPr>
-            <a:r>
-              <a:rPr lang="ru-RU" dirty="0" smtClean="0"/>
-              <a:t>Другие </a:t>
-            </a:r>
-            <a:r>
-              <a:rPr lang="ru-RU" dirty="0"/>
-              <a:t>мнемонические системы, например, система </a:t>
-            </a:r>
-            <a:r>
-              <a:rPr lang="ru-RU" dirty="0" err="1"/>
-              <a:t>Катапаяди</a:t>
-            </a:r>
-            <a:r>
-              <a:rPr lang="ru-RU" dirty="0"/>
-              <a:t>; </a:t>
-            </a:r>
-            <a:r>
-              <a:rPr lang="ru-RU" dirty="0" smtClean="0"/>
-              <a:t></a:t>
-            </a:r>
-          </a:p>
-          <a:p>
-            <a:pPr marL="285750" indent="-285750">
-              <a:buFont typeface="Arial" panose="020B0604020202020204" pitchFamily="34" charset="0"/>
-              <a:buChar char="•"/>
-            </a:pPr>
-            <a:r>
-              <a:rPr lang="ru-RU" dirty="0" smtClean="0"/>
-              <a:t>Способы </a:t>
-            </a:r>
-            <a:r>
-              <a:rPr lang="ru-RU" dirty="0"/>
-              <a:t>тренировки памяти для её улучшения.</a:t>
-            </a:r>
-          </a:p>
-        </p:txBody>
-      </p:sp>
-      <p:pic>
-        <p:nvPicPr>
-          <p:cNvPr id="4098" name="Picture 2" descr="https://upload.wikimedia.org/wikipedia/commons/thumb/f/f8/Katapayadi-eng.svg/1200px-Katapayadi-eng.svg.png"/>
-          <p:cNvPicPr>
-            <a:picLocks noChangeAspect="1" noChangeArrowheads="1"/>
-          </p:cNvPicPr>
-          <p:nvPr/>
-        </p:nvPicPr>
-        <p:blipFill>
-          <a:blip r:embed="rId3">
-            <a:extLst>
-              <a:ext uri="{28A0092B-C50C-407E-A947-70E740481C1C}">
-                <a14:useLocalDpi xmlns:a14="http://schemas.microsoft.com/office/drawing/2010/main" val="0"/>
-              </a:ext>
-            </a:extLst>
-          </a:blip>
-          <a:srcRect/>
-          <a:stretch>
-            <a:fillRect/>
-          </a:stretch>
-        </p:blipFill>
-        <p:spPr bwMode="auto">
-          <a:xfrm>
-            <a:off x="704089" y="2151663"/>
-            <a:ext cx="4919472" cy="3074670"/>
-          </a:xfrm>
-          <a:prstGeom prst="rect">
-            <a:avLst/>
-          </a:prstGeom>
-          <a:noFill/>
-          <a:extLst>
-            <a:ext uri="{909E8E84-426E-40DD-AFC4-6F175D3DCCD1}">
-              <a14:hiddenFill xmlns:a14="http://schemas.microsoft.com/office/drawing/2010/main">
-                <a:solidFill>
-                  <a:srgbClr val="FFFFFF"/>
-                </a:solidFill>
-              </a14:hiddenFill>
-            </a:ext>
-          </a:extLst>
-        </p:spPr>
-      </p:pic>
-    </p:spTree>
-    <p:extLst>
-      <p:ext uri="{BB962C8B-B14F-4D97-AF65-F5344CB8AC3E}">
-        <p14:creationId xmlns:p14="http://schemas.microsoft.com/office/powerpoint/2010/main" val="2133197653"/>
-      </p:ext>
-    </p:extLst>
-  </p:cSld>
-  <p:clrMapOvr>
-    <a:masterClrMapping/>
-  </p:clrMapOvr>
-</p:sld>
-</file>
-
 <file path=ppt/slides/slide13.xml><?xml version="1.0" encoding="utf-8"?>
 <p:sld xmlns:a="http://schemas.openxmlformats.org/drawingml/2006/main" xmlns:r="http://schemas.openxmlformats.org/officeDocument/2006/relationships" xmlns:p="http://schemas.openxmlformats.org/presentationml/2006/main">
   <p:cSld>
@@ -15993,7 +16223,7 @@
           <p:cNvPr id="2" name="Текст 1">
             <a:extLst>
               <a:ext uri="{FF2B5EF4-FFF2-40B4-BE49-F238E27FC236}">
-                <a16:creationId xmlns="" xmlns:a16="http://schemas.microsoft.com/office/drawing/2014/main" id="{2FFBD88B-BF2A-8F44-B648-677BB7D9750D}"/>
+                <a16:creationId xmlns:a16="http://schemas.microsoft.com/office/drawing/2014/main" xmlns="" id="{2FFBD88B-BF2A-8F44-B648-677BB7D9750D}"/>
               </a:ext>
             </a:extLst>
           </p:cNvPr>
@@ -16030,7 +16260,7 @@
           <p:cNvPr id="3" name="Текст 2">
             <a:extLst>
               <a:ext uri="{FF2B5EF4-FFF2-40B4-BE49-F238E27FC236}">
-                <a16:creationId xmlns="" xmlns:a16="http://schemas.microsoft.com/office/drawing/2014/main" id="{BD6DFA47-ACB8-5246-AC9C-19D438CF658E}"/>
+                <a16:creationId xmlns:a16="http://schemas.microsoft.com/office/drawing/2014/main" xmlns="" id="{BD6DFA47-ACB8-5246-AC9C-19D438CF658E}"/>
               </a:ext>
             </a:extLst>
           </p:cNvPr>
@@ -16078,7 +16308,7 @@
           <p:cNvPr id="4" name="Текст 3">
             <a:extLst>
               <a:ext uri="{FF2B5EF4-FFF2-40B4-BE49-F238E27FC236}">
-                <a16:creationId xmlns="" xmlns:a16="http://schemas.microsoft.com/office/drawing/2014/main" id="{49A5DD86-C5F3-5843-B60F-AC26E1B16228}"/>
+                <a16:creationId xmlns:a16="http://schemas.microsoft.com/office/drawing/2014/main" xmlns="" id="{49A5DD86-C5F3-5843-B60F-AC26E1B16228}"/>
               </a:ext>
             </a:extLst>
           </p:cNvPr>
@@ -16096,8 +16326,19 @@
           <a:p>
             <a:pPr lvl="0"/>
             <a:r>
+              <a:rPr lang="ru-RU" dirty="0" smtClean="0"/>
+              <a:t>Направления</a:t>
+            </a:r>
+          </a:p>
+          <a:p>
+            <a:pPr lvl="0"/>
+            <a:r>
+              <a:rPr lang="ru-RU" dirty="0" smtClean="0"/>
+              <a:t>дальнейшей </a:t>
+            </a:r>
+            <a:r>
               <a:rPr lang="ru-RU" dirty="0"/>
-              <a:t>Список использованных источников</a:t>
+              <a:t>работы</a:t>
             </a:r>
             <a:endParaRPr lang="ru-RU" dirty="0">
               <a:effectLst/>
@@ -16110,7 +16351,7 @@
           <p:cNvPr id="5" name="Заголовок 4">
             <a:extLst>
               <a:ext uri="{FF2B5EF4-FFF2-40B4-BE49-F238E27FC236}">
-                <a16:creationId xmlns="" xmlns:a16="http://schemas.microsoft.com/office/drawing/2014/main" id="{D060AA73-8574-054A-B94B-1EAA5FAB0470}"/>
+                <a16:creationId xmlns:a16="http://schemas.microsoft.com/office/drawing/2014/main" xmlns="" id="{D060AA73-8574-054A-B94B-1EAA5FAB0470}"/>
               </a:ext>
             </a:extLst>
           </p:cNvPr>
@@ -16123,7 +16364,7 @@
         </p:nvSpPr>
         <p:spPr>
           <a:xfrm>
-            <a:off x="558467" y="1331956"/>
+            <a:off x="6081443" y="1246622"/>
             <a:ext cx="4322530" cy="777025"/>
           </a:xfrm>
         </p:spPr>
@@ -16136,7 +16377,14 @@
             <a:pPr lvl="0"/>
             <a:r>
               <a:rPr lang="ru-RU" dirty="0"/>
-              <a:t>Список использованных источников</a:t>
+              <a:t>Направления</a:t>
+            </a:r>
+            <a:br>
+              <a:rPr lang="ru-RU" dirty="0"/>
+            </a:br>
+            <a:r>
+              <a:rPr lang="ru-RU" dirty="0"/>
+              <a:t>дальнейшей работы</a:t>
             </a:r>
           </a:p>
         </p:txBody>
@@ -16146,7 +16394,7 @@
           <p:cNvPr id="6" name="Текст 5">
             <a:extLst>
               <a:ext uri="{FF2B5EF4-FFF2-40B4-BE49-F238E27FC236}">
-                <a16:creationId xmlns="" xmlns:a16="http://schemas.microsoft.com/office/drawing/2014/main" id="{5E7B9744-FF5D-DB4B-8DCD-FF4C0C57287E}"/>
+                <a16:creationId xmlns:a16="http://schemas.microsoft.com/office/drawing/2014/main" xmlns="" id="{5E7B9744-FF5D-DB4B-8DCD-FF4C0C57287E}"/>
               </a:ext>
             </a:extLst>
           </p:cNvPr>
@@ -16159,215 +16407,196 @@
         </p:nvSpPr>
         <p:spPr>
           <a:xfrm>
-            <a:off x="558466" y="2176272"/>
-            <a:ext cx="5403422" cy="4462272"/>
+            <a:off x="6081444" y="2240280"/>
+            <a:ext cx="5246074" cy="4169663"/>
           </a:xfrm>
         </p:spPr>
         <p:txBody>
           <a:bodyPr>
-            <a:noAutofit/>
+            <a:normAutofit/>
           </a:bodyPr>
           <a:lstStyle/>
           <a:p>
             <a:r>
+              <a:rPr lang="ru-RU" dirty="0" smtClean="0"/>
+              <a:t>В </a:t>
+            </a:r>
+            <a:r>
               <a:rPr lang="ru-RU" dirty="0"/>
-              <a:t>[1] ГОСТ 19.101-77. Единая система программной документации. Термины и определения: утвержден и введен в действие Постановлением Государственного комитета стандартов Совета Министров СССР от 20 мая 1977 г. № 1268 срок введения: с 01.01.1980 г. – URL: https://www.swrit.ru/doc/espd/19.001-77.pdf (дата обращения: 27.01.2023). – Текст: электронный. [2] ГОСТ 19.102-77. Единая система программной документации. Термины и определения: утвержден и введен в действие Постановлением Государственного комитета стандартов Совета Министров СССР от 20 мая 1977 г. № 1268 срок введения: с 01.01.1980 г. – URL: https://www.swrit.ru/doc/espd/19.102-77.pdf (дата обращения: 27.01.2023). – Текст: электронный. [3] 19.103-77. Единая система программной документации. Термины и определения: утвержден и введен в действие Постановлением Государственного комитета стандартов Совета Министров СССР от 20 мая 1977 г. № 1268 срок введения: с 01.01.1980 г. – URL: https://www.swrit.ru/doc/espd/19.103-77.pdf (дата обращения: 27.01.2023). – Текст: электронный. </a:t>
+              <a:t>краткосрочной перспективе могут быть </a:t>
+            </a:r>
+            <a:r>
+              <a:rPr lang="ru-RU" dirty="0" smtClean="0"/>
+              <a:t>добавлены:</a:t>
+            </a:r>
+          </a:p>
+          <a:p>
+            <a:pPr marL="285750" indent="-285750">
+              <a:buFont typeface="Arial" panose="020B0604020202020204" pitchFamily="34" charset="0"/>
+              <a:buChar char="•"/>
+            </a:pPr>
+            <a:r>
+              <a:rPr lang="ru-RU" dirty="0" smtClean="0"/>
+              <a:t>Статистика</a:t>
+            </a:r>
+            <a:r>
+              <a:rPr lang="ru-RU" dirty="0"/>
+              <a:t>, позволяющая пользователю отслеживать свои результаты;  </a:t>
+            </a:r>
+            <a:endParaRPr lang="ru-RU" dirty="0" smtClean="0"/>
+          </a:p>
+          <a:p>
+            <a:pPr marL="285750" indent="-285750">
+              <a:buFont typeface="Arial" panose="020B0604020202020204" pitchFamily="34" charset="0"/>
+              <a:buChar char="•"/>
+            </a:pPr>
+            <a:r>
+              <a:rPr lang="ru-RU" dirty="0" smtClean="0"/>
+              <a:t>Возможность </a:t>
+            </a:r>
+            <a:r>
+              <a:rPr lang="ru-RU" dirty="0"/>
+              <a:t>делиться сохраненными числами с другими пользователями</a:t>
+            </a:r>
+            <a:r>
+              <a:rPr lang="ru-RU" dirty="0" smtClean="0"/>
+              <a:t>;</a:t>
+            </a:r>
+          </a:p>
+          <a:p>
+            <a:pPr marL="285750" indent="-285750">
+              <a:buFont typeface="Arial" panose="020B0604020202020204" pitchFamily="34" charset="0"/>
+              <a:buChar char="•"/>
+            </a:pPr>
+            <a:r>
+              <a:rPr lang="ru-RU" dirty="0" smtClean="0"/>
+              <a:t>Отслеживание </a:t>
+            </a:r>
+            <a:r>
+              <a:rPr lang="ru-RU" dirty="0"/>
+              <a:t>статистики друзей для создания соревновательного эффекта; </a:t>
+            </a:r>
+            <a:endParaRPr lang="ru-RU" dirty="0" smtClean="0"/>
+          </a:p>
+          <a:p>
+            <a:r>
+              <a:rPr lang="ru-RU" dirty="0" smtClean="0"/>
+              <a:t>В </a:t>
+            </a:r>
+            <a:r>
+              <a:rPr lang="ru-RU" dirty="0"/>
+              <a:t>долгосрочной перспективе могут быть добавлены: </a:t>
+            </a:r>
+            <a:r>
+              <a:rPr lang="ru-RU" dirty="0" smtClean="0"/>
+              <a:t></a:t>
+            </a:r>
+          </a:p>
+          <a:p>
+            <a:pPr marL="285750" indent="-285750">
+              <a:buFont typeface="Arial" panose="020B0604020202020204" pitchFamily="34" charset="0"/>
+              <a:buChar char="•"/>
+            </a:pPr>
+            <a:r>
+              <a:rPr lang="ru-RU" dirty="0" smtClean="0"/>
+              <a:t>Поддержка </a:t>
+            </a:r>
+            <a:r>
+              <a:rPr lang="ru-RU" dirty="0"/>
+              <a:t>других языков, кроме русского и английского; </a:t>
+            </a:r>
+            <a:r>
+              <a:rPr lang="ru-RU" dirty="0" smtClean="0"/>
+              <a:t></a:t>
+            </a:r>
+          </a:p>
+          <a:p>
+            <a:pPr marL="285750" indent="-285750">
+              <a:buFont typeface="Arial" panose="020B0604020202020204" pitchFamily="34" charset="0"/>
+              <a:buChar char="•"/>
+            </a:pPr>
+            <a:r>
+              <a:rPr lang="ru-RU" dirty="0" smtClean="0"/>
+              <a:t>Другие </a:t>
+            </a:r>
+            <a:r>
+              <a:rPr lang="ru-RU" dirty="0"/>
+              <a:t>мнемонические системы, например, система </a:t>
+            </a:r>
+            <a:r>
+              <a:rPr lang="ru-RU" dirty="0" err="1"/>
+              <a:t>Катапаяди</a:t>
+            </a:r>
+            <a:r>
+              <a:rPr lang="ru-RU" dirty="0"/>
+              <a:t>; </a:t>
+            </a:r>
+            <a:r>
+              <a:rPr lang="ru-RU" dirty="0" smtClean="0"/>
+              <a:t></a:t>
+            </a:r>
+          </a:p>
+          <a:p>
+            <a:pPr marL="285750" indent="-285750">
+              <a:buFont typeface="Arial" panose="020B0604020202020204" pitchFamily="34" charset="0"/>
+              <a:buChar char="•"/>
+            </a:pPr>
+            <a:r>
+              <a:rPr lang="ru-RU" dirty="0" smtClean="0"/>
+              <a:t>Способы </a:t>
+            </a:r>
+            <a:r>
+              <a:rPr lang="ru-RU" dirty="0"/>
+              <a:t>тренировки памяти для её улучшения.</a:t>
             </a:r>
           </a:p>
         </p:txBody>
       </p:sp>
-      <p:sp>
-        <p:nvSpPr>
-          <p:cNvPr id="7" name="Текст 5">
-            <a:extLst>
-              <a:ext uri="{FF2B5EF4-FFF2-40B4-BE49-F238E27FC236}">
-                <a16:creationId xmlns="" xmlns:a16="http://schemas.microsoft.com/office/drawing/2014/main" id="{5E7B9744-FF5D-DB4B-8DCD-FF4C0C57287E}"/>
-              </a:ext>
-            </a:extLst>
-          </p:cNvPr>
-          <p:cNvSpPr>
-            <a:spLocks noGrp="1"/>
-          </p:cNvSpPr>
-          <p:nvPr>
-            <p:ph type="body" sz="quarter" idx="12"/>
-          </p:nvPr>
-        </p:nvSpPr>
-        <p:spPr>
+      <p:pic>
+        <p:nvPicPr>
+          <p:cNvPr id="4098" name="Picture 2" descr="https://upload.wikimedia.org/wikipedia/commons/thumb/f/f8/Katapayadi-eng.svg/1200px-Katapayadi-eng.svg.png"/>
+          <p:cNvPicPr>
+            <a:picLocks noChangeAspect="1" noChangeArrowheads="1"/>
+          </p:cNvPicPr>
+          <p:nvPr/>
+        </p:nvPicPr>
+        <p:blipFill>
+          <a:blip r:embed="rId3">
+            <a:extLst>
+              <a:ext uri="{28A0092B-C50C-407E-A947-70E740481C1C}">
+                <a14:useLocalDpi xmlns:a14="http://schemas.microsoft.com/office/drawing/2010/main" val="0"/>
+              </a:ext>
+            </a:extLst>
+          </a:blip>
+          <a:srcRect/>
+          <a:stretch>
+            <a:fillRect/>
+          </a:stretch>
+        </p:blipFill>
+        <p:spPr bwMode="auto">
           <a:xfrm>
-            <a:off x="5961888" y="1331956"/>
-            <a:ext cx="5403422" cy="5407172"/>
+            <a:off x="704089" y="2151663"/>
+            <a:ext cx="4919472" cy="3074670"/>
           </a:xfrm>
+          <a:prstGeom prst="rect">
+            <a:avLst/>
+          </a:prstGeom>
+          <a:noFill/>
+          <a:extLst>
+            <a:ext uri="{909E8E84-426E-40DD-AFC4-6F175D3DCCD1}">
+              <a14:hiddenFill xmlns:a14="http://schemas.microsoft.com/office/drawing/2010/main">
+                <a:solidFill>
+                  <a:srgbClr val="FFFFFF"/>
+                </a:solidFill>
+              </a14:hiddenFill>
+            </a:ext>
+          </a:extLst>
         </p:spPr>
-        <p:txBody>
-          <a:bodyPr>
-            <a:normAutofit lnSpcReduction="10000"/>
-          </a:bodyPr>
-          <a:lstStyle/>
-          <a:p>
-            <a:r>
-              <a:rPr lang="ru-RU" dirty="0"/>
-              <a:t>[10] Учебный офис ФКН ПИ (2023) СПРАВОЧНИК УЧЕБНОГО ПРОЦЕССА НИУ ВШЭ. Курсовая работа // Сайт </a:t>
-            </a:r>
-            <a:r>
-              <a:rPr lang="en-US" dirty="0"/>
-              <a:t>hse.ru (https://www.hse.ru/studyspravka/kursovrab/) </a:t>
-            </a:r>
-            <a:r>
-              <a:rPr lang="ru-RU" dirty="0"/>
-              <a:t>Просмотрено: 31.03.2023. [11] Пак Татьяна Альбертовна (2023) Бакалаврская программа «Программная инженерия» // Сайт </a:t>
-            </a:r>
-            <a:r>
-              <a:rPr lang="en-US" dirty="0"/>
-              <a:t>hse.ru (https://www.hse.ru/ba/se/passport) </a:t>
-            </a:r>
-            <a:r>
-              <a:rPr lang="ru-RU" dirty="0"/>
-              <a:t>Просмотрено: 31.03.2023. [12] </a:t>
-            </a:r>
-            <a:r>
-              <a:rPr lang="en-US" dirty="0" err="1"/>
-              <a:t>AndroidDev</a:t>
-            </a:r>
-            <a:r>
-              <a:rPr lang="en-US" dirty="0"/>
-              <a:t> (2022) Meet Android Studio // </a:t>
-            </a:r>
-            <a:r>
-              <a:rPr lang="ru-RU" dirty="0"/>
-              <a:t>Сайт </a:t>
-            </a:r>
-            <a:r>
-              <a:rPr lang="en-US" dirty="0"/>
-              <a:t>developer.android.com (https://developer.android.com/studio/intro) </a:t>
-            </a:r>
-            <a:r>
-              <a:rPr lang="ru-RU" dirty="0"/>
-              <a:t>Просмотрено: 31.03.2023. [13] студенты ИТМО (4 сентября 2022) Бор // Сайт </a:t>
-            </a:r>
-            <a:r>
-              <a:rPr lang="en-US" dirty="0"/>
-              <a:t>neerc.ifmo.ru (https://neerc.ifmo.ru/wiki/index.php?title=%D0%91%D0</a:t>
-            </a:r>
-            <a:r>
-              <a:rPr lang="ru-RU" dirty="0"/>
-              <a:t>Просмотрено: 31.03.2023</a:t>
-            </a:r>
-            <a:r>
-              <a:rPr lang="ru-RU" dirty="0" smtClean="0"/>
-              <a:t>.</a:t>
-            </a:r>
-            <a:br>
-              <a:rPr lang="ru-RU" dirty="0" smtClean="0"/>
-            </a:br>
-            <a:r>
-              <a:rPr lang="ru-RU" dirty="0" smtClean="0"/>
-              <a:t>[</a:t>
-            </a:r>
-            <a:r>
-              <a:rPr lang="ru-RU" dirty="0"/>
-              <a:t>14] Посольство Российской Федерации в Кыргызстане (13 сентября 13) Самые длинные слова в русском языке // Сайт </a:t>
-            </a:r>
-            <a:r>
-              <a:rPr lang="en-US" dirty="0"/>
-              <a:t>rusinkg.ru (http://www.rusinkg.ru/russkij-yazyk/article/43-velikij-i-moguchij/194-samyedlinnye-slova-russkogo-yazyka) </a:t>
-            </a:r>
-            <a:r>
-              <a:rPr lang="ru-RU" dirty="0"/>
-              <a:t>Просмотрено: 31.03.2023. [15] </a:t>
-            </a:r>
-            <a:r>
-              <a:rPr lang="en-US" dirty="0"/>
-              <a:t>Jonathan </a:t>
-            </a:r>
-            <a:r>
-              <a:rPr lang="en-US" dirty="0" err="1"/>
-              <a:t>Str¨obele</a:t>
-            </a:r>
-            <a:r>
-              <a:rPr lang="en-US" dirty="0"/>
-              <a:t> (2013) Major System database // </a:t>
-            </a:r>
-            <a:r>
-              <a:rPr lang="ru-RU" dirty="0"/>
-              <a:t>Сайт </a:t>
-            </a:r>
-            <a:r>
-              <a:rPr lang="en-US" dirty="0"/>
-              <a:t>major-system.info (https://major-system.info/en/) </a:t>
-            </a:r>
-            <a:r>
-              <a:rPr lang="ru-RU" dirty="0"/>
-              <a:t>Просмотрено: 07.04.2023. </a:t>
-            </a:r>
-            <a:r>
-              <a:rPr lang="ru-RU" dirty="0" smtClean="0"/>
-              <a:t/>
-            </a:r>
-            <a:br>
-              <a:rPr lang="ru-RU" dirty="0" smtClean="0"/>
-            </a:br>
-            <a:r>
-              <a:rPr lang="ru-RU" dirty="0" smtClean="0"/>
-              <a:t>[</a:t>
-            </a:r>
-            <a:r>
-              <a:rPr lang="ru-RU" dirty="0"/>
-              <a:t>16] </a:t>
-            </a:r>
-            <a:r>
-              <a:rPr lang="en-US" dirty="0"/>
-              <a:t>Hale-Evans, Ron (2006) Mind performance hacks // </a:t>
-            </a:r>
-            <a:r>
-              <a:rPr lang="ru-RU" dirty="0"/>
-              <a:t>Сайт </a:t>
-            </a:r>
-            <a:r>
-              <a:rPr lang="en-US" dirty="0"/>
-              <a:t>archive.org (https://archive.org/details/mindperformanceh00hale/page/14/mode/2up) </a:t>
-            </a:r>
-            <a:r>
-              <a:rPr lang="ru-RU" dirty="0"/>
-              <a:t>Просмотрено: 07.04.2023. </a:t>
-            </a:r>
-            <a:r>
-              <a:rPr lang="ru-RU" dirty="0" smtClean="0"/>
-              <a:t/>
-            </a:r>
-            <a:br>
-              <a:rPr lang="ru-RU" dirty="0" smtClean="0"/>
-            </a:br>
-            <a:r>
-              <a:rPr lang="ru-RU" dirty="0" smtClean="0"/>
-              <a:t>[</a:t>
-            </a:r>
-            <a:r>
-              <a:rPr lang="ru-RU" dirty="0"/>
-              <a:t>17] </a:t>
-            </a:r>
-            <a:r>
-              <a:rPr lang="en-US" dirty="0"/>
-              <a:t>Hale-Evans, Ron (2006) Mind performance hacks // </a:t>
-            </a:r>
-            <a:r>
-              <a:rPr lang="ru-RU" dirty="0"/>
-              <a:t>Сайт </a:t>
-            </a:r>
-            <a:r>
-              <a:rPr lang="en-US" dirty="0"/>
-              <a:t>archive.org (https://archive.org/details/mindperformanceh00hale/page/22/mode/2up) </a:t>
-            </a:r>
-            <a:r>
-              <a:rPr lang="ru-RU" dirty="0"/>
-              <a:t>Просмотрено: 07.04.2023.</a:t>
-            </a:r>
-          </a:p>
-        </p:txBody>
-      </p:sp>
+      </p:pic>
     </p:spTree>
     <p:extLst>
       <p:ext uri="{BB962C8B-B14F-4D97-AF65-F5344CB8AC3E}">
-        <p14:creationId xmlns:p14="http://schemas.microsoft.com/office/powerpoint/2010/main" val="1944420304"/>
+        <p14:creationId xmlns:p14="http://schemas.microsoft.com/office/powerpoint/2010/main" val="2133197653"/>
       </p:ext>
     </p:extLst>
   </p:cSld>
@@ -16396,10 +16625,416 @@
       </p:grpSpPr>
       <p:sp>
         <p:nvSpPr>
+          <p:cNvPr id="2" name="Текст 1">
+            <a:extLst>
+              <a:ext uri="{FF2B5EF4-FFF2-40B4-BE49-F238E27FC236}">
+                <a16:creationId xmlns:a16="http://schemas.microsoft.com/office/drawing/2014/main" xmlns="" id="{2FFBD88B-BF2A-8F44-B648-677BB7D9750D}"/>
+              </a:ext>
+            </a:extLst>
+          </p:cNvPr>
+          <p:cNvSpPr>
+            <a:spLocks noGrp="1"/>
+          </p:cNvSpPr>
+          <p:nvPr>
+            <p:ph type="body" sz="quarter" idx="13"/>
+          </p:nvPr>
+        </p:nvSpPr>
+        <p:spPr/>
+        <p:txBody>
+          <a:bodyPr/>
+          <a:lstStyle/>
+          <a:p>
+            <a:r>
+              <a:rPr lang="ru-RU" dirty="0"/>
+              <a:t>НИУ ВШЭ</a:t>
+            </a:r>
+          </a:p>
+          <a:p>
+            <a:r>
+              <a:rPr lang="ru-RU" dirty="0"/>
+              <a:t>ФКН ПИ</a:t>
+            </a:r>
+          </a:p>
+          <a:p>
+            <a:endParaRPr lang="ru-RU" dirty="0"/>
+          </a:p>
+        </p:txBody>
+      </p:sp>
+      <p:sp>
+        <p:nvSpPr>
+          <p:cNvPr id="3" name="Текст 2">
+            <a:extLst>
+              <a:ext uri="{FF2B5EF4-FFF2-40B4-BE49-F238E27FC236}">
+                <a16:creationId xmlns:a16="http://schemas.microsoft.com/office/drawing/2014/main" xmlns="" id="{BD6DFA47-ACB8-5246-AC9C-19D438CF658E}"/>
+              </a:ext>
+            </a:extLst>
+          </p:cNvPr>
+          <p:cNvSpPr>
+            <a:spLocks noGrp="1"/>
+          </p:cNvSpPr>
+          <p:nvPr>
+            <p:ph type="body" sz="quarter" idx="14"/>
+          </p:nvPr>
+        </p:nvSpPr>
+        <p:spPr/>
+        <p:txBody>
+          <a:bodyPr/>
+          <a:lstStyle/>
+          <a:p>
+            <a:r>
+              <a:rPr lang="en-US" dirty="0"/>
+              <a:t>Mnemonic </a:t>
+            </a:r>
+            <a:endParaRPr lang="ru-RU" dirty="0"/>
+          </a:p>
+          <a:p>
+            <a:r>
+              <a:rPr lang="en-US" dirty="0"/>
+              <a:t>systems app</a:t>
+            </a:r>
+            <a:endParaRPr lang="ru-RU" dirty="0"/>
+          </a:p>
+          <a:p>
+            <a:endParaRPr lang="ru-RU" dirty="0"/>
+          </a:p>
+          <a:p>
+            <a:endParaRPr lang="ru-RU" dirty="0"/>
+          </a:p>
+          <a:p>
+            <a:endParaRPr lang="ru-RU" dirty="0"/>
+          </a:p>
+          <a:p>
+            <a:endParaRPr lang="ru-RU" dirty="0"/>
+          </a:p>
+        </p:txBody>
+      </p:sp>
+      <p:sp>
+        <p:nvSpPr>
+          <p:cNvPr id="4" name="Текст 3">
+            <a:extLst>
+              <a:ext uri="{FF2B5EF4-FFF2-40B4-BE49-F238E27FC236}">
+                <a16:creationId xmlns:a16="http://schemas.microsoft.com/office/drawing/2014/main" xmlns="" id="{49A5DD86-C5F3-5843-B60F-AC26E1B16228}"/>
+              </a:ext>
+            </a:extLst>
+          </p:cNvPr>
+          <p:cNvSpPr>
+            <a:spLocks noGrp="1"/>
+          </p:cNvSpPr>
+          <p:nvPr>
+            <p:ph type="body" sz="quarter" idx="15"/>
+          </p:nvPr>
+        </p:nvSpPr>
+        <p:spPr/>
+        <p:txBody>
+          <a:bodyPr/>
+          <a:lstStyle/>
+          <a:p>
+            <a:pPr lvl="0"/>
+            <a:r>
+              <a:rPr lang="ru-RU" dirty="0"/>
+              <a:t>Список использованных источников</a:t>
+            </a:r>
+            <a:endParaRPr lang="ru-RU" dirty="0">
+              <a:effectLst/>
+            </a:endParaRPr>
+          </a:p>
+        </p:txBody>
+      </p:sp>
+      <p:sp>
+        <p:nvSpPr>
+          <p:cNvPr id="5" name="Заголовок 4">
+            <a:extLst>
+              <a:ext uri="{FF2B5EF4-FFF2-40B4-BE49-F238E27FC236}">
+                <a16:creationId xmlns:a16="http://schemas.microsoft.com/office/drawing/2014/main" xmlns="" id="{D060AA73-8574-054A-B94B-1EAA5FAB0470}"/>
+              </a:ext>
+            </a:extLst>
+          </p:cNvPr>
+          <p:cNvSpPr>
+            <a:spLocks noGrp="1"/>
+          </p:cNvSpPr>
+          <p:nvPr>
+            <p:ph type="title"/>
+          </p:nvPr>
+        </p:nvSpPr>
+        <p:spPr>
+          <a:xfrm>
+            <a:off x="558467" y="1331956"/>
+            <a:ext cx="4322530" cy="777025"/>
+          </a:xfrm>
+        </p:spPr>
+        <p:txBody>
+          <a:bodyPr>
+            <a:normAutofit/>
+          </a:bodyPr>
+          <a:lstStyle/>
+          <a:p>
+            <a:pPr lvl="0"/>
+            <a:r>
+              <a:rPr lang="ru-RU" dirty="0"/>
+              <a:t>Список использованных источников</a:t>
+            </a:r>
+          </a:p>
+        </p:txBody>
+      </p:sp>
+      <p:sp>
+        <p:nvSpPr>
+          <p:cNvPr id="6" name="Текст 5">
+            <a:extLst>
+              <a:ext uri="{FF2B5EF4-FFF2-40B4-BE49-F238E27FC236}">
+                <a16:creationId xmlns:a16="http://schemas.microsoft.com/office/drawing/2014/main" xmlns="" id="{5E7B9744-FF5D-DB4B-8DCD-FF4C0C57287E}"/>
+              </a:ext>
+            </a:extLst>
+          </p:cNvPr>
+          <p:cNvSpPr>
+            <a:spLocks noGrp="1"/>
+          </p:cNvSpPr>
+          <p:nvPr>
+            <p:ph type="body" sz="quarter" idx="12"/>
+          </p:nvPr>
+        </p:nvSpPr>
+        <p:spPr>
+          <a:xfrm>
+            <a:off x="558466" y="2176272"/>
+            <a:ext cx="5403422" cy="4462272"/>
+          </a:xfrm>
+        </p:spPr>
+        <p:txBody>
+          <a:bodyPr>
+            <a:noAutofit/>
+          </a:bodyPr>
+          <a:lstStyle/>
+          <a:p>
+            <a:r>
+              <a:rPr lang="ru-RU" dirty="0"/>
+              <a:t>[1] ГОСТ 19.101-77. Единая система программной документации. Термины и определения: утвержден и введен в действие Постановлением Государственного комитета стандартов Совета Министров СССР от 20 мая 1977 г. № 1268 срок введения: с 01.01.1980 г. – URL: https://www.swrit.ru/doc/espd/19.001-77.pdf (дата обращения: 27.01.2023). – Текст: электронный. [2] ГОСТ 19.102-77. Единая система программной документации. Термины и определения: утвержден и введен в действие Постановлением Государственного комитета стандартов Совета Министров СССР от 20 мая 1977 г. № 1268 срок введения: с 01.01.1980 г. – URL: https://www.swrit.ru/doc/espd/19.102-77.pdf (дата обращения: 27.01.2023). – Текст: электронный. [3] 19.103-77. Единая система программной документации. Термины и определения: утвержден и введен в действие Постановлением Государственного комитета стандартов Совета Министров СССР от 20 мая 1977 г. № 1268 срок введения: с 01.01.1980 г. – URL: https://www.swrit.ru/doc/espd/19.103-77.pdf (дата обращения: 27.01.2023). – Текст: электронный. </a:t>
+            </a:r>
+          </a:p>
+        </p:txBody>
+      </p:sp>
+      <p:sp>
+        <p:nvSpPr>
+          <p:cNvPr id="7" name="Текст 5">
+            <a:extLst>
+              <a:ext uri="{FF2B5EF4-FFF2-40B4-BE49-F238E27FC236}">
+                <a16:creationId xmlns:a16="http://schemas.microsoft.com/office/drawing/2014/main" xmlns="" id="{5E7B9744-FF5D-DB4B-8DCD-FF4C0C57287E}"/>
+              </a:ext>
+            </a:extLst>
+          </p:cNvPr>
+          <p:cNvSpPr>
+            <a:spLocks noGrp="1"/>
+          </p:cNvSpPr>
+          <p:nvPr>
+            <p:ph type="body" sz="quarter" idx="12"/>
+          </p:nvPr>
+        </p:nvSpPr>
+        <p:spPr>
+          <a:xfrm>
+            <a:off x="5961888" y="1331956"/>
+            <a:ext cx="5403422" cy="5407172"/>
+          </a:xfrm>
+        </p:spPr>
+        <p:txBody>
+          <a:bodyPr>
+            <a:normAutofit lnSpcReduction="10000"/>
+          </a:bodyPr>
+          <a:lstStyle/>
+          <a:p>
+            <a:r>
+              <a:rPr lang="ru-RU" dirty="0"/>
+              <a:t>[10] Учебный офис ФКН ПИ (2023) СПРАВОЧНИК УЧЕБНОГО ПРОЦЕССА НИУ ВШЭ. Курсовая работа // Сайт </a:t>
+            </a:r>
+            <a:r>
+              <a:rPr lang="en-US" dirty="0"/>
+              <a:t>hse.ru (https://www.hse.ru/studyspravka/kursovrab/) </a:t>
+            </a:r>
+            <a:r>
+              <a:rPr lang="ru-RU" dirty="0"/>
+              <a:t>Просмотрено: 31.03.2023. [11] Пак Татьяна Альбертовна (2023) Бакалаврская программа «Программная инженерия» // Сайт </a:t>
+            </a:r>
+            <a:r>
+              <a:rPr lang="en-US" dirty="0"/>
+              <a:t>hse.ru (https://www.hse.ru/ba/se/passport) </a:t>
+            </a:r>
+            <a:r>
+              <a:rPr lang="ru-RU" dirty="0"/>
+              <a:t>Просмотрено: 31.03.2023. [12] </a:t>
+            </a:r>
+            <a:r>
+              <a:rPr lang="en-US" dirty="0" err="1"/>
+              <a:t>AndroidDev</a:t>
+            </a:r>
+            <a:r>
+              <a:rPr lang="en-US" dirty="0"/>
+              <a:t> (2022) Meet Android Studio // </a:t>
+            </a:r>
+            <a:r>
+              <a:rPr lang="ru-RU" dirty="0"/>
+              <a:t>Сайт </a:t>
+            </a:r>
+            <a:r>
+              <a:rPr lang="en-US" dirty="0"/>
+              <a:t>developer.android.com (https://developer.android.com/studio/intro) </a:t>
+            </a:r>
+            <a:r>
+              <a:rPr lang="ru-RU" dirty="0"/>
+              <a:t>Просмотрено: 31.03.2023. [13] студенты ИТМО (4 сентября 2022) Бор // Сайт </a:t>
+            </a:r>
+            <a:r>
+              <a:rPr lang="en-US" dirty="0"/>
+              <a:t>neerc.ifmo.ru (https://neerc.ifmo.ru/wiki/index.php?title=%D0%91%D0</a:t>
+            </a:r>
+            <a:r>
+              <a:rPr lang="ru-RU" dirty="0"/>
+              <a:t>Просмотрено: 31.03.2023</a:t>
+            </a:r>
+            <a:r>
+              <a:rPr lang="ru-RU" dirty="0" smtClean="0"/>
+              <a:t>.</a:t>
+            </a:r>
+            <a:br>
+              <a:rPr lang="ru-RU" dirty="0" smtClean="0"/>
+            </a:br>
+            <a:r>
+              <a:rPr lang="ru-RU" dirty="0" smtClean="0"/>
+              <a:t>[</a:t>
+            </a:r>
+            <a:r>
+              <a:rPr lang="ru-RU" dirty="0"/>
+              <a:t>14] Посольство Российской Федерации в Кыргызстане (13 сентября 13) Самые длинные слова в русском языке // Сайт </a:t>
+            </a:r>
+            <a:r>
+              <a:rPr lang="en-US" dirty="0"/>
+              <a:t>rusinkg.ru (http://www.rusinkg.ru/russkij-yazyk/article/43-velikij-i-moguchij/194-samyedlinnye-slova-russkogo-yazyka) </a:t>
+            </a:r>
+            <a:r>
+              <a:rPr lang="ru-RU" dirty="0"/>
+              <a:t>Просмотрено: 31.03.2023. [15] </a:t>
+            </a:r>
+            <a:r>
+              <a:rPr lang="en-US" dirty="0"/>
+              <a:t>Jonathan </a:t>
+            </a:r>
+            <a:r>
+              <a:rPr lang="en-US" dirty="0" err="1"/>
+              <a:t>Str¨obele</a:t>
+            </a:r>
+            <a:r>
+              <a:rPr lang="en-US" dirty="0"/>
+              <a:t> (2013) Major System database // </a:t>
+            </a:r>
+            <a:r>
+              <a:rPr lang="ru-RU" dirty="0"/>
+              <a:t>Сайт </a:t>
+            </a:r>
+            <a:r>
+              <a:rPr lang="en-US" dirty="0"/>
+              <a:t>major-system.info (https://major-system.info/en/) </a:t>
+            </a:r>
+            <a:r>
+              <a:rPr lang="ru-RU" dirty="0"/>
+              <a:t>Просмотрено: 07.04.2023. </a:t>
+            </a:r>
+            <a:r>
+              <a:rPr lang="ru-RU" dirty="0" smtClean="0"/>
+              <a:t/>
+            </a:r>
+            <a:br>
+              <a:rPr lang="ru-RU" dirty="0" smtClean="0"/>
+            </a:br>
+            <a:r>
+              <a:rPr lang="ru-RU" dirty="0" smtClean="0"/>
+              <a:t>[</a:t>
+            </a:r>
+            <a:r>
+              <a:rPr lang="ru-RU" dirty="0"/>
+              <a:t>16] </a:t>
+            </a:r>
+            <a:r>
+              <a:rPr lang="en-US" dirty="0"/>
+              <a:t>Hale-Evans, Ron (2006) Mind performance hacks // </a:t>
+            </a:r>
+            <a:r>
+              <a:rPr lang="ru-RU" dirty="0"/>
+              <a:t>Сайт </a:t>
+            </a:r>
+            <a:r>
+              <a:rPr lang="en-US" dirty="0"/>
+              <a:t>archive.org (https://archive.org/details/mindperformanceh00hale/page/14/mode/2up) </a:t>
+            </a:r>
+            <a:r>
+              <a:rPr lang="ru-RU" dirty="0"/>
+              <a:t>Просмотрено: 07.04.2023. </a:t>
+            </a:r>
+            <a:r>
+              <a:rPr lang="ru-RU" dirty="0" smtClean="0"/>
+              <a:t/>
+            </a:r>
+            <a:br>
+              <a:rPr lang="ru-RU" dirty="0" smtClean="0"/>
+            </a:br>
+            <a:r>
+              <a:rPr lang="ru-RU" dirty="0" smtClean="0"/>
+              <a:t>[</a:t>
+            </a:r>
+            <a:r>
+              <a:rPr lang="ru-RU" dirty="0"/>
+              <a:t>17] </a:t>
+            </a:r>
+            <a:r>
+              <a:rPr lang="en-US" dirty="0"/>
+              <a:t>Hale-Evans, Ron (2006) Mind performance hacks // </a:t>
+            </a:r>
+            <a:r>
+              <a:rPr lang="ru-RU" dirty="0"/>
+              <a:t>Сайт </a:t>
+            </a:r>
+            <a:r>
+              <a:rPr lang="en-US" dirty="0"/>
+              <a:t>archive.org (https://archive.org/details/mindperformanceh00hale/page/22/mode/2up) </a:t>
+            </a:r>
+            <a:r>
+              <a:rPr lang="ru-RU" dirty="0"/>
+              <a:t>Просмотрено: 07.04.2023.</a:t>
+            </a:r>
+          </a:p>
+        </p:txBody>
+      </p:sp>
+    </p:spTree>
+    <p:extLst>
+      <p:ext uri="{BB962C8B-B14F-4D97-AF65-F5344CB8AC3E}">
+        <p14:creationId xmlns:p14="http://schemas.microsoft.com/office/powerpoint/2010/main" val="1944420304"/>
+      </p:ext>
+    </p:extLst>
+  </p:cSld>
+  <p:clrMapOvr>
+    <a:masterClrMapping/>
+  </p:clrMapOvr>
+</p:sld>
+</file>
+
+<file path=ppt/slides/slide15.xml><?xml version="1.0" encoding="utf-8"?>
+<p:sld xmlns:a="http://schemas.openxmlformats.org/drawingml/2006/main" xmlns:r="http://schemas.openxmlformats.org/officeDocument/2006/relationships" xmlns:p="http://schemas.openxmlformats.org/presentationml/2006/main">
+  <p:cSld>
+    <p:spTree>
+      <p:nvGrpSpPr>
+        <p:cNvPr id="1" name=""/>
+        <p:cNvGrpSpPr/>
+        <p:nvPr/>
+      </p:nvGrpSpPr>
+      <p:grpSpPr>
+        <a:xfrm>
+          <a:off x="0" y="0"/>
+          <a:ext cx="0" cy="0"/>
+          <a:chOff x="0" y="0"/>
+          <a:chExt cx="0" cy="0"/>
+        </a:xfrm>
+      </p:grpSpPr>
+      <p:sp>
+        <p:nvSpPr>
           <p:cNvPr id="3" name="Заголовок 4">
             <a:extLst>
               <a:ext uri="{FF2B5EF4-FFF2-40B4-BE49-F238E27FC236}">
-                <a16:creationId xmlns="" xmlns:a16="http://schemas.microsoft.com/office/drawing/2014/main" id="{D060AA73-8574-054A-B94B-1EAA5FAB0470}"/>
+                <a16:creationId xmlns:a16="http://schemas.microsoft.com/office/drawing/2014/main" xmlns="" id="{D060AA73-8574-054A-B94B-1EAA5FAB0470}"/>
               </a:ext>
             </a:extLst>
           </p:cNvPr>
@@ -16492,7 +17127,7 @@
           <p:cNvPr id="3" name="Заголовок 2">
             <a:extLst>
               <a:ext uri="{FF2B5EF4-FFF2-40B4-BE49-F238E27FC236}">
-                <a16:creationId xmlns="" xmlns:a16="http://schemas.microsoft.com/office/drawing/2014/main" id="{E2EAF03B-EC26-1D47-94AC-C75942861D6C}"/>
+                <a16:creationId xmlns:a16="http://schemas.microsoft.com/office/drawing/2014/main" xmlns="" id="{E2EAF03B-EC26-1D47-94AC-C75942861D6C}"/>
               </a:ext>
             </a:extLst>
           </p:cNvPr>
@@ -16521,7 +17156,7 @@
           <p:cNvPr id="4" name="Текст 3">
             <a:extLst>
               <a:ext uri="{FF2B5EF4-FFF2-40B4-BE49-F238E27FC236}">
-                <a16:creationId xmlns="" xmlns:a16="http://schemas.microsoft.com/office/drawing/2014/main" id="{53356540-7218-FF4B-B6BC-5BD291A372E2}"/>
+                <a16:creationId xmlns:a16="http://schemas.microsoft.com/office/drawing/2014/main" xmlns="" id="{53356540-7218-FF4B-B6BC-5BD291A372E2}"/>
               </a:ext>
             </a:extLst>
           </p:cNvPr>
@@ -16556,7 +17191,7 @@
           <p:cNvPr id="5" name="Текст 4">
             <a:extLst>
               <a:ext uri="{FF2B5EF4-FFF2-40B4-BE49-F238E27FC236}">
-                <a16:creationId xmlns="" xmlns:a16="http://schemas.microsoft.com/office/drawing/2014/main" id="{3EB29DC1-D5D4-FB41-9E2D-AA4750D0CC8B}"/>
+                <a16:creationId xmlns:a16="http://schemas.microsoft.com/office/drawing/2014/main" xmlns="" id="{3EB29DC1-D5D4-FB41-9E2D-AA4750D0CC8B}"/>
               </a:ext>
             </a:extLst>
           </p:cNvPr>
@@ -16592,7 +17227,7 @@
           <p:cNvPr id="6" name="Текст 5">
             <a:extLst>
               <a:ext uri="{FF2B5EF4-FFF2-40B4-BE49-F238E27FC236}">
-                <a16:creationId xmlns="" xmlns:a16="http://schemas.microsoft.com/office/drawing/2014/main" id="{B5B6DD1A-BEFA-D842-9B7A-78D7BD1A5259}"/>
+                <a16:creationId xmlns:a16="http://schemas.microsoft.com/office/drawing/2014/main" xmlns="" id="{B5B6DD1A-BEFA-D842-9B7A-78D7BD1A5259}"/>
               </a:ext>
             </a:extLst>
           </p:cNvPr>
@@ -16628,7 +17263,7 @@
           <p:cNvPr id="7" name="Текст 6">
             <a:extLst>
               <a:ext uri="{FF2B5EF4-FFF2-40B4-BE49-F238E27FC236}">
-                <a16:creationId xmlns="" xmlns:a16="http://schemas.microsoft.com/office/drawing/2014/main" id="{88968744-3B75-9B47-92FD-77E1E725F232}"/>
+                <a16:creationId xmlns:a16="http://schemas.microsoft.com/office/drawing/2014/main" xmlns="" id="{88968744-3B75-9B47-92FD-77E1E725F232}"/>
               </a:ext>
             </a:extLst>
           </p:cNvPr>
@@ -16736,7 +17371,7 @@
           <p:cNvPr id="2" name="Текст 1">
             <a:extLst>
               <a:ext uri="{FF2B5EF4-FFF2-40B4-BE49-F238E27FC236}">
-                <a16:creationId xmlns="" xmlns:a16="http://schemas.microsoft.com/office/drawing/2014/main" id="{0648CF85-8F56-2C4F-8090-85FF4624B587}"/>
+                <a16:creationId xmlns:a16="http://schemas.microsoft.com/office/drawing/2014/main" xmlns="" id="{0648CF85-8F56-2C4F-8090-85FF4624B587}"/>
               </a:ext>
             </a:extLst>
           </p:cNvPr>
@@ -16772,7 +17407,7 @@
           <p:cNvPr id="3" name="Текст 2">
             <a:extLst>
               <a:ext uri="{FF2B5EF4-FFF2-40B4-BE49-F238E27FC236}">
-                <a16:creationId xmlns="" xmlns:a16="http://schemas.microsoft.com/office/drawing/2014/main" id="{5576F3CC-3C73-F441-AAE6-50AF712EACBF}"/>
+                <a16:creationId xmlns:a16="http://schemas.microsoft.com/office/drawing/2014/main" xmlns="" id="{5576F3CC-3C73-F441-AAE6-50AF712EACBF}"/>
               </a:ext>
             </a:extLst>
           </p:cNvPr>
@@ -16815,7 +17450,7 @@
           <p:cNvPr id="4" name="Заголовок 3">
             <a:extLst>
               <a:ext uri="{FF2B5EF4-FFF2-40B4-BE49-F238E27FC236}">
-                <a16:creationId xmlns="" xmlns:a16="http://schemas.microsoft.com/office/drawing/2014/main" id="{C7D49100-ECF5-A24F-9537-3BD16DFCCCC7}"/>
+                <a16:creationId xmlns:a16="http://schemas.microsoft.com/office/drawing/2014/main" xmlns="" id="{C7D49100-ECF5-A24F-9537-3BD16DFCCCC7}"/>
               </a:ext>
             </a:extLst>
           </p:cNvPr>
@@ -16857,7 +17492,7 @@
           <p:cNvPr id="5" name="Текст 4">
             <a:extLst>
               <a:ext uri="{FF2B5EF4-FFF2-40B4-BE49-F238E27FC236}">
-                <a16:creationId xmlns="" xmlns:a16="http://schemas.microsoft.com/office/drawing/2014/main" id="{9B7E5D6A-C1E4-8943-BE6A-9D9537FCC2D6}"/>
+                <a16:creationId xmlns:a16="http://schemas.microsoft.com/office/drawing/2014/main" xmlns="" id="{9B7E5D6A-C1E4-8943-BE6A-9D9537FCC2D6}"/>
               </a:ext>
             </a:extLst>
           </p:cNvPr>
@@ -16890,7 +17525,7 @@
           <p:cNvPr id="6" name="Текст 5">
             <a:extLst>
               <a:ext uri="{FF2B5EF4-FFF2-40B4-BE49-F238E27FC236}">
-                <a16:creationId xmlns="" xmlns:a16="http://schemas.microsoft.com/office/drawing/2014/main" id="{1F4B1D31-3576-0740-BA52-B317564F66BD}"/>
+                <a16:creationId xmlns:a16="http://schemas.microsoft.com/office/drawing/2014/main" xmlns="" id="{1F4B1D31-3576-0740-BA52-B317564F66BD}"/>
               </a:ext>
             </a:extLst>
           </p:cNvPr>
@@ -17025,7 +17660,7 @@
           <p:cNvPr id="2" name="Текст 1">
             <a:extLst>
               <a:ext uri="{FF2B5EF4-FFF2-40B4-BE49-F238E27FC236}">
-                <a16:creationId xmlns="" xmlns:a16="http://schemas.microsoft.com/office/drawing/2014/main" id="{DA33D5D5-13C7-8644-8CD8-A04CCCE73695}"/>
+                <a16:creationId xmlns:a16="http://schemas.microsoft.com/office/drawing/2014/main" xmlns="" id="{DA33D5D5-13C7-8644-8CD8-A04CCCE73695}"/>
               </a:ext>
             </a:extLst>
           </p:cNvPr>
@@ -17060,7 +17695,7 @@
           <p:cNvPr id="3" name="Текст 2">
             <a:extLst>
               <a:ext uri="{FF2B5EF4-FFF2-40B4-BE49-F238E27FC236}">
-                <a16:creationId xmlns="" xmlns:a16="http://schemas.microsoft.com/office/drawing/2014/main" id="{B68095CB-94DB-754D-A4ED-35EBDDB3F749}"/>
+                <a16:creationId xmlns:a16="http://schemas.microsoft.com/office/drawing/2014/main" xmlns="" id="{B68095CB-94DB-754D-A4ED-35EBDDB3F749}"/>
               </a:ext>
             </a:extLst>
           </p:cNvPr>
@@ -17096,7 +17731,7 @@
           <p:cNvPr id="4" name="Заголовок 3">
             <a:extLst>
               <a:ext uri="{FF2B5EF4-FFF2-40B4-BE49-F238E27FC236}">
-                <a16:creationId xmlns="" xmlns:a16="http://schemas.microsoft.com/office/drawing/2014/main" id="{DEBFC62C-9588-F544-918B-2104A12C933E}"/>
+                <a16:creationId xmlns:a16="http://schemas.microsoft.com/office/drawing/2014/main" xmlns="" id="{DEBFC62C-9588-F544-918B-2104A12C933E}"/>
               </a:ext>
             </a:extLst>
           </p:cNvPr>
@@ -17133,7 +17768,7 @@
           <p:cNvPr id="5" name="Текст 4">
             <a:extLst>
               <a:ext uri="{FF2B5EF4-FFF2-40B4-BE49-F238E27FC236}">
-                <a16:creationId xmlns="" xmlns:a16="http://schemas.microsoft.com/office/drawing/2014/main" id="{A6622317-DCC7-F945-8031-3E7F389B9870}"/>
+                <a16:creationId xmlns:a16="http://schemas.microsoft.com/office/drawing/2014/main" xmlns="" id="{A6622317-DCC7-F945-8031-3E7F389B9870}"/>
               </a:ext>
             </a:extLst>
           </p:cNvPr>
@@ -17176,11 +17811,7 @@
             </a:r>
             <a:r>
               <a:rPr lang="ru-RU" sz="2000" dirty="0" smtClean="0"/>
-              <a:t>использованием</a:t>
-            </a:r>
-            <a:r>
-              <a:rPr lang="ru-RU" sz="2000" dirty="0" smtClean="0"/>
-              <a:t> </a:t>
+              <a:t>использованием </a:t>
             </a:r>
             <a:r>
               <a:rPr lang="ru-RU" sz="2000" dirty="0"/>
@@ -17209,7 +17840,7 @@
           <p:cNvPr id="7" name="Текст 6">
             <a:extLst>
               <a:ext uri="{FF2B5EF4-FFF2-40B4-BE49-F238E27FC236}">
-                <a16:creationId xmlns="" xmlns:a16="http://schemas.microsoft.com/office/drawing/2014/main" id="{B46BB51F-3F05-3C42-B510-D008849890AC}"/>
+                <a16:creationId xmlns:a16="http://schemas.microsoft.com/office/drawing/2014/main" xmlns="" id="{B46BB51F-3F05-3C42-B510-D008849890AC}"/>
               </a:ext>
             </a:extLst>
           </p:cNvPr>
@@ -17239,11 +17870,7 @@
             </a:pPr>
             <a:r>
               <a:rPr lang="ru-RU" sz="2000" dirty="0"/>
-              <a:t>Задачи </a:t>
-            </a:r>
-            <a:r>
-              <a:rPr lang="ru-RU" sz="2000" dirty="0"/>
-              <a:t>работы:</a:t>
+              <a:t>Задачи работы:</a:t>
             </a:r>
           </a:p>
           <a:p>
@@ -17259,8 +17886,8 @@
               <a:t>анализ </a:t>
             </a:r>
             <a:r>
-              <a:rPr lang="ru-RU" sz="2000" dirty="0"/>
-              <a:t>источников</a:t>
+              <a:rPr lang="ru-RU" sz="2000" dirty="0" smtClean="0"/>
+              <a:t>имеющихся источников</a:t>
             </a:r>
             <a:r>
               <a:rPr lang="ru-RU" sz="2000" dirty="0"/>
@@ -17277,15 +17904,7 @@
             </a:pPr>
             <a:r>
               <a:rPr lang="ru-RU" sz="2000" dirty="0"/>
-              <a:t>общение </a:t>
-            </a:r>
-            <a:r>
-              <a:rPr lang="ru-RU" sz="2000" dirty="0"/>
-              <a:t>с потенциальными </a:t>
-            </a:r>
-            <a:r>
-              <a:rPr lang="ru-RU" sz="2000" dirty="0"/>
-              <a:t>пользователями,</a:t>
+              <a:t>общение с потенциальными пользователями,</a:t>
             </a:r>
           </a:p>
           <a:p>
@@ -17298,15 +17917,7 @@
             </a:pPr>
             <a:r>
               <a:rPr lang="ru-RU" sz="2000" dirty="0"/>
-              <a:t>анализ </a:t>
-            </a:r>
-            <a:r>
-              <a:rPr lang="ru-RU" sz="2000" dirty="0"/>
-              <a:t>потенциальных конкурентов</a:t>
-            </a:r>
-            <a:r>
-              <a:rPr lang="ru-RU" sz="2000" dirty="0"/>
-              <a:t>,</a:t>
+              <a:t>анализ потенциальных конкурентов,</a:t>
             </a:r>
           </a:p>
           <a:p>
@@ -17319,15 +17930,7 @@
             </a:pPr>
             <a:r>
               <a:rPr lang="ru-RU" sz="2000" dirty="0"/>
-              <a:t>создание </a:t>
-            </a:r>
-            <a:r>
-              <a:rPr lang="ru-RU" sz="2000" dirty="0"/>
-              <a:t>прототипа </a:t>
-            </a:r>
-            <a:r>
-              <a:rPr lang="ru-RU" sz="2000" dirty="0"/>
-              <a:t>приложения,</a:t>
+              <a:t>создание прототипа приложения,</a:t>
             </a:r>
           </a:p>
           <a:p>
@@ -17353,15 +17956,7 @@
             </a:pPr>
             <a:r>
               <a:rPr lang="ru-RU" sz="2000" dirty="0"/>
-              <a:t>разработка </a:t>
-            </a:r>
-            <a:r>
-              <a:rPr lang="ru-RU" sz="2000" dirty="0"/>
-              <a:t>мобильного приложения</a:t>
-            </a:r>
-            <a:r>
-              <a:rPr lang="ru-RU" sz="2000" dirty="0"/>
-              <a:t>,</a:t>
+              <a:t>разработка мобильного приложения,</a:t>
             </a:r>
           </a:p>
           <a:p>
@@ -17374,11 +17969,7 @@
             </a:pPr>
             <a:r>
               <a:rPr lang="ru-RU" sz="2000" dirty="0"/>
-              <a:t>подготовка </a:t>
-            </a:r>
-            <a:r>
-              <a:rPr lang="ru-RU" sz="2000" dirty="0"/>
-              <a:t>итогового отчёта.</a:t>
+              <a:t>подготовка итогового отчёта.</a:t>
             </a:r>
           </a:p>
         </p:txBody>
@@ -17388,7 +17979,7 @@
           <p:cNvPr id="8" name="Текст 7">
             <a:extLst>
               <a:ext uri="{FF2B5EF4-FFF2-40B4-BE49-F238E27FC236}">
-                <a16:creationId xmlns="" xmlns:a16="http://schemas.microsoft.com/office/drawing/2014/main" id="{5FE4DD9E-D443-AF4F-A072-F5C4D494A05A}"/>
+                <a16:creationId xmlns:a16="http://schemas.microsoft.com/office/drawing/2014/main" xmlns="" id="{5FE4DD9E-D443-AF4F-A072-F5C4D494A05A}"/>
               </a:ext>
             </a:extLst>
           </p:cNvPr>
@@ -17457,7 +18048,7 @@
           <p:cNvPr id="2" name="Текст 1">
             <a:extLst>
               <a:ext uri="{FF2B5EF4-FFF2-40B4-BE49-F238E27FC236}">
-                <a16:creationId xmlns="" xmlns:a16="http://schemas.microsoft.com/office/drawing/2014/main" id="{7686AF3F-C863-864E-AFDC-D574F8060B43}"/>
+                <a16:creationId xmlns:a16="http://schemas.microsoft.com/office/drawing/2014/main" xmlns="" id="{7686AF3F-C863-864E-AFDC-D574F8060B43}"/>
               </a:ext>
             </a:extLst>
           </p:cNvPr>
@@ -17492,7 +18083,7 @@
           <p:cNvPr id="3" name="Текст 2">
             <a:extLst>
               <a:ext uri="{FF2B5EF4-FFF2-40B4-BE49-F238E27FC236}">
-                <a16:creationId xmlns="" xmlns:a16="http://schemas.microsoft.com/office/drawing/2014/main" id="{D3A1EC68-7619-8F49-AEC3-176ECF1F6A21}"/>
+                <a16:creationId xmlns:a16="http://schemas.microsoft.com/office/drawing/2014/main" xmlns="" id="{D3A1EC68-7619-8F49-AEC3-176ECF1F6A21}"/>
               </a:ext>
             </a:extLst>
           </p:cNvPr>
@@ -17535,7 +18126,7 @@
           <p:cNvPr id="4" name="Текст 3">
             <a:extLst>
               <a:ext uri="{FF2B5EF4-FFF2-40B4-BE49-F238E27FC236}">
-                <a16:creationId xmlns="" xmlns:a16="http://schemas.microsoft.com/office/drawing/2014/main" id="{D223B065-0902-0141-A245-63D5DCF436EE}"/>
+                <a16:creationId xmlns:a16="http://schemas.microsoft.com/office/drawing/2014/main" xmlns="" id="{D223B065-0902-0141-A245-63D5DCF436EE}"/>
               </a:ext>
             </a:extLst>
           </p:cNvPr>
@@ -17574,7 +18165,7 @@
           <p:cNvPr id="5" name="Заголовок 4">
             <a:extLst>
               <a:ext uri="{FF2B5EF4-FFF2-40B4-BE49-F238E27FC236}">
-                <a16:creationId xmlns="" xmlns:a16="http://schemas.microsoft.com/office/drawing/2014/main" id="{3872CBB7-AE1B-9D40-A298-6BDF023AFBD6}"/>
+                <a16:creationId xmlns:a16="http://schemas.microsoft.com/office/drawing/2014/main" xmlns="" id="{3872CBB7-AE1B-9D40-A298-6BDF023AFBD6}"/>
               </a:ext>
             </a:extLst>
           </p:cNvPr>
@@ -17608,7 +18199,7 @@
           <p:cNvPr id="6" name="Текст 5">
             <a:extLst>
               <a:ext uri="{FF2B5EF4-FFF2-40B4-BE49-F238E27FC236}">
-                <a16:creationId xmlns="" xmlns:a16="http://schemas.microsoft.com/office/drawing/2014/main" id="{87F297E4-9695-684A-A8A3-54FEC946000F}"/>
+                <a16:creationId xmlns:a16="http://schemas.microsoft.com/office/drawing/2014/main" xmlns="" id="{87F297E4-9695-684A-A8A3-54FEC946000F}"/>
               </a:ext>
             </a:extLst>
           </p:cNvPr>
@@ -17621,22 +18212,42 @@
         </p:nvSpPr>
         <p:spPr>
           <a:xfrm>
-            <a:off x="585899" y="2379663"/>
-            <a:ext cx="3934344" cy="4180528"/>
+            <a:off x="585899" y="2249467"/>
+            <a:ext cx="5357702" cy="4180528"/>
           </a:xfrm>
         </p:spPr>
         <p:txBody>
           <a:bodyPr>
-            <a:normAutofit lnSpcReduction="10000"/>
+            <a:noAutofit/>
           </a:bodyPr>
           <a:lstStyle/>
           <a:p>
             <a:r>
-              <a:rPr lang="ru-RU" dirty="0"/>
-              <a:t>Несмотря на то, что Доминиканская система показывает лучшие результаты, количество компьютерных сервисов, упрощающих работу с ней, значительно меньше, чем с основной мнемонической системой. Сервисы, позволяющие использовать и ту, и другую мнемонические системы, отсутствуют на рынке. Исследование конкурентов показывает, что в англоговорящей среде более распространена основная мнемоническая система, но в существующих приложениях для ее использования есть недостатки: </a:t>
-            </a:r>
-            <a:r>
-              <a:rPr lang="ru-RU" dirty="0" smtClean="0"/>
+              <a:rPr lang="ru-RU" sz="2000" dirty="0" smtClean="0"/>
+              <a:t>Исследование </a:t>
+            </a:r>
+            <a:r>
+              <a:rPr lang="ru-RU" sz="2000" dirty="0"/>
+              <a:t>конкурентов показывает, что </a:t>
+            </a:r>
+            <a:r>
+              <a:rPr lang="ru-RU" sz="2000" dirty="0" smtClean="0"/>
+              <a:t>в </a:t>
+            </a:r>
+            <a:r>
+              <a:rPr lang="ru-RU" sz="2000" dirty="0"/>
+              <a:t>существующих приложениях для </a:t>
+            </a:r>
+            <a:r>
+              <a:rPr lang="ru-RU" sz="2000" dirty="0" smtClean="0"/>
+              <a:t>использования мнемонических систем есть </a:t>
+            </a:r>
+            <a:r>
+              <a:rPr lang="ru-RU" sz="2000" dirty="0"/>
+              <a:t>недостатки: </a:t>
+            </a:r>
+            <a:r>
+              <a:rPr lang="ru-RU" sz="2000" dirty="0" smtClean="0"/>
               <a:t> </a:t>
             </a:r>
           </a:p>
@@ -17646,14 +18257,14 @@
               <a:buChar char="•"/>
             </a:pPr>
             <a:r>
-              <a:rPr lang="ru-RU" dirty="0" smtClean="0"/>
+              <a:rPr lang="ru-RU" sz="2000" dirty="0" smtClean="0"/>
               <a:t>Устаревший </a:t>
             </a:r>
             <a:r>
-              <a:rPr lang="ru-RU" dirty="0"/>
+              <a:rPr lang="ru-RU" sz="2000" dirty="0"/>
               <a:t>дизайн;  </a:t>
             </a:r>
-            <a:endParaRPr lang="ru-RU" dirty="0" smtClean="0"/>
+            <a:endParaRPr lang="ru-RU" sz="2000" dirty="0" smtClean="0"/>
           </a:p>
           <a:p>
             <a:pPr marL="285750" indent="-285750">
@@ -17661,14 +18272,14 @@
               <a:buChar char="•"/>
             </a:pPr>
             <a:r>
-              <a:rPr lang="ru-RU" dirty="0" smtClean="0"/>
+              <a:rPr lang="ru-RU" sz="2000" dirty="0" smtClean="0"/>
               <a:t>Небольшой </a:t>
             </a:r>
             <a:r>
-              <a:rPr lang="ru-RU" dirty="0"/>
+              <a:rPr lang="ru-RU" sz="2000" dirty="0"/>
               <a:t>выбор языков интерфейса;  </a:t>
             </a:r>
-            <a:endParaRPr lang="ru-RU" dirty="0" smtClean="0"/>
+            <a:endParaRPr lang="ru-RU" sz="2000" dirty="0" smtClean="0"/>
           </a:p>
           <a:p>
             <a:pPr marL="285750" indent="-285750">
@@ -17676,14 +18287,14 @@
               <a:buChar char="•"/>
             </a:pPr>
             <a:r>
-              <a:rPr lang="ru-RU" dirty="0" smtClean="0"/>
+              <a:rPr lang="ru-RU" sz="2000" dirty="0" smtClean="0"/>
               <a:t>Отсутствие </a:t>
             </a:r>
             <a:r>
-              <a:rPr lang="ru-RU" dirty="0"/>
+              <a:rPr lang="ru-RU" sz="2000" dirty="0"/>
               <a:t>возможности сохранения запоминаемых чисел;  </a:t>
             </a:r>
-            <a:endParaRPr lang="ru-RU" dirty="0" smtClean="0"/>
+            <a:endParaRPr lang="ru-RU" sz="2000" dirty="0" smtClean="0"/>
           </a:p>
           <a:p>
             <a:pPr marL="285750" indent="-285750">
@@ -17691,11 +18302,11 @@
               <a:buChar char="•"/>
             </a:pPr>
             <a:r>
-              <a:rPr lang="ru-RU" dirty="0" smtClean="0"/>
+              <a:rPr lang="ru-RU" sz="2000" dirty="0" smtClean="0"/>
               <a:t>Недостаточное </a:t>
             </a:r>
             <a:r>
-              <a:rPr lang="ru-RU" dirty="0"/>
+              <a:rPr lang="ru-RU" sz="2000" dirty="0"/>
               <a:t>количество функций.</a:t>
             </a:r>
           </a:p>
@@ -17724,8 +18335,8 @@
         </p:blipFill>
         <p:spPr bwMode="auto">
           <a:xfrm>
-            <a:off x="6023296" y="1213943"/>
-            <a:ext cx="4789444" cy="2582242"/>
+            <a:off x="7013274" y="1800426"/>
+            <a:ext cx="4066883" cy="2192671"/>
           </a:xfrm>
           <a:prstGeom prst="rect">
             <a:avLst/>
@@ -17788,8 +18399,8 @@
         </p:blipFill>
         <p:spPr bwMode="auto">
           <a:xfrm>
-            <a:off x="5408293" y="3820568"/>
-            <a:ext cx="6269183" cy="2604424"/>
+            <a:off x="6374921" y="3993097"/>
+            <a:ext cx="5181785" cy="2152683"/>
           </a:xfrm>
           <a:prstGeom prst="rect">
             <a:avLst/>
@@ -17864,7 +18475,7 @@
           <p:cNvPr id="2" name="Текст 1">
             <a:extLst>
               <a:ext uri="{FF2B5EF4-FFF2-40B4-BE49-F238E27FC236}">
-                <a16:creationId xmlns="" xmlns:a16="http://schemas.microsoft.com/office/drawing/2014/main" id="{ABE1F6DB-2C79-0F40-985F-DB8180BAFB92}"/>
+                <a16:creationId xmlns:a16="http://schemas.microsoft.com/office/drawing/2014/main" xmlns="" id="{7686AF3F-C863-864E-AFDC-D574F8060B43}"/>
               </a:ext>
             </a:extLst>
           </p:cNvPr>
@@ -17880,7 +18491,17 @@
           <a:bodyPr/>
           <a:lstStyle/>
           <a:p>
-            <a:endParaRPr lang="ru-RU"/>
+            <a:r>
+              <a:rPr lang="ru-RU" dirty="0" smtClean="0"/>
+              <a:t>НИУ ВШЭ</a:t>
+            </a:r>
+          </a:p>
+          <a:p>
+            <a:r>
+              <a:rPr lang="ru-RU" dirty="0" smtClean="0"/>
+              <a:t>ФКН ПИ</a:t>
+            </a:r>
+            <a:endParaRPr lang="ru-RU" dirty="0"/>
           </a:p>
         </p:txBody>
       </p:sp>
@@ -17889,7 +18510,7 @@
           <p:cNvPr id="3" name="Текст 2">
             <a:extLst>
               <a:ext uri="{FF2B5EF4-FFF2-40B4-BE49-F238E27FC236}">
-                <a16:creationId xmlns="" xmlns:a16="http://schemas.microsoft.com/office/drawing/2014/main" id="{92CC9B4C-151F-204A-9B26-BE1838EFB24F}"/>
+                <a16:creationId xmlns:a16="http://schemas.microsoft.com/office/drawing/2014/main" xmlns="" id="{D3A1EC68-7619-8F49-AEC3-176ECF1F6A21}"/>
               </a:ext>
             </a:extLst>
           </p:cNvPr>
@@ -17909,16 +18530,17 @@
               <a:rPr lang="en-US" dirty="0"/>
               <a:t>Mnemonic </a:t>
             </a:r>
-            <a:endParaRPr lang="ru-RU" dirty="0"/>
-          </a:p>
-          <a:p>
+            <a:endParaRPr lang="ru-RU" dirty="0" smtClean="0"/>
+          </a:p>
+          <a:p>
+            <a:r>
+              <a:rPr lang="en-US" dirty="0" smtClean="0"/>
+              <a:t>systems </a:t>
+            </a:r>
             <a:r>
               <a:rPr lang="en-US" dirty="0"/>
-              <a:t>systems app</a:t>
-            </a:r>
-            <a:endParaRPr lang="ru-RU" dirty="0"/>
-          </a:p>
-          <a:p>
+              <a:t>app</a:t>
+            </a:r>
             <a:endParaRPr lang="ru-RU" dirty="0"/>
           </a:p>
           <a:p>
@@ -17931,7 +18553,7 @@
           <p:cNvPr id="4" name="Текст 3">
             <a:extLst>
               <a:ext uri="{FF2B5EF4-FFF2-40B4-BE49-F238E27FC236}">
-                <a16:creationId xmlns="" xmlns:a16="http://schemas.microsoft.com/office/drawing/2014/main" id="{43CD81CA-2715-AB4B-A575-27FBCE550D22}"/>
+                <a16:creationId xmlns:a16="http://schemas.microsoft.com/office/drawing/2014/main" xmlns="" id="{D223B065-0902-0141-A245-63D5DCF436EE}"/>
               </a:ext>
             </a:extLst>
           </p:cNvPr>
@@ -17948,6 +18570,206 @@
           <a:lstStyle/>
           <a:p>
             <a:r>
+              <a:rPr lang="ru-RU" dirty="0"/>
+              <a:t>Анализ </a:t>
+            </a:r>
+            <a:r>
+              <a:rPr lang="ru-RU" dirty="0" smtClean="0"/>
+              <a:t>существующих</a:t>
+            </a:r>
+          </a:p>
+          <a:p>
+            <a:r>
+              <a:rPr lang="ru-RU" dirty="0" smtClean="0"/>
+              <a:t>решений</a:t>
+            </a:r>
+            <a:endParaRPr lang="ru-RU" dirty="0"/>
+          </a:p>
+        </p:txBody>
+      </p:sp>
+      <p:pic>
+        <p:nvPicPr>
+          <p:cNvPr id="1026" name="Picture 2"/>
+          <p:cNvPicPr>
+            <a:picLocks noChangeAspect="1" noChangeArrowheads="1"/>
+          </p:cNvPicPr>
+          <p:nvPr/>
+        </p:nvPicPr>
+        <p:blipFill>
+          <a:blip r:embed="rId2">
+            <a:extLst>
+              <a:ext uri="{28A0092B-C50C-407E-A947-70E740481C1C}">
+                <a14:useLocalDpi xmlns:a14="http://schemas.microsoft.com/office/drawing/2010/main" val="0"/>
+              </a:ext>
+            </a:extLst>
+          </a:blip>
+          <a:srcRect/>
+          <a:stretch>
+            <a:fillRect/>
+          </a:stretch>
+        </p:blipFill>
+        <p:spPr bwMode="auto">
+          <a:xfrm>
+            <a:off x="379814" y="2238882"/>
+            <a:ext cx="11343484" cy="3340829"/>
+          </a:xfrm>
+          <a:prstGeom prst="rect">
+            <a:avLst/>
+          </a:prstGeom>
+          <a:noFill/>
+          <a:ln>
+            <a:noFill/>
+          </a:ln>
+          <a:effectLst/>
+          <a:extLst>
+            <a:ext uri="{909E8E84-426E-40DD-AFC4-6F175D3DCCD1}">
+              <a14:hiddenFill xmlns:a14="http://schemas.microsoft.com/office/drawing/2010/main">
+                <a:solidFill>
+                  <a:schemeClr val="accent1"/>
+                </a:solidFill>
+              </a14:hiddenFill>
+            </a:ext>
+            <a:ext uri="{91240B29-F687-4F45-9708-019B960494DF}">
+              <a14:hiddenLine xmlns:a14="http://schemas.microsoft.com/office/drawing/2010/main" w="9525">
+                <a:solidFill>
+                  <a:schemeClr val="tx1"/>
+                </a:solidFill>
+                <a:miter lim="800000"/>
+                <a:headEnd/>
+                <a:tailEnd/>
+              </a14:hiddenLine>
+            </a:ext>
+            <a:ext uri="{AF507438-7753-43E0-B8FC-AC1667EBCBE1}">
+              <a14:hiddenEffects xmlns:a14="http://schemas.microsoft.com/office/drawing/2010/main">
+                <a:effectLst>
+                  <a:outerShdw dist="35921" dir="2700000" algn="ctr" rotWithShape="0">
+                    <a:schemeClr val="bg2"/>
+                  </a:outerShdw>
+                </a:effectLst>
+              </a14:hiddenEffects>
+            </a:ext>
+          </a:extLst>
+        </p:spPr>
+      </p:pic>
+    </p:spTree>
+    <p:extLst>
+      <p:ext uri="{BB962C8B-B14F-4D97-AF65-F5344CB8AC3E}">
+        <p14:creationId xmlns:p14="http://schemas.microsoft.com/office/powerpoint/2010/main" val="3600211765"/>
+      </p:ext>
+    </p:extLst>
+  </p:cSld>
+  <p:clrMapOvr>
+    <a:masterClrMapping/>
+  </p:clrMapOvr>
+</p:sld>
+</file>
+
+<file path=ppt/slides/slide7.xml><?xml version="1.0" encoding="utf-8"?>
+<p:sld xmlns:a="http://schemas.openxmlformats.org/drawingml/2006/main" xmlns:r="http://schemas.openxmlformats.org/officeDocument/2006/relationships" xmlns:p="http://schemas.openxmlformats.org/presentationml/2006/main">
+  <p:cSld>
+    <p:spTree>
+      <p:nvGrpSpPr>
+        <p:cNvPr id="1" name=""/>
+        <p:cNvGrpSpPr/>
+        <p:nvPr/>
+      </p:nvGrpSpPr>
+      <p:grpSpPr>
+        <a:xfrm>
+          <a:off x="0" y="0"/>
+          <a:ext cx="0" cy="0"/>
+          <a:chOff x="0" y="0"/>
+          <a:chExt cx="0" cy="0"/>
+        </a:xfrm>
+      </p:grpSpPr>
+      <p:sp>
+        <p:nvSpPr>
+          <p:cNvPr id="2" name="Текст 1">
+            <a:extLst>
+              <a:ext uri="{FF2B5EF4-FFF2-40B4-BE49-F238E27FC236}">
+                <a16:creationId xmlns:a16="http://schemas.microsoft.com/office/drawing/2014/main" xmlns="" id="{ABE1F6DB-2C79-0F40-985F-DB8180BAFB92}"/>
+              </a:ext>
+            </a:extLst>
+          </p:cNvPr>
+          <p:cNvSpPr>
+            <a:spLocks noGrp="1"/>
+          </p:cNvSpPr>
+          <p:nvPr>
+            <p:ph type="body" sz="quarter" idx="13"/>
+          </p:nvPr>
+        </p:nvSpPr>
+        <p:spPr/>
+        <p:txBody>
+          <a:bodyPr/>
+          <a:lstStyle/>
+          <a:p>
+            <a:endParaRPr lang="ru-RU"/>
+          </a:p>
+        </p:txBody>
+      </p:sp>
+      <p:sp>
+        <p:nvSpPr>
+          <p:cNvPr id="3" name="Текст 2">
+            <a:extLst>
+              <a:ext uri="{FF2B5EF4-FFF2-40B4-BE49-F238E27FC236}">
+                <a16:creationId xmlns:a16="http://schemas.microsoft.com/office/drawing/2014/main" xmlns="" id="{92CC9B4C-151F-204A-9B26-BE1838EFB24F}"/>
+              </a:ext>
+            </a:extLst>
+          </p:cNvPr>
+          <p:cNvSpPr>
+            <a:spLocks noGrp="1"/>
+          </p:cNvSpPr>
+          <p:nvPr>
+            <p:ph type="body" sz="quarter" idx="14"/>
+          </p:nvPr>
+        </p:nvSpPr>
+        <p:spPr/>
+        <p:txBody>
+          <a:bodyPr/>
+          <a:lstStyle/>
+          <a:p>
+            <a:r>
+              <a:rPr lang="en-US" dirty="0"/>
+              <a:t>Mnemonic </a:t>
+            </a:r>
+            <a:endParaRPr lang="ru-RU" dirty="0"/>
+          </a:p>
+          <a:p>
+            <a:r>
+              <a:rPr lang="en-US" dirty="0"/>
+              <a:t>systems app</a:t>
+            </a:r>
+            <a:endParaRPr lang="ru-RU" dirty="0"/>
+          </a:p>
+          <a:p>
+            <a:endParaRPr lang="ru-RU" dirty="0"/>
+          </a:p>
+          <a:p>
+            <a:endParaRPr lang="ru-RU" dirty="0"/>
+          </a:p>
+        </p:txBody>
+      </p:sp>
+      <p:sp>
+        <p:nvSpPr>
+          <p:cNvPr id="4" name="Текст 3">
+            <a:extLst>
+              <a:ext uri="{FF2B5EF4-FFF2-40B4-BE49-F238E27FC236}">
+                <a16:creationId xmlns:a16="http://schemas.microsoft.com/office/drawing/2014/main" xmlns="" id="{43CD81CA-2715-AB4B-A575-27FBCE550D22}"/>
+              </a:ext>
+            </a:extLst>
+          </p:cNvPr>
+          <p:cNvSpPr>
+            <a:spLocks noGrp="1"/>
+          </p:cNvSpPr>
+          <p:nvPr>
+            <p:ph type="body" sz="quarter" idx="15"/>
+          </p:nvPr>
+        </p:nvSpPr>
+        <p:spPr/>
+        <p:txBody>
+          <a:bodyPr/>
+          <a:lstStyle/>
+          <a:p>
+            <a:r>
               <a:rPr lang="ru-RU" dirty="0" smtClean="0"/>
               <a:t>Функциональные</a:t>
             </a:r>
@@ -17966,7 +18788,7 @@
           <p:cNvPr id="5" name="Заголовок 4">
             <a:extLst>
               <a:ext uri="{FF2B5EF4-FFF2-40B4-BE49-F238E27FC236}">
-                <a16:creationId xmlns="" xmlns:a16="http://schemas.microsoft.com/office/drawing/2014/main" id="{D6248A15-8E7E-BC4A-A1F2-4446573BCA36}"/>
+                <a16:creationId xmlns:a16="http://schemas.microsoft.com/office/drawing/2014/main" xmlns="" id="{D6248A15-8E7E-BC4A-A1F2-4446573BCA36}"/>
               </a:ext>
             </a:extLst>
           </p:cNvPr>
@@ -18007,7 +18829,7 @@
           <p:cNvPr id="6" name="Текст 5">
             <a:extLst>
               <a:ext uri="{FF2B5EF4-FFF2-40B4-BE49-F238E27FC236}">
-                <a16:creationId xmlns="" xmlns:a16="http://schemas.microsoft.com/office/drawing/2014/main" id="{5759A9C6-69C4-5447-8A46-A98387532C83}"/>
+                <a16:creationId xmlns:a16="http://schemas.microsoft.com/office/drawing/2014/main" xmlns="" id="{5759A9C6-69C4-5447-8A46-A98387532C83}"/>
               </a:ext>
             </a:extLst>
           </p:cNvPr>
@@ -18192,336 +19014,6 @@
 </p:sld>
 </file>
 
-<file path=ppt/slides/slide7.xml><?xml version="1.0" encoding="utf-8"?>
-<p:sld xmlns:a="http://schemas.openxmlformats.org/drawingml/2006/main" xmlns:r="http://schemas.openxmlformats.org/officeDocument/2006/relationships" xmlns:p="http://schemas.openxmlformats.org/presentationml/2006/main">
-  <p:cSld>
-    <p:spTree>
-      <p:nvGrpSpPr>
-        <p:cNvPr id="1" name=""/>
-        <p:cNvGrpSpPr/>
-        <p:nvPr/>
-      </p:nvGrpSpPr>
-      <p:grpSpPr>
-        <a:xfrm>
-          <a:off x="0" y="0"/>
-          <a:ext cx="0" cy="0"/>
-          <a:chOff x="0" y="0"/>
-          <a:chExt cx="0" cy="0"/>
-        </a:xfrm>
-      </p:grpSpPr>
-      <p:sp>
-        <p:nvSpPr>
-          <p:cNvPr id="2" name="Текст 1">
-            <a:extLst>
-              <a:ext uri="{FF2B5EF4-FFF2-40B4-BE49-F238E27FC236}">
-                <a16:creationId xmlns="" xmlns:a16="http://schemas.microsoft.com/office/drawing/2014/main" id="{E239B216-F5ED-B348-A1BB-CE85242168B6}"/>
-              </a:ext>
-            </a:extLst>
-          </p:cNvPr>
-          <p:cNvSpPr>
-            <a:spLocks noGrp="1"/>
-          </p:cNvSpPr>
-          <p:nvPr>
-            <p:ph type="body" sz="quarter" idx="13"/>
-          </p:nvPr>
-        </p:nvSpPr>
-        <p:spPr/>
-        <p:txBody>
-          <a:bodyPr/>
-          <a:lstStyle/>
-          <a:p>
-            <a:r>
-              <a:rPr lang="ru-RU" dirty="0"/>
-              <a:t>НИУ ВШЭ</a:t>
-            </a:r>
-          </a:p>
-          <a:p>
-            <a:r>
-              <a:rPr lang="ru-RU" dirty="0"/>
-              <a:t>ФКН ПИ</a:t>
-            </a:r>
-          </a:p>
-          <a:p>
-            <a:endParaRPr lang="ru-RU" dirty="0"/>
-          </a:p>
-        </p:txBody>
-      </p:sp>
-      <p:sp>
-        <p:nvSpPr>
-          <p:cNvPr id="3" name="Текст 2">
-            <a:extLst>
-              <a:ext uri="{FF2B5EF4-FFF2-40B4-BE49-F238E27FC236}">
-                <a16:creationId xmlns="" xmlns:a16="http://schemas.microsoft.com/office/drawing/2014/main" id="{7986A2D4-D42B-854C-9F3E-6A8095E580B6}"/>
-              </a:ext>
-            </a:extLst>
-          </p:cNvPr>
-          <p:cNvSpPr>
-            <a:spLocks noGrp="1"/>
-          </p:cNvSpPr>
-          <p:nvPr>
-            <p:ph type="body" sz="quarter" idx="14"/>
-          </p:nvPr>
-        </p:nvSpPr>
-        <p:spPr/>
-        <p:txBody>
-          <a:bodyPr/>
-          <a:lstStyle/>
-          <a:p>
-            <a:r>
-              <a:rPr lang="en-US" dirty="0"/>
-              <a:t>Mnemonic </a:t>
-            </a:r>
-            <a:endParaRPr lang="ru-RU" dirty="0"/>
-          </a:p>
-          <a:p>
-            <a:r>
-              <a:rPr lang="en-US" dirty="0"/>
-              <a:t>systems app</a:t>
-            </a:r>
-            <a:endParaRPr lang="ru-RU" dirty="0"/>
-          </a:p>
-          <a:p>
-            <a:endParaRPr lang="ru-RU" dirty="0"/>
-          </a:p>
-          <a:p>
-            <a:endParaRPr lang="ru-RU" dirty="0"/>
-          </a:p>
-          <a:p>
-            <a:endParaRPr lang="ru-RU" dirty="0"/>
-          </a:p>
-        </p:txBody>
-      </p:sp>
-      <p:sp>
-        <p:nvSpPr>
-          <p:cNvPr id="4" name="Текст 3">
-            <a:extLst>
-              <a:ext uri="{FF2B5EF4-FFF2-40B4-BE49-F238E27FC236}">
-                <a16:creationId xmlns="" xmlns:a16="http://schemas.microsoft.com/office/drawing/2014/main" id="{628F0E61-4402-1545-ABC6-7EB156E5B9E6}"/>
-              </a:ext>
-            </a:extLst>
-          </p:cNvPr>
-          <p:cNvSpPr>
-            <a:spLocks noGrp="1"/>
-          </p:cNvSpPr>
-          <p:nvPr>
-            <p:ph type="body" sz="quarter" idx="15"/>
-          </p:nvPr>
-        </p:nvSpPr>
-        <p:spPr/>
-        <p:txBody>
-          <a:bodyPr/>
-          <a:lstStyle/>
-          <a:p>
-            <a:r>
-              <a:rPr lang="ru-RU" dirty="0"/>
-              <a:t>Выбор </a:t>
-            </a:r>
-            <a:r>
-              <a:rPr lang="ru-RU" dirty="0" smtClean="0"/>
-              <a:t>используемых</a:t>
-            </a:r>
-          </a:p>
-          <a:p>
-            <a:r>
-              <a:rPr lang="ru-RU" dirty="0" smtClean="0"/>
-              <a:t>в </a:t>
-            </a:r>
-            <a:r>
-              <a:rPr lang="ru-RU" dirty="0"/>
-              <a:t>работе методов</a:t>
-            </a:r>
-          </a:p>
-        </p:txBody>
-      </p:sp>
-      <p:sp>
-        <p:nvSpPr>
-          <p:cNvPr id="5" name="Заголовок 4">
-            <a:extLst>
-              <a:ext uri="{FF2B5EF4-FFF2-40B4-BE49-F238E27FC236}">
-                <a16:creationId xmlns="" xmlns:a16="http://schemas.microsoft.com/office/drawing/2014/main" id="{7B6EC5B9-282D-B84A-B169-E82D52070680}"/>
-              </a:ext>
-            </a:extLst>
-          </p:cNvPr>
-          <p:cNvSpPr>
-            <a:spLocks noGrp="1"/>
-          </p:cNvSpPr>
-          <p:nvPr>
-            <p:ph type="title"/>
-          </p:nvPr>
-        </p:nvSpPr>
-        <p:spPr/>
-        <p:txBody>
-          <a:bodyPr/>
-          <a:lstStyle/>
-          <a:p>
-            <a:r>
-              <a:rPr lang="ru-RU" dirty="0" smtClean="0"/>
-              <a:t>Алгоритм Бор</a:t>
-            </a:r>
-            <a:endParaRPr lang="ru-RU" dirty="0"/>
-          </a:p>
-        </p:txBody>
-      </p:sp>
-      <p:sp>
-        <p:nvSpPr>
-          <p:cNvPr id="6" name="Текст 5">
-            <a:extLst>
-              <a:ext uri="{FF2B5EF4-FFF2-40B4-BE49-F238E27FC236}">
-                <a16:creationId xmlns="" xmlns:a16="http://schemas.microsoft.com/office/drawing/2014/main" id="{52A84FC5-C615-ED4D-97BC-765AAF50474A}"/>
-              </a:ext>
-            </a:extLst>
-          </p:cNvPr>
-          <p:cNvSpPr>
-            <a:spLocks noGrp="1"/>
-          </p:cNvSpPr>
-          <p:nvPr>
-            <p:ph type="body" sz="quarter" idx="12"/>
-          </p:nvPr>
-        </p:nvSpPr>
-        <p:spPr>
-          <a:xfrm>
-            <a:off x="511068" y="2019162"/>
-            <a:ext cx="5834868" cy="4226190"/>
-          </a:xfrm>
-        </p:spPr>
-        <p:txBody>
-          <a:bodyPr>
-            <a:normAutofit lnSpcReduction="10000"/>
-          </a:bodyPr>
-          <a:lstStyle/>
-          <a:p>
-            <a:r>
-              <a:rPr lang="ru-RU" dirty="0"/>
-              <a:t>Для решения поставленной в техническом задании задачи была использована структура данных </a:t>
-            </a:r>
-            <a:r>
-              <a:rPr lang="ru-RU" dirty="0" smtClean="0"/>
-              <a:t>Бор </a:t>
-            </a:r>
-            <a:r>
-              <a:rPr lang="ru-RU" dirty="0"/>
-              <a:t>и алгоритм поиска по нему. Бор — структура данных для хранения набора строк, представляющая из себя подвешенное дерево с символами на рёбрах. Строки получаются последовательной записью всех символов, хранящихся на рёбрах между корнем бора и терминальной вершиной. Размер бора линейно зависит от суммы длин всех строк, а поиск в бору занимает время, пропорциональное длине образца</a:t>
-            </a:r>
-            <a:r>
-              <a:rPr lang="ru-RU" dirty="0" smtClean="0"/>
-              <a:t>.</a:t>
-            </a:r>
-          </a:p>
-          <a:p>
-            <a:r>
-              <a:rPr lang="ru-RU" dirty="0" smtClean="0"/>
-              <a:t>Шаг </a:t>
-            </a:r>
-            <a:r>
-              <a:rPr lang="ru-RU" dirty="0"/>
-              <a:t>1. Создадим дерево из одной вершины (в нашем случае корня).  </a:t>
-            </a:r>
-            <a:endParaRPr lang="ru-RU" dirty="0" smtClean="0"/>
-          </a:p>
-          <a:p>
-            <a:r>
-              <a:rPr lang="ru-RU" dirty="0" smtClean="0"/>
-              <a:t>Шаг </a:t>
-            </a:r>
-            <a:r>
-              <a:rPr lang="ru-RU" dirty="0"/>
-              <a:t>2. Добавляем элементы в дерево. Добавляем слова 𝑃𝑖 один за другим. Следуем из корня по рёбрам, отмеченным буквами из 𝑃𝑖 , пока возможно. </a:t>
-            </a:r>
-            <a:endParaRPr lang="ru-RU" dirty="0" smtClean="0"/>
-          </a:p>
-          <a:p>
-            <a:pPr marL="285750" indent="-285750">
-              <a:buFont typeface="Arial" panose="020B0604020202020204" pitchFamily="34" charset="0"/>
-              <a:buChar char="•"/>
-            </a:pPr>
-            <a:r>
-              <a:rPr lang="ru-RU" dirty="0" smtClean="0"/>
-              <a:t>Если </a:t>
-            </a:r>
-            <a:r>
-              <a:rPr lang="ru-RU" dirty="0"/>
-              <a:t>𝑃𝑖 заканчивается в вершине 𝑣, сохраняем идентификатор 𝑃𝑖 (например, 𝑖) в 𝑣 и отмечаем вершину 𝑣 как </a:t>
-            </a:r>
-            <a:r>
-              <a:rPr lang="ru-RU" dirty="0" smtClean="0"/>
-              <a:t>терминальную.</a:t>
-            </a:r>
-          </a:p>
-          <a:p>
-            <a:pPr marL="285750" indent="-285750">
-              <a:buFont typeface="Arial" panose="020B0604020202020204" pitchFamily="34" charset="0"/>
-              <a:buChar char="•"/>
-            </a:pPr>
-            <a:r>
-              <a:rPr lang="ru-RU" dirty="0" smtClean="0"/>
-              <a:t>Если </a:t>
-            </a:r>
-            <a:r>
-              <a:rPr lang="ru-RU" dirty="0"/>
-              <a:t>ребра, отмеченного очередной буквой 𝑃𝑖 нет, то создаем новое ребро и вершину для символа строки </a:t>
-            </a:r>
-            <a:r>
-              <a:rPr lang="ru-RU" dirty="0" smtClean="0"/>
-              <a:t>𝑃𝑖.</a:t>
-            </a:r>
-            <a:endParaRPr lang="ru-RU" dirty="0"/>
-          </a:p>
-        </p:txBody>
-      </p:sp>
-      <p:pic>
-        <p:nvPicPr>
-          <p:cNvPr id="2050" name="Picture 2" descr="Бор.jpg"/>
-          <p:cNvPicPr>
-            <a:picLocks noChangeAspect="1" noChangeArrowheads="1"/>
-          </p:cNvPicPr>
-          <p:nvPr/>
-        </p:nvPicPr>
-        <p:blipFill>
-          <a:blip r:embed="rId2">
-            <a:extLst>
-              <a:ext uri="{28A0092B-C50C-407E-A947-70E740481C1C}">
-                <a14:useLocalDpi xmlns:a14="http://schemas.microsoft.com/office/drawing/2010/main" val="0"/>
-              </a:ext>
-            </a:extLst>
-          </a:blip>
-          <a:srcRect/>
-          <a:stretch>
-            <a:fillRect/>
-          </a:stretch>
-        </p:blipFill>
-        <p:spPr bwMode="auto">
-          <a:xfrm>
-            <a:off x="6786694" y="2293975"/>
-            <a:ext cx="5197434" cy="3160752"/>
-          </a:xfrm>
-          <a:prstGeom prst="rect">
-            <a:avLst/>
-          </a:prstGeom>
-          <a:noFill/>
-          <a:extLst>
-            <a:ext uri="{909E8E84-426E-40DD-AFC4-6F175D3DCCD1}">
-              <a14:hiddenFill xmlns:a14="http://schemas.microsoft.com/office/drawing/2010/main">
-                <a:solidFill>
-                  <a:srgbClr val="FFFFFF"/>
-                </a:solidFill>
-              </a14:hiddenFill>
-            </a:ext>
-          </a:extLst>
-        </p:spPr>
-      </p:pic>
-    </p:spTree>
-    <p:extLst>
-      <p:ext uri="{BB962C8B-B14F-4D97-AF65-F5344CB8AC3E}">
-        <p14:creationId xmlns:p14="http://schemas.microsoft.com/office/powerpoint/2010/main" val="825159797"/>
-      </p:ext>
-    </p:extLst>
-  </p:cSld>
-  <p:clrMapOvr>
-    <a:masterClrMapping/>
-  </p:clrMapOvr>
-</p:sld>
-</file>
-
 <file path=ppt/slides/slide8.xml><?xml version="1.0" encoding="utf-8"?>
 <p:sld xmlns:a="http://schemas.openxmlformats.org/drawingml/2006/main" xmlns:r="http://schemas.openxmlformats.org/officeDocument/2006/relationships" xmlns:p="http://schemas.openxmlformats.org/presentationml/2006/main">
   <p:cSld>
@@ -18544,7 +19036,7 @@
           <p:cNvPr id="2" name="Текст 1">
             <a:extLst>
               <a:ext uri="{FF2B5EF4-FFF2-40B4-BE49-F238E27FC236}">
-                <a16:creationId xmlns="" xmlns:a16="http://schemas.microsoft.com/office/drawing/2014/main" id="{2FFBD88B-BF2A-8F44-B648-677BB7D9750D}"/>
+                <a16:creationId xmlns:a16="http://schemas.microsoft.com/office/drawing/2014/main" xmlns="" id="{E239B216-F5ED-B348-A1BB-CE85242168B6}"/>
               </a:ext>
             </a:extLst>
           </p:cNvPr>
@@ -18581,7 +19073,7 @@
           <p:cNvPr id="3" name="Текст 2">
             <a:extLst>
               <a:ext uri="{FF2B5EF4-FFF2-40B4-BE49-F238E27FC236}">
-                <a16:creationId xmlns="" xmlns:a16="http://schemas.microsoft.com/office/drawing/2014/main" id="{BD6DFA47-ACB8-5246-AC9C-19D438CF658E}"/>
+                <a16:creationId xmlns:a16="http://schemas.microsoft.com/office/drawing/2014/main" xmlns="" id="{7986A2D4-D42B-854C-9F3E-6A8095E580B6}"/>
               </a:ext>
             </a:extLst>
           </p:cNvPr>
@@ -18619,9 +19111,6 @@
           <a:p>
             <a:endParaRPr lang="ru-RU" dirty="0"/>
           </a:p>
-          <a:p>
-            <a:endParaRPr lang="ru-RU" dirty="0"/>
-          </a:p>
         </p:txBody>
       </p:sp>
       <p:sp>
@@ -18629,7 +19118,7 @@
           <p:cNvPr id="4" name="Текст 3">
             <a:extLst>
               <a:ext uri="{FF2B5EF4-FFF2-40B4-BE49-F238E27FC236}">
-                <a16:creationId xmlns="" xmlns:a16="http://schemas.microsoft.com/office/drawing/2014/main" id="{49A5DD86-C5F3-5843-B60F-AC26E1B16228}"/>
+                <a16:creationId xmlns:a16="http://schemas.microsoft.com/office/drawing/2014/main" xmlns="" id="{628F0E61-4402-1545-ABC6-7EB156E5B9E6}"/>
               </a:ext>
             </a:extLst>
           </p:cNvPr>
@@ -18645,14 +19134,24 @@
           <a:bodyPr/>
           <a:lstStyle/>
           <a:p>
-            <a:pPr lvl="0"/>
             <a:r>
               <a:rPr lang="ru-RU" dirty="0"/>
-              <a:t>Архитектура приложения / программы</a:t>
-            </a:r>
-          </a:p>
-          <a:p>
-            <a:endParaRPr lang="ru-RU" dirty="0"/>
+              <a:t>Выбор </a:t>
+            </a:r>
+            <a:r>
+              <a:rPr lang="ru-RU" dirty="0" smtClean="0"/>
+              <a:t>используемых</a:t>
+            </a:r>
+          </a:p>
+          <a:p>
+            <a:r>
+              <a:rPr lang="ru-RU" dirty="0" smtClean="0"/>
+              <a:t>в </a:t>
+            </a:r>
+            <a:r>
+              <a:rPr lang="ru-RU" dirty="0"/>
+              <a:t>работе методов</a:t>
+            </a:r>
           </a:p>
         </p:txBody>
       </p:sp>
@@ -18661,7 +19160,7 @@
           <p:cNvPr id="5" name="Заголовок 4">
             <a:extLst>
               <a:ext uri="{FF2B5EF4-FFF2-40B4-BE49-F238E27FC236}">
-                <a16:creationId xmlns="" xmlns:a16="http://schemas.microsoft.com/office/drawing/2014/main" id="{D060AA73-8574-054A-B94B-1EAA5FAB0470}"/>
+                <a16:creationId xmlns:a16="http://schemas.microsoft.com/office/drawing/2014/main" xmlns="" id="{7B6EC5B9-282D-B84A-B169-E82D52070680}"/>
               </a:ext>
             </a:extLst>
           </p:cNvPr>
@@ -18672,33 +19171,15 @@
             <p:ph type="title"/>
           </p:nvPr>
         </p:nvSpPr>
-        <p:spPr>
-          <a:xfrm>
-            <a:off x="7004987" y="1319774"/>
-            <a:ext cx="4322530" cy="777025"/>
-          </a:xfrm>
-        </p:spPr>
+        <p:spPr/>
         <p:txBody>
-          <a:bodyPr>
-            <a:normAutofit fontScale="90000"/>
-          </a:bodyPr>
+          <a:bodyPr/>
           <a:lstStyle/>
           <a:p>
-            <a:pPr lvl="0"/>
-            <a:r>
-              <a:rPr lang="ru-RU" dirty="0"/>
-              <a:t>Архитектура приложения / программы</a:t>
-            </a:r>
-            <a:br>
-              <a:rPr lang="ru-RU" dirty="0"/>
-            </a:br>
-            <a:r>
-              <a:rPr lang="ru-RU" dirty="0"/>
-              <a:t/>
-            </a:r>
-            <a:br>
-              <a:rPr lang="ru-RU" dirty="0"/>
-            </a:br>
+            <a:r>
+              <a:rPr lang="ru-RU" dirty="0" smtClean="0"/>
+              <a:t>Алгоритм Бор</a:t>
+            </a:r>
             <a:endParaRPr lang="ru-RU" dirty="0"/>
           </a:p>
         </p:txBody>
@@ -18708,7 +19189,7 @@
           <p:cNvPr id="6" name="Текст 5">
             <a:extLst>
               <a:ext uri="{FF2B5EF4-FFF2-40B4-BE49-F238E27FC236}">
-                <a16:creationId xmlns="" xmlns:a16="http://schemas.microsoft.com/office/drawing/2014/main" id="{5E7B9744-FF5D-DB4B-8DCD-FF4C0C57287E}"/>
+                <a16:creationId xmlns:a16="http://schemas.microsoft.com/office/drawing/2014/main" xmlns="" id="{52A84FC5-C615-ED4D-97BC-765AAF50474A}"/>
               </a:ext>
             </a:extLst>
           </p:cNvPr>
@@ -18721,25 +19202,139 @@
         </p:nvSpPr>
         <p:spPr>
           <a:xfrm>
-            <a:off x="7004986" y="2822677"/>
-            <a:ext cx="4322531" cy="2399371"/>
+            <a:off x="511068" y="2019162"/>
+            <a:ext cx="5834868" cy="4226190"/>
           </a:xfrm>
         </p:spPr>
         <p:txBody>
-          <a:bodyPr/>
+          <a:bodyPr>
+            <a:normAutofit lnSpcReduction="10000"/>
+          </a:bodyPr>
           <a:lstStyle/>
           <a:p>
             <a:r>
               <a:rPr lang="ru-RU" dirty="0"/>
-              <a:t>Для оформления графиков, таблиц, диаграмм могут потребоваться дополнительные цвета и вы совершенно правы, задавая вопрос, какие цвета использовать и где их взять. Мы предлагаем использовать палитру цветов Вышки для этих целей.</a:t>
-            </a:r>
+              <a:t>Для решения поставленной в техническом задании задачи была использована структура данных </a:t>
+            </a:r>
+            <a:r>
+              <a:rPr lang="ru-RU" dirty="0" smtClean="0"/>
+              <a:t>Бор </a:t>
+            </a:r>
+            <a:r>
+              <a:rPr lang="ru-RU" dirty="0"/>
+              <a:t>и алгоритм поиска по нему. Бор — структура данных для хранения набора строк, представляющая из себя подвешенное дерево с символами на рёбрах. Строки получаются последовательной записью всех символов, хранящихся на рёбрах между корнем бора и терминальной вершиной. Размер бора линейно зависит от суммы длин всех строк, а поиск в бору занимает время, пропорциональное длине образца</a:t>
+            </a:r>
+            <a:r>
+              <a:rPr lang="ru-RU" dirty="0" smtClean="0"/>
+              <a:t>.</a:t>
+            </a:r>
+          </a:p>
+          <a:p>
+            <a:r>
+              <a:rPr lang="ru-RU" dirty="0" smtClean="0"/>
+              <a:t>Шаг </a:t>
+            </a:r>
+            <a:r>
+              <a:rPr lang="ru-RU" dirty="0"/>
+              <a:t>1. Создадим дерево из одной вершины (в нашем случае корня).  </a:t>
+            </a:r>
+            <a:endParaRPr lang="ru-RU" dirty="0" smtClean="0"/>
+          </a:p>
+          <a:p>
+            <a:r>
+              <a:rPr lang="ru-RU" dirty="0" smtClean="0"/>
+              <a:t>Шаг </a:t>
+            </a:r>
+            <a:r>
+              <a:rPr lang="ru-RU" dirty="0"/>
+              <a:t>2. Добавляем элементы в дерево. Добавляем слова 𝑃𝑖 один за другим. Следуем из корня по рёбрам, отмеченным буквами из 𝑃𝑖 , пока возможно. </a:t>
+            </a:r>
+            <a:endParaRPr lang="ru-RU" dirty="0" smtClean="0"/>
+          </a:p>
+          <a:p>
+            <a:pPr marL="285750" indent="-285750">
+              <a:buFont typeface="Arial" panose="020B0604020202020204" pitchFamily="34" charset="0"/>
+              <a:buChar char="•"/>
+            </a:pPr>
+            <a:r>
+              <a:rPr lang="ru-RU" dirty="0" smtClean="0"/>
+              <a:t>Если </a:t>
+            </a:r>
+            <a:r>
+              <a:rPr lang="ru-RU" dirty="0"/>
+              <a:t>𝑃𝑖 заканчивается в вершине 𝑣, сохраняем идентификатор 𝑃𝑖 (например, 𝑖) в 𝑣 и отмечаем вершину 𝑣 как </a:t>
+            </a:r>
+            <a:r>
+              <a:rPr lang="ru-RU" dirty="0" smtClean="0"/>
+              <a:t>терминальную.</a:t>
+            </a:r>
+          </a:p>
+          <a:p>
+            <a:pPr marL="285750" indent="-285750">
+              <a:buFont typeface="Arial" panose="020B0604020202020204" pitchFamily="34" charset="0"/>
+              <a:buChar char="•"/>
+            </a:pPr>
+            <a:r>
+              <a:rPr lang="ru-RU" dirty="0" smtClean="0"/>
+              <a:t>Если </a:t>
+            </a:r>
+            <a:r>
+              <a:rPr lang="ru-RU" dirty="0"/>
+              <a:t>ребра, отмеченного очередной буквой 𝑃𝑖 нет, то создаем новое ребро и вершину для символа строки </a:t>
+            </a:r>
+            <a:r>
+              <a:rPr lang="ru-RU" dirty="0" smtClean="0"/>
+              <a:t>𝑃𝑖.</a:t>
+            </a:r>
+            <a:endParaRPr lang="ru-RU" dirty="0"/>
           </a:p>
         </p:txBody>
       </p:sp>
+      <p:pic>
+        <p:nvPicPr>
+          <p:cNvPr id="2050" name="Picture 2" descr="Бор.jpg"/>
+          <p:cNvPicPr>
+            <a:picLocks noChangeAspect="1" noChangeArrowheads="1"/>
+          </p:cNvPicPr>
+          <p:nvPr/>
+        </p:nvPicPr>
+        <p:blipFill>
+          <a:blip r:embed="rId2">
+            <a:extLst>
+              <a:ext uri="{28A0092B-C50C-407E-A947-70E740481C1C}">
+                <a14:useLocalDpi xmlns:a14="http://schemas.microsoft.com/office/drawing/2010/main" val="0"/>
+              </a:ext>
+            </a:extLst>
+          </a:blip>
+          <a:srcRect/>
+          <a:stretch>
+            <a:fillRect/>
+          </a:stretch>
+        </p:blipFill>
+        <p:spPr bwMode="auto">
+          <a:xfrm>
+            <a:off x="6786694" y="2293975"/>
+            <a:ext cx="5197434" cy="3160752"/>
+          </a:xfrm>
+          <a:prstGeom prst="rect">
+            <a:avLst/>
+          </a:prstGeom>
+          <a:noFill/>
+          <a:extLst>
+            <a:ext uri="{909E8E84-426E-40DD-AFC4-6F175D3DCCD1}">
+              <a14:hiddenFill xmlns:a14="http://schemas.microsoft.com/office/drawing/2010/main">
+                <a:solidFill>
+                  <a:srgbClr val="FFFFFF"/>
+                </a:solidFill>
+              </a14:hiddenFill>
+            </a:ext>
+          </a:extLst>
+        </p:spPr>
+      </p:pic>
     </p:spTree>
     <p:extLst>
       <p:ext uri="{BB962C8B-B14F-4D97-AF65-F5344CB8AC3E}">
-        <p14:creationId xmlns:p14="http://schemas.microsoft.com/office/powerpoint/2010/main" val="1489723463"/>
+        <p14:creationId xmlns:p14="http://schemas.microsoft.com/office/powerpoint/2010/main" val="825159797"/>
       </p:ext>
     </p:extLst>
   </p:cSld>
@@ -18771,7 +19366,7 @@
           <p:cNvPr id="2" name="Текст 1">
             <a:extLst>
               <a:ext uri="{FF2B5EF4-FFF2-40B4-BE49-F238E27FC236}">
-                <a16:creationId xmlns="" xmlns:a16="http://schemas.microsoft.com/office/drawing/2014/main" id="{2FFBD88B-BF2A-8F44-B648-677BB7D9750D}"/>
+                <a16:creationId xmlns:a16="http://schemas.microsoft.com/office/drawing/2014/main" xmlns="" id="{2FFBD88B-BF2A-8F44-B648-677BB7D9750D}"/>
               </a:ext>
             </a:extLst>
           </p:cNvPr>
@@ -18808,7 +19403,7 @@
           <p:cNvPr id="3" name="Текст 2">
             <a:extLst>
               <a:ext uri="{FF2B5EF4-FFF2-40B4-BE49-F238E27FC236}">
-                <a16:creationId xmlns="" xmlns:a16="http://schemas.microsoft.com/office/drawing/2014/main" id="{BD6DFA47-ACB8-5246-AC9C-19D438CF658E}"/>
+                <a16:creationId xmlns:a16="http://schemas.microsoft.com/office/drawing/2014/main" xmlns="" id="{BD6DFA47-ACB8-5246-AC9C-19D438CF658E}"/>
               </a:ext>
             </a:extLst>
           </p:cNvPr>
@@ -18856,7 +19451,7 @@
           <p:cNvPr id="4" name="Текст 3">
             <a:extLst>
               <a:ext uri="{FF2B5EF4-FFF2-40B4-BE49-F238E27FC236}">
-                <a16:creationId xmlns="" xmlns:a16="http://schemas.microsoft.com/office/drawing/2014/main" id="{49A5DD86-C5F3-5843-B60F-AC26E1B16228}"/>
+                <a16:creationId xmlns:a16="http://schemas.microsoft.com/office/drawing/2014/main" xmlns="" id="{49A5DD86-C5F3-5843-B60F-AC26E1B16228}"/>
               </a:ext>
             </a:extLst>
           </p:cNvPr>
@@ -18874,16 +19469,11 @@
           <a:p>
             <a:pPr lvl="0"/>
             <a:r>
-              <a:rPr lang="ru-RU" dirty="0" smtClean="0"/>
-              <a:t>Выбор средств</a:t>
-            </a:r>
-          </a:p>
-          <a:p>
-            <a:pPr lvl="0"/>
-            <a:r>
-              <a:rPr lang="ru-RU" dirty="0" smtClean="0"/>
-              <a:t>реализации </a:t>
-            </a:r>
+              <a:rPr lang="ru-RU" dirty="0"/>
+              <a:t>Архитектура приложения / программы</a:t>
+            </a:r>
+          </a:p>
+          <a:p>
             <a:endParaRPr lang="ru-RU" dirty="0"/>
           </a:p>
         </p:txBody>
@@ -18893,7 +19483,7 @@
           <p:cNvPr id="5" name="Заголовок 4">
             <a:extLst>
               <a:ext uri="{FF2B5EF4-FFF2-40B4-BE49-F238E27FC236}">
-                <a16:creationId xmlns="" xmlns:a16="http://schemas.microsoft.com/office/drawing/2014/main" id="{D060AA73-8574-054A-B94B-1EAA5FAB0470}"/>
+                <a16:creationId xmlns:a16="http://schemas.microsoft.com/office/drawing/2014/main" xmlns="" id="{D060AA73-8574-054A-B94B-1EAA5FAB0470}"/>
               </a:ext>
             </a:extLst>
           </p:cNvPr>
@@ -18906,28 +19496,32 @@
         </p:nvSpPr>
         <p:spPr>
           <a:xfrm>
-            <a:off x="540179" y="1466078"/>
+            <a:off x="7004987" y="1319774"/>
             <a:ext cx="4322530" cy="777025"/>
           </a:xfrm>
         </p:spPr>
         <p:txBody>
           <a:bodyPr>
-            <a:normAutofit/>
+            <a:normAutofit fontScale="90000"/>
           </a:bodyPr>
           <a:lstStyle/>
           <a:p>
             <a:pPr lvl="0"/>
             <a:r>
               <a:rPr lang="ru-RU" dirty="0"/>
-              <a:t>Выбор средств</a:t>
+              <a:t>Архитектура приложения / программы</a:t>
             </a:r>
             <a:br>
               <a:rPr lang="ru-RU" dirty="0"/>
             </a:br>
             <a:r>
               <a:rPr lang="ru-RU" dirty="0"/>
-              <a:t>реализации </a:t>
-            </a:r>
+              <a:t/>
+            </a:r>
+            <a:br>
+              <a:rPr lang="ru-RU" dirty="0"/>
+            </a:br>
+            <a:endParaRPr lang="ru-RU" dirty="0"/>
           </a:p>
         </p:txBody>
       </p:sp>
@@ -18936,7 +19530,7 @@
           <p:cNvPr id="6" name="Текст 5">
             <a:extLst>
               <a:ext uri="{FF2B5EF4-FFF2-40B4-BE49-F238E27FC236}">
-                <a16:creationId xmlns="" xmlns:a16="http://schemas.microsoft.com/office/drawing/2014/main" id="{5E7B9744-FF5D-DB4B-8DCD-FF4C0C57287E}"/>
+                <a16:creationId xmlns:a16="http://schemas.microsoft.com/office/drawing/2014/main" xmlns="" id="{5E7B9744-FF5D-DB4B-8DCD-FF4C0C57287E}"/>
               </a:ext>
             </a:extLst>
           </p:cNvPr>
@@ -18949,435 +19543,25 @@
         </p:nvSpPr>
         <p:spPr>
           <a:xfrm>
-            <a:off x="540178" y="2359152"/>
-            <a:ext cx="4322531" cy="4032504"/>
+            <a:off x="7004986" y="2822677"/>
+            <a:ext cx="4322531" cy="2399371"/>
           </a:xfrm>
         </p:spPr>
         <p:txBody>
-          <a:bodyPr>
-            <a:noAutofit/>
-          </a:bodyPr>
+          <a:bodyPr/>
           <a:lstStyle/>
           <a:p>
             <a:r>
-              <a:rPr lang="ru-RU" dirty="0" smtClean="0"/>
-              <a:t>Разработка </a:t>
-            </a:r>
-            <a:r>
               <a:rPr lang="ru-RU" dirty="0"/>
-              <a:t>велась в </a:t>
-            </a:r>
-            <a:r>
-              <a:rPr lang="ru-RU" dirty="0" err="1"/>
-              <a:t>Android</a:t>
-            </a:r>
-            <a:r>
-              <a:rPr lang="ru-RU" dirty="0"/>
-              <a:t> </a:t>
-            </a:r>
-            <a:r>
-              <a:rPr lang="ru-RU" dirty="0" err="1"/>
-              <a:t>Studio</a:t>
-            </a:r>
-            <a:r>
-              <a:rPr lang="ru-RU" dirty="0"/>
-              <a:t>. </a:t>
-            </a:r>
-            <a:r>
-              <a:rPr lang="ru-RU" dirty="0" err="1"/>
-              <a:t>Android</a:t>
-            </a:r>
-            <a:r>
-              <a:rPr lang="ru-RU" dirty="0"/>
-              <a:t> </a:t>
-            </a:r>
-            <a:r>
-              <a:rPr lang="ru-RU" dirty="0" err="1"/>
-              <a:t>Studio</a:t>
-            </a:r>
-            <a:r>
-              <a:rPr lang="ru-RU" dirty="0"/>
-              <a:t> — интегрированная среда разработки для работы с платформой </a:t>
-            </a:r>
-            <a:r>
-              <a:rPr lang="ru-RU" dirty="0" err="1"/>
-              <a:t>Android</a:t>
-            </a:r>
-            <a:r>
-              <a:rPr lang="ru-RU" dirty="0"/>
-              <a:t>, анонсированная 16 мая 2013 года на конференции </a:t>
-            </a:r>
-            <a:r>
-              <a:rPr lang="ru-RU" dirty="0" err="1"/>
-              <a:t>Google</a:t>
-            </a:r>
-            <a:r>
-              <a:rPr lang="ru-RU" dirty="0"/>
-              <a:t> </a:t>
-            </a:r>
-            <a:r>
-              <a:rPr lang="ru-RU" dirty="0" smtClean="0"/>
-              <a:t>I/O</a:t>
-            </a:r>
-            <a:r>
-              <a:rPr lang="en-US" dirty="0" smtClean="0"/>
-              <a:t>.</a:t>
-            </a:r>
-            <a:br>
-              <a:rPr lang="en-US" dirty="0" smtClean="0"/>
-            </a:br>
-            <a:r>
-              <a:rPr lang="en-US" dirty="0" smtClean="0"/>
-              <a:t/>
-            </a:r>
-            <a:br>
-              <a:rPr lang="en-US" dirty="0" smtClean="0"/>
-            </a:br>
-            <a:endParaRPr lang="ru-RU" dirty="0"/>
+              <a:t>Для оформления графиков, таблиц, диаграмм могут потребоваться дополнительные цвета и вы совершенно правы, задавая вопрос, какие цвета использовать и где их взять. Мы предлагаем использовать палитру цветов Вышки для этих целей.</a:t>
+            </a:r>
           </a:p>
         </p:txBody>
       </p:sp>
-      <p:sp>
-        <p:nvSpPr>
-          <p:cNvPr id="7" name="Текст 5">
-            <a:extLst>
-              <a:ext uri="{FF2B5EF4-FFF2-40B4-BE49-F238E27FC236}">
-                <a16:creationId xmlns="" xmlns:a16="http://schemas.microsoft.com/office/drawing/2014/main" id="{5E7B9744-FF5D-DB4B-8DCD-FF4C0C57287E}"/>
-              </a:ext>
-            </a:extLst>
-          </p:cNvPr>
-          <p:cNvSpPr>
-            <a:spLocks noGrp="1"/>
-          </p:cNvSpPr>
-          <p:nvPr>
-            <p:ph type="body" sz="quarter" idx="12"/>
-          </p:nvPr>
-        </p:nvSpPr>
-        <p:spPr>
-          <a:xfrm>
-            <a:off x="5849794" y="1240536"/>
-            <a:ext cx="4322531" cy="4032504"/>
-          </a:xfrm>
-        </p:spPr>
-        <p:txBody>
-          <a:bodyPr>
-            <a:noAutofit/>
-          </a:bodyPr>
-          <a:lstStyle/>
-          <a:p>
-            <a:r>
-              <a:rPr lang="ru-RU" dirty="0" smtClean="0"/>
-              <a:t>Необходимое </a:t>
-            </a:r>
-            <a:r>
-              <a:rPr lang="ru-RU" dirty="0"/>
-              <a:t>для разработки </a:t>
-            </a:r>
-            <a:r>
-              <a:rPr lang="ru-RU" dirty="0" smtClean="0"/>
-              <a:t>оборудование</a:t>
-            </a:r>
-            <a:r>
-              <a:rPr lang="en-US" dirty="0"/>
-              <a:t> </a:t>
-            </a:r>
-            <a:r>
-              <a:rPr lang="en-US" dirty="0" smtClean="0"/>
-              <a:t>— </a:t>
-            </a:r>
-            <a:r>
-              <a:rPr lang="ru-RU" dirty="0" smtClean="0"/>
-              <a:t>компьютер</a:t>
-            </a:r>
-            <a:r>
-              <a:rPr lang="ru-RU" dirty="0"/>
-              <a:t>, обладающий следующими системными </a:t>
-            </a:r>
-            <a:r>
-              <a:rPr lang="ru-RU" dirty="0" smtClean="0"/>
-              <a:t>требованиями:</a:t>
-            </a:r>
-          </a:p>
-          <a:p>
-            <a:pPr marL="285750" indent="-285750">
-              <a:buFont typeface="Arial" panose="020B0604020202020204" pitchFamily="34" charset="0"/>
-              <a:buChar char="•"/>
-            </a:pPr>
-            <a:r>
-              <a:rPr lang="ru-RU" dirty="0" smtClean="0"/>
-              <a:t>Операционные </a:t>
-            </a:r>
-            <a:r>
-              <a:rPr lang="ru-RU" dirty="0"/>
-              <a:t>системы </a:t>
-            </a:r>
-            <a:r>
-              <a:rPr lang="en-US" dirty="0"/>
-              <a:t>Microsoft Windows 11/10/8/7/Vista (64-bit), Apple </a:t>
-            </a:r>
-            <a:r>
-              <a:rPr lang="en-US" dirty="0" err="1"/>
-              <a:t>macOS</a:t>
-            </a:r>
-            <a:r>
-              <a:rPr lang="en-US" dirty="0"/>
-              <a:t> 10.8.5 </a:t>
-            </a:r>
-            <a:r>
-              <a:rPr lang="ru-RU" dirty="0"/>
-              <a:t>или выше, до 10.13 (</a:t>
-            </a:r>
-            <a:r>
-              <a:rPr lang="en-US" dirty="0"/>
-              <a:t>High Sierra)/ 10.14 (Mojave), Linux GNOME </a:t>
-            </a:r>
-            <a:r>
-              <a:rPr lang="ru-RU" dirty="0"/>
-              <a:t>или </a:t>
-            </a:r>
-            <a:r>
-              <a:rPr lang="en-US" dirty="0"/>
-              <a:t>KDE;  </a:t>
-            </a:r>
-            <a:r>
-              <a:rPr lang="ru-RU" dirty="0"/>
-              <a:t>Процессор </a:t>
-            </a:r>
-            <a:r>
-              <a:rPr lang="en-US" dirty="0"/>
-              <a:t>x86-64 Intel </a:t>
-            </a:r>
-            <a:r>
-              <a:rPr lang="ru-RU" dirty="0"/>
-              <a:t>с поддержкой </a:t>
-            </a:r>
-            <a:r>
-              <a:rPr lang="en-US" dirty="0"/>
-              <a:t>VT-x, </a:t>
-            </a:r>
-            <a:r>
-              <a:rPr lang="ru-RU" dirty="0"/>
-              <a:t>или </a:t>
-            </a:r>
-            <a:r>
-              <a:rPr lang="en-US" dirty="0"/>
-              <a:t>AMD </a:t>
-            </a:r>
-            <a:r>
-              <a:rPr lang="ru-RU" dirty="0"/>
-              <a:t>с поддержкой </a:t>
-            </a:r>
-            <a:r>
-              <a:rPr lang="en-US" dirty="0"/>
-              <a:t>AMD-V, </a:t>
-            </a:r>
-            <a:r>
-              <a:rPr lang="ru-RU" dirty="0"/>
-              <a:t>или </a:t>
-            </a:r>
-            <a:r>
-              <a:rPr lang="en-US" dirty="0"/>
-              <a:t>ARM (</a:t>
-            </a:r>
-            <a:r>
-              <a:rPr lang="ru-RU" dirty="0"/>
-              <a:t>для </a:t>
-            </a:r>
-            <a:r>
-              <a:rPr lang="en-US" dirty="0"/>
-              <a:t>Apple);  </a:t>
-            </a:r>
-            <a:endParaRPr lang="ru-RU" dirty="0" smtClean="0"/>
-          </a:p>
-          <a:p>
-            <a:pPr marL="285750" indent="-285750">
-              <a:buFont typeface="Arial" panose="020B0604020202020204" pitchFamily="34" charset="0"/>
-              <a:buChar char="•"/>
-            </a:pPr>
-            <a:r>
-              <a:rPr lang="ru-RU" dirty="0" smtClean="0"/>
-              <a:t>Оперативная </a:t>
-            </a:r>
-            <a:r>
-              <a:rPr lang="ru-RU" dirty="0"/>
-              <a:t>память 8 ГБ (минимум), 16 ГБ (рекомендуется);  </a:t>
-            </a:r>
-            <a:endParaRPr lang="ru-RU" dirty="0" smtClean="0"/>
-          </a:p>
-          <a:p>
-            <a:pPr marL="285750" indent="-285750">
-              <a:buFont typeface="Arial" panose="020B0604020202020204" pitchFamily="34" charset="0"/>
-              <a:buChar char="•"/>
-            </a:pPr>
-            <a:r>
-              <a:rPr lang="ru-RU" dirty="0" smtClean="0"/>
-              <a:t>Свободное </a:t>
-            </a:r>
-            <a:r>
-              <a:rPr lang="ru-RU" dirty="0"/>
-              <a:t>место на диске 8 ГБ минимум (2,5 ГБ для </a:t>
-            </a:r>
-            <a:r>
-              <a:rPr lang="en-US" dirty="0"/>
-              <a:t>IDE + 5.5 </a:t>
-            </a:r>
-            <a:r>
-              <a:rPr lang="ru-RU" dirty="0"/>
-              <a:t>ГБ для </a:t>
-            </a:r>
-            <a:r>
-              <a:rPr lang="en-US" dirty="0"/>
-              <a:t>Android SDK </a:t>
-            </a:r>
-            <a:r>
-              <a:rPr lang="ru-RU" dirty="0"/>
-              <a:t>и образа системы эмулятора), 32 ГБ </a:t>
-            </a:r>
-            <a:r>
-              <a:rPr lang="en-US" dirty="0"/>
-              <a:t>SSD (</a:t>
-            </a:r>
-            <a:r>
-              <a:rPr lang="ru-RU" dirty="0"/>
-              <a:t>рекомендуется);  </a:t>
-            </a:r>
-            <a:endParaRPr lang="ru-RU" dirty="0" smtClean="0"/>
-          </a:p>
-          <a:p>
-            <a:pPr marL="285750" indent="-285750">
-              <a:buFont typeface="Arial" panose="020B0604020202020204" pitchFamily="34" charset="0"/>
-              <a:buChar char="•"/>
-            </a:pPr>
-            <a:r>
-              <a:rPr lang="ru-RU" dirty="0" smtClean="0"/>
-              <a:t>Версия </a:t>
-            </a:r>
-            <a:r>
-              <a:rPr lang="en-US" dirty="0"/>
-              <a:t>JDK Java Development Kit 8;  </a:t>
-            </a:r>
-            <a:endParaRPr lang="ru-RU" dirty="0" smtClean="0"/>
-          </a:p>
-          <a:p>
-            <a:pPr marL="285750" indent="-285750">
-              <a:buFont typeface="Arial" panose="020B0604020202020204" pitchFamily="34" charset="0"/>
-              <a:buChar char="•"/>
-            </a:pPr>
-            <a:r>
-              <a:rPr lang="ru-RU" dirty="0" smtClean="0"/>
-              <a:t>Разрешение </a:t>
-            </a:r>
-            <a:r>
-              <a:rPr lang="ru-RU" dirty="0"/>
-              <a:t>экрана 1280 </a:t>
-            </a:r>
-            <a:r>
-              <a:rPr lang="en-US" dirty="0"/>
-              <a:t>x 800 (</a:t>
-            </a:r>
-            <a:r>
-              <a:rPr lang="ru-RU" dirty="0"/>
-              <a:t>минимум);  </a:t>
-            </a:r>
-            <a:endParaRPr lang="ru-RU" dirty="0" smtClean="0"/>
-          </a:p>
-          <a:p>
-            <a:pPr marL="285750" indent="-285750">
-              <a:buFont typeface="Arial" panose="020B0604020202020204" pitchFamily="34" charset="0"/>
-              <a:buChar char="•"/>
-            </a:pPr>
-            <a:r>
-              <a:rPr lang="ru-RU" dirty="0" smtClean="0"/>
-              <a:t>Дополнительно </a:t>
-            </a:r>
-            <a:r>
-              <a:rPr lang="ru-RU" dirty="0"/>
-              <a:t>для </a:t>
-            </a:r>
-            <a:r>
-              <a:rPr lang="en-US" dirty="0" err="1"/>
-              <a:t>MacOS</a:t>
-            </a:r>
-            <a:r>
-              <a:rPr lang="en-US" dirty="0"/>
-              <a:t> </a:t>
-            </a:r>
-            <a:r>
-              <a:rPr lang="ru-RU" dirty="0"/>
-              <a:t>требуется </a:t>
-            </a:r>
-            <a:r>
-              <a:rPr lang="en-US" dirty="0"/>
-              <a:t>Java Runtime Environment (JRE) 6, </a:t>
-            </a:r>
-            <a:r>
-              <a:rPr lang="ru-RU" dirty="0"/>
-              <a:t>для </a:t>
-            </a:r>
-            <a:r>
-              <a:rPr lang="en-US" dirty="0"/>
-              <a:t>Linux GNU C Library (</a:t>
-            </a:r>
-            <a:r>
-              <a:rPr lang="en-US" dirty="0" err="1"/>
-              <a:t>glibc</a:t>
-            </a:r>
-            <a:r>
-              <a:rPr lang="en-US" dirty="0"/>
-              <a:t>) 2.31 </a:t>
-            </a:r>
-            <a:r>
-              <a:rPr lang="ru-RU" dirty="0"/>
-              <a:t>или выше.</a:t>
-            </a:r>
-          </a:p>
-        </p:txBody>
-      </p:sp>
-      <p:pic>
-        <p:nvPicPr>
-          <p:cNvPr id="3074" name="Picture 2" descr="Файл:Android Studio Trademark.svg — Википедия"/>
-          <p:cNvPicPr>
-            <a:picLocks noChangeAspect="1" noChangeArrowheads="1"/>
-          </p:cNvPicPr>
-          <p:nvPr/>
-        </p:nvPicPr>
-        <p:blipFill>
-          <a:blip r:embed="rId3">
-            <a:extLst>
-              <a:ext uri="{28A0092B-C50C-407E-A947-70E740481C1C}">
-                <a14:useLocalDpi xmlns:a14="http://schemas.microsoft.com/office/drawing/2010/main" val="0"/>
-              </a:ext>
-            </a:extLst>
-          </a:blip>
-          <a:srcRect/>
-          <a:stretch>
-            <a:fillRect/>
-          </a:stretch>
-        </p:blipFill>
-        <p:spPr bwMode="auto">
-          <a:xfrm>
-            <a:off x="466128" y="3866545"/>
-            <a:ext cx="4965408" cy="1571087"/>
-          </a:xfrm>
-          <a:prstGeom prst="rect">
-            <a:avLst/>
-          </a:prstGeom>
-          <a:noFill/>
-          <a:extLst>
-            <a:ext uri="{909E8E84-426E-40DD-AFC4-6F175D3DCCD1}">
-              <a14:hiddenFill xmlns:a14="http://schemas.microsoft.com/office/drawing/2010/main">
-                <a:solidFill>
-                  <a:srgbClr val="FFFFFF"/>
-                </a:solidFill>
-              </a14:hiddenFill>
-            </a:ext>
-          </a:extLst>
-        </p:spPr>
-      </p:pic>
     </p:spTree>
     <p:extLst>
       <p:ext uri="{BB962C8B-B14F-4D97-AF65-F5344CB8AC3E}">
-        <p14:creationId xmlns:p14="http://schemas.microsoft.com/office/powerpoint/2010/main" val="2867289658"/>
+        <p14:creationId xmlns:p14="http://schemas.microsoft.com/office/powerpoint/2010/main" val="1489723463"/>
       </p:ext>
     </p:extLst>
   </p:cSld>
@@ -19692,7 +19876,7 @@
   <a:extraClrSchemeLst/>
   <a:extLst>
     <a:ext uri="{05A4C25C-085E-4340-85A3-A5531E510DB2}">
-      <thm15:themeFamily xmlns="" xmlns:thm15="http://schemas.microsoft.com/office/thememl/2012/main" name="Office Theme" id="{62F939B6-93AF-4DB8-9C6B-D6C7DFDC589F}" vid="{4A3C46E8-61CC-4603-A589-7422A47A8E4A}"/>
+      <thm15:themeFamily xmlns:thm15="http://schemas.microsoft.com/office/thememl/2012/main" xmlns="" name="Office Theme" id="{62F939B6-93AF-4DB8-9C6B-D6C7DFDC589F}" vid="{4A3C46E8-61CC-4603-A589-7422A47A8E4A}"/>
     </a:ext>
   </a:extLst>
 </a:theme>
@@ -19987,19 +20171,16 @@
   <a:extraClrSchemeLst/>
   <a:extLst>
     <a:ext uri="{05A4C25C-085E-4340-85A3-A5531E510DB2}">
-      <thm15:themeFamily xmlns="" xmlns:thm15="http://schemas.microsoft.com/office/thememl/2012/main" name="Office Theme" id="{62F939B6-93AF-4DB8-9C6B-D6C7DFDC589F}" vid="{4A3C46E8-61CC-4603-A589-7422A47A8E4A}"/>
+      <thm15:themeFamily xmlns:thm15="http://schemas.microsoft.com/office/thememl/2012/main" xmlns="" name="Office Theme" id="{62F939B6-93AF-4DB8-9C6B-D6C7DFDC589F}" vid="{4A3C46E8-61CC-4603-A589-7422A47A8E4A}"/>
     </a:ext>
   </a:extLst>
 </a:theme>
 </file>
 
 <file path=customXml/item1.xml><?xml version="1.0" encoding="utf-8"?>
-<?mso-contentType ?>
-<FormTemplates xmlns="http://schemas.microsoft.com/sharepoint/v3/contenttype/forms">
-  <Display>DocumentLibraryForm</Display>
-  <Edit>DocumentLibraryForm</Edit>
-  <New>DocumentLibraryForm</New>
-</FormTemplates>
+<p:properties xmlns:p="http://schemas.microsoft.com/office/2006/metadata/properties" xmlns:xsi="http://www.w3.org/2001/XMLSchema-instance" xmlns:pc="http://schemas.microsoft.com/office/infopath/2007/PartnerControls">
+  <documentManagement/>
+</p:properties>
 </file>
 
 <file path=customXml/item2.xml><?xml version="1.0" encoding="utf-8"?>
@@ -20226,15 +20407,27 @@
 </file>
 
 <file path=customXml/item3.xml><?xml version="1.0" encoding="utf-8"?>
-<p:properties xmlns:p="http://schemas.microsoft.com/office/2006/metadata/properties" xmlns:xsi="http://www.w3.org/2001/XMLSchema-instance" xmlns:pc="http://schemas.microsoft.com/office/infopath/2007/PartnerControls">
-  <documentManagement/>
-</p:properties>
+<?mso-contentType ?>
+<FormTemplates xmlns="http://schemas.microsoft.com/sharepoint/v3/contenttype/forms">
+  <Display>DocumentLibraryForm</Display>
+  <Edit>DocumentLibraryForm</Edit>
+  <New>DocumentLibraryForm</New>
+</FormTemplates>
 </file>
 
 <file path=customXml/itemProps1.xml><?xml version="1.0" encoding="utf-8"?>
-<ds:datastoreItem xmlns:ds="http://schemas.openxmlformats.org/officeDocument/2006/customXml" ds:itemID="{B34386AA-1848-4C75-B336-1053927CB025}">
+<ds:datastoreItem xmlns:ds="http://schemas.openxmlformats.org/officeDocument/2006/customXml" ds:itemID="{433DAF31-D8A6-49A0-9A5D-8B2EA5B1C511}">
   <ds:schemaRefs>
-    <ds:schemaRef ds:uri="http://schemas.microsoft.com/sharepoint/v3/contenttype/forms"/>
+    <ds:schemaRef ds:uri="http://purl.org/dc/terms/"/>
+    <ds:schemaRef ds:uri="http://schemas.microsoft.com/office/2006/documentManagement/types"/>
+    <ds:schemaRef ds:uri="e96afe77-3acb-4328-97fc-408e1bde3ecd"/>
+    <ds:schemaRef ds:uri="http://purl.org/dc/elements/1.1/"/>
+    <ds:schemaRef ds:uri="9875bd71-cde8-496c-a136-433f55d5e6d0"/>
+    <ds:schemaRef ds:uri="http://schemas.microsoft.com/office/infopath/2007/PartnerControls"/>
+    <ds:schemaRef ds:uri="http://schemas.openxmlformats.org/package/2006/metadata/core-properties"/>
+    <ds:schemaRef ds:uri="http://schemas.microsoft.com/office/2006/metadata/properties"/>
+    <ds:schemaRef ds:uri="http://www.w3.org/XML/1998/namespace"/>
+    <ds:schemaRef ds:uri="http://purl.org/dc/dcmitype/"/>
   </ds:schemaRefs>
 </ds:datastoreItem>
 </file>
@@ -20259,18 +20452,9 @@
 </file>
 
 <file path=customXml/itemProps3.xml><?xml version="1.0" encoding="utf-8"?>
-<ds:datastoreItem xmlns:ds="http://schemas.openxmlformats.org/officeDocument/2006/customXml" ds:itemID="{433DAF31-D8A6-49A0-9A5D-8B2EA5B1C511}">
+<ds:datastoreItem xmlns:ds="http://schemas.openxmlformats.org/officeDocument/2006/customXml" ds:itemID="{B34386AA-1848-4C75-B336-1053927CB025}">
   <ds:schemaRefs>
-    <ds:schemaRef ds:uri="http://purl.org/dc/terms/"/>
-    <ds:schemaRef ds:uri="http://schemas.microsoft.com/office/2006/documentManagement/types"/>
-    <ds:schemaRef ds:uri="e96afe77-3acb-4328-97fc-408e1bde3ecd"/>
-    <ds:schemaRef ds:uri="http://purl.org/dc/elements/1.1/"/>
-    <ds:schemaRef ds:uri="9875bd71-cde8-496c-a136-433f55d5e6d0"/>
-    <ds:schemaRef ds:uri="http://schemas.microsoft.com/office/infopath/2007/PartnerControls"/>
-    <ds:schemaRef ds:uri="http://schemas.openxmlformats.org/package/2006/metadata/core-properties"/>
-    <ds:schemaRef ds:uri="http://schemas.microsoft.com/office/2006/metadata/properties"/>
-    <ds:schemaRef ds:uri="http://www.w3.org/XML/1998/namespace"/>
-    <ds:schemaRef ds:uri="http://purl.org/dc/dcmitype/"/>
+    <ds:schemaRef ds:uri="http://schemas.microsoft.com/sharepoint/v3/contenttype/forms"/>
   </ds:schemaRefs>
 </ds:datastoreItem>
 </file>
--- a/Итоговые документы/presentation.pptx
+++ b/Итоговые документы/presentation.pptx
@@ -5,7 +5,7 @@
     <p:sldMasterId id="2147483648" r:id="rId4"/>
   </p:sldMasterIdLst>
   <p:notesMasterIdLst>
-    <p:notesMasterId r:id="rId20"/>
+    <p:notesMasterId r:id="rId21"/>
   </p:notesMasterIdLst>
   <p:sldIdLst>
     <p:sldId id="271" r:id="rId5"/>
@@ -15,14 +15,15 @@
     <p:sldId id="275" r:id="rId9"/>
     <p:sldId id="291" r:id="rId10"/>
     <p:sldId id="277" r:id="rId11"/>
-    <p:sldId id="278" r:id="rId12"/>
-    <p:sldId id="281" r:id="rId13"/>
-    <p:sldId id="286" r:id="rId14"/>
-    <p:sldId id="287" r:id="rId15"/>
-    <p:sldId id="288" r:id="rId16"/>
-    <p:sldId id="289" r:id="rId17"/>
-    <p:sldId id="290" r:id="rId18"/>
-    <p:sldId id="285" r:id="rId19"/>
+    <p:sldId id="292" r:id="rId12"/>
+    <p:sldId id="278" r:id="rId13"/>
+    <p:sldId id="281" r:id="rId14"/>
+    <p:sldId id="286" r:id="rId15"/>
+    <p:sldId id="287" r:id="rId16"/>
+    <p:sldId id="288" r:id="rId17"/>
+    <p:sldId id="289" r:id="rId18"/>
+    <p:sldId id="290" r:id="rId19"/>
+    <p:sldId id="285" r:id="rId20"/>
   </p:sldIdLst>
   <p:sldSz cx="12192000" cy="6858000"/>
   <p:notesSz cx="6858000" cy="9144000"/>
@@ -123,7 +124,7 @@
   </p:defaultTextStyle>
   <p:extLst>
     <p:ext uri="{EFAFB233-063F-42B5-8137-9DF3F51BA10A}">
-      <p15:sldGuideLst xmlns:p15="http://schemas.microsoft.com/office/powerpoint/2012/main" xmlns="">
+      <p15:sldGuideLst xmlns="" xmlns:p15="http://schemas.microsoft.com/office/powerpoint/2012/main">
         <p15:guide id="2" pos="325" userDrawn="1">
           <p15:clr>
             <a:srgbClr val="A4A3A4"/>
@@ -182,7 +183,7 @@
       </p15:sldGuideLst>
     </p:ext>
     <p:ext uri="{2D200454-40CA-4A62-9FC3-DE9A4176ACB9}">
-      <p15:notesGuideLst xmlns:p15="http://schemas.microsoft.com/office/powerpoint/2012/main" xmlns="">
+      <p15:notesGuideLst xmlns="" xmlns:p15="http://schemas.microsoft.com/office/powerpoint/2012/main">
         <p15:guide id="1" orient="horz" pos="2880" userDrawn="1">
           <p15:clr>
             <a:srgbClr val="A4A3A4"/>
@@ -630,7 +631,7 @@
           <a:p>
             <a:fld id="{6C748903-8EB5-294E-A216-6B54B0368783}" type="slidenum">
               <a:rPr lang="x-none" smtClean="0"/>
-              <a:t>9</a:t>
+              <a:t>10</a:t>
             </a:fld>
             <a:endParaRPr lang="x-none"/>
           </a:p>
@@ -714,7 +715,7 @@
           <a:p>
             <a:fld id="{6C748903-8EB5-294E-A216-6B54B0368783}" type="slidenum">
               <a:rPr lang="x-none" smtClean="0"/>
-              <a:t>10</a:t>
+              <a:t>11</a:t>
             </a:fld>
             <a:endParaRPr lang="x-none"/>
           </a:p>
@@ -798,7 +799,7 @@
           <a:p>
             <a:fld id="{6C748903-8EB5-294E-A216-6B54B0368783}" type="slidenum">
               <a:rPr lang="x-none" smtClean="0"/>
-              <a:t>11</a:t>
+              <a:t>12</a:t>
             </a:fld>
             <a:endParaRPr lang="x-none"/>
           </a:p>
@@ -882,7 +883,7 @@
           <a:p>
             <a:fld id="{6C748903-8EB5-294E-A216-6B54B0368783}" type="slidenum">
               <a:rPr lang="x-none" smtClean="0"/>
-              <a:t>12</a:t>
+              <a:t>13</a:t>
             </a:fld>
             <a:endParaRPr lang="x-none"/>
           </a:p>
@@ -966,7 +967,7 @@
           <a:p>
             <a:fld id="{6C748903-8EB5-294E-A216-6B54B0368783}" type="slidenum">
               <a:rPr lang="x-none" smtClean="0"/>
-              <a:t>13</a:t>
+              <a:t>14</a:t>
             </a:fld>
             <a:endParaRPr lang="x-none"/>
           </a:p>
@@ -1050,7 +1051,7 @@
           <a:p>
             <a:fld id="{6C748903-8EB5-294E-A216-6B54B0368783}" type="slidenum">
               <a:rPr lang="x-none" smtClean="0"/>
-              <a:t>14</a:t>
+              <a:t>15</a:t>
             </a:fld>
             <a:endParaRPr lang="x-none"/>
           </a:p>
@@ -1105,7 +1106,7 @@
           <p:cNvPr id="7" name="Picture 28" descr="A blue circle with white text&#10;&#10;Description automatically generated with low confidence">
             <a:extLst>
               <a:ext uri="{FF2B5EF4-FFF2-40B4-BE49-F238E27FC236}">
-                <a16:creationId xmlns:a16="http://schemas.microsoft.com/office/drawing/2014/main" xmlns="" id="{BA292C80-0DA8-194A-9A66-279048FA2A54}"/>
+                <a16:creationId xmlns="" xmlns:a16="http://schemas.microsoft.com/office/drawing/2014/main" id="{BA292C80-0DA8-194A-9A66-279048FA2A54}"/>
               </a:ext>
             </a:extLst>
           </p:cNvPr>
@@ -1135,7 +1136,7 @@
           <p:cNvPr id="11" name="Straight Connector 48">
             <a:extLst>
               <a:ext uri="{FF2B5EF4-FFF2-40B4-BE49-F238E27FC236}">
-                <a16:creationId xmlns:a16="http://schemas.microsoft.com/office/drawing/2014/main" xmlns="" id="{313EF906-5BAC-0141-A198-076E155DF9E2}"/>
+                <a16:creationId xmlns="" xmlns:a16="http://schemas.microsoft.com/office/drawing/2014/main" id="{313EF906-5BAC-0141-A198-076E155DF9E2}"/>
               </a:ext>
             </a:extLst>
           </p:cNvPr>
@@ -1178,7 +1179,7 @@
           <p:cNvPr id="12" name="Straight Connector 50">
             <a:extLst>
               <a:ext uri="{FF2B5EF4-FFF2-40B4-BE49-F238E27FC236}">
-                <a16:creationId xmlns:a16="http://schemas.microsoft.com/office/drawing/2014/main" xmlns="" id="{61206A97-26F2-E646-8775-9928FEF465B5}"/>
+                <a16:creationId xmlns="" xmlns:a16="http://schemas.microsoft.com/office/drawing/2014/main" id="{61206A97-26F2-E646-8775-9928FEF465B5}"/>
               </a:ext>
             </a:extLst>
           </p:cNvPr>
@@ -1221,7 +1222,7 @@
           <p:cNvPr id="13" name="Straight Connector 51">
             <a:extLst>
               <a:ext uri="{FF2B5EF4-FFF2-40B4-BE49-F238E27FC236}">
-                <a16:creationId xmlns:a16="http://schemas.microsoft.com/office/drawing/2014/main" xmlns="" id="{28E0E5F6-C1CA-9B41-B1DB-6E4FB509084D}"/>
+                <a16:creationId xmlns="" xmlns:a16="http://schemas.microsoft.com/office/drawing/2014/main" id="{28E0E5F6-C1CA-9B41-B1DB-6E4FB509084D}"/>
               </a:ext>
             </a:extLst>
           </p:cNvPr>
@@ -1264,7 +1265,7 @@
           <p:cNvPr id="16" name="Заголовок 15">
             <a:extLst>
               <a:ext uri="{FF2B5EF4-FFF2-40B4-BE49-F238E27FC236}">
-                <a16:creationId xmlns:a16="http://schemas.microsoft.com/office/drawing/2014/main" xmlns="" id="{6007C52F-2E27-E24A-B9DC-AAAB052DBD59}"/>
+                <a16:creationId xmlns="" xmlns:a16="http://schemas.microsoft.com/office/drawing/2014/main" id="{6007C52F-2E27-E24A-B9DC-AAAB052DBD59}"/>
               </a:ext>
             </a:extLst>
           </p:cNvPr>
@@ -1374,7 +1375,7 @@
           <p:cNvPr id="20" name="Текст 19">
             <a:extLst>
               <a:ext uri="{FF2B5EF4-FFF2-40B4-BE49-F238E27FC236}">
-                <a16:creationId xmlns:a16="http://schemas.microsoft.com/office/drawing/2014/main" xmlns="" id="{18109844-C2E7-354F-9C01-8834E4DCE373}"/>
+                <a16:creationId xmlns="" xmlns:a16="http://schemas.microsoft.com/office/drawing/2014/main" id="{18109844-C2E7-354F-9C01-8834E4DCE373}"/>
               </a:ext>
             </a:extLst>
           </p:cNvPr>
@@ -1480,7 +1481,7 @@
           <p:cNvPr id="25" name="Текст 24">
             <a:extLst>
               <a:ext uri="{FF2B5EF4-FFF2-40B4-BE49-F238E27FC236}">
-                <a16:creationId xmlns:a16="http://schemas.microsoft.com/office/drawing/2014/main" xmlns="" id="{40A04329-C800-BB42-BFE0-7E3C68848DA7}"/>
+                <a16:creationId xmlns="" xmlns:a16="http://schemas.microsoft.com/office/drawing/2014/main" id="{40A04329-C800-BB42-BFE0-7E3C68848DA7}"/>
               </a:ext>
             </a:extLst>
           </p:cNvPr>
@@ -1577,7 +1578,7 @@
           <p:cNvPr id="27" name="Текст 26">
             <a:extLst>
               <a:ext uri="{FF2B5EF4-FFF2-40B4-BE49-F238E27FC236}">
-                <a16:creationId xmlns:a16="http://schemas.microsoft.com/office/drawing/2014/main" xmlns="" id="{98337931-3EC2-F348-99EA-860F4FFDC188}"/>
+                <a16:creationId xmlns="" xmlns:a16="http://schemas.microsoft.com/office/drawing/2014/main" id="{98337931-3EC2-F348-99EA-860F4FFDC188}"/>
               </a:ext>
             </a:extLst>
           </p:cNvPr>
@@ -1674,7 +1675,7 @@
           <p:cNvPr id="29" name="Текст 28">
             <a:extLst>
               <a:ext uri="{FF2B5EF4-FFF2-40B4-BE49-F238E27FC236}">
-                <a16:creationId xmlns:a16="http://schemas.microsoft.com/office/drawing/2014/main" xmlns="" id="{EEA7A79B-D410-B44F-BF32-C3EAEFC20A6E}"/>
+                <a16:creationId xmlns="" xmlns:a16="http://schemas.microsoft.com/office/drawing/2014/main" id="{EEA7A79B-D410-B44F-BF32-C3EAEFC20A6E}"/>
               </a:ext>
             </a:extLst>
           </p:cNvPr>
@@ -1779,7 +1780,7 @@
   </p:clrMapOvr>
   <p:extLst>
     <p:ext uri="{DCECCB84-F9BA-43D5-87BE-67443E8EF086}">
-      <p15:sldGuideLst xmlns:p15="http://schemas.microsoft.com/office/powerpoint/2012/main" xmlns=""/>
+      <p15:sldGuideLst xmlns="" xmlns:p15="http://schemas.microsoft.com/office/powerpoint/2012/main"/>
     </p:ext>
   </p:extLst>
 </p:sldLayout>
@@ -1821,7 +1822,7 @@
           <p:cNvPr id="7" name="Picture 4" descr="Icon&#10;&#10;Description automatically generated">
             <a:extLst>
               <a:ext uri="{FF2B5EF4-FFF2-40B4-BE49-F238E27FC236}">
-                <a16:creationId xmlns:a16="http://schemas.microsoft.com/office/drawing/2014/main" xmlns="" id="{9328428E-0D3D-6E4B-BAC0-3F63BAF7DB74}"/>
+                <a16:creationId xmlns="" xmlns:a16="http://schemas.microsoft.com/office/drawing/2014/main" id="{9328428E-0D3D-6E4B-BAC0-3F63BAF7DB74}"/>
               </a:ext>
             </a:extLst>
           </p:cNvPr>
@@ -1851,7 +1852,7 @@
           <p:cNvPr id="8" name="Straight Connector 19">
             <a:extLst>
               <a:ext uri="{FF2B5EF4-FFF2-40B4-BE49-F238E27FC236}">
-                <a16:creationId xmlns:a16="http://schemas.microsoft.com/office/drawing/2014/main" xmlns="" id="{86CF47C6-D972-9E44-A717-6848F3489399}"/>
+                <a16:creationId xmlns="" xmlns:a16="http://schemas.microsoft.com/office/drawing/2014/main" id="{86CF47C6-D972-9E44-A717-6848F3489399}"/>
               </a:ext>
             </a:extLst>
           </p:cNvPr>
@@ -1894,7 +1895,7 @@
           <p:cNvPr id="9" name="Straight Connector 21">
             <a:extLst>
               <a:ext uri="{FF2B5EF4-FFF2-40B4-BE49-F238E27FC236}">
-                <a16:creationId xmlns:a16="http://schemas.microsoft.com/office/drawing/2014/main" xmlns="" id="{412FEF63-77C0-7C4A-B9BE-4BC0EEEEB78C}"/>
+                <a16:creationId xmlns="" xmlns:a16="http://schemas.microsoft.com/office/drawing/2014/main" id="{412FEF63-77C0-7C4A-B9BE-4BC0EEEEB78C}"/>
               </a:ext>
             </a:extLst>
           </p:cNvPr>
@@ -1937,7 +1938,7 @@
           <p:cNvPr id="10" name="Straight Connector 25">
             <a:extLst>
               <a:ext uri="{FF2B5EF4-FFF2-40B4-BE49-F238E27FC236}">
-                <a16:creationId xmlns:a16="http://schemas.microsoft.com/office/drawing/2014/main" xmlns="" id="{C4F550E9-E979-284D-B65F-44E092DD9D02}"/>
+                <a16:creationId xmlns="" xmlns:a16="http://schemas.microsoft.com/office/drawing/2014/main" id="{C4F550E9-E979-284D-B65F-44E092DD9D02}"/>
               </a:ext>
             </a:extLst>
           </p:cNvPr>
@@ -1980,7 +1981,7 @@
           <p:cNvPr id="11" name="TextBox 10">
             <a:extLst>
               <a:ext uri="{FF2B5EF4-FFF2-40B4-BE49-F238E27FC236}">
-                <a16:creationId xmlns:a16="http://schemas.microsoft.com/office/drawing/2014/main" xmlns="" id="{3A39D099-B515-F343-BF7A-A95468DA3860}"/>
+                <a16:creationId xmlns="" xmlns:a16="http://schemas.microsoft.com/office/drawing/2014/main" id="{3A39D099-B515-F343-BF7A-A95468DA3860}"/>
               </a:ext>
             </a:extLst>
           </p:cNvPr>
@@ -2026,7 +2027,7 @@
           <p:cNvPr id="12" name="Straight Connector 59">
             <a:extLst>
               <a:ext uri="{FF2B5EF4-FFF2-40B4-BE49-F238E27FC236}">
-                <a16:creationId xmlns:a16="http://schemas.microsoft.com/office/drawing/2014/main" xmlns="" id="{396B1F99-9711-C64F-A7C9-4F1D89E7F11D}"/>
+                <a16:creationId xmlns="" xmlns:a16="http://schemas.microsoft.com/office/drawing/2014/main" id="{396B1F99-9711-C64F-A7C9-4F1D89E7F11D}"/>
               </a:ext>
             </a:extLst>
           </p:cNvPr>
@@ -2069,7 +2070,7 @@
           <p:cNvPr id="13" name="Текст 37">
             <a:extLst>
               <a:ext uri="{FF2B5EF4-FFF2-40B4-BE49-F238E27FC236}">
-                <a16:creationId xmlns:a16="http://schemas.microsoft.com/office/drawing/2014/main" xmlns="" id="{9C21DFE9-C3B2-C54E-9275-7776355F7360}"/>
+                <a16:creationId xmlns="" xmlns:a16="http://schemas.microsoft.com/office/drawing/2014/main" id="{9C21DFE9-C3B2-C54E-9275-7776355F7360}"/>
               </a:ext>
             </a:extLst>
           </p:cNvPr>
@@ -2199,7 +2200,7 @@
           <p:cNvPr id="14" name="Текст 39">
             <a:extLst>
               <a:ext uri="{FF2B5EF4-FFF2-40B4-BE49-F238E27FC236}">
-                <a16:creationId xmlns:a16="http://schemas.microsoft.com/office/drawing/2014/main" xmlns="" id="{5A73F99D-6D58-724E-ADB3-150D9B24F8CB}"/>
+                <a16:creationId xmlns="" xmlns:a16="http://schemas.microsoft.com/office/drawing/2014/main" id="{5A73F99D-6D58-724E-ADB3-150D9B24F8CB}"/>
               </a:ext>
             </a:extLst>
           </p:cNvPr>
@@ -2297,7 +2298,7 @@
           <p:cNvPr id="16" name="Текст 39">
             <a:extLst>
               <a:ext uri="{FF2B5EF4-FFF2-40B4-BE49-F238E27FC236}">
-                <a16:creationId xmlns:a16="http://schemas.microsoft.com/office/drawing/2014/main" xmlns="" id="{7E89E360-BE39-5041-BAD6-C7B708340AA2}"/>
+                <a16:creationId xmlns="" xmlns:a16="http://schemas.microsoft.com/office/drawing/2014/main" id="{7E89E360-BE39-5041-BAD6-C7B708340AA2}"/>
               </a:ext>
             </a:extLst>
           </p:cNvPr>
@@ -2395,7 +2396,7 @@
           <p:cNvPr id="19" name="Заголовок 31">
             <a:extLst>
               <a:ext uri="{FF2B5EF4-FFF2-40B4-BE49-F238E27FC236}">
-                <a16:creationId xmlns:a16="http://schemas.microsoft.com/office/drawing/2014/main" xmlns="" id="{1C20890C-BC1C-0745-9AF3-46700BA27C4A}"/>
+                <a16:creationId xmlns="" xmlns:a16="http://schemas.microsoft.com/office/drawing/2014/main" id="{1C20890C-BC1C-0745-9AF3-46700BA27C4A}"/>
               </a:ext>
             </a:extLst>
           </p:cNvPr>
@@ -2461,7 +2462,7 @@
           <p:cNvPr id="20" name="Текст 35">
             <a:extLst>
               <a:ext uri="{FF2B5EF4-FFF2-40B4-BE49-F238E27FC236}">
-                <a16:creationId xmlns:a16="http://schemas.microsoft.com/office/drawing/2014/main" xmlns="" id="{CA2589F7-4500-024F-8E07-D726629A599C}"/>
+                <a16:creationId xmlns="" xmlns:a16="http://schemas.microsoft.com/office/drawing/2014/main" id="{CA2589F7-4500-024F-8E07-D726629A599C}"/>
               </a:ext>
             </a:extLst>
           </p:cNvPr>
@@ -2585,7 +2586,7 @@
           <p:cNvPr id="21" name="Oval 5">
             <a:extLst>
               <a:ext uri="{FF2B5EF4-FFF2-40B4-BE49-F238E27FC236}">
-                <a16:creationId xmlns:a16="http://schemas.microsoft.com/office/drawing/2014/main" xmlns="" id="{D2CA403A-98E7-6C42-8F44-30AB6622C802}"/>
+                <a16:creationId xmlns="" xmlns:a16="http://schemas.microsoft.com/office/drawing/2014/main" id="{D2CA403A-98E7-6C42-8F44-30AB6622C802}"/>
               </a:ext>
             </a:extLst>
           </p:cNvPr>
@@ -2637,7 +2638,7 @@
           <p:cNvPr id="22" name="Oval 20">
             <a:extLst>
               <a:ext uri="{FF2B5EF4-FFF2-40B4-BE49-F238E27FC236}">
-                <a16:creationId xmlns:a16="http://schemas.microsoft.com/office/drawing/2014/main" xmlns="" id="{42ABAA5D-E7AB-6E48-9D43-A48178C9BDD4}"/>
+                <a16:creationId xmlns="" xmlns:a16="http://schemas.microsoft.com/office/drawing/2014/main" id="{42ABAA5D-E7AB-6E48-9D43-A48178C9BDD4}"/>
               </a:ext>
             </a:extLst>
           </p:cNvPr>
@@ -2689,7 +2690,7 @@
           <p:cNvPr id="23" name="Oval 22">
             <a:extLst>
               <a:ext uri="{FF2B5EF4-FFF2-40B4-BE49-F238E27FC236}">
-                <a16:creationId xmlns:a16="http://schemas.microsoft.com/office/drawing/2014/main" xmlns="" id="{209F185A-8F67-9C42-A7C5-87E483F4FC19}"/>
+                <a16:creationId xmlns="" xmlns:a16="http://schemas.microsoft.com/office/drawing/2014/main" id="{209F185A-8F67-9C42-A7C5-87E483F4FC19}"/>
               </a:ext>
             </a:extLst>
           </p:cNvPr>
@@ -2741,7 +2742,7 @@
           <p:cNvPr id="24" name="Oval 23">
             <a:extLst>
               <a:ext uri="{FF2B5EF4-FFF2-40B4-BE49-F238E27FC236}">
-                <a16:creationId xmlns:a16="http://schemas.microsoft.com/office/drawing/2014/main" xmlns="" id="{279AE0F6-4E37-6C4D-AF45-824EEE489A15}"/>
+                <a16:creationId xmlns="" xmlns:a16="http://schemas.microsoft.com/office/drawing/2014/main" id="{279AE0F6-4E37-6C4D-AF45-824EEE489A15}"/>
               </a:ext>
             </a:extLst>
           </p:cNvPr>
@@ -2793,7 +2794,7 @@
           <p:cNvPr id="25" name="Oval 26">
             <a:extLst>
               <a:ext uri="{FF2B5EF4-FFF2-40B4-BE49-F238E27FC236}">
-                <a16:creationId xmlns:a16="http://schemas.microsoft.com/office/drawing/2014/main" xmlns="" id="{330C0EA4-7FD1-CE4D-AC95-8C484C5AC790}"/>
+                <a16:creationId xmlns="" xmlns:a16="http://schemas.microsoft.com/office/drawing/2014/main" id="{330C0EA4-7FD1-CE4D-AC95-8C484C5AC790}"/>
               </a:ext>
             </a:extLst>
           </p:cNvPr>
@@ -2845,7 +2846,7 @@
           <p:cNvPr id="26" name="Oval 29">
             <a:extLst>
               <a:ext uri="{FF2B5EF4-FFF2-40B4-BE49-F238E27FC236}">
-                <a16:creationId xmlns:a16="http://schemas.microsoft.com/office/drawing/2014/main" xmlns="" id="{4C53CF3D-7EFB-DF4F-8EA6-5644574E9AFB}"/>
+                <a16:creationId xmlns="" xmlns:a16="http://schemas.microsoft.com/office/drawing/2014/main" id="{4C53CF3D-7EFB-DF4F-8EA6-5644574E9AFB}"/>
               </a:ext>
             </a:extLst>
           </p:cNvPr>
@@ -2897,7 +2898,7 @@
           <p:cNvPr id="27" name="Oval 33">
             <a:extLst>
               <a:ext uri="{FF2B5EF4-FFF2-40B4-BE49-F238E27FC236}">
-                <a16:creationId xmlns:a16="http://schemas.microsoft.com/office/drawing/2014/main" xmlns="" id="{B42CE88A-E9A3-2A4E-BD50-EB37311F39EC}"/>
+                <a16:creationId xmlns="" xmlns:a16="http://schemas.microsoft.com/office/drawing/2014/main" id="{B42CE88A-E9A3-2A4E-BD50-EB37311F39EC}"/>
               </a:ext>
             </a:extLst>
           </p:cNvPr>
@@ -2949,7 +2950,7 @@
           <p:cNvPr id="28" name="Oval 34">
             <a:extLst>
               <a:ext uri="{FF2B5EF4-FFF2-40B4-BE49-F238E27FC236}">
-                <a16:creationId xmlns:a16="http://schemas.microsoft.com/office/drawing/2014/main" xmlns="" id="{B699EFDF-DB9D-3C4F-9D1F-461508017BDA}"/>
+                <a16:creationId xmlns="" xmlns:a16="http://schemas.microsoft.com/office/drawing/2014/main" id="{B699EFDF-DB9D-3C4F-9D1F-461508017BDA}"/>
               </a:ext>
             </a:extLst>
           </p:cNvPr>
@@ -3001,7 +3002,7 @@
           <p:cNvPr id="29" name="Oval 35">
             <a:extLst>
               <a:ext uri="{FF2B5EF4-FFF2-40B4-BE49-F238E27FC236}">
-                <a16:creationId xmlns:a16="http://schemas.microsoft.com/office/drawing/2014/main" xmlns="" id="{5DF3131C-EEA1-5446-B567-C9DA0A2A1AFF}"/>
+                <a16:creationId xmlns="" xmlns:a16="http://schemas.microsoft.com/office/drawing/2014/main" id="{5DF3131C-EEA1-5446-B567-C9DA0A2A1AFF}"/>
               </a:ext>
             </a:extLst>
           </p:cNvPr>
@@ -3053,7 +3054,7 @@
           <p:cNvPr id="30" name="Oval 36">
             <a:extLst>
               <a:ext uri="{FF2B5EF4-FFF2-40B4-BE49-F238E27FC236}">
-                <a16:creationId xmlns:a16="http://schemas.microsoft.com/office/drawing/2014/main" xmlns="" id="{6D03B317-B61D-2945-8C0A-A6EBD87ACD07}"/>
+                <a16:creationId xmlns="" xmlns:a16="http://schemas.microsoft.com/office/drawing/2014/main" id="{6D03B317-B61D-2945-8C0A-A6EBD87ACD07}"/>
               </a:ext>
             </a:extLst>
           </p:cNvPr>
@@ -3105,7 +3106,7 @@
           <p:cNvPr id="31" name="Oval 37">
             <a:extLst>
               <a:ext uri="{FF2B5EF4-FFF2-40B4-BE49-F238E27FC236}">
-                <a16:creationId xmlns:a16="http://schemas.microsoft.com/office/drawing/2014/main" xmlns="" id="{9C0266F1-C0B7-624A-A873-5F2C8801E766}"/>
+                <a16:creationId xmlns="" xmlns:a16="http://schemas.microsoft.com/office/drawing/2014/main" id="{9C0266F1-C0B7-624A-A873-5F2C8801E766}"/>
               </a:ext>
             </a:extLst>
           </p:cNvPr>
@@ -3157,7 +3158,7 @@
           <p:cNvPr id="32" name="Oval 38">
             <a:extLst>
               <a:ext uri="{FF2B5EF4-FFF2-40B4-BE49-F238E27FC236}">
-                <a16:creationId xmlns:a16="http://schemas.microsoft.com/office/drawing/2014/main" xmlns="" id="{30C0C10E-388C-9843-8270-19D471BD3756}"/>
+                <a16:creationId xmlns="" xmlns:a16="http://schemas.microsoft.com/office/drawing/2014/main" id="{30C0C10E-388C-9843-8270-19D471BD3756}"/>
               </a:ext>
             </a:extLst>
           </p:cNvPr>
@@ -3209,7 +3210,7 @@
           <p:cNvPr id="33" name="Oval 39">
             <a:extLst>
               <a:ext uri="{FF2B5EF4-FFF2-40B4-BE49-F238E27FC236}">
-                <a16:creationId xmlns:a16="http://schemas.microsoft.com/office/drawing/2014/main" xmlns="" id="{87047EA3-79D2-8644-A568-E64AA1D7D370}"/>
+                <a16:creationId xmlns="" xmlns:a16="http://schemas.microsoft.com/office/drawing/2014/main" id="{87047EA3-79D2-8644-A568-E64AA1D7D370}"/>
               </a:ext>
             </a:extLst>
           </p:cNvPr>
@@ -3261,7 +3262,7 @@
           <p:cNvPr id="34" name="Oval 40">
             <a:extLst>
               <a:ext uri="{FF2B5EF4-FFF2-40B4-BE49-F238E27FC236}">
-                <a16:creationId xmlns:a16="http://schemas.microsoft.com/office/drawing/2014/main" xmlns="" id="{7F5D1C6B-4E6B-0346-A5DC-C511DB14EFD6}"/>
+                <a16:creationId xmlns="" xmlns:a16="http://schemas.microsoft.com/office/drawing/2014/main" id="{7F5D1C6B-4E6B-0346-A5DC-C511DB14EFD6}"/>
               </a:ext>
             </a:extLst>
           </p:cNvPr>
@@ -3313,7 +3314,7 @@
           <p:cNvPr id="35" name="Oval 41">
             <a:extLst>
               <a:ext uri="{FF2B5EF4-FFF2-40B4-BE49-F238E27FC236}">
-                <a16:creationId xmlns:a16="http://schemas.microsoft.com/office/drawing/2014/main" xmlns="" id="{EB421DBA-35DE-2C4F-A89E-27F0998EF4E8}"/>
+                <a16:creationId xmlns="" xmlns:a16="http://schemas.microsoft.com/office/drawing/2014/main" id="{EB421DBA-35DE-2C4F-A89E-27F0998EF4E8}"/>
               </a:ext>
             </a:extLst>
           </p:cNvPr>
@@ -3365,7 +3366,7 @@
           <p:cNvPr id="36" name="Oval 42">
             <a:extLst>
               <a:ext uri="{FF2B5EF4-FFF2-40B4-BE49-F238E27FC236}">
-                <a16:creationId xmlns:a16="http://schemas.microsoft.com/office/drawing/2014/main" xmlns="" id="{081BD842-A9A1-5B44-81ED-A97BA390032B}"/>
+                <a16:creationId xmlns="" xmlns:a16="http://schemas.microsoft.com/office/drawing/2014/main" id="{081BD842-A9A1-5B44-81ED-A97BA390032B}"/>
               </a:ext>
             </a:extLst>
           </p:cNvPr>
@@ -3417,7 +3418,7 @@
           <p:cNvPr id="37" name="Oval 43">
             <a:extLst>
               <a:ext uri="{FF2B5EF4-FFF2-40B4-BE49-F238E27FC236}">
-                <a16:creationId xmlns:a16="http://schemas.microsoft.com/office/drawing/2014/main" xmlns="" id="{036EE7D2-A33A-434C-B272-C82E2CDD4D4D}"/>
+                <a16:creationId xmlns="" xmlns:a16="http://schemas.microsoft.com/office/drawing/2014/main" id="{036EE7D2-A33A-434C-B272-C82E2CDD4D4D}"/>
               </a:ext>
             </a:extLst>
           </p:cNvPr>
@@ -3469,7 +3470,7 @@
           <p:cNvPr id="38" name="Oval 44">
             <a:extLst>
               <a:ext uri="{FF2B5EF4-FFF2-40B4-BE49-F238E27FC236}">
-                <a16:creationId xmlns:a16="http://schemas.microsoft.com/office/drawing/2014/main" xmlns="" id="{7DD65DA4-F076-C242-813E-8C17DCABCCFB}"/>
+                <a16:creationId xmlns="" xmlns:a16="http://schemas.microsoft.com/office/drawing/2014/main" id="{7DD65DA4-F076-C242-813E-8C17DCABCCFB}"/>
               </a:ext>
             </a:extLst>
           </p:cNvPr>
@@ -3521,7 +3522,7 @@
           <p:cNvPr id="39" name="Oval 45">
             <a:extLst>
               <a:ext uri="{FF2B5EF4-FFF2-40B4-BE49-F238E27FC236}">
-                <a16:creationId xmlns:a16="http://schemas.microsoft.com/office/drawing/2014/main" xmlns="" id="{8A44D99D-BF66-2848-B460-F59D8ECF5690}"/>
+                <a16:creationId xmlns="" xmlns:a16="http://schemas.microsoft.com/office/drawing/2014/main" id="{8A44D99D-BF66-2848-B460-F59D8ECF5690}"/>
               </a:ext>
             </a:extLst>
           </p:cNvPr>
@@ -3573,7 +3574,7 @@
           <p:cNvPr id="40" name="Oval 46">
             <a:extLst>
               <a:ext uri="{FF2B5EF4-FFF2-40B4-BE49-F238E27FC236}">
-                <a16:creationId xmlns:a16="http://schemas.microsoft.com/office/drawing/2014/main" xmlns="" id="{9B130CEB-3D74-B647-BA6B-32F7D70FD354}"/>
+                <a16:creationId xmlns="" xmlns:a16="http://schemas.microsoft.com/office/drawing/2014/main" id="{9B130CEB-3D74-B647-BA6B-32F7D70FD354}"/>
               </a:ext>
             </a:extLst>
           </p:cNvPr>
@@ -3669,7 +3670,7 @@
           <p:cNvPr id="8" name="Picture 4" descr="Icon&#10;&#10;Description automatically generated">
             <a:extLst>
               <a:ext uri="{FF2B5EF4-FFF2-40B4-BE49-F238E27FC236}">
-                <a16:creationId xmlns:a16="http://schemas.microsoft.com/office/drawing/2014/main" xmlns="" id="{A7FA04E4-3213-8F41-B068-4DC281441422}"/>
+                <a16:creationId xmlns="" xmlns:a16="http://schemas.microsoft.com/office/drawing/2014/main" id="{A7FA04E4-3213-8F41-B068-4DC281441422}"/>
               </a:ext>
             </a:extLst>
           </p:cNvPr>
@@ -3699,7 +3700,7 @@
           <p:cNvPr id="9" name="Straight Connector 19">
             <a:extLst>
               <a:ext uri="{FF2B5EF4-FFF2-40B4-BE49-F238E27FC236}">
-                <a16:creationId xmlns:a16="http://schemas.microsoft.com/office/drawing/2014/main" xmlns="" id="{938052A0-3DF0-DC47-B7E0-C20EF981C230}"/>
+                <a16:creationId xmlns="" xmlns:a16="http://schemas.microsoft.com/office/drawing/2014/main" id="{938052A0-3DF0-DC47-B7E0-C20EF981C230}"/>
               </a:ext>
             </a:extLst>
           </p:cNvPr>
@@ -3742,7 +3743,7 @@
           <p:cNvPr id="10" name="Straight Connector 21">
             <a:extLst>
               <a:ext uri="{FF2B5EF4-FFF2-40B4-BE49-F238E27FC236}">
-                <a16:creationId xmlns:a16="http://schemas.microsoft.com/office/drawing/2014/main" xmlns="" id="{8C6147F0-3CA1-264C-B2B2-F88597196943}"/>
+                <a16:creationId xmlns="" xmlns:a16="http://schemas.microsoft.com/office/drawing/2014/main" id="{8C6147F0-3CA1-264C-B2B2-F88597196943}"/>
               </a:ext>
             </a:extLst>
           </p:cNvPr>
@@ -3785,7 +3786,7 @@
           <p:cNvPr id="11" name="Straight Connector 25">
             <a:extLst>
               <a:ext uri="{FF2B5EF4-FFF2-40B4-BE49-F238E27FC236}">
-                <a16:creationId xmlns:a16="http://schemas.microsoft.com/office/drawing/2014/main" xmlns="" id="{62CDF50E-4D58-AF4A-ABFD-140AF88B3681}"/>
+                <a16:creationId xmlns="" xmlns:a16="http://schemas.microsoft.com/office/drawing/2014/main" id="{62CDF50E-4D58-AF4A-ABFD-140AF88B3681}"/>
               </a:ext>
             </a:extLst>
           </p:cNvPr>
@@ -3828,7 +3829,7 @@
           <p:cNvPr id="12" name="TextBox 11">
             <a:extLst>
               <a:ext uri="{FF2B5EF4-FFF2-40B4-BE49-F238E27FC236}">
-                <a16:creationId xmlns:a16="http://schemas.microsoft.com/office/drawing/2014/main" xmlns="" id="{C62171D1-2A5B-7A4A-9760-17CCE51B9802}"/>
+                <a16:creationId xmlns="" xmlns:a16="http://schemas.microsoft.com/office/drawing/2014/main" id="{C62171D1-2A5B-7A4A-9760-17CCE51B9802}"/>
               </a:ext>
             </a:extLst>
           </p:cNvPr>
@@ -3874,7 +3875,7 @@
           <p:cNvPr id="13" name="Straight Connector 59">
             <a:extLst>
               <a:ext uri="{FF2B5EF4-FFF2-40B4-BE49-F238E27FC236}">
-                <a16:creationId xmlns:a16="http://schemas.microsoft.com/office/drawing/2014/main" xmlns="" id="{3C71A0C3-CD3E-0748-98E5-6B2507CAB296}"/>
+                <a16:creationId xmlns="" xmlns:a16="http://schemas.microsoft.com/office/drawing/2014/main" id="{3C71A0C3-CD3E-0748-98E5-6B2507CAB296}"/>
               </a:ext>
             </a:extLst>
           </p:cNvPr>
@@ -3917,7 +3918,7 @@
           <p:cNvPr id="14" name="Текст 37">
             <a:extLst>
               <a:ext uri="{FF2B5EF4-FFF2-40B4-BE49-F238E27FC236}">
-                <a16:creationId xmlns:a16="http://schemas.microsoft.com/office/drawing/2014/main" xmlns="" id="{9856D01B-EC9A-6047-B7FB-D47084AB3F50}"/>
+                <a16:creationId xmlns="" xmlns:a16="http://schemas.microsoft.com/office/drawing/2014/main" id="{9856D01B-EC9A-6047-B7FB-D47084AB3F50}"/>
               </a:ext>
             </a:extLst>
           </p:cNvPr>
@@ -4047,7 +4048,7 @@
           <p:cNvPr id="15" name="Текст 39">
             <a:extLst>
               <a:ext uri="{FF2B5EF4-FFF2-40B4-BE49-F238E27FC236}">
-                <a16:creationId xmlns:a16="http://schemas.microsoft.com/office/drawing/2014/main" xmlns="" id="{83E23342-AC91-354A-9A28-A14FF7BADCD2}"/>
+                <a16:creationId xmlns="" xmlns:a16="http://schemas.microsoft.com/office/drawing/2014/main" id="{83E23342-AC91-354A-9A28-A14FF7BADCD2}"/>
               </a:ext>
             </a:extLst>
           </p:cNvPr>
@@ -4145,7 +4146,7 @@
           <p:cNvPr id="17" name="Текст 39">
             <a:extLst>
               <a:ext uri="{FF2B5EF4-FFF2-40B4-BE49-F238E27FC236}">
-                <a16:creationId xmlns:a16="http://schemas.microsoft.com/office/drawing/2014/main" xmlns="" id="{BB1CCE68-8F57-1A41-BC43-633D2EFC801E}"/>
+                <a16:creationId xmlns="" xmlns:a16="http://schemas.microsoft.com/office/drawing/2014/main" id="{BB1CCE68-8F57-1A41-BC43-633D2EFC801E}"/>
               </a:ext>
             </a:extLst>
           </p:cNvPr>
@@ -4287,7 +4288,7 @@
           <p:cNvPr id="3" name="Rectangle 2">
             <a:extLst>
               <a:ext uri="{FF2B5EF4-FFF2-40B4-BE49-F238E27FC236}">
-                <a16:creationId xmlns:a16="http://schemas.microsoft.com/office/drawing/2014/main" xmlns="" id="{65234703-C735-5D41-99C2-019C7EBECCF4}"/>
+                <a16:creationId xmlns="" xmlns:a16="http://schemas.microsoft.com/office/drawing/2014/main" id="{65234703-C735-5D41-99C2-019C7EBECCF4}"/>
               </a:ext>
             </a:extLst>
           </p:cNvPr>
@@ -4333,7 +4334,7 @@
           <p:cNvPr id="2" name="Picture 1">
             <a:extLst>
               <a:ext uri="{FF2B5EF4-FFF2-40B4-BE49-F238E27FC236}">
-                <a16:creationId xmlns:a16="http://schemas.microsoft.com/office/drawing/2014/main" xmlns="" id="{682F59B5-E815-AE43-BAE2-FA594BB42C02}"/>
+                <a16:creationId xmlns="" xmlns:a16="http://schemas.microsoft.com/office/drawing/2014/main" id="{682F59B5-E815-AE43-BAE2-FA594BB42C02}"/>
               </a:ext>
             </a:extLst>
           </p:cNvPr>
@@ -4406,7 +4407,7 @@
           <p:cNvPr id="10" name="Picture 4" descr="Icon&#10;&#10;Description automatically generated">
             <a:extLst>
               <a:ext uri="{FF2B5EF4-FFF2-40B4-BE49-F238E27FC236}">
-                <a16:creationId xmlns:a16="http://schemas.microsoft.com/office/drawing/2014/main" xmlns="" id="{4A1436AC-5F96-2A4F-BFC7-B3442083EBE4}"/>
+                <a16:creationId xmlns="" xmlns:a16="http://schemas.microsoft.com/office/drawing/2014/main" id="{4A1436AC-5F96-2A4F-BFC7-B3442083EBE4}"/>
               </a:ext>
             </a:extLst>
           </p:cNvPr>
@@ -4436,7 +4437,7 @@
           <p:cNvPr id="11" name="Straight Connector 19">
             <a:extLst>
               <a:ext uri="{FF2B5EF4-FFF2-40B4-BE49-F238E27FC236}">
-                <a16:creationId xmlns:a16="http://schemas.microsoft.com/office/drawing/2014/main" xmlns="" id="{067DD2ED-246D-7D41-B51F-FED98BF873FD}"/>
+                <a16:creationId xmlns="" xmlns:a16="http://schemas.microsoft.com/office/drawing/2014/main" id="{067DD2ED-246D-7D41-B51F-FED98BF873FD}"/>
               </a:ext>
             </a:extLst>
           </p:cNvPr>
@@ -4479,7 +4480,7 @@
           <p:cNvPr id="12" name="Straight Connector 21">
             <a:extLst>
               <a:ext uri="{FF2B5EF4-FFF2-40B4-BE49-F238E27FC236}">
-                <a16:creationId xmlns:a16="http://schemas.microsoft.com/office/drawing/2014/main" xmlns="" id="{68E8C250-D449-A743-8975-B5BFB04D9744}"/>
+                <a16:creationId xmlns="" xmlns:a16="http://schemas.microsoft.com/office/drawing/2014/main" id="{68E8C250-D449-A743-8975-B5BFB04D9744}"/>
               </a:ext>
             </a:extLst>
           </p:cNvPr>
@@ -4522,7 +4523,7 @@
           <p:cNvPr id="13" name="Straight Connector 25">
             <a:extLst>
               <a:ext uri="{FF2B5EF4-FFF2-40B4-BE49-F238E27FC236}">
-                <a16:creationId xmlns:a16="http://schemas.microsoft.com/office/drawing/2014/main" xmlns="" id="{DD1C71CA-B883-AF42-959D-BCA5690AAA4B}"/>
+                <a16:creationId xmlns="" xmlns:a16="http://schemas.microsoft.com/office/drawing/2014/main" id="{DD1C71CA-B883-AF42-959D-BCA5690AAA4B}"/>
               </a:ext>
             </a:extLst>
           </p:cNvPr>
@@ -4565,7 +4566,7 @@
           <p:cNvPr id="17" name="TextBox 16">
             <a:extLst>
               <a:ext uri="{FF2B5EF4-FFF2-40B4-BE49-F238E27FC236}">
-                <a16:creationId xmlns:a16="http://schemas.microsoft.com/office/drawing/2014/main" xmlns="" id="{24D3A12E-0E10-C441-81D2-C3C1EB6A0537}"/>
+                <a16:creationId xmlns="" xmlns:a16="http://schemas.microsoft.com/office/drawing/2014/main" id="{24D3A12E-0E10-C441-81D2-C3C1EB6A0537}"/>
               </a:ext>
             </a:extLst>
           </p:cNvPr>
@@ -4611,7 +4612,7 @@
           <p:cNvPr id="19" name="Straight Connector 59">
             <a:extLst>
               <a:ext uri="{FF2B5EF4-FFF2-40B4-BE49-F238E27FC236}">
-                <a16:creationId xmlns:a16="http://schemas.microsoft.com/office/drawing/2014/main" xmlns="" id="{3447008E-4F3B-FC4E-B96D-3927FAE1ED17}"/>
+                <a16:creationId xmlns="" xmlns:a16="http://schemas.microsoft.com/office/drawing/2014/main" id="{3447008E-4F3B-FC4E-B96D-3927FAE1ED17}"/>
               </a:ext>
             </a:extLst>
           </p:cNvPr>
@@ -4654,7 +4655,7 @@
           <p:cNvPr id="24" name="Рисунок 23">
             <a:extLst>
               <a:ext uri="{FF2B5EF4-FFF2-40B4-BE49-F238E27FC236}">
-                <a16:creationId xmlns:a16="http://schemas.microsoft.com/office/drawing/2014/main" xmlns="" id="{61115A7A-23E5-E442-9551-F72F1CDA57B9}"/>
+                <a16:creationId xmlns="" xmlns:a16="http://schemas.microsoft.com/office/drawing/2014/main" id="{61115A7A-23E5-E442-9551-F72F1CDA57B9}"/>
               </a:ext>
             </a:extLst>
           </p:cNvPr>
@@ -4744,7 +4745,7 @@
           <p:cNvPr id="32" name="Заголовок 31">
             <a:extLst>
               <a:ext uri="{FF2B5EF4-FFF2-40B4-BE49-F238E27FC236}">
-                <a16:creationId xmlns:a16="http://schemas.microsoft.com/office/drawing/2014/main" xmlns="" id="{9ED7AA97-D972-DF4F-B662-A65F2A544CC5}"/>
+                <a16:creationId xmlns="" xmlns:a16="http://schemas.microsoft.com/office/drawing/2014/main" id="{9ED7AA97-D972-DF4F-B662-A65F2A544CC5}"/>
               </a:ext>
             </a:extLst>
           </p:cNvPr>
@@ -4843,7 +4844,7 @@
           <p:cNvPr id="36" name="Текст 35">
             <a:extLst>
               <a:ext uri="{FF2B5EF4-FFF2-40B4-BE49-F238E27FC236}">
-                <a16:creationId xmlns:a16="http://schemas.microsoft.com/office/drawing/2014/main" xmlns="" id="{69E35E54-2B19-7441-876F-1C6A84F4F156}"/>
+                <a16:creationId xmlns="" xmlns:a16="http://schemas.microsoft.com/office/drawing/2014/main" id="{69E35E54-2B19-7441-876F-1C6A84F4F156}"/>
               </a:ext>
             </a:extLst>
           </p:cNvPr>
@@ -4978,7 +4979,7 @@
           <p:cNvPr id="38" name="Текст 37">
             <a:extLst>
               <a:ext uri="{FF2B5EF4-FFF2-40B4-BE49-F238E27FC236}">
-                <a16:creationId xmlns:a16="http://schemas.microsoft.com/office/drawing/2014/main" xmlns="" id="{7FB4A275-856E-364D-8AA4-2071AADC6AAA}"/>
+                <a16:creationId xmlns="" xmlns:a16="http://schemas.microsoft.com/office/drawing/2014/main" id="{7FB4A275-856E-364D-8AA4-2071AADC6AAA}"/>
               </a:ext>
             </a:extLst>
           </p:cNvPr>
@@ -5108,7 +5109,7 @@
           <p:cNvPr id="40" name="Текст 39">
             <a:extLst>
               <a:ext uri="{FF2B5EF4-FFF2-40B4-BE49-F238E27FC236}">
-                <a16:creationId xmlns:a16="http://schemas.microsoft.com/office/drawing/2014/main" xmlns="" id="{58FBA0EA-8BE0-A643-B258-4E5C34467172}"/>
+                <a16:creationId xmlns="" xmlns:a16="http://schemas.microsoft.com/office/drawing/2014/main" id="{58FBA0EA-8BE0-A643-B258-4E5C34467172}"/>
               </a:ext>
             </a:extLst>
           </p:cNvPr>
@@ -5206,7 +5207,7 @@
           <p:cNvPr id="41" name="Текст 39">
             <a:extLst>
               <a:ext uri="{FF2B5EF4-FFF2-40B4-BE49-F238E27FC236}">
-                <a16:creationId xmlns:a16="http://schemas.microsoft.com/office/drawing/2014/main" xmlns="" id="{0BEC062F-1BEB-DE4C-B7EE-C552C9D45F13}"/>
+                <a16:creationId xmlns="" xmlns:a16="http://schemas.microsoft.com/office/drawing/2014/main" id="{0BEC062F-1BEB-DE4C-B7EE-C552C9D45F13}"/>
               </a:ext>
             </a:extLst>
           </p:cNvPr>
@@ -5348,7 +5349,7 @@
           <p:cNvPr id="7" name="Picture 4" descr="Icon&#10;&#10;Description automatically generated">
             <a:extLst>
               <a:ext uri="{FF2B5EF4-FFF2-40B4-BE49-F238E27FC236}">
-                <a16:creationId xmlns:a16="http://schemas.microsoft.com/office/drawing/2014/main" xmlns="" id="{FDC66DB8-29BC-5940-A721-40F10021456A}"/>
+                <a16:creationId xmlns="" xmlns:a16="http://schemas.microsoft.com/office/drawing/2014/main" id="{FDC66DB8-29BC-5940-A721-40F10021456A}"/>
               </a:ext>
             </a:extLst>
           </p:cNvPr>
@@ -5378,7 +5379,7 @@
           <p:cNvPr id="8" name="Straight Connector 19">
             <a:extLst>
               <a:ext uri="{FF2B5EF4-FFF2-40B4-BE49-F238E27FC236}">
-                <a16:creationId xmlns:a16="http://schemas.microsoft.com/office/drawing/2014/main" xmlns="" id="{DE27C859-478F-3648-8A9D-2C85DBDCAC09}"/>
+                <a16:creationId xmlns="" xmlns:a16="http://schemas.microsoft.com/office/drawing/2014/main" id="{DE27C859-478F-3648-8A9D-2C85DBDCAC09}"/>
               </a:ext>
             </a:extLst>
           </p:cNvPr>
@@ -5421,7 +5422,7 @@
           <p:cNvPr id="9" name="Straight Connector 21">
             <a:extLst>
               <a:ext uri="{FF2B5EF4-FFF2-40B4-BE49-F238E27FC236}">
-                <a16:creationId xmlns:a16="http://schemas.microsoft.com/office/drawing/2014/main" xmlns="" id="{58EA1144-CFD8-1D47-B430-7014F576043B}"/>
+                <a16:creationId xmlns="" xmlns:a16="http://schemas.microsoft.com/office/drawing/2014/main" id="{58EA1144-CFD8-1D47-B430-7014F576043B}"/>
               </a:ext>
             </a:extLst>
           </p:cNvPr>
@@ -5464,7 +5465,7 @@
           <p:cNvPr id="10" name="Straight Connector 25">
             <a:extLst>
               <a:ext uri="{FF2B5EF4-FFF2-40B4-BE49-F238E27FC236}">
-                <a16:creationId xmlns:a16="http://schemas.microsoft.com/office/drawing/2014/main" xmlns="" id="{96EDC73C-5A3C-014E-8E52-04CAFCA9B20B}"/>
+                <a16:creationId xmlns="" xmlns:a16="http://schemas.microsoft.com/office/drawing/2014/main" id="{96EDC73C-5A3C-014E-8E52-04CAFCA9B20B}"/>
               </a:ext>
             </a:extLst>
           </p:cNvPr>
@@ -5507,7 +5508,7 @@
           <p:cNvPr id="11" name="TextBox 10">
             <a:extLst>
               <a:ext uri="{FF2B5EF4-FFF2-40B4-BE49-F238E27FC236}">
-                <a16:creationId xmlns:a16="http://schemas.microsoft.com/office/drawing/2014/main" xmlns="" id="{55E88681-53A8-3B45-B80A-372EDFB53883}"/>
+                <a16:creationId xmlns="" xmlns:a16="http://schemas.microsoft.com/office/drawing/2014/main" id="{55E88681-53A8-3B45-B80A-372EDFB53883}"/>
               </a:ext>
             </a:extLst>
           </p:cNvPr>
@@ -5553,7 +5554,7 @@
           <p:cNvPr id="12" name="Straight Connector 59">
             <a:extLst>
               <a:ext uri="{FF2B5EF4-FFF2-40B4-BE49-F238E27FC236}">
-                <a16:creationId xmlns:a16="http://schemas.microsoft.com/office/drawing/2014/main" xmlns="" id="{EDA7D8BF-DF37-704F-B77F-7E40752ACE25}"/>
+                <a16:creationId xmlns="" xmlns:a16="http://schemas.microsoft.com/office/drawing/2014/main" id="{EDA7D8BF-DF37-704F-B77F-7E40752ACE25}"/>
               </a:ext>
             </a:extLst>
           </p:cNvPr>
@@ -5596,7 +5597,7 @@
           <p:cNvPr id="13" name="Текст 37">
             <a:extLst>
               <a:ext uri="{FF2B5EF4-FFF2-40B4-BE49-F238E27FC236}">
-                <a16:creationId xmlns:a16="http://schemas.microsoft.com/office/drawing/2014/main" xmlns="" id="{5026DBD8-54A3-1446-9D3B-BA2B38460F1E}"/>
+                <a16:creationId xmlns="" xmlns:a16="http://schemas.microsoft.com/office/drawing/2014/main" id="{5026DBD8-54A3-1446-9D3B-BA2B38460F1E}"/>
               </a:ext>
             </a:extLst>
           </p:cNvPr>
@@ -5726,7 +5727,7 @@
           <p:cNvPr id="14" name="Текст 39">
             <a:extLst>
               <a:ext uri="{FF2B5EF4-FFF2-40B4-BE49-F238E27FC236}">
-                <a16:creationId xmlns:a16="http://schemas.microsoft.com/office/drawing/2014/main" xmlns="" id="{E8AA3569-5054-7D47-AB14-BCFB0440D0A6}"/>
+                <a16:creationId xmlns="" xmlns:a16="http://schemas.microsoft.com/office/drawing/2014/main" id="{E8AA3569-5054-7D47-AB14-BCFB0440D0A6}"/>
               </a:ext>
             </a:extLst>
           </p:cNvPr>
@@ -5824,7 +5825,7 @@
           <p:cNvPr id="16" name="Заголовок 31">
             <a:extLst>
               <a:ext uri="{FF2B5EF4-FFF2-40B4-BE49-F238E27FC236}">
-                <a16:creationId xmlns:a16="http://schemas.microsoft.com/office/drawing/2014/main" xmlns="" id="{76942483-EB13-0A4B-8060-DB65024C294E}"/>
+                <a16:creationId xmlns="" xmlns:a16="http://schemas.microsoft.com/office/drawing/2014/main" id="{76942483-EB13-0A4B-8060-DB65024C294E}"/>
               </a:ext>
             </a:extLst>
           </p:cNvPr>
@@ -5906,7 +5907,7 @@
           <p:cNvPr id="17" name="Текст 35">
             <a:extLst>
               <a:ext uri="{FF2B5EF4-FFF2-40B4-BE49-F238E27FC236}">
-                <a16:creationId xmlns:a16="http://schemas.microsoft.com/office/drawing/2014/main" xmlns="" id="{66FAD63B-F743-0F47-BBE3-D7731766705A}"/>
+                <a16:creationId xmlns="" xmlns:a16="http://schemas.microsoft.com/office/drawing/2014/main" id="{66FAD63B-F743-0F47-BBE3-D7731766705A}"/>
               </a:ext>
             </a:extLst>
           </p:cNvPr>
@@ -6047,7 +6048,7 @@
           <p:cNvPr id="18" name="Текст 39">
             <a:extLst>
               <a:ext uri="{FF2B5EF4-FFF2-40B4-BE49-F238E27FC236}">
-                <a16:creationId xmlns:a16="http://schemas.microsoft.com/office/drawing/2014/main" xmlns="" id="{8A048480-30C9-044E-8C2E-0F67398FEE12}"/>
+                <a16:creationId xmlns="" xmlns:a16="http://schemas.microsoft.com/office/drawing/2014/main" id="{8A048480-30C9-044E-8C2E-0F67398FEE12}"/>
               </a:ext>
             </a:extLst>
           </p:cNvPr>
@@ -6189,7 +6190,7 @@
           <p:cNvPr id="7" name="Picture 4" descr="Icon&#10;&#10;Description automatically generated">
             <a:extLst>
               <a:ext uri="{FF2B5EF4-FFF2-40B4-BE49-F238E27FC236}">
-                <a16:creationId xmlns:a16="http://schemas.microsoft.com/office/drawing/2014/main" xmlns="" id="{0E78CA68-7A0C-CF41-9AC6-A547FB9EC3B0}"/>
+                <a16:creationId xmlns="" xmlns:a16="http://schemas.microsoft.com/office/drawing/2014/main" id="{0E78CA68-7A0C-CF41-9AC6-A547FB9EC3B0}"/>
               </a:ext>
             </a:extLst>
           </p:cNvPr>
@@ -6219,7 +6220,7 @@
           <p:cNvPr id="8" name="Straight Connector 19">
             <a:extLst>
               <a:ext uri="{FF2B5EF4-FFF2-40B4-BE49-F238E27FC236}">
-                <a16:creationId xmlns:a16="http://schemas.microsoft.com/office/drawing/2014/main" xmlns="" id="{45DC512A-A23B-B24D-A1F6-6793976867CF}"/>
+                <a16:creationId xmlns="" xmlns:a16="http://schemas.microsoft.com/office/drawing/2014/main" id="{45DC512A-A23B-B24D-A1F6-6793976867CF}"/>
               </a:ext>
             </a:extLst>
           </p:cNvPr>
@@ -6262,7 +6263,7 @@
           <p:cNvPr id="9" name="Straight Connector 21">
             <a:extLst>
               <a:ext uri="{FF2B5EF4-FFF2-40B4-BE49-F238E27FC236}">
-                <a16:creationId xmlns:a16="http://schemas.microsoft.com/office/drawing/2014/main" xmlns="" id="{21F91649-DF0F-5F45-A43B-2CED9ACDD049}"/>
+                <a16:creationId xmlns="" xmlns:a16="http://schemas.microsoft.com/office/drawing/2014/main" id="{21F91649-DF0F-5F45-A43B-2CED9ACDD049}"/>
               </a:ext>
             </a:extLst>
           </p:cNvPr>
@@ -6305,7 +6306,7 @@
           <p:cNvPr id="10" name="Straight Connector 25">
             <a:extLst>
               <a:ext uri="{FF2B5EF4-FFF2-40B4-BE49-F238E27FC236}">
-                <a16:creationId xmlns:a16="http://schemas.microsoft.com/office/drawing/2014/main" xmlns="" id="{3137B760-1A50-1845-B7F2-1EF31C71C72B}"/>
+                <a16:creationId xmlns="" xmlns:a16="http://schemas.microsoft.com/office/drawing/2014/main" id="{3137B760-1A50-1845-B7F2-1EF31C71C72B}"/>
               </a:ext>
             </a:extLst>
           </p:cNvPr>
@@ -6348,7 +6349,7 @@
           <p:cNvPr id="11" name="TextBox 10">
             <a:extLst>
               <a:ext uri="{FF2B5EF4-FFF2-40B4-BE49-F238E27FC236}">
-                <a16:creationId xmlns:a16="http://schemas.microsoft.com/office/drawing/2014/main" xmlns="" id="{05ECCF8F-5855-7943-B503-5573887A534D}"/>
+                <a16:creationId xmlns="" xmlns:a16="http://schemas.microsoft.com/office/drawing/2014/main" id="{05ECCF8F-5855-7943-B503-5573887A534D}"/>
               </a:ext>
             </a:extLst>
           </p:cNvPr>
@@ -6394,7 +6395,7 @@
           <p:cNvPr id="12" name="Straight Connector 59">
             <a:extLst>
               <a:ext uri="{FF2B5EF4-FFF2-40B4-BE49-F238E27FC236}">
-                <a16:creationId xmlns:a16="http://schemas.microsoft.com/office/drawing/2014/main" xmlns="" id="{FB81B23D-CDD8-E64C-9887-3540F7EE1C4B}"/>
+                <a16:creationId xmlns="" xmlns:a16="http://schemas.microsoft.com/office/drawing/2014/main" id="{FB81B23D-CDD8-E64C-9887-3540F7EE1C4B}"/>
               </a:ext>
             </a:extLst>
           </p:cNvPr>
@@ -6437,7 +6438,7 @@
           <p:cNvPr id="13" name="Текст 37">
             <a:extLst>
               <a:ext uri="{FF2B5EF4-FFF2-40B4-BE49-F238E27FC236}">
-                <a16:creationId xmlns:a16="http://schemas.microsoft.com/office/drawing/2014/main" xmlns="" id="{C2D710AE-3CBE-5940-A7EB-F96132E6592D}"/>
+                <a16:creationId xmlns="" xmlns:a16="http://schemas.microsoft.com/office/drawing/2014/main" id="{C2D710AE-3CBE-5940-A7EB-F96132E6592D}"/>
               </a:ext>
             </a:extLst>
           </p:cNvPr>
@@ -6567,7 +6568,7 @@
           <p:cNvPr id="14" name="Текст 39">
             <a:extLst>
               <a:ext uri="{FF2B5EF4-FFF2-40B4-BE49-F238E27FC236}">
-                <a16:creationId xmlns:a16="http://schemas.microsoft.com/office/drawing/2014/main" xmlns="" id="{FCC5A33D-0A3C-F140-B745-367744A5F308}"/>
+                <a16:creationId xmlns="" xmlns:a16="http://schemas.microsoft.com/office/drawing/2014/main" id="{FCC5A33D-0A3C-F140-B745-367744A5F308}"/>
               </a:ext>
             </a:extLst>
           </p:cNvPr>
@@ -6665,7 +6666,7 @@
           <p:cNvPr id="17" name="Текст 35">
             <a:extLst>
               <a:ext uri="{FF2B5EF4-FFF2-40B4-BE49-F238E27FC236}">
-                <a16:creationId xmlns:a16="http://schemas.microsoft.com/office/drawing/2014/main" xmlns="" id="{5163BE0A-A745-414A-AF21-D968BD69D2DA}"/>
+                <a16:creationId xmlns="" xmlns:a16="http://schemas.microsoft.com/office/drawing/2014/main" id="{5163BE0A-A745-414A-AF21-D968BD69D2DA}"/>
               </a:ext>
             </a:extLst>
           </p:cNvPr>
@@ -6800,7 +6801,7 @@
           <p:cNvPr id="20" name="Текст 35">
             <a:extLst>
               <a:ext uri="{FF2B5EF4-FFF2-40B4-BE49-F238E27FC236}">
-                <a16:creationId xmlns:a16="http://schemas.microsoft.com/office/drawing/2014/main" xmlns="" id="{B3D47CF6-5FC1-2346-8894-A7CC39063DE3}"/>
+                <a16:creationId xmlns="" xmlns:a16="http://schemas.microsoft.com/office/drawing/2014/main" id="{B3D47CF6-5FC1-2346-8894-A7CC39063DE3}"/>
               </a:ext>
             </a:extLst>
           </p:cNvPr>
@@ -6933,7 +6934,7 @@
           <p:cNvPr id="23" name="Текст 22">
             <a:extLst>
               <a:ext uri="{FF2B5EF4-FFF2-40B4-BE49-F238E27FC236}">
-                <a16:creationId xmlns:a16="http://schemas.microsoft.com/office/drawing/2014/main" xmlns="" id="{CD14B8F3-89C2-9F45-809E-D1EAF85AC566}"/>
+                <a16:creationId xmlns="" xmlns:a16="http://schemas.microsoft.com/office/drawing/2014/main" id="{CD14B8F3-89C2-9F45-809E-D1EAF85AC566}"/>
               </a:ext>
             </a:extLst>
           </p:cNvPr>
@@ -7017,7 +7018,7 @@
           <p:cNvPr id="24" name="Текст 39">
             <a:extLst>
               <a:ext uri="{FF2B5EF4-FFF2-40B4-BE49-F238E27FC236}">
-                <a16:creationId xmlns:a16="http://schemas.microsoft.com/office/drawing/2014/main" xmlns="" id="{3BE4279A-8109-B244-B721-18F10C696B17}"/>
+                <a16:creationId xmlns="" xmlns:a16="http://schemas.microsoft.com/office/drawing/2014/main" id="{3BE4279A-8109-B244-B721-18F10C696B17}"/>
               </a:ext>
             </a:extLst>
           </p:cNvPr>
@@ -7115,7 +7116,7 @@
           <p:cNvPr id="25" name="Заголовок 31">
             <a:extLst>
               <a:ext uri="{FF2B5EF4-FFF2-40B4-BE49-F238E27FC236}">
-                <a16:creationId xmlns:a16="http://schemas.microsoft.com/office/drawing/2014/main" xmlns="" id="{B32DC3D4-97A5-3E4F-A29B-422D5E3129B7}"/>
+                <a16:creationId xmlns="" xmlns:a16="http://schemas.microsoft.com/office/drawing/2014/main" id="{B32DC3D4-97A5-3E4F-A29B-422D5E3129B7}"/>
               </a:ext>
             </a:extLst>
           </p:cNvPr>
@@ -7241,7 +7242,7 @@
           <p:cNvPr id="7" name="Picture 4" descr="Icon&#10;&#10;Description automatically generated">
             <a:extLst>
               <a:ext uri="{FF2B5EF4-FFF2-40B4-BE49-F238E27FC236}">
-                <a16:creationId xmlns:a16="http://schemas.microsoft.com/office/drawing/2014/main" xmlns="" id="{9E89D752-CAC6-0943-9A3D-4C52DBF50CE2}"/>
+                <a16:creationId xmlns="" xmlns:a16="http://schemas.microsoft.com/office/drawing/2014/main" id="{9E89D752-CAC6-0943-9A3D-4C52DBF50CE2}"/>
               </a:ext>
             </a:extLst>
           </p:cNvPr>
@@ -7271,7 +7272,7 @@
           <p:cNvPr id="8" name="Straight Connector 19">
             <a:extLst>
               <a:ext uri="{FF2B5EF4-FFF2-40B4-BE49-F238E27FC236}">
-                <a16:creationId xmlns:a16="http://schemas.microsoft.com/office/drawing/2014/main" xmlns="" id="{64D89E64-93BB-044D-B3D4-8F2679C5CA4C}"/>
+                <a16:creationId xmlns="" xmlns:a16="http://schemas.microsoft.com/office/drawing/2014/main" id="{64D89E64-93BB-044D-B3D4-8F2679C5CA4C}"/>
               </a:ext>
             </a:extLst>
           </p:cNvPr>
@@ -7314,7 +7315,7 @@
           <p:cNvPr id="9" name="Straight Connector 21">
             <a:extLst>
               <a:ext uri="{FF2B5EF4-FFF2-40B4-BE49-F238E27FC236}">
-                <a16:creationId xmlns:a16="http://schemas.microsoft.com/office/drawing/2014/main" xmlns="" id="{D0C3B169-866D-C645-AF76-00F8C2A97E9B}"/>
+                <a16:creationId xmlns="" xmlns:a16="http://schemas.microsoft.com/office/drawing/2014/main" id="{D0C3B169-866D-C645-AF76-00F8C2A97E9B}"/>
               </a:ext>
             </a:extLst>
           </p:cNvPr>
@@ -7357,7 +7358,7 @@
           <p:cNvPr id="10" name="Straight Connector 25">
             <a:extLst>
               <a:ext uri="{FF2B5EF4-FFF2-40B4-BE49-F238E27FC236}">
-                <a16:creationId xmlns:a16="http://schemas.microsoft.com/office/drawing/2014/main" xmlns="" id="{FDDF48AB-D8AE-0E42-A544-8EA5B8744778}"/>
+                <a16:creationId xmlns="" xmlns:a16="http://schemas.microsoft.com/office/drawing/2014/main" id="{FDDF48AB-D8AE-0E42-A544-8EA5B8744778}"/>
               </a:ext>
             </a:extLst>
           </p:cNvPr>
@@ -7400,7 +7401,7 @@
           <p:cNvPr id="11" name="TextBox 10">
             <a:extLst>
               <a:ext uri="{FF2B5EF4-FFF2-40B4-BE49-F238E27FC236}">
-                <a16:creationId xmlns:a16="http://schemas.microsoft.com/office/drawing/2014/main" xmlns="" id="{66DF89EC-1E7C-3B40-85F4-6D19A7D29AC7}"/>
+                <a16:creationId xmlns="" xmlns:a16="http://schemas.microsoft.com/office/drawing/2014/main" id="{66DF89EC-1E7C-3B40-85F4-6D19A7D29AC7}"/>
               </a:ext>
             </a:extLst>
           </p:cNvPr>
@@ -7446,7 +7447,7 @@
           <p:cNvPr id="12" name="Straight Connector 59">
             <a:extLst>
               <a:ext uri="{FF2B5EF4-FFF2-40B4-BE49-F238E27FC236}">
-                <a16:creationId xmlns:a16="http://schemas.microsoft.com/office/drawing/2014/main" xmlns="" id="{019D6862-BD52-734D-9E19-38C147CA2D29}"/>
+                <a16:creationId xmlns="" xmlns:a16="http://schemas.microsoft.com/office/drawing/2014/main" id="{019D6862-BD52-734D-9E19-38C147CA2D29}"/>
               </a:ext>
             </a:extLst>
           </p:cNvPr>
@@ -7489,7 +7490,7 @@
           <p:cNvPr id="13" name="Текст 37">
             <a:extLst>
               <a:ext uri="{FF2B5EF4-FFF2-40B4-BE49-F238E27FC236}">
-                <a16:creationId xmlns:a16="http://schemas.microsoft.com/office/drawing/2014/main" xmlns="" id="{A9BD5ADD-B3F2-C342-82F7-83683F040D2F}"/>
+                <a16:creationId xmlns="" xmlns:a16="http://schemas.microsoft.com/office/drawing/2014/main" id="{A9BD5ADD-B3F2-C342-82F7-83683F040D2F}"/>
               </a:ext>
             </a:extLst>
           </p:cNvPr>
@@ -7619,7 +7620,7 @@
           <p:cNvPr id="14" name="Текст 39">
             <a:extLst>
               <a:ext uri="{FF2B5EF4-FFF2-40B4-BE49-F238E27FC236}">
-                <a16:creationId xmlns:a16="http://schemas.microsoft.com/office/drawing/2014/main" xmlns="" id="{4F15CBC0-FC8B-744E-95A7-C9863CDC31BD}"/>
+                <a16:creationId xmlns="" xmlns:a16="http://schemas.microsoft.com/office/drawing/2014/main" id="{4F15CBC0-FC8B-744E-95A7-C9863CDC31BD}"/>
               </a:ext>
             </a:extLst>
           </p:cNvPr>
@@ -7717,7 +7718,7 @@
           <p:cNvPr id="16" name="Текст 39">
             <a:extLst>
               <a:ext uri="{FF2B5EF4-FFF2-40B4-BE49-F238E27FC236}">
-                <a16:creationId xmlns:a16="http://schemas.microsoft.com/office/drawing/2014/main" xmlns="" id="{BC3B54AA-A0BD-E646-B3B7-C0E724D26D23}"/>
+                <a16:creationId xmlns="" xmlns:a16="http://schemas.microsoft.com/office/drawing/2014/main" id="{BC3B54AA-A0BD-E646-B3B7-C0E724D26D23}"/>
               </a:ext>
             </a:extLst>
           </p:cNvPr>
@@ -7815,7 +7816,7 @@
           <p:cNvPr id="17" name="Заголовок 31">
             <a:extLst>
               <a:ext uri="{FF2B5EF4-FFF2-40B4-BE49-F238E27FC236}">
-                <a16:creationId xmlns:a16="http://schemas.microsoft.com/office/drawing/2014/main" xmlns="" id="{B3F16318-C9C3-B948-A508-4BC53D0B7716}"/>
+                <a16:creationId xmlns="" xmlns:a16="http://schemas.microsoft.com/office/drawing/2014/main" id="{B3F16318-C9C3-B948-A508-4BC53D0B7716}"/>
               </a:ext>
             </a:extLst>
           </p:cNvPr>
@@ -7914,7 +7915,7 @@
           <p:cNvPr id="18" name="Текст 35">
             <a:extLst>
               <a:ext uri="{FF2B5EF4-FFF2-40B4-BE49-F238E27FC236}">
-                <a16:creationId xmlns:a16="http://schemas.microsoft.com/office/drawing/2014/main" xmlns="" id="{23B3E5FB-BBCE-4149-AD9A-8CAB06CC9FCF}"/>
+                <a16:creationId xmlns="" xmlns:a16="http://schemas.microsoft.com/office/drawing/2014/main" id="{23B3E5FB-BBCE-4149-AD9A-8CAB06CC9FCF}"/>
               </a:ext>
             </a:extLst>
           </p:cNvPr>
@@ -8593,7 +8594,7 @@
           <p:cNvPr id="19" name="Текст 35">
             <a:extLst>
               <a:ext uri="{FF2B5EF4-FFF2-40B4-BE49-F238E27FC236}">
-                <a16:creationId xmlns:a16="http://schemas.microsoft.com/office/drawing/2014/main" xmlns="" id="{658542D3-7E45-6E46-8039-27C4C43DD617}"/>
+                <a16:creationId xmlns="" xmlns:a16="http://schemas.microsoft.com/office/drawing/2014/main" id="{658542D3-7E45-6E46-8039-27C4C43DD617}"/>
               </a:ext>
             </a:extLst>
           </p:cNvPr>
@@ -8726,7 +8727,7 @@
           <p:cNvPr id="21" name="Диаграмма 7">
             <a:extLst>
               <a:ext uri="{FF2B5EF4-FFF2-40B4-BE49-F238E27FC236}">
-                <a16:creationId xmlns:a16="http://schemas.microsoft.com/office/drawing/2014/main" xmlns="" id="{57965DCA-4776-7546-97FD-A69317A34CF2}"/>
+                <a16:creationId xmlns="" xmlns:a16="http://schemas.microsoft.com/office/drawing/2014/main" id="{57965DCA-4776-7546-97FD-A69317A34CF2}"/>
               </a:ext>
             </a:extLst>
           </p:cNvPr>
@@ -8800,7 +8801,7 @@
           <p:cNvPr id="8" name="Picture 4" descr="Icon&#10;&#10;Description automatically generated">
             <a:extLst>
               <a:ext uri="{FF2B5EF4-FFF2-40B4-BE49-F238E27FC236}">
-                <a16:creationId xmlns:a16="http://schemas.microsoft.com/office/drawing/2014/main" xmlns="" id="{11D7C3EB-CCEB-E142-9753-8B2D75A0A80D}"/>
+                <a16:creationId xmlns="" xmlns:a16="http://schemas.microsoft.com/office/drawing/2014/main" id="{11D7C3EB-CCEB-E142-9753-8B2D75A0A80D}"/>
               </a:ext>
             </a:extLst>
           </p:cNvPr>
@@ -8830,7 +8831,7 @@
           <p:cNvPr id="9" name="Straight Connector 19">
             <a:extLst>
               <a:ext uri="{FF2B5EF4-FFF2-40B4-BE49-F238E27FC236}">
-                <a16:creationId xmlns:a16="http://schemas.microsoft.com/office/drawing/2014/main" xmlns="" id="{527C9F89-51CC-D243-9351-73AB081DB944}"/>
+                <a16:creationId xmlns="" xmlns:a16="http://schemas.microsoft.com/office/drawing/2014/main" id="{527C9F89-51CC-D243-9351-73AB081DB944}"/>
               </a:ext>
             </a:extLst>
           </p:cNvPr>
@@ -8873,7 +8874,7 @@
           <p:cNvPr id="10" name="Straight Connector 21">
             <a:extLst>
               <a:ext uri="{FF2B5EF4-FFF2-40B4-BE49-F238E27FC236}">
-                <a16:creationId xmlns:a16="http://schemas.microsoft.com/office/drawing/2014/main" xmlns="" id="{F09EE119-6C80-E846-95F9-BB3907664128}"/>
+                <a16:creationId xmlns="" xmlns:a16="http://schemas.microsoft.com/office/drawing/2014/main" id="{F09EE119-6C80-E846-95F9-BB3907664128}"/>
               </a:ext>
             </a:extLst>
           </p:cNvPr>
@@ -8916,7 +8917,7 @@
           <p:cNvPr id="11" name="Straight Connector 25">
             <a:extLst>
               <a:ext uri="{FF2B5EF4-FFF2-40B4-BE49-F238E27FC236}">
-                <a16:creationId xmlns:a16="http://schemas.microsoft.com/office/drawing/2014/main" xmlns="" id="{6C0A681B-44BF-6A46-98D8-483EF13B9114}"/>
+                <a16:creationId xmlns="" xmlns:a16="http://schemas.microsoft.com/office/drawing/2014/main" id="{6C0A681B-44BF-6A46-98D8-483EF13B9114}"/>
               </a:ext>
             </a:extLst>
           </p:cNvPr>
@@ -8959,7 +8960,7 @@
           <p:cNvPr id="12" name="TextBox 11">
             <a:extLst>
               <a:ext uri="{FF2B5EF4-FFF2-40B4-BE49-F238E27FC236}">
-                <a16:creationId xmlns:a16="http://schemas.microsoft.com/office/drawing/2014/main" xmlns="" id="{C65A5D7C-EB12-9D4D-A99A-4B26C81B7387}"/>
+                <a16:creationId xmlns="" xmlns:a16="http://schemas.microsoft.com/office/drawing/2014/main" id="{C65A5D7C-EB12-9D4D-A99A-4B26C81B7387}"/>
               </a:ext>
             </a:extLst>
           </p:cNvPr>
@@ -9005,7 +9006,7 @@
           <p:cNvPr id="13" name="Straight Connector 59">
             <a:extLst>
               <a:ext uri="{FF2B5EF4-FFF2-40B4-BE49-F238E27FC236}">
-                <a16:creationId xmlns:a16="http://schemas.microsoft.com/office/drawing/2014/main" xmlns="" id="{D4C3D74D-BE91-9547-ADCA-ACCE93C18789}"/>
+                <a16:creationId xmlns="" xmlns:a16="http://schemas.microsoft.com/office/drawing/2014/main" id="{D4C3D74D-BE91-9547-ADCA-ACCE93C18789}"/>
               </a:ext>
             </a:extLst>
           </p:cNvPr>
@@ -9048,7 +9049,7 @@
           <p:cNvPr id="14" name="Текст 37">
             <a:extLst>
               <a:ext uri="{FF2B5EF4-FFF2-40B4-BE49-F238E27FC236}">
-                <a16:creationId xmlns:a16="http://schemas.microsoft.com/office/drawing/2014/main" xmlns="" id="{3E0AB43B-5E98-6042-A282-C61E0C5A37B9}"/>
+                <a16:creationId xmlns="" xmlns:a16="http://schemas.microsoft.com/office/drawing/2014/main" id="{3E0AB43B-5E98-6042-A282-C61E0C5A37B9}"/>
               </a:ext>
             </a:extLst>
           </p:cNvPr>
@@ -9178,7 +9179,7 @@
           <p:cNvPr id="15" name="Текст 39">
             <a:extLst>
               <a:ext uri="{FF2B5EF4-FFF2-40B4-BE49-F238E27FC236}">
-                <a16:creationId xmlns:a16="http://schemas.microsoft.com/office/drawing/2014/main" xmlns="" id="{7388A8DF-D130-5445-A3F8-F96E1202BA19}"/>
+                <a16:creationId xmlns="" xmlns:a16="http://schemas.microsoft.com/office/drawing/2014/main" id="{7388A8DF-D130-5445-A3F8-F96E1202BA19}"/>
               </a:ext>
             </a:extLst>
           </p:cNvPr>
@@ -9276,7 +9277,7 @@
           <p:cNvPr id="17" name="Текст 39">
             <a:extLst>
               <a:ext uri="{FF2B5EF4-FFF2-40B4-BE49-F238E27FC236}">
-                <a16:creationId xmlns:a16="http://schemas.microsoft.com/office/drawing/2014/main" xmlns="" id="{02CBC466-1703-7541-94E4-AC76F4E6D938}"/>
+                <a16:creationId xmlns="" xmlns:a16="http://schemas.microsoft.com/office/drawing/2014/main" id="{02CBC466-1703-7541-94E4-AC76F4E6D938}"/>
               </a:ext>
             </a:extLst>
           </p:cNvPr>
@@ -9374,7 +9375,7 @@
           <p:cNvPr id="20" name="Текст 35">
             <a:extLst>
               <a:ext uri="{FF2B5EF4-FFF2-40B4-BE49-F238E27FC236}">
-                <a16:creationId xmlns:a16="http://schemas.microsoft.com/office/drawing/2014/main" xmlns="" id="{5812BF3C-1D24-3640-84D2-BFFCA525AE5F}"/>
+                <a16:creationId xmlns="" xmlns:a16="http://schemas.microsoft.com/office/drawing/2014/main" id="{5812BF3C-1D24-3640-84D2-BFFCA525AE5F}"/>
               </a:ext>
             </a:extLst>
           </p:cNvPr>
@@ -9507,7 +9508,7 @@
           <p:cNvPr id="21" name="Диаграмма 7">
             <a:extLst>
               <a:ext uri="{FF2B5EF4-FFF2-40B4-BE49-F238E27FC236}">
-                <a16:creationId xmlns:a16="http://schemas.microsoft.com/office/drawing/2014/main" xmlns="" id="{BCBBDD44-9DC9-F74E-979F-120A7BBD4EE1}"/>
+                <a16:creationId xmlns="" xmlns:a16="http://schemas.microsoft.com/office/drawing/2014/main" id="{BCBBDD44-9DC9-F74E-979F-120A7BBD4EE1}"/>
               </a:ext>
             </a:extLst>
           </p:cNvPr>
@@ -9537,7 +9538,7 @@
           <p:cNvPr id="23" name="Текст 22">
             <a:extLst>
               <a:ext uri="{FF2B5EF4-FFF2-40B4-BE49-F238E27FC236}">
-                <a16:creationId xmlns:a16="http://schemas.microsoft.com/office/drawing/2014/main" xmlns="" id="{7C68DF7B-E804-E44B-83DF-5DC36AF76F43}"/>
+                <a16:creationId xmlns="" xmlns:a16="http://schemas.microsoft.com/office/drawing/2014/main" id="{7C68DF7B-E804-E44B-83DF-5DC36AF76F43}"/>
               </a:ext>
             </a:extLst>
           </p:cNvPr>
@@ -9634,7 +9635,7 @@
           <p:cNvPr id="28" name="Текст 35">
             <a:extLst>
               <a:ext uri="{FF2B5EF4-FFF2-40B4-BE49-F238E27FC236}">
-                <a16:creationId xmlns:a16="http://schemas.microsoft.com/office/drawing/2014/main" xmlns="" id="{89E931D8-2901-A54D-86EA-096E47B81880}"/>
+                <a16:creationId xmlns="" xmlns:a16="http://schemas.microsoft.com/office/drawing/2014/main" id="{89E931D8-2901-A54D-86EA-096E47B81880}"/>
               </a:ext>
             </a:extLst>
           </p:cNvPr>
@@ -10357,7 +10358,7 @@
           <p:cNvPr id="6" name="Picture 4" descr="Icon&#10;&#10;Description automatically generated">
             <a:extLst>
               <a:ext uri="{FF2B5EF4-FFF2-40B4-BE49-F238E27FC236}">
-                <a16:creationId xmlns:a16="http://schemas.microsoft.com/office/drawing/2014/main" xmlns="" id="{E9A64721-E55E-8749-B29E-51DD8955936F}"/>
+                <a16:creationId xmlns="" xmlns:a16="http://schemas.microsoft.com/office/drawing/2014/main" id="{E9A64721-E55E-8749-B29E-51DD8955936F}"/>
               </a:ext>
             </a:extLst>
           </p:cNvPr>
@@ -10387,7 +10388,7 @@
           <p:cNvPr id="7" name="Straight Connector 19">
             <a:extLst>
               <a:ext uri="{FF2B5EF4-FFF2-40B4-BE49-F238E27FC236}">
-                <a16:creationId xmlns:a16="http://schemas.microsoft.com/office/drawing/2014/main" xmlns="" id="{B0C162B7-B84F-874A-960E-31F512518C6E}"/>
+                <a16:creationId xmlns="" xmlns:a16="http://schemas.microsoft.com/office/drawing/2014/main" id="{B0C162B7-B84F-874A-960E-31F512518C6E}"/>
               </a:ext>
             </a:extLst>
           </p:cNvPr>
@@ -10430,7 +10431,7 @@
           <p:cNvPr id="8" name="Straight Connector 21">
             <a:extLst>
               <a:ext uri="{FF2B5EF4-FFF2-40B4-BE49-F238E27FC236}">
-                <a16:creationId xmlns:a16="http://schemas.microsoft.com/office/drawing/2014/main" xmlns="" id="{1CB321BB-9FE3-294F-85D8-AA7DC75CA4AF}"/>
+                <a16:creationId xmlns="" xmlns:a16="http://schemas.microsoft.com/office/drawing/2014/main" id="{1CB321BB-9FE3-294F-85D8-AA7DC75CA4AF}"/>
               </a:ext>
             </a:extLst>
           </p:cNvPr>
@@ -10473,7 +10474,7 @@
           <p:cNvPr id="9" name="Straight Connector 25">
             <a:extLst>
               <a:ext uri="{FF2B5EF4-FFF2-40B4-BE49-F238E27FC236}">
-                <a16:creationId xmlns:a16="http://schemas.microsoft.com/office/drawing/2014/main" xmlns="" id="{0A610A45-8712-8A45-AFB3-931CF468EC32}"/>
+                <a16:creationId xmlns="" xmlns:a16="http://schemas.microsoft.com/office/drawing/2014/main" id="{0A610A45-8712-8A45-AFB3-931CF468EC32}"/>
               </a:ext>
             </a:extLst>
           </p:cNvPr>
@@ -10516,7 +10517,7 @@
           <p:cNvPr id="10" name="TextBox 9">
             <a:extLst>
               <a:ext uri="{FF2B5EF4-FFF2-40B4-BE49-F238E27FC236}">
-                <a16:creationId xmlns:a16="http://schemas.microsoft.com/office/drawing/2014/main" xmlns="" id="{30460EF6-ECAD-8941-8132-1B3E005D6067}"/>
+                <a16:creationId xmlns="" xmlns:a16="http://schemas.microsoft.com/office/drawing/2014/main" id="{30460EF6-ECAD-8941-8132-1B3E005D6067}"/>
               </a:ext>
             </a:extLst>
           </p:cNvPr>
@@ -10562,7 +10563,7 @@
           <p:cNvPr id="11" name="Straight Connector 59">
             <a:extLst>
               <a:ext uri="{FF2B5EF4-FFF2-40B4-BE49-F238E27FC236}">
-                <a16:creationId xmlns:a16="http://schemas.microsoft.com/office/drawing/2014/main" xmlns="" id="{41AE56A2-5FAA-FD44-AE1A-338E1E304184}"/>
+                <a16:creationId xmlns="" xmlns:a16="http://schemas.microsoft.com/office/drawing/2014/main" id="{41AE56A2-5FAA-FD44-AE1A-338E1E304184}"/>
               </a:ext>
             </a:extLst>
           </p:cNvPr>
@@ -10605,7 +10606,7 @@
           <p:cNvPr id="12" name="Текст 37">
             <a:extLst>
               <a:ext uri="{FF2B5EF4-FFF2-40B4-BE49-F238E27FC236}">
-                <a16:creationId xmlns:a16="http://schemas.microsoft.com/office/drawing/2014/main" xmlns="" id="{D9986185-6D5E-FD48-A5CA-AF2D5B58A3E7}"/>
+                <a16:creationId xmlns="" xmlns:a16="http://schemas.microsoft.com/office/drawing/2014/main" id="{D9986185-6D5E-FD48-A5CA-AF2D5B58A3E7}"/>
               </a:ext>
             </a:extLst>
           </p:cNvPr>
@@ -10735,7 +10736,7 @@
           <p:cNvPr id="13" name="Текст 39">
             <a:extLst>
               <a:ext uri="{FF2B5EF4-FFF2-40B4-BE49-F238E27FC236}">
-                <a16:creationId xmlns:a16="http://schemas.microsoft.com/office/drawing/2014/main" xmlns="" id="{5DBFD327-E3A8-944A-AABF-7D813AD0F13C}"/>
+                <a16:creationId xmlns="" xmlns:a16="http://schemas.microsoft.com/office/drawing/2014/main" id="{5DBFD327-E3A8-944A-AABF-7D813AD0F13C}"/>
               </a:ext>
             </a:extLst>
           </p:cNvPr>
@@ -10833,7 +10834,7 @@
           <p:cNvPr id="15" name="Текст 39">
             <a:extLst>
               <a:ext uri="{FF2B5EF4-FFF2-40B4-BE49-F238E27FC236}">
-                <a16:creationId xmlns:a16="http://schemas.microsoft.com/office/drawing/2014/main" xmlns="" id="{D206FCE0-05C3-2C45-A7D6-1FC287C017BE}"/>
+                <a16:creationId xmlns="" xmlns:a16="http://schemas.microsoft.com/office/drawing/2014/main" id="{D206FCE0-05C3-2C45-A7D6-1FC287C017BE}"/>
               </a:ext>
             </a:extLst>
           </p:cNvPr>
@@ -10931,7 +10932,7 @@
           <p:cNvPr id="17" name="Заголовок 31">
             <a:extLst>
               <a:ext uri="{FF2B5EF4-FFF2-40B4-BE49-F238E27FC236}">
-                <a16:creationId xmlns:a16="http://schemas.microsoft.com/office/drawing/2014/main" xmlns="" id="{3B28B62E-5EE9-834C-9BB6-BD66079B8164}"/>
+                <a16:creationId xmlns="" xmlns:a16="http://schemas.microsoft.com/office/drawing/2014/main" id="{3B28B62E-5EE9-834C-9BB6-BD66079B8164}"/>
               </a:ext>
             </a:extLst>
           </p:cNvPr>
@@ -11013,7 +11014,7 @@
           <p:cNvPr id="24" name="Текст 35">
             <a:extLst>
               <a:ext uri="{FF2B5EF4-FFF2-40B4-BE49-F238E27FC236}">
-                <a16:creationId xmlns:a16="http://schemas.microsoft.com/office/drawing/2014/main" xmlns="" id="{621215DE-C1FD-2B4C-B236-AF679CF906BE}"/>
+                <a16:creationId xmlns="" xmlns:a16="http://schemas.microsoft.com/office/drawing/2014/main" id="{621215DE-C1FD-2B4C-B236-AF679CF906BE}"/>
               </a:ext>
             </a:extLst>
           </p:cNvPr>
@@ -11137,7 +11138,7 @@
           <p:cNvPr id="25" name="Текст 35">
             <a:extLst>
               <a:ext uri="{FF2B5EF4-FFF2-40B4-BE49-F238E27FC236}">
-                <a16:creationId xmlns:a16="http://schemas.microsoft.com/office/drawing/2014/main" xmlns="" id="{8BC2F90D-0CE0-574C-A7C1-EAA3E6F1AB56}"/>
+                <a16:creationId xmlns="" xmlns:a16="http://schemas.microsoft.com/office/drawing/2014/main" id="{8BC2F90D-0CE0-574C-A7C1-EAA3E6F1AB56}"/>
               </a:ext>
             </a:extLst>
           </p:cNvPr>
@@ -11261,7 +11262,7 @@
           <p:cNvPr id="26" name="Текст 35">
             <a:extLst>
               <a:ext uri="{FF2B5EF4-FFF2-40B4-BE49-F238E27FC236}">
-                <a16:creationId xmlns:a16="http://schemas.microsoft.com/office/drawing/2014/main" xmlns="" id="{239E188B-2696-8A48-9F8A-36223EEF61E9}"/>
+                <a16:creationId xmlns="" xmlns:a16="http://schemas.microsoft.com/office/drawing/2014/main" id="{239E188B-2696-8A48-9F8A-36223EEF61E9}"/>
               </a:ext>
             </a:extLst>
           </p:cNvPr>
@@ -11385,7 +11386,7 @@
           <p:cNvPr id="28" name="Текст 27">
             <a:extLst>
               <a:ext uri="{FF2B5EF4-FFF2-40B4-BE49-F238E27FC236}">
-                <a16:creationId xmlns:a16="http://schemas.microsoft.com/office/drawing/2014/main" xmlns="" id="{379BF4C6-F899-294C-B88E-8363AFBEEC2A}"/>
+                <a16:creationId xmlns="" xmlns:a16="http://schemas.microsoft.com/office/drawing/2014/main" id="{379BF4C6-F899-294C-B88E-8363AFBEEC2A}"/>
               </a:ext>
             </a:extLst>
           </p:cNvPr>
@@ -11454,7 +11455,7 @@
           <p:cNvPr id="29" name="Текст 27">
             <a:extLst>
               <a:ext uri="{FF2B5EF4-FFF2-40B4-BE49-F238E27FC236}">
-                <a16:creationId xmlns:a16="http://schemas.microsoft.com/office/drawing/2014/main" xmlns="" id="{DE7F352B-F6D9-B545-A835-443A55956E74}"/>
+                <a16:creationId xmlns="" xmlns:a16="http://schemas.microsoft.com/office/drawing/2014/main" id="{DE7F352B-F6D9-B545-A835-443A55956E74}"/>
               </a:ext>
             </a:extLst>
           </p:cNvPr>
@@ -11523,7 +11524,7 @@
           <p:cNvPr id="30" name="Текст 27">
             <a:extLst>
               <a:ext uri="{FF2B5EF4-FFF2-40B4-BE49-F238E27FC236}">
-                <a16:creationId xmlns:a16="http://schemas.microsoft.com/office/drawing/2014/main" xmlns="" id="{D1D5AF9F-C1B0-7842-8789-1DB8963D981B}"/>
+                <a16:creationId xmlns="" xmlns:a16="http://schemas.microsoft.com/office/drawing/2014/main" id="{D1D5AF9F-C1B0-7842-8789-1DB8963D981B}"/>
               </a:ext>
             </a:extLst>
           </p:cNvPr>
@@ -11636,7 +11637,7 @@
           <p:cNvPr id="5" name="Picture 4" descr="Icon&#10;&#10;Description automatically generated">
             <a:extLst>
               <a:ext uri="{FF2B5EF4-FFF2-40B4-BE49-F238E27FC236}">
-                <a16:creationId xmlns:a16="http://schemas.microsoft.com/office/drawing/2014/main" xmlns="" id="{C5425806-16DD-844E-927C-26E7143A9ED8}"/>
+                <a16:creationId xmlns="" xmlns:a16="http://schemas.microsoft.com/office/drawing/2014/main" id="{C5425806-16DD-844E-927C-26E7143A9ED8}"/>
               </a:ext>
             </a:extLst>
           </p:cNvPr>
@@ -11666,7 +11667,7 @@
           <p:cNvPr id="6" name="Straight Connector 19">
             <a:extLst>
               <a:ext uri="{FF2B5EF4-FFF2-40B4-BE49-F238E27FC236}">
-                <a16:creationId xmlns:a16="http://schemas.microsoft.com/office/drawing/2014/main" xmlns="" id="{479746FF-3282-DF46-9D7C-D80431604A55}"/>
+                <a16:creationId xmlns="" xmlns:a16="http://schemas.microsoft.com/office/drawing/2014/main" id="{479746FF-3282-DF46-9D7C-D80431604A55}"/>
               </a:ext>
             </a:extLst>
           </p:cNvPr>
@@ -11709,7 +11710,7 @@
           <p:cNvPr id="7" name="Straight Connector 21">
             <a:extLst>
               <a:ext uri="{FF2B5EF4-FFF2-40B4-BE49-F238E27FC236}">
-                <a16:creationId xmlns:a16="http://schemas.microsoft.com/office/drawing/2014/main" xmlns="" id="{51B44297-B0E7-D74D-B291-D39A0D468B42}"/>
+                <a16:creationId xmlns="" xmlns:a16="http://schemas.microsoft.com/office/drawing/2014/main" id="{51B44297-B0E7-D74D-B291-D39A0D468B42}"/>
               </a:ext>
             </a:extLst>
           </p:cNvPr>
@@ -11752,7 +11753,7 @@
           <p:cNvPr id="8" name="Straight Connector 25">
             <a:extLst>
               <a:ext uri="{FF2B5EF4-FFF2-40B4-BE49-F238E27FC236}">
-                <a16:creationId xmlns:a16="http://schemas.microsoft.com/office/drawing/2014/main" xmlns="" id="{0EA4A057-F0CB-E04F-B472-4A1ABFB64C66}"/>
+                <a16:creationId xmlns="" xmlns:a16="http://schemas.microsoft.com/office/drawing/2014/main" id="{0EA4A057-F0CB-E04F-B472-4A1ABFB64C66}"/>
               </a:ext>
             </a:extLst>
           </p:cNvPr>
@@ -11795,7 +11796,7 @@
           <p:cNvPr id="9" name="TextBox 8">
             <a:extLst>
               <a:ext uri="{FF2B5EF4-FFF2-40B4-BE49-F238E27FC236}">
-                <a16:creationId xmlns:a16="http://schemas.microsoft.com/office/drawing/2014/main" xmlns="" id="{764502F5-56EE-354B-A3B1-E79F8B005172}"/>
+                <a16:creationId xmlns="" xmlns:a16="http://schemas.microsoft.com/office/drawing/2014/main" id="{764502F5-56EE-354B-A3B1-E79F8B005172}"/>
               </a:ext>
             </a:extLst>
           </p:cNvPr>
@@ -11841,7 +11842,7 @@
           <p:cNvPr id="10" name="Straight Connector 59">
             <a:extLst>
               <a:ext uri="{FF2B5EF4-FFF2-40B4-BE49-F238E27FC236}">
-                <a16:creationId xmlns:a16="http://schemas.microsoft.com/office/drawing/2014/main" xmlns="" id="{A80E0956-5C10-CC40-A426-CBD2E0C4158E}"/>
+                <a16:creationId xmlns="" xmlns:a16="http://schemas.microsoft.com/office/drawing/2014/main" id="{A80E0956-5C10-CC40-A426-CBD2E0C4158E}"/>
               </a:ext>
             </a:extLst>
           </p:cNvPr>
@@ -11884,7 +11885,7 @@
           <p:cNvPr id="11" name="Текст 37">
             <a:extLst>
               <a:ext uri="{FF2B5EF4-FFF2-40B4-BE49-F238E27FC236}">
-                <a16:creationId xmlns:a16="http://schemas.microsoft.com/office/drawing/2014/main" xmlns="" id="{6EC59AAD-5962-8D49-BF4D-7DA5D573073E}"/>
+                <a16:creationId xmlns="" xmlns:a16="http://schemas.microsoft.com/office/drawing/2014/main" id="{6EC59AAD-5962-8D49-BF4D-7DA5D573073E}"/>
               </a:ext>
             </a:extLst>
           </p:cNvPr>
@@ -12014,7 +12015,7 @@
           <p:cNvPr id="12" name="Текст 39">
             <a:extLst>
               <a:ext uri="{FF2B5EF4-FFF2-40B4-BE49-F238E27FC236}">
-                <a16:creationId xmlns:a16="http://schemas.microsoft.com/office/drawing/2014/main" xmlns="" id="{49041ACC-EEF4-D34B-A7DE-87B1AF2ED383}"/>
+                <a16:creationId xmlns="" xmlns:a16="http://schemas.microsoft.com/office/drawing/2014/main" id="{49041ACC-EEF4-D34B-A7DE-87B1AF2ED383}"/>
               </a:ext>
             </a:extLst>
           </p:cNvPr>
@@ -12112,7 +12113,7 @@
           <p:cNvPr id="14" name="Текст 39">
             <a:extLst>
               <a:ext uri="{FF2B5EF4-FFF2-40B4-BE49-F238E27FC236}">
-                <a16:creationId xmlns:a16="http://schemas.microsoft.com/office/drawing/2014/main" xmlns="" id="{BF93B2CC-81A4-0943-AF6C-C86576792995}"/>
+                <a16:creationId xmlns="" xmlns:a16="http://schemas.microsoft.com/office/drawing/2014/main" id="{BF93B2CC-81A4-0943-AF6C-C86576792995}"/>
               </a:ext>
             </a:extLst>
           </p:cNvPr>
@@ -12210,7 +12211,7 @@
           <p:cNvPr id="15" name="Текст 22">
             <a:extLst>
               <a:ext uri="{FF2B5EF4-FFF2-40B4-BE49-F238E27FC236}">
-                <a16:creationId xmlns:a16="http://schemas.microsoft.com/office/drawing/2014/main" xmlns="" id="{51340CB4-0355-3640-A212-F684523CDCCF}"/>
+                <a16:creationId xmlns="" xmlns:a16="http://schemas.microsoft.com/office/drawing/2014/main" id="{51340CB4-0355-3640-A212-F684523CDCCF}"/>
               </a:ext>
             </a:extLst>
           </p:cNvPr>
@@ -12316,7 +12317,7 @@
           <p:cNvPr id="17" name="Текст 16">
             <a:extLst>
               <a:ext uri="{FF2B5EF4-FFF2-40B4-BE49-F238E27FC236}">
-                <a16:creationId xmlns:a16="http://schemas.microsoft.com/office/drawing/2014/main" xmlns="" id="{8C6F2EA4-CEDC-324C-9C06-8713118041EB}"/>
+                <a16:creationId xmlns="" xmlns:a16="http://schemas.microsoft.com/office/drawing/2014/main" id="{8C6F2EA4-CEDC-324C-9C06-8713118041EB}"/>
               </a:ext>
             </a:extLst>
           </p:cNvPr>
@@ -12440,7 +12441,7 @@
           <p:cNvPr id="19" name="Таблица 18">
             <a:extLst>
               <a:ext uri="{FF2B5EF4-FFF2-40B4-BE49-F238E27FC236}">
-                <a16:creationId xmlns:a16="http://schemas.microsoft.com/office/drawing/2014/main" xmlns="" id="{7B291085-A9B9-D842-B1A7-96258FAF012C}"/>
+                <a16:creationId xmlns="" xmlns:a16="http://schemas.microsoft.com/office/drawing/2014/main" id="{7B291085-A9B9-D842-B1A7-96258FAF012C}"/>
               </a:ext>
             </a:extLst>
           </p:cNvPr>
@@ -12514,7 +12515,7 @@
           <p:cNvPr id="8" name="Picture 4" descr="Icon&#10;&#10;Description automatically generated">
             <a:extLst>
               <a:ext uri="{FF2B5EF4-FFF2-40B4-BE49-F238E27FC236}">
-                <a16:creationId xmlns:a16="http://schemas.microsoft.com/office/drawing/2014/main" xmlns="" id="{259ABC72-D738-1143-BF2A-D85AE9A4F73B}"/>
+                <a16:creationId xmlns="" xmlns:a16="http://schemas.microsoft.com/office/drawing/2014/main" id="{259ABC72-D738-1143-BF2A-D85AE9A4F73B}"/>
               </a:ext>
             </a:extLst>
           </p:cNvPr>
@@ -12544,7 +12545,7 @@
           <p:cNvPr id="9" name="Straight Connector 19">
             <a:extLst>
               <a:ext uri="{FF2B5EF4-FFF2-40B4-BE49-F238E27FC236}">
-                <a16:creationId xmlns:a16="http://schemas.microsoft.com/office/drawing/2014/main" xmlns="" id="{237A1E42-2FC3-8841-8C41-992C5BC2368D}"/>
+                <a16:creationId xmlns="" xmlns:a16="http://schemas.microsoft.com/office/drawing/2014/main" id="{237A1E42-2FC3-8841-8C41-992C5BC2368D}"/>
               </a:ext>
             </a:extLst>
           </p:cNvPr>
@@ -12587,7 +12588,7 @@
           <p:cNvPr id="10" name="Straight Connector 21">
             <a:extLst>
               <a:ext uri="{FF2B5EF4-FFF2-40B4-BE49-F238E27FC236}">
-                <a16:creationId xmlns:a16="http://schemas.microsoft.com/office/drawing/2014/main" xmlns="" id="{47503EA0-3883-E24D-9EB8-7B6175182929}"/>
+                <a16:creationId xmlns="" xmlns:a16="http://schemas.microsoft.com/office/drawing/2014/main" id="{47503EA0-3883-E24D-9EB8-7B6175182929}"/>
               </a:ext>
             </a:extLst>
           </p:cNvPr>
@@ -12630,7 +12631,7 @@
           <p:cNvPr id="11" name="Straight Connector 25">
             <a:extLst>
               <a:ext uri="{FF2B5EF4-FFF2-40B4-BE49-F238E27FC236}">
-                <a16:creationId xmlns:a16="http://schemas.microsoft.com/office/drawing/2014/main" xmlns="" id="{E0144DF2-9891-324D-B34E-AFA025FBCBF9}"/>
+                <a16:creationId xmlns="" xmlns:a16="http://schemas.microsoft.com/office/drawing/2014/main" id="{E0144DF2-9891-324D-B34E-AFA025FBCBF9}"/>
               </a:ext>
             </a:extLst>
           </p:cNvPr>
@@ -12673,7 +12674,7 @@
           <p:cNvPr id="12" name="TextBox 11">
             <a:extLst>
               <a:ext uri="{FF2B5EF4-FFF2-40B4-BE49-F238E27FC236}">
-                <a16:creationId xmlns:a16="http://schemas.microsoft.com/office/drawing/2014/main" xmlns="" id="{F33F65D6-1072-F140-B6A5-758D7B595A92}"/>
+                <a16:creationId xmlns="" xmlns:a16="http://schemas.microsoft.com/office/drawing/2014/main" id="{F33F65D6-1072-F140-B6A5-758D7B595A92}"/>
               </a:ext>
             </a:extLst>
           </p:cNvPr>
@@ -12719,7 +12720,7 @@
           <p:cNvPr id="13" name="Straight Connector 59">
             <a:extLst>
               <a:ext uri="{FF2B5EF4-FFF2-40B4-BE49-F238E27FC236}">
-                <a16:creationId xmlns:a16="http://schemas.microsoft.com/office/drawing/2014/main" xmlns="" id="{5F1F09D4-22FA-7B4B-9488-F8FDDCC2D447}"/>
+                <a16:creationId xmlns="" xmlns:a16="http://schemas.microsoft.com/office/drawing/2014/main" id="{5F1F09D4-22FA-7B4B-9488-F8FDDCC2D447}"/>
               </a:ext>
             </a:extLst>
           </p:cNvPr>
@@ -12762,7 +12763,7 @@
           <p:cNvPr id="14" name="Текст 37">
             <a:extLst>
               <a:ext uri="{FF2B5EF4-FFF2-40B4-BE49-F238E27FC236}">
-                <a16:creationId xmlns:a16="http://schemas.microsoft.com/office/drawing/2014/main" xmlns="" id="{44D0326E-FD7A-3541-A998-62A1C30E2738}"/>
+                <a16:creationId xmlns="" xmlns:a16="http://schemas.microsoft.com/office/drawing/2014/main" id="{44D0326E-FD7A-3541-A998-62A1C30E2738}"/>
               </a:ext>
             </a:extLst>
           </p:cNvPr>
@@ -12892,7 +12893,7 @@
           <p:cNvPr id="15" name="Текст 39">
             <a:extLst>
               <a:ext uri="{FF2B5EF4-FFF2-40B4-BE49-F238E27FC236}">
-                <a16:creationId xmlns:a16="http://schemas.microsoft.com/office/drawing/2014/main" xmlns="" id="{279CCCA0-F959-5245-8321-106D3C5E837D}"/>
+                <a16:creationId xmlns="" xmlns:a16="http://schemas.microsoft.com/office/drawing/2014/main" id="{279CCCA0-F959-5245-8321-106D3C5E837D}"/>
               </a:ext>
             </a:extLst>
           </p:cNvPr>
@@ -12990,7 +12991,7 @@
           <p:cNvPr id="17" name="Текст 39">
             <a:extLst>
               <a:ext uri="{FF2B5EF4-FFF2-40B4-BE49-F238E27FC236}">
-                <a16:creationId xmlns:a16="http://schemas.microsoft.com/office/drawing/2014/main" xmlns="" id="{8B839C6B-8494-8841-9714-4C8F710F8400}"/>
+                <a16:creationId xmlns="" xmlns:a16="http://schemas.microsoft.com/office/drawing/2014/main" id="{8B839C6B-8494-8841-9714-4C8F710F8400}"/>
               </a:ext>
             </a:extLst>
           </p:cNvPr>
@@ -13088,7 +13089,7 @@
           <p:cNvPr id="18" name="Текст 22">
             <a:extLst>
               <a:ext uri="{FF2B5EF4-FFF2-40B4-BE49-F238E27FC236}">
-                <a16:creationId xmlns:a16="http://schemas.microsoft.com/office/drawing/2014/main" xmlns="" id="{4D940599-2B77-CE47-91E6-CDB51ADE1840}"/>
+                <a16:creationId xmlns="" xmlns:a16="http://schemas.microsoft.com/office/drawing/2014/main" id="{4D940599-2B77-CE47-91E6-CDB51ADE1840}"/>
               </a:ext>
             </a:extLst>
           </p:cNvPr>
@@ -13194,7 +13195,7 @@
           <p:cNvPr id="19" name="Текст 16">
             <a:extLst>
               <a:ext uri="{FF2B5EF4-FFF2-40B4-BE49-F238E27FC236}">
-                <a16:creationId xmlns:a16="http://schemas.microsoft.com/office/drawing/2014/main" xmlns="" id="{A7333712-9DED-4F4B-B209-2F13075EDB3F}"/>
+                <a16:creationId xmlns="" xmlns:a16="http://schemas.microsoft.com/office/drawing/2014/main" id="{A7333712-9DED-4F4B-B209-2F13075EDB3F}"/>
               </a:ext>
             </a:extLst>
           </p:cNvPr>
@@ -13318,7 +13319,7 @@
           <p:cNvPr id="20" name="Таблица 18">
             <a:extLst>
               <a:ext uri="{FF2B5EF4-FFF2-40B4-BE49-F238E27FC236}">
-                <a16:creationId xmlns:a16="http://schemas.microsoft.com/office/drawing/2014/main" xmlns="" id="{DD467C42-8209-B740-8419-DBB6A6F7D5EE}"/>
+                <a16:creationId xmlns="" xmlns:a16="http://schemas.microsoft.com/office/drawing/2014/main" id="{DD467C42-8209-B740-8419-DBB6A6F7D5EE}"/>
               </a:ext>
             </a:extLst>
           </p:cNvPr>
@@ -13348,7 +13349,7 @@
           <p:cNvPr id="21" name="Текст 35">
             <a:extLst>
               <a:ext uri="{FF2B5EF4-FFF2-40B4-BE49-F238E27FC236}">
-                <a16:creationId xmlns:a16="http://schemas.microsoft.com/office/drawing/2014/main" xmlns="" id="{B4309850-76EA-224C-A9E2-B6BBDBF99DE2}"/>
+                <a16:creationId xmlns="" xmlns:a16="http://schemas.microsoft.com/office/drawing/2014/main" id="{B4309850-76EA-224C-A9E2-B6BBDBF99DE2}"/>
               </a:ext>
             </a:extLst>
           </p:cNvPr>
@@ -14062,7 +14063,7 @@
           <p:cNvPr id="2" name="Title Placeholder 1">
             <a:extLst>
               <a:ext uri="{FF2B5EF4-FFF2-40B4-BE49-F238E27FC236}">
-                <a16:creationId xmlns:a16="http://schemas.microsoft.com/office/drawing/2014/main" xmlns="" id="{D33F8FDE-7383-E947-8568-FF6B7A77655A}"/>
+                <a16:creationId xmlns="" xmlns:a16="http://schemas.microsoft.com/office/drawing/2014/main" id="{D33F8FDE-7383-E947-8568-FF6B7A77655A}"/>
               </a:ext>
             </a:extLst>
           </p:cNvPr>
@@ -14101,7 +14102,7 @@
           <p:cNvPr id="3" name="Text Placeholder 2">
             <a:extLst>
               <a:ext uri="{FF2B5EF4-FFF2-40B4-BE49-F238E27FC236}">
-                <a16:creationId xmlns:a16="http://schemas.microsoft.com/office/drawing/2014/main" xmlns="" id="{6F8E6541-45CA-8B42-98B4-D42737B8509B}"/>
+                <a16:creationId xmlns="" xmlns:a16="http://schemas.microsoft.com/office/drawing/2014/main" id="{6F8E6541-45CA-8B42-98B4-D42737B8509B}"/>
               </a:ext>
             </a:extLst>
           </p:cNvPr>
@@ -14169,7 +14170,7 @@
           <p:cNvPr id="4" name="Date Placeholder 3">
             <a:extLst>
               <a:ext uri="{FF2B5EF4-FFF2-40B4-BE49-F238E27FC236}">
-                <a16:creationId xmlns:a16="http://schemas.microsoft.com/office/drawing/2014/main" xmlns="" id="{0E70645B-C5D9-8544-BBF2-E4A13F8E4054}"/>
+                <a16:creationId xmlns="" xmlns:a16="http://schemas.microsoft.com/office/drawing/2014/main" id="{0E70645B-C5D9-8544-BBF2-E4A13F8E4054}"/>
               </a:ext>
             </a:extLst>
           </p:cNvPr>
@@ -14216,7 +14217,7 @@
           <p:cNvPr id="5" name="Footer Placeholder 4">
             <a:extLst>
               <a:ext uri="{FF2B5EF4-FFF2-40B4-BE49-F238E27FC236}">
-                <a16:creationId xmlns:a16="http://schemas.microsoft.com/office/drawing/2014/main" xmlns="" id="{71F52289-7F57-544F-95EE-F8B2E106276A}"/>
+                <a16:creationId xmlns="" xmlns:a16="http://schemas.microsoft.com/office/drawing/2014/main" id="{71F52289-7F57-544F-95EE-F8B2E106276A}"/>
               </a:ext>
             </a:extLst>
           </p:cNvPr>
@@ -14259,7 +14260,7 @@
           <p:cNvPr id="6" name="Slide Number Placeholder 5">
             <a:extLst>
               <a:ext uri="{FF2B5EF4-FFF2-40B4-BE49-F238E27FC236}">
-                <a16:creationId xmlns:a16="http://schemas.microsoft.com/office/drawing/2014/main" xmlns="" id="{A11C5F56-F795-5643-ABE3-DDED2186989C}"/>
+                <a16:creationId xmlns="" xmlns:a16="http://schemas.microsoft.com/office/drawing/2014/main" id="{A11C5F56-F795-5643-ABE3-DDED2186989C}"/>
               </a:ext>
             </a:extLst>
           </p:cNvPr>
@@ -14628,7 +14629,7 @@
           <p:cNvPr id="2" name="Заголовок 1">
             <a:extLst>
               <a:ext uri="{FF2B5EF4-FFF2-40B4-BE49-F238E27FC236}">
-                <a16:creationId xmlns:a16="http://schemas.microsoft.com/office/drawing/2014/main" xmlns="" id="{8CD95C0D-D7DC-EF40-9E45-F5F0A4817CD2}"/>
+                <a16:creationId xmlns="" xmlns:a16="http://schemas.microsoft.com/office/drawing/2014/main" id="{8CD95C0D-D7DC-EF40-9E45-F5F0A4817CD2}"/>
               </a:ext>
             </a:extLst>
           </p:cNvPr>
@@ -14668,7 +14669,7 @@
           <p:cNvPr id="3" name="Текст 2">
             <a:extLst>
               <a:ext uri="{FF2B5EF4-FFF2-40B4-BE49-F238E27FC236}">
-                <a16:creationId xmlns:a16="http://schemas.microsoft.com/office/drawing/2014/main" xmlns="" id="{2B85EA7E-BEC4-B745-B2A8-D4E4AFC614FC}"/>
+                <a16:creationId xmlns="" xmlns:a16="http://schemas.microsoft.com/office/drawing/2014/main" id="{2B85EA7E-BEC4-B745-B2A8-D4E4AFC614FC}"/>
               </a:ext>
             </a:extLst>
           </p:cNvPr>
@@ -14708,7 +14709,7 @@
           <p:cNvPr id="4" name="Текст 3">
             <a:extLst>
               <a:ext uri="{FF2B5EF4-FFF2-40B4-BE49-F238E27FC236}">
-                <a16:creationId xmlns:a16="http://schemas.microsoft.com/office/drawing/2014/main" xmlns="" id="{DB8D49EC-434A-5443-AC3F-85F01995E632}"/>
+                <a16:creationId xmlns="" xmlns:a16="http://schemas.microsoft.com/office/drawing/2014/main" id="{DB8D49EC-434A-5443-AC3F-85F01995E632}"/>
               </a:ext>
             </a:extLst>
           </p:cNvPr>
@@ -14746,7 +14747,7 @@
           <p:cNvPr id="5" name="Текст 4">
             <a:extLst>
               <a:ext uri="{FF2B5EF4-FFF2-40B4-BE49-F238E27FC236}">
-                <a16:creationId xmlns:a16="http://schemas.microsoft.com/office/drawing/2014/main" xmlns="" id="{C6FAE0FA-3CAF-BA4B-8F9F-5FEF3C2F3CC6}"/>
+                <a16:creationId xmlns="" xmlns:a16="http://schemas.microsoft.com/office/drawing/2014/main" id="{C6FAE0FA-3CAF-BA4B-8F9F-5FEF3C2F3CC6}"/>
               </a:ext>
             </a:extLst>
           </p:cNvPr>
@@ -14781,7 +14782,7 @@
           <p:cNvPr id="6" name="Текст 5">
             <a:extLst>
               <a:ext uri="{FF2B5EF4-FFF2-40B4-BE49-F238E27FC236}">
-                <a16:creationId xmlns:a16="http://schemas.microsoft.com/office/drawing/2014/main" xmlns="" id="{44AFB2BF-A7AB-5648-ADCD-2A7F1BD35815}"/>
+                <a16:creationId xmlns="" xmlns:a16="http://schemas.microsoft.com/office/drawing/2014/main" id="{44AFB2BF-A7AB-5648-ADCD-2A7F1BD35815}"/>
               </a:ext>
             </a:extLst>
           </p:cNvPr>
@@ -14939,7 +14940,7 @@
           <p:cNvPr id="2" name="Текст 1">
             <a:extLst>
               <a:ext uri="{FF2B5EF4-FFF2-40B4-BE49-F238E27FC236}">
-                <a16:creationId xmlns:a16="http://schemas.microsoft.com/office/drawing/2014/main" xmlns="" id="{2FFBD88B-BF2A-8F44-B648-677BB7D9750D}"/>
+                <a16:creationId xmlns="" xmlns:a16="http://schemas.microsoft.com/office/drawing/2014/main" id="{2FFBD88B-BF2A-8F44-B648-677BB7D9750D}"/>
               </a:ext>
             </a:extLst>
           </p:cNvPr>
@@ -14976,7 +14977,7 @@
           <p:cNvPr id="3" name="Текст 2">
             <a:extLst>
               <a:ext uri="{FF2B5EF4-FFF2-40B4-BE49-F238E27FC236}">
-                <a16:creationId xmlns:a16="http://schemas.microsoft.com/office/drawing/2014/main" xmlns="" id="{BD6DFA47-ACB8-5246-AC9C-19D438CF658E}"/>
+                <a16:creationId xmlns="" xmlns:a16="http://schemas.microsoft.com/office/drawing/2014/main" id="{BD6DFA47-ACB8-5246-AC9C-19D438CF658E}"/>
               </a:ext>
             </a:extLst>
           </p:cNvPr>
@@ -15024,7 +15025,7 @@
           <p:cNvPr id="4" name="Текст 3">
             <a:extLst>
               <a:ext uri="{FF2B5EF4-FFF2-40B4-BE49-F238E27FC236}">
-                <a16:creationId xmlns:a16="http://schemas.microsoft.com/office/drawing/2014/main" xmlns="" id="{49A5DD86-C5F3-5843-B60F-AC26E1B16228}"/>
+                <a16:creationId xmlns="" xmlns:a16="http://schemas.microsoft.com/office/drawing/2014/main" id="{49A5DD86-C5F3-5843-B60F-AC26E1B16228}"/>
               </a:ext>
             </a:extLst>
           </p:cNvPr>
@@ -15042,16 +15043,11 @@
           <a:p>
             <a:pPr lvl="0"/>
             <a:r>
-              <a:rPr lang="ru-RU" dirty="0" smtClean="0"/>
-              <a:t>Выбор средств</a:t>
-            </a:r>
-          </a:p>
-          <a:p>
-            <a:pPr lvl="0"/>
-            <a:r>
-              <a:rPr lang="ru-RU" dirty="0" smtClean="0"/>
-              <a:t>реализации </a:t>
-            </a:r>
+              <a:rPr lang="ru-RU" dirty="0"/>
+              <a:t>Архитектура приложения / программы</a:t>
+            </a:r>
+          </a:p>
+          <a:p>
             <a:endParaRPr lang="ru-RU" dirty="0"/>
           </a:p>
         </p:txBody>
@@ -15061,7 +15057,7 @@
           <p:cNvPr id="5" name="Заголовок 4">
             <a:extLst>
               <a:ext uri="{FF2B5EF4-FFF2-40B4-BE49-F238E27FC236}">
-                <a16:creationId xmlns:a16="http://schemas.microsoft.com/office/drawing/2014/main" xmlns="" id="{D060AA73-8574-054A-B94B-1EAA5FAB0470}"/>
+                <a16:creationId xmlns="" xmlns:a16="http://schemas.microsoft.com/office/drawing/2014/main" id="{D060AA73-8574-054A-B94B-1EAA5FAB0470}"/>
               </a:ext>
             </a:extLst>
           </p:cNvPr>
@@ -15074,28 +15070,32 @@
         </p:nvSpPr>
         <p:spPr>
           <a:xfrm>
-            <a:off x="540179" y="1466078"/>
+            <a:off x="7004987" y="1319774"/>
             <a:ext cx="4322530" cy="777025"/>
           </a:xfrm>
         </p:spPr>
         <p:txBody>
           <a:bodyPr>
-            <a:normAutofit/>
+            <a:normAutofit fontScale="90000"/>
           </a:bodyPr>
           <a:lstStyle/>
           <a:p>
             <a:pPr lvl="0"/>
             <a:r>
               <a:rPr lang="ru-RU" dirty="0"/>
-              <a:t>Выбор средств</a:t>
+              <a:t>Архитектура приложения / программы</a:t>
             </a:r>
             <a:br>
               <a:rPr lang="ru-RU" dirty="0"/>
             </a:br>
             <a:r>
               <a:rPr lang="ru-RU" dirty="0"/>
-              <a:t>реализации </a:t>
-            </a:r>
+              <a:t/>
+            </a:r>
+            <a:br>
+              <a:rPr lang="ru-RU" dirty="0"/>
+            </a:br>
+            <a:endParaRPr lang="ru-RU" dirty="0"/>
           </a:p>
         </p:txBody>
       </p:sp>
@@ -15104,7 +15104,7 @@
           <p:cNvPr id="6" name="Текст 5">
             <a:extLst>
               <a:ext uri="{FF2B5EF4-FFF2-40B4-BE49-F238E27FC236}">
-                <a16:creationId xmlns:a16="http://schemas.microsoft.com/office/drawing/2014/main" xmlns="" id="{5E7B9744-FF5D-DB4B-8DCD-FF4C0C57287E}"/>
+                <a16:creationId xmlns="" xmlns:a16="http://schemas.microsoft.com/office/drawing/2014/main" id="{5E7B9744-FF5D-DB4B-8DCD-FF4C0C57287E}"/>
               </a:ext>
             </a:extLst>
           </p:cNvPr>
@@ -15117,435 +15117,25 @@
         </p:nvSpPr>
         <p:spPr>
           <a:xfrm>
-            <a:off x="540178" y="2359152"/>
-            <a:ext cx="4322531" cy="4032504"/>
+            <a:off x="7004986" y="2822677"/>
+            <a:ext cx="4322531" cy="2399371"/>
           </a:xfrm>
         </p:spPr>
         <p:txBody>
-          <a:bodyPr>
-            <a:noAutofit/>
-          </a:bodyPr>
+          <a:bodyPr/>
           <a:lstStyle/>
           <a:p>
             <a:r>
-              <a:rPr lang="ru-RU" dirty="0" smtClean="0"/>
-              <a:t>Разработка </a:t>
-            </a:r>
-            <a:r>
               <a:rPr lang="ru-RU" dirty="0"/>
-              <a:t>велась в </a:t>
-            </a:r>
-            <a:r>
-              <a:rPr lang="ru-RU" dirty="0" err="1"/>
-              <a:t>Android</a:t>
-            </a:r>
-            <a:r>
-              <a:rPr lang="ru-RU" dirty="0"/>
-              <a:t> </a:t>
-            </a:r>
-            <a:r>
-              <a:rPr lang="ru-RU" dirty="0" err="1"/>
-              <a:t>Studio</a:t>
-            </a:r>
-            <a:r>
-              <a:rPr lang="ru-RU" dirty="0"/>
-              <a:t>. </a:t>
-            </a:r>
-            <a:r>
-              <a:rPr lang="ru-RU" dirty="0" err="1"/>
-              <a:t>Android</a:t>
-            </a:r>
-            <a:r>
-              <a:rPr lang="ru-RU" dirty="0"/>
-              <a:t> </a:t>
-            </a:r>
-            <a:r>
-              <a:rPr lang="ru-RU" dirty="0" err="1"/>
-              <a:t>Studio</a:t>
-            </a:r>
-            <a:r>
-              <a:rPr lang="ru-RU" dirty="0"/>
-              <a:t> — интегрированная среда разработки для работы с платформой </a:t>
-            </a:r>
-            <a:r>
-              <a:rPr lang="ru-RU" dirty="0" err="1"/>
-              <a:t>Android</a:t>
-            </a:r>
-            <a:r>
-              <a:rPr lang="ru-RU" dirty="0"/>
-              <a:t>, анонсированная 16 мая 2013 года на конференции </a:t>
-            </a:r>
-            <a:r>
-              <a:rPr lang="ru-RU" dirty="0" err="1"/>
-              <a:t>Google</a:t>
-            </a:r>
-            <a:r>
-              <a:rPr lang="ru-RU" dirty="0"/>
-              <a:t> </a:t>
-            </a:r>
-            <a:r>
-              <a:rPr lang="ru-RU" dirty="0" smtClean="0"/>
-              <a:t>I/O</a:t>
-            </a:r>
-            <a:r>
-              <a:rPr lang="en-US" dirty="0" smtClean="0"/>
-              <a:t>.</a:t>
-            </a:r>
-            <a:br>
-              <a:rPr lang="en-US" dirty="0" smtClean="0"/>
-            </a:br>
-            <a:r>
-              <a:rPr lang="en-US" dirty="0" smtClean="0"/>
-              <a:t/>
-            </a:r>
-            <a:br>
-              <a:rPr lang="en-US" dirty="0" smtClean="0"/>
-            </a:br>
-            <a:endParaRPr lang="ru-RU" dirty="0"/>
+              <a:t>Для оформления графиков, таблиц, диаграмм могут потребоваться дополнительные цвета и вы совершенно правы, задавая вопрос, какие цвета использовать и где их взять. Мы предлагаем использовать палитру цветов Вышки для этих целей.</a:t>
+            </a:r>
           </a:p>
         </p:txBody>
       </p:sp>
-      <p:sp>
-        <p:nvSpPr>
-          <p:cNvPr id="7" name="Текст 5">
-            <a:extLst>
-              <a:ext uri="{FF2B5EF4-FFF2-40B4-BE49-F238E27FC236}">
-                <a16:creationId xmlns:a16="http://schemas.microsoft.com/office/drawing/2014/main" xmlns="" id="{5E7B9744-FF5D-DB4B-8DCD-FF4C0C57287E}"/>
-              </a:ext>
-            </a:extLst>
-          </p:cNvPr>
-          <p:cNvSpPr>
-            <a:spLocks noGrp="1"/>
-          </p:cNvSpPr>
-          <p:nvPr>
-            <p:ph type="body" sz="quarter" idx="12"/>
-          </p:nvPr>
-        </p:nvSpPr>
-        <p:spPr>
-          <a:xfrm>
-            <a:off x="5849794" y="1240536"/>
-            <a:ext cx="4322531" cy="4032504"/>
-          </a:xfrm>
-        </p:spPr>
-        <p:txBody>
-          <a:bodyPr>
-            <a:noAutofit/>
-          </a:bodyPr>
-          <a:lstStyle/>
-          <a:p>
-            <a:r>
-              <a:rPr lang="ru-RU" dirty="0" smtClean="0"/>
-              <a:t>Необходимое </a:t>
-            </a:r>
-            <a:r>
-              <a:rPr lang="ru-RU" dirty="0"/>
-              <a:t>для разработки </a:t>
-            </a:r>
-            <a:r>
-              <a:rPr lang="ru-RU" dirty="0" smtClean="0"/>
-              <a:t>оборудование</a:t>
-            </a:r>
-            <a:r>
-              <a:rPr lang="en-US" dirty="0"/>
-              <a:t> </a:t>
-            </a:r>
-            <a:r>
-              <a:rPr lang="en-US" dirty="0" smtClean="0"/>
-              <a:t>— </a:t>
-            </a:r>
-            <a:r>
-              <a:rPr lang="ru-RU" dirty="0" smtClean="0"/>
-              <a:t>компьютер</a:t>
-            </a:r>
-            <a:r>
-              <a:rPr lang="ru-RU" dirty="0"/>
-              <a:t>, обладающий следующими системными </a:t>
-            </a:r>
-            <a:r>
-              <a:rPr lang="ru-RU" dirty="0" smtClean="0"/>
-              <a:t>требованиями:</a:t>
-            </a:r>
-          </a:p>
-          <a:p>
-            <a:pPr marL="285750" indent="-285750">
-              <a:buFont typeface="Arial" panose="020B0604020202020204" pitchFamily="34" charset="0"/>
-              <a:buChar char="•"/>
-            </a:pPr>
-            <a:r>
-              <a:rPr lang="ru-RU" dirty="0" smtClean="0"/>
-              <a:t>Операционные </a:t>
-            </a:r>
-            <a:r>
-              <a:rPr lang="ru-RU" dirty="0"/>
-              <a:t>системы </a:t>
-            </a:r>
-            <a:r>
-              <a:rPr lang="en-US" dirty="0"/>
-              <a:t>Microsoft Windows 11/10/8/7/Vista (64-bit), Apple </a:t>
-            </a:r>
-            <a:r>
-              <a:rPr lang="en-US" dirty="0" err="1"/>
-              <a:t>macOS</a:t>
-            </a:r>
-            <a:r>
-              <a:rPr lang="en-US" dirty="0"/>
-              <a:t> 10.8.5 </a:t>
-            </a:r>
-            <a:r>
-              <a:rPr lang="ru-RU" dirty="0"/>
-              <a:t>или выше, до 10.13 (</a:t>
-            </a:r>
-            <a:r>
-              <a:rPr lang="en-US" dirty="0"/>
-              <a:t>High Sierra)/ 10.14 (Mojave), Linux GNOME </a:t>
-            </a:r>
-            <a:r>
-              <a:rPr lang="ru-RU" dirty="0"/>
-              <a:t>или </a:t>
-            </a:r>
-            <a:r>
-              <a:rPr lang="en-US" dirty="0"/>
-              <a:t>KDE;  </a:t>
-            </a:r>
-            <a:r>
-              <a:rPr lang="ru-RU" dirty="0"/>
-              <a:t>Процессор </a:t>
-            </a:r>
-            <a:r>
-              <a:rPr lang="en-US" dirty="0"/>
-              <a:t>x86-64 Intel </a:t>
-            </a:r>
-            <a:r>
-              <a:rPr lang="ru-RU" dirty="0"/>
-              <a:t>с поддержкой </a:t>
-            </a:r>
-            <a:r>
-              <a:rPr lang="en-US" dirty="0"/>
-              <a:t>VT-x, </a:t>
-            </a:r>
-            <a:r>
-              <a:rPr lang="ru-RU" dirty="0"/>
-              <a:t>или </a:t>
-            </a:r>
-            <a:r>
-              <a:rPr lang="en-US" dirty="0"/>
-              <a:t>AMD </a:t>
-            </a:r>
-            <a:r>
-              <a:rPr lang="ru-RU" dirty="0"/>
-              <a:t>с поддержкой </a:t>
-            </a:r>
-            <a:r>
-              <a:rPr lang="en-US" dirty="0"/>
-              <a:t>AMD-V, </a:t>
-            </a:r>
-            <a:r>
-              <a:rPr lang="ru-RU" dirty="0"/>
-              <a:t>или </a:t>
-            </a:r>
-            <a:r>
-              <a:rPr lang="en-US" dirty="0"/>
-              <a:t>ARM (</a:t>
-            </a:r>
-            <a:r>
-              <a:rPr lang="ru-RU" dirty="0"/>
-              <a:t>для </a:t>
-            </a:r>
-            <a:r>
-              <a:rPr lang="en-US" dirty="0"/>
-              <a:t>Apple);  </a:t>
-            </a:r>
-            <a:endParaRPr lang="ru-RU" dirty="0" smtClean="0"/>
-          </a:p>
-          <a:p>
-            <a:pPr marL="285750" indent="-285750">
-              <a:buFont typeface="Arial" panose="020B0604020202020204" pitchFamily="34" charset="0"/>
-              <a:buChar char="•"/>
-            </a:pPr>
-            <a:r>
-              <a:rPr lang="ru-RU" dirty="0" smtClean="0"/>
-              <a:t>Оперативная </a:t>
-            </a:r>
-            <a:r>
-              <a:rPr lang="ru-RU" dirty="0"/>
-              <a:t>память 8 ГБ (минимум), 16 ГБ (рекомендуется);  </a:t>
-            </a:r>
-            <a:endParaRPr lang="ru-RU" dirty="0" smtClean="0"/>
-          </a:p>
-          <a:p>
-            <a:pPr marL="285750" indent="-285750">
-              <a:buFont typeface="Arial" panose="020B0604020202020204" pitchFamily="34" charset="0"/>
-              <a:buChar char="•"/>
-            </a:pPr>
-            <a:r>
-              <a:rPr lang="ru-RU" dirty="0" smtClean="0"/>
-              <a:t>Свободное </a:t>
-            </a:r>
-            <a:r>
-              <a:rPr lang="ru-RU" dirty="0"/>
-              <a:t>место на диске 8 ГБ минимум (2,5 ГБ для </a:t>
-            </a:r>
-            <a:r>
-              <a:rPr lang="en-US" dirty="0"/>
-              <a:t>IDE + 5.5 </a:t>
-            </a:r>
-            <a:r>
-              <a:rPr lang="ru-RU" dirty="0"/>
-              <a:t>ГБ для </a:t>
-            </a:r>
-            <a:r>
-              <a:rPr lang="en-US" dirty="0"/>
-              <a:t>Android SDK </a:t>
-            </a:r>
-            <a:r>
-              <a:rPr lang="ru-RU" dirty="0"/>
-              <a:t>и образа системы эмулятора), 32 ГБ </a:t>
-            </a:r>
-            <a:r>
-              <a:rPr lang="en-US" dirty="0"/>
-              <a:t>SSD (</a:t>
-            </a:r>
-            <a:r>
-              <a:rPr lang="ru-RU" dirty="0"/>
-              <a:t>рекомендуется);  </a:t>
-            </a:r>
-            <a:endParaRPr lang="ru-RU" dirty="0" smtClean="0"/>
-          </a:p>
-          <a:p>
-            <a:pPr marL="285750" indent="-285750">
-              <a:buFont typeface="Arial" panose="020B0604020202020204" pitchFamily="34" charset="0"/>
-              <a:buChar char="•"/>
-            </a:pPr>
-            <a:r>
-              <a:rPr lang="ru-RU" dirty="0" smtClean="0"/>
-              <a:t>Версия </a:t>
-            </a:r>
-            <a:r>
-              <a:rPr lang="en-US" dirty="0"/>
-              <a:t>JDK Java Development Kit 8;  </a:t>
-            </a:r>
-            <a:endParaRPr lang="ru-RU" dirty="0" smtClean="0"/>
-          </a:p>
-          <a:p>
-            <a:pPr marL="285750" indent="-285750">
-              <a:buFont typeface="Arial" panose="020B0604020202020204" pitchFamily="34" charset="0"/>
-              <a:buChar char="•"/>
-            </a:pPr>
-            <a:r>
-              <a:rPr lang="ru-RU" dirty="0" smtClean="0"/>
-              <a:t>Разрешение </a:t>
-            </a:r>
-            <a:r>
-              <a:rPr lang="ru-RU" dirty="0"/>
-              <a:t>экрана 1280 </a:t>
-            </a:r>
-            <a:r>
-              <a:rPr lang="en-US" dirty="0"/>
-              <a:t>x 800 (</a:t>
-            </a:r>
-            <a:r>
-              <a:rPr lang="ru-RU" dirty="0"/>
-              <a:t>минимум);  </a:t>
-            </a:r>
-            <a:endParaRPr lang="ru-RU" dirty="0" smtClean="0"/>
-          </a:p>
-          <a:p>
-            <a:pPr marL="285750" indent="-285750">
-              <a:buFont typeface="Arial" panose="020B0604020202020204" pitchFamily="34" charset="0"/>
-              <a:buChar char="•"/>
-            </a:pPr>
-            <a:r>
-              <a:rPr lang="ru-RU" dirty="0" smtClean="0"/>
-              <a:t>Дополнительно </a:t>
-            </a:r>
-            <a:r>
-              <a:rPr lang="ru-RU" dirty="0"/>
-              <a:t>для </a:t>
-            </a:r>
-            <a:r>
-              <a:rPr lang="en-US" dirty="0" err="1"/>
-              <a:t>MacOS</a:t>
-            </a:r>
-            <a:r>
-              <a:rPr lang="en-US" dirty="0"/>
-              <a:t> </a:t>
-            </a:r>
-            <a:r>
-              <a:rPr lang="ru-RU" dirty="0"/>
-              <a:t>требуется </a:t>
-            </a:r>
-            <a:r>
-              <a:rPr lang="en-US" dirty="0"/>
-              <a:t>Java Runtime Environment (JRE) 6, </a:t>
-            </a:r>
-            <a:r>
-              <a:rPr lang="ru-RU" dirty="0"/>
-              <a:t>для </a:t>
-            </a:r>
-            <a:r>
-              <a:rPr lang="en-US" dirty="0"/>
-              <a:t>Linux GNU C Library (</a:t>
-            </a:r>
-            <a:r>
-              <a:rPr lang="en-US" dirty="0" err="1"/>
-              <a:t>glibc</a:t>
-            </a:r>
-            <a:r>
-              <a:rPr lang="en-US" dirty="0"/>
-              <a:t>) 2.31 </a:t>
-            </a:r>
-            <a:r>
-              <a:rPr lang="ru-RU" dirty="0"/>
-              <a:t>или выше.</a:t>
-            </a:r>
-          </a:p>
-        </p:txBody>
-      </p:sp>
-      <p:pic>
-        <p:nvPicPr>
-          <p:cNvPr id="3074" name="Picture 2" descr="Файл:Android Studio Trademark.svg — Википедия"/>
-          <p:cNvPicPr>
-            <a:picLocks noChangeAspect="1" noChangeArrowheads="1"/>
-          </p:cNvPicPr>
-          <p:nvPr/>
-        </p:nvPicPr>
-        <p:blipFill>
-          <a:blip r:embed="rId3">
-            <a:extLst>
-              <a:ext uri="{28A0092B-C50C-407E-A947-70E740481C1C}">
-                <a14:useLocalDpi xmlns:a14="http://schemas.microsoft.com/office/drawing/2010/main" val="0"/>
-              </a:ext>
-            </a:extLst>
-          </a:blip>
-          <a:srcRect/>
-          <a:stretch>
-            <a:fillRect/>
-          </a:stretch>
-        </p:blipFill>
-        <p:spPr bwMode="auto">
-          <a:xfrm>
-            <a:off x="466128" y="3866545"/>
-            <a:ext cx="4965408" cy="1571087"/>
-          </a:xfrm>
-          <a:prstGeom prst="rect">
-            <a:avLst/>
-          </a:prstGeom>
-          <a:noFill/>
-          <a:extLst>
-            <a:ext uri="{909E8E84-426E-40DD-AFC4-6F175D3DCCD1}">
-              <a14:hiddenFill xmlns:a14="http://schemas.microsoft.com/office/drawing/2010/main">
-                <a:solidFill>
-                  <a:srgbClr val="FFFFFF"/>
-                </a:solidFill>
-              </a14:hiddenFill>
-            </a:ext>
-          </a:extLst>
-        </p:spPr>
-      </p:pic>
     </p:spTree>
     <p:extLst>
       <p:ext uri="{BB962C8B-B14F-4D97-AF65-F5344CB8AC3E}">
-        <p14:creationId xmlns:p14="http://schemas.microsoft.com/office/powerpoint/2010/main" val="2867289658"/>
+        <p14:creationId xmlns:p14="http://schemas.microsoft.com/office/powerpoint/2010/main" val="1489723463"/>
       </p:ext>
     </p:extLst>
   </p:cSld>
@@ -15577,7 +15167,7 @@
           <p:cNvPr id="2" name="Текст 1">
             <a:extLst>
               <a:ext uri="{FF2B5EF4-FFF2-40B4-BE49-F238E27FC236}">
-                <a16:creationId xmlns:a16="http://schemas.microsoft.com/office/drawing/2014/main" xmlns="" id="{2FFBD88B-BF2A-8F44-B648-677BB7D9750D}"/>
+                <a16:creationId xmlns="" xmlns:a16="http://schemas.microsoft.com/office/drawing/2014/main" id="{2FFBD88B-BF2A-8F44-B648-677BB7D9750D}"/>
               </a:ext>
             </a:extLst>
           </p:cNvPr>
@@ -15614,7 +15204,7 @@
           <p:cNvPr id="3" name="Текст 2">
             <a:extLst>
               <a:ext uri="{FF2B5EF4-FFF2-40B4-BE49-F238E27FC236}">
-                <a16:creationId xmlns:a16="http://schemas.microsoft.com/office/drawing/2014/main" xmlns="" id="{BD6DFA47-ACB8-5246-AC9C-19D438CF658E}"/>
+                <a16:creationId xmlns="" xmlns:a16="http://schemas.microsoft.com/office/drawing/2014/main" id="{BD6DFA47-ACB8-5246-AC9C-19D438CF658E}"/>
               </a:ext>
             </a:extLst>
           </p:cNvPr>
@@ -15662,7 +15252,7 @@
           <p:cNvPr id="4" name="Текст 3">
             <a:extLst>
               <a:ext uri="{FF2B5EF4-FFF2-40B4-BE49-F238E27FC236}">
-                <a16:creationId xmlns:a16="http://schemas.microsoft.com/office/drawing/2014/main" xmlns="" id="{49A5DD86-C5F3-5843-B60F-AC26E1B16228}"/>
+                <a16:creationId xmlns="" xmlns:a16="http://schemas.microsoft.com/office/drawing/2014/main" id="{49A5DD86-C5F3-5843-B60F-AC26E1B16228}"/>
               </a:ext>
             </a:extLst>
           </p:cNvPr>
@@ -15681,11 +15271,11 @@
             <a:pPr lvl="0"/>
             <a:r>
               <a:rPr lang="ru-RU" dirty="0" smtClean="0"/>
-              <a:t>Особенности</a:t>
-            </a:r>
-            <a:br>
-              <a:rPr lang="ru-RU" dirty="0" smtClean="0"/>
-            </a:br>
+              <a:t>Выбор средств</a:t>
+            </a:r>
+          </a:p>
+          <a:p>
+            <a:pPr lvl="0"/>
             <a:r>
               <a:rPr lang="ru-RU" dirty="0" smtClean="0"/>
               <a:t>реализации </a:t>
@@ -15699,7 +15289,7 @@
           <p:cNvPr id="5" name="Заголовок 4">
             <a:extLst>
               <a:ext uri="{FF2B5EF4-FFF2-40B4-BE49-F238E27FC236}">
-                <a16:creationId xmlns:a16="http://schemas.microsoft.com/office/drawing/2014/main" xmlns="" id="{D060AA73-8574-054A-B94B-1EAA5FAB0470}"/>
+                <a16:creationId xmlns="" xmlns:a16="http://schemas.microsoft.com/office/drawing/2014/main" id="{D060AA73-8574-054A-B94B-1EAA5FAB0470}"/>
               </a:ext>
             </a:extLst>
           </p:cNvPr>
@@ -15712,7 +15302,7 @@
         </p:nvSpPr>
         <p:spPr>
           <a:xfrm>
-            <a:off x="7004987" y="1319774"/>
+            <a:off x="540179" y="1466078"/>
             <a:ext cx="4322530" cy="777025"/>
           </a:xfrm>
         </p:spPr>
@@ -15725,7 +15315,7 @@
             <a:pPr lvl="0"/>
             <a:r>
               <a:rPr lang="ru-RU" dirty="0"/>
-              <a:t>Особенности</a:t>
+              <a:t>Выбор средств</a:t>
             </a:r>
             <a:br>
               <a:rPr lang="ru-RU" dirty="0"/>
@@ -15742,7 +15332,7 @@
           <p:cNvPr id="6" name="Текст 5">
             <a:extLst>
               <a:ext uri="{FF2B5EF4-FFF2-40B4-BE49-F238E27FC236}">
-                <a16:creationId xmlns:a16="http://schemas.microsoft.com/office/drawing/2014/main" xmlns="" id="{5E7B9744-FF5D-DB4B-8DCD-FF4C0C57287E}"/>
+                <a16:creationId xmlns="" xmlns:a16="http://schemas.microsoft.com/office/drawing/2014/main" id="{5E7B9744-FF5D-DB4B-8DCD-FF4C0C57287E}"/>
               </a:ext>
             </a:extLst>
           </p:cNvPr>
@@ -15755,25 +15345,435 @@
         </p:nvSpPr>
         <p:spPr>
           <a:xfrm>
-            <a:off x="7004986" y="2822677"/>
-            <a:ext cx="4322531" cy="2399371"/>
+            <a:off x="540178" y="2359152"/>
+            <a:ext cx="4322531" cy="4032504"/>
           </a:xfrm>
         </p:spPr>
         <p:txBody>
-          <a:bodyPr/>
+          <a:bodyPr>
+            <a:noAutofit/>
+          </a:bodyPr>
           <a:lstStyle/>
           <a:p>
             <a:r>
+              <a:rPr lang="ru-RU" dirty="0" smtClean="0"/>
+              <a:t>Разработка </a:t>
+            </a:r>
+            <a:r>
               <a:rPr lang="ru-RU" dirty="0"/>
-              <a:t>Для оформления графиков, таблиц, диаграмм могут потребоваться дополнительные цвета и вы совершенно правы, задавая вопрос, какие цвета использовать и где их взять. Мы предлагаем использовать палитру цветов Вышки для этих целей.</a:t>
-            </a:r>
+              <a:t>велась в </a:t>
+            </a:r>
+            <a:r>
+              <a:rPr lang="ru-RU" dirty="0" err="1"/>
+              <a:t>Android</a:t>
+            </a:r>
+            <a:r>
+              <a:rPr lang="ru-RU" dirty="0"/>
+              <a:t> </a:t>
+            </a:r>
+            <a:r>
+              <a:rPr lang="ru-RU" dirty="0" err="1"/>
+              <a:t>Studio</a:t>
+            </a:r>
+            <a:r>
+              <a:rPr lang="ru-RU" dirty="0"/>
+              <a:t>. </a:t>
+            </a:r>
+            <a:r>
+              <a:rPr lang="ru-RU" dirty="0" err="1"/>
+              <a:t>Android</a:t>
+            </a:r>
+            <a:r>
+              <a:rPr lang="ru-RU" dirty="0"/>
+              <a:t> </a:t>
+            </a:r>
+            <a:r>
+              <a:rPr lang="ru-RU" dirty="0" err="1"/>
+              <a:t>Studio</a:t>
+            </a:r>
+            <a:r>
+              <a:rPr lang="ru-RU" dirty="0"/>
+              <a:t> — интегрированная среда разработки для работы с платформой </a:t>
+            </a:r>
+            <a:r>
+              <a:rPr lang="ru-RU" dirty="0" err="1"/>
+              <a:t>Android</a:t>
+            </a:r>
+            <a:r>
+              <a:rPr lang="ru-RU" dirty="0"/>
+              <a:t>, анонсированная 16 мая 2013 года на конференции </a:t>
+            </a:r>
+            <a:r>
+              <a:rPr lang="ru-RU" dirty="0" err="1"/>
+              <a:t>Google</a:t>
+            </a:r>
+            <a:r>
+              <a:rPr lang="ru-RU" dirty="0"/>
+              <a:t> </a:t>
+            </a:r>
+            <a:r>
+              <a:rPr lang="ru-RU" dirty="0" smtClean="0"/>
+              <a:t>I/O</a:t>
+            </a:r>
+            <a:r>
+              <a:rPr lang="en-US" dirty="0" smtClean="0"/>
+              <a:t>.</a:t>
+            </a:r>
+            <a:br>
+              <a:rPr lang="en-US" dirty="0" smtClean="0"/>
+            </a:br>
+            <a:r>
+              <a:rPr lang="en-US" dirty="0" smtClean="0"/>
+              <a:t/>
+            </a:r>
+            <a:br>
+              <a:rPr lang="en-US" dirty="0" smtClean="0"/>
+            </a:br>
+            <a:endParaRPr lang="ru-RU" dirty="0"/>
           </a:p>
         </p:txBody>
       </p:sp>
+      <p:sp>
+        <p:nvSpPr>
+          <p:cNvPr id="7" name="Текст 5">
+            <a:extLst>
+              <a:ext uri="{FF2B5EF4-FFF2-40B4-BE49-F238E27FC236}">
+                <a16:creationId xmlns="" xmlns:a16="http://schemas.microsoft.com/office/drawing/2014/main" id="{5E7B9744-FF5D-DB4B-8DCD-FF4C0C57287E}"/>
+              </a:ext>
+            </a:extLst>
+          </p:cNvPr>
+          <p:cNvSpPr>
+            <a:spLocks noGrp="1"/>
+          </p:cNvSpPr>
+          <p:nvPr>
+            <p:ph type="body" sz="quarter" idx="12"/>
+          </p:nvPr>
+        </p:nvSpPr>
+        <p:spPr>
+          <a:xfrm>
+            <a:off x="5849794" y="1240536"/>
+            <a:ext cx="4322531" cy="4032504"/>
+          </a:xfrm>
+        </p:spPr>
+        <p:txBody>
+          <a:bodyPr>
+            <a:noAutofit/>
+          </a:bodyPr>
+          <a:lstStyle/>
+          <a:p>
+            <a:r>
+              <a:rPr lang="ru-RU" dirty="0" smtClean="0"/>
+              <a:t>Необходимое </a:t>
+            </a:r>
+            <a:r>
+              <a:rPr lang="ru-RU" dirty="0"/>
+              <a:t>для разработки </a:t>
+            </a:r>
+            <a:r>
+              <a:rPr lang="ru-RU" dirty="0" smtClean="0"/>
+              <a:t>оборудование</a:t>
+            </a:r>
+            <a:r>
+              <a:rPr lang="en-US" dirty="0"/>
+              <a:t> </a:t>
+            </a:r>
+            <a:r>
+              <a:rPr lang="en-US" dirty="0" smtClean="0"/>
+              <a:t>— </a:t>
+            </a:r>
+            <a:r>
+              <a:rPr lang="ru-RU" dirty="0" smtClean="0"/>
+              <a:t>компьютер</a:t>
+            </a:r>
+            <a:r>
+              <a:rPr lang="ru-RU" dirty="0"/>
+              <a:t>, обладающий следующими системными </a:t>
+            </a:r>
+            <a:r>
+              <a:rPr lang="ru-RU" dirty="0" smtClean="0"/>
+              <a:t>требованиями:</a:t>
+            </a:r>
+          </a:p>
+          <a:p>
+            <a:pPr marL="285750" indent="-285750">
+              <a:buFont typeface="Arial" panose="020B0604020202020204" pitchFamily="34" charset="0"/>
+              <a:buChar char="•"/>
+            </a:pPr>
+            <a:r>
+              <a:rPr lang="ru-RU" dirty="0" smtClean="0"/>
+              <a:t>Операционные </a:t>
+            </a:r>
+            <a:r>
+              <a:rPr lang="ru-RU" dirty="0"/>
+              <a:t>системы </a:t>
+            </a:r>
+            <a:r>
+              <a:rPr lang="en-US" dirty="0"/>
+              <a:t>Microsoft Windows 11/10/8/7/Vista (64-bit), Apple </a:t>
+            </a:r>
+            <a:r>
+              <a:rPr lang="en-US" dirty="0" err="1"/>
+              <a:t>macOS</a:t>
+            </a:r>
+            <a:r>
+              <a:rPr lang="en-US" dirty="0"/>
+              <a:t> 10.8.5 </a:t>
+            </a:r>
+            <a:r>
+              <a:rPr lang="ru-RU" dirty="0"/>
+              <a:t>или выше, до 10.13 (</a:t>
+            </a:r>
+            <a:r>
+              <a:rPr lang="en-US" dirty="0"/>
+              <a:t>High Sierra)/ 10.14 (Mojave), Linux GNOME </a:t>
+            </a:r>
+            <a:r>
+              <a:rPr lang="ru-RU" dirty="0"/>
+              <a:t>или </a:t>
+            </a:r>
+            <a:r>
+              <a:rPr lang="en-US" dirty="0"/>
+              <a:t>KDE;  </a:t>
+            </a:r>
+            <a:r>
+              <a:rPr lang="ru-RU" dirty="0"/>
+              <a:t>Процессор </a:t>
+            </a:r>
+            <a:r>
+              <a:rPr lang="en-US" dirty="0"/>
+              <a:t>x86-64 Intel </a:t>
+            </a:r>
+            <a:r>
+              <a:rPr lang="ru-RU" dirty="0"/>
+              <a:t>с поддержкой </a:t>
+            </a:r>
+            <a:r>
+              <a:rPr lang="en-US" dirty="0"/>
+              <a:t>VT-x, </a:t>
+            </a:r>
+            <a:r>
+              <a:rPr lang="ru-RU" dirty="0"/>
+              <a:t>или </a:t>
+            </a:r>
+            <a:r>
+              <a:rPr lang="en-US" dirty="0"/>
+              <a:t>AMD </a:t>
+            </a:r>
+            <a:r>
+              <a:rPr lang="ru-RU" dirty="0"/>
+              <a:t>с поддержкой </a:t>
+            </a:r>
+            <a:r>
+              <a:rPr lang="en-US" dirty="0"/>
+              <a:t>AMD-V, </a:t>
+            </a:r>
+            <a:r>
+              <a:rPr lang="ru-RU" dirty="0"/>
+              <a:t>или </a:t>
+            </a:r>
+            <a:r>
+              <a:rPr lang="en-US" dirty="0"/>
+              <a:t>ARM (</a:t>
+            </a:r>
+            <a:r>
+              <a:rPr lang="ru-RU" dirty="0"/>
+              <a:t>для </a:t>
+            </a:r>
+            <a:r>
+              <a:rPr lang="en-US" dirty="0"/>
+              <a:t>Apple);  </a:t>
+            </a:r>
+            <a:endParaRPr lang="ru-RU" dirty="0" smtClean="0"/>
+          </a:p>
+          <a:p>
+            <a:pPr marL="285750" indent="-285750">
+              <a:buFont typeface="Arial" panose="020B0604020202020204" pitchFamily="34" charset="0"/>
+              <a:buChar char="•"/>
+            </a:pPr>
+            <a:r>
+              <a:rPr lang="ru-RU" dirty="0" smtClean="0"/>
+              <a:t>Оперативная </a:t>
+            </a:r>
+            <a:r>
+              <a:rPr lang="ru-RU" dirty="0"/>
+              <a:t>память 8 ГБ (минимум), 16 ГБ (рекомендуется);  </a:t>
+            </a:r>
+            <a:endParaRPr lang="ru-RU" dirty="0" smtClean="0"/>
+          </a:p>
+          <a:p>
+            <a:pPr marL="285750" indent="-285750">
+              <a:buFont typeface="Arial" panose="020B0604020202020204" pitchFamily="34" charset="0"/>
+              <a:buChar char="•"/>
+            </a:pPr>
+            <a:r>
+              <a:rPr lang="ru-RU" dirty="0" smtClean="0"/>
+              <a:t>Свободное </a:t>
+            </a:r>
+            <a:r>
+              <a:rPr lang="ru-RU" dirty="0"/>
+              <a:t>место на диске 8 ГБ минимум (2,5 ГБ для </a:t>
+            </a:r>
+            <a:r>
+              <a:rPr lang="en-US" dirty="0"/>
+              <a:t>IDE + 5.5 </a:t>
+            </a:r>
+            <a:r>
+              <a:rPr lang="ru-RU" dirty="0"/>
+              <a:t>ГБ для </a:t>
+            </a:r>
+            <a:r>
+              <a:rPr lang="en-US" dirty="0"/>
+              <a:t>Android SDK </a:t>
+            </a:r>
+            <a:r>
+              <a:rPr lang="ru-RU" dirty="0"/>
+              <a:t>и образа системы эмулятора), 32 ГБ </a:t>
+            </a:r>
+            <a:r>
+              <a:rPr lang="en-US" dirty="0"/>
+              <a:t>SSD (</a:t>
+            </a:r>
+            <a:r>
+              <a:rPr lang="ru-RU" dirty="0"/>
+              <a:t>рекомендуется);  </a:t>
+            </a:r>
+            <a:endParaRPr lang="ru-RU" dirty="0" smtClean="0"/>
+          </a:p>
+          <a:p>
+            <a:pPr marL="285750" indent="-285750">
+              <a:buFont typeface="Arial" panose="020B0604020202020204" pitchFamily="34" charset="0"/>
+              <a:buChar char="•"/>
+            </a:pPr>
+            <a:r>
+              <a:rPr lang="ru-RU" dirty="0" smtClean="0"/>
+              <a:t>Версия </a:t>
+            </a:r>
+            <a:r>
+              <a:rPr lang="en-US" dirty="0"/>
+              <a:t>JDK Java Development Kit 8;  </a:t>
+            </a:r>
+            <a:endParaRPr lang="ru-RU" dirty="0" smtClean="0"/>
+          </a:p>
+          <a:p>
+            <a:pPr marL="285750" indent="-285750">
+              <a:buFont typeface="Arial" panose="020B0604020202020204" pitchFamily="34" charset="0"/>
+              <a:buChar char="•"/>
+            </a:pPr>
+            <a:r>
+              <a:rPr lang="ru-RU" dirty="0" smtClean="0"/>
+              <a:t>Разрешение </a:t>
+            </a:r>
+            <a:r>
+              <a:rPr lang="ru-RU" dirty="0"/>
+              <a:t>экрана 1280 </a:t>
+            </a:r>
+            <a:r>
+              <a:rPr lang="en-US" dirty="0"/>
+              <a:t>x 800 (</a:t>
+            </a:r>
+            <a:r>
+              <a:rPr lang="ru-RU" dirty="0"/>
+              <a:t>минимум);  </a:t>
+            </a:r>
+            <a:endParaRPr lang="ru-RU" dirty="0" smtClean="0"/>
+          </a:p>
+          <a:p>
+            <a:pPr marL="285750" indent="-285750">
+              <a:buFont typeface="Arial" panose="020B0604020202020204" pitchFamily="34" charset="0"/>
+              <a:buChar char="•"/>
+            </a:pPr>
+            <a:r>
+              <a:rPr lang="ru-RU" dirty="0" smtClean="0"/>
+              <a:t>Дополнительно </a:t>
+            </a:r>
+            <a:r>
+              <a:rPr lang="ru-RU" dirty="0"/>
+              <a:t>для </a:t>
+            </a:r>
+            <a:r>
+              <a:rPr lang="en-US" dirty="0" err="1"/>
+              <a:t>MacOS</a:t>
+            </a:r>
+            <a:r>
+              <a:rPr lang="en-US" dirty="0"/>
+              <a:t> </a:t>
+            </a:r>
+            <a:r>
+              <a:rPr lang="ru-RU" dirty="0"/>
+              <a:t>требуется </a:t>
+            </a:r>
+            <a:r>
+              <a:rPr lang="en-US" dirty="0"/>
+              <a:t>Java Runtime Environment (JRE) 6, </a:t>
+            </a:r>
+            <a:r>
+              <a:rPr lang="ru-RU" dirty="0"/>
+              <a:t>для </a:t>
+            </a:r>
+            <a:r>
+              <a:rPr lang="en-US" dirty="0"/>
+              <a:t>Linux GNU C Library (</a:t>
+            </a:r>
+            <a:r>
+              <a:rPr lang="en-US" dirty="0" err="1"/>
+              <a:t>glibc</a:t>
+            </a:r>
+            <a:r>
+              <a:rPr lang="en-US" dirty="0"/>
+              <a:t>) 2.31 </a:t>
+            </a:r>
+            <a:r>
+              <a:rPr lang="ru-RU" dirty="0"/>
+              <a:t>или выше.</a:t>
+            </a:r>
+          </a:p>
+        </p:txBody>
+      </p:sp>
+      <p:pic>
+        <p:nvPicPr>
+          <p:cNvPr id="3074" name="Picture 2" descr="Файл:Android Studio Trademark.svg — Википедия"/>
+          <p:cNvPicPr>
+            <a:picLocks noChangeAspect="1" noChangeArrowheads="1"/>
+          </p:cNvPicPr>
+          <p:nvPr/>
+        </p:nvPicPr>
+        <p:blipFill>
+          <a:blip r:embed="rId3">
+            <a:extLst>
+              <a:ext uri="{28A0092B-C50C-407E-A947-70E740481C1C}">
+                <a14:useLocalDpi xmlns:a14="http://schemas.microsoft.com/office/drawing/2010/main" val="0"/>
+              </a:ext>
+            </a:extLst>
+          </a:blip>
+          <a:srcRect/>
+          <a:stretch>
+            <a:fillRect/>
+          </a:stretch>
+        </p:blipFill>
+        <p:spPr bwMode="auto">
+          <a:xfrm>
+            <a:off x="466128" y="3866545"/>
+            <a:ext cx="4965408" cy="1571087"/>
+          </a:xfrm>
+          <a:prstGeom prst="rect">
+            <a:avLst/>
+          </a:prstGeom>
+          <a:noFill/>
+          <a:extLst>
+            <a:ext uri="{909E8E84-426E-40DD-AFC4-6F175D3DCCD1}">
+              <a14:hiddenFill xmlns:a14="http://schemas.microsoft.com/office/drawing/2010/main">
+                <a:solidFill>
+                  <a:srgbClr val="FFFFFF"/>
+                </a:solidFill>
+              </a14:hiddenFill>
+            </a:ext>
+          </a:extLst>
+        </p:spPr>
+      </p:pic>
     </p:spTree>
     <p:extLst>
       <p:ext uri="{BB962C8B-B14F-4D97-AF65-F5344CB8AC3E}">
-        <p14:creationId xmlns:p14="http://schemas.microsoft.com/office/powerpoint/2010/main" val="2801224041"/>
+        <p14:creationId xmlns:p14="http://schemas.microsoft.com/office/powerpoint/2010/main" val="2867289658"/>
       </p:ext>
     </p:extLst>
   </p:cSld>
@@ -15805,7 +15805,7 @@
           <p:cNvPr id="2" name="Текст 1">
             <a:extLst>
               <a:ext uri="{FF2B5EF4-FFF2-40B4-BE49-F238E27FC236}">
-                <a16:creationId xmlns:a16="http://schemas.microsoft.com/office/drawing/2014/main" xmlns="" id="{2FFBD88B-BF2A-8F44-B648-677BB7D9750D}"/>
+                <a16:creationId xmlns="" xmlns:a16="http://schemas.microsoft.com/office/drawing/2014/main" id="{2FFBD88B-BF2A-8F44-B648-677BB7D9750D}"/>
               </a:ext>
             </a:extLst>
           </p:cNvPr>
@@ -15842,7 +15842,7 @@
           <p:cNvPr id="3" name="Текст 2">
             <a:extLst>
               <a:ext uri="{FF2B5EF4-FFF2-40B4-BE49-F238E27FC236}">
-                <a16:creationId xmlns:a16="http://schemas.microsoft.com/office/drawing/2014/main" xmlns="" id="{BD6DFA47-ACB8-5246-AC9C-19D438CF658E}"/>
+                <a16:creationId xmlns="" xmlns:a16="http://schemas.microsoft.com/office/drawing/2014/main" id="{BD6DFA47-ACB8-5246-AC9C-19D438CF658E}"/>
               </a:ext>
             </a:extLst>
           </p:cNvPr>
@@ -15890,7 +15890,235 @@
           <p:cNvPr id="4" name="Текст 3">
             <a:extLst>
               <a:ext uri="{FF2B5EF4-FFF2-40B4-BE49-F238E27FC236}">
-                <a16:creationId xmlns:a16="http://schemas.microsoft.com/office/drawing/2014/main" xmlns="" id="{49A5DD86-C5F3-5843-B60F-AC26E1B16228}"/>
+                <a16:creationId xmlns="" xmlns:a16="http://schemas.microsoft.com/office/drawing/2014/main" id="{49A5DD86-C5F3-5843-B60F-AC26E1B16228}"/>
+              </a:ext>
+            </a:extLst>
+          </p:cNvPr>
+          <p:cNvSpPr>
+            <a:spLocks noGrp="1"/>
+          </p:cNvSpPr>
+          <p:nvPr>
+            <p:ph type="body" sz="quarter" idx="15"/>
+          </p:nvPr>
+        </p:nvSpPr>
+        <p:spPr/>
+        <p:txBody>
+          <a:bodyPr/>
+          <a:lstStyle/>
+          <a:p>
+            <a:pPr lvl="0"/>
+            <a:r>
+              <a:rPr lang="ru-RU" dirty="0" smtClean="0"/>
+              <a:t>Особенности</a:t>
+            </a:r>
+            <a:br>
+              <a:rPr lang="ru-RU" dirty="0" smtClean="0"/>
+            </a:br>
+            <a:r>
+              <a:rPr lang="ru-RU" dirty="0" smtClean="0"/>
+              <a:t>реализации </a:t>
+            </a:r>
+            <a:endParaRPr lang="ru-RU" dirty="0"/>
+          </a:p>
+        </p:txBody>
+      </p:sp>
+      <p:sp>
+        <p:nvSpPr>
+          <p:cNvPr id="5" name="Заголовок 4">
+            <a:extLst>
+              <a:ext uri="{FF2B5EF4-FFF2-40B4-BE49-F238E27FC236}">
+                <a16:creationId xmlns="" xmlns:a16="http://schemas.microsoft.com/office/drawing/2014/main" id="{D060AA73-8574-054A-B94B-1EAA5FAB0470}"/>
+              </a:ext>
+            </a:extLst>
+          </p:cNvPr>
+          <p:cNvSpPr>
+            <a:spLocks noGrp="1"/>
+          </p:cNvSpPr>
+          <p:nvPr>
+            <p:ph type="title"/>
+          </p:nvPr>
+        </p:nvSpPr>
+        <p:spPr>
+          <a:xfrm>
+            <a:off x="7004987" y="1319774"/>
+            <a:ext cx="4322530" cy="777025"/>
+          </a:xfrm>
+        </p:spPr>
+        <p:txBody>
+          <a:bodyPr>
+            <a:normAutofit/>
+          </a:bodyPr>
+          <a:lstStyle/>
+          <a:p>
+            <a:pPr lvl="0"/>
+            <a:r>
+              <a:rPr lang="ru-RU" dirty="0"/>
+              <a:t>Особенности</a:t>
+            </a:r>
+            <a:br>
+              <a:rPr lang="ru-RU" dirty="0"/>
+            </a:br>
+            <a:r>
+              <a:rPr lang="ru-RU" dirty="0"/>
+              <a:t>реализации </a:t>
+            </a:r>
+          </a:p>
+        </p:txBody>
+      </p:sp>
+      <p:sp>
+        <p:nvSpPr>
+          <p:cNvPr id="6" name="Текст 5">
+            <a:extLst>
+              <a:ext uri="{FF2B5EF4-FFF2-40B4-BE49-F238E27FC236}">
+                <a16:creationId xmlns="" xmlns:a16="http://schemas.microsoft.com/office/drawing/2014/main" id="{5E7B9744-FF5D-DB4B-8DCD-FF4C0C57287E}"/>
+              </a:ext>
+            </a:extLst>
+          </p:cNvPr>
+          <p:cNvSpPr>
+            <a:spLocks noGrp="1"/>
+          </p:cNvSpPr>
+          <p:nvPr>
+            <p:ph type="body" sz="quarter" idx="12"/>
+          </p:nvPr>
+        </p:nvSpPr>
+        <p:spPr>
+          <a:xfrm>
+            <a:off x="7004986" y="2822677"/>
+            <a:ext cx="4322531" cy="2399371"/>
+          </a:xfrm>
+        </p:spPr>
+        <p:txBody>
+          <a:bodyPr/>
+          <a:lstStyle/>
+          <a:p>
+            <a:r>
+              <a:rPr lang="ru-RU" dirty="0"/>
+              <a:t>Для оформления графиков, таблиц, диаграмм могут потребоваться дополнительные цвета и вы совершенно правы, задавая вопрос, какие цвета использовать и где их взять. Мы предлагаем использовать палитру цветов Вышки для этих целей.</a:t>
+            </a:r>
+          </a:p>
+        </p:txBody>
+      </p:sp>
+    </p:spTree>
+    <p:extLst>
+      <p:ext uri="{BB962C8B-B14F-4D97-AF65-F5344CB8AC3E}">
+        <p14:creationId xmlns:p14="http://schemas.microsoft.com/office/powerpoint/2010/main" val="2801224041"/>
+      </p:ext>
+    </p:extLst>
+  </p:cSld>
+  <p:clrMapOvr>
+    <a:masterClrMapping/>
+  </p:clrMapOvr>
+</p:sld>
+</file>
+
+<file path=ppt/slides/slide13.xml><?xml version="1.0" encoding="utf-8"?>
+<p:sld xmlns:a="http://schemas.openxmlformats.org/drawingml/2006/main" xmlns:r="http://schemas.openxmlformats.org/officeDocument/2006/relationships" xmlns:p="http://schemas.openxmlformats.org/presentationml/2006/main">
+  <p:cSld>
+    <p:spTree>
+      <p:nvGrpSpPr>
+        <p:cNvPr id="1" name=""/>
+        <p:cNvGrpSpPr/>
+        <p:nvPr/>
+      </p:nvGrpSpPr>
+      <p:grpSpPr>
+        <a:xfrm>
+          <a:off x="0" y="0"/>
+          <a:ext cx="0" cy="0"/>
+          <a:chOff x="0" y="0"/>
+          <a:chExt cx="0" cy="0"/>
+        </a:xfrm>
+      </p:grpSpPr>
+      <p:sp>
+        <p:nvSpPr>
+          <p:cNvPr id="2" name="Текст 1">
+            <a:extLst>
+              <a:ext uri="{FF2B5EF4-FFF2-40B4-BE49-F238E27FC236}">
+                <a16:creationId xmlns="" xmlns:a16="http://schemas.microsoft.com/office/drawing/2014/main" id="{2FFBD88B-BF2A-8F44-B648-677BB7D9750D}"/>
+              </a:ext>
+            </a:extLst>
+          </p:cNvPr>
+          <p:cNvSpPr>
+            <a:spLocks noGrp="1"/>
+          </p:cNvSpPr>
+          <p:nvPr>
+            <p:ph type="body" sz="quarter" idx="13"/>
+          </p:nvPr>
+        </p:nvSpPr>
+        <p:spPr/>
+        <p:txBody>
+          <a:bodyPr/>
+          <a:lstStyle/>
+          <a:p>
+            <a:r>
+              <a:rPr lang="ru-RU" dirty="0"/>
+              <a:t>НИУ ВШЭ</a:t>
+            </a:r>
+          </a:p>
+          <a:p>
+            <a:r>
+              <a:rPr lang="ru-RU" dirty="0"/>
+              <a:t>ФКН ПИ</a:t>
+            </a:r>
+          </a:p>
+          <a:p>
+            <a:endParaRPr lang="ru-RU" dirty="0"/>
+          </a:p>
+        </p:txBody>
+      </p:sp>
+      <p:sp>
+        <p:nvSpPr>
+          <p:cNvPr id="3" name="Текст 2">
+            <a:extLst>
+              <a:ext uri="{FF2B5EF4-FFF2-40B4-BE49-F238E27FC236}">
+                <a16:creationId xmlns="" xmlns:a16="http://schemas.microsoft.com/office/drawing/2014/main" id="{BD6DFA47-ACB8-5246-AC9C-19D438CF658E}"/>
+              </a:ext>
+            </a:extLst>
+          </p:cNvPr>
+          <p:cNvSpPr>
+            <a:spLocks noGrp="1"/>
+          </p:cNvSpPr>
+          <p:nvPr>
+            <p:ph type="body" sz="quarter" idx="14"/>
+          </p:nvPr>
+        </p:nvSpPr>
+        <p:spPr/>
+        <p:txBody>
+          <a:bodyPr/>
+          <a:lstStyle/>
+          <a:p>
+            <a:r>
+              <a:rPr lang="en-US" dirty="0"/>
+              <a:t>Mnemonic </a:t>
+            </a:r>
+            <a:endParaRPr lang="ru-RU" dirty="0"/>
+          </a:p>
+          <a:p>
+            <a:r>
+              <a:rPr lang="en-US" dirty="0"/>
+              <a:t>systems app</a:t>
+            </a:r>
+            <a:endParaRPr lang="ru-RU" dirty="0"/>
+          </a:p>
+          <a:p>
+            <a:endParaRPr lang="ru-RU" dirty="0"/>
+          </a:p>
+          <a:p>
+            <a:endParaRPr lang="ru-RU" dirty="0"/>
+          </a:p>
+          <a:p>
+            <a:endParaRPr lang="ru-RU" dirty="0"/>
+          </a:p>
+          <a:p>
+            <a:endParaRPr lang="ru-RU" dirty="0"/>
+          </a:p>
+        </p:txBody>
+      </p:sp>
+      <p:sp>
+        <p:nvSpPr>
+          <p:cNvPr id="4" name="Текст 3">
+            <a:extLst>
+              <a:ext uri="{FF2B5EF4-FFF2-40B4-BE49-F238E27FC236}">
+                <a16:creationId xmlns="" xmlns:a16="http://schemas.microsoft.com/office/drawing/2014/main" id="{49A5DD86-C5F3-5843-B60F-AC26E1B16228}"/>
               </a:ext>
             </a:extLst>
           </p:cNvPr>
@@ -16201,411 +16429,6 @@
 </p:sld>
 </file>
 
-<file path=ppt/slides/slide13.xml><?xml version="1.0" encoding="utf-8"?>
-<p:sld xmlns:a="http://schemas.openxmlformats.org/drawingml/2006/main" xmlns:r="http://schemas.openxmlformats.org/officeDocument/2006/relationships" xmlns:p="http://schemas.openxmlformats.org/presentationml/2006/main">
-  <p:cSld>
-    <p:spTree>
-      <p:nvGrpSpPr>
-        <p:cNvPr id="1" name=""/>
-        <p:cNvGrpSpPr/>
-        <p:nvPr/>
-      </p:nvGrpSpPr>
-      <p:grpSpPr>
-        <a:xfrm>
-          <a:off x="0" y="0"/>
-          <a:ext cx="0" cy="0"/>
-          <a:chOff x="0" y="0"/>
-          <a:chExt cx="0" cy="0"/>
-        </a:xfrm>
-      </p:grpSpPr>
-      <p:sp>
-        <p:nvSpPr>
-          <p:cNvPr id="2" name="Текст 1">
-            <a:extLst>
-              <a:ext uri="{FF2B5EF4-FFF2-40B4-BE49-F238E27FC236}">
-                <a16:creationId xmlns:a16="http://schemas.microsoft.com/office/drawing/2014/main" xmlns="" id="{2FFBD88B-BF2A-8F44-B648-677BB7D9750D}"/>
-              </a:ext>
-            </a:extLst>
-          </p:cNvPr>
-          <p:cNvSpPr>
-            <a:spLocks noGrp="1"/>
-          </p:cNvSpPr>
-          <p:nvPr>
-            <p:ph type="body" sz="quarter" idx="13"/>
-          </p:nvPr>
-        </p:nvSpPr>
-        <p:spPr/>
-        <p:txBody>
-          <a:bodyPr/>
-          <a:lstStyle/>
-          <a:p>
-            <a:r>
-              <a:rPr lang="ru-RU" dirty="0"/>
-              <a:t>НИУ ВШЭ</a:t>
-            </a:r>
-          </a:p>
-          <a:p>
-            <a:r>
-              <a:rPr lang="ru-RU" dirty="0"/>
-              <a:t>ФКН ПИ</a:t>
-            </a:r>
-          </a:p>
-          <a:p>
-            <a:endParaRPr lang="ru-RU" dirty="0"/>
-          </a:p>
-        </p:txBody>
-      </p:sp>
-      <p:sp>
-        <p:nvSpPr>
-          <p:cNvPr id="3" name="Текст 2">
-            <a:extLst>
-              <a:ext uri="{FF2B5EF4-FFF2-40B4-BE49-F238E27FC236}">
-                <a16:creationId xmlns:a16="http://schemas.microsoft.com/office/drawing/2014/main" xmlns="" id="{BD6DFA47-ACB8-5246-AC9C-19D438CF658E}"/>
-              </a:ext>
-            </a:extLst>
-          </p:cNvPr>
-          <p:cNvSpPr>
-            <a:spLocks noGrp="1"/>
-          </p:cNvSpPr>
-          <p:nvPr>
-            <p:ph type="body" sz="quarter" idx="14"/>
-          </p:nvPr>
-        </p:nvSpPr>
-        <p:spPr/>
-        <p:txBody>
-          <a:bodyPr/>
-          <a:lstStyle/>
-          <a:p>
-            <a:r>
-              <a:rPr lang="en-US" dirty="0"/>
-              <a:t>Mnemonic </a:t>
-            </a:r>
-            <a:endParaRPr lang="ru-RU" dirty="0"/>
-          </a:p>
-          <a:p>
-            <a:r>
-              <a:rPr lang="en-US" dirty="0"/>
-              <a:t>systems app</a:t>
-            </a:r>
-            <a:endParaRPr lang="ru-RU" dirty="0"/>
-          </a:p>
-          <a:p>
-            <a:endParaRPr lang="ru-RU" dirty="0"/>
-          </a:p>
-          <a:p>
-            <a:endParaRPr lang="ru-RU" dirty="0"/>
-          </a:p>
-          <a:p>
-            <a:endParaRPr lang="ru-RU" dirty="0"/>
-          </a:p>
-          <a:p>
-            <a:endParaRPr lang="ru-RU" dirty="0"/>
-          </a:p>
-        </p:txBody>
-      </p:sp>
-      <p:sp>
-        <p:nvSpPr>
-          <p:cNvPr id="4" name="Текст 3">
-            <a:extLst>
-              <a:ext uri="{FF2B5EF4-FFF2-40B4-BE49-F238E27FC236}">
-                <a16:creationId xmlns:a16="http://schemas.microsoft.com/office/drawing/2014/main" xmlns="" id="{49A5DD86-C5F3-5843-B60F-AC26E1B16228}"/>
-              </a:ext>
-            </a:extLst>
-          </p:cNvPr>
-          <p:cNvSpPr>
-            <a:spLocks noGrp="1"/>
-          </p:cNvSpPr>
-          <p:nvPr>
-            <p:ph type="body" sz="quarter" idx="15"/>
-          </p:nvPr>
-        </p:nvSpPr>
-        <p:spPr/>
-        <p:txBody>
-          <a:bodyPr/>
-          <a:lstStyle/>
-          <a:p>
-            <a:pPr lvl="0"/>
-            <a:r>
-              <a:rPr lang="ru-RU" dirty="0" smtClean="0"/>
-              <a:t>Направления</a:t>
-            </a:r>
-          </a:p>
-          <a:p>
-            <a:pPr lvl="0"/>
-            <a:r>
-              <a:rPr lang="ru-RU" dirty="0" smtClean="0"/>
-              <a:t>дальнейшей </a:t>
-            </a:r>
-            <a:r>
-              <a:rPr lang="ru-RU" dirty="0"/>
-              <a:t>работы</a:t>
-            </a:r>
-            <a:endParaRPr lang="ru-RU" dirty="0">
-              <a:effectLst/>
-            </a:endParaRPr>
-          </a:p>
-        </p:txBody>
-      </p:sp>
-      <p:sp>
-        <p:nvSpPr>
-          <p:cNvPr id="5" name="Заголовок 4">
-            <a:extLst>
-              <a:ext uri="{FF2B5EF4-FFF2-40B4-BE49-F238E27FC236}">
-                <a16:creationId xmlns:a16="http://schemas.microsoft.com/office/drawing/2014/main" xmlns="" id="{D060AA73-8574-054A-B94B-1EAA5FAB0470}"/>
-              </a:ext>
-            </a:extLst>
-          </p:cNvPr>
-          <p:cNvSpPr>
-            <a:spLocks noGrp="1"/>
-          </p:cNvSpPr>
-          <p:nvPr>
-            <p:ph type="title"/>
-          </p:nvPr>
-        </p:nvSpPr>
-        <p:spPr>
-          <a:xfrm>
-            <a:off x="6081443" y="1246622"/>
-            <a:ext cx="4322530" cy="777025"/>
-          </a:xfrm>
-        </p:spPr>
-        <p:txBody>
-          <a:bodyPr>
-            <a:normAutofit/>
-          </a:bodyPr>
-          <a:lstStyle/>
-          <a:p>
-            <a:pPr lvl="0"/>
-            <a:r>
-              <a:rPr lang="ru-RU" dirty="0"/>
-              <a:t>Направления</a:t>
-            </a:r>
-            <a:br>
-              <a:rPr lang="ru-RU" dirty="0"/>
-            </a:br>
-            <a:r>
-              <a:rPr lang="ru-RU" dirty="0"/>
-              <a:t>дальнейшей работы</a:t>
-            </a:r>
-          </a:p>
-        </p:txBody>
-      </p:sp>
-      <p:sp>
-        <p:nvSpPr>
-          <p:cNvPr id="6" name="Текст 5">
-            <a:extLst>
-              <a:ext uri="{FF2B5EF4-FFF2-40B4-BE49-F238E27FC236}">
-                <a16:creationId xmlns:a16="http://schemas.microsoft.com/office/drawing/2014/main" xmlns="" id="{5E7B9744-FF5D-DB4B-8DCD-FF4C0C57287E}"/>
-              </a:ext>
-            </a:extLst>
-          </p:cNvPr>
-          <p:cNvSpPr>
-            <a:spLocks noGrp="1"/>
-          </p:cNvSpPr>
-          <p:nvPr>
-            <p:ph type="body" sz="quarter" idx="12"/>
-          </p:nvPr>
-        </p:nvSpPr>
-        <p:spPr>
-          <a:xfrm>
-            <a:off x="6081444" y="2240280"/>
-            <a:ext cx="5246074" cy="4169663"/>
-          </a:xfrm>
-        </p:spPr>
-        <p:txBody>
-          <a:bodyPr>
-            <a:normAutofit/>
-          </a:bodyPr>
-          <a:lstStyle/>
-          <a:p>
-            <a:r>
-              <a:rPr lang="ru-RU" dirty="0" smtClean="0"/>
-              <a:t>В </a:t>
-            </a:r>
-            <a:r>
-              <a:rPr lang="ru-RU" dirty="0"/>
-              <a:t>краткосрочной перспективе могут быть </a:t>
-            </a:r>
-            <a:r>
-              <a:rPr lang="ru-RU" dirty="0" smtClean="0"/>
-              <a:t>добавлены:</a:t>
-            </a:r>
-          </a:p>
-          <a:p>
-            <a:pPr marL="285750" indent="-285750">
-              <a:buFont typeface="Arial" panose="020B0604020202020204" pitchFamily="34" charset="0"/>
-              <a:buChar char="•"/>
-            </a:pPr>
-            <a:r>
-              <a:rPr lang="ru-RU" dirty="0" smtClean="0"/>
-              <a:t>Статистика</a:t>
-            </a:r>
-            <a:r>
-              <a:rPr lang="ru-RU" dirty="0"/>
-              <a:t>, позволяющая пользователю отслеживать свои результаты;  </a:t>
-            </a:r>
-            <a:endParaRPr lang="ru-RU" dirty="0" smtClean="0"/>
-          </a:p>
-          <a:p>
-            <a:pPr marL="285750" indent="-285750">
-              <a:buFont typeface="Arial" panose="020B0604020202020204" pitchFamily="34" charset="0"/>
-              <a:buChar char="•"/>
-            </a:pPr>
-            <a:r>
-              <a:rPr lang="ru-RU" dirty="0" smtClean="0"/>
-              <a:t>Возможность </a:t>
-            </a:r>
-            <a:r>
-              <a:rPr lang="ru-RU" dirty="0"/>
-              <a:t>делиться сохраненными числами с другими пользователями</a:t>
-            </a:r>
-            <a:r>
-              <a:rPr lang="ru-RU" dirty="0" smtClean="0"/>
-              <a:t>;</a:t>
-            </a:r>
-          </a:p>
-          <a:p>
-            <a:pPr marL="285750" indent="-285750">
-              <a:buFont typeface="Arial" panose="020B0604020202020204" pitchFamily="34" charset="0"/>
-              <a:buChar char="•"/>
-            </a:pPr>
-            <a:r>
-              <a:rPr lang="ru-RU" dirty="0" smtClean="0"/>
-              <a:t>Отслеживание </a:t>
-            </a:r>
-            <a:r>
-              <a:rPr lang="ru-RU" dirty="0"/>
-              <a:t>статистики друзей для создания соревновательного эффекта; </a:t>
-            </a:r>
-            <a:endParaRPr lang="ru-RU" dirty="0" smtClean="0"/>
-          </a:p>
-          <a:p>
-            <a:r>
-              <a:rPr lang="ru-RU" dirty="0" smtClean="0"/>
-              <a:t>В </a:t>
-            </a:r>
-            <a:r>
-              <a:rPr lang="ru-RU" dirty="0"/>
-              <a:t>долгосрочной перспективе могут быть добавлены: </a:t>
-            </a:r>
-            <a:r>
-              <a:rPr lang="ru-RU" dirty="0" smtClean="0"/>
-              <a:t></a:t>
-            </a:r>
-          </a:p>
-          <a:p>
-            <a:pPr marL="285750" indent="-285750">
-              <a:buFont typeface="Arial" panose="020B0604020202020204" pitchFamily="34" charset="0"/>
-              <a:buChar char="•"/>
-            </a:pPr>
-            <a:r>
-              <a:rPr lang="ru-RU" dirty="0" smtClean="0"/>
-              <a:t>Поддержка </a:t>
-            </a:r>
-            <a:r>
-              <a:rPr lang="ru-RU" dirty="0"/>
-              <a:t>других языков, кроме русского и английского; </a:t>
-            </a:r>
-            <a:r>
-              <a:rPr lang="ru-RU" dirty="0" smtClean="0"/>
-              <a:t></a:t>
-            </a:r>
-          </a:p>
-          <a:p>
-            <a:pPr marL="285750" indent="-285750">
-              <a:buFont typeface="Arial" panose="020B0604020202020204" pitchFamily="34" charset="0"/>
-              <a:buChar char="•"/>
-            </a:pPr>
-            <a:r>
-              <a:rPr lang="ru-RU" dirty="0" smtClean="0"/>
-              <a:t>Другие </a:t>
-            </a:r>
-            <a:r>
-              <a:rPr lang="ru-RU" dirty="0"/>
-              <a:t>мнемонические системы, например, система </a:t>
-            </a:r>
-            <a:r>
-              <a:rPr lang="ru-RU" dirty="0" err="1"/>
-              <a:t>Катапаяди</a:t>
-            </a:r>
-            <a:r>
-              <a:rPr lang="ru-RU" dirty="0"/>
-              <a:t>; </a:t>
-            </a:r>
-            <a:r>
-              <a:rPr lang="ru-RU" dirty="0" smtClean="0"/>
-              <a:t></a:t>
-            </a:r>
-          </a:p>
-          <a:p>
-            <a:pPr marL="285750" indent="-285750">
-              <a:buFont typeface="Arial" panose="020B0604020202020204" pitchFamily="34" charset="0"/>
-              <a:buChar char="•"/>
-            </a:pPr>
-            <a:r>
-              <a:rPr lang="ru-RU" dirty="0" smtClean="0"/>
-              <a:t>Способы </a:t>
-            </a:r>
-            <a:r>
-              <a:rPr lang="ru-RU" dirty="0"/>
-              <a:t>тренировки памяти для её улучшения.</a:t>
-            </a:r>
-          </a:p>
-        </p:txBody>
-      </p:sp>
-      <p:pic>
-        <p:nvPicPr>
-          <p:cNvPr id="4098" name="Picture 2" descr="https://upload.wikimedia.org/wikipedia/commons/thumb/f/f8/Katapayadi-eng.svg/1200px-Katapayadi-eng.svg.png"/>
-          <p:cNvPicPr>
-            <a:picLocks noChangeAspect="1" noChangeArrowheads="1"/>
-          </p:cNvPicPr>
-          <p:nvPr/>
-        </p:nvPicPr>
-        <p:blipFill>
-          <a:blip r:embed="rId3">
-            <a:extLst>
-              <a:ext uri="{28A0092B-C50C-407E-A947-70E740481C1C}">
-                <a14:useLocalDpi xmlns:a14="http://schemas.microsoft.com/office/drawing/2010/main" val="0"/>
-              </a:ext>
-            </a:extLst>
-          </a:blip>
-          <a:srcRect/>
-          <a:stretch>
-            <a:fillRect/>
-          </a:stretch>
-        </p:blipFill>
-        <p:spPr bwMode="auto">
-          <a:xfrm>
-            <a:off x="704089" y="2151663"/>
-            <a:ext cx="4919472" cy="3074670"/>
-          </a:xfrm>
-          <a:prstGeom prst="rect">
-            <a:avLst/>
-          </a:prstGeom>
-          <a:noFill/>
-          <a:extLst>
-            <a:ext uri="{909E8E84-426E-40DD-AFC4-6F175D3DCCD1}">
-              <a14:hiddenFill xmlns:a14="http://schemas.microsoft.com/office/drawing/2010/main">
-                <a:solidFill>
-                  <a:srgbClr val="FFFFFF"/>
-                </a:solidFill>
-              </a14:hiddenFill>
-            </a:ext>
-          </a:extLst>
-        </p:spPr>
-      </p:pic>
-    </p:spTree>
-    <p:extLst>
-      <p:ext uri="{BB962C8B-B14F-4D97-AF65-F5344CB8AC3E}">
-        <p14:creationId xmlns:p14="http://schemas.microsoft.com/office/powerpoint/2010/main" val="2133197653"/>
-      </p:ext>
-    </p:extLst>
-  </p:cSld>
-  <p:clrMapOvr>
-    <a:masterClrMapping/>
-  </p:clrMapOvr>
-</p:sld>
-</file>
-
 <file path=ppt/slides/slide14.xml><?xml version="1.0" encoding="utf-8"?>
 <p:sld xmlns:a="http://schemas.openxmlformats.org/drawingml/2006/main" xmlns:r="http://schemas.openxmlformats.org/officeDocument/2006/relationships" xmlns:p="http://schemas.openxmlformats.org/presentationml/2006/main">
   <p:cSld>
@@ -16628,7 +16451,7 @@
           <p:cNvPr id="2" name="Текст 1">
             <a:extLst>
               <a:ext uri="{FF2B5EF4-FFF2-40B4-BE49-F238E27FC236}">
-                <a16:creationId xmlns:a16="http://schemas.microsoft.com/office/drawing/2014/main" xmlns="" id="{2FFBD88B-BF2A-8F44-B648-677BB7D9750D}"/>
+                <a16:creationId xmlns="" xmlns:a16="http://schemas.microsoft.com/office/drawing/2014/main" id="{2FFBD88B-BF2A-8F44-B648-677BB7D9750D}"/>
               </a:ext>
             </a:extLst>
           </p:cNvPr>
@@ -16665,7 +16488,7 @@
           <p:cNvPr id="3" name="Текст 2">
             <a:extLst>
               <a:ext uri="{FF2B5EF4-FFF2-40B4-BE49-F238E27FC236}">
-                <a16:creationId xmlns:a16="http://schemas.microsoft.com/office/drawing/2014/main" xmlns="" id="{BD6DFA47-ACB8-5246-AC9C-19D438CF658E}"/>
+                <a16:creationId xmlns="" xmlns:a16="http://schemas.microsoft.com/office/drawing/2014/main" id="{BD6DFA47-ACB8-5246-AC9C-19D438CF658E}"/>
               </a:ext>
             </a:extLst>
           </p:cNvPr>
@@ -16713,7 +16536,7 @@
           <p:cNvPr id="4" name="Текст 3">
             <a:extLst>
               <a:ext uri="{FF2B5EF4-FFF2-40B4-BE49-F238E27FC236}">
-                <a16:creationId xmlns:a16="http://schemas.microsoft.com/office/drawing/2014/main" xmlns="" id="{49A5DD86-C5F3-5843-B60F-AC26E1B16228}"/>
+                <a16:creationId xmlns="" xmlns:a16="http://schemas.microsoft.com/office/drawing/2014/main" id="{49A5DD86-C5F3-5843-B60F-AC26E1B16228}"/>
               </a:ext>
             </a:extLst>
           </p:cNvPr>
@@ -16731,8 +16554,19 @@
           <a:p>
             <a:pPr lvl="0"/>
             <a:r>
+              <a:rPr lang="ru-RU" dirty="0" smtClean="0"/>
+              <a:t>Направления</a:t>
+            </a:r>
+          </a:p>
+          <a:p>
+            <a:pPr lvl="0"/>
+            <a:r>
+              <a:rPr lang="ru-RU" dirty="0" smtClean="0"/>
+              <a:t>дальнейшей </a:t>
+            </a:r>
+            <a:r>
               <a:rPr lang="ru-RU" dirty="0"/>
-              <a:t>Список использованных источников</a:t>
+              <a:t>работы</a:t>
             </a:r>
             <a:endParaRPr lang="ru-RU" dirty="0">
               <a:effectLst/>
@@ -16745,7 +16579,7 @@
           <p:cNvPr id="5" name="Заголовок 4">
             <a:extLst>
               <a:ext uri="{FF2B5EF4-FFF2-40B4-BE49-F238E27FC236}">
-                <a16:creationId xmlns:a16="http://schemas.microsoft.com/office/drawing/2014/main" xmlns="" id="{D060AA73-8574-054A-B94B-1EAA5FAB0470}"/>
+                <a16:creationId xmlns="" xmlns:a16="http://schemas.microsoft.com/office/drawing/2014/main" id="{D060AA73-8574-054A-B94B-1EAA5FAB0470}"/>
               </a:ext>
             </a:extLst>
           </p:cNvPr>
@@ -16758,7 +16592,7 @@
         </p:nvSpPr>
         <p:spPr>
           <a:xfrm>
-            <a:off x="558467" y="1331956"/>
+            <a:off x="6081443" y="1246622"/>
             <a:ext cx="4322530" cy="777025"/>
           </a:xfrm>
         </p:spPr>
@@ -16771,7 +16605,14 @@
             <a:pPr lvl="0"/>
             <a:r>
               <a:rPr lang="ru-RU" dirty="0"/>
-              <a:t>Список использованных источников</a:t>
+              <a:t>Направления</a:t>
+            </a:r>
+            <a:br>
+              <a:rPr lang="ru-RU" dirty="0"/>
+            </a:br>
+            <a:r>
+              <a:rPr lang="ru-RU" dirty="0"/>
+              <a:t>дальнейшей работы</a:t>
             </a:r>
           </a:p>
         </p:txBody>
@@ -16781,7 +16622,7 @@
           <p:cNvPr id="6" name="Текст 5">
             <a:extLst>
               <a:ext uri="{FF2B5EF4-FFF2-40B4-BE49-F238E27FC236}">
-                <a16:creationId xmlns:a16="http://schemas.microsoft.com/office/drawing/2014/main" xmlns="" id="{5E7B9744-FF5D-DB4B-8DCD-FF4C0C57287E}"/>
+                <a16:creationId xmlns="" xmlns:a16="http://schemas.microsoft.com/office/drawing/2014/main" id="{5E7B9744-FF5D-DB4B-8DCD-FF4C0C57287E}"/>
               </a:ext>
             </a:extLst>
           </p:cNvPr>
@@ -16794,215 +16635,196 @@
         </p:nvSpPr>
         <p:spPr>
           <a:xfrm>
-            <a:off x="558466" y="2176272"/>
-            <a:ext cx="5403422" cy="4462272"/>
+            <a:off x="6081444" y="2240280"/>
+            <a:ext cx="5246074" cy="4169663"/>
           </a:xfrm>
         </p:spPr>
         <p:txBody>
           <a:bodyPr>
-            <a:noAutofit/>
+            <a:normAutofit/>
           </a:bodyPr>
           <a:lstStyle/>
           <a:p>
             <a:r>
+              <a:rPr lang="ru-RU" dirty="0" smtClean="0"/>
+              <a:t>В </a:t>
+            </a:r>
+            <a:r>
               <a:rPr lang="ru-RU" dirty="0"/>
-              <a:t>[1] ГОСТ 19.101-77. Единая система программной документации. Термины и определения: утвержден и введен в действие Постановлением Государственного комитета стандартов Совета Министров СССР от 20 мая 1977 г. № 1268 срок введения: с 01.01.1980 г. – URL: https://www.swrit.ru/doc/espd/19.001-77.pdf (дата обращения: 27.01.2023). – Текст: электронный. [2] ГОСТ 19.102-77. Единая система программной документации. Термины и определения: утвержден и введен в действие Постановлением Государственного комитета стандартов Совета Министров СССР от 20 мая 1977 г. № 1268 срок введения: с 01.01.1980 г. – URL: https://www.swrit.ru/doc/espd/19.102-77.pdf (дата обращения: 27.01.2023). – Текст: электронный. [3] 19.103-77. Единая система программной документации. Термины и определения: утвержден и введен в действие Постановлением Государственного комитета стандартов Совета Министров СССР от 20 мая 1977 г. № 1268 срок введения: с 01.01.1980 г. – URL: https://www.swrit.ru/doc/espd/19.103-77.pdf (дата обращения: 27.01.2023). – Текст: электронный. </a:t>
+              <a:t>краткосрочной перспективе могут быть </a:t>
+            </a:r>
+            <a:r>
+              <a:rPr lang="ru-RU" dirty="0" smtClean="0"/>
+              <a:t>добавлены:</a:t>
+            </a:r>
+          </a:p>
+          <a:p>
+            <a:pPr marL="285750" indent="-285750">
+              <a:buFont typeface="Arial" panose="020B0604020202020204" pitchFamily="34" charset="0"/>
+              <a:buChar char="•"/>
+            </a:pPr>
+            <a:r>
+              <a:rPr lang="ru-RU" dirty="0" smtClean="0"/>
+              <a:t>Статистика</a:t>
+            </a:r>
+            <a:r>
+              <a:rPr lang="ru-RU" dirty="0"/>
+              <a:t>, позволяющая пользователю отслеживать свои результаты;  </a:t>
+            </a:r>
+            <a:endParaRPr lang="ru-RU" dirty="0" smtClean="0"/>
+          </a:p>
+          <a:p>
+            <a:pPr marL="285750" indent="-285750">
+              <a:buFont typeface="Arial" panose="020B0604020202020204" pitchFamily="34" charset="0"/>
+              <a:buChar char="•"/>
+            </a:pPr>
+            <a:r>
+              <a:rPr lang="ru-RU" dirty="0" smtClean="0"/>
+              <a:t>Возможность </a:t>
+            </a:r>
+            <a:r>
+              <a:rPr lang="ru-RU" dirty="0"/>
+              <a:t>делиться сохраненными числами с другими пользователями</a:t>
+            </a:r>
+            <a:r>
+              <a:rPr lang="ru-RU" dirty="0" smtClean="0"/>
+              <a:t>;</a:t>
+            </a:r>
+          </a:p>
+          <a:p>
+            <a:pPr marL="285750" indent="-285750">
+              <a:buFont typeface="Arial" panose="020B0604020202020204" pitchFamily="34" charset="0"/>
+              <a:buChar char="•"/>
+            </a:pPr>
+            <a:r>
+              <a:rPr lang="ru-RU" dirty="0" smtClean="0"/>
+              <a:t>Отслеживание </a:t>
+            </a:r>
+            <a:r>
+              <a:rPr lang="ru-RU" dirty="0"/>
+              <a:t>статистики друзей для создания соревновательного эффекта; </a:t>
+            </a:r>
+            <a:endParaRPr lang="ru-RU" dirty="0" smtClean="0"/>
+          </a:p>
+          <a:p>
+            <a:r>
+              <a:rPr lang="ru-RU" dirty="0" smtClean="0"/>
+              <a:t>В </a:t>
+            </a:r>
+            <a:r>
+              <a:rPr lang="ru-RU" dirty="0"/>
+              <a:t>долгосрочной перспективе могут быть добавлены: </a:t>
+            </a:r>
+            <a:r>
+              <a:rPr lang="ru-RU" dirty="0" smtClean="0"/>
+              <a:t></a:t>
+            </a:r>
+          </a:p>
+          <a:p>
+            <a:pPr marL="285750" indent="-285750">
+              <a:buFont typeface="Arial" panose="020B0604020202020204" pitchFamily="34" charset="0"/>
+              <a:buChar char="•"/>
+            </a:pPr>
+            <a:r>
+              <a:rPr lang="ru-RU" dirty="0" smtClean="0"/>
+              <a:t>Поддержка </a:t>
+            </a:r>
+            <a:r>
+              <a:rPr lang="ru-RU" dirty="0"/>
+              <a:t>других языков, кроме русского и английского; </a:t>
+            </a:r>
+            <a:r>
+              <a:rPr lang="ru-RU" dirty="0" smtClean="0"/>
+              <a:t></a:t>
+            </a:r>
+          </a:p>
+          <a:p>
+            <a:pPr marL="285750" indent="-285750">
+              <a:buFont typeface="Arial" panose="020B0604020202020204" pitchFamily="34" charset="0"/>
+              <a:buChar char="•"/>
+            </a:pPr>
+            <a:r>
+              <a:rPr lang="ru-RU" dirty="0" smtClean="0"/>
+              <a:t>Другие </a:t>
+            </a:r>
+            <a:r>
+              <a:rPr lang="ru-RU" dirty="0"/>
+              <a:t>мнемонические системы, например, система </a:t>
+            </a:r>
+            <a:r>
+              <a:rPr lang="ru-RU" dirty="0" err="1"/>
+              <a:t>Катапаяди</a:t>
+            </a:r>
+            <a:r>
+              <a:rPr lang="ru-RU" dirty="0"/>
+              <a:t>; </a:t>
+            </a:r>
+            <a:r>
+              <a:rPr lang="ru-RU" dirty="0" smtClean="0"/>
+              <a:t></a:t>
+            </a:r>
+          </a:p>
+          <a:p>
+            <a:pPr marL="285750" indent="-285750">
+              <a:buFont typeface="Arial" panose="020B0604020202020204" pitchFamily="34" charset="0"/>
+              <a:buChar char="•"/>
+            </a:pPr>
+            <a:r>
+              <a:rPr lang="ru-RU" dirty="0" smtClean="0"/>
+              <a:t>Способы </a:t>
+            </a:r>
+            <a:r>
+              <a:rPr lang="ru-RU" dirty="0"/>
+              <a:t>тренировки памяти для её улучшения.</a:t>
             </a:r>
           </a:p>
         </p:txBody>
       </p:sp>
-      <p:sp>
-        <p:nvSpPr>
-          <p:cNvPr id="7" name="Текст 5">
-            <a:extLst>
-              <a:ext uri="{FF2B5EF4-FFF2-40B4-BE49-F238E27FC236}">
-                <a16:creationId xmlns:a16="http://schemas.microsoft.com/office/drawing/2014/main" xmlns="" id="{5E7B9744-FF5D-DB4B-8DCD-FF4C0C57287E}"/>
-              </a:ext>
-            </a:extLst>
-          </p:cNvPr>
-          <p:cNvSpPr>
-            <a:spLocks noGrp="1"/>
-          </p:cNvSpPr>
-          <p:nvPr>
-            <p:ph type="body" sz="quarter" idx="12"/>
-          </p:nvPr>
-        </p:nvSpPr>
-        <p:spPr>
+      <p:pic>
+        <p:nvPicPr>
+          <p:cNvPr id="4098" name="Picture 2" descr="https://upload.wikimedia.org/wikipedia/commons/thumb/f/f8/Katapayadi-eng.svg/1200px-Katapayadi-eng.svg.png"/>
+          <p:cNvPicPr>
+            <a:picLocks noChangeAspect="1" noChangeArrowheads="1"/>
+          </p:cNvPicPr>
+          <p:nvPr/>
+        </p:nvPicPr>
+        <p:blipFill>
+          <a:blip r:embed="rId3">
+            <a:extLst>
+              <a:ext uri="{28A0092B-C50C-407E-A947-70E740481C1C}">
+                <a14:useLocalDpi xmlns:a14="http://schemas.microsoft.com/office/drawing/2010/main" val="0"/>
+              </a:ext>
+            </a:extLst>
+          </a:blip>
+          <a:srcRect/>
+          <a:stretch>
+            <a:fillRect/>
+          </a:stretch>
+        </p:blipFill>
+        <p:spPr bwMode="auto">
           <a:xfrm>
-            <a:off x="5961888" y="1331956"/>
-            <a:ext cx="5403422" cy="5407172"/>
+            <a:off x="704089" y="2151663"/>
+            <a:ext cx="4919472" cy="3074670"/>
           </a:xfrm>
+          <a:prstGeom prst="rect">
+            <a:avLst/>
+          </a:prstGeom>
+          <a:noFill/>
+          <a:extLst>
+            <a:ext uri="{909E8E84-426E-40DD-AFC4-6F175D3DCCD1}">
+              <a14:hiddenFill xmlns:a14="http://schemas.microsoft.com/office/drawing/2010/main">
+                <a:solidFill>
+                  <a:srgbClr val="FFFFFF"/>
+                </a:solidFill>
+              </a14:hiddenFill>
+            </a:ext>
+          </a:extLst>
         </p:spPr>
-        <p:txBody>
-          <a:bodyPr>
-            <a:normAutofit lnSpcReduction="10000"/>
-          </a:bodyPr>
-          <a:lstStyle/>
-          <a:p>
-            <a:r>
-              <a:rPr lang="ru-RU" dirty="0"/>
-              <a:t>[10] Учебный офис ФКН ПИ (2023) СПРАВОЧНИК УЧЕБНОГО ПРОЦЕССА НИУ ВШЭ. Курсовая работа // Сайт </a:t>
-            </a:r>
-            <a:r>
-              <a:rPr lang="en-US" dirty="0"/>
-              <a:t>hse.ru (https://www.hse.ru/studyspravka/kursovrab/) </a:t>
-            </a:r>
-            <a:r>
-              <a:rPr lang="ru-RU" dirty="0"/>
-              <a:t>Просмотрено: 31.03.2023. [11] Пак Татьяна Альбертовна (2023) Бакалаврская программа «Программная инженерия» // Сайт </a:t>
-            </a:r>
-            <a:r>
-              <a:rPr lang="en-US" dirty="0"/>
-              <a:t>hse.ru (https://www.hse.ru/ba/se/passport) </a:t>
-            </a:r>
-            <a:r>
-              <a:rPr lang="ru-RU" dirty="0"/>
-              <a:t>Просмотрено: 31.03.2023. [12] </a:t>
-            </a:r>
-            <a:r>
-              <a:rPr lang="en-US" dirty="0" err="1"/>
-              <a:t>AndroidDev</a:t>
-            </a:r>
-            <a:r>
-              <a:rPr lang="en-US" dirty="0"/>
-              <a:t> (2022) Meet Android Studio // </a:t>
-            </a:r>
-            <a:r>
-              <a:rPr lang="ru-RU" dirty="0"/>
-              <a:t>Сайт </a:t>
-            </a:r>
-            <a:r>
-              <a:rPr lang="en-US" dirty="0"/>
-              <a:t>developer.android.com (https://developer.android.com/studio/intro) </a:t>
-            </a:r>
-            <a:r>
-              <a:rPr lang="ru-RU" dirty="0"/>
-              <a:t>Просмотрено: 31.03.2023. [13] студенты ИТМО (4 сентября 2022) Бор // Сайт </a:t>
-            </a:r>
-            <a:r>
-              <a:rPr lang="en-US" dirty="0"/>
-              <a:t>neerc.ifmo.ru (https://neerc.ifmo.ru/wiki/index.php?title=%D0%91%D0</a:t>
-            </a:r>
-            <a:r>
-              <a:rPr lang="ru-RU" dirty="0"/>
-              <a:t>Просмотрено: 31.03.2023</a:t>
-            </a:r>
-            <a:r>
-              <a:rPr lang="ru-RU" dirty="0" smtClean="0"/>
-              <a:t>.</a:t>
-            </a:r>
-            <a:br>
-              <a:rPr lang="ru-RU" dirty="0" smtClean="0"/>
-            </a:br>
-            <a:r>
-              <a:rPr lang="ru-RU" dirty="0" smtClean="0"/>
-              <a:t>[</a:t>
-            </a:r>
-            <a:r>
-              <a:rPr lang="ru-RU" dirty="0"/>
-              <a:t>14] Посольство Российской Федерации в Кыргызстане (13 сентября 13) Самые длинные слова в русском языке // Сайт </a:t>
-            </a:r>
-            <a:r>
-              <a:rPr lang="en-US" dirty="0"/>
-              <a:t>rusinkg.ru (http://www.rusinkg.ru/russkij-yazyk/article/43-velikij-i-moguchij/194-samyedlinnye-slova-russkogo-yazyka) </a:t>
-            </a:r>
-            <a:r>
-              <a:rPr lang="ru-RU" dirty="0"/>
-              <a:t>Просмотрено: 31.03.2023. [15] </a:t>
-            </a:r>
-            <a:r>
-              <a:rPr lang="en-US" dirty="0"/>
-              <a:t>Jonathan </a:t>
-            </a:r>
-            <a:r>
-              <a:rPr lang="en-US" dirty="0" err="1"/>
-              <a:t>Str¨obele</a:t>
-            </a:r>
-            <a:r>
-              <a:rPr lang="en-US" dirty="0"/>
-              <a:t> (2013) Major System database // </a:t>
-            </a:r>
-            <a:r>
-              <a:rPr lang="ru-RU" dirty="0"/>
-              <a:t>Сайт </a:t>
-            </a:r>
-            <a:r>
-              <a:rPr lang="en-US" dirty="0"/>
-              <a:t>major-system.info (https://major-system.info/en/) </a:t>
-            </a:r>
-            <a:r>
-              <a:rPr lang="ru-RU" dirty="0"/>
-              <a:t>Просмотрено: 07.04.2023. </a:t>
-            </a:r>
-            <a:r>
-              <a:rPr lang="ru-RU" dirty="0" smtClean="0"/>
-              <a:t/>
-            </a:r>
-            <a:br>
-              <a:rPr lang="ru-RU" dirty="0" smtClean="0"/>
-            </a:br>
-            <a:r>
-              <a:rPr lang="ru-RU" dirty="0" smtClean="0"/>
-              <a:t>[</a:t>
-            </a:r>
-            <a:r>
-              <a:rPr lang="ru-RU" dirty="0"/>
-              <a:t>16] </a:t>
-            </a:r>
-            <a:r>
-              <a:rPr lang="en-US" dirty="0"/>
-              <a:t>Hale-Evans, Ron (2006) Mind performance hacks // </a:t>
-            </a:r>
-            <a:r>
-              <a:rPr lang="ru-RU" dirty="0"/>
-              <a:t>Сайт </a:t>
-            </a:r>
-            <a:r>
-              <a:rPr lang="en-US" dirty="0"/>
-              <a:t>archive.org (https://archive.org/details/mindperformanceh00hale/page/14/mode/2up) </a:t>
-            </a:r>
-            <a:r>
-              <a:rPr lang="ru-RU" dirty="0"/>
-              <a:t>Просмотрено: 07.04.2023. </a:t>
-            </a:r>
-            <a:r>
-              <a:rPr lang="ru-RU" dirty="0" smtClean="0"/>
-              <a:t/>
-            </a:r>
-            <a:br>
-              <a:rPr lang="ru-RU" dirty="0" smtClean="0"/>
-            </a:br>
-            <a:r>
-              <a:rPr lang="ru-RU" dirty="0" smtClean="0"/>
-              <a:t>[</a:t>
-            </a:r>
-            <a:r>
-              <a:rPr lang="ru-RU" dirty="0"/>
-              <a:t>17] </a:t>
-            </a:r>
-            <a:r>
-              <a:rPr lang="en-US" dirty="0"/>
-              <a:t>Hale-Evans, Ron (2006) Mind performance hacks // </a:t>
-            </a:r>
-            <a:r>
-              <a:rPr lang="ru-RU" dirty="0"/>
-              <a:t>Сайт </a:t>
-            </a:r>
-            <a:r>
-              <a:rPr lang="en-US" dirty="0"/>
-              <a:t>archive.org (https://archive.org/details/mindperformanceh00hale/page/22/mode/2up) </a:t>
-            </a:r>
-            <a:r>
-              <a:rPr lang="ru-RU" dirty="0"/>
-              <a:t>Просмотрено: 07.04.2023.</a:t>
-            </a:r>
-          </a:p>
-        </p:txBody>
-      </p:sp>
+      </p:pic>
     </p:spTree>
     <p:extLst>
       <p:ext uri="{BB962C8B-B14F-4D97-AF65-F5344CB8AC3E}">
-        <p14:creationId xmlns:p14="http://schemas.microsoft.com/office/powerpoint/2010/main" val="1944420304"/>
+        <p14:creationId xmlns:p14="http://schemas.microsoft.com/office/powerpoint/2010/main" val="2133197653"/>
       </p:ext>
     </p:extLst>
   </p:cSld>
@@ -17031,10 +16853,416 @@
       </p:grpSpPr>
       <p:sp>
         <p:nvSpPr>
+          <p:cNvPr id="2" name="Текст 1">
+            <a:extLst>
+              <a:ext uri="{FF2B5EF4-FFF2-40B4-BE49-F238E27FC236}">
+                <a16:creationId xmlns="" xmlns:a16="http://schemas.microsoft.com/office/drawing/2014/main" id="{2FFBD88B-BF2A-8F44-B648-677BB7D9750D}"/>
+              </a:ext>
+            </a:extLst>
+          </p:cNvPr>
+          <p:cNvSpPr>
+            <a:spLocks noGrp="1"/>
+          </p:cNvSpPr>
+          <p:nvPr>
+            <p:ph type="body" sz="quarter" idx="13"/>
+          </p:nvPr>
+        </p:nvSpPr>
+        <p:spPr/>
+        <p:txBody>
+          <a:bodyPr/>
+          <a:lstStyle/>
+          <a:p>
+            <a:r>
+              <a:rPr lang="ru-RU" dirty="0"/>
+              <a:t>НИУ ВШЭ</a:t>
+            </a:r>
+          </a:p>
+          <a:p>
+            <a:r>
+              <a:rPr lang="ru-RU" dirty="0"/>
+              <a:t>ФКН ПИ</a:t>
+            </a:r>
+          </a:p>
+          <a:p>
+            <a:endParaRPr lang="ru-RU" dirty="0"/>
+          </a:p>
+        </p:txBody>
+      </p:sp>
+      <p:sp>
+        <p:nvSpPr>
+          <p:cNvPr id="3" name="Текст 2">
+            <a:extLst>
+              <a:ext uri="{FF2B5EF4-FFF2-40B4-BE49-F238E27FC236}">
+                <a16:creationId xmlns="" xmlns:a16="http://schemas.microsoft.com/office/drawing/2014/main" id="{BD6DFA47-ACB8-5246-AC9C-19D438CF658E}"/>
+              </a:ext>
+            </a:extLst>
+          </p:cNvPr>
+          <p:cNvSpPr>
+            <a:spLocks noGrp="1"/>
+          </p:cNvSpPr>
+          <p:nvPr>
+            <p:ph type="body" sz="quarter" idx="14"/>
+          </p:nvPr>
+        </p:nvSpPr>
+        <p:spPr/>
+        <p:txBody>
+          <a:bodyPr/>
+          <a:lstStyle/>
+          <a:p>
+            <a:r>
+              <a:rPr lang="en-US" dirty="0"/>
+              <a:t>Mnemonic </a:t>
+            </a:r>
+            <a:endParaRPr lang="ru-RU" dirty="0"/>
+          </a:p>
+          <a:p>
+            <a:r>
+              <a:rPr lang="en-US" dirty="0"/>
+              <a:t>systems app</a:t>
+            </a:r>
+            <a:endParaRPr lang="ru-RU" dirty="0"/>
+          </a:p>
+          <a:p>
+            <a:endParaRPr lang="ru-RU" dirty="0"/>
+          </a:p>
+          <a:p>
+            <a:endParaRPr lang="ru-RU" dirty="0"/>
+          </a:p>
+          <a:p>
+            <a:endParaRPr lang="ru-RU" dirty="0"/>
+          </a:p>
+          <a:p>
+            <a:endParaRPr lang="ru-RU" dirty="0"/>
+          </a:p>
+        </p:txBody>
+      </p:sp>
+      <p:sp>
+        <p:nvSpPr>
+          <p:cNvPr id="4" name="Текст 3">
+            <a:extLst>
+              <a:ext uri="{FF2B5EF4-FFF2-40B4-BE49-F238E27FC236}">
+                <a16:creationId xmlns="" xmlns:a16="http://schemas.microsoft.com/office/drawing/2014/main" id="{49A5DD86-C5F3-5843-B60F-AC26E1B16228}"/>
+              </a:ext>
+            </a:extLst>
+          </p:cNvPr>
+          <p:cNvSpPr>
+            <a:spLocks noGrp="1"/>
+          </p:cNvSpPr>
+          <p:nvPr>
+            <p:ph type="body" sz="quarter" idx="15"/>
+          </p:nvPr>
+        </p:nvSpPr>
+        <p:spPr/>
+        <p:txBody>
+          <a:bodyPr/>
+          <a:lstStyle/>
+          <a:p>
+            <a:pPr lvl="0"/>
+            <a:r>
+              <a:rPr lang="ru-RU" dirty="0"/>
+              <a:t>Список использованных источников</a:t>
+            </a:r>
+            <a:endParaRPr lang="ru-RU" dirty="0">
+              <a:effectLst/>
+            </a:endParaRPr>
+          </a:p>
+        </p:txBody>
+      </p:sp>
+      <p:sp>
+        <p:nvSpPr>
+          <p:cNvPr id="5" name="Заголовок 4">
+            <a:extLst>
+              <a:ext uri="{FF2B5EF4-FFF2-40B4-BE49-F238E27FC236}">
+                <a16:creationId xmlns="" xmlns:a16="http://schemas.microsoft.com/office/drawing/2014/main" id="{D060AA73-8574-054A-B94B-1EAA5FAB0470}"/>
+              </a:ext>
+            </a:extLst>
+          </p:cNvPr>
+          <p:cNvSpPr>
+            <a:spLocks noGrp="1"/>
+          </p:cNvSpPr>
+          <p:nvPr>
+            <p:ph type="title"/>
+          </p:nvPr>
+        </p:nvSpPr>
+        <p:spPr>
+          <a:xfrm>
+            <a:off x="558467" y="1331956"/>
+            <a:ext cx="4322530" cy="777025"/>
+          </a:xfrm>
+        </p:spPr>
+        <p:txBody>
+          <a:bodyPr>
+            <a:normAutofit/>
+          </a:bodyPr>
+          <a:lstStyle/>
+          <a:p>
+            <a:pPr lvl="0"/>
+            <a:r>
+              <a:rPr lang="ru-RU" dirty="0"/>
+              <a:t>Список использованных источников</a:t>
+            </a:r>
+          </a:p>
+        </p:txBody>
+      </p:sp>
+      <p:sp>
+        <p:nvSpPr>
+          <p:cNvPr id="6" name="Текст 5">
+            <a:extLst>
+              <a:ext uri="{FF2B5EF4-FFF2-40B4-BE49-F238E27FC236}">
+                <a16:creationId xmlns="" xmlns:a16="http://schemas.microsoft.com/office/drawing/2014/main" id="{5E7B9744-FF5D-DB4B-8DCD-FF4C0C57287E}"/>
+              </a:ext>
+            </a:extLst>
+          </p:cNvPr>
+          <p:cNvSpPr>
+            <a:spLocks noGrp="1"/>
+          </p:cNvSpPr>
+          <p:nvPr>
+            <p:ph type="body" sz="quarter" idx="12"/>
+          </p:nvPr>
+        </p:nvSpPr>
+        <p:spPr>
+          <a:xfrm>
+            <a:off x="558466" y="2176272"/>
+            <a:ext cx="5403422" cy="4462272"/>
+          </a:xfrm>
+        </p:spPr>
+        <p:txBody>
+          <a:bodyPr>
+            <a:noAutofit/>
+          </a:bodyPr>
+          <a:lstStyle/>
+          <a:p>
+            <a:r>
+              <a:rPr lang="ru-RU" dirty="0"/>
+              <a:t>[1] ГОСТ 19.101-77. Единая система программной документации. Термины и определения: утвержден и введен в действие Постановлением Государственного комитета стандартов Совета Министров СССР от 20 мая 1977 г. № 1268 срок введения: с 01.01.1980 г. – URL: https://www.swrit.ru/doc/espd/19.001-77.pdf (дата обращения: 27.01.2023). – Текст: электронный. [2] ГОСТ 19.102-77. Единая система программной документации. Термины и определения: утвержден и введен в действие Постановлением Государственного комитета стандартов Совета Министров СССР от 20 мая 1977 г. № 1268 срок введения: с 01.01.1980 г. – URL: https://www.swrit.ru/doc/espd/19.102-77.pdf (дата обращения: 27.01.2023). – Текст: электронный. [3] 19.103-77. Единая система программной документации. Термины и определения: утвержден и введен в действие Постановлением Государственного комитета стандартов Совета Министров СССР от 20 мая 1977 г. № 1268 срок введения: с 01.01.1980 г. – URL: https://www.swrit.ru/doc/espd/19.103-77.pdf (дата обращения: 27.01.2023). – Текст: электронный. </a:t>
+            </a:r>
+          </a:p>
+        </p:txBody>
+      </p:sp>
+      <p:sp>
+        <p:nvSpPr>
+          <p:cNvPr id="7" name="Текст 5">
+            <a:extLst>
+              <a:ext uri="{FF2B5EF4-FFF2-40B4-BE49-F238E27FC236}">
+                <a16:creationId xmlns="" xmlns:a16="http://schemas.microsoft.com/office/drawing/2014/main" id="{5E7B9744-FF5D-DB4B-8DCD-FF4C0C57287E}"/>
+              </a:ext>
+            </a:extLst>
+          </p:cNvPr>
+          <p:cNvSpPr>
+            <a:spLocks noGrp="1"/>
+          </p:cNvSpPr>
+          <p:nvPr>
+            <p:ph type="body" sz="quarter" idx="12"/>
+          </p:nvPr>
+        </p:nvSpPr>
+        <p:spPr>
+          <a:xfrm>
+            <a:off x="5961888" y="1331956"/>
+            <a:ext cx="5403422" cy="5407172"/>
+          </a:xfrm>
+        </p:spPr>
+        <p:txBody>
+          <a:bodyPr>
+            <a:normAutofit lnSpcReduction="10000"/>
+          </a:bodyPr>
+          <a:lstStyle/>
+          <a:p>
+            <a:r>
+              <a:rPr lang="ru-RU" dirty="0"/>
+              <a:t>[10] Учебный офис ФКН ПИ (2023) СПРАВОЧНИК УЧЕБНОГО ПРОЦЕССА НИУ ВШЭ. Курсовая работа // Сайт </a:t>
+            </a:r>
+            <a:r>
+              <a:rPr lang="en-US" dirty="0"/>
+              <a:t>hse.ru (https://www.hse.ru/studyspravka/kursovrab/) </a:t>
+            </a:r>
+            <a:r>
+              <a:rPr lang="ru-RU" dirty="0"/>
+              <a:t>Просмотрено: 31.03.2023. [11] Пак Татьяна Альбертовна (2023) Бакалаврская программа «Программная инженерия» // Сайт </a:t>
+            </a:r>
+            <a:r>
+              <a:rPr lang="en-US" dirty="0"/>
+              <a:t>hse.ru (https://www.hse.ru/ba/se/passport) </a:t>
+            </a:r>
+            <a:r>
+              <a:rPr lang="ru-RU" dirty="0"/>
+              <a:t>Просмотрено: 31.03.2023. [12] </a:t>
+            </a:r>
+            <a:r>
+              <a:rPr lang="en-US" dirty="0" err="1"/>
+              <a:t>AndroidDev</a:t>
+            </a:r>
+            <a:r>
+              <a:rPr lang="en-US" dirty="0"/>
+              <a:t> (2022) Meet Android Studio // </a:t>
+            </a:r>
+            <a:r>
+              <a:rPr lang="ru-RU" dirty="0"/>
+              <a:t>Сайт </a:t>
+            </a:r>
+            <a:r>
+              <a:rPr lang="en-US" dirty="0"/>
+              <a:t>developer.android.com (https://developer.android.com/studio/intro) </a:t>
+            </a:r>
+            <a:r>
+              <a:rPr lang="ru-RU" dirty="0"/>
+              <a:t>Просмотрено: 31.03.2023. [13] студенты ИТМО (4 сентября 2022) Бор // Сайт </a:t>
+            </a:r>
+            <a:r>
+              <a:rPr lang="en-US" dirty="0"/>
+              <a:t>neerc.ifmo.ru (https://neerc.ifmo.ru/wiki/index.php?title=%D0%91%D0</a:t>
+            </a:r>
+            <a:r>
+              <a:rPr lang="ru-RU" dirty="0"/>
+              <a:t>Просмотрено: 31.03.2023</a:t>
+            </a:r>
+            <a:r>
+              <a:rPr lang="ru-RU" dirty="0" smtClean="0"/>
+              <a:t>.</a:t>
+            </a:r>
+            <a:br>
+              <a:rPr lang="ru-RU" dirty="0" smtClean="0"/>
+            </a:br>
+            <a:r>
+              <a:rPr lang="ru-RU" dirty="0" smtClean="0"/>
+              <a:t>[</a:t>
+            </a:r>
+            <a:r>
+              <a:rPr lang="ru-RU" dirty="0"/>
+              <a:t>14] Посольство Российской Федерации в Кыргызстане (13 сентября 13) Самые длинные слова в русском языке // Сайт </a:t>
+            </a:r>
+            <a:r>
+              <a:rPr lang="en-US" dirty="0"/>
+              <a:t>rusinkg.ru (http://www.rusinkg.ru/russkij-yazyk/article/43-velikij-i-moguchij/194-samyedlinnye-slova-russkogo-yazyka) </a:t>
+            </a:r>
+            <a:r>
+              <a:rPr lang="ru-RU" dirty="0"/>
+              <a:t>Просмотрено: 31.03.2023. [15] </a:t>
+            </a:r>
+            <a:r>
+              <a:rPr lang="en-US" dirty="0"/>
+              <a:t>Jonathan </a:t>
+            </a:r>
+            <a:r>
+              <a:rPr lang="en-US" dirty="0" err="1"/>
+              <a:t>Str¨obele</a:t>
+            </a:r>
+            <a:r>
+              <a:rPr lang="en-US" dirty="0"/>
+              <a:t> (2013) Major System database // </a:t>
+            </a:r>
+            <a:r>
+              <a:rPr lang="ru-RU" dirty="0"/>
+              <a:t>Сайт </a:t>
+            </a:r>
+            <a:r>
+              <a:rPr lang="en-US" dirty="0"/>
+              <a:t>major-system.info (https://major-system.info/en/) </a:t>
+            </a:r>
+            <a:r>
+              <a:rPr lang="ru-RU" dirty="0"/>
+              <a:t>Просмотрено: 07.04.2023. </a:t>
+            </a:r>
+            <a:r>
+              <a:rPr lang="ru-RU" dirty="0" smtClean="0"/>
+              <a:t/>
+            </a:r>
+            <a:br>
+              <a:rPr lang="ru-RU" dirty="0" smtClean="0"/>
+            </a:br>
+            <a:r>
+              <a:rPr lang="ru-RU" dirty="0" smtClean="0"/>
+              <a:t>[</a:t>
+            </a:r>
+            <a:r>
+              <a:rPr lang="ru-RU" dirty="0"/>
+              <a:t>16] </a:t>
+            </a:r>
+            <a:r>
+              <a:rPr lang="en-US" dirty="0"/>
+              <a:t>Hale-Evans, Ron (2006) Mind performance hacks // </a:t>
+            </a:r>
+            <a:r>
+              <a:rPr lang="ru-RU" dirty="0"/>
+              <a:t>Сайт </a:t>
+            </a:r>
+            <a:r>
+              <a:rPr lang="en-US" dirty="0"/>
+              <a:t>archive.org (https://archive.org/details/mindperformanceh00hale/page/14/mode/2up) </a:t>
+            </a:r>
+            <a:r>
+              <a:rPr lang="ru-RU" dirty="0"/>
+              <a:t>Просмотрено: 07.04.2023. </a:t>
+            </a:r>
+            <a:r>
+              <a:rPr lang="ru-RU" dirty="0" smtClean="0"/>
+              <a:t/>
+            </a:r>
+            <a:br>
+              <a:rPr lang="ru-RU" dirty="0" smtClean="0"/>
+            </a:br>
+            <a:r>
+              <a:rPr lang="ru-RU" dirty="0" smtClean="0"/>
+              <a:t>[</a:t>
+            </a:r>
+            <a:r>
+              <a:rPr lang="ru-RU" dirty="0"/>
+              <a:t>17] </a:t>
+            </a:r>
+            <a:r>
+              <a:rPr lang="en-US" dirty="0"/>
+              <a:t>Hale-Evans, Ron (2006) Mind performance hacks // </a:t>
+            </a:r>
+            <a:r>
+              <a:rPr lang="ru-RU" dirty="0"/>
+              <a:t>Сайт </a:t>
+            </a:r>
+            <a:r>
+              <a:rPr lang="en-US" dirty="0"/>
+              <a:t>archive.org (https://archive.org/details/mindperformanceh00hale/page/22/mode/2up) </a:t>
+            </a:r>
+            <a:r>
+              <a:rPr lang="ru-RU" dirty="0"/>
+              <a:t>Просмотрено: 07.04.2023.</a:t>
+            </a:r>
+          </a:p>
+        </p:txBody>
+      </p:sp>
+    </p:spTree>
+    <p:extLst>
+      <p:ext uri="{BB962C8B-B14F-4D97-AF65-F5344CB8AC3E}">
+        <p14:creationId xmlns:p14="http://schemas.microsoft.com/office/powerpoint/2010/main" val="1944420304"/>
+      </p:ext>
+    </p:extLst>
+  </p:cSld>
+  <p:clrMapOvr>
+    <a:masterClrMapping/>
+  </p:clrMapOvr>
+</p:sld>
+</file>
+
+<file path=ppt/slides/slide16.xml><?xml version="1.0" encoding="utf-8"?>
+<p:sld xmlns:a="http://schemas.openxmlformats.org/drawingml/2006/main" xmlns:r="http://schemas.openxmlformats.org/officeDocument/2006/relationships" xmlns:p="http://schemas.openxmlformats.org/presentationml/2006/main">
+  <p:cSld>
+    <p:spTree>
+      <p:nvGrpSpPr>
+        <p:cNvPr id="1" name=""/>
+        <p:cNvGrpSpPr/>
+        <p:nvPr/>
+      </p:nvGrpSpPr>
+      <p:grpSpPr>
+        <a:xfrm>
+          <a:off x="0" y="0"/>
+          <a:ext cx="0" cy="0"/>
+          <a:chOff x="0" y="0"/>
+          <a:chExt cx="0" cy="0"/>
+        </a:xfrm>
+      </p:grpSpPr>
+      <p:sp>
+        <p:nvSpPr>
           <p:cNvPr id="3" name="Заголовок 4">
             <a:extLst>
               <a:ext uri="{FF2B5EF4-FFF2-40B4-BE49-F238E27FC236}">
-                <a16:creationId xmlns:a16="http://schemas.microsoft.com/office/drawing/2014/main" xmlns="" id="{D060AA73-8574-054A-B94B-1EAA5FAB0470}"/>
+                <a16:creationId xmlns="" xmlns:a16="http://schemas.microsoft.com/office/drawing/2014/main" id="{D060AA73-8574-054A-B94B-1EAA5FAB0470}"/>
               </a:ext>
             </a:extLst>
           </p:cNvPr>
@@ -17127,7 +17355,7 @@
           <p:cNvPr id="3" name="Заголовок 2">
             <a:extLst>
               <a:ext uri="{FF2B5EF4-FFF2-40B4-BE49-F238E27FC236}">
-                <a16:creationId xmlns:a16="http://schemas.microsoft.com/office/drawing/2014/main" xmlns="" id="{E2EAF03B-EC26-1D47-94AC-C75942861D6C}"/>
+                <a16:creationId xmlns="" xmlns:a16="http://schemas.microsoft.com/office/drawing/2014/main" id="{E2EAF03B-EC26-1D47-94AC-C75942861D6C}"/>
               </a:ext>
             </a:extLst>
           </p:cNvPr>
@@ -17156,7 +17384,7 @@
           <p:cNvPr id="4" name="Текст 3">
             <a:extLst>
               <a:ext uri="{FF2B5EF4-FFF2-40B4-BE49-F238E27FC236}">
-                <a16:creationId xmlns:a16="http://schemas.microsoft.com/office/drawing/2014/main" xmlns="" id="{53356540-7218-FF4B-B6BC-5BD291A372E2}"/>
+                <a16:creationId xmlns="" xmlns:a16="http://schemas.microsoft.com/office/drawing/2014/main" id="{53356540-7218-FF4B-B6BC-5BD291A372E2}"/>
               </a:ext>
             </a:extLst>
           </p:cNvPr>
@@ -17191,7 +17419,7 @@
           <p:cNvPr id="5" name="Текст 4">
             <a:extLst>
               <a:ext uri="{FF2B5EF4-FFF2-40B4-BE49-F238E27FC236}">
-                <a16:creationId xmlns:a16="http://schemas.microsoft.com/office/drawing/2014/main" xmlns="" id="{3EB29DC1-D5D4-FB41-9E2D-AA4750D0CC8B}"/>
+                <a16:creationId xmlns="" xmlns:a16="http://schemas.microsoft.com/office/drawing/2014/main" id="{3EB29DC1-D5D4-FB41-9E2D-AA4750D0CC8B}"/>
               </a:ext>
             </a:extLst>
           </p:cNvPr>
@@ -17227,7 +17455,7 @@
           <p:cNvPr id="6" name="Текст 5">
             <a:extLst>
               <a:ext uri="{FF2B5EF4-FFF2-40B4-BE49-F238E27FC236}">
-                <a16:creationId xmlns:a16="http://schemas.microsoft.com/office/drawing/2014/main" xmlns="" id="{B5B6DD1A-BEFA-D842-9B7A-78D7BD1A5259}"/>
+                <a16:creationId xmlns="" xmlns:a16="http://schemas.microsoft.com/office/drawing/2014/main" id="{B5B6DD1A-BEFA-D842-9B7A-78D7BD1A5259}"/>
               </a:ext>
             </a:extLst>
           </p:cNvPr>
@@ -17263,7 +17491,7 @@
           <p:cNvPr id="7" name="Текст 6">
             <a:extLst>
               <a:ext uri="{FF2B5EF4-FFF2-40B4-BE49-F238E27FC236}">
-                <a16:creationId xmlns:a16="http://schemas.microsoft.com/office/drawing/2014/main" xmlns="" id="{88968744-3B75-9B47-92FD-77E1E725F232}"/>
+                <a16:creationId xmlns="" xmlns:a16="http://schemas.microsoft.com/office/drawing/2014/main" id="{88968744-3B75-9B47-92FD-77E1E725F232}"/>
               </a:ext>
             </a:extLst>
           </p:cNvPr>
@@ -17371,7 +17599,7 @@
           <p:cNvPr id="2" name="Текст 1">
             <a:extLst>
               <a:ext uri="{FF2B5EF4-FFF2-40B4-BE49-F238E27FC236}">
-                <a16:creationId xmlns:a16="http://schemas.microsoft.com/office/drawing/2014/main" xmlns="" id="{0648CF85-8F56-2C4F-8090-85FF4624B587}"/>
+                <a16:creationId xmlns="" xmlns:a16="http://schemas.microsoft.com/office/drawing/2014/main" id="{0648CF85-8F56-2C4F-8090-85FF4624B587}"/>
               </a:ext>
             </a:extLst>
           </p:cNvPr>
@@ -17407,7 +17635,7 @@
           <p:cNvPr id="3" name="Текст 2">
             <a:extLst>
               <a:ext uri="{FF2B5EF4-FFF2-40B4-BE49-F238E27FC236}">
-                <a16:creationId xmlns:a16="http://schemas.microsoft.com/office/drawing/2014/main" xmlns="" id="{5576F3CC-3C73-F441-AAE6-50AF712EACBF}"/>
+                <a16:creationId xmlns="" xmlns:a16="http://schemas.microsoft.com/office/drawing/2014/main" id="{5576F3CC-3C73-F441-AAE6-50AF712EACBF}"/>
               </a:ext>
             </a:extLst>
           </p:cNvPr>
@@ -17450,7 +17678,7 @@
           <p:cNvPr id="4" name="Заголовок 3">
             <a:extLst>
               <a:ext uri="{FF2B5EF4-FFF2-40B4-BE49-F238E27FC236}">
-                <a16:creationId xmlns:a16="http://schemas.microsoft.com/office/drawing/2014/main" xmlns="" id="{C7D49100-ECF5-A24F-9537-3BD16DFCCCC7}"/>
+                <a16:creationId xmlns="" xmlns:a16="http://schemas.microsoft.com/office/drawing/2014/main" id="{C7D49100-ECF5-A24F-9537-3BD16DFCCCC7}"/>
               </a:ext>
             </a:extLst>
           </p:cNvPr>
@@ -17492,7 +17720,7 @@
           <p:cNvPr id="5" name="Текст 4">
             <a:extLst>
               <a:ext uri="{FF2B5EF4-FFF2-40B4-BE49-F238E27FC236}">
-                <a16:creationId xmlns:a16="http://schemas.microsoft.com/office/drawing/2014/main" xmlns="" id="{9B7E5D6A-C1E4-8943-BE6A-9D9537FCC2D6}"/>
+                <a16:creationId xmlns="" xmlns:a16="http://schemas.microsoft.com/office/drawing/2014/main" id="{9B7E5D6A-C1E4-8943-BE6A-9D9537FCC2D6}"/>
               </a:ext>
             </a:extLst>
           </p:cNvPr>
@@ -17525,7 +17753,7 @@
           <p:cNvPr id="6" name="Текст 5">
             <a:extLst>
               <a:ext uri="{FF2B5EF4-FFF2-40B4-BE49-F238E27FC236}">
-                <a16:creationId xmlns:a16="http://schemas.microsoft.com/office/drawing/2014/main" xmlns="" id="{1F4B1D31-3576-0740-BA52-B317564F66BD}"/>
+                <a16:creationId xmlns="" xmlns:a16="http://schemas.microsoft.com/office/drawing/2014/main" id="{1F4B1D31-3576-0740-BA52-B317564F66BD}"/>
               </a:ext>
             </a:extLst>
           </p:cNvPr>
@@ -17660,7 +17888,7 @@
           <p:cNvPr id="2" name="Текст 1">
             <a:extLst>
               <a:ext uri="{FF2B5EF4-FFF2-40B4-BE49-F238E27FC236}">
-                <a16:creationId xmlns:a16="http://schemas.microsoft.com/office/drawing/2014/main" xmlns="" id="{DA33D5D5-13C7-8644-8CD8-A04CCCE73695}"/>
+                <a16:creationId xmlns="" xmlns:a16="http://schemas.microsoft.com/office/drawing/2014/main" id="{DA33D5D5-13C7-8644-8CD8-A04CCCE73695}"/>
               </a:ext>
             </a:extLst>
           </p:cNvPr>
@@ -17695,7 +17923,7 @@
           <p:cNvPr id="3" name="Текст 2">
             <a:extLst>
               <a:ext uri="{FF2B5EF4-FFF2-40B4-BE49-F238E27FC236}">
-                <a16:creationId xmlns:a16="http://schemas.microsoft.com/office/drawing/2014/main" xmlns="" id="{B68095CB-94DB-754D-A4ED-35EBDDB3F749}"/>
+                <a16:creationId xmlns="" xmlns:a16="http://schemas.microsoft.com/office/drawing/2014/main" id="{B68095CB-94DB-754D-A4ED-35EBDDB3F749}"/>
               </a:ext>
             </a:extLst>
           </p:cNvPr>
@@ -17731,7 +17959,7 @@
           <p:cNvPr id="4" name="Заголовок 3">
             <a:extLst>
               <a:ext uri="{FF2B5EF4-FFF2-40B4-BE49-F238E27FC236}">
-                <a16:creationId xmlns:a16="http://schemas.microsoft.com/office/drawing/2014/main" xmlns="" id="{DEBFC62C-9588-F544-918B-2104A12C933E}"/>
+                <a16:creationId xmlns="" xmlns:a16="http://schemas.microsoft.com/office/drawing/2014/main" id="{DEBFC62C-9588-F544-918B-2104A12C933E}"/>
               </a:ext>
             </a:extLst>
           </p:cNvPr>
@@ -17768,7 +17996,7 @@
           <p:cNvPr id="5" name="Текст 4">
             <a:extLst>
               <a:ext uri="{FF2B5EF4-FFF2-40B4-BE49-F238E27FC236}">
-                <a16:creationId xmlns:a16="http://schemas.microsoft.com/office/drawing/2014/main" xmlns="" id="{A6622317-DCC7-F945-8031-3E7F389B9870}"/>
+                <a16:creationId xmlns="" xmlns:a16="http://schemas.microsoft.com/office/drawing/2014/main" id="{A6622317-DCC7-F945-8031-3E7F389B9870}"/>
               </a:ext>
             </a:extLst>
           </p:cNvPr>
@@ -17840,7 +18068,7 @@
           <p:cNvPr id="7" name="Текст 6">
             <a:extLst>
               <a:ext uri="{FF2B5EF4-FFF2-40B4-BE49-F238E27FC236}">
-                <a16:creationId xmlns:a16="http://schemas.microsoft.com/office/drawing/2014/main" xmlns="" id="{B46BB51F-3F05-3C42-B510-D008849890AC}"/>
+                <a16:creationId xmlns="" xmlns:a16="http://schemas.microsoft.com/office/drawing/2014/main" id="{B46BB51F-3F05-3C42-B510-D008849890AC}"/>
               </a:ext>
             </a:extLst>
           </p:cNvPr>
@@ -17979,7 +18207,7 @@
           <p:cNvPr id="8" name="Текст 7">
             <a:extLst>
               <a:ext uri="{FF2B5EF4-FFF2-40B4-BE49-F238E27FC236}">
-                <a16:creationId xmlns:a16="http://schemas.microsoft.com/office/drawing/2014/main" xmlns="" id="{5FE4DD9E-D443-AF4F-A072-F5C4D494A05A}"/>
+                <a16:creationId xmlns="" xmlns:a16="http://schemas.microsoft.com/office/drawing/2014/main" id="{5FE4DD9E-D443-AF4F-A072-F5C4D494A05A}"/>
               </a:ext>
             </a:extLst>
           </p:cNvPr>
@@ -18048,7 +18276,7 @@
           <p:cNvPr id="2" name="Текст 1">
             <a:extLst>
               <a:ext uri="{FF2B5EF4-FFF2-40B4-BE49-F238E27FC236}">
-                <a16:creationId xmlns:a16="http://schemas.microsoft.com/office/drawing/2014/main" xmlns="" id="{7686AF3F-C863-864E-AFDC-D574F8060B43}"/>
+                <a16:creationId xmlns="" xmlns:a16="http://schemas.microsoft.com/office/drawing/2014/main" id="{7686AF3F-C863-864E-AFDC-D574F8060B43}"/>
               </a:ext>
             </a:extLst>
           </p:cNvPr>
@@ -18083,7 +18311,7 @@
           <p:cNvPr id="3" name="Текст 2">
             <a:extLst>
               <a:ext uri="{FF2B5EF4-FFF2-40B4-BE49-F238E27FC236}">
-                <a16:creationId xmlns:a16="http://schemas.microsoft.com/office/drawing/2014/main" xmlns="" id="{D3A1EC68-7619-8F49-AEC3-176ECF1F6A21}"/>
+                <a16:creationId xmlns="" xmlns:a16="http://schemas.microsoft.com/office/drawing/2014/main" id="{D3A1EC68-7619-8F49-AEC3-176ECF1F6A21}"/>
               </a:ext>
             </a:extLst>
           </p:cNvPr>
@@ -18126,7 +18354,7 @@
           <p:cNvPr id="4" name="Текст 3">
             <a:extLst>
               <a:ext uri="{FF2B5EF4-FFF2-40B4-BE49-F238E27FC236}">
-                <a16:creationId xmlns:a16="http://schemas.microsoft.com/office/drawing/2014/main" xmlns="" id="{D223B065-0902-0141-A245-63D5DCF436EE}"/>
+                <a16:creationId xmlns="" xmlns:a16="http://schemas.microsoft.com/office/drawing/2014/main" id="{D223B065-0902-0141-A245-63D5DCF436EE}"/>
               </a:ext>
             </a:extLst>
           </p:cNvPr>
@@ -18165,7 +18393,7 @@
           <p:cNvPr id="5" name="Заголовок 4">
             <a:extLst>
               <a:ext uri="{FF2B5EF4-FFF2-40B4-BE49-F238E27FC236}">
-                <a16:creationId xmlns:a16="http://schemas.microsoft.com/office/drawing/2014/main" xmlns="" id="{3872CBB7-AE1B-9D40-A298-6BDF023AFBD6}"/>
+                <a16:creationId xmlns="" xmlns:a16="http://schemas.microsoft.com/office/drawing/2014/main" id="{3872CBB7-AE1B-9D40-A298-6BDF023AFBD6}"/>
               </a:ext>
             </a:extLst>
           </p:cNvPr>
@@ -18199,7 +18427,7 @@
           <p:cNvPr id="6" name="Текст 5">
             <a:extLst>
               <a:ext uri="{FF2B5EF4-FFF2-40B4-BE49-F238E27FC236}">
-                <a16:creationId xmlns:a16="http://schemas.microsoft.com/office/drawing/2014/main" xmlns="" id="{87F297E4-9695-684A-A8A3-54FEC946000F}"/>
+                <a16:creationId xmlns="" xmlns:a16="http://schemas.microsoft.com/office/drawing/2014/main" id="{87F297E4-9695-684A-A8A3-54FEC946000F}"/>
               </a:ext>
             </a:extLst>
           </p:cNvPr>
@@ -18475,7 +18703,7 @@
           <p:cNvPr id="2" name="Текст 1">
             <a:extLst>
               <a:ext uri="{FF2B5EF4-FFF2-40B4-BE49-F238E27FC236}">
-                <a16:creationId xmlns:a16="http://schemas.microsoft.com/office/drawing/2014/main" xmlns="" id="{7686AF3F-C863-864E-AFDC-D574F8060B43}"/>
+                <a16:creationId xmlns="" xmlns:a16="http://schemas.microsoft.com/office/drawing/2014/main" id="{7686AF3F-C863-864E-AFDC-D574F8060B43}"/>
               </a:ext>
             </a:extLst>
           </p:cNvPr>
@@ -18510,7 +18738,7 @@
           <p:cNvPr id="3" name="Текст 2">
             <a:extLst>
               <a:ext uri="{FF2B5EF4-FFF2-40B4-BE49-F238E27FC236}">
-                <a16:creationId xmlns:a16="http://schemas.microsoft.com/office/drawing/2014/main" xmlns="" id="{D3A1EC68-7619-8F49-AEC3-176ECF1F6A21}"/>
+                <a16:creationId xmlns="" xmlns:a16="http://schemas.microsoft.com/office/drawing/2014/main" id="{D3A1EC68-7619-8F49-AEC3-176ECF1F6A21}"/>
               </a:ext>
             </a:extLst>
           </p:cNvPr>
@@ -18553,7 +18781,7 @@
           <p:cNvPr id="4" name="Текст 3">
             <a:extLst>
               <a:ext uri="{FF2B5EF4-FFF2-40B4-BE49-F238E27FC236}">
-                <a16:creationId xmlns:a16="http://schemas.microsoft.com/office/drawing/2014/main" xmlns="" id="{D223B065-0902-0141-A245-63D5DCF436EE}"/>
+                <a16:creationId xmlns="" xmlns:a16="http://schemas.microsoft.com/office/drawing/2014/main" id="{D223B065-0902-0141-A245-63D5DCF436EE}"/>
               </a:ext>
             </a:extLst>
           </p:cNvPr>
@@ -18570,18 +18798,15 @@
           <a:lstStyle/>
           <a:p>
             <a:r>
-              <a:rPr lang="ru-RU" dirty="0"/>
-              <a:t>Анализ </a:t>
-            </a:r>
-            <a:r>
               <a:rPr lang="ru-RU" dirty="0" smtClean="0"/>
-              <a:t>существующих</a:t>
-            </a:r>
+              <a:t>Сравнительный</a:t>
+            </a:r>
+            <a:endParaRPr lang="en-US" dirty="0" smtClean="0"/>
           </a:p>
           <a:p>
             <a:r>
               <a:rPr lang="ru-RU" dirty="0" smtClean="0"/>
-              <a:t>решений</a:t>
+              <a:t>анализ</a:t>
             </a:r>
             <a:endParaRPr lang="ru-RU" dirty="0"/>
           </a:p>
@@ -18686,7 +18911,7 @@
           <p:cNvPr id="2" name="Текст 1">
             <a:extLst>
               <a:ext uri="{FF2B5EF4-FFF2-40B4-BE49-F238E27FC236}">
-                <a16:creationId xmlns:a16="http://schemas.microsoft.com/office/drawing/2014/main" xmlns="" id="{ABE1F6DB-2C79-0F40-985F-DB8180BAFB92}"/>
+                <a16:creationId xmlns="" xmlns:a16="http://schemas.microsoft.com/office/drawing/2014/main" id="{ABE1F6DB-2C79-0F40-985F-DB8180BAFB92}"/>
               </a:ext>
             </a:extLst>
           </p:cNvPr>
@@ -18711,7 +18936,7 @@
           <p:cNvPr id="3" name="Текст 2">
             <a:extLst>
               <a:ext uri="{FF2B5EF4-FFF2-40B4-BE49-F238E27FC236}">
-                <a16:creationId xmlns:a16="http://schemas.microsoft.com/office/drawing/2014/main" xmlns="" id="{92CC9B4C-151F-204A-9B26-BE1838EFB24F}"/>
+                <a16:creationId xmlns="" xmlns:a16="http://schemas.microsoft.com/office/drawing/2014/main" id="{92CC9B4C-151F-204A-9B26-BE1838EFB24F}"/>
               </a:ext>
             </a:extLst>
           </p:cNvPr>
@@ -18753,7 +18978,7 @@
           <p:cNvPr id="4" name="Текст 3">
             <a:extLst>
               <a:ext uri="{FF2B5EF4-FFF2-40B4-BE49-F238E27FC236}">
-                <a16:creationId xmlns:a16="http://schemas.microsoft.com/office/drawing/2014/main" xmlns="" id="{43CD81CA-2715-AB4B-A575-27FBCE550D22}"/>
+                <a16:creationId xmlns="" xmlns:a16="http://schemas.microsoft.com/office/drawing/2014/main" id="{43CD81CA-2715-AB4B-A575-27FBCE550D22}"/>
               </a:ext>
             </a:extLst>
           </p:cNvPr>
@@ -18764,20 +18989,19 @@
             <p:ph type="body" sz="quarter" idx="15"/>
           </p:nvPr>
         </p:nvSpPr>
-        <p:spPr/>
+        <p:spPr>
+          <a:xfrm>
+            <a:off x="6259892" y="669490"/>
+            <a:ext cx="2070100" cy="408109"/>
+          </a:xfrm>
+        </p:spPr>
         <p:txBody>
           <a:bodyPr/>
           <a:lstStyle/>
           <a:p>
             <a:r>
-              <a:rPr lang="ru-RU" dirty="0" smtClean="0"/>
-              <a:t>Функциональные</a:t>
-            </a:r>
-          </a:p>
-          <a:p>
-            <a:r>
-              <a:rPr lang="ru-RU" dirty="0" smtClean="0"/>
-              <a:t>требования</a:t>
+              <a:rPr lang="en-US" dirty="0" err="1" smtClean="0"/>
+              <a:t>CustDev</a:t>
             </a:r>
             <a:endParaRPr lang="ru-RU" dirty="0"/>
           </a:p>
@@ -18788,7 +19012,7 @@
           <p:cNvPr id="5" name="Заголовок 4">
             <a:extLst>
               <a:ext uri="{FF2B5EF4-FFF2-40B4-BE49-F238E27FC236}">
-                <a16:creationId xmlns:a16="http://schemas.microsoft.com/office/drawing/2014/main" xmlns="" id="{D6248A15-8E7E-BC4A-A1F2-4446573BCA36}"/>
+                <a16:creationId xmlns="" xmlns:a16="http://schemas.microsoft.com/office/drawing/2014/main" id="{D6248A15-8E7E-BC4A-A1F2-4446573BCA36}"/>
               </a:ext>
             </a:extLst>
           </p:cNvPr>
@@ -18801,7 +19025,7 @@
         </p:nvSpPr>
         <p:spPr>
           <a:xfrm>
-            <a:off x="7347426" y="1435896"/>
+            <a:off x="808604" y="1315126"/>
             <a:ext cx="4322530" cy="777025"/>
           </a:xfrm>
         </p:spPr>
@@ -18810,15 +19034,8 @@
           <a:lstStyle/>
           <a:p>
             <a:r>
-              <a:rPr lang="ru-RU" dirty="0" smtClean="0"/>
-              <a:t>Функциональные</a:t>
-            </a:r>
-            <a:br>
-              <a:rPr lang="ru-RU" dirty="0" smtClean="0"/>
-            </a:br>
-            <a:r>
-              <a:rPr lang="ru-RU" dirty="0" smtClean="0"/>
-              <a:t>требования</a:t>
+              <a:rPr lang="en-US" dirty="0" err="1" smtClean="0"/>
+              <a:t>CustDev</a:t>
             </a:r>
             <a:endParaRPr lang="ru-RU" dirty="0"/>
           </a:p>
@@ -18829,7 +19046,7 @@
           <p:cNvPr id="6" name="Текст 5">
             <a:extLst>
               <a:ext uri="{FF2B5EF4-FFF2-40B4-BE49-F238E27FC236}">
-                <a16:creationId xmlns:a16="http://schemas.microsoft.com/office/drawing/2014/main" xmlns="" id="{5759A9C6-69C4-5447-8A46-A98387532C83}"/>
+                <a16:creationId xmlns="" xmlns:a16="http://schemas.microsoft.com/office/drawing/2014/main" id="{5759A9C6-69C4-5447-8A46-A98387532C83}"/>
               </a:ext>
             </a:extLst>
           </p:cNvPr>
@@ -18842,165 +19059,183 @@
         </p:nvSpPr>
         <p:spPr>
           <a:xfrm>
-            <a:off x="7347426" y="2631333"/>
-            <a:ext cx="4322531" cy="3846603"/>
+            <a:off x="6168726" y="1535778"/>
+            <a:ext cx="5330285" cy="4649362"/>
           </a:xfrm>
         </p:spPr>
         <p:txBody>
           <a:bodyPr>
-            <a:normAutofit/>
+            <a:noAutofit/>
           </a:bodyPr>
           <a:lstStyle/>
           <a:p>
             <a:r>
-              <a:rPr lang="ru-RU" dirty="0"/>
-              <a:t>Программа представляет из себя удобное приложение для хранения и запоминания чисел, а также изучения основной мнемонической и Доминиканской систем. Приложение не ограничивает пользователя в количестве сохраненных им чисел, ограничивающим фактором является только память телефона. Приложение делится на 5 основных </a:t>
-            </a:r>
-            <a:r>
-              <a:rPr lang="ru-RU" dirty="0" smtClean="0"/>
-              <a:t>разделов:</a:t>
-            </a:r>
-          </a:p>
-          <a:p>
-            <a:pPr marL="285750" indent="-285750">
-              <a:buFont typeface="Arial" panose="020B0604020202020204" pitchFamily="34" charset="0"/>
-              <a:buChar char="•"/>
+              <a:rPr lang="ru-RU" sz="1400" dirty="0" smtClean="0"/>
+              <a:t>Выводы:</a:t>
+            </a:r>
+          </a:p>
+          <a:p>
+            <a:pPr marL="342900" indent="-342900">
+              <a:buFont typeface="+mj-lt"/>
+              <a:buAutoNum type="arabicPeriod"/>
             </a:pPr>
             <a:r>
-              <a:rPr lang="ru-RU" dirty="0" smtClean="0"/>
-              <a:t>Запоминаемые </a:t>
-            </a:r>
-            <a:r>
-              <a:rPr lang="ru-RU" dirty="0"/>
-              <a:t>числа;  </a:t>
-            </a:r>
-            <a:endParaRPr lang="ru-RU" dirty="0" smtClean="0"/>
-          </a:p>
-          <a:p>
-            <a:pPr marL="285750" indent="-285750">
-              <a:buFont typeface="Arial" panose="020B0604020202020204" pitchFamily="34" charset="0"/>
-              <a:buChar char="•"/>
+              <a:rPr lang="ru-RU" sz="1400" dirty="0"/>
+              <a:t>Большинство опрошенных пользователей не знают </a:t>
+            </a:r>
+            <a:r>
+              <a:rPr lang="ru-RU" sz="1400" dirty="0" smtClean="0"/>
+              <a:t>о </a:t>
+            </a:r>
+            <a:r>
+              <a:rPr lang="ru-RU" sz="1400" dirty="0"/>
+              <a:t>Доминиканской и основной мнемонической системах. Стоит добавить в приложение информацию о </a:t>
+            </a:r>
+            <a:r>
+              <a:rPr lang="ru-RU" sz="1400" dirty="0" smtClean="0"/>
+              <a:t>них.</a:t>
+            </a:r>
+          </a:p>
+          <a:p>
+            <a:pPr marL="342900" indent="-342900">
+              <a:buFont typeface="+mj-lt"/>
+              <a:buAutoNum type="arabicPeriod"/>
             </a:pPr>
             <a:r>
-              <a:rPr lang="ru-RU" dirty="0" smtClean="0"/>
-              <a:t>Информация </a:t>
-            </a:r>
-            <a:r>
-              <a:rPr lang="ru-RU" dirty="0"/>
-              <a:t>об основной мнемонической системе;  </a:t>
-            </a:r>
-            <a:endParaRPr lang="ru-RU" dirty="0" smtClean="0"/>
-          </a:p>
-          <a:p>
-            <a:pPr marL="285750" indent="-285750">
-              <a:buFont typeface="Arial" panose="020B0604020202020204" pitchFamily="34" charset="0"/>
-              <a:buChar char="•"/>
+              <a:rPr lang="ru-RU" sz="1400" dirty="0"/>
+              <a:t>Для части пользователей важно, чтобы приложение позволяло использовать русский язык. Существующие приложения не предоставляют такую возможность. </a:t>
+            </a:r>
+            <a:endParaRPr lang="ru-RU" sz="1400" dirty="0" smtClean="0"/>
+          </a:p>
+          <a:p>
+            <a:pPr marL="342900" indent="-342900">
+              <a:buFont typeface="+mj-lt"/>
+              <a:buAutoNum type="arabicPeriod"/>
             </a:pPr>
             <a:r>
-              <a:rPr lang="ru-RU" dirty="0" smtClean="0"/>
-              <a:t>Справка</a:t>
-            </a:r>
-            <a:r>
-              <a:rPr lang="ru-RU" dirty="0"/>
-              <a:t>;  </a:t>
-            </a:r>
-            <a:endParaRPr lang="ru-RU" dirty="0" smtClean="0"/>
-          </a:p>
-          <a:p>
-            <a:pPr marL="285750" indent="-285750">
-              <a:buFont typeface="Arial" panose="020B0604020202020204" pitchFamily="34" charset="0"/>
-              <a:buChar char="•"/>
+              <a:rPr lang="ru-RU" sz="1400" dirty="0" smtClean="0"/>
+              <a:t>У пользователей существуют общие потребности в запоминании больших чисел: номера паспорта, банковских карт и прочие. </a:t>
+            </a:r>
+          </a:p>
+          <a:p>
+            <a:pPr marL="342900" indent="-342900">
+              <a:buFont typeface="+mj-lt"/>
+              <a:buAutoNum type="arabicPeriod"/>
             </a:pPr>
             <a:r>
-              <a:rPr lang="ru-RU" dirty="0" smtClean="0"/>
-              <a:t>Информация </a:t>
-            </a:r>
-            <a:r>
-              <a:rPr lang="ru-RU" dirty="0"/>
-              <a:t>о Доминиканской системе;  </a:t>
-            </a:r>
-            <a:endParaRPr lang="ru-RU" dirty="0" smtClean="0"/>
-          </a:p>
-          <a:p>
-            <a:pPr marL="285750" indent="-285750">
-              <a:buFont typeface="Arial" panose="020B0604020202020204" pitchFamily="34" charset="0"/>
-              <a:buChar char="•"/>
+              <a:rPr lang="ru-RU" sz="1400" dirty="0" smtClean="0"/>
+              <a:t>Для большинства пользователей самым удобным было бы приложение для смартфона. </a:t>
+            </a:r>
+          </a:p>
+          <a:p>
+            <a:pPr marL="342900" indent="-342900">
+              <a:buFont typeface="+mj-lt"/>
+              <a:buAutoNum type="arabicPeriod"/>
             </a:pPr>
             <a:r>
-              <a:rPr lang="ru-RU" dirty="0" smtClean="0"/>
-              <a:t>Личный </a:t>
-            </a:r>
-            <a:r>
-              <a:rPr lang="ru-RU" dirty="0"/>
-              <a:t>кабинет</a:t>
-            </a:r>
+              <a:rPr lang="ru-RU" sz="1400" dirty="0" smtClean="0"/>
+              <a:t>В </a:t>
+            </a:r>
+            <a:r>
+              <a:rPr lang="ru-RU" sz="1400" dirty="0"/>
+              <a:t>существующих приложениях мало возможностей для создания ассоциаций с нужными числами. Например, можно реализовать возможность делать наброски в приложении, а также прикреплять фотографии.</a:t>
+            </a:r>
+            <a:endParaRPr lang="ru-RU" sz="1400" dirty="0"/>
           </a:p>
         </p:txBody>
       </p:sp>
-      <p:pic>
-        <p:nvPicPr>
-          <p:cNvPr id="1026" name="Picture 2"/>
-          <p:cNvPicPr>
-            <a:picLocks noChangeAspect="1" noChangeArrowheads="1"/>
-          </p:cNvPicPr>
-          <p:nvPr/>
-        </p:nvPicPr>
-        <p:blipFill>
-          <a:blip r:embed="rId2">
-            <a:extLst>
-              <a:ext uri="{28A0092B-C50C-407E-A947-70E740481C1C}">
-                <a14:useLocalDpi xmlns:a14="http://schemas.microsoft.com/office/drawing/2010/main" val="0"/>
-              </a:ext>
-            </a:extLst>
-          </a:blip>
-          <a:srcRect/>
-          <a:stretch>
-            <a:fillRect/>
-          </a:stretch>
-        </p:blipFill>
-        <p:spPr bwMode="auto">
+      <p:sp>
+        <p:nvSpPr>
+          <p:cNvPr id="8" name="Текст 5">
+            <a:extLst>
+              <a:ext uri="{FF2B5EF4-FFF2-40B4-BE49-F238E27FC236}">
+                <a16:creationId xmlns="" xmlns:a16="http://schemas.microsoft.com/office/drawing/2014/main" id="{5759A9C6-69C4-5447-8A46-A98387532C83}"/>
+              </a:ext>
+            </a:extLst>
+          </p:cNvPr>
+          <p:cNvSpPr>
+            <a:spLocks noGrp="1"/>
+          </p:cNvSpPr>
+          <p:nvPr>
+            <p:ph type="body" sz="quarter" idx="12"/>
+          </p:nvPr>
+        </p:nvSpPr>
+        <p:spPr>
           <a:xfrm>
-            <a:off x="2187093" y="1244240"/>
-            <a:ext cx="2425116" cy="5233696"/>
+            <a:off x="808603" y="1765816"/>
+            <a:ext cx="4841699" cy="4419324"/>
           </a:xfrm>
-          <a:prstGeom prst="rect">
-            <a:avLst/>
-          </a:prstGeom>
-          <a:noFill/>
-          <a:ln>
-            <a:noFill/>
-          </a:ln>
-          <a:effectLst/>
-          <a:extLst>
-            <a:ext uri="{909E8E84-426E-40DD-AFC4-6F175D3DCCD1}">
-              <a14:hiddenFill xmlns:a14="http://schemas.microsoft.com/office/drawing/2010/main">
-                <a:solidFill>
-                  <a:schemeClr val="accent1"/>
-                </a:solidFill>
-              </a14:hiddenFill>
-            </a:ext>
-            <a:ext uri="{91240B29-F687-4F45-9708-019B960494DF}">
-              <a14:hiddenLine xmlns:a14="http://schemas.microsoft.com/office/drawing/2010/main" w="9525">
-                <a:solidFill>
-                  <a:schemeClr val="tx1"/>
-                </a:solidFill>
-                <a:miter lim="800000"/>
-                <a:headEnd/>
-                <a:tailEnd/>
-              </a14:hiddenLine>
-            </a:ext>
-            <a:ext uri="{AF507438-7753-43E0-B8FC-AC1667EBCBE1}">
-              <a14:hiddenEffects xmlns:a14="http://schemas.microsoft.com/office/drawing/2010/main">
-                <a:effectLst>
-                  <a:outerShdw dist="35921" dir="2700000" algn="ctr" rotWithShape="0">
-                    <a:schemeClr val="bg2"/>
-                  </a:outerShdw>
-                </a:effectLst>
-              </a14:hiddenEffects>
-            </a:ext>
-          </a:extLst>
         </p:spPr>
-      </p:pic>
+        <p:txBody>
+          <a:bodyPr>
+            <a:noAutofit/>
+          </a:bodyPr>
+          <a:lstStyle/>
+          <a:p>
+            <a:r>
+              <a:rPr lang="ru-RU" sz="1400" dirty="0"/>
+              <a:t>Интервьюируемый 1: Существует потребность в запоминании номеров банковских карт, так как часто пользуется ими в интернете.</a:t>
+            </a:r>
+          </a:p>
+          <a:p>
+            <a:r>
+              <a:rPr lang="ru-RU" sz="1400" dirty="0"/>
+              <a:t>Интервьюируемый 2: </a:t>
+            </a:r>
+            <a:r>
+              <a:rPr lang="ru-RU" sz="1400" dirty="0" smtClean="0"/>
+              <a:t>Никогда не пользовался приложениями для запоминания, пользуется только компьютером. </a:t>
+            </a:r>
+            <a:endParaRPr lang="ru-RU" sz="1400" dirty="0"/>
+          </a:p>
+          <a:p>
+            <a:r>
+              <a:rPr lang="ru-RU" sz="1400" dirty="0"/>
+              <a:t>Интервьюируемый 3: Пользовался приложением </a:t>
+            </a:r>
+            <a:r>
+              <a:rPr lang="ru-RU" sz="1400" dirty="0" err="1"/>
+              <a:t>QuizLet</a:t>
+            </a:r>
+            <a:r>
+              <a:rPr lang="ru-RU" sz="1400" dirty="0"/>
+              <a:t> для запоминания большого количества цифр (было необходимо на работе).</a:t>
+            </a:r>
+          </a:p>
+          <a:p>
+            <a:r>
+              <a:rPr lang="ru-RU" sz="1400" dirty="0"/>
+              <a:t>Интервьюируемый 4: Часто пользуется банковской картой, но не помнит ее номер.</a:t>
+            </a:r>
+          </a:p>
+          <a:p>
+            <a:r>
+              <a:rPr lang="ru-RU" sz="1400" dirty="0"/>
+              <a:t>Интервьюируемый 5: Несколько лет назад изучил основную мнемоническую систему для того, чтобы выучить физические </a:t>
+            </a:r>
+            <a:r>
+              <a:rPr lang="ru-RU" sz="1400" dirty="0" smtClean="0"/>
+              <a:t>константы. Пользовался 010</a:t>
+            </a:r>
+            <a:r>
+              <a:rPr lang="en-US" sz="1400" dirty="0" smtClean="0"/>
+              <a:t>Memorizer </a:t>
+            </a:r>
+            <a:r>
+              <a:rPr lang="ru-RU" sz="1400" dirty="0" smtClean="0"/>
+              <a:t>и бумажными карточками.</a:t>
+            </a:r>
+            <a:endParaRPr lang="ru-RU" sz="1400" dirty="0"/>
+          </a:p>
+          <a:p>
+            <a:r>
+              <a:rPr lang="ru-RU" sz="1400" dirty="0"/>
+              <a:t>Интервьюируемый 6: Есть потребность запоминания номера паспорта, банковской карты и математических констант.</a:t>
+            </a:r>
+            <a:endParaRPr lang="ru-RU" sz="1400" dirty="0"/>
+          </a:p>
+        </p:txBody>
+      </p:sp>
     </p:spTree>
     <p:extLst>
       <p:ext uri="{BB962C8B-B14F-4D97-AF65-F5344CB8AC3E}">
@@ -19036,7 +19271,7 @@
           <p:cNvPr id="2" name="Текст 1">
             <a:extLst>
               <a:ext uri="{FF2B5EF4-FFF2-40B4-BE49-F238E27FC236}">
-                <a16:creationId xmlns:a16="http://schemas.microsoft.com/office/drawing/2014/main" xmlns="" id="{E239B216-F5ED-B348-A1BB-CE85242168B6}"/>
+                <a16:creationId xmlns="" xmlns:a16="http://schemas.microsoft.com/office/drawing/2014/main" id="{ABE1F6DB-2C79-0F40-985F-DB8180BAFB92}"/>
               </a:ext>
             </a:extLst>
           </p:cNvPr>
@@ -19052,19 +19287,7 @@
           <a:bodyPr/>
           <a:lstStyle/>
           <a:p>
-            <a:r>
-              <a:rPr lang="ru-RU" dirty="0"/>
-              <a:t>НИУ ВШЭ</a:t>
-            </a:r>
-          </a:p>
-          <a:p>
-            <a:r>
-              <a:rPr lang="ru-RU" dirty="0"/>
-              <a:t>ФКН ПИ</a:t>
-            </a:r>
-          </a:p>
-          <a:p>
-            <a:endParaRPr lang="ru-RU" dirty="0"/>
+            <a:endParaRPr lang="ru-RU"/>
           </a:p>
         </p:txBody>
       </p:sp>
@@ -19073,7 +19296,7 @@
           <p:cNvPr id="3" name="Текст 2">
             <a:extLst>
               <a:ext uri="{FF2B5EF4-FFF2-40B4-BE49-F238E27FC236}">
-                <a16:creationId xmlns:a16="http://schemas.microsoft.com/office/drawing/2014/main" xmlns="" id="{7986A2D4-D42B-854C-9F3E-6A8095E580B6}"/>
+                <a16:creationId xmlns="" xmlns:a16="http://schemas.microsoft.com/office/drawing/2014/main" id="{92CC9B4C-151F-204A-9B26-BE1838EFB24F}"/>
               </a:ext>
             </a:extLst>
           </p:cNvPr>
@@ -19108,9 +19331,6 @@
           <a:p>
             <a:endParaRPr lang="ru-RU" dirty="0"/>
           </a:p>
-          <a:p>
-            <a:endParaRPr lang="ru-RU" dirty="0"/>
-          </a:p>
         </p:txBody>
       </p:sp>
       <p:sp>
@@ -19118,7 +19338,7 @@
           <p:cNvPr id="4" name="Текст 3">
             <a:extLst>
               <a:ext uri="{FF2B5EF4-FFF2-40B4-BE49-F238E27FC236}">
-                <a16:creationId xmlns:a16="http://schemas.microsoft.com/office/drawing/2014/main" xmlns="" id="{628F0E61-4402-1545-ABC6-7EB156E5B9E6}"/>
+                <a16:creationId xmlns="" xmlns:a16="http://schemas.microsoft.com/office/drawing/2014/main" id="{43CD81CA-2715-AB4B-A575-27FBCE550D22}"/>
               </a:ext>
             </a:extLst>
           </p:cNvPr>
@@ -19135,23 +19355,16 @@
           <a:lstStyle/>
           <a:p>
             <a:r>
-              <a:rPr lang="ru-RU" dirty="0"/>
-              <a:t>Выбор </a:t>
-            </a:r>
-            <a:r>
               <a:rPr lang="ru-RU" dirty="0" smtClean="0"/>
-              <a:t>используемых</a:t>
+              <a:t>Функциональные</a:t>
             </a:r>
           </a:p>
           <a:p>
             <a:r>
               <a:rPr lang="ru-RU" dirty="0" smtClean="0"/>
-              <a:t>в </a:t>
-            </a:r>
-            <a:r>
-              <a:rPr lang="ru-RU" dirty="0"/>
-              <a:t>работе методов</a:t>
-            </a:r>
+              <a:t>требования</a:t>
+            </a:r>
+            <a:endParaRPr lang="ru-RU" dirty="0"/>
           </a:p>
         </p:txBody>
       </p:sp>
@@ -19160,7 +19373,7 @@
           <p:cNvPr id="5" name="Заголовок 4">
             <a:extLst>
               <a:ext uri="{FF2B5EF4-FFF2-40B4-BE49-F238E27FC236}">
-                <a16:creationId xmlns:a16="http://schemas.microsoft.com/office/drawing/2014/main" xmlns="" id="{7B6EC5B9-282D-B84A-B169-E82D52070680}"/>
+                <a16:creationId xmlns="" xmlns:a16="http://schemas.microsoft.com/office/drawing/2014/main" id="{D6248A15-8E7E-BC4A-A1F2-4446573BCA36}"/>
               </a:ext>
             </a:extLst>
           </p:cNvPr>
@@ -19171,14 +19384,26 @@
             <p:ph type="title"/>
           </p:nvPr>
         </p:nvSpPr>
-        <p:spPr/>
+        <p:spPr>
+          <a:xfrm>
+            <a:off x="7347426" y="1435896"/>
+            <a:ext cx="4322530" cy="777025"/>
+          </a:xfrm>
+        </p:spPr>
         <p:txBody>
           <a:bodyPr/>
           <a:lstStyle/>
           <a:p>
             <a:r>
               <a:rPr lang="ru-RU" dirty="0" smtClean="0"/>
-              <a:t>Алгоритм Бор</a:t>
+              <a:t>Функциональные</a:t>
+            </a:r>
+            <a:br>
+              <a:rPr lang="ru-RU" dirty="0" smtClean="0"/>
+            </a:br>
+            <a:r>
+              <a:rPr lang="ru-RU" dirty="0" smtClean="0"/>
+              <a:t>требования</a:t>
             </a:r>
             <a:endParaRPr lang="ru-RU" dirty="0"/>
           </a:p>
@@ -19189,7 +19414,7 @@
           <p:cNvPr id="6" name="Текст 5">
             <a:extLst>
               <a:ext uri="{FF2B5EF4-FFF2-40B4-BE49-F238E27FC236}">
-                <a16:creationId xmlns:a16="http://schemas.microsoft.com/office/drawing/2014/main" xmlns="" id="{52A84FC5-C615-ED4D-97BC-765AAF50474A}"/>
+                <a16:creationId xmlns="" xmlns:a16="http://schemas.microsoft.com/office/drawing/2014/main" id="{5759A9C6-69C4-5447-8A46-A98387532C83}"/>
               </a:ext>
             </a:extLst>
           </p:cNvPr>
@@ -19202,54 +19427,24 @@
         </p:nvSpPr>
         <p:spPr>
           <a:xfrm>
-            <a:off x="511068" y="2019162"/>
-            <a:ext cx="5834868" cy="4226190"/>
+            <a:off x="7347426" y="2631333"/>
+            <a:ext cx="4322531" cy="3846603"/>
           </a:xfrm>
         </p:spPr>
         <p:txBody>
           <a:bodyPr>
-            <a:normAutofit lnSpcReduction="10000"/>
+            <a:normAutofit/>
           </a:bodyPr>
           <a:lstStyle/>
           <a:p>
             <a:r>
               <a:rPr lang="ru-RU" dirty="0"/>
-              <a:t>Для решения поставленной в техническом задании задачи была использована структура данных </a:t>
+              <a:t>Программа представляет из себя удобное приложение для хранения и запоминания чисел, а также изучения основной мнемонической и Доминиканской систем. Приложение не ограничивает пользователя в количестве сохраненных им чисел, ограничивающим фактором является только память телефона. Приложение делится на 5 основных </a:t>
             </a:r>
             <a:r>
               <a:rPr lang="ru-RU" dirty="0" smtClean="0"/>
-              <a:t>Бор </a:t>
-            </a:r>
-            <a:r>
-              <a:rPr lang="ru-RU" dirty="0"/>
-              <a:t>и алгоритм поиска по нему. Бор — структура данных для хранения набора строк, представляющая из себя подвешенное дерево с символами на рёбрах. Строки получаются последовательной записью всех символов, хранящихся на рёбрах между корнем бора и терминальной вершиной. Размер бора линейно зависит от суммы длин всех строк, а поиск в бору занимает время, пропорциональное длине образца</a:t>
-            </a:r>
-            <a:r>
-              <a:rPr lang="ru-RU" dirty="0" smtClean="0"/>
-              <a:t>.</a:t>
-            </a:r>
-          </a:p>
-          <a:p>
-            <a:r>
-              <a:rPr lang="ru-RU" dirty="0" smtClean="0"/>
-              <a:t>Шаг </a:t>
-            </a:r>
-            <a:r>
-              <a:rPr lang="ru-RU" dirty="0"/>
-              <a:t>1. Создадим дерево из одной вершины (в нашем случае корня).  </a:t>
-            </a:r>
-            <a:endParaRPr lang="ru-RU" dirty="0" smtClean="0"/>
-          </a:p>
-          <a:p>
-            <a:r>
-              <a:rPr lang="ru-RU" dirty="0" smtClean="0"/>
-              <a:t>Шаг </a:t>
-            </a:r>
-            <a:r>
-              <a:rPr lang="ru-RU" dirty="0"/>
-              <a:t>2. Добавляем элементы в дерево. Добавляем слова 𝑃𝑖 один за другим. Следуем из корня по рёбрам, отмеченным буквами из 𝑃𝑖 , пока возможно. </a:t>
-            </a:r>
-            <a:endParaRPr lang="ru-RU" dirty="0" smtClean="0"/>
+              <a:t>разделов:</a:t>
+            </a:r>
           </a:p>
           <a:p>
             <a:pPr marL="285750" indent="-285750">
@@ -19258,16 +19453,13 @@
             </a:pPr>
             <a:r>
               <a:rPr lang="ru-RU" dirty="0" smtClean="0"/>
-              <a:t>Если </a:t>
+              <a:t>Запоминаемые </a:t>
             </a:r>
             <a:r>
               <a:rPr lang="ru-RU" dirty="0"/>
-              <a:t>𝑃𝑖 заканчивается в вершине 𝑣, сохраняем идентификатор 𝑃𝑖 (например, 𝑖) в 𝑣 и отмечаем вершину 𝑣 как </a:t>
-            </a:r>
-            <a:r>
-              <a:rPr lang="ru-RU" dirty="0" smtClean="0"/>
-              <a:t>терминальную.</a:t>
-            </a:r>
+              <a:t>числа;  </a:t>
+            </a:r>
+            <a:endParaRPr lang="ru-RU" dirty="0" smtClean="0"/>
           </a:p>
           <a:p>
             <a:pPr marL="285750" indent="-285750">
@@ -19276,23 +19468,63 @@
             </a:pPr>
             <a:r>
               <a:rPr lang="ru-RU" dirty="0" smtClean="0"/>
-              <a:t>Если </a:t>
+              <a:t>Информация </a:t>
             </a:r>
             <a:r>
               <a:rPr lang="ru-RU" dirty="0"/>
-              <a:t>ребра, отмеченного очередной буквой 𝑃𝑖 нет, то создаем новое ребро и вершину для символа строки </a:t>
-            </a:r>
+              <a:t>об основной мнемонической системе;  </a:t>
+            </a:r>
+            <a:endParaRPr lang="ru-RU" dirty="0" smtClean="0"/>
+          </a:p>
+          <a:p>
+            <a:pPr marL="285750" indent="-285750">
+              <a:buFont typeface="Arial" panose="020B0604020202020204" pitchFamily="34" charset="0"/>
+              <a:buChar char="•"/>
+            </a:pPr>
             <a:r>
               <a:rPr lang="ru-RU" dirty="0" smtClean="0"/>
-              <a:t>𝑃𝑖.</a:t>
-            </a:r>
-            <a:endParaRPr lang="ru-RU" dirty="0"/>
+              <a:t>Справка</a:t>
+            </a:r>
+            <a:r>
+              <a:rPr lang="ru-RU" dirty="0"/>
+              <a:t>;  </a:t>
+            </a:r>
+            <a:endParaRPr lang="ru-RU" dirty="0" smtClean="0"/>
+          </a:p>
+          <a:p>
+            <a:pPr marL="285750" indent="-285750">
+              <a:buFont typeface="Arial" panose="020B0604020202020204" pitchFamily="34" charset="0"/>
+              <a:buChar char="•"/>
+            </a:pPr>
+            <a:r>
+              <a:rPr lang="ru-RU" dirty="0" smtClean="0"/>
+              <a:t>Информация </a:t>
+            </a:r>
+            <a:r>
+              <a:rPr lang="ru-RU" dirty="0"/>
+              <a:t>о Доминиканской системе;  </a:t>
+            </a:r>
+            <a:endParaRPr lang="ru-RU" dirty="0" smtClean="0"/>
+          </a:p>
+          <a:p>
+            <a:pPr marL="285750" indent="-285750">
+              <a:buFont typeface="Arial" panose="020B0604020202020204" pitchFamily="34" charset="0"/>
+              <a:buChar char="•"/>
+            </a:pPr>
+            <a:r>
+              <a:rPr lang="ru-RU" dirty="0" smtClean="0"/>
+              <a:t>Личный </a:t>
+            </a:r>
+            <a:r>
+              <a:rPr lang="ru-RU" dirty="0"/>
+              <a:t>кабинет</a:t>
+            </a:r>
           </a:p>
         </p:txBody>
       </p:sp>
       <p:pic>
         <p:nvPicPr>
-          <p:cNvPr id="2050" name="Picture 2" descr="Бор.jpg"/>
+          <p:cNvPr id="1026" name="Picture 2"/>
           <p:cNvPicPr>
             <a:picLocks noChangeAspect="1" noChangeArrowheads="1"/>
           </p:cNvPicPr>
@@ -19313,20 +19545,43 @@
         </p:blipFill>
         <p:spPr bwMode="auto">
           <a:xfrm>
-            <a:off x="6786694" y="2293975"/>
-            <a:ext cx="5197434" cy="3160752"/>
+            <a:off x="2187093" y="1244240"/>
+            <a:ext cx="2425116" cy="5233696"/>
           </a:xfrm>
           <a:prstGeom prst="rect">
             <a:avLst/>
           </a:prstGeom>
           <a:noFill/>
+          <a:ln>
+            <a:noFill/>
+          </a:ln>
+          <a:effectLst/>
           <a:extLst>
             <a:ext uri="{909E8E84-426E-40DD-AFC4-6F175D3DCCD1}">
               <a14:hiddenFill xmlns:a14="http://schemas.microsoft.com/office/drawing/2010/main">
                 <a:solidFill>
-                  <a:srgbClr val="FFFFFF"/>
+                  <a:schemeClr val="accent1"/>
                 </a:solidFill>
               </a14:hiddenFill>
+            </a:ext>
+            <a:ext uri="{91240B29-F687-4F45-9708-019B960494DF}">
+              <a14:hiddenLine xmlns:a14="http://schemas.microsoft.com/office/drawing/2010/main" w="9525">
+                <a:solidFill>
+                  <a:schemeClr val="tx1"/>
+                </a:solidFill>
+                <a:miter lim="800000"/>
+                <a:headEnd/>
+                <a:tailEnd/>
+              </a14:hiddenLine>
+            </a:ext>
+            <a:ext uri="{AF507438-7753-43E0-B8FC-AC1667EBCBE1}">
+              <a14:hiddenEffects xmlns:a14="http://schemas.microsoft.com/office/drawing/2010/main">
+                <a:effectLst>
+                  <a:outerShdw dist="35921" dir="2700000" algn="ctr" rotWithShape="0">
+                    <a:schemeClr val="bg2"/>
+                  </a:outerShdw>
+                </a:effectLst>
+              </a14:hiddenEffects>
             </a:ext>
           </a:extLst>
         </p:spPr>
@@ -19334,7 +19589,7 @@
     </p:spTree>
     <p:extLst>
       <p:ext uri="{BB962C8B-B14F-4D97-AF65-F5344CB8AC3E}">
-        <p14:creationId xmlns:p14="http://schemas.microsoft.com/office/powerpoint/2010/main" val="825159797"/>
+        <p14:creationId xmlns:p14="http://schemas.microsoft.com/office/powerpoint/2010/main" val="2840231815"/>
       </p:ext>
     </p:extLst>
   </p:cSld>
@@ -19366,7 +19621,7 @@
           <p:cNvPr id="2" name="Текст 1">
             <a:extLst>
               <a:ext uri="{FF2B5EF4-FFF2-40B4-BE49-F238E27FC236}">
-                <a16:creationId xmlns:a16="http://schemas.microsoft.com/office/drawing/2014/main" xmlns="" id="{2FFBD88B-BF2A-8F44-B648-677BB7D9750D}"/>
+                <a16:creationId xmlns="" xmlns:a16="http://schemas.microsoft.com/office/drawing/2014/main" id="{E239B216-F5ED-B348-A1BB-CE85242168B6}"/>
               </a:ext>
             </a:extLst>
           </p:cNvPr>
@@ -19403,7 +19658,7 @@
           <p:cNvPr id="3" name="Текст 2">
             <a:extLst>
               <a:ext uri="{FF2B5EF4-FFF2-40B4-BE49-F238E27FC236}">
-                <a16:creationId xmlns:a16="http://schemas.microsoft.com/office/drawing/2014/main" xmlns="" id="{BD6DFA47-ACB8-5246-AC9C-19D438CF658E}"/>
+                <a16:creationId xmlns="" xmlns:a16="http://schemas.microsoft.com/office/drawing/2014/main" id="{7986A2D4-D42B-854C-9F3E-6A8095E580B6}"/>
               </a:ext>
             </a:extLst>
           </p:cNvPr>
@@ -19441,9 +19696,6 @@
           <a:p>
             <a:endParaRPr lang="ru-RU" dirty="0"/>
           </a:p>
-          <a:p>
-            <a:endParaRPr lang="ru-RU" dirty="0"/>
-          </a:p>
         </p:txBody>
       </p:sp>
       <p:sp>
@@ -19451,7 +19703,7 @@
           <p:cNvPr id="4" name="Текст 3">
             <a:extLst>
               <a:ext uri="{FF2B5EF4-FFF2-40B4-BE49-F238E27FC236}">
-                <a16:creationId xmlns:a16="http://schemas.microsoft.com/office/drawing/2014/main" xmlns="" id="{49A5DD86-C5F3-5843-B60F-AC26E1B16228}"/>
+                <a16:creationId xmlns="" xmlns:a16="http://schemas.microsoft.com/office/drawing/2014/main" id="{628F0E61-4402-1545-ABC6-7EB156E5B9E6}"/>
               </a:ext>
             </a:extLst>
           </p:cNvPr>
@@ -19467,14 +19719,24 @@
           <a:bodyPr/>
           <a:lstStyle/>
           <a:p>
-            <a:pPr lvl="0"/>
             <a:r>
               <a:rPr lang="ru-RU" dirty="0"/>
-              <a:t>Архитектура приложения / программы</a:t>
-            </a:r>
-          </a:p>
-          <a:p>
-            <a:endParaRPr lang="ru-RU" dirty="0"/>
+              <a:t>Выбор </a:t>
+            </a:r>
+            <a:r>
+              <a:rPr lang="ru-RU" dirty="0" smtClean="0"/>
+              <a:t>используемых</a:t>
+            </a:r>
+          </a:p>
+          <a:p>
+            <a:r>
+              <a:rPr lang="ru-RU" dirty="0" smtClean="0"/>
+              <a:t>в </a:t>
+            </a:r>
+            <a:r>
+              <a:rPr lang="ru-RU" dirty="0"/>
+              <a:t>работе методов</a:t>
+            </a:r>
           </a:p>
         </p:txBody>
       </p:sp>
@@ -19483,7 +19745,7 @@
           <p:cNvPr id="5" name="Заголовок 4">
             <a:extLst>
               <a:ext uri="{FF2B5EF4-FFF2-40B4-BE49-F238E27FC236}">
-                <a16:creationId xmlns:a16="http://schemas.microsoft.com/office/drawing/2014/main" xmlns="" id="{D060AA73-8574-054A-B94B-1EAA5FAB0470}"/>
+                <a16:creationId xmlns="" xmlns:a16="http://schemas.microsoft.com/office/drawing/2014/main" id="{7B6EC5B9-282D-B84A-B169-E82D52070680}"/>
               </a:ext>
             </a:extLst>
           </p:cNvPr>
@@ -19494,33 +19756,15 @@
             <p:ph type="title"/>
           </p:nvPr>
         </p:nvSpPr>
-        <p:spPr>
-          <a:xfrm>
-            <a:off x="7004987" y="1319774"/>
-            <a:ext cx="4322530" cy="777025"/>
-          </a:xfrm>
-        </p:spPr>
+        <p:spPr/>
         <p:txBody>
-          <a:bodyPr>
-            <a:normAutofit fontScale="90000"/>
-          </a:bodyPr>
+          <a:bodyPr/>
           <a:lstStyle/>
           <a:p>
-            <a:pPr lvl="0"/>
-            <a:r>
-              <a:rPr lang="ru-RU" dirty="0"/>
-              <a:t>Архитектура приложения / программы</a:t>
-            </a:r>
-            <a:br>
-              <a:rPr lang="ru-RU" dirty="0"/>
-            </a:br>
-            <a:r>
-              <a:rPr lang="ru-RU" dirty="0"/>
-              <a:t/>
-            </a:r>
-            <a:br>
-              <a:rPr lang="ru-RU" dirty="0"/>
-            </a:br>
+            <a:r>
+              <a:rPr lang="ru-RU" dirty="0" smtClean="0"/>
+              <a:t>Алгоритм Бор</a:t>
+            </a:r>
             <a:endParaRPr lang="ru-RU" dirty="0"/>
           </a:p>
         </p:txBody>
@@ -19530,7 +19774,7 @@
           <p:cNvPr id="6" name="Текст 5">
             <a:extLst>
               <a:ext uri="{FF2B5EF4-FFF2-40B4-BE49-F238E27FC236}">
-                <a16:creationId xmlns:a16="http://schemas.microsoft.com/office/drawing/2014/main" xmlns="" id="{5E7B9744-FF5D-DB4B-8DCD-FF4C0C57287E}"/>
+                <a16:creationId xmlns="" xmlns:a16="http://schemas.microsoft.com/office/drawing/2014/main" id="{52A84FC5-C615-ED4D-97BC-765AAF50474A}"/>
               </a:ext>
             </a:extLst>
           </p:cNvPr>
@@ -19543,25 +19787,139 @@
         </p:nvSpPr>
         <p:spPr>
           <a:xfrm>
-            <a:off x="7004986" y="2822677"/>
-            <a:ext cx="4322531" cy="2399371"/>
+            <a:off x="511068" y="2019162"/>
+            <a:ext cx="5834868" cy="4226190"/>
           </a:xfrm>
         </p:spPr>
         <p:txBody>
-          <a:bodyPr/>
+          <a:bodyPr>
+            <a:normAutofit lnSpcReduction="10000"/>
+          </a:bodyPr>
           <a:lstStyle/>
           <a:p>
             <a:r>
               <a:rPr lang="ru-RU" dirty="0"/>
-              <a:t>Для оформления графиков, таблиц, диаграмм могут потребоваться дополнительные цвета и вы совершенно правы, задавая вопрос, какие цвета использовать и где их взять. Мы предлагаем использовать палитру цветов Вышки для этих целей.</a:t>
-            </a:r>
+              <a:t>Для решения поставленной в техническом задании задачи была использована структура данных </a:t>
+            </a:r>
+            <a:r>
+              <a:rPr lang="ru-RU" dirty="0" smtClean="0"/>
+              <a:t>Бор </a:t>
+            </a:r>
+            <a:r>
+              <a:rPr lang="ru-RU" dirty="0"/>
+              <a:t>и алгоритм поиска по нему. Бор — структура данных для хранения набора строк, представляющая из себя подвешенное дерево с символами на рёбрах. Строки получаются последовательной записью всех символов, хранящихся на рёбрах между корнем бора и терминальной вершиной. Размер бора линейно зависит от суммы длин всех строк, а поиск в бору занимает время, пропорциональное длине образца</a:t>
+            </a:r>
+            <a:r>
+              <a:rPr lang="ru-RU" dirty="0" smtClean="0"/>
+              <a:t>.</a:t>
+            </a:r>
+          </a:p>
+          <a:p>
+            <a:r>
+              <a:rPr lang="ru-RU" dirty="0" smtClean="0"/>
+              <a:t>Шаг </a:t>
+            </a:r>
+            <a:r>
+              <a:rPr lang="ru-RU" dirty="0"/>
+              <a:t>1. Создадим дерево из одной вершины (в нашем случае корня).  </a:t>
+            </a:r>
+            <a:endParaRPr lang="ru-RU" dirty="0" smtClean="0"/>
+          </a:p>
+          <a:p>
+            <a:r>
+              <a:rPr lang="ru-RU" dirty="0" smtClean="0"/>
+              <a:t>Шаг </a:t>
+            </a:r>
+            <a:r>
+              <a:rPr lang="ru-RU" dirty="0"/>
+              <a:t>2. Добавляем элементы в дерево. Добавляем слова 𝑃𝑖 один за другим. Следуем из корня по рёбрам, отмеченным буквами из 𝑃𝑖 , пока возможно. </a:t>
+            </a:r>
+            <a:endParaRPr lang="ru-RU" dirty="0" smtClean="0"/>
+          </a:p>
+          <a:p>
+            <a:pPr marL="285750" indent="-285750">
+              <a:buFont typeface="Arial" panose="020B0604020202020204" pitchFamily="34" charset="0"/>
+              <a:buChar char="•"/>
+            </a:pPr>
+            <a:r>
+              <a:rPr lang="ru-RU" dirty="0" smtClean="0"/>
+              <a:t>Если </a:t>
+            </a:r>
+            <a:r>
+              <a:rPr lang="ru-RU" dirty="0"/>
+              <a:t>𝑃𝑖 заканчивается в вершине 𝑣, сохраняем идентификатор 𝑃𝑖 (например, 𝑖) в 𝑣 и отмечаем вершину 𝑣 как </a:t>
+            </a:r>
+            <a:r>
+              <a:rPr lang="ru-RU" dirty="0" smtClean="0"/>
+              <a:t>терминальную.</a:t>
+            </a:r>
+          </a:p>
+          <a:p>
+            <a:pPr marL="285750" indent="-285750">
+              <a:buFont typeface="Arial" panose="020B0604020202020204" pitchFamily="34" charset="0"/>
+              <a:buChar char="•"/>
+            </a:pPr>
+            <a:r>
+              <a:rPr lang="ru-RU" dirty="0" smtClean="0"/>
+              <a:t>Если </a:t>
+            </a:r>
+            <a:r>
+              <a:rPr lang="ru-RU" dirty="0"/>
+              <a:t>ребра, отмеченного очередной буквой 𝑃𝑖 нет, то создаем новое ребро и вершину для символа строки </a:t>
+            </a:r>
+            <a:r>
+              <a:rPr lang="ru-RU" dirty="0" smtClean="0"/>
+              <a:t>𝑃𝑖.</a:t>
+            </a:r>
+            <a:endParaRPr lang="ru-RU" dirty="0"/>
           </a:p>
         </p:txBody>
       </p:sp>
+      <p:pic>
+        <p:nvPicPr>
+          <p:cNvPr id="2050" name="Picture 2" descr="Бор.jpg"/>
+          <p:cNvPicPr>
+            <a:picLocks noChangeAspect="1" noChangeArrowheads="1"/>
+          </p:cNvPicPr>
+          <p:nvPr/>
+        </p:nvPicPr>
+        <p:blipFill>
+          <a:blip r:embed="rId2">
+            <a:extLst>
+              <a:ext uri="{28A0092B-C50C-407E-A947-70E740481C1C}">
+                <a14:useLocalDpi xmlns:a14="http://schemas.microsoft.com/office/drawing/2010/main" val="0"/>
+              </a:ext>
+            </a:extLst>
+          </a:blip>
+          <a:srcRect/>
+          <a:stretch>
+            <a:fillRect/>
+          </a:stretch>
+        </p:blipFill>
+        <p:spPr bwMode="auto">
+          <a:xfrm>
+            <a:off x="6786694" y="2293975"/>
+            <a:ext cx="5197434" cy="3160752"/>
+          </a:xfrm>
+          <a:prstGeom prst="rect">
+            <a:avLst/>
+          </a:prstGeom>
+          <a:noFill/>
+          <a:extLst>
+            <a:ext uri="{909E8E84-426E-40DD-AFC4-6F175D3DCCD1}">
+              <a14:hiddenFill xmlns:a14="http://schemas.microsoft.com/office/drawing/2010/main">
+                <a:solidFill>
+                  <a:srgbClr val="FFFFFF"/>
+                </a:solidFill>
+              </a14:hiddenFill>
+            </a:ext>
+          </a:extLst>
+        </p:spPr>
+      </p:pic>
     </p:spTree>
     <p:extLst>
       <p:ext uri="{BB962C8B-B14F-4D97-AF65-F5344CB8AC3E}">
-        <p14:creationId xmlns:p14="http://schemas.microsoft.com/office/powerpoint/2010/main" val="1489723463"/>
+        <p14:creationId xmlns:p14="http://schemas.microsoft.com/office/powerpoint/2010/main" val="825159797"/>
       </p:ext>
     </p:extLst>
   </p:cSld>
@@ -19876,7 +20234,7 @@
   <a:extraClrSchemeLst/>
   <a:extLst>
     <a:ext uri="{05A4C25C-085E-4340-85A3-A5531E510DB2}">
-      <thm15:themeFamily xmlns:thm15="http://schemas.microsoft.com/office/thememl/2012/main" xmlns="" name="Office Theme" id="{62F939B6-93AF-4DB8-9C6B-D6C7DFDC589F}" vid="{4A3C46E8-61CC-4603-A589-7422A47A8E4A}"/>
+      <thm15:themeFamily xmlns="" xmlns:thm15="http://schemas.microsoft.com/office/thememl/2012/main" name="Office Theme" id="{62F939B6-93AF-4DB8-9C6B-D6C7DFDC589F}" vid="{4A3C46E8-61CC-4603-A589-7422A47A8E4A}"/>
     </a:ext>
   </a:extLst>
 </a:theme>
@@ -20171,16 +20529,19 @@
   <a:extraClrSchemeLst/>
   <a:extLst>
     <a:ext uri="{05A4C25C-085E-4340-85A3-A5531E510DB2}">
-      <thm15:themeFamily xmlns:thm15="http://schemas.microsoft.com/office/thememl/2012/main" xmlns="" name="Office Theme" id="{62F939B6-93AF-4DB8-9C6B-D6C7DFDC589F}" vid="{4A3C46E8-61CC-4603-A589-7422A47A8E4A}"/>
+      <thm15:themeFamily xmlns="" xmlns:thm15="http://schemas.microsoft.com/office/thememl/2012/main" name="Office Theme" id="{62F939B6-93AF-4DB8-9C6B-D6C7DFDC589F}" vid="{4A3C46E8-61CC-4603-A589-7422A47A8E4A}"/>
     </a:ext>
   </a:extLst>
 </a:theme>
 </file>
 
 <file path=customXml/item1.xml><?xml version="1.0" encoding="utf-8"?>
-<p:properties xmlns:p="http://schemas.microsoft.com/office/2006/metadata/properties" xmlns:xsi="http://www.w3.org/2001/XMLSchema-instance" xmlns:pc="http://schemas.microsoft.com/office/infopath/2007/PartnerControls">
-  <documentManagement/>
-</p:properties>
+<?mso-contentType ?>
+<FormTemplates xmlns="http://schemas.microsoft.com/sharepoint/v3/contenttype/forms">
+  <Display>DocumentLibraryForm</Display>
+  <Edit>DocumentLibraryForm</Edit>
+  <New>DocumentLibraryForm</New>
+</FormTemplates>
 </file>
 
 <file path=customXml/item2.xml><?xml version="1.0" encoding="utf-8"?>
@@ -20407,27 +20768,15 @@
 </file>
 
 <file path=customXml/item3.xml><?xml version="1.0" encoding="utf-8"?>
-<?mso-contentType ?>
-<FormTemplates xmlns="http://schemas.microsoft.com/sharepoint/v3/contenttype/forms">
-  <Display>DocumentLibraryForm</Display>
-  <Edit>DocumentLibraryForm</Edit>
-  <New>DocumentLibraryForm</New>
-</FormTemplates>
+<p:properties xmlns:p="http://schemas.microsoft.com/office/2006/metadata/properties" xmlns:xsi="http://www.w3.org/2001/XMLSchema-instance" xmlns:pc="http://schemas.microsoft.com/office/infopath/2007/PartnerControls">
+  <documentManagement/>
+</p:properties>
 </file>
 
 <file path=customXml/itemProps1.xml><?xml version="1.0" encoding="utf-8"?>
-<ds:datastoreItem xmlns:ds="http://schemas.openxmlformats.org/officeDocument/2006/customXml" ds:itemID="{433DAF31-D8A6-49A0-9A5D-8B2EA5B1C511}">
+<ds:datastoreItem xmlns:ds="http://schemas.openxmlformats.org/officeDocument/2006/customXml" ds:itemID="{B34386AA-1848-4C75-B336-1053927CB025}">
   <ds:schemaRefs>
-    <ds:schemaRef ds:uri="http://purl.org/dc/terms/"/>
-    <ds:schemaRef ds:uri="http://schemas.microsoft.com/office/2006/documentManagement/types"/>
-    <ds:schemaRef ds:uri="e96afe77-3acb-4328-97fc-408e1bde3ecd"/>
-    <ds:schemaRef ds:uri="http://purl.org/dc/elements/1.1/"/>
-    <ds:schemaRef ds:uri="9875bd71-cde8-496c-a136-433f55d5e6d0"/>
-    <ds:schemaRef ds:uri="http://schemas.microsoft.com/office/infopath/2007/PartnerControls"/>
-    <ds:schemaRef ds:uri="http://schemas.openxmlformats.org/package/2006/metadata/core-properties"/>
-    <ds:schemaRef ds:uri="http://schemas.microsoft.com/office/2006/metadata/properties"/>
-    <ds:schemaRef ds:uri="http://www.w3.org/XML/1998/namespace"/>
-    <ds:schemaRef ds:uri="http://purl.org/dc/dcmitype/"/>
+    <ds:schemaRef ds:uri="http://schemas.microsoft.com/sharepoint/v3/contenttype/forms"/>
   </ds:schemaRefs>
 </ds:datastoreItem>
 </file>
@@ -20452,9 +20801,18 @@
 </file>
 
 <file path=customXml/itemProps3.xml><?xml version="1.0" encoding="utf-8"?>
-<ds:datastoreItem xmlns:ds="http://schemas.openxmlformats.org/officeDocument/2006/customXml" ds:itemID="{B34386AA-1848-4C75-B336-1053927CB025}">
+<ds:datastoreItem xmlns:ds="http://schemas.openxmlformats.org/officeDocument/2006/customXml" ds:itemID="{433DAF31-D8A6-49A0-9A5D-8B2EA5B1C511}">
   <ds:schemaRefs>
-    <ds:schemaRef ds:uri="http://schemas.microsoft.com/sharepoint/v3/contenttype/forms"/>
+    <ds:schemaRef ds:uri="http://purl.org/dc/terms/"/>
+    <ds:schemaRef ds:uri="http://schemas.microsoft.com/office/2006/documentManagement/types"/>
+    <ds:schemaRef ds:uri="e96afe77-3acb-4328-97fc-408e1bde3ecd"/>
+    <ds:schemaRef ds:uri="http://purl.org/dc/elements/1.1/"/>
+    <ds:schemaRef ds:uri="9875bd71-cde8-496c-a136-433f55d5e6d0"/>
+    <ds:schemaRef ds:uri="http://schemas.microsoft.com/office/infopath/2007/PartnerControls"/>
+    <ds:schemaRef ds:uri="http://schemas.openxmlformats.org/package/2006/metadata/core-properties"/>
+    <ds:schemaRef ds:uri="http://schemas.microsoft.com/office/2006/metadata/properties"/>
+    <ds:schemaRef ds:uri="http://www.w3.org/XML/1998/namespace"/>
+    <ds:schemaRef ds:uri="http://purl.org/dc/dcmitype/"/>
   </ds:schemaRefs>
 </ds:datastoreItem>
 </file>
--- a/Итоговые документы/presentation.pptx
+++ b/Итоговые документы/presentation.pptx
@@ -19,10 +19,10 @@
     <p:sldId id="278" r:id="rId13"/>
     <p:sldId id="281" r:id="rId14"/>
     <p:sldId id="286" r:id="rId15"/>
-    <p:sldId id="287" r:id="rId16"/>
-    <p:sldId id="288" r:id="rId17"/>
-    <p:sldId id="289" r:id="rId18"/>
-    <p:sldId id="290" r:id="rId19"/>
+    <p:sldId id="288" r:id="rId16"/>
+    <p:sldId id="289" r:id="rId17"/>
+    <p:sldId id="293" r:id="rId18"/>
+    <p:sldId id="294" r:id="rId19"/>
     <p:sldId id="285" r:id="rId20"/>
   </p:sldIdLst>
   <p:sldSz cx="12192000" cy="6858000"/>
@@ -124,7 +124,7 @@
   </p:defaultTextStyle>
   <p:extLst>
     <p:ext uri="{EFAFB233-063F-42B5-8137-9DF3F51BA10A}">
-      <p15:sldGuideLst xmlns="" xmlns:p15="http://schemas.microsoft.com/office/powerpoint/2012/main">
+      <p15:sldGuideLst xmlns:p15="http://schemas.microsoft.com/office/powerpoint/2012/main" xmlns="">
         <p15:guide id="2" pos="325" userDrawn="1">
           <p15:clr>
             <a:srgbClr val="A4A3A4"/>
@@ -183,7 +183,7 @@
       </p15:sldGuideLst>
     </p:ext>
     <p:ext uri="{2D200454-40CA-4A62-9FC3-DE9A4176ACB9}">
-      <p15:notesGuideLst xmlns="" xmlns:p15="http://schemas.microsoft.com/office/powerpoint/2012/main">
+      <p15:notesGuideLst xmlns:p15="http://schemas.microsoft.com/office/powerpoint/2012/main" xmlns="">
         <p15:guide id="1" orient="horz" pos="2880" userDrawn="1">
           <p15:clr>
             <a:srgbClr val="A4A3A4"/>
@@ -1106,7 +1106,7 @@
           <p:cNvPr id="7" name="Picture 28" descr="A blue circle with white text&#10;&#10;Description automatically generated with low confidence">
             <a:extLst>
               <a:ext uri="{FF2B5EF4-FFF2-40B4-BE49-F238E27FC236}">
-                <a16:creationId xmlns="" xmlns:a16="http://schemas.microsoft.com/office/drawing/2014/main" id="{BA292C80-0DA8-194A-9A66-279048FA2A54}"/>
+                <a16:creationId xmlns:a16="http://schemas.microsoft.com/office/drawing/2014/main" xmlns="" id="{BA292C80-0DA8-194A-9A66-279048FA2A54}"/>
               </a:ext>
             </a:extLst>
           </p:cNvPr>
@@ -1136,7 +1136,7 @@
           <p:cNvPr id="11" name="Straight Connector 48">
             <a:extLst>
               <a:ext uri="{FF2B5EF4-FFF2-40B4-BE49-F238E27FC236}">
-                <a16:creationId xmlns="" xmlns:a16="http://schemas.microsoft.com/office/drawing/2014/main" id="{313EF906-5BAC-0141-A198-076E155DF9E2}"/>
+                <a16:creationId xmlns:a16="http://schemas.microsoft.com/office/drawing/2014/main" xmlns="" id="{313EF906-5BAC-0141-A198-076E155DF9E2}"/>
               </a:ext>
             </a:extLst>
           </p:cNvPr>
@@ -1179,7 +1179,7 @@
           <p:cNvPr id="12" name="Straight Connector 50">
             <a:extLst>
               <a:ext uri="{FF2B5EF4-FFF2-40B4-BE49-F238E27FC236}">
-                <a16:creationId xmlns="" xmlns:a16="http://schemas.microsoft.com/office/drawing/2014/main" id="{61206A97-26F2-E646-8775-9928FEF465B5}"/>
+                <a16:creationId xmlns:a16="http://schemas.microsoft.com/office/drawing/2014/main" xmlns="" id="{61206A97-26F2-E646-8775-9928FEF465B5}"/>
               </a:ext>
             </a:extLst>
           </p:cNvPr>
@@ -1222,7 +1222,7 @@
           <p:cNvPr id="13" name="Straight Connector 51">
             <a:extLst>
               <a:ext uri="{FF2B5EF4-FFF2-40B4-BE49-F238E27FC236}">
-                <a16:creationId xmlns="" xmlns:a16="http://schemas.microsoft.com/office/drawing/2014/main" id="{28E0E5F6-C1CA-9B41-B1DB-6E4FB509084D}"/>
+                <a16:creationId xmlns:a16="http://schemas.microsoft.com/office/drawing/2014/main" xmlns="" id="{28E0E5F6-C1CA-9B41-B1DB-6E4FB509084D}"/>
               </a:ext>
             </a:extLst>
           </p:cNvPr>
@@ -1265,7 +1265,7 @@
           <p:cNvPr id="16" name="Заголовок 15">
             <a:extLst>
               <a:ext uri="{FF2B5EF4-FFF2-40B4-BE49-F238E27FC236}">
-                <a16:creationId xmlns="" xmlns:a16="http://schemas.microsoft.com/office/drawing/2014/main" id="{6007C52F-2E27-E24A-B9DC-AAAB052DBD59}"/>
+                <a16:creationId xmlns:a16="http://schemas.microsoft.com/office/drawing/2014/main" xmlns="" id="{6007C52F-2E27-E24A-B9DC-AAAB052DBD59}"/>
               </a:ext>
             </a:extLst>
           </p:cNvPr>
@@ -1375,7 +1375,7 @@
           <p:cNvPr id="20" name="Текст 19">
             <a:extLst>
               <a:ext uri="{FF2B5EF4-FFF2-40B4-BE49-F238E27FC236}">
-                <a16:creationId xmlns="" xmlns:a16="http://schemas.microsoft.com/office/drawing/2014/main" id="{18109844-C2E7-354F-9C01-8834E4DCE373}"/>
+                <a16:creationId xmlns:a16="http://schemas.microsoft.com/office/drawing/2014/main" xmlns="" id="{18109844-C2E7-354F-9C01-8834E4DCE373}"/>
               </a:ext>
             </a:extLst>
           </p:cNvPr>
@@ -1481,7 +1481,7 @@
           <p:cNvPr id="25" name="Текст 24">
             <a:extLst>
               <a:ext uri="{FF2B5EF4-FFF2-40B4-BE49-F238E27FC236}">
-                <a16:creationId xmlns="" xmlns:a16="http://schemas.microsoft.com/office/drawing/2014/main" id="{40A04329-C800-BB42-BFE0-7E3C68848DA7}"/>
+                <a16:creationId xmlns:a16="http://schemas.microsoft.com/office/drawing/2014/main" xmlns="" id="{40A04329-C800-BB42-BFE0-7E3C68848DA7}"/>
               </a:ext>
             </a:extLst>
           </p:cNvPr>
@@ -1578,7 +1578,7 @@
           <p:cNvPr id="27" name="Текст 26">
             <a:extLst>
               <a:ext uri="{FF2B5EF4-FFF2-40B4-BE49-F238E27FC236}">
-                <a16:creationId xmlns="" xmlns:a16="http://schemas.microsoft.com/office/drawing/2014/main" id="{98337931-3EC2-F348-99EA-860F4FFDC188}"/>
+                <a16:creationId xmlns:a16="http://schemas.microsoft.com/office/drawing/2014/main" xmlns="" id="{98337931-3EC2-F348-99EA-860F4FFDC188}"/>
               </a:ext>
             </a:extLst>
           </p:cNvPr>
@@ -1675,7 +1675,7 @@
           <p:cNvPr id="29" name="Текст 28">
             <a:extLst>
               <a:ext uri="{FF2B5EF4-FFF2-40B4-BE49-F238E27FC236}">
-                <a16:creationId xmlns="" xmlns:a16="http://schemas.microsoft.com/office/drawing/2014/main" id="{EEA7A79B-D410-B44F-BF32-C3EAEFC20A6E}"/>
+                <a16:creationId xmlns:a16="http://schemas.microsoft.com/office/drawing/2014/main" xmlns="" id="{EEA7A79B-D410-B44F-BF32-C3EAEFC20A6E}"/>
               </a:ext>
             </a:extLst>
           </p:cNvPr>
@@ -1780,7 +1780,7 @@
   </p:clrMapOvr>
   <p:extLst>
     <p:ext uri="{DCECCB84-F9BA-43D5-87BE-67443E8EF086}">
-      <p15:sldGuideLst xmlns="" xmlns:p15="http://schemas.microsoft.com/office/powerpoint/2012/main"/>
+      <p15:sldGuideLst xmlns:p15="http://schemas.microsoft.com/office/powerpoint/2012/main" xmlns=""/>
     </p:ext>
   </p:extLst>
 </p:sldLayout>
@@ -1822,7 +1822,7 @@
           <p:cNvPr id="7" name="Picture 4" descr="Icon&#10;&#10;Description automatically generated">
             <a:extLst>
               <a:ext uri="{FF2B5EF4-FFF2-40B4-BE49-F238E27FC236}">
-                <a16:creationId xmlns="" xmlns:a16="http://schemas.microsoft.com/office/drawing/2014/main" id="{9328428E-0D3D-6E4B-BAC0-3F63BAF7DB74}"/>
+                <a16:creationId xmlns:a16="http://schemas.microsoft.com/office/drawing/2014/main" xmlns="" id="{9328428E-0D3D-6E4B-BAC0-3F63BAF7DB74}"/>
               </a:ext>
             </a:extLst>
           </p:cNvPr>
@@ -1852,7 +1852,7 @@
           <p:cNvPr id="8" name="Straight Connector 19">
             <a:extLst>
               <a:ext uri="{FF2B5EF4-FFF2-40B4-BE49-F238E27FC236}">
-                <a16:creationId xmlns="" xmlns:a16="http://schemas.microsoft.com/office/drawing/2014/main" id="{86CF47C6-D972-9E44-A717-6848F3489399}"/>
+                <a16:creationId xmlns:a16="http://schemas.microsoft.com/office/drawing/2014/main" xmlns="" id="{86CF47C6-D972-9E44-A717-6848F3489399}"/>
               </a:ext>
             </a:extLst>
           </p:cNvPr>
@@ -1895,7 +1895,7 @@
           <p:cNvPr id="9" name="Straight Connector 21">
             <a:extLst>
               <a:ext uri="{FF2B5EF4-FFF2-40B4-BE49-F238E27FC236}">
-                <a16:creationId xmlns="" xmlns:a16="http://schemas.microsoft.com/office/drawing/2014/main" id="{412FEF63-77C0-7C4A-B9BE-4BC0EEEEB78C}"/>
+                <a16:creationId xmlns:a16="http://schemas.microsoft.com/office/drawing/2014/main" xmlns="" id="{412FEF63-77C0-7C4A-B9BE-4BC0EEEEB78C}"/>
               </a:ext>
             </a:extLst>
           </p:cNvPr>
@@ -1938,7 +1938,7 @@
           <p:cNvPr id="10" name="Straight Connector 25">
             <a:extLst>
               <a:ext uri="{FF2B5EF4-FFF2-40B4-BE49-F238E27FC236}">
-                <a16:creationId xmlns="" xmlns:a16="http://schemas.microsoft.com/office/drawing/2014/main" id="{C4F550E9-E979-284D-B65F-44E092DD9D02}"/>
+                <a16:creationId xmlns:a16="http://schemas.microsoft.com/office/drawing/2014/main" xmlns="" id="{C4F550E9-E979-284D-B65F-44E092DD9D02}"/>
               </a:ext>
             </a:extLst>
           </p:cNvPr>
@@ -1981,7 +1981,7 @@
           <p:cNvPr id="11" name="TextBox 10">
             <a:extLst>
               <a:ext uri="{FF2B5EF4-FFF2-40B4-BE49-F238E27FC236}">
-                <a16:creationId xmlns="" xmlns:a16="http://schemas.microsoft.com/office/drawing/2014/main" id="{3A39D099-B515-F343-BF7A-A95468DA3860}"/>
+                <a16:creationId xmlns:a16="http://schemas.microsoft.com/office/drawing/2014/main" xmlns="" id="{3A39D099-B515-F343-BF7A-A95468DA3860}"/>
               </a:ext>
             </a:extLst>
           </p:cNvPr>
@@ -2027,7 +2027,7 @@
           <p:cNvPr id="12" name="Straight Connector 59">
             <a:extLst>
               <a:ext uri="{FF2B5EF4-FFF2-40B4-BE49-F238E27FC236}">
-                <a16:creationId xmlns="" xmlns:a16="http://schemas.microsoft.com/office/drawing/2014/main" id="{396B1F99-9711-C64F-A7C9-4F1D89E7F11D}"/>
+                <a16:creationId xmlns:a16="http://schemas.microsoft.com/office/drawing/2014/main" xmlns="" id="{396B1F99-9711-C64F-A7C9-4F1D89E7F11D}"/>
               </a:ext>
             </a:extLst>
           </p:cNvPr>
@@ -2070,7 +2070,7 @@
           <p:cNvPr id="13" name="Текст 37">
             <a:extLst>
               <a:ext uri="{FF2B5EF4-FFF2-40B4-BE49-F238E27FC236}">
-                <a16:creationId xmlns="" xmlns:a16="http://schemas.microsoft.com/office/drawing/2014/main" id="{9C21DFE9-C3B2-C54E-9275-7776355F7360}"/>
+                <a16:creationId xmlns:a16="http://schemas.microsoft.com/office/drawing/2014/main" xmlns="" id="{9C21DFE9-C3B2-C54E-9275-7776355F7360}"/>
               </a:ext>
             </a:extLst>
           </p:cNvPr>
@@ -2200,7 +2200,7 @@
           <p:cNvPr id="14" name="Текст 39">
             <a:extLst>
               <a:ext uri="{FF2B5EF4-FFF2-40B4-BE49-F238E27FC236}">
-                <a16:creationId xmlns="" xmlns:a16="http://schemas.microsoft.com/office/drawing/2014/main" id="{5A73F99D-6D58-724E-ADB3-150D9B24F8CB}"/>
+                <a16:creationId xmlns:a16="http://schemas.microsoft.com/office/drawing/2014/main" xmlns="" id="{5A73F99D-6D58-724E-ADB3-150D9B24F8CB}"/>
               </a:ext>
             </a:extLst>
           </p:cNvPr>
@@ -2298,7 +2298,7 @@
           <p:cNvPr id="16" name="Текст 39">
             <a:extLst>
               <a:ext uri="{FF2B5EF4-FFF2-40B4-BE49-F238E27FC236}">
-                <a16:creationId xmlns="" xmlns:a16="http://schemas.microsoft.com/office/drawing/2014/main" id="{7E89E360-BE39-5041-BAD6-C7B708340AA2}"/>
+                <a16:creationId xmlns:a16="http://schemas.microsoft.com/office/drawing/2014/main" xmlns="" id="{7E89E360-BE39-5041-BAD6-C7B708340AA2}"/>
               </a:ext>
             </a:extLst>
           </p:cNvPr>
@@ -2396,7 +2396,7 @@
           <p:cNvPr id="19" name="Заголовок 31">
             <a:extLst>
               <a:ext uri="{FF2B5EF4-FFF2-40B4-BE49-F238E27FC236}">
-                <a16:creationId xmlns="" xmlns:a16="http://schemas.microsoft.com/office/drawing/2014/main" id="{1C20890C-BC1C-0745-9AF3-46700BA27C4A}"/>
+                <a16:creationId xmlns:a16="http://schemas.microsoft.com/office/drawing/2014/main" xmlns="" id="{1C20890C-BC1C-0745-9AF3-46700BA27C4A}"/>
               </a:ext>
             </a:extLst>
           </p:cNvPr>
@@ -2462,7 +2462,7 @@
           <p:cNvPr id="20" name="Текст 35">
             <a:extLst>
               <a:ext uri="{FF2B5EF4-FFF2-40B4-BE49-F238E27FC236}">
-                <a16:creationId xmlns="" xmlns:a16="http://schemas.microsoft.com/office/drawing/2014/main" id="{CA2589F7-4500-024F-8E07-D726629A599C}"/>
+                <a16:creationId xmlns:a16="http://schemas.microsoft.com/office/drawing/2014/main" xmlns="" id="{CA2589F7-4500-024F-8E07-D726629A599C}"/>
               </a:ext>
             </a:extLst>
           </p:cNvPr>
@@ -2586,7 +2586,7 @@
           <p:cNvPr id="21" name="Oval 5">
             <a:extLst>
               <a:ext uri="{FF2B5EF4-FFF2-40B4-BE49-F238E27FC236}">
-                <a16:creationId xmlns="" xmlns:a16="http://schemas.microsoft.com/office/drawing/2014/main" id="{D2CA403A-98E7-6C42-8F44-30AB6622C802}"/>
+                <a16:creationId xmlns:a16="http://schemas.microsoft.com/office/drawing/2014/main" xmlns="" id="{D2CA403A-98E7-6C42-8F44-30AB6622C802}"/>
               </a:ext>
             </a:extLst>
           </p:cNvPr>
@@ -2638,7 +2638,7 @@
           <p:cNvPr id="22" name="Oval 20">
             <a:extLst>
               <a:ext uri="{FF2B5EF4-FFF2-40B4-BE49-F238E27FC236}">
-                <a16:creationId xmlns="" xmlns:a16="http://schemas.microsoft.com/office/drawing/2014/main" id="{42ABAA5D-E7AB-6E48-9D43-A48178C9BDD4}"/>
+                <a16:creationId xmlns:a16="http://schemas.microsoft.com/office/drawing/2014/main" xmlns="" id="{42ABAA5D-E7AB-6E48-9D43-A48178C9BDD4}"/>
               </a:ext>
             </a:extLst>
           </p:cNvPr>
@@ -2690,7 +2690,7 @@
           <p:cNvPr id="23" name="Oval 22">
             <a:extLst>
               <a:ext uri="{FF2B5EF4-FFF2-40B4-BE49-F238E27FC236}">
-                <a16:creationId xmlns="" xmlns:a16="http://schemas.microsoft.com/office/drawing/2014/main" id="{209F185A-8F67-9C42-A7C5-87E483F4FC19}"/>
+                <a16:creationId xmlns:a16="http://schemas.microsoft.com/office/drawing/2014/main" xmlns="" id="{209F185A-8F67-9C42-A7C5-87E483F4FC19}"/>
               </a:ext>
             </a:extLst>
           </p:cNvPr>
@@ -2742,7 +2742,7 @@
           <p:cNvPr id="24" name="Oval 23">
             <a:extLst>
               <a:ext uri="{FF2B5EF4-FFF2-40B4-BE49-F238E27FC236}">
-                <a16:creationId xmlns="" xmlns:a16="http://schemas.microsoft.com/office/drawing/2014/main" id="{279AE0F6-4E37-6C4D-AF45-824EEE489A15}"/>
+                <a16:creationId xmlns:a16="http://schemas.microsoft.com/office/drawing/2014/main" xmlns="" id="{279AE0F6-4E37-6C4D-AF45-824EEE489A15}"/>
               </a:ext>
             </a:extLst>
           </p:cNvPr>
@@ -2794,7 +2794,7 @@
           <p:cNvPr id="25" name="Oval 26">
             <a:extLst>
               <a:ext uri="{FF2B5EF4-FFF2-40B4-BE49-F238E27FC236}">
-                <a16:creationId xmlns="" xmlns:a16="http://schemas.microsoft.com/office/drawing/2014/main" id="{330C0EA4-7FD1-CE4D-AC95-8C484C5AC790}"/>
+                <a16:creationId xmlns:a16="http://schemas.microsoft.com/office/drawing/2014/main" xmlns="" id="{330C0EA4-7FD1-CE4D-AC95-8C484C5AC790}"/>
               </a:ext>
             </a:extLst>
           </p:cNvPr>
@@ -2846,7 +2846,7 @@
           <p:cNvPr id="26" name="Oval 29">
             <a:extLst>
               <a:ext uri="{FF2B5EF4-FFF2-40B4-BE49-F238E27FC236}">
-                <a16:creationId xmlns="" xmlns:a16="http://schemas.microsoft.com/office/drawing/2014/main" id="{4C53CF3D-7EFB-DF4F-8EA6-5644574E9AFB}"/>
+                <a16:creationId xmlns:a16="http://schemas.microsoft.com/office/drawing/2014/main" xmlns="" id="{4C53CF3D-7EFB-DF4F-8EA6-5644574E9AFB}"/>
               </a:ext>
             </a:extLst>
           </p:cNvPr>
@@ -2898,7 +2898,7 @@
           <p:cNvPr id="27" name="Oval 33">
             <a:extLst>
               <a:ext uri="{FF2B5EF4-FFF2-40B4-BE49-F238E27FC236}">
-                <a16:creationId xmlns="" xmlns:a16="http://schemas.microsoft.com/office/drawing/2014/main" id="{B42CE88A-E9A3-2A4E-BD50-EB37311F39EC}"/>
+                <a16:creationId xmlns:a16="http://schemas.microsoft.com/office/drawing/2014/main" xmlns="" id="{B42CE88A-E9A3-2A4E-BD50-EB37311F39EC}"/>
               </a:ext>
             </a:extLst>
           </p:cNvPr>
@@ -2950,7 +2950,7 @@
           <p:cNvPr id="28" name="Oval 34">
             <a:extLst>
               <a:ext uri="{FF2B5EF4-FFF2-40B4-BE49-F238E27FC236}">
-                <a16:creationId xmlns="" xmlns:a16="http://schemas.microsoft.com/office/drawing/2014/main" id="{B699EFDF-DB9D-3C4F-9D1F-461508017BDA}"/>
+                <a16:creationId xmlns:a16="http://schemas.microsoft.com/office/drawing/2014/main" xmlns="" id="{B699EFDF-DB9D-3C4F-9D1F-461508017BDA}"/>
               </a:ext>
             </a:extLst>
           </p:cNvPr>
@@ -3002,7 +3002,7 @@
           <p:cNvPr id="29" name="Oval 35">
             <a:extLst>
               <a:ext uri="{FF2B5EF4-FFF2-40B4-BE49-F238E27FC236}">
-                <a16:creationId xmlns="" xmlns:a16="http://schemas.microsoft.com/office/drawing/2014/main" id="{5DF3131C-EEA1-5446-B567-C9DA0A2A1AFF}"/>
+                <a16:creationId xmlns:a16="http://schemas.microsoft.com/office/drawing/2014/main" xmlns="" id="{5DF3131C-EEA1-5446-B567-C9DA0A2A1AFF}"/>
               </a:ext>
             </a:extLst>
           </p:cNvPr>
@@ -3054,7 +3054,7 @@
           <p:cNvPr id="30" name="Oval 36">
             <a:extLst>
               <a:ext uri="{FF2B5EF4-FFF2-40B4-BE49-F238E27FC236}">
-                <a16:creationId xmlns="" xmlns:a16="http://schemas.microsoft.com/office/drawing/2014/main" id="{6D03B317-B61D-2945-8C0A-A6EBD87ACD07}"/>
+                <a16:creationId xmlns:a16="http://schemas.microsoft.com/office/drawing/2014/main" xmlns="" id="{6D03B317-B61D-2945-8C0A-A6EBD87ACD07}"/>
               </a:ext>
             </a:extLst>
           </p:cNvPr>
@@ -3106,7 +3106,7 @@
           <p:cNvPr id="31" name="Oval 37">
             <a:extLst>
               <a:ext uri="{FF2B5EF4-FFF2-40B4-BE49-F238E27FC236}">
-                <a16:creationId xmlns="" xmlns:a16="http://schemas.microsoft.com/office/drawing/2014/main" id="{9C0266F1-C0B7-624A-A873-5F2C8801E766}"/>
+                <a16:creationId xmlns:a16="http://schemas.microsoft.com/office/drawing/2014/main" xmlns="" id="{9C0266F1-C0B7-624A-A873-5F2C8801E766}"/>
               </a:ext>
             </a:extLst>
           </p:cNvPr>
@@ -3158,7 +3158,7 @@
           <p:cNvPr id="32" name="Oval 38">
             <a:extLst>
               <a:ext uri="{FF2B5EF4-FFF2-40B4-BE49-F238E27FC236}">
-                <a16:creationId xmlns="" xmlns:a16="http://schemas.microsoft.com/office/drawing/2014/main" id="{30C0C10E-388C-9843-8270-19D471BD3756}"/>
+                <a16:creationId xmlns:a16="http://schemas.microsoft.com/office/drawing/2014/main" xmlns="" id="{30C0C10E-388C-9843-8270-19D471BD3756}"/>
               </a:ext>
             </a:extLst>
           </p:cNvPr>
@@ -3210,7 +3210,7 @@
           <p:cNvPr id="33" name="Oval 39">
             <a:extLst>
               <a:ext uri="{FF2B5EF4-FFF2-40B4-BE49-F238E27FC236}">
-                <a16:creationId xmlns="" xmlns:a16="http://schemas.microsoft.com/office/drawing/2014/main" id="{87047EA3-79D2-8644-A568-E64AA1D7D370}"/>
+                <a16:creationId xmlns:a16="http://schemas.microsoft.com/office/drawing/2014/main" xmlns="" id="{87047EA3-79D2-8644-A568-E64AA1D7D370}"/>
               </a:ext>
             </a:extLst>
           </p:cNvPr>
@@ -3262,7 +3262,7 @@
           <p:cNvPr id="34" name="Oval 40">
             <a:extLst>
               <a:ext uri="{FF2B5EF4-FFF2-40B4-BE49-F238E27FC236}">
-                <a16:creationId xmlns="" xmlns:a16="http://schemas.microsoft.com/office/drawing/2014/main" id="{7F5D1C6B-4E6B-0346-A5DC-C511DB14EFD6}"/>
+                <a16:creationId xmlns:a16="http://schemas.microsoft.com/office/drawing/2014/main" xmlns="" id="{7F5D1C6B-4E6B-0346-A5DC-C511DB14EFD6}"/>
               </a:ext>
             </a:extLst>
           </p:cNvPr>
@@ -3314,7 +3314,7 @@
           <p:cNvPr id="35" name="Oval 41">
             <a:extLst>
               <a:ext uri="{FF2B5EF4-FFF2-40B4-BE49-F238E27FC236}">
-                <a16:creationId xmlns="" xmlns:a16="http://schemas.microsoft.com/office/drawing/2014/main" id="{EB421DBA-35DE-2C4F-A89E-27F0998EF4E8}"/>
+                <a16:creationId xmlns:a16="http://schemas.microsoft.com/office/drawing/2014/main" xmlns="" id="{EB421DBA-35DE-2C4F-A89E-27F0998EF4E8}"/>
               </a:ext>
             </a:extLst>
           </p:cNvPr>
@@ -3366,7 +3366,7 @@
           <p:cNvPr id="36" name="Oval 42">
             <a:extLst>
               <a:ext uri="{FF2B5EF4-FFF2-40B4-BE49-F238E27FC236}">
-                <a16:creationId xmlns="" xmlns:a16="http://schemas.microsoft.com/office/drawing/2014/main" id="{081BD842-A9A1-5B44-81ED-A97BA390032B}"/>
+                <a16:creationId xmlns:a16="http://schemas.microsoft.com/office/drawing/2014/main" xmlns="" id="{081BD842-A9A1-5B44-81ED-A97BA390032B}"/>
               </a:ext>
             </a:extLst>
           </p:cNvPr>
@@ -3418,7 +3418,7 @@
           <p:cNvPr id="37" name="Oval 43">
             <a:extLst>
               <a:ext uri="{FF2B5EF4-FFF2-40B4-BE49-F238E27FC236}">
-                <a16:creationId xmlns="" xmlns:a16="http://schemas.microsoft.com/office/drawing/2014/main" id="{036EE7D2-A33A-434C-B272-C82E2CDD4D4D}"/>
+                <a16:creationId xmlns:a16="http://schemas.microsoft.com/office/drawing/2014/main" xmlns="" id="{036EE7D2-A33A-434C-B272-C82E2CDD4D4D}"/>
               </a:ext>
             </a:extLst>
           </p:cNvPr>
@@ -3470,7 +3470,7 @@
           <p:cNvPr id="38" name="Oval 44">
             <a:extLst>
               <a:ext uri="{FF2B5EF4-FFF2-40B4-BE49-F238E27FC236}">
-                <a16:creationId xmlns="" xmlns:a16="http://schemas.microsoft.com/office/drawing/2014/main" id="{7DD65DA4-F076-C242-813E-8C17DCABCCFB}"/>
+                <a16:creationId xmlns:a16="http://schemas.microsoft.com/office/drawing/2014/main" xmlns="" id="{7DD65DA4-F076-C242-813E-8C17DCABCCFB}"/>
               </a:ext>
             </a:extLst>
           </p:cNvPr>
@@ -3522,7 +3522,7 @@
           <p:cNvPr id="39" name="Oval 45">
             <a:extLst>
               <a:ext uri="{FF2B5EF4-FFF2-40B4-BE49-F238E27FC236}">
-                <a16:creationId xmlns="" xmlns:a16="http://schemas.microsoft.com/office/drawing/2014/main" id="{8A44D99D-BF66-2848-B460-F59D8ECF5690}"/>
+                <a16:creationId xmlns:a16="http://schemas.microsoft.com/office/drawing/2014/main" xmlns="" id="{8A44D99D-BF66-2848-B460-F59D8ECF5690}"/>
               </a:ext>
             </a:extLst>
           </p:cNvPr>
@@ -3574,7 +3574,7 @@
           <p:cNvPr id="40" name="Oval 46">
             <a:extLst>
               <a:ext uri="{FF2B5EF4-FFF2-40B4-BE49-F238E27FC236}">
-                <a16:creationId xmlns="" xmlns:a16="http://schemas.microsoft.com/office/drawing/2014/main" id="{9B130CEB-3D74-B647-BA6B-32F7D70FD354}"/>
+                <a16:creationId xmlns:a16="http://schemas.microsoft.com/office/drawing/2014/main" xmlns="" id="{9B130CEB-3D74-B647-BA6B-32F7D70FD354}"/>
               </a:ext>
             </a:extLst>
           </p:cNvPr>
@@ -3670,7 +3670,7 @@
           <p:cNvPr id="8" name="Picture 4" descr="Icon&#10;&#10;Description automatically generated">
             <a:extLst>
               <a:ext uri="{FF2B5EF4-FFF2-40B4-BE49-F238E27FC236}">
-                <a16:creationId xmlns="" xmlns:a16="http://schemas.microsoft.com/office/drawing/2014/main" id="{A7FA04E4-3213-8F41-B068-4DC281441422}"/>
+                <a16:creationId xmlns:a16="http://schemas.microsoft.com/office/drawing/2014/main" xmlns="" id="{A7FA04E4-3213-8F41-B068-4DC281441422}"/>
               </a:ext>
             </a:extLst>
           </p:cNvPr>
@@ -3700,7 +3700,7 @@
           <p:cNvPr id="9" name="Straight Connector 19">
             <a:extLst>
               <a:ext uri="{FF2B5EF4-FFF2-40B4-BE49-F238E27FC236}">
-                <a16:creationId xmlns="" xmlns:a16="http://schemas.microsoft.com/office/drawing/2014/main" id="{938052A0-3DF0-DC47-B7E0-C20EF981C230}"/>
+                <a16:creationId xmlns:a16="http://schemas.microsoft.com/office/drawing/2014/main" xmlns="" id="{938052A0-3DF0-DC47-B7E0-C20EF981C230}"/>
               </a:ext>
             </a:extLst>
           </p:cNvPr>
@@ -3743,7 +3743,7 @@
           <p:cNvPr id="10" name="Straight Connector 21">
             <a:extLst>
               <a:ext uri="{FF2B5EF4-FFF2-40B4-BE49-F238E27FC236}">
-                <a16:creationId xmlns="" xmlns:a16="http://schemas.microsoft.com/office/drawing/2014/main" id="{8C6147F0-3CA1-264C-B2B2-F88597196943}"/>
+                <a16:creationId xmlns:a16="http://schemas.microsoft.com/office/drawing/2014/main" xmlns="" id="{8C6147F0-3CA1-264C-B2B2-F88597196943}"/>
               </a:ext>
             </a:extLst>
           </p:cNvPr>
@@ -3786,7 +3786,7 @@
           <p:cNvPr id="11" name="Straight Connector 25">
             <a:extLst>
               <a:ext uri="{FF2B5EF4-FFF2-40B4-BE49-F238E27FC236}">
-                <a16:creationId xmlns="" xmlns:a16="http://schemas.microsoft.com/office/drawing/2014/main" id="{62CDF50E-4D58-AF4A-ABFD-140AF88B3681}"/>
+                <a16:creationId xmlns:a16="http://schemas.microsoft.com/office/drawing/2014/main" xmlns="" id="{62CDF50E-4D58-AF4A-ABFD-140AF88B3681}"/>
               </a:ext>
             </a:extLst>
           </p:cNvPr>
@@ -3829,7 +3829,7 @@
           <p:cNvPr id="12" name="TextBox 11">
             <a:extLst>
               <a:ext uri="{FF2B5EF4-FFF2-40B4-BE49-F238E27FC236}">
-                <a16:creationId xmlns="" xmlns:a16="http://schemas.microsoft.com/office/drawing/2014/main" id="{C62171D1-2A5B-7A4A-9760-17CCE51B9802}"/>
+                <a16:creationId xmlns:a16="http://schemas.microsoft.com/office/drawing/2014/main" xmlns="" id="{C62171D1-2A5B-7A4A-9760-17CCE51B9802}"/>
               </a:ext>
             </a:extLst>
           </p:cNvPr>
@@ -3875,7 +3875,7 @@
           <p:cNvPr id="13" name="Straight Connector 59">
             <a:extLst>
               <a:ext uri="{FF2B5EF4-FFF2-40B4-BE49-F238E27FC236}">
-                <a16:creationId xmlns="" xmlns:a16="http://schemas.microsoft.com/office/drawing/2014/main" id="{3C71A0C3-CD3E-0748-98E5-6B2507CAB296}"/>
+                <a16:creationId xmlns:a16="http://schemas.microsoft.com/office/drawing/2014/main" xmlns="" id="{3C71A0C3-CD3E-0748-98E5-6B2507CAB296}"/>
               </a:ext>
             </a:extLst>
           </p:cNvPr>
@@ -3918,7 +3918,7 @@
           <p:cNvPr id="14" name="Текст 37">
             <a:extLst>
               <a:ext uri="{FF2B5EF4-FFF2-40B4-BE49-F238E27FC236}">
-                <a16:creationId xmlns="" xmlns:a16="http://schemas.microsoft.com/office/drawing/2014/main" id="{9856D01B-EC9A-6047-B7FB-D47084AB3F50}"/>
+                <a16:creationId xmlns:a16="http://schemas.microsoft.com/office/drawing/2014/main" xmlns="" id="{9856D01B-EC9A-6047-B7FB-D47084AB3F50}"/>
               </a:ext>
             </a:extLst>
           </p:cNvPr>
@@ -4048,7 +4048,7 @@
           <p:cNvPr id="15" name="Текст 39">
             <a:extLst>
               <a:ext uri="{FF2B5EF4-FFF2-40B4-BE49-F238E27FC236}">
-                <a16:creationId xmlns="" xmlns:a16="http://schemas.microsoft.com/office/drawing/2014/main" id="{83E23342-AC91-354A-9A28-A14FF7BADCD2}"/>
+                <a16:creationId xmlns:a16="http://schemas.microsoft.com/office/drawing/2014/main" xmlns="" id="{83E23342-AC91-354A-9A28-A14FF7BADCD2}"/>
               </a:ext>
             </a:extLst>
           </p:cNvPr>
@@ -4146,7 +4146,7 @@
           <p:cNvPr id="17" name="Текст 39">
             <a:extLst>
               <a:ext uri="{FF2B5EF4-FFF2-40B4-BE49-F238E27FC236}">
-                <a16:creationId xmlns="" xmlns:a16="http://schemas.microsoft.com/office/drawing/2014/main" id="{BB1CCE68-8F57-1A41-BC43-633D2EFC801E}"/>
+                <a16:creationId xmlns:a16="http://schemas.microsoft.com/office/drawing/2014/main" xmlns="" id="{BB1CCE68-8F57-1A41-BC43-633D2EFC801E}"/>
               </a:ext>
             </a:extLst>
           </p:cNvPr>
@@ -4288,7 +4288,7 @@
           <p:cNvPr id="3" name="Rectangle 2">
             <a:extLst>
               <a:ext uri="{FF2B5EF4-FFF2-40B4-BE49-F238E27FC236}">
-                <a16:creationId xmlns="" xmlns:a16="http://schemas.microsoft.com/office/drawing/2014/main" id="{65234703-C735-5D41-99C2-019C7EBECCF4}"/>
+                <a16:creationId xmlns:a16="http://schemas.microsoft.com/office/drawing/2014/main" xmlns="" id="{65234703-C735-5D41-99C2-019C7EBECCF4}"/>
               </a:ext>
             </a:extLst>
           </p:cNvPr>
@@ -4334,7 +4334,7 @@
           <p:cNvPr id="2" name="Picture 1">
             <a:extLst>
               <a:ext uri="{FF2B5EF4-FFF2-40B4-BE49-F238E27FC236}">
-                <a16:creationId xmlns="" xmlns:a16="http://schemas.microsoft.com/office/drawing/2014/main" id="{682F59B5-E815-AE43-BAE2-FA594BB42C02}"/>
+                <a16:creationId xmlns:a16="http://schemas.microsoft.com/office/drawing/2014/main" xmlns="" id="{682F59B5-E815-AE43-BAE2-FA594BB42C02}"/>
               </a:ext>
             </a:extLst>
           </p:cNvPr>
@@ -4407,7 +4407,7 @@
           <p:cNvPr id="10" name="Picture 4" descr="Icon&#10;&#10;Description automatically generated">
             <a:extLst>
               <a:ext uri="{FF2B5EF4-FFF2-40B4-BE49-F238E27FC236}">
-                <a16:creationId xmlns="" xmlns:a16="http://schemas.microsoft.com/office/drawing/2014/main" id="{4A1436AC-5F96-2A4F-BFC7-B3442083EBE4}"/>
+                <a16:creationId xmlns:a16="http://schemas.microsoft.com/office/drawing/2014/main" xmlns="" id="{4A1436AC-5F96-2A4F-BFC7-B3442083EBE4}"/>
               </a:ext>
             </a:extLst>
           </p:cNvPr>
@@ -4437,7 +4437,7 @@
           <p:cNvPr id="11" name="Straight Connector 19">
             <a:extLst>
               <a:ext uri="{FF2B5EF4-FFF2-40B4-BE49-F238E27FC236}">
-                <a16:creationId xmlns="" xmlns:a16="http://schemas.microsoft.com/office/drawing/2014/main" id="{067DD2ED-246D-7D41-B51F-FED98BF873FD}"/>
+                <a16:creationId xmlns:a16="http://schemas.microsoft.com/office/drawing/2014/main" xmlns="" id="{067DD2ED-246D-7D41-B51F-FED98BF873FD}"/>
               </a:ext>
             </a:extLst>
           </p:cNvPr>
@@ -4480,7 +4480,7 @@
           <p:cNvPr id="12" name="Straight Connector 21">
             <a:extLst>
               <a:ext uri="{FF2B5EF4-FFF2-40B4-BE49-F238E27FC236}">
-                <a16:creationId xmlns="" xmlns:a16="http://schemas.microsoft.com/office/drawing/2014/main" id="{68E8C250-D449-A743-8975-B5BFB04D9744}"/>
+                <a16:creationId xmlns:a16="http://schemas.microsoft.com/office/drawing/2014/main" xmlns="" id="{68E8C250-D449-A743-8975-B5BFB04D9744}"/>
               </a:ext>
             </a:extLst>
           </p:cNvPr>
@@ -4523,7 +4523,7 @@
           <p:cNvPr id="13" name="Straight Connector 25">
             <a:extLst>
               <a:ext uri="{FF2B5EF4-FFF2-40B4-BE49-F238E27FC236}">
-                <a16:creationId xmlns="" xmlns:a16="http://schemas.microsoft.com/office/drawing/2014/main" id="{DD1C71CA-B883-AF42-959D-BCA5690AAA4B}"/>
+                <a16:creationId xmlns:a16="http://schemas.microsoft.com/office/drawing/2014/main" xmlns="" id="{DD1C71CA-B883-AF42-959D-BCA5690AAA4B}"/>
               </a:ext>
             </a:extLst>
           </p:cNvPr>
@@ -4566,7 +4566,7 @@
           <p:cNvPr id="17" name="TextBox 16">
             <a:extLst>
               <a:ext uri="{FF2B5EF4-FFF2-40B4-BE49-F238E27FC236}">
-                <a16:creationId xmlns="" xmlns:a16="http://schemas.microsoft.com/office/drawing/2014/main" id="{24D3A12E-0E10-C441-81D2-C3C1EB6A0537}"/>
+                <a16:creationId xmlns:a16="http://schemas.microsoft.com/office/drawing/2014/main" xmlns="" id="{24D3A12E-0E10-C441-81D2-C3C1EB6A0537}"/>
               </a:ext>
             </a:extLst>
           </p:cNvPr>
@@ -4612,7 +4612,7 @@
           <p:cNvPr id="19" name="Straight Connector 59">
             <a:extLst>
               <a:ext uri="{FF2B5EF4-FFF2-40B4-BE49-F238E27FC236}">
-                <a16:creationId xmlns="" xmlns:a16="http://schemas.microsoft.com/office/drawing/2014/main" id="{3447008E-4F3B-FC4E-B96D-3927FAE1ED17}"/>
+                <a16:creationId xmlns:a16="http://schemas.microsoft.com/office/drawing/2014/main" xmlns="" id="{3447008E-4F3B-FC4E-B96D-3927FAE1ED17}"/>
               </a:ext>
             </a:extLst>
           </p:cNvPr>
@@ -4655,7 +4655,7 @@
           <p:cNvPr id="24" name="Рисунок 23">
             <a:extLst>
               <a:ext uri="{FF2B5EF4-FFF2-40B4-BE49-F238E27FC236}">
-                <a16:creationId xmlns="" xmlns:a16="http://schemas.microsoft.com/office/drawing/2014/main" id="{61115A7A-23E5-E442-9551-F72F1CDA57B9}"/>
+                <a16:creationId xmlns:a16="http://schemas.microsoft.com/office/drawing/2014/main" xmlns="" id="{61115A7A-23E5-E442-9551-F72F1CDA57B9}"/>
               </a:ext>
             </a:extLst>
           </p:cNvPr>
@@ -4745,7 +4745,7 @@
           <p:cNvPr id="32" name="Заголовок 31">
             <a:extLst>
               <a:ext uri="{FF2B5EF4-FFF2-40B4-BE49-F238E27FC236}">
-                <a16:creationId xmlns="" xmlns:a16="http://schemas.microsoft.com/office/drawing/2014/main" id="{9ED7AA97-D972-DF4F-B662-A65F2A544CC5}"/>
+                <a16:creationId xmlns:a16="http://schemas.microsoft.com/office/drawing/2014/main" xmlns="" id="{9ED7AA97-D972-DF4F-B662-A65F2A544CC5}"/>
               </a:ext>
             </a:extLst>
           </p:cNvPr>
@@ -4844,7 +4844,7 @@
           <p:cNvPr id="36" name="Текст 35">
             <a:extLst>
               <a:ext uri="{FF2B5EF4-FFF2-40B4-BE49-F238E27FC236}">
-                <a16:creationId xmlns="" xmlns:a16="http://schemas.microsoft.com/office/drawing/2014/main" id="{69E35E54-2B19-7441-876F-1C6A84F4F156}"/>
+                <a16:creationId xmlns:a16="http://schemas.microsoft.com/office/drawing/2014/main" xmlns="" id="{69E35E54-2B19-7441-876F-1C6A84F4F156}"/>
               </a:ext>
             </a:extLst>
           </p:cNvPr>
@@ -4979,7 +4979,7 @@
           <p:cNvPr id="38" name="Текст 37">
             <a:extLst>
               <a:ext uri="{FF2B5EF4-FFF2-40B4-BE49-F238E27FC236}">
-                <a16:creationId xmlns="" xmlns:a16="http://schemas.microsoft.com/office/drawing/2014/main" id="{7FB4A275-856E-364D-8AA4-2071AADC6AAA}"/>
+                <a16:creationId xmlns:a16="http://schemas.microsoft.com/office/drawing/2014/main" xmlns="" id="{7FB4A275-856E-364D-8AA4-2071AADC6AAA}"/>
               </a:ext>
             </a:extLst>
           </p:cNvPr>
@@ -5109,7 +5109,7 @@
           <p:cNvPr id="40" name="Текст 39">
             <a:extLst>
               <a:ext uri="{FF2B5EF4-FFF2-40B4-BE49-F238E27FC236}">
-                <a16:creationId xmlns="" xmlns:a16="http://schemas.microsoft.com/office/drawing/2014/main" id="{58FBA0EA-8BE0-A643-B258-4E5C34467172}"/>
+                <a16:creationId xmlns:a16="http://schemas.microsoft.com/office/drawing/2014/main" xmlns="" id="{58FBA0EA-8BE0-A643-B258-4E5C34467172}"/>
               </a:ext>
             </a:extLst>
           </p:cNvPr>
@@ -5207,7 +5207,7 @@
           <p:cNvPr id="41" name="Текст 39">
             <a:extLst>
               <a:ext uri="{FF2B5EF4-FFF2-40B4-BE49-F238E27FC236}">
-                <a16:creationId xmlns="" xmlns:a16="http://schemas.microsoft.com/office/drawing/2014/main" id="{0BEC062F-1BEB-DE4C-B7EE-C552C9D45F13}"/>
+                <a16:creationId xmlns:a16="http://schemas.microsoft.com/office/drawing/2014/main" xmlns="" id="{0BEC062F-1BEB-DE4C-B7EE-C552C9D45F13}"/>
               </a:ext>
             </a:extLst>
           </p:cNvPr>
@@ -5349,7 +5349,7 @@
           <p:cNvPr id="7" name="Picture 4" descr="Icon&#10;&#10;Description automatically generated">
             <a:extLst>
               <a:ext uri="{FF2B5EF4-FFF2-40B4-BE49-F238E27FC236}">
-                <a16:creationId xmlns="" xmlns:a16="http://schemas.microsoft.com/office/drawing/2014/main" id="{FDC66DB8-29BC-5940-A721-40F10021456A}"/>
+                <a16:creationId xmlns:a16="http://schemas.microsoft.com/office/drawing/2014/main" xmlns="" id="{FDC66DB8-29BC-5940-A721-40F10021456A}"/>
               </a:ext>
             </a:extLst>
           </p:cNvPr>
@@ -5379,7 +5379,7 @@
           <p:cNvPr id="8" name="Straight Connector 19">
             <a:extLst>
               <a:ext uri="{FF2B5EF4-FFF2-40B4-BE49-F238E27FC236}">
-                <a16:creationId xmlns="" xmlns:a16="http://schemas.microsoft.com/office/drawing/2014/main" id="{DE27C859-478F-3648-8A9D-2C85DBDCAC09}"/>
+                <a16:creationId xmlns:a16="http://schemas.microsoft.com/office/drawing/2014/main" xmlns="" id="{DE27C859-478F-3648-8A9D-2C85DBDCAC09}"/>
               </a:ext>
             </a:extLst>
           </p:cNvPr>
@@ -5422,7 +5422,7 @@
           <p:cNvPr id="9" name="Straight Connector 21">
             <a:extLst>
               <a:ext uri="{FF2B5EF4-FFF2-40B4-BE49-F238E27FC236}">
-                <a16:creationId xmlns="" xmlns:a16="http://schemas.microsoft.com/office/drawing/2014/main" id="{58EA1144-CFD8-1D47-B430-7014F576043B}"/>
+                <a16:creationId xmlns:a16="http://schemas.microsoft.com/office/drawing/2014/main" xmlns="" id="{58EA1144-CFD8-1D47-B430-7014F576043B}"/>
               </a:ext>
             </a:extLst>
           </p:cNvPr>
@@ -5465,7 +5465,7 @@
           <p:cNvPr id="10" name="Straight Connector 25">
             <a:extLst>
               <a:ext uri="{FF2B5EF4-FFF2-40B4-BE49-F238E27FC236}">
-                <a16:creationId xmlns="" xmlns:a16="http://schemas.microsoft.com/office/drawing/2014/main" id="{96EDC73C-5A3C-014E-8E52-04CAFCA9B20B}"/>
+                <a16:creationId xmlns:a16="http://schemas.microsoft.com/office/drawing/2014/main" xmlns="" id="{96EDC73C-5A3C-014E-8E52-04CAFCA9B20B}"/>
               </a:ext>
             </a:extLst>
           </p:cNvPr>
@@ -5508,7 +5508,7 @@
           <p:cNvPr id="11" name="TextBox 10">
             <a:extLst>
               <a:ext uri="{FF2B5EF4-FFF2-40B4-BE49-F238E27FC236}">
-                <a16:creationId xmlns="" xmlns:a16="http://schemas.microsoft.com/office/drawing/2014/main" id="{55E88681-53A8-3B45-B80A-372EDFB53883}"/>
+                <a16:creationId xmlns:a16="http://schemas.microsoft.com/office/drawing/2014/main" xmlns="" id="{55E88681-53A8-3B45-B80A-372EDFB53883}"/>
               </a:ext>
             </a:extLst>
           </p:cNvPr>
@@ -5554,7 +5554,7 @@
           <p:cNvPr id="12" name="Straight Connector 59">
             <a:extLst>
               <a:ext uri="{FF2B5EF4-FFF2-40B4-BE49-F238E27FC236}">
-                <a16:creationId xmlns="" xmlns:a16="http://schemas.microsoft.com/office/drawing/2014/main" id="{EDA7D8BF-DF37-704F-B77F-7E40752ACE25}"/>
+                <a16:creationId xmlns:a16="http://schemas.microsoft.com/office/drawing/2014/main" xmlns="" id="{EDA7D8BF-DF37-704F-B77F-7E40752ACE25}"/>
               </a:ext>
             </a:extLst>
           </p:cNvPr>
@@ -5597,7 +5597,7 @@
           <p:cNvPr id="13" name="Текст 37">
             <a:extLst>
               <a:ext uri="{FF2B5EF4-FFF2-40B4-BE49-F238E27FC236}">
-                <a16:creationId xmlns="" xmlns:a16="http://schemas.microsoft.com/office/drawing/2014/main" id="{5026DBD8-54A3-1446-9D3B-BA2B38460F1E}"/>
+                <a16:creationId xmlns:a16="http://schemas.microsoft.com/office/drawing/2014/main" xmlns="" id="{5026DBD8-54A3-1446-9D3B-BA2B38460F1E}"/>
               </a:ext>
             </a:extLst>
           </p:cNvPr>
@@ -5727,7 +5727,7 @@
           <p:cNvPr id="14" name="Текст 39">
             <a:extLst>
               <a:ext uri="{FF2B5EF4-FFF2-40B4-BE49-F238E27FC236}">
-                <a16:creationId xmlns="" xmlns:a16="http://schemas.microsoft.com/office/drawing/2014/main" id="{E8AA3569-5054-7D47-AB14-BCFB0440D0A6}"/>
+                <a16:creationId xmlns:a16="http://schemas.microsoft.com/office/drawing/2014/main" xmlns="" id="{E8AA3569-5054-7D47-AB14-BCFB0440D0A6}"/>
               </a:ext>
             </a:extLst>
           </p:cNvPr>
@@ -5825,7 +5825,7 @@
           <p:cNvPr id="16" name="Заголовок 31">
             <a:extLst>
               <a:ext uri="{FF2B5EF4-FFF2-40B4-BE49-F238E27FC236}">
-                <a16:creationId xmlns="" xmlns:a16="http://schemas.microsoft.com/office/drawing/2014/main" id="{76942483-EB13-0A4B-8060-DB65024C294E}"/>
+                <a16:creationId xmlns:a16="http://schemas.microsoft.com/office/drawing/2014/main" xmlns="" id="{76942483-EB13-0A4B-8060-DB65024C294E}"/>
               </a:ext>
             </a:extLst>
           </p:cNvPr>
@@ -5907,7 +5907,7 @@
           <p:cNvPr id="17" name="Текст 35">
             <a:extLst>
               <a:ext uri="{FF2B5EF4-FFF2-40B4-BE49-F238E27FC236}">
-                <a16:creationId xmlns="" xmlns:a16="http://schemas.microsoft.com/office/drawing/2014/main" id="{66FAD63B-F743-0F47-BBE3-D7731766705A}"/>
+                <a16:creationId xmlns:a16="http://schemas.microsoft.com/office/drawing/2014/main" xmlns="" id="{66FAD63B-F743-0F47-BBE3-D7731766705A}"/>
               </a:ext>
             </a:extLst>
           </p:cNvPr>
@@ -6048,7 +6048,7 @@
           <p:cNvPr id="18" name="Текст 39">
             <a:extLst>
               <a:ext uri="{FF2B5EF4-FFF2-40B4-BE49-F238E27FC236}">
-                <a16:creationId xmlns="" xmlns:a16="http://schemas.microsoft.com/office/drawing/2014/main" id="{8A048480-30C9-044E-8C2E-0F67398FEE12}"/>
+                <a16:creationId xmlns:a16="http://schemas.microsoft.com/office/drawing/2014/main" xmlns="" id="{8A048480-30C9-044E-8C2E-0F67398FEE12}"/>
               </a:ext>
             </a:extLst>
           </p:cNvPr>
@@ -6190,7 +6190,7 @@
           <p:cNvPr id="7" name="Picture 4" descr="Icon&#10;&#10;Description automatically generated">
             <a:extLst>
               <a:ext uri="{FF2B5EF4-FFF2-40B4-BE49-F238E27FC236}">
-                <a16:creationId xmlns="" xmlns:a16="http://schemas.microsoft.com/office/drawing/2014/main" id="{0E78CA68-7A0C-CF41-9AC6-A547FB9EC3B0}"/>
+                <a16:creationId xmlns:a16="http://schemas.microsoft.com/office/drawing/2014/main" xmlns="" id="{0E78CA68-7A0C-CF41-9AC6-A547FB9EC3B0}"/>
               </a:ext>
             </a:extLst>
           </p:cNvPr>
@@ -6220,7 +6220,7 @@
           <p:cNvPr id="8" name="Straight Connector 19">
             <a:extLst>
               <a:ext uri="{FF2B5EF4-FFF2-40B4-BE49-F238E27FC236}">
-                <a16:creationId xmlns="" xmlns:a16="http://schemas.microsoft.com/office/drawing/2014/main" id="{45DC512A-A23B-B24D-A1F6-6793976867CF}"/>
+                <a16:creationId xmlns:a16="http://schemas.microsoft.com/office/drawing/2014/main" xmlns="" id="{45DC512A-A23B-B24D-A1F6-6793976867CF}"/>
               </a:ext>
             </a:extLst>
           </p:cNvPr>
@@ -6263,7 +6263,7 @@
           <p:cNvPr id="9" name="Straight Connector 21">
             <a:extLst>
               <a:ext uri="{FF2B5EF4-FFF2-40B4-BE49-F238E27FC236}">
-                <a16:creationId xmlns="" xmlns:a16="http://schemas.microsoft.com/office/drawing/2014/main" id="{21F91649-DF0F-5F45-A43B-2CED9ACDD049}"/>
+                <a16:creationId xmlns:a16="http://schemas.microsoft.com/office/drawing/2014/main" xmlns="" id="{21F91649-DF0F-5F45-A43B-2CED9ACDD049}"/>
               </a:ext>
             </a:extLst>
           </p:cNvPr>
@@ -6306,7 +6306,7 @@
           <p:cNvPr id="10" name="Straight Connector 25">
             <a:extLst>
               <a:ext uri="{FF2B5EF4-FFF2-40B4-BE49-F238E27FC236}">
-                <a16:creationId xmlns="" xmlns:a16="http://schemas.microsoft.com/office/drawing/2014/main" id="{3137B760-1A50-1845-B7F2-1EF31C71C72B}"/>
+                <a16:creationId xmlns:a16="http://schemas.microsoft.com/office/drawing/2014/main" xmlns="" id="{3137B760-1A50-1845-B7F2-1EF31C71C72B}"/>
               </a:ext>
             </a:extLst>
           </p:cNvPr>
@@ -6349,7 +6349,7 @@
           <p:cNvPr id="11" name="TextBox 10">
             <a:extLst>
               <a:ext uri="{FF2B5EF4-FFF2-40B4-BE49-F238E27FC236}">
-                <a16:creationId xmlns="" xmlns:a16="http://schemas.microsoft.com/office/drawing/2014/main" id="{05ECCF8F-5855-7943-B503-5573887A534D}"/>
+                <a16:creationId xmlns:a16="http://schemas.microsoft.com/office/drawing/2014/main" xmlns="" id="{05ECCF8F-5855-7943-B503-5573887A534D}"/>
               </a:ext>
             </a:extLst>
           </p:cNvPr>
@@ -6395,7 +6395,7 @@
           <p:cNvPr id="12" name="Straight Connector 59">
             <a:extLst>
               <a:ext uri="{FF2B5EF4-FFF2-40B4-BE49-F238E27FC236}">
-                <a16:creationId xmlns="" xmlns:a16="http://schemas.microsoft.com/office/drawing/2014/main" id="{FB81B23D-CDD8-E64C-9887-3540F7EE1C4B}"/>
+                <a16:creationId xmlns:a16="http://schemas.microsoft.com/office/drawing/2014/main" xmlns="" id="{FB81B23D-CDD8-E64C-9887-3540F7EE1C4B}"/>
               </a:ext>
             </a:extLst>
           </p:cNvPr>
@@ -6438,7 +6438,7 @@
           <p:cNvPr id="13" name="Текст 37">
             <a:extLst>
               <a:ext uri="{FF2B5EF4-FFF2-40B4-BE49-F238E27FC236}">
-                <a16:creationId xmlns="" xmlns:a16="http://schemas.microsoft.com/office/drawing/2014/main" id="{C2D710AE-3CBE-5940-A7EB-F96132E6592D}"/>
+                <a16:creationId xmlns:a16="http://schemas.microsoft.com/office/drawing/2014/main" xmlns="" id="{C2D710AE-3CBE-5940-A7EB-F96132E6592D}"/>
               </a:ext>
             </a:extLst>
           </p:cNvPr>
@@ -6568,7 +6568,7 @@
           <p:cNvPr id="14" name="Текст 39">
             <a:extLst>
               <a:ext uri="{FF2B5EF4-FFF2-40B4-BE49-F238E27FC236}">
-                <a16:creationId xmlns="" xmlns:a16="http://schemas.microsoft.com/office/drawing/2014/main" id="{FCC5A33D-0A3C-F140-B745-367744A5F308}"/>
+                <a16:creationId xmlns:a16="http://schemas.microsoft.com/office/drawing/2014/main" xmlns="" id="{FCC5A33D-0A3C-F140-B745-367744A5F308}"/>
               </a:ext>
             </a:extLst>
           </p:cNvPr>
@@ -6666,7 +6666,7 @@
           <p:cNvPr id="17" name="Текст 35">
             <a:extLst>
               <a:ext uri="{FF2B5EF4-FFF2-40B4-BE49-F238E27FC236}">
-                <a16:creationId xmlns="" xmlns:a16="http://schemas.microsoft.com/office/drawing/2014/main" id="{5163BE0A-A745-414A-AF21-D968BD69D2DA}"/>
+                <a16:creationId xmlns:a16="http://schemas.microsoft.com/office/drawing/2014/main" xmlns="" id="{5163BE0A-A745-414A-AF21-D968BD69D2DA}"/>
               </a:ext>
             </a:extLst>
           </p:cNvPr>
@@ -6801,7 +6801,7 @@
           <p:cNvPr id="20" name="Текст 35">
             <a:extLst>
               <a:ext uri="{FF2B5EF4-FFF2-40B4-BE49-F238E27FC236}">
-                <a16:creationId xmlns="" xmlns:a16="http://schemas.microsoft.com/office/drawing/2014/main" id="{B3D47CF6-5FC1-2346-8894-A7CC39063DE3}"/>
+                <a16:creationId xmlns:a16="http://schemas.microsoft.com/office/drawing/2014/main" xmlns="" id="{B3D47CF6-5FC1-2346-8894-A7CC39063DE3}"/>
               </a:ext>
             </a:extLst>
           </p:cNvPr>
@@ -6934,7 +6934,7 @@
           <p:cNvPr id="23" name="Текст 22">
             <a:extLst>
               <a:ext uri="{FF2B5EF4-FFF2-40B4-BE49-F238E27FC236}">
-                <a16:creationId xmlns="" xmlns:a16="http://schemas.microsoft.com/office/drawing/2014/main" id="{CD14B8F3-89C2-9F45-809E-D1EAF85AC566}"/>
+                <a16:creationId xmlns:a16="http://schemas.microsoft.com/office/drawing/2014/main" xmlns="" id="{CD14B8F3-89C2-9F45-809E-D1EAF85AC566}"/>
               </a:ext>
             </a:extLst>
           </p:cNvPr>
@@ -7018,7 +7018,7 @@
           <p:cNvPr id="24" name="Текст 39">
             <a:extLst>
               <a:ext uri="{FF2B5EF4-FFF2-40B4-BE49-F238E27FC236}">
-                <a16:creationId xmlns="" xmlns:a16="http://schemas.microsoft.com/office/drawing/2014/main" id="{3BE4279A-8109-B244-B721-18F10C696B17}"/>
+                <a16:creationId xmlns:a16="http://schemas.microsoft.com/office/drawing/2014/main" xmlns="" id="{3BE4279A-8109-B244-B721-18F10C696B17}"/>
               </a:ext>
             </a:extLst>
           </p:cNvPr>
@@ -7116,7 +7116,7 @@
           <p:cNvPr id="25" name="Заголовок 31">
             <a:extLst>
               <a:ext uri="{FF2B5EF4-FFF2-40B4-BE49-F238E27FC236}">
-                <a16:creationId xmlns="" xmlns:a16="http://schemas.microsoft.com/office/drawing/2014/main" id="{B32DC3D4-97A5-3E4F-A29B-422D5E3129B7}"/>
+                <a16:creationId xmlns:a16="http://schemas.microsoft.com/office/drawing/2014/main" xmlns="" id="{B32DC3D4-97A5-3E4F-A29B-422D5E3129B7}"/>
               </a:ext>
             </a:extLst>
           </p:cNvPr>
@@ -7242,7 +7242,7 @@
           <p:cNvPr id="7" name="Picture 4" descr="Icon&#10;&#10;Description automatically generated">
             <a:extLst>
               <a:ext uri="{FF2B5EF4-FFF2-40B4-BE49-F238E27FC236}">
-                <a16:creationId xmlns="" xmlns:a16="http://schemas.microsoft.com/office/drawing/2014/main" id="{9E89D752-CAC6-0943-9A3D-4C52DBF50CE2}"/>
+                <a16:creationId xmlns:a16="http://schemas.microsoft.com/office/drawing/2014/main" xmlns="" id="{9E89D752-CAC6-0943-9A3D-4C52DBF50CE2}"/>
               </a:ext>
             </a:extLst>
           </p:cNvPr>
@@ -7272,7 +7272,7 @@
           <p:cNvPr id="8" name="Straight Connector 19">
             <a:extLst>
               <a:ext uri="{FF2B5EF4-FFF2-40B4-BE49-F238E27FC236}">
-                <a16:creationId xmlns="" xmlns:a16="http://schemas.microsoft.com/office/drawing/2014/main" id="{64D89E64-93BB-044D-B3D4-8F2679C5CA4C}"/>
+                <a16:creationId xmlns:a16="http://schemas.microsoft.com/office/drawing/2014/main" xmlns="" id="{64D89E64-93BB-044D-B3D4-8F2679C5CA4C}"/>
               </a:ext>
             </a:extLst>
           </p:cNvPr>
@@ -7315,7 +7315,7 @@
           <p:cNvPr id="9" name="Straight Connector 21">
             <a:extLst>
               <a:ext uri="{FF2B5EF4-FFF2-40B4-BE49-F238E27FC236}">
-                <a16:creationId xmlns="" xmlns:a16="http://schemas.microsoft.com/office/drawing/2014/main" id="{D0C3B169-866D-C645-AF76-00F8C2A97E9B}"/>
+                <a16:creationId xmlns:a16="http://schemas.microsoft.com/office/drawing/2014/main" xmlns="" id="{D0C3B169-866D-C645-AF76-00F8C2A97E9B}"/>
               </a:ext>
             </a:extLst>
           </p:cNvPr>
@@ -7358,7 +7358,7 @@
           <p:cNvPr id="10" name="Straight Connector 25">
             <a:extLst>
               <a:ext uri="{FF2B5EF4-FFF2-40B4-BE49-F238E27FC236}">
-                <a16:creationId xmlns="" xmlns:a16="http://schemas.microsoft.com/office/drawing/2014/main" id="{FDDF48AB-D8AE-0E42-A544-8EA5B8744778}"/>
+                <a16:creationId xmlns:a16="http://schemas.microsoft.com/office/drawing/2014/main" xmlns="" id="{FDDF48AB-D8AE-0E42-A544-8EA5B8744778}"/>
               </a:ext>
             </a:extLst>
           </p:cNvPr>
@@ -7401,7 +7401,7 @@
           <p:cNvPr id="11" name="TextBox 10">
             <a:extLst>
               <a:ext uri="{FF2B5EF4-FFF2-40B4-BE49-F238E27FC236}">
-                <a16:creationId xmlns="" xmlns:a16="http://schemas.microsoft.com/office/drawing/2014/main" id="{66DF89EC-1E7C-3B40-85F4-6D19A7D29AC7}"/>
+                <a16:creationId xmlns:a16="http://schemas.microsoft.com/office/drawing/2014/main" xmlns="" id="{66DF89EC-1E7C-3B40-85F4-6D19A7D29AC7}"/>
               </a:ext>
             </a:extLst>
           </p:cNvPr>
@@ -7447,7 +7447,7 @@
           <p:cNvPr id="12" name="Straight Connector 59">
             <a:extLst>
               <a:ext uri="{FF2B5EF4-FFF2-40B4-BE49-F238E27FC236}">
-                <a16:creationId xmlns="" xmlns:a16="http://schemas.microsoft.com/office/drawing/2014/main" id="{019D6862-BD52-734D-9E19-38C147CA2D29}"/>
+                <a16:creationId xmlns:a16="http://schemas.microsoft.com/office/drawing/2014/main" xmlns="" id="{019D6862-BD52-734D-9E19-38C147CA2D29}"/>
               </a:ext>
             </a:extLst>
           </p:cNvPr>
@@ -7490,7 +7490,7 @@
           <p:cNvPr id="13" name="Текст 37">
             <a:extLst>
               <a:ext uri="{FF2B5EF4-FFF2-40B4-BE49-F238E27FC236}">
-                <a16:creationId xmlns="" xmlns:a16="http://schemas.microsoft.com/office/drawing/2014/main" id="{A9BD5ADD-B3F2-C342-82F7-83683F040D2F}"/>
+                <a16:creationId xmlns:a16="http://schemas.microsoft.com/office/drawing/2014/main" xmlns="" id="{A9BD5ADD-B3F2-C342-82F7-83683F040D2F}"/>
               </a:ext>
             </a:extLst>
           </p:cNvPr>
@@ -7620,7 +7620,7 @@
           <p:cNvPr id="14" name="Текст 39">
             <a:extLst>
               <a:ext uri="{FF2B5EF4-FFF2-40B4-BE49-F238E27FC236}">
-                <a16:creationId xmlns="" xmlns:a16="http://schemas.microsoft.com/office/drawing/2014/main" id="{4F15CBC0-FC8B-744E-95A7-C9863CDC31BD}"/>
+                <a16:creationId xmlns:a16="http://schemas.microsoft.com/office/drawing/2014/main" xmlns="" id="{4F15CBC0-FC8B-744E-95A7-C9863CDC31BD}"/>
               </a:ext>
             </a:extLst>
           </p:cNvPr>
@@ -7718,7 +7718,7 @@
           <p:cNvPr id="16" name="Текст 39">
             <a:extLst>
               <a:ext uri="{FF2B5EF4-FFF2-40B4-BE49-F238E27FC236}">
-                <a16:creationId xmlns="" xmlns:a16="http://schemas.microsoft.com/office/drawing/2014/main" id="{BC3B54AA-A0BD-E646-B3B7-C0E724D26D23}"/>
+                <a16:creationId xmlns:a16="http://schemas.microsoft.com/office/drawing/2014/main" xmlns="" id="{BC3B54AA-A0BD-E646-B3B7-C0E724D26D23}"/>
               </a:ext>
             </a:extLst>
           </p:cNvPr>
@@ -7816,7 +7816,7 @@
           <p:cNvPr id="17" name="Заголовок 31">
             <a:extLst>
               <a:ext uri="{FF2B5EF4-FFF2-40B4-BE49-F238E27FC236}">
-                <a16:creationId xmlns="" xmlns:a16="http://schemas.microsoft.com/office/drawing/2014/main" id="{B3F16318-C9C3-B948-A508-4BC53D0B7716}"/>
+                <a16:creationId xmlns:a16="http://schemas.microsoft.com/office/drawing/2014/main" xmlns="" id="{B3F16318-C9C3-B948-A508-4BC53D0B7716}"/>
               </a:ext>
             </a:extLst>
           </p:cNvPr>
@@ -7915,7 +7915,7 @@
           <p:cNvPr id="18" name="Текст 35">
             <a:extLst>
               <a:ext uri="{FF2B5EF4-FFF2-40B4-BE49-F238E27FC236}">
-                <a16:creationId xmlns="" xmlns:a16="http://schemas.microsoft.com/office/drawing/2014/main" id="{23B3E5FB-BBCE-4149-AD9A-8CAB06CC9FCF}"/>
+                <a16:creationId xmlns:a16="http://schemas.microsoft.com/office/drawing/2014/main" xmlns="" id="{23B3E5FB-BBCE-4149-AD9A-8CAB06CC9FCF}"/>
               </a:ext>
             </a:extLst>
           </p:cNvPr>
@@ -8594,7 +8594,7 @@
           <p:cNvPr id="19" name="Текст 35">
             <a:extLst>
               <a:ext uri="{FF2B5EF4-FFF2-40B4-BE49-F238E27FC236}">
-                <a16:creationId xmlns="" xmlns:a16="http://schemas.microsoft.com/office/drawing/2014/main" id="{658542D3-7E45-6E46-8039-27C4C43DD617}"/>
+                <a16:creationId xmlns:a16="http://schemas.microsoft.com/office/drawing/2014/main" xmlns="" id="{658542D3-7E45-6E46-8039-27C4C43DD617}"/>
               </a:ext>
             </a:extLst>
           </p:cNvPr>
@@ -8727,7 +8727,7 @@
           <p:cNvPr id="21" name="Диаграмма 7">
             <a:extLst>
               <a:ext uri="{FF2B5EF4-FFF2-40B4-BE49-F238E27FC236}">
-                <a16:creationId xmlns="" xmlns:a16="http://schemas.microsoft.com/office/drawing/2014/main" id="{57965DCA-4776-7546-97FD-A69317A34CF2}"/>
+                <a16:creationId xmlns:a16="http://schemas.microsoft.com/office/drawing/2014/main" xmlns="" id="{57965DCA-4776-7546-97FD-A69317A34CF2}"/>
               </a:ext>
             </a:extLst>
           </p:cNvPr>
@@ -8801,7 +8801,7 @@
           <p:cNvPr id="8" name="Picture 4" descr="Icon&#10;&#10;Description automatically generated">
             <a:extLst>
               <a:ext uri="{FF2B5EF4-FFF2-40B4-BE49-F238E27FC236}">
-                <a16:creationId xmlns="" xmlns:a16="http://schemas.microsoft.com/office/drawing/2014/main" id="{11D7C3EB-CCEB-E142-9753-8B2D75A0A80D}"/>
+                <a16:creationId xmlns:a16="http://schemas.microsoft.com/office/drawing/2014/main" xmlns="" id="{11D7C3EB-CCEB-E142-9753-8B2D75A0A80D}"/>
               </a:ext>
             </a:extLst>
           </p:cNvPr>
@@ -8831,7 +8831,7 @@
           <p:cNvPr id="9" name="Straight Connector 19">
             <a:extLst>
               <a:ext uri="{FF2B5EF4-FFF2-40B4-BE49-F238E27FC236}">
-                <a16:creationId xmlns="" xmlns:a16="http://schemas.microsoft.com/office/drawing/2014/main" id="{527C9F89-51CC-D243-9351-73AB081DB944}"/>
+                <a16:creationId xmlns:a16="http://schemas.microsoft.com/office/drawing/2014/main" xmlns="" id="{527C9F89-51CC-D243-9351-73AB081DB944}"/>
               </a:ext>
             </a:extLst>
           </p:cNvPr>
@@ -8874,7 +8874,7 @@
           <p:cNvPr id="10" name="Straight Connector 21">
             <a:extLst>
               <a:ext uri="{FF2B5EF4-FFF2-40B4-BE49-F238E27FC236}">
-                <a16:creationId xmlns="" xmlns:a16="http://schemas.microsoft.com/office/drawing/2014/main" id="{F09EE119-6C80-E846-95F9-BB3907664128}"/>
+                <a16:creationId xmlns:a16="http://schemas.microsoft.com/office/drawing/2014/main" xmlns="" id="{F09EE119-6C80-E846-95F9-BB3907664128}"/>
               </a:ext>
             </a:extLst>
           </p:cNvPr>
@@ -8917,7 +8917,7 @@
           <p:cNvPr id="11" name="Straight Connector 25">
             <a:extLst>
               <a:ext uri="{FF2B5EF4-FFF2-40B4-BE49-F238E27FC236}">
-                <a16:creationId xmlns="" xmlns:a16="http://schemas.microsoft.com/office/drawing/2014/main" id="{6C0A681B-44BF-6A46-98D8-483EF13B9114}"/>
+                <a16:creationId xmlns:a16="http://schemas.microsoft.com/office/drawing/2014/main" xmlns="" id="{6C0A681B-44BF-6A46-98D8-483EF13B9114}"/>
               </a:ext>
             </a:extLst>
           </p:cNvPr>
@@ -8960,7 +8960,7 @@
           <p:cNvPr id="12" name="TextBox 11">
             <a:extLst>
               <a:ext uri="{FF2B5EF4-FFF2-40B4-BE49-F238E27FC236}">
-                <a16:creationId xmlns="" xmlns:a16="http://schemas.microsoft.com/office/drawing/2014/main" id="{C65A5D7C-EB12-9D4D-A99A-4B26C81B7387}"/>
+                <a16:creationId xmlns:a16="http://schemas.microsoft.com/office/drawing/2014/main" xmlns="" id="{C65A5D7C-EB12-9D4D-A99A-4B26C81B7387}"/>
               </a:ext>
             </a:extLst>
           </p:cNvPr>
@@ -9006,7 +9006,7 @@
           <p:cNvPr id="13" name="Straight Connector 59">
             <a:extLst>
               <a:ext uri="{FF2B5EF4-FFF2-40B4-BE49-F238E27FC236}">
-                <a16:creationId xmlns="" xmlns:a16="http://schemas.microsoft.com/office/drawing/2014/main" id="{D4C3D74D-BE91-9547-ADCA-ACCE93C18789}"/>
+                <a16:creationId xmlns:a16="http://schemas.microsoft.com/office/drawing/2014/main" xmlns="" id="{D4C3D74D-BE91-9547-ADCA-ACCE93C18789}"/>
               </a:ext>
             </a:extLst>
           </p:cNvPr>
@@ -9049,7 +9049,7 @@
           <p:cNvPr id="14" name="Текст 37">
             <a:extLst>
               <a:ext uri="{FF2B5EF4-FFF2-40B4-BE49-F238E27FC236}">
-                <a16:creationId xmlns="" xmlns:a16="http://schemas.microsoft.com/office/drawing/2014/main" id="{3E0AB43B-5E98-6042-A282-C61E0C5A37B9}"/>
+                <a16:creationId xmlns:a16="http://schemas.microsoft.com/office/drawing/2014/main" xmlns="" id="{3E0AB43B-5E98-6042-A282-C61E0C5A37B9}"/>
               </a:ext>
             </a:extLst>
           </p:cNvPr>
@@ -9179,7 +9179,7 @@
           <p:cNvPr id="15" name="Текст 39">
             <a:extLst>
               <a:ext uri="{FF2B5EF4-FFF2-40B4-BE49-F238E27FC236}">
-                <a16:creationId xmlns="" xmlns:a16="http://schemas.microsoft.com/office/drawing/2014/main" id="{7388A8DF-D130-5445-A3F8-F96E1202BA19}"/>
+                <a16:creationId xmlns:a16="http://schemas.microsoft.com/office/drawing/2014/main" xmlns="" id="{7388A8DF-D130-5445-A3F8-F96E1202BA19}"/>
               </a:ext>
             </a:extLst>
           </p:cNvPr>
@@ -9277,7 +9277,7 @@
           <p:cNvPr id="17" name="Текст 39">
             <a:extLst>
               <a:ext uri="{FF2B5EF4-FFF2-40B4-BE49-F238E27FC236}">
-                <a16:creationId xmlns="" xmlns:a16="http://schemas.microsoft.com/office/drawing/2014/main" id="{02CBC466-1703-7541-94E4-AC76F4E6D938}"/>
+                <a16:creationId xmlns:a16="http://schemas.microsoft.com/office/drawing/2014/main" xmlns="" id="{02CBC466-1703-7541-94E4-AC76F4E6D938}"/>
               </a:ext>
             </a:extLst>
           </p:cNvPr>
@@ -9375,7 +9375,7 @@
           <p:cNvPr id="20" name="Текст 35">
             <a:extLst>
               <a:ext uri="{FF2B5EF4-FFF2-40B4-BE49-F238E27FC236}">
-                <a16:creationId xmlns="" xmlns:a16="http://schemas.microsoft.com/office/drawing/2014/main" id="{5812BF3C-1D24-3640-84D2-BFFCA525AE5F}"/>
+                <a16:creationId xmlns:a16="http://schemas.microsoft.com/office/drawing/2014/main" xmlns="" id="{5812BF3C-1D24-3640-84D2-BFFCA525AE5F}"/>
               </a:ext>
             </a:extLst>
           </p:cNvPr>
@@ -9508,7 +9508,7 @@
           <p:cNvPr id="21" name="Диаграмма 7">
             <a:extLst>
               <a:ext uri="{FF2B5EF4-FFF2-40B4-BE49-F238E27FC236}">
-                <a16:creationId xmlns="" xmlns:a16="http://schemas.microsoft.com/office/drawing/2014/main" id="{BCBBDD44-9DC9-F74E-979F-120A7BBD4EE1}"/>
+                <a16:creationId xmlns:a16="http://schemas.microsoft.com/office/drawing/2014/main" xmlns="" id="{BCBBDD44-9DC9-F74E-979F-120A7BBD4EE1}"/>
               </a:ext>
             </a:extLst>
           </p:cNvPr>
@@ -9538,7 +9538,7 @@
           <p:cNvPr id="23" name="Текст 22">
             <a:extLst>
               <a:ext uri="{FF2B5EF4-FFF2-40B4-BE49-F238E27FC236}">
-                <a16:creationId xmlns="" xmlns:a16="http://schemas.microsoft.com/office/drawing/2014/main" id="{7C68DF7B-E804-E44B-83DF-5DC36AF76F43}"/>
+                <a16:creationId xmlns:a16="http://schemas.microsoft.com/office/drawing/2014/main" xmlns="" id="{7C68DF7B-E804-E44B-83DF-5DC36AF76F43}"/>
               </a:ext>
             </a:extLst>
           </p:cNvPr>
@@ -9635,7 +9635,7 @@
           <p:cNvPr id="28" name="Текст 35">
             <a:extLst>
               <a:ext uri="{FF2B5EF4-FFF2-40B4-BE49-F238E27FC236}">
-                <a16:creationId xmlns="" xmlns:a16="http://schemas.microsoft.com/office/drawing/2014/main" id="{89E931D8-2901-A54D-86EA-096E47B81880}"/>
+                <a16:creationId xmlns:a16="http://schemas.microsoft.com/office/drawing/2014/main" xmlns="" id="{89E931D8-2901-A54D-86EA-096E47B81880}"/>
               </a:ext>
             </a:extLst>
           </p:cNvPr>
@@ -10358,7 +10358,7 @@
           <p:cNvPr id="6" name="Picture 4" descr="Icon&#10;&#10;Description automatically generated">
             <a:extLst>
               <a:ext uri="{FF2B5EF4-FFF2-40B4-BE49-F238E27FC236}">
-                <a16:creationId xmlns="" xmlns:a16="http://schemas.microsoft.com/office/drawing/2014/main" id="{E9A64721-E55E-8749-B29E-51DD8955936F}"/>
+                <a16:creationId xmlns:a16="http://schemas.microsoft.com/office/drawing/2014/main" xmlns="" id="{E9A64721-E55E-8749-B29E-51DD8955936F}"/>
               </a:ext>
             </a:extLst>
           </p:cNvPr>
@@ -10388,7 +10388,7 @@
           <p:cNvPr id="7" name="Straight Connector 19">
             <a:extLst>
               <a:ext uri="{FF2B5EF4-FFF2-40B4-BE49-F238E27FC236}">
-                <a16:creationId xmlns="" xmlns:a16="http://schemas.microsoft.com/office/drawing/2014/main" id="{B0C162B7-B84F-874A-960E-31F512518C6E}"/>
+                <a16:creationId xmlns:a16="http://schemas.microsoft.com/office/drawing/2014/main" xmlns="" id="{B0C162B7-B84F-874A-960E-31F512518C6E}"/>
               </a:ext>
             </a:extLst>
           </p:cNvPr>
@@ -10431,7 +10431,7 @@
           <p:cNvPr id="8" name="Straight Connector 21">
             <a:extLst>
               <a:ext uri="{FF2B5EF4-FFF2-40B4-BE49-F238E27FC236}">
-                <a16:creationId xmlns="" xmlns:a16="http://schemas.microsoft.com/office/drawing/2014/main" id="{1CB321BB-9FE3-294F-85D8-AA7DC75CA4AF}"/>
+                <a16:creationId xmlns:a16="http://schemas.microsoft.com/office/drawing/2014/main" xmlns="" id="{1CB321BB-9FE3-294F-85D8-AA7DC75CA4AF}"/>
               </a:ext>
             </a:extLst>
           </p:cNvPr>
@@ -10474,7 +10474,7 @@
           <p:cNvPr id="9" name="Straight Connector 25">
             <a:extLst>
               <a:ext uri="{FF2B5EF4-FFF2-40B4-BE49-F238E27FC236}">
-                <a16:creationId xmlns="" xmlns:a16="http://schemas.microsoft.com/office/drawing/2014/main" id="{0A610A45-8712-8A45-AFB3-931CF468EC32}"/>
+                <a16:creationId xmlns:a16="http://schemas.microsoft.com/office/drawing/2014/main" xmlns="" id="{0A610A45-8712-8A45-AFB3-931CF468EC32}"/>
               </a:ext>
             </a:extLst>
           </p:cNvPr>
@@ -10517,7 +10517,7 @@
           <p:cNvPr id="10" name="TextBox 9">
             <a:extLst>
               <a:ext uri="{FF2B5EF4-FFF2-40B4-BE49-F238E27FC236}">
-                <a16:creationId xmlns="" xmlns:a16="http://schemas.microsoft.com/office/drawing/2014/main" id="{30460EF6-ECAD-8941-8132-1B3E005D6067}"/>
+                <a16:creationId xmlns:a16="http://schemas.microsoft.com/office/drawing/2014/main" xmlns="" id="{30460EF6-ECAD-8941-8132-1B3E005D6067}"/>
               </a:ext>
             </a:extLst>
           </p:cNvPr>
@@ -10563,7 +10563,7 @@
           <p:cNvPr id="11" name="Straight Connector 59">
             <a:extLst>
               <a:ext uri="{FF2B5EF4-FFF2-40B4-BE49-F238E27FC236}">
-                <a16:creationId xmlns="" xmlns:a16="http://schemas.microsoft.com/office/drawing/2014/main" id="{41AE56A2-5FAA-FD44-AE1A-338E1E304184}"/>
+                <a16:creationId xmlns:a16="http://schemas.microsoft.com/office/drawing/2014/main" xmlns="" id="{41AE56A2-5FAA-FD44-AE1A-338E1E304184}"/>
               </a:ext>
             </a:extLst>
           </p:cNvPr>
@@ -10606,7 +10606,7 @@
           <p:cNvPr id="12" name="Текст 37">
             <a:extLst>
               <a:ext uri="{FF2B5EF4-FFF2-40B4-BE49-F238E27FC236}">
-                <a16:creationId xmlns="" xmlns:a16="http://schemas.microsoft.com/office/drawing/2014/main" id="{D9986185-6D5E-FD48-A5CA-AF2D5B58A3E7}"/>
+                <a16:creationId xmlns:a16="http://schemas.microsoft.com/office/drawing/2014/main" xmlns="" id="{D9986185-6D5E-FD48-A5CA-AF2D5B58A3E7}"/>
               </a:ext>
             </a:extLst>
           </p:cNvPr>
@@ -10736,7 +10736,7 @@
           <p:cNvPr id="13" name="Текст 39">
             <a:extLst>
               <a:ext uri="{FF2B5EF4-FFF2-40B4-BE49-F238E27FC236}">
-                <a16:creationId xmlns="" xmlns:a16="http://schemas.microsoft.com/office/drawing/2014/main" id="{5DBFD327-E3A8-944A-AABF-7D813AD0F13C}"/>
+                <a16:creationId xmlns:a16="http://schemas.microsoft.com/office/drawing/2014/main" xmlns="" id="{5DBFD327-E3A8-944A-AABF-7D813AD0F13C}"/>
               </a:ext>
             </a:extLst>
           </p:cNvPr>
@@ -10834,7 +10834,7 @@
           <p:cNvPr id="15" name="Текст 39">
             <a:extLst>
               <a:ext uri="{FF2B5EF4-FFF2-40B4-BE49-F238E27FC236}">
-                <a16:creationId xmlns="" xmlns:a16="http://schemas.microsoft.com/office/drawing/2014/main" id="{D206FCE0-05C3-2C45-A7D6-1FC287C017BE}"/>
+                <a16:creationId xmlns:a16="http://schemas.microsoft.com/office/drawing/2014/main" xmlns="" id="{D206FCE0-05C3-2C45-A7D6-1FC287C017BE}"/>
               </a:ext>
             </a:extLst>
           </p:cNvPr>
@@ -10932,7 +10932,7 @@
           <p:cNvPr id="17" name="Заголовок 31">
             <a:extLst>
               <a:ext uri="{FF2B5EF4-FFF2-40B4-BE49-F238E27FC236}">
-                <a16:creationId xmlns="" xmlns:a16="http://schemas.microsoft.com/office/drawing/2014/main" id="{3B28B62E-5EE9-834C-9BB6-BD66079B8164}"/>
+                <a16:creationId xmlns:a16="http://schemas.microsoft.com/office/drawing/2014/main" xmlns="" id="{3B28B62E-5EE9-834C-9BB6-BD66079B8164}"/>
               </a:ext>
             </a:extLst>
           </p:cNvPr>
@@ -11014,7 +11014,7 @@
           <p:cNvPr id="24" name="Текст 35">
             <a:extLst>
               <a:ext uri="{FF2B5EF4-FFF2-40B4-BE49-F238E27FC236}">
-                <a16:creationId xmlns="" xmlns:a16="http://schemas.microsoft.com/office/drawing/2014/main" id="{621215DE-C1FD-2B4C-B236-AF679CF906BE}"/>
+                <a16:creationId xmlns:a16="http://schemas.microsoft.com/office/drawing/2014/main" xmlns="" id="{621215DE-C1FD-2B4C-B236-AF679CF906BE}"/>
               </a:ext>
             </a:extLst>
           </p:cNvPr>
@@ -11138,7 +11138,7 @@
           <p:cNvPr id="25" name="Текст 35">
             <a:extLst>
               <a:ext uri="{FF2B5EF4-FFF2-40B4-BE49-F238E27FC236}">
-                <a16:creationId xmlns="" xmlns:a16="http://schemas.microsoft.com/office/drawing/2014/main" id="{8BC2F90D-0CE0-574C-A7C1-EAA3E6F1AB56}"/>
+                <a16:creationId xmlns:a16="http://schemas.microsoft.com/office/drawing/2014/main" xmlns="" id="{8BC2F90D-0CE0-574C-A7C1-EAA3E6F1AB56}"/>
               </a:ext>
             </a:extLst>
           </p:cNvPr>
@@ -11262,7 +11262,7 @@
           <p:cNvPr id="26" name="Текст 35">
             <a:extLst>
               <a:ext uri="{FF2B5EF4-FFF2-40B4-BE49-F238E27FC236}">
-                <a16:creationId xmlns="" xmlns:a16="http://schemas.microsoft.com/office/drawing/2014/main" id="{239E188B-2696-8A48-9F8A-36223EEF61E9}"/>
+                <a16:creationId xmlns:a16="http://schemas.microsoft.com/office/drawing/2014/main" xmlns="" id="{239E188B-2696-8A48-9F8A-36223EEF61E9}"/>
               </a:ext>
             </a:extLst>
           </p:cNvPr>
@@ -11386,7 +11386,7 @@
           <p:cNvPr id="28" name="Текст 27">
             <a:extLst>
               <a:ext uri="{FF2B5EF4-FFF2-40B4-BE49-F238E27FC236}">
-                <a16:creationId xmlns="" xmlns:a16="http://schemas.microsoft.com/office/drawing/2014/main" id="{379BF4C6-F899-294C-B88E-8363AFBEEC2A}"/>
+                <a16:creationId xmlns:a16="http://schemas.microsoft.com/office/drawing/2014/main" xmlns="" id="{379BF4C6-F899-294C-B88E-8363AFBEEC2A}"/>
               </a:ext>
             </a:extLst>
           </p:cNvPr>
@@ -11455,7 +11455,7 @@
           <p:cNvPr id="29" name="Текст 27">
             <a:extLst>
               <a:ext uri="{FF2B5EF4-FFF2-40B4-BE49-F238E27FC236}">
-                <a16:creationId xmlns="" xmlns:a16="http://schemas.microsoft.com/office/drawing/2014/main" id="{DE7F352B-F6D9-B545-A835-443A55956E74}"/>
+                <a16:creationId xmlns:a16="http://schemas.microsoft.com/office/drawing/2014/main" xmlns="" id="{DE7F352B-F6D9-B545-A835-443A55956E74}"/>
               </a:ext>
             </a:extLst>
           </p:cNvPr>
@@ -11524,7 +11524,7 @@
           <p:cNvPr id="30" name="Текст 27">
             <a:extLst>
               <a:ext uri="{FF2B5EF4-FFF2-40B4-BE49-F238E27FC236}">
-                <a16:creationId xmlns="" xmlns:a16="http://schemas.microsoft.com/office/drawing/2014/main" id="{D1D5AF9F-C1B0-7842-8789-1DB8963D981B}"/>
+                <a16:creationId xmlns:a16="http://schemas.microsoft.com/office/drawing/2014/main" xmlns="" id="{D1D5AF9F-C1B0-7842-8789-1DB8963D981B}"/>
               </a:ext>
             </a:extLst>
           </p:cNvPr>
@@ -11637,7 +11637,7 @@
           <p:cNvPr id="5" name="Picture 4" descr="Icon&#10;&#10;Description automatically generated">
             <a:extLst>
               <a:ext uri="{FF2B5EF4-FFF2-40B4-BE49-F238E27FC236}">
-                <a16:creationId xmlns="" xmlns:a16="http://schemas.microsoft.com/office/drawing/2014/main" id="{C5425806-16DD-844E-927C-26E7143A9ED8}"/>
+                <a16:creationId xmlns:a16="http://schemas.microsoft.com/office/drawing/2014/main" xmlns="" id="{C5425806-16DD-844E-927C-26E7143A9ED8}"/>
               </a:ext>
             </a:extLst>
           </p:cNvPr>
@@ -11667,7 +11667,7 @@
           <p:cNvPr id="6" name="Straight Connector 19">
             <a:extLst>
               <a:ext uri="{FF2B5EF4-FFF2-40B4-BE49-F238E27FC236}">
-                <a16:creationId xmlns="" xmlns:a16="http://schemas.microsoft.com/office/drawing/2014/main" id="{479746FF-3282-DF46-9D7C-D80431604A55}"/>
+                <a16:creationId xmlns:a16="http://schemas.microsoft.com/office/drawing/2014/main" xmlns="" id="{479746FF-3282-DF46-9D7C-D80431604A55}"/>
               </a:ext>
             </a:extLst>
           </p:cNvPr>
@@ -11710,7 +11710,7 @@
           <p:cNvPr id="7" name="Straight Connector 21">
             <a:extLst>
               <a:ext uri="{FF2B5EF4-FFF2-40B4-BE49-F238E27FC236}">
-                <a16:creationId xmlns="" xmlns:a16="http://schemas.microsoft.com/office/drawing/2014/main" id="{51B44297-B0E7-D74D-B291-D39A0D468B42}"/>
+                <a16:creationId xmlns:a16="http://schemas.microsoft.com/office/drawing/2014/main" xmlns="" id="{51B44297-B0E7-D74D-B291-D39A0D468B42}"/>
               </a:ext>
             </a:extLst>
           </p:cNvPr>
@@ -11753,7 +11753,7 @@
           <p:cNvPr id="8" name="Straight Connector 25">
             <a:extLst>
               <a:ext uri="{FF2B5EF4-FFF2-40B4-BE49-F238E27FC236}">
-                <a16:creationId xmlns="" xmlns:a16="http://schemas.microsoft.com/office/drawing/2014/main" id="{0EA4A057-F0CB-E04F-B472-4A1ABFB64C66}"/>
+                <a16:creationId xmlns:a16="http://schemas.microsoft.com/office/drawing/2014/main" xmlns="" id="{0EA4A057-F0CB-E04F-B472-4A1ABFB64C66}"/>
               </a:ext>
             </a:extLst>
           </p:cNvPr>
@@ -11796,7 +11796,7 @@
           <p:cNvPr id="9" name="TextBox 8">
             <a:extLst>
               <a:ext uri="{FF2B5EF4-FFF2-40B4-BE49-F238E27FC236}">
-                <a16:creationId xmlns="" xmlns:a16="http://schemas.microsoft.com/office/drawing/2014/main" id="{764502F5-56EE-354B-A3B1-E79F8B005172}"/>
+                <a16:creationId xmlns:a16="http://schemas.microsoft.com/office/drawing/2014/main" xmlns="" id="{764502F5-56EE-354B-A3B1-E79F8B005172}"/>
               </a:ext>
             </a:extLst>
           </p:cNvPr>
@@ -11842,7 +11842,7 @@
           <p:cNvPr id="10" name="Straight Connector 59">
             <a:extLst>
               <a:ext uri="{FF2B5EF4-FFF2-40B4-BE49-F238E27FC236}">
-                <a16:creationId xmlns="" xmlns:a16="http://schemas.microsoft.com/office/drawing/2014/main" id="{A80E0956-5C10-CC40-A426-CBD2E0C4158E}"/>
+                <a16:creationId xmlns:a16="http://schemas.microsoft.com/office/drawing/2014/main" xmlns="" id="{A80E0956-5C10-CC40-A426-CBD2E0C4158E}"/>
               </a:ext>
             </a:extLst>
           </p:cNvPr>
@@ -11885,7 +11885,7 @@
           <p:cNvPr id="11" name="Текст 37">
             <a:extLst>
               <a:ext uri="{FF2B5EF4-FFF2-40B4-BE49-F238E27FC236}">
-                <a16:creationId xmlns="" xmlns:a16="http://schemas.microsoft.com/office/drawing/2014/main" id="{6EC59AAD-5962-8D49-BF4D-7DA5D573073E}"/>
+                <a16:creationId xmlns:a16="http://schemas.microsoft.com/office/drawing/2014/main" xmlns="" id="{6EC59AAD-5962-8D49-BF4D-7DA5D573073E}"/>
               </a:ext>
             </a:extLst>
           </p:cNvPr>
@@ -12015,7 +12015,7 @@
           <p:cNvPr id="12" name="Текст 39">
             <a:extLst>
               <a:ext uri="{FF2B5EF4-FFF2-40B4-BE49-F238E27FC236}">
-                <a16:creationId xmlns="" xmlns:a16="http://schemas.microsoft.com/office/drawing/2014/main" id="{49041ACC-EEF4-D34B-A7DE-87B1AF2ED383}"/>
+                <a16:creationId xmlns:a16="http://schemas.microsoft.com/office/drawing/2014/main" xmlns="" id="{49041ACC-EEF4-D34B-A7DE-87B1AF2ED383}"/>
               </a:ext>
             </a:extLst>
           </p:cNvPr>
@@ -12113,7 +12113,7 @@
           <p:cNvPr id="14" name="Текст 39">
             <a:extLst>
               <a:ext uri="{FF2B5EF4-FFF2-40B4-BE49-F238E27FC236}">
-                <a16:creationId xmlns="" xmlns:a16="http://schemas.microsoft.com/office/drawing/2014/main" id="{BF93B2CC-81A4-0943-AF6C-C86576792995}"/>
+                <a16:creationId xmlns:a16="http://schemas.microsoft.com/office/drawing/2014/main" xmlns="" id="{BF93B2CC-81A4-0943-AF6C-C86576792995}"/>
               </a:ext>
             </a:extLst>
           </p:cNvPr>
@@ -12211,7 +12211,7 @@
           <p:cNvPr id="15" name="Текст 22">
             <a:extLst>
               <a:ext uri="{FF2B5EF4-FFF2-40B4-BE49-F238E27FC236}">
-                <a16:creationId xmlns="" xmlns:a16="http://schemas.microsoft.com/office/drawing/2014/main" id="{51340CB4-0355-3640-A212-F684523CDCCF}"/>
+                <a16:creationId xmlns:a16="http://schemas.microsoft.com/office/drawing/2014/main" xmlns="" id="{51340CB4-0355-3640-A212-F684523CDCCF}"/>
               </a:ext>
             </a:extLst>
           </p:cNvPr>
@@ -12317,7 +12317,7 @@
           <p:cNvPr id="17" name="Текст 16">
             <a:extLst>
               <a:ext uri="{FF2B5EF4-FFF2-40B4-BE49-F238E27FC236}">
-                <a16:creationId xmlns="" xmlns:a16="http://schemas.microsoft.com/office/drawing/2014/main" id="{8C6F2EA4-CEDC-324C-9C06-8713118041EB}"/>
+                <a16:creationId xmlns:a16="http://schemas.microsoft.com/office/drawing/2014/main" xmlns="" id="{8C6F2EA4-CEDC-324C-9C06-8713118041EB}"/>
               </a:ext>
             </a:extLst>
           </p:cNvPr>
@@ -12441,7 +12441,7 @@
           <p:cNvPr id="19" name="Таблица 18">
             <a:extLst>
               <a:ext uri="{FF2B5EF4-FFF2-40B4-BE49-F238E27FC236}">
-                <a16:creationId xmlns="" xmlns:a16="http://schemas.microsoft.com/office/drawing/2014/main" id="{7B291085-A9B9-D842-B1A7-96258FAF012C}"/>
+                <a16:creationId xmlns:a16="http://schemas.microsoft.com/office/drawing/2014/main" xmlns="" id="{7B291085-A9B9-D842-B1A7-96258FAF012C}"/>
               </a:ext>
             </a:extLst>
           </p:cNvPr>
@@ -12515,7 +12515,7 @@
           <p:cNvPr id="8" name="Picture 4" descr="Icon&#10;&#10;Description automatically generated">
             <a:extLst>
               <a:ext uri="{FF2B5EF4-FFF2-40B4-BE49-F238E27FC236}">
-                <a16:creationId xmlns="" xmlns:a16="http://schemas.microsoft.com/office/drawing/2014/main" id="{259ABC72-D738-1143-BF2A-D85AE9A4F73B}"/>
+                <a16:creationId xmlns:a16="http://schemas.microsoft.com/office/drawing/2014/main" xmlns="" id="{259ABC72-D738-1143-BF2A-D85AE9A4F73B}"/>
               </a:ext>
             </a:extLst>
           </p:cNvPr>
@@ -12545,7 +12545,7 @@
           <p:cNvPr id="9" name="Straight Connector 19">
             <a:extLst>
               <a:ext uri="{FF2B5EF4-FFF2-40B4-BE49-F238E27FC236}">
-                <a16:creationId xmlns="" xmlns:a16="http://schemas.microsoft.com/office/drawing/2014/main" id="{237A1E42-2FC3-8841-8C41-992C5BC2368D}"/>
+                <a16:creationId xmlns:a16="http://schemas.microsoft.com/office/drawing/2014/main" xmlns="" id="{237A1E42-2FC3-8841-8C41-992C5BC2368D}"/>
               </a:ext>
             </a:extLst>
           </p:cNvPr>
@@ -12588,7 +12588,7 @@
           <p:cNvPr id="10" name="Straight Connector 21">
             <a:extLst>
               <a:ext uri="{FF2B5EF4-FFF2-40B4-BE49-F238E27FC236}">
-                <a16:creationId xmlns="" xmlns:a16="http://schemas.microsoft.com/office/drawing/2014/main" id="{47503EA0-3883-E24D-9EB8-7B6175182929}"/>
+                <a16:creationId xmlns:a16="http://schemas.microsoft.com/office/drawing/2014/main" xmlns="" id="{47503EA0-3883-E24D-9EB8-7B6175182929}"/>
               </a:ext>
             </a:extLst>
           </p:cNvPr>
@@ -12631,7 +12631,7 @@
           <p:cNvPr id="11" name="Straight Connector 25">
             <a:extLst>
               <a:ext uri="{FF2B5EF4-FFF2-40B4-BE49-F238E27FC236}">
-                <a16:creationId xmlns="" xmlns:a16="http://schemas.microsoft.com/office/drawing/2014/main" id="{E0144DF2-9891-324D-B34E-AFA025FBCBF9}"/>
+                <a16:creationId xmlns:a16="http://schemas.microsoft.com/office/drawing/2014/main" xmlns="" id="{E0144DF2-9891-324D-B34E-AFA025FBCBF9}"/>
               </a:ext>
             </a:extLst>
           </p:cNvPr>
@@ -12674,7 +12674,7 @@
           <p:cNvPr id="12" name="TextBox 11">
             <a:extLst>
               <a:ext uri="{FF2B5EF4-FFF2-40B4-BE49-F238E27FC236}">
-                <a16:creationId xmlns="" xmlns:a16="http://schemas.microsoft.com/office/drawing/2014/main" id="{F33F65D6-1072-F140-B6A5-758D7B595A92}"/>
+                <a16:creationId xmlns:a16="http://schemas.microsoft.com/office/drawing/2014/main" xmlns="" id="{F33F65D6-1072-F140-B6A5-758D7B595A92}"/>
               </a:ext>
             </a:extLst>
           </p:cNvPr>
@@ -12720,7 +12720,7 @@
           <p:cNvPr id="13" name="Straight Connector 59">
             <a:extLst>
               <a:ext uri="{FF2B5EF4-FFF2-40B4-BE49-F238E27FC236}">
-                <a16:creationId xmlns="" xmlns:a16="http://schemas.microsoft.com/office/drawing/2014/main" id="{5F1F09D4-22FA-7B4B-9488-F8FDDCC2D447}"/>
+                <a16:creationId xmlns:a16="http://schemas.microsoft.com/office/drawing/2014/main" xmlns="" id="{5F1F09D4-22FA-7B4B-9488-F8FDDCC2D447}"/>
               </a:ext>
             </a:extLst>
           </p:cNvPr>
@@ -12763,7 +12763,7 @@
           <p:cNvPr id="14" name="Текст 37">
             <a:extLst>
               <a:ext uri="{FF2B5EF4-FFF2-40B4-BE49-F238E27FC236}">
-                <a16:creationId xmlns="" xmlns:a16="http://schemas.microsoft.com/office/drawing/2014/main" id="{44D0326E-FD7A-3541-A998-62A1C30E2738}"/>
+                <a16:creationId xmlns:a16="http://schemas.microsoft.com/office/drawing/2014/main" xmlns="" id="{44D0326E-FD7A-3541-A998-62A1C30E2738}"/>
               </a:ext>
             </a:extLst>
           </p:cNvPr>
@@ -12893,7 +12893,7 @@
           <p:cNvPr id="15" name="Текст 39">
             <a:extLst>
               <a:ext uri="{FF2B5EF4-FFF2-40B4-BE49-F238E27FC236}">
-                <a16:creationId xmlns="" xmlns:a16="http://schemas.microsoft.com/office/drawing/2014/main" id="{279CCCA0-F959-5245-8321-106D3C5E837D}"/>
+                <a16:creationId xmlns:a16="http://schemas.microsoft.com/office/drawing/2014/main" xmlns="" id="{279CCCA0-F959-5245-8321-106D3C5E837D}"/>
               </a:ext>
             </a:extLst>
           </p:cNvPr>
@@ -12991,7 +12991,7 @@
           <p:cNvPr id="17" name="Текст 39">
             <a:extLst>
               <a:ext uri="{FF2B5EF4-FFF2-40B4-BE49-F238E27FC236}">
-                <a16:creationId xmlns="" xmlns:a16="http://schemas.microsoft.com/office/drawing/2014/main" id="{8B839C6B-8494-8841-9714-4C8F710F8400}"/>
+                <a16:creationId xmlns:a16="http://schemas.microsoft.com/office/drawing/2014/main" xmlns="" id="{8B839C6B-8494-8841-9714-4C8F710F8400}"/>
               </a:ext>
             </a:extLst>
           </p:cNvPr>
@@ -13089,7 +13089,7 @@
           <p:cNvPr id="18" name="Текст 22">
             <a:extLst>
               <a:ext uri="{FF2B5EF4-FFF2-40B4-BE49-F238E27FC236}">
-                <a16:creationId xmlns="" xmlns:a16="http://schemas.microsoft.com/office/drawing/2014/main" id="{4D940599-2B77-CE47-91E6-CDB51ADE1840}"/>
+                <a16:creationId xmlns:a16="http://schemas.microsoft.com/office/drawing/2014/main" xmlns="" id="{4D940599-2B77-CE47-91E6-CDB51ADE1840}"/>
               </a:ext>
             </a:extLst>
           </p:cNvPr>
@@ -13195,7 +13195,7 @@
           <p:cNvPr id="19" name="Текст 16">
             <a:extLst>
               <a:ext uri="{FF2B5EF4-FFF2-40B4-BE49-F238E27FC236}">
-                <a16:creationId xmlns="" xmlns:a16="http://schemas.microsoft.com/office/drawing/2014/main" id="{A7333712-9DED-4F4B-B209-2F13075EDB3F}"/>
+                <a16:creationId xmlns:a16="http://schemas.microsoft.com/office/drawing/2014/main" xmlns="" id="{A7333712-9DED-4F4B-B209-2F13075EDB3F}"/>
               </a:ext>
             </a:extLst>
           </p:cNvPr>
@@ -13319,7 +13319,7 @@
           <p:cNvPr id="20" name="Таблица 18">
             <a:extLst>
               <a:ext uri="{FF2B5EF4-FFF2-40B4-BE49-F238E27FC236}">
-                <a16:creationId xmlns="" xmlns:a16="http://schemas.microsoft.com/office/drawing/2014/main" id="{DD467C42-8209-B740-8419-DBB6A6F7D5EE}"/>
+                <a16:creationId xmlns:a16="http://schemas.microsoft.com/office/drawing/2014/main" xmlns="" id="{DD467C42-8209-B740-8419-DBB6A6F7D5EE}"/>
               </a:ext>
             </a:extLst>
           </p:cNvPr>
@@ -13349,7 +13349,7 @@
           <p:cNvPr id="21" name="Текст 35">
             <a:extLst>
               <a:ext uri="{FF2B5EF4-FFF2-40B4-BE49-F238E27FC236}">
-                <a16:creationId xmlns="" xmlns:a16="http://schemas.microsoft.com/office/drawing/2014/main" id="{B4309850-76EA-224C-A9E2-B6BBDBF99DE2}"/>
+                <a16:creationId xmlns:a16="http://schemas.microsoft.com/office/drawing/2014/main" xmlns="" id="{B4309850-76EA-224C-A9E2-B6BBDBF99DE2}"/>
               </a:ext>
             </a:extLst>
           </p:cNvPr>
@@ -14063,7 +14063,7 @@
           <p:cNvPr id="2" name="Title Placeholder 1">
             <a:extLst>
               <a:ext uri="{FF2B5EF4-FFF2-40B4-BE49-F238E27FC236}">
-                <a16:creationId xmlns="" xmlns:a16="http://schemas.microsoft.com/office/drawing/2014/main" id="{D33F8FDE-7383-E947-8568-FF6B7A77655A}"/>
+                <a16:creationId xmlns:a16="http://schemas.microsoft.com/office/drawing/2014/main" xmlns="" id="{D33F8FDE-7383-E947-8568-FF6B7A77655A}"/>
               </a:ext>
             </a:extLst>
           </p:cNvPr>
@@ -14102,7 +14102,7 @@
           <p:cNvPr id="3" name="Text Placeholder 2">
             <a:extLst>
               <a:ext uri="{FF2B5EF4-FFF2-40B4-BE49-F238E27FC236}">
-                <a16:creationId xmlns="" xmlns:a16="http://schemas.microsoft.com/office/drawing/2014/main" id="{6F8E6541-45CA-8B42-98B4-D42737B8509B}"/>
+                <a16:creationId xmlns:a16="http://schemas.microsoft.com/office/drawing/2014/main" xmlns="" id="{6F8E6541-45CA-8B42-98B4-D42737B8509B}"/>
               </a:ext>
             </a:extLst>
           </p:cNvPr>
@@ -14170,7 +14170,7 @@
           <p:cNvPr id="4" name="Date Placeholder 3">
             <a:extLst>
               <a:ext uri="{FF2B5EF4-FFF2-40B4-BE49-F238E27FC236}">
-                <a16:creationId xmlns="" xmlns:a16="http://schemas.microsoft.com/office/drawing/2014/main" id="{0E70645B-C5D9-8544-BBF2-E4A13F8E4054}"/>
+                <a16:creationId xmlns:a16="http://schemas.microsoft.com/office/drawing/2014/main" xmlns="" id="{0E70645B-C5D9-8544-BBF2-E4A13F8E4054}"/>
               </a:ext>
             </a:extLst>
           </p:cNvPr>
@@ -14217,7 +14217,7 @@
           <p:cNvPr id="5" name="Footer Placeholder 4">
             <a:extLst>
               <a:ext uri="{FF2B5EF4-FFF2-40B4-BE49-F238E27FC236}">
-                <a16:creationId xmlns="" xmlns:a16="http://schemas.microsoft.com/office/drawing/2014/main" id="{71F52289-7F57-544F-95EE-F8B2E106276A}"/>
+                <a16:creationId xmlns:a16="http://schemas.microsoft.com/office/drawing/2014/main" xmlns="" id="{71F52289-7F57-544F-95EE-F8B2E106276A}"/>
               </a:ext>
             </a:extLst>
           </p:cNvPr>
@@ -14260,7 +14260,7 @@
           <p:cNvPr id="6" name="Slide Number Placeholder 5">
             <a:extLst>
               <a:ext uri="{FF2B5EF4-FFF2-40B4-BE49-F238E27FC236}">
-                <a16:creationId xmlns="" xmlns:a16="http://schemas.microsoft.com/office/drawing/2014/main" id="{A11C5F56-F795-5643-ABE3-DDED2186989C}"/>
+                <a16:creationId xmlns:a16="http://schemas.microsoft.com/office/drawing/2014/main" xmlns="" id="{A11C5F56-F795-5643-ABE3-DDED2186989C}"/>
               </a:ext>
             </a:extLst>
           </p:cNvPr>
@@ -14629,7 +14629,7 @@
           <p:cNvPr id="2" name="Заголовок 1">
             <a:extLst>
               <a:ext uri="{FF2B5EF4-FFF2-40B4-BE49-F238E27FC236}">
-                <a16:creationId xmlns="" xmlns:a16="http://schemas.microsoft.com/office/drawing/2014/main" id="{8CD95C0D-D7DC-EF40-9E45-F5F0A4817CD2}"/>
+                <a16:creationId xmlns:a16="http://schemas.microsoft.com/office/drawing/2014/main" xmlns="" id="{8CD95C0D-D7DC-EF40-9E45-F5F0A4817CD2}"/>
               </a:ext>
             </a:extLst>
           </p:cNvPr>
@@ -14669,7 +14669,7 @@
           <p:cNvPr id="3" name="Текст 2">
             <a:extLst>
               <a:ext uri="{FF2B5EF4-FFF2-40B4-BE49-F238E27FC236}">
-                <a16:creationId xmlns="" xmlns:a16="http://schemas.microsoft.com/office/drawing/2014/main" id="{2B85EA7E-BEC4-B745-B2A8-D4E4AFC614FC}"/>
+                <a16:creationId xmlns:a16="http://schemas.microsoft.com/office/drawing/2014/main" xmlns="" id="{2B85EA7E-BEC4-B745-B2A8-D4E4AFC614FC}"/>
               </a:ext>
             </a:extLst>
           </p:cNvPr>
@@ -14709,7 +14709,7 @@
           <p:cNvPr id="4" name="Текст 3">
             <a:extLst>
               <a:ext uri="{FF2B5EF4-FFF2-40B4-BE49-F238E27FC236}">
-                <a16:creationId xmlns="" xmlns:a16="http://schemas.microsoft.com/office/drawing/2014/main" id="{DB8D49EC-434A-5443-AC3F-85F01995E632}"/>
+                <a16:creationId xmlns:a16="http://schemas.microsoft.com/office/drawing/2014/main" xmlns="" id="{DB8D49EC-434A-5443-AC3F-85F01995E632}"/>
               </a:ext>
             </a:extLst>
           </p:cNvPr>
@@ -14747,7 +14747,7 @@
           <p:cNvPr id="5" name="Текст 4">
             <a:extLst>
               <a:ext uri="{FF2B5EF4-FFF2-40B4-BE49-F238E27FC236}">
-                <a16:creationId xmlns="" xmlns:a16="http://schemas.microsoft.com/office/drawing/2014/main" id="{C6FAE0FA-3CAF-BA4B-8F9F-5FEF3C2F3CC6}"/>
+                <a16:creationId xmlns:a16="http://schemas.microsoft.com/office/drawing/2014/main" xmlns="" id="{C6FAE0FA-3CAF-BA4B-8F9F-5FEF3C2F3CC6}"/>
               </a:ext>
             </a:extLst>
           </p:cNvPr>
@@ -14782,7 +14782,7 @@
           <p:cNvPr id="6" name="Текст 5">
             <a:extLst>
               <a:ext uri="{FF2B5EF4-FFF2-40B4-BE49-F238E27FC236}">
-                <a16:creationId xmlns="" xmlns:a16="http://schemas.microsoft.com/office/drawing/2014/main" id="{44AFB2BF-A7AB-5648-ADCD-2A7F1BD35815}"/>
+                <a16:creationId xmlns:a16="http://schemas.microsoft.com/office/drawing/2014/main" xmlns="" id="{44AFB2BF-A7AB-5648-ADCD-2A7F1BD35815}"/>
               </a:ext>
             </a:extLst>
           </p:cNvPr>
@@ -14940,7 +14940,7 @@
           <p:cNvPr id="2" name="Текст 1">
             <a:extLst>
               <a:ext uri="{FF2B5EF4-FFF2-40B4-BE49-F238E27FC236}">
-                <a16:creationId xmlns="" xmlns:a16="http://schemas.microsoft.com/office/drawing/2014/main" id="{2FFBD88B-BF2A-8F44-B648-677BB7D9750D}"/>
+                <a16:creationId xmlns:a16="http://schemas.microsoft.com/office/drawing/2014/main" xmlns="" id="{2FFBD88B-BF2A-8F44-B648-677BB7D9750D}"/>
               </a:ext>
             </a:extLst>
           </p:cNvPr>
@@ -14977,7 +14977,7 @@
           <p:cNvPr id="3" name="Текст 2">
             <a:extLst>
               <a:ext uri="{FF2B5EF4-FFF2-40B4-BE49-F238E27FC236}">
-                <a16:creationId xmlns="" xmlns:a16="http://schemas.microsoft.com/office/drawing/2014/main" id="{BD6DFA47-ACB8-5246-AC9C-19D438CF658E}"/>
+                <a16:creationId xmlns:a16="http://schemas.microsoft.com/office/drawing/2014/main" xmlns="" id="{BD6DFA47-ACB8-5246-AC9C-19D438CF658E}"/>
               </a:ext>
             </a:extLst>
           </p:cNvPr>
@@ -15025,7 +15025,7 @@
           <p:cNvPr id="4" name="Текст 3">
             <a:extLst>
               <a:ext uri="{FF2B5EF4-FFF2-40B4-BE49-F238E27FC236}">
-                <a16:creationId xmlns="" xmlns:a16="http://schemas.microsoft.com/office/drawing/2014/main" id="{49A5DD86-C5F3-5843-B60F-AC26E1B16228}"/>
+                <a16:creationId xmlns:a16="http://schemas.microsoft.com/office/drawing/2014/main" xmlns="" id="{49A5DD86-C5F3-5843-B60F-AC26E1B16228}"/>
               </a:ext>
             </a:extLst>
           </p:cNvPr>
@@ -15057,7 +15057,7 @@
           <p:cNvPr id="5" name="Заголовок 4">
             <a:extLst>
               <a:ext uri="{FF2B5EF4-FFF2-40B4-BE49-F238E27FC236}">
-                <a16:creationId xmlns="" xmlns:a16="http://schemas.microsoft.com/office/drawing/2014/main" id="{D060AA73-8574-054A-B94B-1EAA5FAB0470}"/>
+                <a16:creationId xmlns:a16="http://schemas.microsoft.com/office/drawing/2014/main" xmlns="" id="{D060AA73-8574-054A-B94B-1EAA5FAB0470}"/>
               </a:ext>
             </a:extLst>
           </p:cNvPr>
@@ -15104,7 +15104,7 @@
           <p:cNvPr id="6" name="Текст 5">
             <a:extLst>
               <a:ext uri="{FF2B5EF4-FFF2-40B4-BE49-F238E27FC236}">
-                <a16:creationId xmlns="" xmlns:a16="http://schemas.microsoft.com/office/drawing/2014/main" id="{5E7B9744-FF5D-DB4B-8DCD-FF4C0C57287E}"/>
+                <a16:creationId xmlns:a16="http://schemas.microsoft.com/office/drawing/2014/main" xmlns="" id="{5E7B9744-FF5D-DB4B-8DCD-FF4C0C57287E}"/>
               </a:ext>
             </a:extLst>
           </p:cNvPr>
@@ -15167,7 +15167,7 @@
           <p:cNvPr id="2" name="Текст 1">
             <a:extLst>
               <a:ext uri="{FF2B5EF4-FFF2-40B4-BE49-F238E27FC236}">
-                <a16:creationId xmlns="" xmlns:a16="http://schemas.microsoft.com/office/drawing/2014/main" id="{2FFBD88B-BF2A-8F44-B648-677BB7D9750D}"/>
+                <a16:creationId xmlns:a16="http://schemas.microsoft.com/office/drawing/2014/main" xmlns="" id="{2FFBD88B-BF2A-8F44-B648-677BB7D9750D}"/>
               </a:ext>
             </a:extLst>
           </p:cNvPr>
@@ -15204,7 +15204,7 @@
           <p:cNvPr id="3" name="Текст 2">
             <a:extLst>
               <a:ext uri="{FF2B5EF4-FFF2-40B4-BE49-F238E27FC236}">
-                <a16:creationId xmlns="" xmlns:a16="http://schemas.microsoft.com/office/drawing/2014/main" id="{BD6DFA47-ACB8-5246-AC9C-19D438CF658E}"/>
+                <a16:creationId xmlns:a16="http://schemas.microsoft.com/office/drawing/2014/main" xmlns="" id="{BD6DFA47-ACB8-5246-AC9C-19D438CF658E}"/>
               </a:ext>
             </a:extLst>
           </p:cNvPr>
@@ -15252,7 +15252,7 @@
           <p:cNvPr id="4" name="Текст 3">
             <a:extLst>
               <a:ext uri="{FF2B5EF4-FFF2-40B4-BE49-F238E27FC236}">
-                <a16:creationId xmlns="" xmlns:a16="http://schemas.microsoft.com/office/drawing/2014/main" id="{49A5DD86-C5F3-5843-B60F-AC26E1B16228}"/>
+                <a16:creationId xmlns:a16="http://schemas.microsoft.com/office/drawing/2014/main" xmlns="" id="{49A5DD86-C5F3-5843-B60F-AC26E1B16228}"/>
               </a:ext>
             </a:extLst>
           </p:cNvPr>
@@ -15289,7 +15289,7 @@
           <p:cNvPr id="5" name="Заголовок 4">
             <a:extLst>
               <a:ext uri="{FF2B5EF4-FFF2-40B4-BE49-F238E27FC236}">
-                <a16:creationId xmlns="" xmlns:a16="http://schemas.microsoft.com/office/drawing/2014/main" id="{D060AA73-8574-054A-B94B-1EAA5FAB0470}"/>
+                <a16:creationId xmlns:a16="http://schemas.microsoft.com/office/drawing/2014/main" xmlns="" id="{D060AA73-8574-054A-B94B-1EAA5FAB0470}"/>
               </a:ext>
             </a:extLst>
           </p:cNvPr>
@@ -15332,7 +15332,7 @@
           <p:cNvPr id="6" name="Текст 5">
             <a:extLst>
               <a:ext uri="{FF2B5EF4-FFF2-40B4-BE49-F238E27FC236}">
-                <a16:creationId xmlns="" xmlns:a16="http://schemas.microsoft.com/office/drawing/2014/main" id="{5E7B9744-FF5D-DB4B-8DCD-FF4C0C57287E}"/>
+                <a16:creationId xmlns:a16="http://schemas.microsoft.com/office/drawing/2014/main" xmlns="" id="{5E7B9744-FF5D-DB4B-8DCD-FF4C0C57287E}"/>
               </a:ext>
             </a:extLst>
           </p:cNvPr>
@@ -15356,80 +15356,80 @@
           <a:lstStyle/>
           <a:p>
             <a:r>
-              <a:rPr lang="ru-RU" dirty="0" smtClean="0"/>
+              <a:rPr lang="ru-RU" sz="2000" dirty="0" smtClean="0"/>
               <a:t>Разработка </a:t>
             </a:r>
             <a:r>
-              <a:rPr lang="ru-RU" dirty="0"/>
+              <a:rPr lang="ru-RU" sz="2000" dirty="0"/>
               <a:t>велась в </a:t>
             </a:r>
             <a:r>
-              <a:rPr lang="ru-RU" dirty="0" err="1"/>
+              <a:rPr lang="ru-RU" sz="2000" dirty="0" err="1"/>
               <a:t>Android</a:t>
             </a:r>
             <a:r>
-              <a:rPr lang="ru-RU" dirty="0"/>
+              <a:rPr lang="ru-RU" sz="2000" dirty="0"/>
               <a:t> </a:t>
             </a:r>
             <a:r>
-              <a:rPr lang="ru-RU" dirty="0" err="1"/>
+              <a:rPr lang="ru-RU" sz="2000" dirty="0" err="1"/>
               <a:t>Studio</a:t>
             </a:r>
             <a:r>
-              <a:rPr lang="ru-RU" dirty="0"/>
+              <a:rPr lang="ru-RU" sz="2000" dirty="0"/>
               <a:t>. </a:t>
             </a:r>
             <a:r>
-              <a:rPr lang="ru-RU" dirty="0" err="1"/>
+              <a:rPr lang="ru-RU" sz="2000" dirty="0" err="1"/>
               <a:t>Android</a:t>
             </a:r>
             <a:r>
-              <a:rPr lang="ru-RU" dirty="0"/>
+              <a:rPr lang="ru-RU" sz="2000" dirty="0"/>
               <a:t> </a:t>
             </a:r>
             <a:r>
-              <a:rPr lang="ru-RU" dirty="0" err="1"/>
+              <a:rPr lang="ru-RU" sz="2000" dirty="0" err="1"/>
               <a:t>Studio</a:t>
             </a:r>
             <a:r>
-              <a:rPr lang="ru-RU" dirty="0"/>
+              <a:rPr lang="ru-RU" sz="2000" dirty="0"/>
               <a:t> — интегрированная среда разработки для работы с платформой </a:t>
             </a:r>
             <a:r>
-              <a:rPr lang="ru-RU" dirty="0" err="1"/>
+              <a:rPr lang="ru-RU" sz="2000" dirty="0" err="1"/>
               <a:t>Android</a:t>
             </a:r>
             <a:r>
-              <a:rPr lang="ru-RU" dirty="0"/>
+              <a:rPr lang="ru-RU" sz="2000" dirty="0"/>
               <a:t>, анонсированная 16 мая 2013 года на конференции </a:t>
             </a:r>
             <a:r>
-              <a:rPr lang="ru-RU" dirty="0" err="1"/>
+              <a:rPr lang="ru-RU" sz="2000" dirty="0" err="1"/>
               <a:t>Google</a:t>
             </a:r>
             <a:r>
-              <a:rPr lang="ru-RU" dirty="0"/>
+              <a:rPr lang="ru-RU" sz="2000" dirty="0"/>
               <a:t> </a:t>
             </a:r>
             <a:r>
-              <a:rPr lang="ru-RU" dirty="0" smtClean="0"/>
+              <a:rPr lang="ru-RU" sz="2000" dirty="0" smtClean="0"/>
               <a:t>I/O</a:t>
             </a:r>
             <a:r>
-              <a:rPr lang="en-US" dirty="0" smtClean="0"/>
+              <a:rPr lang="en-US" sz="2000" dirty="0" smtClean="0"/>
               <a:t>.</a:t>
             </a:r>
             <a:br>
-              <a:rPr lang="en-US" dirty="0" smtClean="0"/>
+              <a:rPr lang="en-US" sz="2000" dirty="0" smtClean="0"/>
             </a:br>
             <a:r>
-              <a:rPr lang="en-US" dirty="0" smtClean="0"/>
+              <a:rPr lang="en-US" sz="2000" dirty="0" smtClean="0"/>
               <a:t/>
             </a:r>
             <a:br>
-              <a:rPr lang="en-US" dirty="0" smtClean="0"/>
+              <a:rPr lang="en-US" sz="2000" dirty="0" smtClean="0"/>
             </a:br>
-            <a:endParaRPr lang="ru-RU" dirty="0"/>
+            <a:endParaRPr lang="ru-RU" sz="2000" dirty="0"/>
           </a:p>
         </p:txBody>
       </p:sp>
@@ -15438,7 +15438,7 @@
           <p:cNvPr id="7" name="Текст 5">
             <a:extLst>
               <a:ext uri="{FF2B5EF4-FFF2-40B4-BE49-F238E27FC236}">
-                <a16:creationId xmlns="" xmlns:a16="http://schemas.microsoft.com/office/drawing/2014/main" id="{5E7B9744-FF5D-DB4B-8DCD-FF4C0C57287E}"/>
+                <a16:creationId xmlns:a16="http://schemas.microsoft.com/office/drawing/2014/main" xmlns="" id="{5E7B9744-FF5D-DB4B-8DCD-FF4C0C57287E}"/>
               </a:ext>
             </a:extLst>
           </p:cNvPr>
@@ -15452,7 +15452,7 @@
         <p:spPr>
           <a:xfrm>
             <a:off x="5849794" y="1240536"/>
-            <a:ext cx="4322531" cy="4032504"/>
+            <a:ext cx="5700976" cy="5151120"/>
           </a:xfrm>
         </p:spPr>
         <p:txBody>
@@ -15462,35 +15462,35 @@
           <a:lstStyle/>
           <a:p>
             <a:r>
-              <a:rPr lang="ru-RU" dirty="0" smtClean="0"/>
+              <a:rPr lang="ru-RU" sz="1600" dirty="0" smtClean="0"/>
               <a:t>Необходимое </a:t>
             </a:r>
             <a:r>
-              <a:rPr lang="ru-RU" dirty="0"/>
+              <a:rPr lang="ru-RU" sz="1600" dirty="0"/>
               <a:t>для разработки </a:t>
             </a:r>
             <a:r>
-              <a:rPr lang="ru-RU" dirty="0" smtClean="0"/>
+              <a:rPr lang="ru-RU" sz="1600" dirty="0" smtClean="0"/>
               <a:t>оборудование</a:t>
             </a:r>
             <a:r>
-              <a:rPr lang="en-US" dirty="0"/>
+              <a:rPr lang="en-US" sz="1600" dirty="0"/>
               <a:t> </a:t>
             </a:r>
             <a:r>
-              <a:rPr lang="en-US" dirty="0" smtClean="0"/>
+              <a:rPr lang="en-US" sz="1600" dirty="0" smtClean="0"/>
               <a:t>— </a:t>
             </a:r>
             <a:r>
-              <a:rPr lang="ru-RU" dirty="0" smtClean="0"/>
+              <a:rPr lang="ru-RU" sz="1600" dirty="0" smtClean="0"/>
               <a:t>компьютер</a:t>
             </a:r>
             <a:r>
-              <a:rPr lang="ru-RU" dirty="0"/>
+              <a:rPr lang="ru-RU" sz="1600" dirty="0"/>
               <a:t>, обладающий следующими системными </a:t>
             </a:r>
             <a:r>
-              <a:rPr lang="ru-RU" dirty="0" smtClean="0"/>
+              <a:rPr lang="ru-RU" sz="1600" dirty="0" smtClean="0"/>
               <a:t>требованиями:</a:t>
             </a:r>
           </a:p>
@@ -15500,90 +15500,62 @@
               <a:buChar char="•"/>
             </a:pPr>
             <a:r>
-              <a:rPr lang="ru-RU" dirty="0" smtClean="0"/>
+              <a:rPr lang="ru-RU" sz="1600" dirty="0" smtClean="0"/>
               <a:t>Операционные </a:t>
             </a:r>
             <a:r>
-              <a:rPr lang="ru-RU" dirty="0"/>
+              <a:rPr lang="ru-RU" sz="1600" dirty="0"/>
               <a:t>системы </a:t>
             </a:r>
             <a:r>
-              <a:rPr lang="en-US" dirty="0"/>
-              <a:t>Microsoft Windows 11/10/8/7/Vista (64-bit), Apple </a:t>
-            </a:r>
-            <a:r>
-              <a:rPr lang="en-US" dirty="0" err="1"/>
+              <a:rPr lang="en-US" sz="1600" dirty="0"/>
+              <a:t>Microsoft Windows </a:t>
+            </a:r>
+            <a:r>
+              <a:rPr lang="en-US" sz="1600" dirty="0" smtClean="0"/>
+              <a:t>11/10/8/7/Vista</a:t>
+            </a:r>
+            <a:r>
+              <a:rPr lang="ru-RU" sz="1600" dirty="0"/>
+              <a:t>,</a:t>
+            </a:r>
+            <a:r>
+              <a:rPr lang="en-US" sz="1600" dirty="0" smtClean="0"/>
+              <a:t> Apple </a:t>
+            </a:r>
+            <a:r>
+              <a:rPr lang="en-US" sz="1600" dirty="0" err="1"/>
               <a:t>macOS</a:t>
             </a:r>
             <a:r>
-              <a:rPr lang="en-US" dirty="0"/>
+              <a:rPr lang="en-US" sz="1600" dirty="0"/>
               <a:t> 10.8.5 </a:t>
             </a:r>
             <a:r>
-              <a:rPr lang="ru-RU" dirty="0"/>
-              <a:t>или выше, до 10.13 (</a:t>
-            </a:r>
-            <a:r>
-              <a:rPr lang="en-US" dirty="0"/>
-              <a:t>High Sierra)/ 10.14 (Mojave), Linux GNOME </a:t>
-            </a:r>
-            <a:r>
-              <a:rPr lang="ru-RU" dirty="0"/>
+              <a:rPr lang="ru-RU" sz="1600" dirty="0"/>
               <a:t>или </a:t>
             </a:r>
             <a:r>
-              <a:rPr lang="en-US" dirty="0"/>
+              <a:rPr lang="ru-RU" sz="1600" dirty="0" smtClean="0"/>
+              <a:t>выше, </a:t>
+            </a:r>
+            <a:r>
+              <a:rPr lang="en-US" sz="1600" dirty="0" smtClean="0"/>
+              <a:t>Linux </a:t>
+            </a:r>
+            <a:r>
+              <a:rPr lang="en-US" sz="1600" dirty="0"/>
+              <a:t>GNOME </a:t>
+            </a:r>
+            <a:r>
+              <a:rPr lang="ru-RU" sz="1600" dirty="0"/>
+              <a:t>или </a:t>
+            </a:r>
+            <a:r>
+              <a:rPr lang="en-US" sz="1600" dirty="0"/>
               <a:t>KDE;  </a:t>
             </a:r>
-            <a:r>
-              <a:rPr lang="ru-RU" dirty="0"/>
-              <a:t>Процессор </a:t>
-            </a:r>
-            <a:r>
-              <a:rPr lang="en-US" dirty="0"/>
-              <a:t>x86-64 Intel </a:t>
-            </a:r>
-            <a:r>
-              <a:rPr lang="ru-RU" dirty="0"/>
-              <a:t>с поддержкой </a:t>
-            </a:r>
-            <a:r>
-              <a:rPr lang="en-US" dirty="0"/>
-              <a:t>VT-x, </a:t>
-            </a:r>
-            <a:r>
-              <a:rPr lang="ru-RU" dirty="0"/>
-              <a:t>или </a:t>
-            </a:r>
-            <a:r>
-              <a:rPr lang="en-US" dirty="0"/>
-              <a:t>AMD </a:t>
-            </a:r>
-            <a:r>
-              <a:rPr lang="ru-RU" dirty="0"/>
-              <a:t>с поддержкой </a:t>
-            </a:r>
-            <a:r>
-              <a:rPr lang="en-US" dirty="0"/>
-              <a:t>AMD-V, </a:t>
-            </a:r>
-            <a:r>
-              <a:rPr lang="ru-RU" dirty="0"/>
-              <a:t>или </a:t>
-            </a:r>
-            <a:r>
-              <a:rPr lang="en-US" dirty="0"/>
-              <a:t>ARM (</a:t>
-            </a:r>
-            <a:r>
-              <a:rPr lang="ru-RU" dirty="0"/>
-              <a:t>для </a:t>
-            </a:r>
-            <a:r>
-              <a:rPr lang="en-US" dirty="0"/>
-              <a:t>Apple);  </a:t>
-            </a:r>
-            <a:endParaRPr lang="ru-RU" dirty="0" smtClean="0"/>
+            <a:endParaRPr lang="ru-RU" sz="1600" dirty="0" smtClean="0"/>
           </a:p>
           <a:p>
             <a:pPr marL="285750" indent="-285750">
@@ -15591,14 +15563,54 @@
               <a:buChar char="•"/>
             </a:pPr>
             <a:r>
-              <a:rPr lang="ru-RU" dirty="0" smtClean="0"/>
-              <a:t>Оперативная </a:t>
-            </a:r>
-            <a:r>
-              <a:rPr lang="ru-RU" dirty="0"/>
-              <a:t>память 8 ГБ (минимум), 16 ГБ (рекомендуется);  </a:t>
-            </a:r>
-            <a:endParaRPr lang="ru-RU" dirty="0" smtClean="0"/>
+              <a:rPr lang="ru-RU" sz="1600" dirty="0" smtClean="0"/>
+              <a:t>Процессор </a:t>
+            </a:r>
+            <a:r>
+              <a:rPr lang="en-US" sz="1600" dirty="0"/>
+              <a:t>x86-64 Intel </a:t>
+            </a:r>
+            <a:r>
+              <a:rPr lang="ru-RU" sz="1600" dirty="0"/>
+              <a:t>с поддержкой </a:t>
+            </a:r>
+            <a:r>
+              <a:rPr lang="en-US" sz="1600" dirty="0"/>
+              <a:t>VT-x, </a:t>
+            </a:r>
+            <a:r>
+              <a:rPr lang="ru-RU" sz="1600" dirty="0"/>
+              <a:t>или </a:t>
+            </a:r>
+            <a:r>
+              <a:rPr lang="en-US" sz="1600" dirty="0"/>
+              <a:t>AMD </a:t>
+            </a:r>
+            <a:r>
+              <a:rPr lang="ru-RU" sz="1600" dirty="0"/>
+              <a:t>с поддержкой </a:t>
+            </a:r>
+            <a:r>
+              <a:rPr lang="en-US" sz="1600" dirty="0"/>
+              <a:t>AMD-V, </a:t>
+            </a:r>
+            <a:r>
+              <a:rPr lang="ru-RU" sz="1600" dirty="0"/>
+              <a:t>или </a:t>
+            </a:r>
+            <a:r>
+              <a:rPr lang="en-US" sz="1600" dirty="0"/>
+              <a:t>ARM (</a:t>
+            </a:r>
+            <a:r>
+              <a:rPr lang="ru-RU" sz="1600" dirty="0"/>
+              <a:t>для </a:t>
+            </a:r>
+            <a:r>
+              <a:rPr lang="en-US" sz="1600" dirty="0"/>
+              <a:t>Apple);  </a:t>
+            </a:r>
+            <a:endParaRPr lang="ru-RU" sz="1600" dirty="0" smtClean="0"/>
           </a:p>
           <a:p>
             <a:pPr marL="285750" indent="-285750">
@@ -15606,38 +15618,14 @@
               <a:buChar char="•"/>
             </a:pPr>
             <a:r>
-              <a:rPr lang="ru-RU" dirty="0" smtClean="0"/>
-              <a:t>Свободное </a:t>
-            </a:r>
-            <a:r>
-              <a:rPr lang="ru-RU" dirty="0"/>
-              <a:t>место на диске 8 ГБ минимум (2,5 ГБ для </a:t>
-            </a:r>
-            <a:r>
-              <a:rPr lang="en-US" dirty="0"/>
-              <a:t>IDE + 5.5 </a:t>
-            </a:r>
-            <a:r>
-              <a:rPr lang="ru-RU" dirty="0"/>
-              <a:t>ГБ для </a:t>
-            </a:r>
-            <a:r>
-              <a:rPr lang="en-US" dirty="0"/>
-              <a:t>Android SDK </a:t>
-            </a:r>
-            <a:r>
-              <a:rPr lang="ru-RU" dirty="0"/>
-              <a:t>и образа системы эмулятора), 32 ГБ </a:t>
-            </a:r>
-            <a:r>
-              <a:rPr lang="en-US" dirty="0"/>
-              <a:t>SSD (</a:t>
-            </a:r>
-            <a:r>
-              <a:rPr lang="ru-RU" dirty="0"/>
-              <a:t>рекомендуется);  </a:t>
-            </a:r>
-            <a:endParaRPr lang="ru-RU" dirty="0" smtClean="0"/>
+              <a:rPr lang="ru-RU" sz="1600" dirty="0" smtClean="0"/>
+              <a:t>Оперативная </a:t>
+            </a:r>
+            <a:r>
+              <a:rPr lang="ru-RU" sz="1600" dirty="0"/>
+              <a:t>память 8 ГБ (минимум), 16 ГБ (рекомендуется);  </a:t>
+            </a:r>
+            <a:endParaRPr lang="ru-RU" sz="1600" dirty="0" smtClean="0"/>
           </a:p>
           <a:p>
             <a:pPr marL="285750" indent="-285750">
@@ -15645,14 +15633,30 @@
               <a:buChar char="•"/>
             </a:pPr>
             <a:r>
-              <a:rPr lang="ru-RU" dirty="0" smtClean="0"/>
-              <a:t>Версия </a:t>
-            </a:r>
-            <a:r>
-              <a:rPr lang="en-US" dirty="0"/>
-              <a:t>JDK Java Development Kit 8;  </a:t>
-            </a:r>
-            <a:endParaRPr lang="ru-RU" dirty="0" smtClean="0"/>
+              <a:rPr lang="ru-RU" sz="1600" dirty="0" smtClean="0"/>
+              <a:t>Свободное </a:t>
+            </a:r>
+            <a:r>
+              <a:rPr lang="ru-RU" sz="1600" dirty="0"/>
+              <a:t>место на диске 8 ГБ </a:t>
+            </a:r>
+            <a:r>
+              <a:rPr lang="ru-RU" sz="1600" dirty="0" smtClean="0"/>
+              <a:t>минимум, 32 </a:t>
+            </a:r>
+            <a:r>
+              <a:rPr lang="ru-RU" sz="1600" dirty="0"/>
+              <a:t>ГБ </a:t>
+            </a:r>
+            <a:r>
+              <a:rPr lang="en-US" sz="1600" dirty="0"/>
+              <a:t>SSD (</a:t>
+            </a:r>
+            <a:r>
+              <a:rPr lang="ru-RU" sz="1600" dirty="0"/>
+              <a:t>рекомендуется);  </a:t>
+            </a:r>
+            <a:endParaRPr lang="ru-RU" sz="1600" dirty="0" smtClean="0"/>
           </a:p>
           <a:p>
             <a:pPr marL="285750" indent="-285750">
@@ -15660,22 +15664,14 @@
               <a:buChar char="•"/>
             </a:pPr>
             <a:r>
-              <a:rPr lang="ru-RU" dirty="0" smtClean="0"/>
-              <a:t>Разрешение </a:t>
-            </a:r>
-            <a:r>
-              <a:rPr lang="ru-RU" dirty="0"/>
-              <a:t>экрана 1280 </a:t>
-            </a:r>
-            <a:r>
-              <a:rPr lang="en-US" dirty="0"/>
-              <a:t>x 800 (</a:t>
-            </a:r>
-            <a:r>
-              <a:rPr lang="ru-RU" dirty="0"/>
-              <a:t>минимум);  </a:t>
-            </a:r>
-            <a:endParaRPr lang="ru-RU" dirty="0" smtClean="0"/>
+              <a:rPr lang="ru-RU" sz="1600" dirty="0" smtClean="0"/>
+              <a:t>Версия </a:t>
+            </a:r>
+            <a:r>
+              <a:rPr lang="en-US" sz="1600" dirty="0"/>
+              <a:t>JDK Java Development Kit 8;  </a:t>
+            </a:r>
+            <a:endParaRPr lang="ru-RU" sz="1600" dirty="0" smtClean="0"/>
           </a:p>
           <a:p>
             <a:pPr marL="285750" indent="-285750">
@@ -15683,47 +15679,70 @@
               <a:buChar char="•"/>
             </a:pPr>
             <a:r>
-              <a:rPr lang="ru-RU" dirty="0" smtClean="0"/>
+              <a:rPr lang="ru-RU" sz="1600" dirty="0" smtClean="0"/>
+              <a:t>Разрешение </a:t>
+            </a:r>
+            <a:r>
+              <a:rPr lang="ru-RU" sz="1600" dirty="0"/>
+              <a:t>экрана 1280 </a:t>
+            </a:r>
+            <a:r>
+              <a:rPr lang="en-US" sz="1600" dirty="0"/>
+              <a:t>x 800 (</a:t>
+            </a:r>
+            <a:r>
+              <a:rPr lang="ru-RU" sz="1600" dirty="0"/>
+              <a:t>минимум);  </a:t>
+            </a:r>
+            <a:endParaRPr lang="ru-RU" sz="1600" dirty="0" smtClean="0"/>
+          </a:p>
+          <a:p>
+            <a:pPr marL="285750" indent="-285750">
+              <a:buFont typeface="Arial" panose="020B0604020202020204" pitchFamily="34" charset="0"/>
+              <a:buChar char="•"/>
+            </a:pPr>
+            <a:r>
+              <a:rPr lang="ru-RU" sz="1600" dirty="0" smtClean="0"/>
               <a:t>Дополнительно </a:t>
             </a:r>
             <a:r>
-              <a:rPr lang="ru-RU" dirty="0"/>
+              <a:rPr lang="ru-RU" sz="1600" dirty="0"/>
               <a:t>для </a:t>
             </a:r>
             <a:r>
-              <a:rPr lang="en-US" dirty="0" err="1"/>
+              <a:rPr lang="en-US" sz="1600" dirty="0" err="1"/>
               <a:t>MacOS</a:t>
             </a:r>
             <a:r>
-              <a:rPr lang="en-US" dirty="0"/>
+              <a:rPr lang="en-US" sz="1600" dirty="0"/>
               <a:t> </a:t>
             </a:r>
             <a:r>
-              <a:rPr lang="ru-RU" dirty="0"/>
+              <a:rPr lang="ru-RU" sz="1600" dirty="0"/>
               <a:t>требуется </a:t>
             </a:r>
             <a:r>
-              <a:rPr lang="en-US" dirty="0"/>
+              <a:rPr lang="en-US" sz="1600" dirty="0"/>
               <a:t>Java Runtime Environment (JRE) 6, </a:t>
             </a:r>
             <a:r>
-              <a:rPr lang="ru-RU" dirty="0"/>
+              <a:rPr lang="ru-RU" sz="1600" dirty="0"/>
               <a:t>для </a:t>
             </a:r>
             <a:r>
-              <a:rPr lang="en-US" dirty="0"/>
+              <a:rPr lang="en-US" sz="1600" dirty="0"/>
               <a:t>Linux GNU C Library (</a:t>
             </a:r>
             <a:r>
-              <a:rPr lang="en-US" dirty="0" err="1"/>
+              <a:rPr lang="en-US" sz="1600" dirty="0" err="1"/>
               <a:t>glibc</a:t>
             </a:r>
             <a:r>
-              <a:rPr lang="en-US" dirty="0"/>
+              <a:rPr lang="en-US" sz="1600" dirty="0"/>
               <a:t>) 2.31 </a:t>
             </a:r>
             <a:r>
-              <a:rPr lang="ru-RU" dirty="0"/>
+              <a:rPr lang="ru-RU" sz="1600" dirty="0"/>
               <a:t>или выше.</a:t>
             </a:r>
           </a:p>
@@ -15752,7 +15771,7 @@
         </p:blipFill>
         <p:spPr bwMode="auto">
           <a:xfrm>
-            <a:off x="466128" y="3866545"/>
+            <a:off x="345358" y="4820569"/>
             <a:ext cx="4965408" cy="1571087"/>
           </a:xfrm>
           <a:prstGeom prst="rect">
@@ -15805,7 +15824,7 @@
           <p:cNvPr id="2" name="Текст 1">
             <a:extLst>
               <a:ext uri="{FF2B5EF4-FFF2-40B4-BE49-F238E27FC236}">
-                <a16:creationId xmlns="" xmlns:a16="http://schemas.microsoft.com/office/drawing/2014/main" id="{2FFBD88B-BF2A-8F44-B648-677BB7D9750D}"/>
+                <a16:creationId xmlns:a16="http://schemas.microsoft.com/office/drawing/2014/main" xmlns="" id="{2FFBD88B-BF2A-8F44-B648-677BB7D9750D}"/>
               </a:ext>
             </a:extLst>
           </p:cNvPr>
@@ -15842,7 +15861,7 @@
           <p:cNvPr id="3" name="Текст 2">
             <a:extLst>
               <a:ext uri="{FF2B5EF4-FFF2-40B4-BE49-F238E27FC236}">
-                <a16:creationId xmlns="" xmlns:a16="http://schemas.microsoft.com/office/drawing/2014/main" id="{BD6DFA47-ACB8-5246-AC9C-19D438CF658E}"/>
+                <a16:creationId xmlns:a16="http://schemas.microsoft.com/office/drawing/2014/main" xmlns="" id="{BD6DFA47-ACB8-5246-AC9C-19D438CF658E}"/>
               </a:ext>
             </a:extLst>
           </p:cNvPr>
@@ -15890,7 +15909,7 @@
           <p:cNvPr id="4" name="Текст 3">
             <a:extLst>
               <a:ext uri="{FF2B5EF4-FFF2-40B4-BE49-F238E27FC236}">
-                <a16:creationId xmlns="" xmlns:a16="http://schemas.microsoft.com/office/drawing/2014/main" id="{49A5DD86-C5F3-5843-B60F-AC26E1B16228}"/>
+                <a16:creationId xmlns:a16="http://schemas.microsoft.com/office/drawing/2014/main" xmlns="" id="{49A5DD86-C5F3-5843-B60F-AC26E1B16228}"/>
               </a:ext>
             </a:extLst>
           </p:cNvPr>
@@ -15908,69 +15927,292 @@
           <a:p>
             <a:pPr lvl="0"/>
             <a:r>
+              <a:rPr lang="ru-RU" dirty="0"/>
+              <a:t>Основные </a:t>
+            </a:r>
+            <a:r>
               <a:rPr lang="ru-RU" dirty="0" smtClean="0"/>
-              <a:t>Особенности</a:t>
-            </a:r>
-            <a:br>
+              <a:t>результаты</a:t>
+            </a:r>
+          </a:p>
+          <a:p>
+            <a:pPr lvl="0"/>
+            <a:r>
               <a:rPr lang="ru-RU" dirty="0" smtClean="0"/>
-            </a:br>
-            <a:r>
-              <a:rPr lang="ru-RU" dirty="0" smtClean="0"/>
-              <a:t>реализации </a:t>
-            </a:r>
-            <a:endParaRPr lang="ru-RU" dirty="0"/>
+              <a:t>и </a:t>
+            </a:r>
+            <a:r>
+              <a:rPr lang="ru-RU" dirty="0"/>
+              <a:t>выводы</a:t>
+            </a:r>
+            <a:endParaRPr lang="ru-RU" dirty="0">
+              <a:effectLst/>
+            </a:endParaRPr>
           </a:p>
         </p:txBody>
       </p:sp>
+      <p:pic>
+        <p:nvPicPr>
+          <p:cNvPr id="2050" name="Picture 2"/>
+          <p:cNvPicPr>
+            <a:picLocks noChangeAspect="1" noChangeArrowheads="1"/>
+          </p:cNvPicPr>
+          <p:nvPr/>
+        </p:nvPicPr>
+        <p:blipFill>
+          <a:blip r:embed="rId3">
+            <a:extLst>
+              <a:ext uri="{28A0092B-C50C-407E-A947-70E740481C1C}">
+                <a14:useLocalDpi xmlns:a14="http://schemas.microsoft.com/office/drawing/2010/main" val="0"/>
+              </a:ext>
+            </a:extLst>
+          </a:blip>
+          <a:srcRect/>
+          <a:stretch>
+            <a:fillRect/>
+          </a:stretch>
+        </p:blipFill>
+        <p:spPr bwMode="auto">
+          <a:xfrm>
+            <a:off x="396485" y="1197862"/>
+            <a:ext cx="2289107" cy="4840629"/>
+          </a:xfrm>
+          <a:prstGeom prst="rect">
+            <a:avLst/>
+          </a:prstGeom>
+          <a:noFill/>
+          <a:ln>
+            <a:noFill/>
+          </a:ln>
+          <a:effectLst/>
+          <a:extLst>
+            <a:ext uri="{909E8E84-426E-40DD-AFC4-6F175D3DCCD1}">
+              <a14:hiddenFill xmlns:a14="http://schemas.microsoft.com/office/drawing/2010/main">
+                <a:solidFill>
+                  <a:schemeClr val="accent1"/>
+                </a:solidFill>
+              </a14:hiddenFill>
+            </a:ext>
+            <a:ext uri="{91240B29-F687-4F45-9708-019B960494DF}">
+              <a14:hiddenLine xmlns:a14="http://schemas.microsoft.com/office/drawing/2010/main" w="9525">
+                <a:solidFill>
+                  <a:schemeClr val="tx1"/>
+                </a:solidFill>
+                <a:miter lim="800000"/>
+                <a:headEnd/>
+                <a:tailEnd/>
+              </a14:hiddenLine>
+            </a:ext>
+            <a:ext uri="{AF507438-7753-43E0-B8FC-AC1667EBCBE1}">
+              <a14:hiddenEffects xmlns:a14="http://schemas.microsoft.com/office/drawing/2010/main">
+                <a:effectLst>
+                  <a:outerShdw dist="35921" dir="2700000" algn="ctr" rotWithShape="0">
+                    <a:schemeClr val="bg2"/>
+                  </a:outerShdw>
+                </a:effectLst>
+              </a14:hiddenEffects>
+            </a:ext>
+          </a:extLst>
+        </p:spPr>
+      </p:pic>
+      <p:pic>
+        <p:nvPicPr>
+          <p:cNvPr id="2051" name="Picture 3"/>
+          <p:cNvPicPr>
+            <a:picLocks noChangeAspect="1" noChangeArrowheads="1"/>
+          </p:cNvPicPr>
+          <p:nvPr/>
+        </p:nvPicPr>
+        <p:blipFill>
+          <a:blip r:embed="rId4">
+            <a:extLst>
+              <a:ext uri="{28A0092B-C50C-407E-A947-70E740481C1C}">
+                <a14:useLocalDpi xmlns:a14="http://schemas.microsoft.com/office/drawing/2010/main" val="0"/>
+              </a:ext>
+            </a:extLst>
+          </a:blip>
+          <a:srcRect/>
+          <a:stretch>
+            <a:fillRect/>
+          </a:stretch>
+        </p:blipFill>
+        <p:spPr bwMode="auto">
+          <a:xfrm>
+            <a:off x="3378495" y="1197862"/>
+            <a:ext cx="2254285" cy="4833228"/>
+          </a:xfrm>
+          <a:prstGeom prst="rect">
+            <a:avLst/>
+          </a:prstGeom>
+          <a:noFill/>
+          <a:ln>
+            <a:noFill/>
+          </a:ln>
+          <a:effectLst/>
+          <a:extLst>
+            <a:ext uri="{909E8E84-426E-40DD-AFC4-6F175D3DCCD1}">
+              <a14:hiddenFill xmlns:a14="http://schemas.microsoft.com/office/drawing/2010/main">
+                <a:solidFill>
+                  <a:schemeClr val="accent1"/>
+                </a:solidFill>
+              </a14:hiddenFill>
+            </a:ext>
+            <a:ext uri="{91240B29-F687-4F45-9708-019B960494DF}">
+              <a14:hiddenLine xmlns:a14="http://schemas.microsoft.com/office/drawing/2010/main" w="9525">
+                <a:solidFill>
+                  <a:schemeClr val="tx1"/>
+                </a:solidFill>
+                <a:miter lim="800000"/>
+                <a:headEnd/>
+                <a:tailEnd/>
+              </a14:hiddenLine>
+            </a:ext>
+            <a:ext uri="{AF507438-7753-43E0-B8FC-AC1667EBCBE1}">
+              <a14:hiddenEffects xmlns:a14="http://schemas.microsoft.com/office/drawing/2010/main">
+                <a:effectLst>
+                  <a:outerShdw dist="35921" dir="2700000" algn="ctr" rotWithShape="0">
+                    <a:schemeClr val="bg2"/>
+                  </a:outerShdw>
+                </a:effectLst>
+              </a14:hiddenEffects>
+            </a:ext>
+          </a:extLst>
+        </p:spPr>
+      </p:pic>
+      <p:pic>
+        <p:nvPicPr>
+          <p:cNvPr id="2053" name="Picture 5"/>
+          <p:cNvPicPr>
+            <a:picLocks noChangeAspect="1" noChangeArrowheads="1"/>
+          </p:cNvPicPr>
+          <p:nvPr/>
+        </p:nvPicPr>
+        <p:blipFill>
+          <a:blip r:embed="rId5">
+            <a:extLst>
+              <a:ext uri="{28A0092B-C50C-407E-A947-70E740481C1C}">
+                <a14:useLocalDpi xmlns:a14="http://schemas.microsoft.com/office/drawing/2010/main" val="0"/>
+              </a:ext>
+            </a:extLst>
+          </a:blip>
+          <a:srcRect/>
+          <a:stretch>
+            <a:fillRect/>
+          </a:stretch>
+        </p:blipFill>
+        <p:spPr bwMode="auto">
+          <a:xfrm>
+            <a:off x="6354783" y="1208963"/>
+            <a:ext cx="2258568" cy="4825827"/>
+          </a:xfrm>
+          <a:prstGeom prst="rect">
+            <a:avLst/>
+          </a:prstGeom>
+          <a:noFill/>
+          <a:ln>
+            <a:noFill/>
+          </a:ln>
+          <a:effectLst/>
+          <a:extLst>
+            <a:ext uri="{909E8E84-426E-40DD-AFC4-6F175D3DCCD1}">
+              <a14:hiddenFill xmlns:a14="http://schemas.microsoft.com/office/drawing/2010/main">
+                <a:solidFill>
+                  <a:schemeClr val="accent1"/>
+                </a:solidFill>
+              </a14:hiddenFill>
+            </a:ext>
+            <a:ext uri="{91240B29-F687-4F45-9708-019B960494DF}">
+              <a14:hiddenLine xmlns:a14="http://schemas.microsoft.com/office/drawing/2010/main" w="9525">
+                <a:solidFill>
+                  <a:schemeClr val="tx1"/>
+                </a:solidFill>
+                <a:miter lim="800000"/>
+                <a:headEnd/>
+                <a:tailEnd/>
+              </a14:hiddenLine>
+            </a:ext>
+            <a:ext uri="{AF507438-7753-43E0-B8FC-AC1667EBCBE1}">
+              <a14:hiddenEffects xmlns:a14="http://schemas.microsoft.com/office/drawing/2010/main">
+                <a:effectLst>
+                  <a:outerShdw dist="35921" dir="2700000" algn="ctr" rotWithShape="0">
+                    <a:schemeClr val="bg2"/>
+                  </a:outerShdw>
+                </a:effectLst>
+              </a14:hiddenEffects>
+            </a:ext>
+          </a:extLst>
+        </p:spPr>
+      </p:pic>
+      <p:pic>
+        <p:nvPicPr>
+          <p:cNvPr id="2054" name="Picture 6"/>
+          <p:cNvPicPr>
+            <a:picLocks noChangeAspect="1" noChangeArrowheads="1"/>
+          </p:cNvPicPr>
+          <p:nvPr/>
+        </p:nvPicPr>
+        <p:blipFill>
+          <a:blip r:embed="rId6">
+            <a:extLst>
+              <a:ext uri="{28A0092B-C50C-407E-A947-70E740481C1C}">
+                <a14:useLocalDpi xmlns:a14="http://schemas.microsoft.com/office/drawing/2010/main" val="0"/>
+              </a:ext>
+            </a:extLst>
+          </a:blip>
+          <a:srcRect/>
+          <a:stretch>
+            <a:fillRect/>
+          </a:stretch>
+        </p:blipFill>
+        <p:spPr bwMode="auto">
+          <a:xfrm>
+            <a:off x="9444502" y="1197862"/>
+            <a:ext cx="2246057" cy="4848030"/>
+          </a:xfrm>
+          <a:prstGeom prst="rect">
+            <a:avLst/>
+          </a:prstGeom>
+          <a:noFill/>
+          <a:ln>
+            <a:noFill/>
+          </a:ln>
+          <a:effectLst/>
+          <a:extLst>
+            <a:ext uri="{909E8E84-426E-40DD-AFC4-6F175D3DCCD1}">
+              <a14:hiddenFill xmlns:a14="http://schemas.microsoft.com/office/drawing/2010/main">
+                <a:solidFill>
+                  <a:schemeClr val="accent1"/>
+                </a:solidFill>
+              </a14:hiddenFill>
+            </a:ext>
+            <a:ext uri="{91240B29-F687-4F45-9708-019B960494DF}">
+              <a14:hiddenLine xmlns:a14="http://schemas.microsoft.com/office/drawing/2010/main" w="9525">
+                <a:solidFill>
+                  <a:schemeClr val="tx1"/>
+                </a:solidFill>
+                <a:miter lim="800000"/>
+                <a:headEnd/>
+                <a:tailEnd/>
+              </a14:hiddenLine>
+            </a:ext>
+            <a:ext uri="{AF507438-7753-43E0-B8FC-AC1667EBCBE1}">
+              <a14:hiddenEffects xmlns:a14="http://schemas.microsoft.com/office/drawing/2010/main">
+                <a:effectLst>
+                  <a:outerShdw dist="35921" dir="2700000" algn="ctr" rotWithShape="0">
+                    <a:schemeClr val="bg2"/>
+                  </a:outerShdw>
+                </a:effectLst>
+              </a14:hiddenEffects>
+            </a:ext>
+          </a:extLst>
+        </p:spPr>
+      </p:pic>
       <p:sp>
         <p:nvSpPr>
-          <p:cNvPr id="5" name="Заголовок 4">
-            <a:extLst>
-              <a:ext uri="{FF2B5EF4-FFF2-40B4-BE49-F238E27FC236}">
-                <a16:creationId xmlns="" xmlns:a16="http://schemas.microsoft.com/office/drawing/2014/main" id="{D060AA73-8574-054A-B94B-1EAA5FAB0470}"/>
-              </a:ext>
-            </a:extLst>
-          </p:cNvPr>
-          <p:cNvSpPr>
-            <a:spLocks noGrp="1"/>
-          </p:cNvSpPr>
-          <p:nvPr>
-            <p:ph type="title"/>
-          </p:nvPr>
-        </p:nvSpPr>
-        <p:spPr>
-          <a:xfrm>
-            <a:off x="7004987" y="1319774"/>
-            <a:ext cx="4322530" cy="777025"/>
-          </a:xfrm>
-        </p:spPr>
-        <p:txBody>
-          <a:bodyPr>
-            <a:normAutofit/>
-          </a:bodyPr>
-          <a:lstStyle/>
-          <a:p>
-            <a:pPr lvl="0"/>
-            <a:r>
-              <a:rPr lang="ru-RU" dirty="0"/>
-              <a:t>Особенности</a:t>
-            </a:r>
-            <a:br>
-              <a:rPr lang="ru-RU" dirty="0"/>
-            </a:br>
-            <a:r>
-              <a:rPr lang="ru-RU" dirty="0"/>
-              <a:t>реализации </a:t>
-            </a:r>
-          </a:p>
-        </p:txBody>
-      </p:sp>
-      <p:sp>
-        <p:nvSpPr>
-          <p:cNvPr id="6" name="Текст 5">
-            <a:extLst>
-              <a:ext uri="{FF2B5EF4-FFF2-40B4-BE49-F238E27FC236}">
-                <a16:creationId xmlns="" xmlns:a16="http://schemas.microsoft.com/office/drawing/2014/main" id="{5E7B9744-FF5D-DB4B-8DCD-FF4C0C57287E}"/>
+          <p:cNvPr id="9" name="Текст 5">
+            <a:extLst>
+              <a:ext uri="{FF2B5EF4-FFF2-40B4-BE49-F238E27FC236}">
+                <a16:creationId xmlns:a16="http://schemas.microsoft.com/office/drawing/2014/main" xmlns="" id="{5E7B9744-FF5D-DB4B-8DCD-FF4C0C57287E}"/>
               </a:ext>
             </a:extLst>
           </p:cNvPr>
@@ -15983,8 +16225,8 @@
         </p:nvSpPr>
         <p:spPr>
           <a:xfrm>
-            <a:off x="7004986" y="2822677"/>
-            <a:ext cx="4322531" cy="2399371"/>
+            <a:off x="474453" y="6155186"/>
+            <a:ext cx="11343736" cy="2399371"/>
           </a:xfrm>
         </p:spPr>
         <p:txBody>
@@ -15993,15 +16235,48 @@
           <a:p>
             <a:r>
               <a:rPr lang="ru-RU" dirty="0"/>
-              <a:t>Для оформления графиков, таблиц, диаграмм могут потребоваться дополнительные цвета и вы совершенно правы, задавая вопрос, какие цвета использовать и где их взять. Мы предлагаем использовать палитру цветов Вышки для этих целей.</a:t>
-            </a:r>
+              <a:t>Ссылка на </a:t>
+            </a:r>
+            <a:r>
+              <a:rPr lang="ru-RU" dirty="0" err="1"/>
+              <a:t>репозиторий</a:t>
+            </a:r>
+            <a:r>
+              <a:rPr lang="ru-RU" dirty="0"/>
+              <a:t> </a:t>
+            </a:r>
+            <a:r>
+              <a:rPr lang="ru-RU" dirty="0" smtClean="0"/>
+              <a:t>с </a:t>
+            </a:r>
+            <a:r>
+              <a:rPr lang="ru-RU" dirty="0"/>
+              <a:t>исходным кодом и всеми использованными </a:t>
+            </a:r>
+            <a:r>
+              <a:rPr lang="ru-RU" dirty="0" smtClean="0"/>
+              <a:t>материалами</a:t>
+            </a:r>
+            <a:r>
+              <a:rPr lang="en-US" dirty="0" smtClean="0"/>
+              <a:t>: </a:t>
+            </a:r>
+            <a:r>
+              <a:rPr lang="ru-RU" dirty="0" smtClean="0"/>
+              <a:t>https</a:t>
+            </a:r>
+            <a:r>
+              <a:rPr lang="ru-RU" dirty="0"/>
+              <a:t>://github.com/NikPeg/mnemonic_systems_app </a:t>
+            </a:r>
+            <a:endParaRPr lang="ru-RU" dirty="0"/>
           </a:p>
         </p:txBody>
       </p:sp>
     </p:spTree>
     <p:extLst>
       <p:ext uri="{BB962C8B-B14F-4D97-AF65-F5344CB8AC3E}">
-        <p14:creationId xmlns:p14="http://schemas.microsoft.com/office/powerpoint/2010/main" val="2801224041"/>
+        <p14:creationId xmlns:p14="http://schemas.microsoft.com/office/powerpoint/2010/main" val="243007421"/>
       </p:ext>
     </p:extLst>
   </p:cSld>
@@ -16033,7 +16308,7 @@
           <p:cNvPr id="2" name="Текст 1">
             <a:extLst>
               <a:ext uri="{FF2B5EF4-FFF2-40B4-BE49-F238E27FC236}">
-                <a16:creationId xmlns="" xmlns:a16="http://schemas.microsoft.com/office/drawing/2014/main" id="{2FFBD88B-BF2A-8F44-B648-677BB7D9750D}"/>
+                <a16:creationId xmlns:a16="http://schemas.microsoft.com/office/drawing/2014/main" xmlns="" id="{2FFBD88B-BF2A-8F44-B648-677BB7D9750D}"/>
               </a:ext>
             </a:extLst>
           </p:cNvPr>
@@ -16070,7 +16345,7 @@
           <p:cNvPr id="3" name="Текст 2">
             <a:extLst>
               <a:ext uri="{FF2B5EF4-FFF2-40B4-BE49-F238E27FC236}">
-                <a16:creationId xmlns="" xmlns:a16="http://schemas.microsoft.com/office/drawing/2014/main" id="{BD6DFA47-ACB8-5246-AC9C-19D438CF658E}"/>
+                <a16:creationId xmlns:a16="http://schemas.microsoft.com/office/drawing/2014/main" xmlns="" id="{BD6DFA47-ACB8-5246-AC9C-19D438CF658E}"/>
               </a:ext>
             </a:extLst>
           </p:cNvPr>
@@ -16118,7 +16393,7 @@
           <p:cNvPr id="4" name="Текст 3">
             <a:extLst>
               <a:ext uri="{FF2B5EF4-FFF2-40B4-BE49-F238E27FC236}">
-                <a16:creationId xmlns="" xmlns:a16="http://schemas.microsoft.com/office/drawing/2014/main" id="{49A5DD86-C5F3-5843-B60F-AC26E1B16228}"/>
+                <a16:creationId xmlns:a16="http://schemas.microsoft.com/office/drawing/2014/main" xmlns="" id="{49A5DD86-C5F3-5843-B60F-AC26E1B16228}"/>
               </a:ext>
             </a:extLst>
           </p:cNvPr>
@@ -16136,33 +16411,232 @@
           <a:p>
             <a:pPr lvl="0"/>
             <a:r>
+              <a:rPr lang="ru-RU" dirty="0" smtClean="0"/>
+              <a:t>Направления</a:t>
+            </a:r>
+          </a:p>
+          <a:p>
+            <a:pPr lvl="0"/>
+            <a:r>
+              <a:rPr lang="ru-RU" dirty="0" smtClean="0"/>
+              <a:t>дальнейшей </a:t>
+            </a:r>
+            <a:r>
               <a:rPr lang="ru-RU" dirty="0"/>
-              <a:t>Основные </a:t>
-            </a:r>
-            <a:r>
-              <a:rPr lang="ru-RU" dirty="0" smtClean="0"/>
-              <a:t>результаты</a:t>
-            </a:r>
-          </a:p>
-          <a:p>
-            <a:pPr lvl="0"/>
-            <a:r>
-              <a:rPr lang="ru-RU" dirty="0" smtClean="0"/>
-              <a:t>и </a:t>
-            </a:r>
-            <a:r>
-              <a:rPr lang="ru-RU" dirty="0"/>
-              <a:t>выводы</a:t>
+              <a:t>работы</a:t>
             </a:r>
             <a:endParaRPr lang="ru-RU" dirty="0">
               <a:effectLst/>
             </a:endParaRPr>
+          </a:p>
+        </p:txBody>
+      </p:sp>
+      <p:sp>
+        <p:nvSpPr>
+          <p:cNvPr id="5" name="Заголовок 4">
+            <a:extLst>
+              <a:ext uri="{FF2B5EF4-FFF2-40B4-BE49-F238E27FC236}">
+                <a16:creationId xmlns:a16="http://schemas.microsoft.com/office/drawing/2014/main" xmlns="" id="{D060AA73-8574-054A-B94B-1EAA5FAB0470}"/>
+              </a:ext>
+            </a:extLst>
+          </p:cNvPr>
+          <p:cNvSpPr>
+            <a:spLocks noGrp="1"/>
+          </p:cNvSpPr>
+          <p:nvPr>
+            <p:ph type="title"/>
+          </p:nvPr>
+        </p:nvSpPr>
+        <p:spPr>
+          <a:xfrm>
+            <a:off x="4640832" y="1246622"/>
+            <a:ext cx="5495206" cy="777025"/>
+          </a:xfrm>
+        </p:spPr>
+        <p:txBody>
+          <a:bodyPr>
+            <a:normAutofit/>
+          </a:bodyPr>
+          <a:lstStyle/>
+          <a:p>
+            <a:pPr lvl="0"/>
+            <a:r>
+              <a:rPr lang="ru-RU" dirty="0" smtClean="0"/>
+              <a:t>Направления дальнейшей </a:t>
+            </a:r>
+            <a:r>
+              <a:rPr lang="ru-RU" dirty="0"/>
+              <a:t>работы</a:t>
+            </a:r>
+          </a:p>
+        </p:txBody>
+      </p:sp>
+      <p:sp>
+        <p:nvSpPr>
+          <p:cNvPr id="6" name="Текст 5">
+            <a:extLst>
+              <a:ext uri="{FF2B5EF4-FFF2-40B4-BE49-F238E27FC236}">
+                <a16:creationId xmlns:a16="http://schemas.microsoft.com/office/drawing/2014/main" xmlns="" id="{5E7B9744-FF5D-DB4B-8DCD-FF4C0C57287E}"/>
+              </a:ext>
+            </a:extLst>
+          </p:cNvPr>
+          <p:cNvSpPr>
+            <a:spLocks noGrp="1"/>
+          </p:cNvSpPr>
+          <p:nvPr>
+            <p:ph type="body" sz="quarter" idx="12"/>
+          </p:nvPr>
+        </p:nvSpPr>
+        <p:spPr>
+          <a:xfrm>
+            <a:off x="4640831" y="1875383"/>
+            <a:ext cx="6944443" cy="4169663"/>
+          </a:xfrm>
+        </p:spPr>
+        <p:txBody>
+          <a:bodyPr>
+            <a:noAutofit/>
+          </a:bodyPr>
+          <a:lstStyle/>
+          <a:p>
+            <a:r>
+              <a:rPr lang="ru-RU" sz="1800" dirty="0" smtClean="0"/>
+              <a:t>В </a:t>
+            </a:r>
+            <a:r>
+              <a:rPr lang="ru-RU" sz="1800" dirty="0"/>
+              <a:t>краткосрочной перспективе могут быть </a:t>
+            </a:r>
+            <a:r>
+              <a:rPr lang="ru-RU" sz="1800" dirty="0" smtClean="0"/>
+              <a:t>добавлены:</a:t>
+            </a:r>
+          </a:p>
+          <a:p>
+            <a:pPr marL="285750" indent="-285750">
+              <a:buFont typeface="Arial" panose="020B0604020202020204" pitchFamily="34" charset="0"/>
+              <a:buChar char="•"/>
+            </a:pPr>
+            <a:r>
+              <a:rPr lang="ru-RU" sz="1800" dirty="0" smtClean="0"/>
+              <a:t>Статистика</a:t>
+            </a:r>
+            <a:r>
+              <a:rPr lang="ru-RU" sz="1800" dirty="0"/>
+              <a:t>, позволяющая пользователю отслеживать свои результаты;  </a:t>
+            </a:r>
+            <a:endParaRPr lang="ru-RU" sz="1800" dirty="0" smtClean="0"/>
+          </a:p>
+          <a:p>
+            <a:pPr marL="285750" indent="-285750">
+              <a:buFont typeface="Arial" panose="020B0604020202020204" pitchFamily="34" charset="0"/>
+              <a:buChar char="•"/>
+            </a:pPr>
+            <a:r>
+              <a:rPr lang="ru-RU" sz="1800" dirty="0" smtClean="0"/>
+              <a:t>Возможность </a:t>
+            </a:r>
+            <a:r>
+              <a:rPr lang="ru-RU" sz="1800" dirty="0"/>
+              <a:t>делиться сохраненными числами с другими пользователями</a:t>
+            </a:r>
+            <a:r>
+              <a:rPr lang="ru-RU" sz="1800" dirty="0" smtClean="0"/>
+              <a:t>;</a:t>
+            </a:r>
+          </a:p>
+          <a:p>
+            <a:pPr marL="285750" indent="-285750">
+              <a:buFont typeface="Arial" panose="020B0604020202020204" pitchFamily="34" charset="0"/>
+              <a:buChar char="•"/>
+            </a:pPr>
+            <a:r>
+              <a:rPr lang="ru-RU" sz="1800" dirty="0" smtClean="0"/>
+              <a:t>Отслеживание </a:t>
+            </a:r>
+            <a:r>
+              <a:rPr lang="ru-RU" sz="1800" dirty="0"/>
+              <a:t>статистики друзей для создания соревновательного эффекта; </a:t>
+            </a:r>
+            <a:endParaRPr lang="ru-RU" sz="1800" dirty="0" smtClean="0"/>
+          </a:p>
+          <a:p>
+            <a:r>
+              <a:rPr lang="ru-RU" sz="1800" dirty="0" smtClean="0"/>
+              <a:t>В </a:t>
+            </a:r>
+            <a:r>
+              <a:rPr lang="ru-RU" sz="1800" dirty="0"/>
+              <a:t>долгосрочной перспективе могут быть добавлены: </a:t>
+            </a:r>
+            <a:r>
+              <a:rPr lang="ru-RU" sz="1800" dirty="0" smtClean="0"/>
+              <a:t></a:t>
+            </a:r>
+          </a:p>
+          <a:p>
+            <a:pPr marL="285750" indent="-285750">
+              <a:buFont typeface="Arial" panose="020B0604020202020204" pitchFamily="34" charset="0"/>
+              <a:buChar char="•"/>
+            </a:pPr>
+            <a:r>
+              <a:rPr lang="ru-RU" sz="1800" dirty="0" smtClean="0"/>
+              <a:t>Поддержка </a:t>
+            </a:r>
+            <a:r>
+              <a:rPr lang="ru-RU" sz="1800" dirty="0"/>
+              <a:t>других языков, кроме русского и английского; </a:t>
+            </a:r>
+            <a:r>
+              <a:rPr lang="ru-RU" sz="1800" dirty="0" smtClean="0"/>
+              <a:t></a:t>
+            </a:r>
+          </a:p>
+          <a:p>
+            <a:pPr marL="285750" indent="-285750">
+              <a:buFont typeface="Arial" panose="020B0604020202020204" pitchFamily="34" charset="0"/>
+              <a:buChar char="•"/>
+            </a:pPr>
+            <a:r>
+              <a:rPr lang="ru-RU" sz="1800" dirty="0" smtClean="0"/>
+              <a:t>Другие </a:t>
+            </a:r>
+            <a:r>
+              <a:rPr lang="ru-RU" sz="1800" dirty="0"/>
+              <a:t>мнемонические системы, например, система </a:t>
+            </a:r>
+            <a:r>
+              <a:rPr lang="ru-RU" sz="1800" dirty="0" err="1"/>
+              <a:t>Катапаяди</a:t>
+            </a:r>
+            <a:r>
+              <a:rPr lang="ru-RU" sz="1800" dirty="0"/>
+              <a:t>; </a:t>
+            </a:r>
+            <a:r>
+              <a:rPr lang="ru-RU" sz="1800" dirty="0" smtClean="0"/>
+              <a:t></a:t>
+            </a:r>
+          </a:p>
+          <a:p>
+            <a:pPr marL="285750" indent="-285750">
+              <a:buFont typeface="Arial" panose="020B0604020202020204" pitchFamily="34" charset="0"/>
+              <a:buChar char="•"/>
+            </a:pPr>
+            <a:r>
+              <a:rPr lang="ru-RU" sz="1800" dirty="0" smtClean="0"/>
+              <a:t>Способы </a:t>
+            </a:r>
+            <a:r>
+              <a:rPr lang="ru-RU" sz="1800" dirty="0"/>
+              <a:t>тренировки памяти для её улучшения.</a:t>
+            </a:r>
           </a:p>
         </p:txBody>
       </p:sp>
       <p:pic>
         <p:nvPicPr>
-          <p:cNvPr id="2050" name="Picture 2"/>
+          <p:cNvPr id="4098" name="Picture 2" descr="https://upload.wikimedia.org/wikipedia/commons/thumb/f/f8/Katapayadi-eng.svg/1200px-Katapayadi-eng.svg.png"/>
           <p:cNvPicPr>
             <a:picLocks noChangeAspect="1" noChangeArrowheads="1"/>
           </p:cNvPicPr>
@@ -16183,235 +16657,20 @@
         </p:blipFill>
         <p:spPr bwMode="auto">
           <a:xfrm>
-            <a:off x="396485" y="1197862"/>
-            <a:ext cx="2450355" cy="5181611"/>
+            <a:off x="660927" y="2436334"/>
+            <a:ext cx="3686756" cy="2304223"/>
           </a:xfrm>
           <a:prstGeom prst="rect">
             <a:avLst/>
           </a:prstGeom>
           <a:noFill/>
-          <a:ln>
-            <a:noFill/>
-          </a:ln>
-          <a:effectLst/>
           <a:extLst>
             <a:ext uri="{909E8E84-426E-40DD-AFC4-6F175D3DCCD1}">
               <a14:hiddenFill xmlns:a14="http://schemas.microsoft.com/office/drawing/2010/main">
                 <a:solidFill>
-                  <a:schemeClr val="accent1"/>
+                  <a:srgbClr val="FFFFFF"/>
                 </a:solidFill>
               </a14:hiddenFill>
-            </a:ext>
-            <a:ext uri="{91240B29-F687-4F45-9708-019B960494DF}">
-              <a14:hiddenLine xmlns:a14="http://schemas.microsoft.com/office/drawing/2010/main" w="9525">
-                <a:solidFill>
-                  <a:schemeClr val="tx1"/>
-                </a:solidFill>
-                <a:miter lim="800000"/>
-                <a:headEnd/>
-                <a:tailEnd/>
-              </a14:hiddenLine>
-            </a:ext>
-            <a:ext uri="{AF507438-7753-43E0-B8FC-AC1667EBCBE1}">
-              <a14:hiddenEffects xmlns:a14="http://schemas.microsoft.com/office/drawing/2010/main">
-                <a:effectLst>
-                  <a:outerShdw dist="35921" dir="2700000" algn="ctr" rotWithShape="0">
-                    <a:schemeClr val="bg2"/>
-                  </a:outerShdw>
-                </a:effectLst>
-              </a14:hiddenEffects>
-            </a:ext>
-          </a:extLst>
-        </p:spPr>
-      </p:pic>
-      <p:pic>
-        <p:nvPicPr>
-          <p:cNvPr id="2051" name="Picture 3"/>
-          <p:cNvPicPr>
-            <a:picLocks noChangeAspect="1" noChangeArrowheads="1"/>
-          </p:cNvPicPr>
-          <p:nvPr/>
-        </p:nvPicPr>
-        <p:blipFill>
-          <a:blip r:embed="rId4">
-            <a:extLst>
-              <a:ext uri="{28A0092B-C50C-407E-A947-70E740481C1C}">
-                <a14:useLocalDpi xmlns:a14="http://schemas.microsoft.com/office/drawing/2010/main" val="0"/>
-              </a:ext>
-            </a:extLst>
-          </a:blip>
-          <a:srcRect/>
-          <a:stretch>
-            <a:fillRect/>
-          </a:stretch>
-        </p:blipFill>
-        <p:spPr bwMode="auto">
-          <a:xfrm>
-            <a:off x="3294897" y="1205263"/>
-            <a:ext cx="2416776" cy="5181611"/>
-          </a:xfrm>
-          <a:prstGeom prst="rect">
-            <a:avLst/>
-          </a:prstGeom>
-          <a:noFill/>
-          <a:ln>
-            <a:noFill/>
-          </a:ln>
-          <a:effectLst/>
-          <a:extLst>
-            <a:ext uri="{909E8E84-426E-40DD-AFC4-6F175D3DCCD1}">
-              <a14:hiddenFill xmlns:a14="http://schemas.microsoft.com/office/drawing/2010/main">
-                <a:solidFill>
-                  <a:schemeClr val="accent1"/>
-                </a:solidFill>
-              </a14:hiddenFill>
-            </a:ext>
-            <a:ext uri="{91240B29-F687-4F45-9708-019B960494DF}">
-              <a14:hiddenLine xmlns:a14="http://schemas.microsoft.com/office/drawing/2010/main" w="9525">
-                <a:solidFill>
-                  <a:schemeClr val="tx1"/>
-                </a:solidFill>
-                <a:miter lim="800000"/>
-                <a:headEnd/>
-                <a:tailEnd/>
-              </a14:hiddenLine>
-            </a:ext>
-            <a:ext uri="{AF507438-7753-43E0-B8FC-AC1667EBCBE1}">
-              <a14:hiddenEffects xmlns:a14="http://schemas.microsoft.com/office/drawing/2010/main">
-                <a:effectLst>
-                  <a:outerShdw dist="35921" dir="2700000" algn="ctr" rotWithShape="0">
-                    <a:schemeClr val="bg2"/>
-                  </a:outerShdw>
-                </a:effectLst>
-              </a14:hiddenEffects>
-            </a:ext>
-          </a:extLst>
-        </p:spPr>
-      </p:pic>
-      <p:pic>
-        <p:nvPicPr>
-          <p:cNvPr id="2053" name="Picture 5"/>
-          <p:cNvPicPr>
-            <a:picLocks noChangeAspect="1" noChangeArrowheads="1"/>
-          </p:cNvPicPr>
-          <p:nvPr/>
-        </p:nvPicPr>
-        <p:blipFill>
-          <a:blip r:embed="rId5">
-            <a:extLst>
-              <a:ext uri="{28A0092B-C50C-407E-A947-70E740481C1C}">
-                <a14:useLocalDpi xmlns:a14="http://schemas.microsoft.com/office/drawing/2010/main" val="0"/>
-              </a:ext>
-            </a:extLst>
-          </a:blip>
-          <a:srcRect/>
-          <a:stretch>
-            <a:fillRect/>
-          </a:stretch>
-        </p:blipFill>
-        <p:spPr bwMode="auto">
-          <a:xfrm>
-            <a:off x="6259892" y="1197862"/>
-            <a:ext cx="2428545" cy="5189012"/>
-          </a:xfrm>
-          <a:prstGeom prst="rect">
-            <a:avLst/>
-          </a:prstGeom>
-          <a:noFill/>
-          <a:ln>
-            <a:noFill/>
-          </a:ln>
-          <a:effectLst/>
-          <a:extLst>
-            <a:ext uri="{909E8E84-426E-40DD-AFC4-6F175D3DCCD1}">
-              <a14:hiddenFill xmlns:a14="http://schemas.microsoft.com/office/drawing/2010/main">
-                <a:solidFill>
-                  <a:schemeClr val="accent1"/>
-                </a:solidFill>
-              </a14:hiddenFill>
-            </a:ext>
-            <a:ext uri="{91240B29-F687-4F45-9708-019B960494DF}">
-              <a14:hiddenLine xmlns:a14="http://schemas.microsoft.com/office/drawing/2010/main" w="9525">
-                <a:solidFill>
-                  <a:schemeClr val="tx1"/>
-                </a:solidFill>
-                <a:miter lim="800000"/>
-                <a:headEnd/>
-                <a:tailEnd/>
-              </a14:hiddenLine>
-            </a:ext>
-            <a:ext uri="{AF507438-7753-43E0-B8FC-AC1667EBCBE1}">
-              <a14:hiddenEffects xmlns:a14="http://schemas.microsoft.com/office/drawing/2010/main">
-                <a:effectLst>
-                  <a:outerShdw dist="35921" dir="2700000" algn="ctr" rotWithShape="0">
-                    <a:schemeClr val="bg2"/>
-                  </a:outerShdw>
-                </a:effectLst>
-              </a14:hiddenEffects>
-            </a:ext>
-          </a:extLst>
-        </p:spPr>
-      </p:pic>
-      <p:pic>
-        <p:nvPicPr>
-          <p:cNvPr id="2054" name="Picture 6"/>
-          <p:cNvPicPr>
-            <a:picLocks noChangeAspect="1" noChangeArrowheads="1"/>
-          </p:cNvPicPr>
-          <p:nvPr/>
-        </p:nvPicPr>
-        <p:blipFill>
-          <a:blip r:embed="rId6">
-            <a:extLst>
-              <a:ext uri="{28A0092B-C50C-407E-A947-70E740481C1C}">
-                <a14:useLocalDpi xmlns:a14="http://schemas.microsoft.com/office/drawing/2010/main" val="0"/>
-              </a:ext>
-            </a:extLst>
-          </a:blip>
-          <a:srcRect/>
-          <a:stretch>
-            <a:fillRect/>
-          </a:stretch>
-        </p:blipFill>
-        <p:spPr bwMode="auto">
-          <a:xfrm>
-            <a:off x="9237498" y="1190461"/>
-            <a:ext cx="2404031" cy="5189012"/>
-          </a:xfrm>
-          <a:prstGeom prst="rect">
-            <a:avLst/>
-          </a:prstGeom>
-          <a:noFill/>
-          <a:ln>
-            <a:noFill/>
-          </a:ln>
-          <a:effectLst/>
-          <a:extLst>
-            <a:ext uri="{909E8E84-426E-40DD-AFC4-6F175D3DCCD1}">
-              <a14:hiddenFill xmlns:a14="http://schemas.microsoft.com/office/drawing/2010/main">
-                <a:solidFill>
-                  <a:schemeClr val="accent1"/>
-                </a:solidFill>
-              </a14:hiddenFill>
-            </a:ext>
-            <a:ext uri="{91240B29-F687-4F45-9708-019B960494DF}">
-              <a14:hiddenLine xmlns:a14="http://schemas.microsoft.com/office/drawing/2010/main" w="9525">
-                <a:solidFill>
-                  <a:schemeClr val="tx1"/>
-                </a:solidFill>
-                <a:miter lim="800000"/>
-                <a:headEnd/>
-                <a:tailEnd/>
-              </a14:hiddenLine>
-            </a:ext>
-            <a:ext uri="{AF507438-7753-43E0-B8FC-AC1667EBCBE1}">
-              <a14:hiddenEffects xmlns:a14="http://schemas.microsoft.com/office/drawing/2010/main">
-                <a:effectLst>
-                  <a:outerShdw dist="35921" dir="2700000" algn="ctr" rotWithShape="0">
-                    <a:schemeClr val="bg2"/>
-                  </a:outerShdw>
-                </a:effectLst>
-              </a14:hiddenEffects>
             </a:ext>
           </a:extLst>
         </p:spPr>
@@ -16419,7 +16678,7 @@
     </p:spTree>
     <p:extLst>
       <p:ext uri="{BB962C8B-B14F-4D97-AF65-F5344CB8AC3E}">
-        <p14:creationId xmlns:p14="http://schemas.microsoft.com/office/powerpoint/2010/main" val="243007421"/>
+        <p14:creationId xmlns:p14="http://schemas.microsoft.com/office/powerpoint/2010/main" val="2133197653"/>
       </p:ext>
     </p:extLst>
   </p:cSld>
@@ -16451,7 +16710,7 @@
           <p:cNvPr id="2" name="Текст 1">
             <a:extLst>
               <a:ext uri="{FF2B5EF4-FFF2-40B4-BE49-F238E27FC236}">
-                <a16:creationId xmlns="" xmlns:a16="http://schemas.microsoft.com/office/drawing/2014/main" id="{2FFBD88B-BF2A-8F44-B648-677BB7D9750D}"/>
+                <a16:creationId xmlns:a16="http://schemas.microsoft.com/office/drawing/2014/main" xmlns="" id="{2FFBD88B-BF2A-8F44-B648-677BB7D9750D}"/>
               </a:ext>
             </a:extLst>
           </p:cNvPr>
@@ -16488,7 +16747,7 @@
           <p:cNvPr id="3" name="Текст 2">
             <a:extLst>
               <a:ext uri="{FF2B5EF4-FFF2-40B4-BE49-F238E27FC236}">
-                <a16:creationId xmlns="" xmlns:a16="http://schemas.microsoft.com/office/drawing/2014/main" id="{BD6DFA47-ACB8-5246-AC9C-19D438CF658E}"/>
+                <a16:creationId xmlns:a16="http://schemas.microsoft.com/office/drawing/2014/main" xmlns="" id="{BD6DFA47-ACB8-5246-AC9C-19D438CF658E}"/>
               </a:ext>
             </a:extLst>
           </p:cNvPr>
@@ -16536,7 +16795,7 @@
           <p:cNvPr id="4" name="Текст 3">
             <a:extLst>
               <a:ext uri="{FF2B5EF4-FFF2-40B4-BE49-F238E27FC236}">
-                <a16:creationId xmlns="" xmlns:a16="http://schemas.microsoft.com/office/drawing/2014/main" id="{49A5DD86-C5F3-5843-B60F-AC26E1B16228}"/>
+                <a16:creationId xmlns:a16="http://schemas.microsoft.com/office/drawing/2014/main" xmlns="" id="{49A5DD86-C5F3-5843-B60F-AC26E1B16228}"/>
               </a:ext>
             </a:extLst>
           </p:cNvPr>
@@ -16554,19 +16813,8 @@
           <a:p>
             <a:pPr lvl="0"/>
             <a:r>
-              <a:rPr lang="ru-RU" dirty="0" smtClean="0"/>
-              <a:t>Направления</a:t>
-            </a:r>
-          </a:p>
-          <a:p>
-            <a:pPr lvl="0"/>
-            <a:r>
-              <a:rPr lang="ru-RU" dirty="0" smtClean="0"/>
-              <a:t>дальнейшей </a:t>
-            </a:r>
-            <a:r>
               <a:rPr lang="ru-RU" dirty="0"/>
-              <a:t>работы</a:t>
+              <a:t>Список использованных источников</a:t>
             </a:r>
             <a:endParaRPr lang="ru-RU" dirty="0">
               <a:effectLst/>
@@ -16579,7 +16827,7 @@
           <p:cNvPr id="5" name="Заголовок 4">
             <a:extLst>
               <a:ext uri="{FF2B5EF4-FFF2-40B4-BE49-F238E27FC236}">
-                <a16:creationId xmlns="" xmlns:a16="http://schemas.microsoft.com/office/drawing/2014/main" id="{D060AA73-8574-054A-B94B-1EAA5FAB0470}"/>
+                <a16:creationId xmlns:a16="http://schemas.microsoft.com/office/drawing/2014/main" xmlns="" id="{D060AA73-8574-054A-B94B-1EAA5FAB0470}"/>
               </a:ext>
             </a:extLst>
           </p:cNvPr>
@@ -16592,7 +16840,7 @@
         </p:nvSpPr>
         <p:spPr>
           <a:xfrm>
-            <a:off x="6081443" y="1246622"/>
+            <a:off x="558467" y="1331956"/>
             <a:ext cx="4322530" cy="777025"/>
           </a:xfrm>
         </p:spPr>
@@ -16605,14 +16853,7 @@
             <a:pPr lvl="0"/>
             <a:r>
               <a:rPr lang="ru-RU" dirty="0"/>
-              <a:t>Направления</a:t>
-            </a:r>
-            <a:br>
-              <a:rPr lang="ru-RU" dirty="0"/>
-            </a:br>
-            <a:r>
-              <a:rPr lang="ru-RU" dirty="0"/>
-              <a:t>дальнейшей работы</a:t>
+              <a:t>Список использованных источников</a:t>
             </a:r>
           </a:p>
         </p:txBody>
@@ -16622,7 +16863,7 @@
           <p:cNvPr id="6" name="Текст 5">
             <a:extLst>
               <a:ext uri="{FF2B5EF4-FFF2-40B4-BE49-F238E27FC236}">
-                <a16:creationId xmlns="" xmlns:a16="http://schemas.microsoft.com/office/drawing/2014/main" id="{5E7B9744-FF5D-DB4B-8DCD-FF4C0C57287E}"/>
+                <a16:creationId xmlns:a16="http://schemas.microsoft.com/office/drawing/2014/main" xmlns="" id="{5E7B9744-FF5D-DB4B-8DCD-FF4C0C57287E}"/>
               </a:ext>
             </a:extLst>
           </p:cNvPr>
@@ -16635,196 +16876,166 @@
         </p:nvSpPr>
         <p:spPr>
           <a:xfrm>
-            <a:off x="6081444" y="2240280"/>
-            <a:ext cx="5246074" cy="4169663"/>
+            <a:off x="558466" y="2176272"/>
+            <a:ext cx="5403422" cy="4462272"/>
           </a:xfrm>
         </p:spPr>
         <p:txBody>
           <a:bodyPr>
-            <a:normAutofit/>
+            <a:noAutofit/>
           </a:bodyPr>
           <a:lstStyle/>
           <a:p>
             <a:r>
-              <a:rPr lang="ru-RU" dirty="0" smtClean="0"/>
-              <a:t>В </a:t>
-            </a:r>
-            <a:r>
-              <a:rPr lang="ru-RU" dirty="0"/>
-              <a:t>краткосрочной перспективе могут быть </a:t>
-            </a:r>
-            <a:r>
-              <a:rPr lang="ru-RU" dirty="0" smtClean="0"/>
-              <a:t>добавлены:</a:t>
-            </a:r>
-          </a:p>
-          <a:p>
-            <a:pPr marL="285750" indent="-285750">
-              <a:buFont typeface="Arial" panose="020B0604020202020204" pitchFamily="34" charset="0"/>
-              <a:buChar char="•"/>
-            </a:pPr>
-            <a:r>
-              <a:rPr lang="ru-RU" dirty="0" smtClean="0"/>
-              <a:t>Статистика</a:t>
-            </a:r>
-            <a:r>
-              <a:rPr lang="ru-RU" dirty="0"/>
-              <a:t>, позволяющая пользователю отслеживать свои результаты;  </a:t>
-            </a:r>
-            <a:endParaRPr lang="ru-RU" dirty="0" smtClean="0"/>
-          </a:p>
-          <a:p>
-            <a:pPr marL="285750" indent="-285750">
-              <a:buFont typeface="Arial" panose="020B0604020202020204" pitchFamily="34" charset="0"/>
-              <a:buChar char="•"/>
-            </a:pPr>
-            <a:r>
-              <a:rPr lang="ru-RU" dirty="0" smtClean="0"/>
-              <a:t>Возможность </a:t>
-            </a:r>
-            <a:r>
-              <a:rPr lang="ru-RU" dirty="0"/>
-              <a:t>делиться сохраненными числами с другими пользователями</a:t>
-            </a:r>
-            <a:r>
-              <a:rPr lang="ru-RU" dirty="0" smtClean="0"/>
-              <a:t>;</a:t>
-            </a:r>
-          </a:p>
-          <a:p>
-            <a:pPr marL="285750" indent="-285750">
-              <a:buFont typeface="Arial" panose="020B0604020202020204" pitchFamily="34" charset="0"/>
-              <a:buChar char="•"/>
-            </a:pPr>
-            <a:r>
-              <a:rPr lang="ru-RU" dirty="0" smtClean="0"/>
-              <a:t>Отслеживание </a:t>
-            </a:r>
-            <a:r>
-              <a:rPr lang="ru-RU" dirty="0"/>
-              <a:t>статистики друзей для создания соревновательного эффекта; </a:t>
-            </a:r>
-            <a:endParaRPr lang="ru-RU" dirty="0" smtClean="0"/>
-          </a:p>
-          <a:p>
-            <a:r>
-              <a:rPr lang="ru-RU" dirty="0" smtClean="0"/>
-              <a:t>В </a:t>
-            </a:r>
-            <a:r>
-              <a:rPr lang="ru-RU" dirty="0"/>
-              <a:t>долгосрочной перспективе могут быть добавлены: </a:t>
-            </a:r>
-            <a:r>
-              <a:rPr lang="ru-RU" dirty="0" smtClean="0"/>
-              <a:t></a:t>
-            </a:r>
-          </a:p>
-          <a:p>
-            <a:pPr marL="285750" indent="-285750">
-              <a:buFont typeface="Arial" panose="020B0604020202020204" pitchFamily="34" charset="0"/>
-              <a:buChar char="•"/>
-            </a:pPr>
-            <a:r>
-              <a:rPr lang="ru-RU" dirty="0" smtClean="0"/>
-              <a:t>Поддержка </a:t>
-            </a:r>
-            <a:r>
-              <a:rPr lang="ru-RU" dirty="0"/>
-              <a:t>других языков, кроме русского и английского; </a:t>
-            </a:r>
-            <a:r>
-              <a:rPr lang="ru-RU" dirty="0" smtClean="0"/>
-              <a:t></a:t>
-            </a:r>
-          </a:p>
-          <a:p>
-            <a:pPr marL="285750" indent="-285750">
-              <a:buFont typeface="Arial" panose="020B0604020202020204" pitchFamily="34" charset="0"/>
-              <a:buChar char="•"/>
-            </a:pPr>
-            <a:r>
-              <a:rPr lang="ru-RU" dirty="0" smtClean="0"/>
-              <a:t>Другие </a:t>
-            </a:r>
-            <a:r>
-              <a:rPr lang="ru-RU" dirty="0"/>
-              <a:t>мнемонические системы, например, система </a:t>
-            </a:r>
-            <a:r>
-              <a:rPr lang="ru-RU" dirty="0" err="1"/>
-              <a:t>Катапаяди</a:t>
-            </a:r>
-            <a:r>
-              <a:rPr lang="ru-RU" dirty="0"/>
-              <a:t>; </a:t>
-            </a:r>
-            <a:r>
-              <a:rPr lang="ru-RU" dirty="0" smtClean="0"/>
-              <a:t></a:t>
-            </a:r>
-          </a:p>
-          <a:p>
-            <a:pPr marL="285750" indent="-285750">
-              <a:buFont typeface="Arial" panose="020B0604020202020204" pitchFamily="34" charset="0"/>
-              <a:buChar char="•"/>
-            </a:pPr>
-            <a:r>
-              <a:rPr lang="ru-RU" dirty="0" smtClean="0"/>
-              <a:t>Способы </a:t>
-            </a:r>
-            <a:r>
-              <a:rPr lang="ru-RU" dirty="0"/>
-              <a:t>тренировки памяти для её улучшения.</a:t>
-            </a:r>
+              <a:rPr lang="ru-RU" sz="1200" dirty="0"/>
+              <a:t>[1] ГОСТ 19.101-77. Единая система программной документации. Термины и определения: утвержден и введен в действие Постановлением Государственного комитета стандартов Совета Министров СССР от 20 мая 1977 г. № 1268 срок введения: с 01.01.1980 г. – URL: https://www.swrit.ru/doc/espd/19.001-77.pdf (дата обращения: 27.01.2023). – Текст: электронный. </a:t>
+            </a:r>
+            <a:r>
+              <a:rPr lang="ru-RU" sz="1200" dirty="0"/>
+              <a:t/>
+            </a:r>
+            <a:br>
+              <a:rPr lang="ru-RU" sz="1200" dirty="0"/>
+            </a:br>
+            <a:r>
+              <a:rPr lang="ru-RU" sz="1200" dirty="0" smtClean="0"/>
+              <a:t>[</a:t>
+            </a:r>
+            <a:r>
+              <a:rPr lang="ru-RU" sz="1200" dirty="0"/>
+              <a:t>2] ГОСТ 19.102-77. Единая система программной документации. Термины и определения: утвержден и введен в действие Постановлением Государственного комитета стандартов Совета Министров СССР от 20 мая 1977 г. № 1268 срок введения: с 01.01.1980 г. – URL: https://www.swrit.ru/doc/espd/19.102-77.pdf (дата обращения: 27.01.2023). – Текст: электронный</a:t>
+            </a:r>
+            <a:r>
+              <a:rPr lang="ru-RU" sz="1200" dirty="0" smtClean="0"/>
+              <a:t>.</a:t>
+            </a:r>
+            <a:br>
+              <a:rPr lang="ru-RU" sz="1200" dirty="0" smtClean="0"/>
+            </a:br>
+            <a:r>
+              <a:rPr lang="ru-RU" sz="1200" dirty="0" smtClean="0"/>
+              <a:t>[</a:t>
+            </a:r>
+            <a:r>
+              <a:rPr lang="ru-RU" sz="1200" dirty="0"/>
+              <a:t>3] 19.103-77. Единая система программной документации. Термины и определения: утвержден и введен в действие Постановлением Государственного комитета стандартов Совета Министров СССР от 20 мая 1977 г. № 1268 срок введения: с 01.01.1980 г. – URL: https://www.swrit.ru/doc/espd/19.103-77.pdf (дата обращения: 27.01.2023). – Текст: электронный</a:t>
+            </a:r>
+            <a:r>
+              <a:rPr lang="ru-RU" sz="1200" dirty="0" smtClean="0"/>
+              <a:t>.</a:t>
+            </a:r>
+            <a:br>
+              <a:rPr lang="ru-RU" sz="1200" dirty="0" smtClean="0"/>
+            </a:br>
+            <a:r>
+              <a:rPr lang="en-US" sz="1200" dirty="0" smtClean="0"/>
+              <a:t>[</a:t>
+            </a:r>
+            <a:r>
+              <a:rPr lang="ru-RU" sz="1200" dirty="0" smtClean="0"/>
+              <a:t>4</a:t>
+            </a:r>
+            <a:r>
+              <a:rPr lang="ru-RU" sz="1200" dirty="0"/>
+              <a:t>] ГОСТ 19.104-78. Единая система программной документации. Термины и определения: утвержден и введен в действие Постановлением Государственного комитета стандартов Совета Министров СССР от 20 мая 1977 г. № 1268 срок введения: с 01.01.1980 г. – URL: https://www.swrit.ru/doc/espd/19.104-78.pdf (дата обращения: 27.01.2023). – Текст: электронный.</a:t>
+            </a:r>
+            <a:r>
+              <a:rPr lang="ru-RU" sz="1200" dirty="0" smtClean="0"/>
+              <a:t> </a:t>
+            </a:r>
+            <a:endParaRPr lang="ru-RU" sz="1200" dirty="0"/>
           </a:p>
         </p:txBody>
       </p:sp>
-      <p:pic>
-        <p:nvPicPr>
-          <p:cNvPr id="4098" name="Picture 2" descr="https://upload.wikimedia.org/wikipedia/commons/thumb/f/f8/Katapayadi-eng.svg/1200px-Katapayadi-eng.svg.png"/>
-          <p:cNvPicPr>
-            <a:picLocks noChangeAspect="1" noChangeArrowheads="1"/>
-          </p:cNvPicPr>
-          <p:nvPr/>
-        </p:nvPicPr>
-        <p:blipFill>
-          <a:blip r:embed="rId3">
-            <a:extLst>
-              <a:ext uri="{28A0092B-C50C-407E-A947-70E740481C1C}">
-                <a14:useLocalDpi xmlns:a14="http://schemas.microsoft.com/office/drawing/2010/main" val="0"/>
-              </a:ext>
-            </a:extLst>
-          </a:blip>
-          <a:srcRect/>
-          <a:stretch>
-            <a:fillRect/>
-          </a:stretch>
-        </p:blipFill>
-        <p:spPr bwMode="auto">
+      <p:sp>
+        <p:nvSpPr>
+          <p:cNvPr id="7" name="Текст 5">
+            <a:extLst>
+              <a:ext uri="{FF2B5EF4-FFF2-40B4-BE49-F238E27FC236}">
+                <a16:creationId xmlns:a16="http://schemas.microsoft.com/office/drawing/2014/main" xmlns="" id="{5E7B9744-FF5D-DB4B-8DCD-FF4C0C57287E}"/>
+              </a:ext>
+            </a:extLst>
+          </p:cNvPr>
+          <p:cNvSpPr>
+            <a:spLocks noGrp="1"/>
+          </p:cNvSpPr>
+          <p:nvPr>
+            <p:ph type="body" sz="quarter" idx="12"/>
+          </p:nvPr>
+        </p:nvSpPr>
+        <p:spPr>
           <a:xfrm>
-            <a:off x="704089" y="2151663"/>
-            <a:ext cx="4919472" cy="3074670"/>
+            <a:off x="5961888" y="1663248"/>
+            <a:ext cx="5403422" cy="5407172"/>
           </a:xfrm>
-          <a:prstGeom prst="rect">
-            <a:avLst/>
-          </a:prstGeom>
-          <a:noFill/>
-          <a:extLst>
-            <a:ext uri="{909E8E84-426E-40DD-AFC4-6F175D3DCCD1}">
-              <a14:hiddenFill xmlns:a14="http://schemas.microsoft.com/office/drawing/2010/main">
-                <a:solidFill>
-                  <a:srgbClr val="FFFFFF"/>
-                </a:solidFill>
-              </a14:hiddenFill>
-            </a:ext>
-          </a:extLst>
         </p:spPr>
-      </p:pic>
+        <p:txBody>
+          <a:bodyPr>
+            <a:normAutofit lnSpcReduction="10000"/>
+          </a:bodyPr>
+          <a:lstStyle/>
+          <a:p>
+            <a:r>
+              <a:rPr lang="ru-RU" dirty="0" smtClean="0"/>
+              <a:t>[</a:t>
+            </a:r>
+            <a:r>
+              <a:rPr lang="ru-RU" dirty="0"/>
+              <a:t>5] ГОСТ 19.105-78. Единая система программной документации. Термины и определения: утвержден и введен в действие Постановлением Государственного комитета стандартов Совета Министров СССР от 20 мая 1977 г. № 1268 срок введения: с 01.01.1980 г. – URL: https://www.swrit.ru/doc/espd/19.105-78.pdf (дата обращения: 27.01.2023). – Текст: электронный. </a:t>
+            </a:r>
+            <a:r>
+              <a:rPr lang="en-US" dirty="0" smtClean="0"/>
+              <a:t/>
+            </a:r>
+            <a:br>
+              <a:rPr lang="en-US" dirty="0" smtClean="0"/>
+            </a:br>
+            <a:r>
+              <a:rPr lang="ru-RU" dirty="0" smtClean="0"/>
+              <a:t>[</a:t>
+            </a:r>
+            <a:r>
+              <a:rPr lang="ru-RU" dirty="0"/>
+              <a:t>6] ГОСТ 19.106-78. Единая система программной документации. Термины и определения: утвержден и введен в действие Постановлением Государственного комитета стандартов Совета Министров СССР от 20 мая 1977 г. № 1268 срок введения: с 01.01.1980 г. – URL: https://www.swrit.ru/doc/espd/19.106-78.pdf (дата обращения: 27.01.2023). – Текст: электронный. </a:t>
+            </a:r>
+            <a:r>
+              <a:rPr lang="en-US" dirty="0" smtClean="0"/>
+              <a:t/>
+            </a:r>
+            <a:br>
+              <a:rPr lang="en-US" dirty="0" smtClean="0"/>
+            </a:br>
+            <a:r>
+              <a:rPr lang="ru-RU" dirty="0" smtClean="0"/>
+              <a:t>[</a:t>
+            </a:r>
+            <a:r>
+              <a:rPr lang="ru-RU" dirty="0"/>
+              <a:t>7] ГОСТ 19.404-79. Единая система программной документации. Термины и определения: утвержден и введен в действие Постановлением Государственного комитета стандартов Совета Министров СССР от 20 мая 1977 г. № 1268 срок введения: с 01.01.1980 г. – URL: https://www.swrit.ru/doc/espd/19.404-79.pdf (дата обращения: 27.01.2023). – Текст: электронный. </a:t>
+            </a:r>
+            <a:r>
+              <a:rPr lang="en-US" dirty="0" smtClean="0"/>
+              <a:t/>
+            </a:r>
+            <a:br>
+              <a:rPr lang="en-US" dirty="0" smtClean="0"/>
+            </a:br>
+            <a:r>
+              <a:rPr lang="ru-RU" dirty="0" smtClean="0"/>
+              <a:t>[</a:t>
+            </a:r>
+            <a:r>
+              <a:rPr lang="ru-RU" dirty="0"/>
+              <a:t>8] ГОСТ 19.603-78. Единая система программной документации. Термины и определения: утвержден и введен в действие Постановлением Государственного комитета стандартов Совета Министров СССР от 20 мая 1977 г. № 1268 срок введения: с 01.01.1980 г. – URL: https://www.swrit.ru/doc/espd/19.603-78.pdf (дата обращения: 27.01.2023). – Текст: электронный. </a:t>
+            </a:r>
+            <a:endParaRPr lang="ru-RU" dirty="0"/>
+          </a:p>
+        </p:txBody>
+      </p:sp>
     </p:spTree>
     <p:extLst>
       <p:ext uri="{BB962C8B-B14F-4D97-AF65-F5344CB8AC3E}">
-        <p14:creationId xmlns:p14="http://schemas.microsoft.com/office/powerpoint/2010/main" val="2133197653"/>
+        <p14:creationId xmlns:p14="http://schemas.microsoft.com/office/powerpoint/2010/main" val="2211620006"/>
       </p:ext>
     </p:extLst>
   </p:cSld>
@@ -16856,7 +17067,7 @@
           <p:cNvPr id="2" name="Текст 1">
             <a:extLst>
               <a:ext uri="{FF2B5EF4-FFF2-40B4-BE49-F238E27FC236}">
-                <a16:creationId xmlns="" xmlns:a16="http://schemas.microsoft.com/office/drawing/2014/main" id="{2FFBD88B-BF2A-8F44-B648-677BB7D9750D}"/>
+                <a16:creationId xmlns:a16="http://schemas.microsoft.com/office/drawing/2014/main" xmlns="" id="{2FFBD88B-BF2A-8F44-B648-677BB7D9750D}"/>
               </a:ext>
             </a:extLst>
           </p:cNvPr>
@@ -16893,7 +17104,7 @@
           <p:cNvPr id="3" name="Текст 2">
             <a:extLst>
               <a:ext uri="{FF2B5EF4-FFF2-40B4-BE49-F238E27FC236}">
-                <a16:creationId xmlns="" xmlns:a16="http://schemas.microsoft.com/office/drawing/2014/main" id="{BD6DFA47-ACB8-5246-AC9C-19D438CF658E}"/>
+                <a16:creationId xmlns:a16="http://schemas.microsoft.com/office/drawing/2014/main" xmlns="" id="{BD6DFA47-ACB8-5246-AC9C-19D438CF658E}"/>
               </a:ext>
             </a:extLst>
           </p:cNvPr>
@@ -16941,7 +17152,7 @@
           <p:cNvPr id="4" name="Текст 3">
             <a:extLst>
               <a:ext uri="{FF2B5EF4-FFF2-40B4-BE49-F238E27FC236}">
-                <a16:creationId xmlns="" xmlns:a16="http://schemas.microsoft.com/office/drawing/2014/main" id="{49A5DD86-C5F3-5843-B60F-AC26E1B16228}"/>
+                <a16:creationId xmlns:a16="http://schemas.microsoft.com/office/drawing/2014/main" xmlns="" id="{49A5DD86-C5F3-5843-B60F-AC26E1B16228}"/>
               </a:ext>
             </a:extLst>
           </p:cNvPr>
@@ -16973,7 +17184,7 @@
           <p:cNvPr id="5" name="Заголовок 4">
             <a:extLst>
               <a:ext uri="{FF2B5EF4-FFF2-40B4-BE49-F238E27FC236}">
-                <a16:creationId xmlns="" xmlns:a16="http://schemas.microsoft.com/office/drawing/2014/main" id="{D060AA73-8574-054A-B94B-1EAA5FAB0470}"/>
+                <a16:creationId xmlns:a16="http://schemas.microsoft.com/office/drawing/2014/main" xmlns="" id="{D060AA73-8574-054A-B94B-1EAA5FAB0470}"/>
               </a:ext>
             </a:extLst>
           </p:cNvPr>
@@ -17009,7 +17220,7 @@
           <p:cNvPr id="6" name="Текст 5">
             <a:extLst>
               <a:ext uri="{FF2B5EF4-FFF2-40B4-BE49-F238E27FC236}">
-                <a16:creationId xmlns="" xmlns:a16="http://schemas.microsoft.com/office/drawing/2014/main" id="{5E7B9744-FF5D-DB4B-8DCD-FF4C0C57287E}"/>
+                <a16:creationId xmlns:a16="http://schemas.microsoft.com/office/drawing/2014/main" xmlns="" id="{5E7B9744-FF5D-DB4B-8DCD-FF4C0C57287E}"/>
               </a:ext>
             </a:extLst>
           </p:cNvPr>
@@ -17023,7 +17234,7 @@
         <p:spPr>
           <a:xfrm>
             <a:off x="558466" y="2176272"/>
-            <a:ext cx="5403422" cy="4462272"/>
+            <a:ext cx="5264364" cy="4462272"/>
           </a:xfrm>
         </p:spPr>
         <p:txBody>
@@ -17034,8 +17245,89 @@
           <a:p>
             <a:r>
               <a:rPr lang="ru-RU" dirty="0"/>
-              <a:t>[1] ГОСТ 19.101-77. Единая система программной документации. Термины и определения: утвержден и введен в действие Постановлением Государственного комитета стандартов Совета Министров СССР от 20 мая 1977 г. № 1268 срок введения: с 01.01.1980 г. – URL: https://www.swrit.ru/doc/espd/19.001-77.pdf (дата обращения: 27.01.2023). – Текст: электронный. [2] ГОСТ 19.102-77. Единая система программной документации. Термины и определения: утвержден и введен в действие Постановлением Государственного комитета стандартов Совета Министров СССР от 20 мая 1977 г. № 1268 срок введения: с 01.01.1980 г. – URL: https://www.swrit.ru/doc/espd/19.102-77.pdf (дата обращения: 27.01.2023). – Текст: электронный. [3] 19.103-77. Единая система программной документации. Термины и определения: утвержден и введен в действие Постановлением Государственного комитета стандартов Совета Министров СССР от 20 мая 1977 г. № 1268 срок введения: с 01.01.1980 г. – URL: https://www.swrit.ru/doc/espd/19.103-77.pdf (дата обращения: 27.01.2023). – Текст: электронный. </a:t>
-            </a:r>
+              <a:t>[9] ГОСТ 19.404-79. Единая система программной документации. Термины и определения: утвержден и введен в действие Постановлением Государственного комитета стандартов Совета Министров СССР от 20 мая 1977 г. № 1268 срок введения: с 01.01.1980 г. – URL: https://www.swrit.ru/doc/espd/19.404-79.pdf (дата обращения: 27.01.2023). – Текст: электронный</a:t>
+            </a:r>
+            <a:r>
+              <a:rPr lang="ru-RU" dirty="0" smtClean="0"/>
+              <a:t>.</a:t>
+            </a:r>
+            <a:endParaRPr lang="en-US" dirty="0" smtClean="0"/>
+          </a:p>
+          <a:p>
+            <a:r>
+              <a:rPr lang="ru-RU" dirty="0" smtClean="0"/>
+              <a:t>[</a:t>
+            </a:r>
+            <a:r>
+              <a:rPr lang="ru-RU" dirty="0"/>
+              <a:t>10] Учебный офис ФКН ПИ (2023) СПРАВОЧНИК УЧЕБНОГО ПРОЦЕССА НИУ ВШЭ. Курсовая работа // Сайт </a:t>
+            </a:r>
+            <a:r>
+              <a:rPr lang="en-US" dirty="0"/>
+              <a:t>hse.ru (https://www.hse.ru/studyspravka/kursovrab/) </a:t>
+            </a:r>
+            <a:r>
+              <a:rPr lang="ru-RU" dirty="0"/>
+              <a:t>Просмотрено: 31.03.2023. </a:t>
+            </a:r>
+            <a:endParaRPr lang="en-US" dirty="0" smtClean="0"/>
+          </a:p>
+          <a:p>
+            <a:r>
+              <a:rPr lang="ru-RU" dirty="0" smtClean="0"/>
+              <a:t>[</a:t>
+            </a:r>
+            <a:r>
+              <a:rPr lang="ru-RU" dirty="0"/>
+              <a:t>11] Пак Татьяна Альбертовна (2023) Бакалаврская программа «Программная инженерия» // Сайт </a:t>
+            </a:r>
+            <a:r>
+              <a:rPr lang="en-US" dirty="0"/>
+              <a:t>hse.ru (https://www.hse.ru/ba/se/passport) </a:t>
+            </a:r>
+            <a:r>
+              <a:rPr lang="ru-RU" dirty="0"/>
+              <a:t>Просмотрено: 31.03.2023. </a:t>
+            </a:r>
+            <a:endParaRPr lang="en-US" dirty="0" smtClean="0"/>
+          </a:p>
+          <a:p>
+            <a:r>
+              <a:rPr lang="ru-RU" dirty="0" smtClean="0"/>
+              <a:t>[</a:t>
+            </a:r>
+            <a:r>
+              <a:rPr lang="ru-RU" dirty="0"/>
+              <a:t>12] </a:t>
+            </a:r>
+            <a:r>
+              <a:rPr lang="en-US" dirty="0" err="1"/>
+              <a:t>AndroidDev</a:t>
+            </a:r>
+            <a:r>
+              <a:rPr lang="en-US" dirty="0"/>
+              <a:t> (2022) Meet Android Studio // </a:t>
+            </a:r>
+            <a:r>
+              <a:rPr lang="ru-RU" dirty="0"/>
+              <a:t>Сайт </a:t>
+            </a:r>
+            <a:r>
+              <a:rPr lang="en-US" dirty="0"/>
+              <a:t>developer.android.com (https://developer.android.com/studio/intro) </a:t>
+            </a:r>
+            <a:r>
+              <a:rPr lang="ru-RU" dirty="0"/>
+              <a:t>Просмотрено: 31.03.2023. </a:t>
+            </a:r>
+            <a:r>
+              <a:rPr lang="en-US" dirty="0" smtClean="0"/>
+              <a:t/>
+            </a:r>
+            <a:br>
+              <a:rPr lang="en-US" dirty="0" smtClean="0"/>
+            </a:br>
+            <a:endParaRPr lang="ru-RU" dirty="0"/>
           </a:p>
         </p:txBody>
       </p:sp>
@@ -17044,7 +17336,7 @@
           <p:cNvPr id="7" name="Текст 5">
             <a:extLst>
               <a:ext uri="{FF2B5EF4-FFF2-40B4-BE49-F238E27FC236}">
-                <a16:creationId xmlns="" xmlns:a16="http://schemas.microsoft.com/office/drawing/2014/main" id="{5E7B9744-FF5D-DB4B-8DCD-FF4C0C57287E}"/>
+                <a16:creationId xmlns:a16="http://schemas.microsoft.com/office/drawing/2014/main" xmlns="" id="{5E7B9744-FF5D-DB4B-8DCD-FF4C0C57287E}"/>
               </a:ext>
             </a:extLst>
           </p:cNvPr>
@@ -17057,43 +17349,73 @@
         </p:nvSpPr>
         <p:spPr>
           <a:xfrm>
-            <a:off x="5961888" y="1331956"/>
-            <a:ext cx="5403422" cy="5407172"/>
+            <a:off x="5961887" y="1663247"/>
+            <a:ext cx="5493991" cy="4720299"/>
           </a:xfrm>
         </p:spPr>
         <p:txBody>
           <a:bodyPr>
-            <a:normAutofit lnSpcReduction="10000"/>
+            <a:normAutofit/>
           </a:bodyPr>
           <a:lstStyle/>
           <a:p>
             <a:r>
               <a:rPr lang="ru-RU" dirty="0"/>
-              <a:t>[10] Учебный офис ФКН ПИ (2023) СПРАВОЧНИК УЧЕБНОГО ПРОЦЕССА НИУ ВШЭ. Курсовая работа // Сайт </a:t>
+              <a:t>[13] студенты ИТМО (4 сентября 2022) Бор // Сайт </a:t>
             </a:r>
             <a:r>
               <a:rPr lang="en-US" dirty="0"/>
-              <a:t>hse.ru (https://www.hse.ru/studyspravka/kursovrab/) </a:t>
+              <a:t>neerc.ifmo.ru (https://neerc.ifmo.ru/wiki/index.php?title=%D0%91%D0</a:t>
             </a:r>
             <a:r>
               <a:rPr lang="ru-RU" dirty="0"/>
-              <a:t>Просмотрено: 31.03.2023. [11] Пак Татьяна Альбертовна (2023) Бакалаврская программа «Программная инженерия» // Сайт </a:t>
+              <a:t>Просмотрено: 31.03.2023</a:t>
+            </a:r>
+            <a:r>
+              <a:rPr lang="ru-RU" dirty="0" smtClean="0"/>
+              <a:t>.</a:t>
+            </a:r>
+            <a:endParaRPr lang="en-US" dirty="0" smtClean="0"/>
+          </a:p>
+          <a:p>
+            <a:r>
+              <a:rPr lang="ru-RU" dirty="0" smtClean="0"/>
+              <a:t>[</a:t>
+            </a:r>
+            <a:r>
+              <a:rPr lang="ru-RU" dirty="0"/>
+              <a:t>14] Посольство Российской Федерации в Кыргызстане (13 сентября 13) Самые длинные слова в русском языке // Сайт </a:t>
             </a:r>
             <a:r>
               <a:rPr lang="en-US" dirty="0"/>
-              <a:t>hse.ru (https://www.hse.ru/ba/se/passport) </a:t>
+              <a:t>rusinkg.ru (http://www.rusinkg.ru/russkij-yazyk/article/43-velikij-i-moguchij/194-samyedlinnye-slova-russkogo-yazyka) </a:t>
             </a:r>
             <a:r>
               <a:rPr lang="ru-RU" dirty="0"/>
-              <a:t>Просмотрено: 31.03.2023. [12] </a:t>
+              <a:t>Просмотрено: 31.03.2023. </a:t>
+            </a:r>
+            <a:endParaRPr lang="en-US" dirty="0"/>
+          </a:p>
+          <a:p>
+            <a:r>
+              <a:rPr lang="ru-RU" dirty="0" smtClean="0"/>
+              <a:t>[</a:t>
+            </a:r>
+            <a:r>
+              <a:rPr lang="ru-RU" dirty="0"/>
+              <a:t>15] </a:t>
+            </a:r>
+            <a:r>
+              <a:rPr lang="en-US" dirty="0"/>
+              <a:t>Jonathan </a:t>
             </a:r>
             <a:r>
               <a:rPr lang="en-US" dirty="0" err="1"/>
-              <a:t>AndroidDev</a:t>
+              <a:t>Str¨obele</a:t>
             </a:r>
             <a:r>
               <a:rPr lang="en-US" dirty="0"/>
-              <a:t> (2022) Meet Android Studio // </a:t>
+              <a:t> (2013) Major System database // </a:t>
             </a:r>
             <a:r>
               <a:rPr lang="ru-RU" dirty="0"/>
@@ -17101,54 +17423,26 @@
             </a:r>
             <a:r>
               <a:rPr lang="en-US" dirty="0"/>
-              <a:t>developer.android.com (https://developer.android.com/studio/intro) </a:t>
+              <a:t>major-system.info (https://major-system.info/en/) </a:t>
             </a:r>
             <a:r>
               <a:rPr lang="ru-RU" dirty="0"/>
-              <a:t>Просмотрено: 31.03.2023. [13] студенты ИТМО (4 сентября 2022) Бор // Сайт </a:t>
-            </a:r>
-            <a:r>
-              <a:rPr lang="en-US" dirty="0"/>
-              <a:t>neerc.ifmo.ru (https://neerc.ifmo.ru/wiki/index.php?title=%D0%91%D0</a:t>
-            </a:r>
-            <a:r>
-              <a:rPr lang="ru-RU" dirty="0"/>
-              <a:t>Просмотрено: 31.03.2023</a:t>
-            </a:r>
-            <a:r>
-              <a:rPr lang="ru-RU" dirty="0" smtClean="0"/>
-              <a:t>.</a:t>
-            </a:r>
-            <a:br>
-              <a:rPr lang="ru-RU" dirty="0" smtClean="0"/>
-            </a:br>
+              <a:t>Просмотрено: 07.04.2023. </a:t>
+            </a:r>
+            <a:endParaRPr lang="en-US" dirty="0" smtClean="0"/>
+          </a:p>
+          <a:p>
             <a:r>
               <a:rPr lang="ru-RU" dirty="0" smtClean="0"/>
               <a:t>[</a:t>
             </a:r>
             <a:r>
               <a:rPr lang="ru-RU" dirty="0"/>
-              <a:t>14] Посольство Российской Федерации в Кыргызстане (13 сентября 13) Самые длинные слова в русском языке // Сайт </a:t>
+              <a:t>16] </a:t>
             </a:r>
             <a:r>
               <a:rPr lang="en-US" dirty="0"/>
-              <a:t>rusinkg.ru (http://www.rusinkg.ru/russkij-yazyk/article/43-velikij-i-moguchij/194-samyedlinnye-slova-russkogo-yazyka) </a:t>
-            </a:r>
-            <a:r>
-              <a:rPr lang="ru-RU" dirty="0"/>
-              <a:t>Просмотрено: 31.03.2023. [15] </a:t>
-            </a:r>
-            <a:r>
-              <a:rPr lang="en-US" dirty="0"/>
-              <a:t>Jonathan </a:t>
-            </a:r>
-            <a:r>
-              <a:rPr lang="en-US" dirty="0" err="1"/>
-              <a:t>Str¨obele</a:t>
-            </a:r>
-            <a:r>
-              <a:rPr lang="en-US" dirty="0"/>
-              <a:t> (2013) Major System database // </a:t>
+              <a:t>Hale-Evans, Ron (2006) Mind performance hacks // </a:t>
             </a:r>
             <a:r>
               <a:rPr lang="ru-RU" dirty="0"/>
@@ -17156,26 +17450,22 @@
             </a:r>
             <a:r>
               <a:rPr lang="en-US" dirty="0"/>
-              <a:t>major-system.info (https://major-system.info/en/) </a:t>
+              <a:t>archive.org (https://archive.org/details/mindperformanceh00hale/page/14/mode/2up) </a:t>
             </a:r>
             <a:r>
               <a:rPr lang="ru-RU" dirty="0"/>
               <a:t>Просмотрено: 07.04.2023. </a:t>
             </a:r>
-            <a:r>
-              <a:rPr lang="ru-RU" dirty="0" smtClean="0"/>
-              <a:t/>
-            </a:r>
-            <a:br>
-              <a:rPr lang="ru-RU" dirty="0" smtClean="0"/>
-            </a:br>
+            <a:endParaRPr lang="en-US" dirty="0" smtClean="0"/>
+          </a:p>
+          <a:p>
             <a:r>
               <a:rPr lang="ru-RU" dirty="0" smtClean="0"/>
               <a:t>[</a:t>
             </a:r>
             <a:r>
               <a:rPr lang="ru-RU" dirty="0"/>
-              <a:t>16] </a:t>
+              <a:t>17] </a:t>
             </a:r>
             <a:r>
               <a:rPr lang="en-US" dirty="0"/>
@@ -17187,50 +17477,20 @@
             </a:r>
             <a:r>
               <a:rPr lang="en-US" dirty="0"/>
-              <a:t>archive.org (https://archive.org/details/mindperformanceh00hale/page/14/mode/2up) </a:t>
-            </a:r>
-            <a:r>
-              <a:rPr lang="ru-RU" dirty="0"/>
-              <a:t>Просмотрено: 07.04.2023. </a:t>
-            </a:r>
-            <a:r>
-              <a:rPr lang="ru-RU" dirty="0" smtClean="0"/>
-              <a:t/>
-            </a:r>
-            <a:br>
-              <a:rPr lang="ru-RU" dirty="0" smtClean="0"/>
-            </a:br>
-            <a:r>
-              <a:rPr lang="ru-RU" dirty="0" smtClean="0"/>
-              <a:t>[</a:t>
-            </a:r>
-            <a:r>
-              <a:rPr lang="ru-RU" dirty="0"/>
-              <a:t>17] </a:t>
-            </a:r>
-            <a:r>
-              <a:rPr lang="en-US" dirty="0"/>
-              <a:t>Hale-Evans, Ron (2006) Mind performance hacks // </a:t>
-            </a:r>
-            <a:r>
-              <a:rPr lang="ru-RU" dirty="0"/>
-              <a:t>Сайт </a:t>
-            </a:r>
-            <a:r>
-              <a:rPr lang="en-US" dirty="0"/>
               <a:t>archive.org (https://archive.org/details/mindperformanceh00hale/page/22/mode/2up) </a:t>
             </a:r>
             <a:r>
               <a:rPr lang="ru-RU" dirty="0"/>
               <a:t>Просмотрено: 07.04.2023.</a:t>
             </a:r>
+            <a:endParaRPr lang="ru-RU" dirty="0"/>
           </a:p>
         </p:txBody>
       </p:sp>
     </p:spTree>
     <p:extLst>
       <p:ext uri="{BB962C8B-B14F-4D97-AF65-F5344CB8AC3E}">
-        <p14:creationId xmlns:p14="http://schemas.microsoft.com/office/powerpoint/2010/main" val="1944420304"/>
+        <p14:creationId xmlns:p14="http://schemas.microsoft.com/office/powerpoint/2010/main" val="3362846584"/>
       </p:ext>
     </p:extLst>
   </p:cSld>
@@ -17262,7 +17522,7 @@
           <p:cNvPr id="3" name="Заголовок 4">
             <a:extLst>
               <a:ext uri="{FF2B5EF4-FFF2-40B4-BE49-F238E27FC236}">
-                <a16:creationId xmlns="" xmlns:a16="http://schemas.microsoft.com/office/drawing/2014/main" id="{D060AA73-8574-054A-B94B-1EAA5FAB0470}"/>
+                <a16:creationId xmlns:a16="http://schemas.microsoft.com/office/drawing/2014/main" xmlns="" id="{D060AA73-8574-054A-B94B-1EAA5FAB0470}"/>
               </a:ext>
             </a:extLst>
           </p:cNvPr>
@@ -17355,7 +17615,7 @@
           <p:cNvPr id="3" name="Заголовок 2">
             <a:extLst>
               <a:ext uri="{FF2B5EF4-FFF2-40B4-BE49-F238E27FC236}">
-                <a16:creationId xmlns="" xmlns:a16="http://schemas.microsoft.com/office/drawing/2014/main" id="{E2EAF03B-EC26-1D47-94AC-C75942861D6C}"/>
+                <a16:creationId xmlns:a16="http://schemas.microsoft.com/office/drawing/2014/main" xmlns="" id="{E2EAF03B-EC26-1D47-94AC-C75942861D6C}"/>
               </a:ext>
             </a:extLst>
           </p:cNvPr>
@@ -17384,7 +17644,7 @@
           <p:cNvPr id="4" name="Текст 3">
             <a:extLst>
               <a:ext uri="{FF2B5EF4-FFF2-40B4-BE49-F238E27FC236}">
-                <a16:creationId xmlns="" xmlns:a16="http://schemas.microsoft.com/office/drawing/2014/main" id="{53356540-7218-FF4B-B6BC-5BD291A372E2}"/>
+                <a16:creationId xmlns:a16="http://schemas.microsoft.com/office/drawing/2014/main" xmlns="" id="{53356540-7218-FF4B-B6BC-5BD291A372E2}"/>
               </a:ext>
             </a:extLst>
           </p:cNvPr>
@@ -17419,7 +17679,7 @@
           <p:cNvPr id="5" name="Текст 4">
             <a:extLst>
               <a:ext uri="{FF2B5EF4-FFF2-40B4-BE49-F238E27FC236}">
-                <a16:creationId xmlns="" xmlns:a16="http://schemas.microsoft.com/office/drawing/2014/main" id="{3EB29DC1-D5D4-FB41-9E2D-AA4750D0CC8B}"/>
+                <a16:creationId xmlns:a16="http://schemas.microsoft.com/office/drawing/2014/main" xmlns="" id="{3EB29DC1-D5D4-FB41-9E2D-AA4750D0CC8B}"/>
               </a:ext>
             </a:extLst>
           </p:cNvPr>
@@ -17455,7 +17715,7 @@
           <p:cNvPr id="6" name="Текст 5">
             <a:extLst>
               <a:ext uri="{FF2B5EF4-FFF2-40B4-BE49-F238E27FC236}">
-                <a16:creationId xmlns="" xmlns:a16="http://schemas.microsoft.com/office/drawing/2014/main" id="{B5B6DD1A-BEFA-D842-9B7A-78D7BD1A5259}"/>
+                <a16:creationId xmlns:a16="http://schemas.microsoft.com/office/drawing/2014/main" xmlns="" id="{B5B6DD1A-BEFA-D842-9B7A-78D7BD1A5259}"/>
               </a:ext>
             </a:extLst>
           </p:cNvPr>
@@ -17491,7 +17751,7 @@
           <p:cNvPr id="7" name="Текст 6">
             <a:extLst>
               <a:ext uri="{FF2B5EF4-FFF2-40B4-BE49-F238E27FC236}">
-                <a16:creationId xmlns="" xmlns:a16="http://schemas.microsoft.com/office/drawing/2014/main" id="{88968744-3B75-9B47-92FD-77E1E725F232}"/>
+                <a16:creationId xmlns:a16="http://schemas.microsoft.com/office/drawing/2014/main" xmlns="" id="{88968744-3B75-9B47-92FD-77E1E725F232}"/>
               </a:ext>
             </a:extLst>
           </p:cNvPr>
@@ -17599,7 +17859,7 @@
           <p:cNvPr id="2" name="Текст 1">
             <a:extLst>
               <a:ext uri="{FF2B5EF4-FFF2-40B4-BE49-F238E27FC236}">
-                <a16:creationId xmlns="" xmlns:a16="http://schemas.microsoft.com/office/drawing/2014/main" id="{0648CF85-8F56-2C4F-8090-85FF4624B587}"/>
+                <a16:creationId xmlns:a16="http://schemas.microsoft.com/office/drawing/2014/main" xmlns="" id="{0648CF85-8F56-2C4F-8090-85FF4624B587}"/>
               </a:ext>
             </a:extLst>
           </p:cNvPr>
@@ -17635,7 +17895,7 @@
           <p:cNvPr id="3" name="Текст 2">
             <a:extLst>
               <a:ext uri="{FF2B5EF4-FFF2-40B4-BE49-F238E27FC236}">
-                <a16:creationId xmlns="" xmlns:a16="http://schemas.microsoft.com/office/drawing/2014/main" id="{5576F3CC-3C73-F441-AAE6-50AF712EACBF}"/>
+                <a16:creationId xmlns:a16="http://schemas.microsoft.com/office/drawing/2014/main" xmlns="" id="{5576F3CC-3C73-F441-AAE6-50AF712EACBF}"/>
               </a:ext>
             </a:extLst>
           </p:cNvPr>
@@ -17678,7 +17938,7 @@
           <p:cNvPr id="4" name="Заголовок 3">
             <a:extLst>
               <a:ext uri="{FF2B5EF4-FFF2-40B4-BE49-F238E27FC236}">
-                <a16:creationId xmlns="" xmlns:a16="http://schemas.microsoft.com/office/drawing/2014/main" id="{C7D49100-ECF5-A24F-9537-3BD16DFCCCC7}"/>
+                <a16:creationId xmlns:a16="http://schemas.microsoft.com/office/drawing/2014/main" xmlns="" id="{C7D49100-ECF5-A24F-9537-3BD16DFCCCC7}"/>
               </a:ext>
             </a:extLst>
           </p:cNvPr>
@@ -17720,7 +17980,7 @@
           <p:cNvPr id="5" name="Текст 4">
             <a:extLst>
               <a:ext uri="{FF2B5EF4-FFF2-40B4-BE49-F238E27FC236}">
-                <a16:creationId xmlns="" xmlns:a16="http://schemas.microsoft.com/office/drawing/2014/main" id="{9B7E5D6A-C1E4-8943-BE6A-9D9537FCC2D6}"/>
+                <a16:creationId xmlns:a16="http://schemas.microsoft.com/office/drawing/2014/main" xmlns="" id="{9B7E5D6A-C1E4-8943-BE6A-9D9537FCC2D6}"/>
               </a:ext>
             </a:extLst>
           </p:cNvPr>
@@ -17753,7 +18013,7 @@
           <p:cNvPr id="6" name="Текст 5">
             <a:extLst>
               <a:ext uri="{FF2B5EF4-FFF2-40B4-BE49-F238E27FC236}">
-                <a16:creationId xmlns="" xmlns:a16="http://schemas.microsoft.com/office/drawing/2014/main" id="{1F4B1D31-3576-0740-BA52-B317564F66BD}"/>
+                <a16:creationId xmlns:a16="http://schemas.microsoft.com/office/drawing/2014/main" xmlns="" id="{1F4B1D31-3576-0740-BA52-B317564F66BD}"/>
               </a:ext>
             </a:extLst>
           </p:cNvPr>
@@ -17888,7 +18148,7 @@
           <p:cNvPr id="2" name="Текст 1">
             <a:extLst>
               <a:ext uri="{FF2B5EF4-FFF2-40B4-BE49-F238E27FC236}">
-                <a16:creationId xmlns="" xmlns:a16="http://schemas.microsoft.com/office/drawing/2014/main" id="{DA33D5D5-13C7-8644-8CD8-A04CCCE73695}"/>
+                <a16:creationId xmlns:a16="http://schemas.microsoft.com/office/drawing/2014/main" xmlns="" id="{DA33D5D5-13C7-8644-8CD8-A04CCCE73695}"/>
               </a:ext>
             </a:extLst>
           </p:cNvPr>
@@ -17923,7 +18183,7 @@
           <p:cNvPr id="3" name="Текст 2">
             <a:extLst>
               <a:ext uri="{FF2B5EF4-FFF2-40B4-BE49-F238E27FC236}">
-                <a16:creationId xmlns="" xmlns:a16="http://schemas.microsoft.com/office/drawing/2014/main" id="{B68095CB-94DB-754D-A4ED-35EBDDB3F749}"/>
+                <a16:creationId xmlns:a16="http://schemas.microsoft.com/office/drawing/2014/main" xmlns="" id="{B68095CB-94DB-754D-A4ED-35EBDDB3F749}"/>
               </a:ext>
             </a:extLst>
           </p:cNvPr>
@@ -17959,7 +18219,7 @@
           <p:cNvPr id="4" name="Заголовок 3">
             <a:extLst>
               <a:ext uri="{FF2B5EF4-FFF2-40B4-BE49-F238E27FC236}">
-                <a16:creationId xmlns="" xmlns:a16="http://schemas.microsoft.com/office/drawing/2014/main" id="{DEBFC62C-9588-F544-918B-2104A12C933E}"/>
+                <a16:creationId xmlns:a16="http://schemas.microsoft.com/office/drawing/2014/main" xmlns="" id="{DEBFC62C-9588-F544-918B-2104A12C933E}"/>
               </a:ext>
             </a:extLst>
           </p:cNvPr>
@@ -17996,7 +18256,7 @@
           <p:cNvPr id="5" name="Текст 4">
             <a:extLst>
               <a:ext uri="{FF2B5EF4-FFF2-40B4-BE49-F238E27FC236}">
-                <a16:creationId xmlns="" xmlns:a16="http://schemas.microsoft.com/office/drawing/2014/main" id="{A6622317-DCC7-F945-8031-3E7F389B9870}"/>
+                <a16:creationId xmlns:a16="http://schemas.microsoft.com/office/drawing/2014/main" xmlns="" id="{A6622317-DCC7-F945-8031-3E7F389B9870}"/>
               </a:ext>
             </a:extLst>
           </p:cNvPr>
@@ -18068,7 +18328,7 @@
           <p:cNvPr id="7" name="Текст 6">
             <a:extLst>
               <a:ext uri="{FF2B5EF4-FFF2-40B4-BE49-F238E27FC236}">
-                <a16:creationId xmlns="" xmlns:a16="http://schemas.microsoft.com/office/drawing/2014/main" id="{B46BB51F-3F05-3C42-B510-D008849890AC}"/>
+                <a16:creationId xmlns:a16="http://schemas.microsoft.com/office/drawing/2014/main" xmlns="" id="{B46BB51F-3F05-3C42-B510-D008849890AC}"/>
               </a:ext>
             </a:extLst>
           </p:cNvPr>
@@ -18207,7 +18467,7 @@
           <p:cNvPr id="8" name="Текст 7">
             <a:extLst>
               <a:ext uri="{FF2B5EF4-FFF2-40B4-BE49-F238E27FC236}">
-                <a16:creationId xmlns="" xmlns:a16="http://schemas.microsoft.com/office/drawing/2014/main" id="{5FE4DD9E-D443-AF4F-A072-F5C4D494A05A}"/>
+                <a16:creationId xmlns:a16="http://schemas.microsoft.com/office/drawing/2014/main" xmlns="" id="{5FE4DD9E-D443-AF4F-A072-F5C4D494A05A}"/>
               </a:ext>
             </a:extLst>
           </p:cNvPr>
@@ -18276,7 +18536,7 @@
           <p:cNvPr id="2" name="Текст 1">
             <a:extLst>
               <a:ext uri="{FF2B5EF4-FFF2-40B4-BE49-F238E27FC236}">
-                <a16:creationId xmlns="" xmlns:a16="http://schemas.microsoft.com/office/drawing/2014/main" id="{7686AF3F-C863-864E-AFDC-D574F8060B43}"/>
+                <a16:creationId xmlns:a16="http://schemas.microsoft.com/office/drawing/2014/main" xmlns="" id="{7686AF3F-C863-864E-AFDC-D574F8060B43}"/>
               </a:ext>
             </a:extLst>
           </p:cNvPr>
@@ -18311,7 +18571,7 @@
           <p:cNvPr id="3" name="Текст 2">
             <a:extLst>
               <a:ext uri="{FF2B5EF4-FFF2-40B4-BE49-F238E27FC236}">
-                <a16:creationId xmlns="" xmlns:a16="http://schemas.microsoft.com/office/drawing/2014/main" id="{D3A1EC68-7619-8F49-AEC3-176ECF1F6A21}"/>
+                <a16:creationId xmlns:a16="http://schemas.microsoft.com/office/drawing/2014/main" xmlns="" id="{D3A1EC68-7619-8F49-AEC3-176ECF1F6A21}"/>
               </a:ext>
             </a:extLst>
           </p:cNvPr>
@@ -18354,7 +18614,7 @@
           <p:cNvPr id="4" name="Текст 3">
             <a:extLst>
               <a:ext uri="{FF2B5EF4-FFF2-40B4-BE49-F238E27FC236}">
-                <a16:creationId xmlns="" xmlns:a16="http://schemas.microsoft.com/office/drawing/2014/main" id="{D223B065-0902-0141-A245-63D5DCF436EE}"/>
+                <a16:creationId xmlns:a16="http://schemas.microsoft.com/office/drawing/2014/main" xmlns="" id="{D223B065-0902-0141-A245-63D5DCF436EE}"/>
               </a:ext>
             </a:extLst>
           </p:cNvPr>
@@ -18393,7 +18653,7 @@
           <p:cNvPr id="5" name="Заголовок 4">
             <a:extLst>
               <a:ext uri="{FF2B5EF4-FFF2-40B4-BE49-F238E27FC236}">
-                <a16:creationId xmlns="" xmlns:a16="http://schemas.microsoft.com/office/drawing/2014/main" id="{3872CBB7-AE1B-9D40-A298-6BDF023AFBD6}"/>
+                <a16:creationId xmlns:a16="http://schemas.microsoft.com/office/drawing/2014/main" xmlns="" id="{3872CBB7-AE1B-9D40-A298-6BDF023AFBD6}"/>
               </a:ext>
             </a:extLst>
           </p:cNvPr>
@@ -18427,7 +18687,7 @@
           <p:cNvPr id="6" name="Текст 5">
             <a:extLst>
               <a:ext uri="{FF2B5EF4-FFF2-40B4-BE49-F238E27FC236}">
-                <a16:creationId xmlns="" xmlns:a16="http://schemas.microsoft.com/office/drawing/2014/main" id="{87F297E4-9695-684A-A8A3-54FEC946000F}"/>
+                <a16:creationId xmlns:a16="http://schemas.microsoft.com/office/drawing/2014/main" xmlns="" id="{87F297E4-9695-684A-A8A3-54FEC946000F}"/>
               </a:ext>
             </a:extLst>
           </p:cNvPr>
@@ -18703,7 +18963,7 @@
           <p:cNvPr id="2" name="Текст 1">
             <a:extLst>
               <a:ext uri="{FF2B5EF4-FFF2-40B4-BE49-F238E27FC236}">
-                <a16:creationId xmlns="" xmlns:a16="http://schemas.microsoft.com/office/drawing/2014/main" id="{7686AF3F-C863-864E-AFDC-D574F8060B43}"/>
+                <a16:creationId xmlns:a16="http://schemas.microsoft.com/office/drawing/2014/main" xmlns="" id="{7686AF3F-C863-864E-AFDC-D574F8060B43}"/>
               </a:ext>
             </a:extLst>
           </p:cNvPr>
@@ -18738,7 +18998,7 @@
           <p:cNvPr id="3" name="Текст 2">
             <a:extLst>
               <a:ext uri="{FF2B5EF4-FFF2-40B4-BE49-F238E27FC236}">
-                <a16:creationId xmlns="" xmlns:a16="http://schemas.microsoft.com/office/drawing/2014/main" id="{D3A1EC68-7619-8F49-AEC3-176ECF1F6A21}"/>
+                <a16:creationId xmlns:a16="http://schemas.microsoft.com/office/drawing/2014/main" xmlns="" id="{D3A1EC68-7619-8F49-AEC3-176ECF1F6A21}"/>
               </a:ext>
             </a:extLst>
           </p:cNvPr>
@@ -18781,7 +19041,7 @@
           <p:cNvPr id="4" name="Текст 3">
             <a:extLst>
               <a:ext uri="{FF2B5EF4-FFF2-40B4-BE49-F238E27FC236}">
-                <a16:creationId xmlns="" xmlns:a16="http://schemas.microsoft.com/office/drawing/2014/main" id="{D223B065-0902-0141-A245-63D5DCF436EE}"/>
+                <a16:creationId xmlns:a16="http://schemas.microsoft.com/office/drawing/2014/main" xmlns="" id="{D223B065-0902-0141-A245-63D5DCF436EE}"/>
               </a:ext>
             </a:extLst>
           </p:cNvPr>
@@ -18911,7 +19171,7 @@
           <p:cNvPr id="2" name="Текст 1">
             <a:extLst>
               <a:ext uri="{FF2B5EF4-FFF2-40B4-BE49-F238E27FC236}">
-                <a16:creationId xmlns="" xmlns:a16="http://schemas.microsoft.com/office/drawing/2014/main" id="{ABE1F6DB-2C79-0F40-985F-DB8180BAFB92}"/>
+                <a16:creationId xmlns:a16="http://schemas.microsoft.com/office/drawing/2014/main" xmlns="" id="{ABE1F6DB-2C79-0F40-985F-DB8180BAFB92}"/>
               </a:ext>
             </a:extLst>
           </p:cNvPr>
@@ -18936,7 +19196,7 @@
           <p:cNvPr id="3" name="Текст 2">
             <a:extLst>
               <a:ext uri="{FF2B5EF4-FFF2-40B4-BE49-F238E27FC236}">
-                <a16:creationId xmlns="" xmlns:a16="http://schemas.microsoft.com/office/drawing/2014/main" id="{92CC9B4C-151F-204A-9B26-BE1838EFB24F}"/>
+                <a16:creationId xmlns:a16="http://schemas.microsoft.com/office/drawing/2014/main" xmlns="" id="{92CC9B4C-151F-204A-9B26-BE1838EFB24F}"/>
               </a:ext>
             </a:extLst>
           </p:cNvPr>
@@ -18978,7 +19238,7 @@
           <p:cNvPr id="4" name="Текст 3">
             <a:extLst>
               <a:ext uri="{FF2B5EF4-FFF2-40B4-BE49-F238E27FC236}">
-                <a16:creationId xmlns="" xmlns:a16="http://schemas.microsoft.com/office/drawing/2014/main" id="{43CD81CA-2715-AB4B-A575-27FBCE550D22}"/>
+                <a16:creationId xmlns:a16="http://schemas.microsoft.com/office/drawing/2014/main" xmlns="" id="{43CD81CA-2715-AB4B-A575-27FBCE550D22}"/>
               </a:ext>
             </a:extLst>
           </p:cNvPr>
@@ -19012,7 +19272,7 @@
           <p:cNvPr id="5" name="Заголовок 4">
             <a:extLst>
               <a:ext uri="{FF2B5EF4-FFF2-40B4-BE49-F238E27FC236}">
-                <a16:creationId xmlns="" xmlns:a16="http://schemas.microsoft.com/office/drawing/2014/main" id="{D6248A15-8E7E-BC4A-A1F2-4446573BCA36}"/>
+                <a16:creationId xmlns:a16="http://schemas.microsoft.com/office/drawing/2014/main" xmlns="" id="{D6248A15-8E7E-BC4A-A1F2-4446573BCA36}"/>
               </a:ext>
             </a:extLst>
           </p:cNvPr>
@@ -19046,7 +19306,7 @@
           <p:cNvPr id="6" name="Текст 5">
             <a:extLst>
               <a:ext uri="{FF2B5EF4-FFF2-40B4-BE49-F238E27FC236}">
-                <a16:creationId xmlns="" xmlns:a16="http://schemas.microsoft.com/office/drawing/2014/main" id="{5759A9C6-69C4-5447-8A46-A98387532C83}"/>
+                <a16:creationId xmlns:a16="http://schemas.microsoft.com/office/drawing/2014/main" xmlns="" id="{5759A9C6-69C4-5447-8A46-A98387532C83}"/>
               </a:ext>
             </a:extLst>
           </p:cNvPr>
@@ -19140,7 +19400,6 @@
               <a:rPr lang="ru-RU" sz="1400" dirty="0"/>
               <a:t>существующих приложениях мало возможностей для создания ассоциаций с нужными числами. Например, можно реализовать возможность делать наброски в приложении, а также прикреплять фотографии.</a:t>
             </a:r>
-            <a:endParaRPr lang="ru-RU" sz="1400" dirty="0"/>
           </a:p>
         </p:txBody>
       </p:sp>
@@ -19149,7 +19408,7 @@
           <p:cNvPr id="8" name="Текст 5">
             <a:extLst>
               <a:ext uri="{FF2B5EF4-FFF2-40B4-BE49-F238E27FC236}">
-                <a16:creationId xmlns="" xmlns:a16="http://schemas.microsoft.com/office/drawing/2014/main" id="{5759A9C6-69C4-5447-8A46-A98387532C83}"/>
+                <a16:creationId xmlns:a16="http://schemas.microsoft.com/office/drawing/2014/main" xmlns="" id="{5759A9C6-69C4-5447-8A46-A98387532C83}"/>
               </a:ext>
             </a:extLst>
           </p:cNvPr>
@@ -19232,7 +19491,6 @@
               <a:rPr lang="ru-RU" sz="1400" dirty="0"/>
               <a:t>Интервьюируемый 6: Есть потребность запоминания номера паспорта, банковской карты и математических констант.</a:t>
             </a:r>
-            <a:endParaRPr lang="ru-RU" sz="1400" dirty="0"/>
           </a:p>
         </p:txBody>
       </p:sp>
@@ -19271,7 +19529,7 @@
           <p:cNvPr id="2" name="Текст 1">
             <a:extLst>
               <a:ext uri="{FF2B5EF4-FFF2-40B4-BE49-F238E27FC236}">
-                <a16:creationId xmlns="" xmlns:a16="http://schemas.microsoft.com/office/drawing/2014/main" id="{ABE1F6DB-2C79-0F40-985F-DB8180BAFB92}"/>
+                <a16:creationId xmlns:a16="http://schemas.microsoft.com/office/drawing/2014/main" xmlns="" id="{ABE1F6DB-2C79-0F40-985F-DB8180BAFB92}"/>
               </a:ext>
             </a:extLst>
           </p:cNvPr>
@@ -19296,7 +19554,7 @@
           <p:cNvPr id="3" name="Текст 2">
             <a:extLst>
               <a:ext uri="{FF2B5EF4-FFF2-40B4-BE49-F238E27FC236}">
-                <a16:creationId xmlns="" xmlns:a16="http://schemas.microsoft.com/office/drawing/2014/main" id="{92CC9B4C-151F-204A-9B26-BE1838EFB24F}"/>
+                <a16:creationId xmlns:a16="http://schemas.microsoft.com/office/drawing/2014/main" xmlns="" id="{92CC9B4C-151F-204A-9B26-BE1838EFB24F}"/>
               </a:ext>
             </a:extLst>
           </p:cNvPr>
@@ -19338,7 +19596,7 @@
           <p:cNvPr id="4" name="Текст 3">
             <a:extLst>
               <a:ext uri="{FF2B5EF4-FFF2-40B4-BE49-F238E27FC236}">
-                <a16:creationId xmlns="" xmlns:a16="http://schemas.microsoft.com/office/drawing/2014/main" id="{43CD81CA-2715-AB4B-A575-27FBCE550D22}"/>
+                <a16:creationId xmlns:a16="http://schemas.microsoft.com/office/drawing/2014/main" xmlns="" id="{43CD81CA-2715-AB4B-A575-27FBCE550D22}"/>
               </a:ext>
             </a:extLst>
           </p:cNvPr>
@@ -19373,7 +19631,7 @@
           <p:cNvPr id="5" name="Заголовок 4">
             <a:extLst>
               <a:ext uri="{FF2B5EF4-FFF2-40B4-BE49-F238E27FC236}">
-                <a16:creationId xmlns="" xmlns:a16="http://schemas.microsoft.com/office/drawing/2014/main" id="{D6248A15-8E7E-BC4A-A1F2-4446573BCA36}"/>
+                <a16:creationId xmlns:a16="http://schemas.microsoft.com/office/drawing/2014/main" xmlns="" id="{D6248A15-8E7E-BC4A-A1F2-4446573BCA36}"/>
               </a:ext>
             </a:extLst>
           </p:cNvPr>
@@ -19386,7 +19644,7 @@
         </p:nvSpPr>
         <p:spPr>
           <a:xfrm>
-            <a:off x="7347426" y="1435896"/>
+            <a:off x="4417564" y="1310412"/>
             <a:ext cx="4322530" cy="777025"/>
           </a:xfrm>
         </p:spPr>
@@ -19414,7 +19672,7 @@
           <p:cNvPr id="6" name="Текст 5">
             <a:extLst>
               <a:ext uri="{FF2B5EF4-FFF2-40B4-BE49-F238E27FC236}">
-                <a16:creationId xmlns="" xmlns:a16="http://schemas.microsoft.com/office/drawing/2014/main" id="{5759A9C6-69C4-5447-8A46-A98387532C83}"/>
+                <a16:creationId xmlns:a16="http://schemas.microsoft.com/office/drawing/2014/main" xmlns="" id="{5759A9C6-69C4-5447-8A46-A98387532C83}"/>
               </a:ext>
             </a:extLst>
           </p:cNvPr>
@@ -19427,22 +19685,38 @@
         </p:nvSpPr>
         <p:spPr>
           <a:xfrm>
-            <a:off x="7347426" y="2631333"/>
-            <a:ext cx="4322531" cy="3846603"/>
+            <a:off x="4417564" y="2191386"/>
+            <a:ext cx="7046942" cy="4019633"/>
           </a:xfrm>
         </p:spPr>
         <p:txBody>
           <a:bodyPr>
-            <a:normAutofit/>
+            <a:noAutofit/>
           </a:bodyPr>
           <a:lstStyle/>
           <a:p>
             <a:r>
-              <a:rPr lang="ru-RU" dirty="0"/>
-              <a:t>Программа представляет из себя удобное приложение для хранения и запоминания чисел, а также изучения основной мнемонической и Доминиканской систем. Приложение не ограничивает пользователя в количестве сохраненных им чисел, ограничивающим фактором является только память телефона. Приложение делится на 5 основных </a:t>
-            </a:r>
-            <a:r>
-              <a:rPr lang="ru-RU" dirty="0" smtClean="0"/>
+              <a:rPr lang="ru-RU" sz="2000" dirty="0"/>
+              <a:t>Программа представляет из себя </a:t>
+            </a:r>
+            <a:r>
+              <a:rPr lang="ru-RU" sz="2000" dirty="0" smtClean="0"/>
+              <a:t>приложение </a:t>
+            </a:r>
+            <a:r>
+              <a:rPr lang="ru-RU" sz="2000" dirty="0"/>
+              <a:t>для хранения и запоминания чисел, а также изучения основной мнемонической и Доминиканской систем</a:t>
+            </a:r>
+            <a:r>
+              <a:rPr lang="ru-RU" sz="2000" dirty="0" smtClean="0"/>
+              <a:t>. Приложение </a:t>
+            </a:r>
+            <a:r>
+              <a:rPr lang="ru-RU" sz="2000" dirty="0"/>
+              <a:t>делится на 5 основных </a:t>
+            </a:r>
+            <a:r>
+              <a:rPr lang="ru-RU" sz="2000" dirty="0" smtClean="0"/>
               <a:t>разделов:</a:t>
             </a:r>
           </a:p>
@@ -19452,14 +19726,14 @@
               <a:buChar char="•"/>
             </a:pPr>
             <a:r>
-              <a:rPr lang="ru-RU" dirty="0" smtClean="0"/>
+              <a:rPr lang="ru-RU" sz="2000" dirty="0" smtClean="0"/>
               <a:t>Запоминаемые </a:t>
             </a:r>
             <a:r>
-              <a:rPr lang="ru-RU" dirty="0"/>
+              <a:rPr lang="ru-RU" sz="2000" dirty="0"/>
               <a:t>числа;  </a:t>
             </a:r>
-            <a:endParaRPr lang="ru-RU" dirty="0" smtClean="0"/>
+            <a:endParaRPr lang="ru-RU" sz="2000" dirty="0" smtClean="0"/>
           </a:p>
           <a:p>
             <a:pPr marL="285750" indent="-285750">
@@ -19467,14 +19741,14 @@
               <a:buChar char="•"/>
             </a:pPr>
             <a:r>
-              <a:rPr lang="ru-RU" dirty="0" smtClean="0"/>
+              <a:rPr lang="ru-RU" sz="2000" dirty="0" smtClean="0"/>
               <a:t>Информация </a:t>
             </a:r>
             <a:r>
-              <a:rPr lang="ru-RU" dirty="0"/>
+              <a:rPr lang="ru-RU" sz="2000" dirty="0"/>
               <a:t>об основной мнемонической системе;  </a:t>
             </a:r>
-            <a:endParaRPr lang="ru-RU" dirty="0" smtClean="0"/>
+            <a:endParaRPr lang="ru-RU" sz="2000" dirty="0" smtClean="0"/>
           </a:p>
           <a:p>
             <a:pPr marL="285750" indent="-285750">
@@ -19482,14 +19756,14 @@
               <a:buChar char="•"/>
             </a:pPr>
             <a:r>
-              <a:rPr lang="ru-RU" dirty="0" smtClean="0"/>
+              <a:rPr lang="ru-RU" sz="2000" dirty="0" smtClean="0"/>
               <a:t>Справка</a:t>
             </a:r>
             <a:r>
-              <a:rPr lang="ru-RU" dirty="0"/>
+              <a:rPr lang="ru-RU" sz="2000" dirty="0"/>
               <a:t>;  </a:t>
             </a:r>
-            <a:endParaRPr lang="ru-RU" dirty="0" smtClean="0"/>
+            <a:endParaRPr lang="ru-RU" sz="2000" dirty="0" smtClean="0"/>
           </a:p>
           <a:p>
             <a:pPr marL="285750" indent="-285750">
@@ -19497,14 +19771,14 @@
               <a:buChar char="•"/>
             </a:pPr>
             <a:r>
-              <a:rPr lang="ru-RU" dirty="0" smtClean="0"/>
+              <a:rPr lang="ru-RU" sz="2000" dirty="0" smtClean="0"/>
               <a:t>Информация </a:t>
             </a:r>
             <a:r>
-              <a:rPr lang="ru-RU" dirty="0"/>
+              <a:rPr lang="ru-RU" sz="2000" dirty="0"/>
               <a:t>о Доминиканской системе;  </a:t>
             </a:r>
-            <a:endParaRPr lang="ru-RU" dirty="0" smtClean="0"/>
+            <a:endParaRPr lang="ru-RU" sz="2000" dirty="0" smtClean="0"/>
           </a:p>
           <a:p>
             <a:pPr marL="285750" indent="-285750">
@@ -19512,11 +19786,11 @@
               <a:buChar char="•"/>
             </a:pPr>
             <a:r>
-              <a:rPr lang="ru-RU" dirty="0" smtClean="0"/>
+              <a:rPr lang="ru-RU" sz="2000" dirty="0" smtClean="0"/>
               <a:t>Личный </a:t>
             </a:r>
             <a:r>
-              <a:rPr lang="ru-RU" dirty="0"/>
+              <a:rPr lang="ru-RU" sz="2000" dirty="0"/>
               <a:t>кабинет</a:t>
             </a:r>
           </a:p>
@@ -19545,7 +19819,7 @@
         </p:blipFill>
         <p:spPr bwMode="auto">
           <a:xfrm>
-            <a:off x="2187093" y="1244240"/>
+            <a:off x="1272693" y="1244240"/>
             <a:ext cx="2425116" cy="5233696"/>
           </a:xfrm>
           <a:prstGeom prst="rect">
@@ -19621,7 +19895,7 @@
           <p:cNvPr id="2" name="Текст 1">
             <a:extLst>
               <a:ext uri="{FF2B5EF4-FFF2-40B4-BE49-F238E27FC236}">
-                <a16:creationId xmlns="" xmlns:a16="http://schemas.microsoft.com/office/drawing/2014/main" id="{E239B216-F5ED-B348-A1BB-CE85242168B6}"/>
+                <a16:creationId xmlns:a16="http://schemas.microsoft.com/office/drawing/2014/main" xmlns="" id="{E239B216-F5ED-B348-A1BB-CE85242168B6}"/>
               </a:ext>
             </a:extLst>
           </p:cNvPr>
@@ -19658,7 +19932,7 @@
           <p:cNvPr id="3" name="Текст 2">
             <a:extLst>
               <a:ext uri="{FF2B5EF4-FFF2-40B4-BE49-F238E27FC236}">
-                <a16:creationId xmlns="" xmlns:a16="http://schemas.microsoft.com/office/drawing/2014/main" id="{7986A2D4-D42B-854C-9F3E-6A8095E580B6}"/>
+                <a16:creationId xmlns:a16="http://schemas.microsoft.com/office/drawing/2014/main" xmlns="" id="{7986A2D4-D42B-854C-9F3E-6A8095E580B6}"/>
               </a:ext>
             </a:extLst>
           </p:cNvPr>
@@ -19703,7 +19977,7 @@
           <p:cNvPr id="4" name="Текст 3">
             <a:extLst>
               <a:ext uri="{FF2B5EF4-FFF2-40B4-BE49-F238E27FC236}">
-                <a16:creationId xmlns="" xmlns:a16="http://schemas.microsoft.com/office/drawing/2014/main" id="{628F0E61-4402-1545-ABC6-7EB156E5B9E6}"/>
+                <a16:creationId xmlns:a16="http://schemas.microsoft.com/office/drawing/2014/main" xmlns="" id="{628F0E61-4402-1545-ABC6-7EB156E5B9E6}"/>
               </a:ext>
             </a:extLst>
           </p:cNvPr>
@@ -19745,7 +20019,7 @@
           <p:cNvPr id="5" name="Заголовок 4">
             <a:extLst>
               <a:ext uri="{FF2B5EF4-FFF2-40B4-BE49-F238E27FC236}">
-                <a16:creationId xmlns="" xmlns:a16="http://schemas.microsoft.com/office/drawing/2014/main" id="{7B6EC5B9-282D-B84A-B169-E82D52070680}"/>
+                <a16:creationId xmlns:a16="http://schemas.microsoft.com/office/drawing/2014/main" xmlns="" id="{7B6EC5B9-282D-B84A-B169-E82D52070680}"/>
               </a:ext>
             </a:extLst>
           </p:cNvPr>
@@ -19756,14 +20030,19 @@
             <p:ph type="title"/>
           </p:nvPr>
         </p:nvSpPr>
-        <p:spPr/>
+        <p:spPr>
+          <a:xfrm>
+            <a:off x="511068" y="1447790"/>
+            <a:ext cx="11057955" cy="777025"/>
+          </a:xfrm>
+        </p:spPr>
         <p:txBody>
           <a:bodyPr/>
           <a:lstStyle/>
           <a:p>
             <a:r>
               <a:rPr lang="ru-RU" dirty="0" smtClean="0"/>
-              <a:t>Алгоритм Бор</a:t>
+              <a:t>Структура данных бор и алгоритм поиска по ней</a:t>
             </a:r>
             <a:endParaRPr lang="ru-RU" dirty="0"/>
           </a:p>
@@ -19774,7 +20053,7 @@
           <p:cNvPr id="6" name="Текст 5">
             <a:extLst>
               <a:ext uri="{FF2B5EF4-FFF2-40B4-BE49-F238E27FC236}">
-                <a16:creationId xmlns="" xmlns:a16="http://schemas.microsoft.com/office/drawing/2014/main" id="{52A84FC5-C615-ED4D-97BC-765AAF50474A}"/>
+                <a16:creationId xmlns:a16="http://schemas.microsoft.com/office/drawing/2014/main" xmlns="" id="{52A84FC5-C615-ED4D-97BC-765AAF50474A}"/>
               </a:ext>
             </a:extLst>
           </p:cNvPr>
@@ -19788,90 +20067,89 @@
         <p:spPr>
           <a:xfrm>
             <a:off x="511068" y="2019162"/>
-            <a:ext cx="5834868" cy="4226190"/>
+            <a:ext cx="6881770" cy="4329880"/>
           </a:xfrm>
         </p:spPr>
         <p:txBody>
           <a:bodyPr>
-            <a:normAutofit lnSpcReduction="10000"/>
+            <a:noAutofit/>
           </a:bodyPr>
           <a:lstStyle/>
           <a:p>
             <a:r>
-              <a:rPr lang="ru-RU" dirty="0"/>
-              <a:t>Для решения поставленной в техническом задании задачи была использована структура данных </a:t>
-            </a:r>
-            <a:r>
-              <a:rPr lang="ru-RU" dirty="0" smtClean="0"/>
+              <a:rPr lang="ru-RU" sz="2000" dirty="0" smtClean="0"/>
               <a:t>Бор </a:t>
             </a:r>
             <a:r>
-              <a:rPr lang="ru-RU" dirty="0"/>
-              <a:t>и алгоритм поиска по нему. Бор — структура данных для хранения набора строк, представляющая из себя подвешенное дерево с символами на рёбрах. Строки получаются последовательной записью всех символов, хранящихся на рёбрах между корнем бора и терминальной вершиной. Размер бора линейно зависит от суммы длин всех строк, а поиск в бору занимает время, пропорциональное длине образца</a:t>
-            </a:r>
-            <a:r>
-              <a:rPr lang="ru-RU" dirty="0" smtClean="0"/>
-              <a:t>.</a:t>
-            </a:r>
-          </a:p>
-          <a:p>
-            <a:r>
-              <a:rPr lang="ru-RU" dirty="0" smtClean="0"/>
-              <a:t>Шаг </a:t>
-            </a:r>
-            <a:r>
-              <a:rPr lang="ru-RU" dirty="0"/>
-              <a:t>1. Создадим дерево из одной вершины (в нашем случае корня).  </a:t>
-            </a:r>
-            <a:endParaRPr lang="ru-RU" dirty="0" smtClean="0"/>
-          </a:p>
-          <a:p>
-            <a:r>
-              <a:rPr lang="ru-RU" dirty="0" smtClean="0"/>
-              <a:t>Шаг </a:t>
-            </a:r>
-            <a:r>
-              <a:rPr lang="ru-RU" dirty="0"/>
-              <a:t>2. Добавляем элементы в дерево. Добавляем слова 𝑃𝑖 один за другим. Следуем из корня по рёбрам, отмеченным буквами из 𝑃𝑖 , пока возможно. </a:t>
-            </a:r>
-            <a:endParaRPr lang="ru-RU" dirty="0" smtClean="0"/>
-          </a:p>
-          <a:p>
-            <a:pPr marL="285750" indent="-285750">
-              <a:buFont typeface="Arial" panose="020B0604020202020204" pitchFamily="34" charset="0"/>
-              <a:buChar char="•"/>
-            </a:pPr>
-            <a:r>
-              <a:rPr lang="ru-RU" dirty="0" smtClean="0"/>
-              <a:t>Если </a:t>
-            </a:r>
-            <a:r>
-              <a:rPr lang="ru-RU" dirty="0"/>
-              <a:t>𝑃𝑖 заканчивается в вершине 𝑣, сохраняем идентификатор 𝑃𝑖 (например, 𝑖) в 𝑣 и отмечаем вершину 𝑣 как </a:t>
-            </a:r>
-            <a:r>
-              <a:rPr lang="ru-RU" dirty="0" smtClean="0"/>
-              <a:t>терминальную.</a:t>
-            </a:r>
-          </a:p>
-          <a:p>
-            <a:pPr marL="285750" indent="-285750">
-              <a:buFont typeface="Arial" panose="020B0604020202020204" pitchFamily="34" charset="0"/>
-              <a:buChar char="•"/>
-            </a:pPr>
-            <a:r>
-              <a:rPr lang="ru-RU" dirty="0" smtClean="0"/>
-              <a:t>Если </a:t>
-            </a:r>
-            <a:r>
-              <a:rPr lang="ru-RU" dirty="0"/>
-              <a:t>ребра, отмеченного очередной буквой 𝑃𝑖 нет, то создаем новое ребро и вершину для символа строки </a:t>
-            </a:r>
-            <a:r>
-              <a:rPr lang="ru-RU" dirty="0" smtClean="0"/>
-              <a:t>𝑃𝑖.</a:t>
-            </a:r>
-            <a:endParaRPr lang="ru-RU" dirty="0"/>
+              <a:rPr lang="ru-RU" sz="2000" dirty="0"/>
+              <a:t>— структура данных для хранения набора строк, представляющая из себя подвешенное </a:t>
+            </a:r>
+            <a:r>
+              <a:rPr lang="ru-RU" sz="2000" dirty="0" smtClean="0"/>
+              <a:t>дерево </a:t>
+            </a:r>
+            <a:r>
+              <a:rPr lang="ru-RU" sz="2000" dirty="0"/>
+              <a:t>с символами на рёбрах. Строки получаются последовательной записью всех символов, хранящихся на рёбрах между корнем бора и терминальной вершиной. </a:t>
+            </a:r>
+            <a:endParaRPr lang="ru-RU" sz="2000" dirty="0" smtClean="0"/>
+          </a:p>
+          <a:p>
+            <a:r>
+              <a:rPr lang="ru-RU" sz="2000" dirty="0"/>
+              <a:t>О</a:t>
+            </a:r>
+            <a:r>
+              <a:rPr lang="ru-RU" sz="2000" dirty="0" smtClean="0"/>
+              <a:t>бход </a:t>
+            </a:r>
+            <a:r>
+              <a:rPr lang="ru-RU" sz="2000" dirty="0"/>
+              <a:t>бора совершается из его корня по рёбрам, отмеченным символами </a:t>
+            </a:r>
+            <a:r>
+              <a:rPr lang="ru-RU" sz="2000" dirty="0" smtClean="0"/>
+              <a:t>строки, </a:t>
+            </a:r>
+            <a:r>
+              <a:rPr lang="ru-RU" sz="2000" dirty="0"/>
+              <a:t>пока возможно. Если с последним </a:t>
+            </a:r>
+            <a:r>
+              <a:rPr lang="ru-RU" sz="2000" dirty="0" smtClean="0"/>
+              <a:t>символом</a:t>
+            </a:r>
+            <a:r>
+              <a:rPr lang="ru-RU" sz="2000" dirty="0"/>
+              <a:t> мы приходим в терминальную вершину, то </a:t>
+            </a:r>
+            <a:r>
+              <a:rPr lang="ru-RU" sz="2000" dirty="0" smtClean="0"/>
+              <a:t>это</a:t>
+            </a:r>
+            <a:r>
+              <a:rPr lang="ru-RU" sz="2000" dirty="0"/>
+              <a:t> — слово из словаря. Если в какой-то момент </a:t>
+            </a:r>
+            <a:r>
+              <a:rPr lang="ru-RU" sz="2000" dirty="0">
+                <a:hlinkClick r:id="rId2" tooltip="Основные определения теории графов"/>
+              </a:rPr>
+              <a:t>ребра</a:t>
+            </a:r>
+            <a:r>
+              <a:rPr lang="ru-RU" sz="2000" dirty="0"/>
+              <a:t>, отмеченного нужным символом, не находится, то </a:t>
+            </a:r>
+            <a:r>
+              <a:rPr lang="ru-RU" sz="2000" dirty="0" smtClean="0"/>
+              <a:t>строки</a:t>
+            </a:r>
+            <a:r>
+              <a:rPr lang="ru-RU" sz="2000" dirty="0"/>
+              <a:t> в словаре нет. </a:t>
+            </a:r>
+            <a:endParaRPr lang="ru-RU" sz="2000" dirty="0"/>
           </a:p>
         </p:txBody>
       </p:sp>
@@ -19884,7 +20162,7 @@
           <p:nvPr/>
         </p:nvPicPr>
         <p:blipFill>
-          <a:blip r:embed="rId2">
+          <a:blip r:embed="rId3">
             <a:extLst>
               <a:ext uri="{28A0092B-C50C-407E-A947-70E740481C1C}">
                 <a14:useLocalDpi xmlns:a14="http://schemas.microsoft.com/office/drawing/2010/main" val="0"/>
@@ -19898,8 +20176,8 @@
         </p:blipFill>
         <p:spPr bwMode="auto">
           <a:xfrm>
-            <a:off x="6786694" y="2293975"/>
-            <a:ext cx="5197434" cy="3160752"/>
+            <a:off x="7470475" y="2587274"/>
+            <a:ext cx="4513651" cy="2744918"/>
           </a:xfrm>
           <a:prstGeom prst="rect">
             <a:avLst/>
@@ -20234,7 +20512,7 @@
   <a:extraClrSchemeLst/>
   <a:extLst>
     <a:ext uri="{05A4C25C-085E-4340-85A3-A5531E510DB2}">
-      <thm15:themeFamily xmlns="" xmlns:thm15="http://schemas.microsoft.com/office/thememl/2012/main" name="Office Theme" id="{62F939B6-93AF-4DB8-9C6B-D6C7DFDC589F}" vid="{4A3C46E8-61CC-4603-A589-7422A47A8E4A}"/>
+      <thm15:themeFamily xmlns:thm15="http://schemas.microsoft.com/office/thememl/2012/main" xmlns="" name="Office Theme" id="{62F939B6-93AF-4DB8-9C6B-D6C7DFDC589F}" vid="{4A3C46E8-61CC-4603-A589-7422A47A8E4A}"/>
     </a:ext>
   </a:extLst>
 </a:theme>
@@ -20529,19 +20807,16 @@
   <a:extraClrSchemeLst/>
   <a:extLst>
     <a:ext uri="{05A4C25C-085E-4340-85A3-A5531E510DB2}">
-      <thm15:themeFamily xmlns="" xmlns:thm15="http://schemas.microsoft.com/office/thememl/2012/main" name="Office Theme" id="{62F939B6-93AF-4DB8-9C6B-D6C7DFDC589F}" vid="{4A3C46E8-61CC-4603-A589-7422A47A8E4A}"/>
+      <thm15:themeFamily xmlns:thm15="http://schemas.microsoft.com/office/thememl/2012/main" xmlns="" name="Office Theme" id="{62F939B6-93AF-4DB8-9C6B-D6C7DFDC589F}" vid="{4A3C46E8-61CC-4603-A589-7422A47A8E4A}"/>
     </a:ext>
   </a:extLst>
 </a:theme>
 </file>
 
 <file path=customXml/item1.xml><?xml version="1.0" encoding="utf-8"?>
-<?mso-contentType ?>
-<FormTemplates xmlns="http://schemas.microsoft.com/sharepoint/v3/contenttype/forms">
-  <Display>DocumentLibraryForm</Display>
-  <Edit>DocumentLibraryForm</Edit>
-  <New>DocumentLibraryForm</New>
-</FormTemplates>
+<p:properties xmlns:p="http://schemas.microsoft.com/office/2006/metadata/properties" xmlns:xsi="http://www.w3.org/2001/XMLSchema-instance" xmlns:pc="http://schemas.microsoft.com/office/infopath/2007/PartnerControls">
+  <documentManagement/>
+</p:properties>
 </file>
 
 <file path=customXml/item2.xml><?xml version="1.0" encoding="utf-8"?>
@@ -20768,15 +21043,27 @@
 </file>
 
 <file path=customXml/item3.xml><?xml version="1.0" encoding="utf-8"?>
-<p:properties xmlns:p="http://schemas.microsoft.com/office/2006/metadata/properties" xmlns:xsi="http://www.w3.org/2001/XMLSchema-instance" xmlns:pc="http://schemas.microsoft.com/office/infopath/2007/PartnerControls">
-  <documentManagement/>
-</p:properties>
+<?mso-contentType ?>
+<FormTemplates xmlns="http://schemas.microsoft.com/sharepoint/v3/contenttype/forms">
+  <Display>DocumentLibraryForm</Display>
+  <Edit>DocumentLibraryForm</Edit>
+  <New>DocumentLibraryForm</New>
+</FormTemplates>
 </file>
 
 <file path=customXml/itemProps1.xml><?xml version="1.0" encoding="utf-8"?>
-<ds:datastoreItem xmlns:ds="http://schemas.openxmlformats.org/officeDocument/2006/customXml" ds:itemID="{B34386AA-1848-4C75-B336-1053927CB025}">
+<ds:datastoreItem xmlns:ds="http://schemas.openxmlformats.org/officeDocument/2006/customXml" ds:itemID="{433DAF31-D8A6-49A0-9A5D-8B2EA5B1C511}">
   <ds:schemaRefs>
-    <ds:schemaRef ds:uri="http://schemas.microsoft.com/sharepoint/v3/contenttype/forms"/>
+    <ds:schemaRef ds:uri="http://purl.org/dc/terms/"/>
+    <ds:schemaRef ds:uri="http://schemas.microsoft.com/office/2006/documentManagement/types"/>
+    <ds:schemaRef ds:uri="e96afe77-3acb-4328-97fc-408e1bde3ecd"/>
+    <ds:schemaRef ds:uri="http://purl.org/dc/elements/1.1/"/>
+    <ds:schemaRef ds:uri="9875bd71-cde8-496c-a136-433f55d5e6d0"/>
+    <ds:schemaRef ds:uri="http://schemas.microsoft.com/office/infopath/2007/PartnerControls"/>
+    <ds:schemaRef ds:uri="http://schemas.openxmlformats.org/package/2006/metadata/core-properties"/>
+    <ds:schemaRef ds:uri="http://schemas.microsoft.com/office/2006/metadata/properties"/>
+    <ds:schemaRef ds:uri="http://www.w3.org/XML/1998/namespace"/>
+    <ds:schemaRef ds:uri="http://purl.org/dc/dcmitype/"/>
   </ds:schemaRefs>
 </ds:datastoreItem>
 </file>
@@ -20801,18 +21088,9 @@
 </file>
 
 <file path=customXml/itemProps3.xml><?xml version="1.0" encoding="utf-8"?>
-<ds:datastoreItem xmlns:ds="http://schemas.openxmlformats.org/officeDocument/2006/customXml" ds:itemID="{433DAF31-D8A6-49A0-9A5D-8B2EA5B1C511}">
+<ds:datastoreItem xmlns:ds="http://schemas.openxmlformats.org/officeDocument/2006/customXml" ds:itemID="{B34386AA-1848-4C75-B336-1053927CB025}">
   <ds:schemaRefs>
-    <ds:schemaRef ds:uri="http://purl.org/dc/terms/"/>
-    <ds:schemaRef ds:uri="http://schemas.microsoft.com/office/2006/documentManagement/types"/>
-    <ds:schemaRef ds:uri="e96afe77-3acb-4328-97fc-408e1bde3ecd"/>
-    <ds:schemaRef ds:uri="http://purl.org/dc/elements/1.1/"/>
-    <ds:schemaRef ds:uri="9875bd71-cde8-496c-a136-433f55d5e6d0"/>
-    <ds:schemaRef ds:uri="http://schemas.microsoft.com/office/infopath/2007/PartnerControls"/>
-    <ds:schemaRef ds:uri="http://schemas.openxmlformats.org/package/2006/metadata/core-properties"/>
-    <ds:schemaRef ds:uri="http://schemas.microsoft.com/office/2006/metadata/properties"/>
-    <ds:schemaRef ds:uri="http://www.w3.org/XML/1998/namespace"/>
-    <ds:schemaRef ds:uri="http://purl.org/dc/dcmitype/"/>
+    <ds:schemaRef ds:uri="http://schemas.microsoft.com/sharepoint/v3/contenttype/forms"/>
   </ds:schemaRefs>
 </ds:datastoreItem>
 </file>
--- a/Итоговые документы/presentation.pptx
+++ b/Итоговые документы/presentation.pptx
@@ -124,7 +124,7 @@
   </p:defaultTextStyle>
   <p:extLst>
     <p:ext uri="{EFAFB233-063F-42B5-8137-9DF3F51BA10A}">
-      <p15:sldGuideLst xmlns:p15="http://schemas.microsoft.com/office/powerpoint/2012/main" xmlns="">
+      <p15:sldGuideLst xmlns="" xmlns:p15="http://schemas.microsoft.com/office/powerpoint/2012/main">
         <p15:guide id="2" pos="325" userDrawn="1">
           <p15:clr>
             <a:srgbClr val="A4A3A4"/>
@@ -183,7 +183,7 @@
       </p15:sldGuideLst>
     </p:ext>
     <p:ext uri="{2D200454-40CA-4A62-9FC3-DE9A4176ACB9}">
-      <p15:notesGuideLst xmlns:p15="http://schemas.microsoft.com/office/powerpoint/2012/main" xmlns="">
+      <p15:notesGuideLst xmlns="" xmlns:p15="http://schemas.microsoft.com/office/powerpoint/2012/main">
         <p15:guide id="1" orient="horz" pos="2880" userDrawn="1">
           <p15:clr>
             <a:srgbClr val="A4A3A4"/>
@@ -1106,7 +1106,7 @@
           <p:cNvPr id="7" name="Picture 28" descr="A blue circle with white text&#10;&#10;Description automatically generated with low confidence">
             <a:extLst>
               <a:ext uri="{FF2B5EF4-FFF2-40B4-BE49-F238E27FC236}">
-                <a16:creationId xmlns:a16="http://schemas.microsoft.com/office/drawing/2014/main" xmlns="" id="{BA292C80-0DA8-194A-9A66-279048FA2A54}"/>
+                <a16:creationId xmlns="" xmlns:a16="http://schemas.microsoft.com/office/drawing/2014/main" id="{BA292C80-0DA8-194A-9A66-279048FA2A54}"/>
               </a:ext>
             </a:extLst>
           </p:cNvPr>
@@ -1136,7 +1136,7 @@
           <p:cNvPr id="11" name="Straight Connector 48">
             <a:extLst>
               <a:ext uri="{FF2B5EF4-FFF2-40B4-BE49-F238E27FC236}">
-                <a16:creationId xmlns:a16="http://schemas.microsoft.com/office/drawing/2014/main" xmlns="" id="{313EF906-5BAC-0141-A198-076E155DF9E2}"/>
+                <a16:creationId xmlns="" xmlns:a16="http://schemas.microsoft.com/office/drawing/2014/main" id="{313EF906-5BAC-0141-A198-076E155DF9E2}"/>
               </a:ext>
             </a:extLst>
           </p:cNvPr>
@@ -1179,7 +1179,7 @@
           <p:cNvPr id="12" name="Straight Connector 50">
             <a:extLst>
               <a:ext uri="{FF2B5EF4-FFF2-40B4-BE49-F238E27FC236}">
-                <a16:creationId xmlns:a16="http://schemas.microsoft.com/office/drawing/2014/main" xmlns="" id="{61206A97-26F2-E646-8775-9928FEF465B5}"/>
+                <a16:creationId xmlns="" xmlns:a16="http://schemas.microsoft.com/office/drawing/2014/main" id="{61206A97-26F2-E646-8775-9928FEF465B5}"/>
               </a:ext>
             </a:extLst>
           </p:cNvPr>
@@ -1222,7 +1222,7 @@
           <p:cNvPr id="13" name="Straight Connector 51">
             <a:extLst>
               <a:ext uri="{FF2B5EF4-FFF2-40B4-BE49-F238E27FC236}">
-                <a16:creationId xmlns:a16="http://schemas.microsoft.com/office/drawing/2014/main" xmlns="" id="{28E0E5F6-C1CA-9B41-B1DB-6E4FB509084D}"/>
+                <a16:creationId xmlns="" xmlns:a16="http://schemas.microsoft.com/office/drawing/2014/main" id="{28E0E5F6-C1CA-9B41-B1DB-6E4FB509084D}"/>
               </a:ext>
             </a:extLst>
           </p:cNvPr>
@@ -1265,7 +1265,7 @@
           <p:cNvPr id="16" name="Заголовок 15">
             <a:extLst>
               <a:ext uri="{FF2B5EF4-FFF2-40B4-BE49-F238E27FC236}">
-                <a16:creationId xmlns:a16="http://schemas.microsoft.com/office/drawing/2014/main" xmlns="" id="{6007C52F-2E27-E24A-B9DC-AAAB052DBD59}"/>
+                <a16:creationId xmlns="" xmlns:a16="http://schemas.microsoft.com/office/drawing/2014/main" id="{6007C52F-2E27-E24A-B9DC-AAAB052DBD59}"/>
               </a:ext>
             </a:extLst>
           </p:cNvPr>
@@ -1375,7 +1375,7 @@
           <p:cNvPr id="20" name="Текст 19">
             <a:extLst>
               <a:ext uri="{FF2B5EF4-FFF2-40B4-BE49-F238E27FC236}">
-                <a16:creationId xmlns:a16="http://schemas.microsoft.com/office/drawing/2014/main" xmlns="" id="{18109844-C2E7-354F-9C01-8834E4DCE373}"/>
+                <a16:creationId xmlns="" xmlns:a16="http://schemas.microsoft.com/office/drawing/2014/main" id="{18109844-C2E7-354F-9C01-8834E4DCE373}"/>
               </a:ext>
             </a:extLst>
           </p:cNvPr>
@@ -1481,7 +1481,7 @@
           <p:cNvPr id="25" name="Текст 24">
             <a:extLst>
               <a:ext uri="{FF2B5EF4-FFF2-40B4-BE49-F238E27FC236}">
-                <a16:creationId xmlns:a16="http://schemas.microsoft.com/office/drawing/2014/main" xmlns="" id="{40A04329-C800-BB42-BFE0-7E3C68848DA7}"/>
+                <a16:creationId xmlns="" xmlns:a16="http://schemas.microsoft.com/office/drawing/2014/main" id="{40A04329-C800-BB42-BFE0-7E3C68848DA7}"/>
               </a:ext>
             </a:extLst>
           </p:cNvPr>
@@ -1578,7 +1578,7 @@
           <p:cNvPr id="27" name="Текст 26">
             <a:extLst>
               <a:ext uri="{FF2B5EF4-FFF2-40B4-BE49-F238E27FC236}">
-                <a16:creationId xmlns:a16="http://schemas.microsoft.com/office/drawing/2014/main" xmlns="" id="{98337931-3EC2-F348-99EA-860F4FFDC188}"/>
+                <a16:creationId xmlns="" xmlns:a16="http://schemas.microsoft.com/office/drawing/2014/main" id="{98337931-3EC2-F348-99EA-860F4FFDC188}"/>
               </a:ext>
             </a:extLst>
           </p:cNvPr>
@@ -1675,7 +1675,7 @@
           <p:cNvPr id="29" name="Текст 28">
             <a:extLst>
               <a:ext uri="{FF2B5EF4-FFF2-40B4-BE49-F238E27FC236}">
-                <a16:creationId xmlns:a16="http://schemas.microsoft.com/office/drawing/2014/main" xmlns="" id="{EEA7A79B-D410-B44F-BF32-C3EAEFC20A6E}"/>
+                <a16:creationId xmlns="" xmlns:a16="http://schemas.microsoft.com/office/drawing/2014/main" id="{EEA7A79B-D410-B44F-BF32-C3EAEFC20A6E}"/>
               </a:ext>
             </a:extLst>
           </p:cNvPr>
@@ -1780,7 +1780,7 @@
   </p:clrMapOvr>
   <p:extLst>
     <p:ext uri="{DCECCB84-F9BA-43D5-87BE-67443E8EF086}">
-      <p15:sldGuideLst xmlns:p15="http://schemas.microsoft.com/office/powerpoint/2012/main" xmlns=""/>
+      <p15:sldGuideLst xmlns="" xmlns:p15="http://schemas.microsoft.com/office/powerpoint/2012/main"/>
     </p:ext>
   </p:extLst>
 </p:sldLayout>
@@ -1822,7 +1822,7 @@
           <p:cNvPr id="7" name="Picture 4" descr="Icon&#10;&#10;Description automatically generated">
             <a:extLst>
               <a:ext uri="{FF2B5EF4-FFF2-40B4-BE49-F238E27FC236}">
-                <a16:creationId xmlns:a16="http://schemas.microsoft.com/office/drawing/2014/main" xmlns="" id="{9328428E-0D3D-6E4B-BAC0-3F63BAF7DB74}"/>
+                <a16:creationId xmlns="" xmlns:a16="http://schemas.microsoft.com/office/drawing/2014/main" id="{9328428E-0D3D-6E4B-BAC0-3F63BAF7DB74}"/>
               </a:ext>
             </a:extLst>
           </p:cNvPr>
@@ -1852,7 +1852,7 @@
           <p:cNvPr id="8" name="Straight Connector 19">
             <a:extLst>
               <a:ext uri="{FF2B5EF4-FFF2-40B4-BE49-F238E27FC236}">
-                <a16:creationId xmlns:a16="http://schemas.microsoft.com/office/drawing/2014/main" xmlns="" id="{86CF47C6-D972-9E44-A717-6848F3489399}"/>
+                <a16:creationId xmlns="" xmlns:a16="http://schemas.microsoft.com/office/drawing/2014/main" id="{86CF47C6-D972-9E44-A717-6848F3489399}"/>
               </a:ext>
             </a:extLst>
           </p:cNvPr>
@@ -1895,7 +1895,7 @@
           <p:cNvPr id="9" name="Straight Connector 21">
             <a:extLst>
               <a:ext uri="{FF2B5EF4-FFF2-40B4-BE49-F238E27FC236}">
-                <a16:creationId xmlns:a16="http://schemas.microsoft.com/office/drawing/2014/main" xmlns="" id="{412FEF63-77C0-7C4A-B9BE-4BC0EEEEB78C}"/>
+                <a16:creationId xmlns="" xmlns:a16="http://schemas.microsoft.com/office/drawing/2014/main" id="{412FEF63-77C0-7C4A-B9BE-4BC0EEEEB78C}"/>
               </a:ext>
             </a:extLst>
           </p:cNvPr>
@@ -1938,7 +1938,7 @@
           <p:cNvPr id="10" name="Straight Connector 25">
             <a:extLst>
               <a:ext uri="{FF2B5EF4-FFF2-40B4-BE49-F238E27FC236}">
-                <a16:creationId xmlns:a16="http://schemas.microsoft.com/office/drawing/2014/main" xmlns="" id="{C4F550E9-E979-284D-B65F-44E092DD9D02}"/>
+                <a16:creationId xmlns="" xmlns:a16="http://schemas.microsoft.com/office/drawing/2014/main" id="{C4F550E9-E979-284D-B65F-44E092DD9D02}"/>
               </a:ext>
             </a:extLst>
           </p:cNvPr>
@@ -1981,7 +1981,7 @@
           <p:cNvPr id="11" name="TextBox 10">
             <a:extLst>
               <a:ext uri="{FF2B5EF4-FFF2-40B4-BE49-F238E27FC236}">
-                <a16:creationId xmlns:a16="http://schemas.microsoft.com/office/drawing/2014/main" xmlns="" id="{3A39D099-B515-F343-BF7A-A95468DA3860}"/>
+                <a16:creationId xmlns="" xmlns:a16="http://schemas.microsoft.com/office/drawing/2014/main" id="{3A39D099-B515-F343-BF7A-A95468DA3860}"/>
               </a:ext>
             </a:extLst>
           </p:cNvPr>
@@ -2027,7 +2027,7 @@
           <p:cNvPr id="12" name="Straight Connector 59">
             <a:extLst>
               <a:ext uri="{FF2B5EF4-FFF2-40B4-BE49-F238E27FC236}">
-                <a16:creationId xmlns:a16="http://schemas.microsoft.com/office/drawing/2014/main" xmlns="" id="{396B1F99-9711-C64F-A7C9-4F1D89E7F11D}"/>
+                <a16:creationId xmlns="" xmlns:a16="http://schemas.microsoft.com/office/drawing/2014/main" id="{396B1F99-9711-C64F-A7C9-4F1D89E7F11D}"/>
               </a:ext>
             </a:extLst>
           </p:cNvPr>
@@ -2070,7 +2070,7 @@
           <p:cNvPr id="13" name="Текст 37">
             <a:extLst>
               <a:ext uri="{FF2B5EF4-FFF2-40B4-BE49-F238E27FC236}">
-                <a16:creationId xmlns:a16="http://schemas.microsoft.com/office/drawing/2014/main" xmlns="" id="{9C21DFE9-C3B2-C54E-9275-7776355F7360}"/>
+                <a16:creationId xmlns="" xmlns:a16="http://schemas.microsoft.com/office/drawing/2014/main" id="{9C21DFE9-C3B2-C54E-9275-7776355F7360}"/>
               </a:ext>
             </a:extLst>
           </p:cNvPr>
@@ -2200,7 +2200,7 @@
           <p:cNvPr id="14" name="Текст 39">
             <a:extLst>
               <a:ext uri="{FF2B5EF4-FFF2-40B4-BE49-F238E27FC236}">
-                <a16:creationId xmlns:a16="http://schemas.microsoft.com/office/drawing/2014/main" xmlns="" id="{5A73F99D-6D58-724E-ADB3-150D9B24F8CB}"/>
+                <a16:creationId xmlns="" xmlns:a16="http://schemas.microsoft.com/office/drawing/2014/main" id="{5A73F99D-6D58-724E-ADB3-150D9B24F8CB}"/>
               </a:ext>
             </a:extLst>
           </p:cNvPr>
@@ -2298,7 +2298,7 @@
           <p:cNvPr id="16" name="Текст 39">
             <a:extLst>
               <a:ext uri="{FF2B5EF4-FFF2-40B4-BE49-F238E27FC236}">
-                <a16:creationId xmlns:a16="http://schemas.microsoft.com/office/drawing/2014/main" xmlns="" id="{7E89E360-BE39-5041-BAD6-C7B708340AA2}"/>
+                <a16:creationId xmlns="" xmlns:a16="http://schemas.microsoft.com/office/drawing/2014/main" id="{7E89E360-BE39-5041-BAD6-C7B708340AA2}"/>
               </a:ext>
             </a:extLst>
           </p:cNvPr>
@@ -2396,7 +2396,7 @@
           <p:cNvPr id="19" name="Заголовок 31">
             <a:extLst>
               <a:ext uri="{FF2B5EF4-FFF2-40B4-BE49-F238E27FC236}">
-                <a16:creationId xmlns:a16="http://schemas.microsoft.com/office/drawing/2014/main" xmlns="" id="{1C20890C-BC1C-0745-9AF3-46700BA27C4A}"/>
+                <a16:creationId xmlns="" xmlns:a16="http://schemas.microsoft.com/office/drawing/2014/main" id="{1C20890C-BC1C-0745-9AF3-46700BA27C4A}"/>
               </a:ext>
             </a:extLst>
           </p:cNvPr>
@@ -2462,7 +2462,7 @@
           <p:cNvPr id="20" name="Текст 35">
             <a:extLst>
               <a:ext uri="{FF2B5EF4-FFF2-40B4-BE49-F238E27FC236}">
-                <a16:creationId xmlns:a16="http://schemas.microsoft.com/office/drawing/2014/main" xmlns="" id="{CA2589F7-4500-024F-8E07-D726629A599C}"/>
+                <a16:creationId xmlns="" xmlns:a16="http://schemas.microsoft.com/office/drawing/2014/main" id="{CA2589F7-4500-024F-8E07-D726629A599C}"/>
               </a:ext>
             </a:extLst>
           </p:cNvPr>
@@ -2586,7 +2586,7 @@
           <p:cNvPr id="21" name="Oval 5">
             <a:extLst>
               <a:ext uri="{FF2B5EF4-FFF2-40B4-BE49-F238E27FC236}">
-                <a16:creationId xmlns:a16="http://schemas.microsoft.com/office/drawing/2014/main" xmlns="" id="{D2CA403A-98E7-6C42-8F44-30AB6622C802}"/>
+                <a16:creationId xmlns="" xmlns:a16="http://schemas.microsoft.com/office/drawing/2014/main" id="{D2CA403A-98E7-6C42-8F44-30AB6622C802}"/>
               </a:ext>
             </a:extLst>
           </p:cNvPr>
@@ -2638,7 +2638,7 @@
           <p:cNvPr id="22" name="Oval 20">
             <a:extLst>
               <a:ext uri="{FF2B5EF4-FFF2-40B4-BE49-F238E27FC236}">
-                <a16:creationId xmlns:a16="http://schemas.microsoft.com/office/drawing/2014/main" xmlns="" id="{42ABAA5D-E7AB-6E48-9D43-A48178C9BDD4}"/>
+                <a16:creationId xmlns="" xmlns:a16="http://schemas.microsoft.com/office/drawing/2014/main" id="{42ABAA5D-E7AB-6E48-9D43-A48178C9BDD4}"/>
               </a:ext>
             </a:extLst>
           </p:cNvPr>
@@ -2690,7 +2690,7 @@
           <p:cNvPr id="23" name="Oval 22">
             <a:extLst>
               <a:ext uri="{FF2B5EF4-FFF2-40B4-BE49-F238E27FC236}">
-                <a16:creationId xmlns:a16="http://schemas.microsoft.com/office/drawing/2014/main" xmlns="" id="{209F185A-8F67-9C42-A7C5-87E483F4FC19}"/>
+                <a16:creationId xmlns="" xmlns:a16="http://schemas.microsoft.com/office/drawing/2014/main" id="{209F185A-8F67-9C42-A7C5-87E483F4FC19}"/>
               </a:ext>
             </a:extLst>
           </p:cNvPr>
@@ -2742,7 +2742,7 @@
           <p:cNvPr id="24" name="Oval 23">
             <a:extLst>
               <a:ext uri="{FF2B5EF4-FFF2-40B4-BE49-F238E27FC236}">
-                <a16:creationId xmlns:a16="http://schemas.microsoft.com/office/drawing/2014/main" xmlns="" id="{279AE0F6-4E37-6C4D-AF45-824EEE489A15}"/>
+                <a16:creationId xmlns="" xmlns:a16="http://schemas.microsoft.com/office/drawing/2014/main" id="{279AE0F6-4E37-6C4D-AF45-824EEE489A15}"/>
               </a:ext>
             </a:extLst>
           </p:cNvPr>
@@ -2794,7 +2794,7 @@
           <p:cNvPr id="25" name="Oval 26">
             <a:extLst>
               <a:ext uri="{FF2B5EF4-FFF2-40B4-BE49-F238E27FC236}">
-                <a16:creationId xmlns:a16="http://schemas.microsoft.com/office/drawing/2014/main" xmlns="" id="{330C0EA4-7FD1-CE4D-AC95-8C484C5AC790}"/>
+                <a16:creationId xmlns="" xmlns:a16="http://schemas.microsoft.com/office/drawing/2014/main" id="{330C0EA4-7FD1-CE4D-AC95-8C484C5AC790}"/>
               </a:ext>
             </a:extLst>
           </p:cNvPr>
@@ -2846,7 +2846,7 @@
           <p:cNvPr id="26" name="Oval 29">
             <a:extLst>
               <a:ext uri="{FF2B5EF4-FFF2-40B4-BE49-F238E27FC236}">
-                <a16:creationId xmlns:a16="http://schemas.microsoft.com/office/drawing/2014/main" xmlns="" id="{4C53CF3D-7EFB-DF4F-8EA6-5644574E9AFB}"/>
+                <a16:creationId xmlns="" xmlns:a16="http://schemas.microsoft.com/office/drawing/2014/main" id="{4C53CF3D-7EFB-DF4F-8EA6-5644574E9AFB}"/>
               </a:ext>
             </a:extLst>
           </p:cNvPr>
@@ -2898,7 +2898,7 @@
           <p:cNvPr id="27" name="Oval 33">
             <a:extLst>
               <a:ext uri="{FF2B5EF4-FFF2-40B4-BE49-F238E27FC236}">
-                <a16:creationId xmlns:a16="http://schemas.microsoft.com/office/drawing/2014/main" xmlns="" id="{B42CE88A-E9A3-2A4E-BD50-EB37311F39EC}"/>
+                <a16:creationId xmlns="" xmlns:a16="http://schemas.microsoft.com/office/drawing/2014/main" id="{B42CE88A-E9A3-2A4E-BD50-EB37311F39EC}"/>
               </a:ext>
             </a:extLst>
           </p:cNvPr>
@@ -2950,7 +2950,7 @@
           <p:cNvPr id="28" name="Oval 34">
             <a:extLst>
               <a:ext uri="{FF2B5EF4-FFF2-40B4-BE49-F238E27FC236}">
-                <a16:creationId xmlns:a16="http://schemas.microsoft.com/office/drawing/2014/main" xmlns="" id="{B699EFDF-DB9D-3C4F-9D1F-461508017BDA}"/>
+                <a16:creationId xmlns="" xmlns:a16="http://schemas.microsoft.com/office/drawing/2014/main" id="{B699EFDF-DB9D-3C4F-9D1F-461508017BDA}"/>
               </a:ext>
             </a:extLst>
           </p:cNvPr>
@@ -3002,7 +3002,7 @@
           <p:cNvPr id="29" name="Oval 35">
             <a:extLst>
               <a:ext uri="{FF2B5EF4-FFF2-40B4-BE49-F238E27FC236}">
-                <a16:creationId xmlns:a16="http://schemas.microsoft.com/office/drawing/2014/main" xmlns="" id="{5DF3131C-EEA1-5446-B567-C9DA0A2A1AFF}"/>
+                <a16:creationId xmlns="" xmlns:a16="http://schemas.microsoft.com/office/drawing/2014/main" id="{5DF3131C-EEA1-5446-B567-C9DA0A2A1AFF}"/>
               </a:ext>
             </a:extLst>
           </p:cNvPr>
@@ -3054,7 +3054,7 @@
           <p:cNvPr id="30" name="Oval 36">
             <a:extLst>
               <a:ext uri="{FF2B5EF4-FFF2-40B4-BE49-F238E27FC236}">
-                <a16:creationId xmlns:a16="http://schemas.microsoft.com/office/drawing/2014/main" xmlns="" id="{6D03B317-B61D-2945-8C0A-A6EBD87ACD07}"/>
+                <a16:creationId xmlns="" xmlns:a16="http://schemas.microsoft.com/office/drawing/2014/main" id="{6D03B317-B61D-2945-8C0A-A6EBD87ACD07}"/>
               </a:ext>
             </a:extLst>
           </p:cNvPr>
@@ -3106,7 +3106,7 @@
           <p:cNvPr id="31" name="Oval 37">
             <a:extLst>
               <a:ext uri="{FF2B5EF4-FFF2-40B4-BE49-F238E27FC236}">
-                <a16:creationId xmlns:a16="http://schemas.microsoft.com/office/drawing/2014/main" xmlns="" id="{9C0266F1-C0B7-624A-A873-5F2C8801E766}"/>
+                <a16:creationId xmlns="" xmlns:a16="http://schemas.microsoft.com/office/drawing/2014/main" id="{9C0266F1-C0B7-624A-A873-5F2C8801E766}"/>
               </a:ext>
             </a:extLst>
           </p:cNvPr>
@@ -3158,7 +3158,7 @@
           <p:cNvPr id="32" name="Oval 38">
             <a:extLst>
               <a:ext uri="{FF2B5EF4-FFF2-40B4-BE49-F238E27FC236}">
-                <a16:creationId xmlns:a16="http://schemas.microsoft.com/office/drawing/2014/main" xmlns="" id="{30C0C10E-388C-9843-8270-19D471BD3756}"/>
+                <a16:creationId xmlns="" xmlns:a16="http://schemas.microsoft.com/office/drawing/2014/main" id="{30C0C10E-388C-9843-8270-19D471BD3756}"/>
               </a:ext>
             </a:extLst>
           </p:cNvPr>
@@ -3210,7 +3210,7 @@
           <p:cNvPr id="33" name="Oval 39">
             <a:extLst>
               <a:ext uri="{FF2B5EF4-FFF2-40B4-BE49-F238E27FC236}">
-                <a16:creationId xmlns:a16="http://schemas.microsoft.com/office/drawing/2014/main" xmlns="" id="{87047EA3-79D2-8644-A568-E64AA1D7D370}"/>
+                <a16:creationId xmlns="" xmlns:a16="http://schemas.microsoft.com/office/drawing/2014/main" id="{87047EA3-79D2-8644-A568-E64AA1D7D370}"/>
               </a:ext>
             </a:extLst>
           </p:cNvPr>
@@ -3262,7 +3262,7 @@
           <p:cNvPr id="34" name="Oval 40">
             <a:extLst>
               <a:ext uri="{FF2B5EF4-FFF2-40B4-BE49-F238E27FC236}">
-                <a16:creationId xmlns:a16="http://schemas.microsoft.com/office/drawing/2014/main" xmlns="" id="{7F5D1C6B-4E6B-0346-A5DC-C511DB14EFD6}"/>
+                <a16:creationId xmlns="" xmlns:a16="http://schemas.microsoft.com/office/drawing/2014/main" id="{7F5D1C6B-4E6B-0346-A5DC-C511DB14EFD6}"/>
               </a:ext>
             </a:extLst>
           </p:cNvPr>
@@ -3314,7 +3314,7 @@
           <p:cNvPr id="35" name="Oval 41">
             <a:extLst>
               <a:ext uri="{FF2B5EF4-FFF2-40B4-BE49-F238E27FC236}">
-                <a16:creationId xmlns:a16="http://schemas.microsoft.com/office/drawing/2014/main" xmlns="" id="{EB421DBA-35DE-2C4F-A89E-27F0998EF4E8}"/>
+                <a16:creationId xmlns="" xmlns:a16="http://schemas.microsoft.com/office/drawing/2014/main" id="{EB421DBA-35DE-2C4F-A89E-27F0998EF4E8}"/>
               </a:ext>
             </a:extLst>
           </p:cNvPr>
@@ -3366,7 +3366,7 @@
           <p:cNvPr id="36" name="Oval 42">
             <a:extLst>
               <a:ext uri="{FF2B5EF4-FFF2-40B4-BE49-F238E27FC236}">
-                <a16:creationId xmlns:a16="http://schemas.microsoft.com/office/drawing/2014/main" xmlns="" id="{081BD842-A9A1-5B44-81ED-A97BA390032B}"/>
+                <a16:creationId xmlns="" xmlns:a16="http://schemas.microsoft.com/office/drawing/2014/main" id="{081BD842-A9A1-5B44-81ED-A97BA390032B}"/>
               </a:ext>
             </a:extLst>
           </p:cNvPr>
@@ -3418,7 +3418,7 @@
           <p:cNvPr id="37" name="Oval 43">
             <a:extLst>
               <a:ext uri="{FF2B5EF4-FFF2-40B4-BE49-F238E27FC236}">
-                <a16:creationId xmlns:a16="http://schemas.microsoft.com/office/drawing/2014/main" xmlns="" id="{036EE7D2-A33A-434C-B272-C82E2CDD4D4D}"/>
+                <a16:creationId xmlns="" xmlns:a16="http://schemas.microsoft.com/office/drawing/2014/main" id="{036EE7D2-A33A-434C-B272-C82E2CDD4D4D}"/>
               </a:ext>
             </a:extLst>
           </p:cNvPr>
@@ -3470,7 +3470,7 @@
           <p:cNvPr id="38" name="Oval 44">
             <a:extLst>
               <a:ext uri="{FF2B5EF4-FFF2-40B4-BE49-F238E27FC236}">
-                <a16:creationId xmlns:a16="http://schemas.microsoft.com/office/drawing/2014/main" xmlns="" id="{7DD65DA4-F076-C242-813E-8C17DCABCCFB}"/>
+                <a16:creationId xmlns="" xmlns:a16="http://schemas.microsoft.com/office/drawing/2014/main" id="{7DD65DA4-F076-C242-813E-8C17DCABCCFB}"/>
               </a:ext>
             </a:extLst>
           </p:cNvPr>
@@ -3522,7 +3522,7 @@
           <p:cNvPr id="39" name="Oval 45">
             <a:extLst>
               <a:ext uri="{FF2B5EF4-FFF2-40B4-BE49-F238E27FC236}">
-                <a16:creationId xmlns:a16="http://schemas.microsoft.com/office/drawing/2014/main" xmlns="" id="{8A44D99D-BF66-2848-B460-F59D8ECF5690}"/>
+                <a16:creationId xmlns="" xmlns:a16="http://schemas.microsoft.com/office/drawing/2014/main" id="{8A44D99D-BF66-2848-B460-F59D8ECF5690}"/>
               </a:ext>
             </a:extLst>
           </p:cNvPr>
@@ -3574,7 +3574,7 @@
           <p:cNvPr id="40" name="Oval 46">
             <a:extLst>
               <a:ext uri="{FF2B5EF4-FFF2-40B4-BE49-F238E27FC236}">
-                <a16:creationId xmlns:a16="http://schemas.microsoft.com/office/drawing/2014/main" xmlns="" id="{9B130CEB-3D74-B647-BA6B-32F7D70FD354}"/>
+                <a16:creationId xmlns="" xmlns:a16="http://schemas.microsoft.com/office/drawing/2014/main" id="{9B130CEB-3D74-B647-BA6B-32F7D70FD354}"/>
               </a:ext>
             </a:extLst>
           </p:cNvPr>
@@ -3670,7 +3670,7 @@
           <p:cNvPr id="8" name="Picture 4" descr="Icon&#10;&#10;Description automatically generated">
             <a:extLst>
               <a:ext uri="{FF2B5EF4-FFF2-40B4-BE49-F238E27FC236}">
-                <a16:creationId xmlns:a16="http://schemas.microsoft.com/office/drawing/2014/main" xmlns="" id="{A7FA04E4-3213-8F41-B068-4DC281441422}"/>
+                <a16:creationId xmlns="" xmlns:a16="http://schemas.microsoft.com/office/drawing/2014/main" id="{A7FA04E4-3213-8F41-B068-4DC281441422}"/>
               </a:ext>
             </a:extLst>
           </p:cNvPr>
@@ -3700,7 +3700,7 @@
           <p:cNvPr id="9" name="Straight Connector 19">
             <a:extLst>
               <a:ext uri="{FF2B5EF4-FFF2-40B4-BE49-F238E27FC236}">
-                <a16:creationId xmlns:a16="http://schemas.microsoft.com/office/drawing/2014/main" xmlns="" id="{938052A0-3DF0-DC47-B7E0-C20EF981C230}"/>
+                <a16:creationId xmlns="" xmlns:a16="http://schemas.microsoft.com/office/drawing/2014/main" id="{938052A0-3DF0-DC47-B7E0-C20EF981C230}"/>
               </a:ext>
             </a:extLst>
           </p:cNvPr>
@@ -3743,7 +3743,7 @@
           <p:cNvPr id="10" name="Straight Connector 21">
             <a:extLst>
               <a:ext uri="{FF2B5EF4-FFF2-40B4-BE49-F238E27FC236}">
-                <a16:creationId xmlns:a16="http://schemas.microsoft.com/office/drawing/2014/main" xmlns="" id="{8C6147F0-3CA1-264C-B2B2-F88597196943}"/>
+                <a16:creationId xmlns="" xmlns:a16="http://schemas.microsoft.com/office/drawing/2014/main" id="{8C6147F0-3CA1-264C-B2B2-F88597196943}"/>
               </a:ext>
             </a:extLst>
           </p:cNvPr>
@@ -3786,7 +3786,7 @@
           <p:cNvPr id="11" name="Straight Connector 25">
             <a:extLst>
               <a:ext uri="{FF2B5EF4-FFF2-40B4-BE49-F238E27FC236}">
-                <a16:creationId xmlns:a16="http://schemas.microsoft.com/office/drawing/2014/main" xmlns="" id="{62CDF50E-4D58-AF4A-ABFD-140AF88B3681}"/>
+                <a16:creationId xmlns="" xmlns:a16="http://schemas.microsoft.com/office/drawing/2014/main" id="{62CDF50E-4D58-AF4A-ABFD-140AF88B3681}"/>
               </a:ext>
             </a:extLst>
           </p:cNvPr>
@@ -3829,7 +3829,7 @@
           <p:cNvPr id="12" name="TextBox 11">
             <a:extLst>
               <a:ext uri="{FF2B5EF4-FFF2-40B4-BE49-F238E27FC236}">
-                <a16:creationId xmlns:a16="http://schemas.microsoft.com/office/drawing/2014/main" xmlns="" id="{C62171D1-2A5B-7A4A-9760-17CCE51B9802}"/>
+                <a16:creationId xmlns="" xmlns:a16="http://schemas.microsoft.com/office/drawing/2014/main" id="{C62171D1-2A5B-7A4A-9760-17CCE51B9802}"/>
               </a:ext>
             </a:extLst>
           </p:cNvPr>
@@ -3875,7 +3875,7 @@
           <p:cNvPr id="13" name="Straight Connector 59">
             <a:extLst>
               <a:ext uri="{FF2B5EF4-FFF2-40B4-BE49-F238E27FC236}">
-                <a16:creationId xmlns:a16="http://schemas.microsoft.com/office/drawing/2014/main" xmlns="" id="{3C71A0C3-CD3E-0748-98E5-6B2507CAB296}"/>
+                <a16:creationId xmlns="" xmlns:a16="http://schemas.microsoft.com/office/drawing/2014/main" id="{3C71A0C3-CD3E-0748-98E5-6B2507CAB296}"/>
               </a:ext>
             </a:extLst>
           </p:cNvPr>
@@ -3918,7 +3918,7 @@
           <p:cNvPr id="14" name="Текст 37">
             <a:extLst>
               <a:ext uri="{FF2B5EF4-FFF2-40B4-BE49-F238E27FC236}">
-                <a16:creationId xmlns:a16="http://schemas.microsoft.com/office/drawing/2014/main" xmlns="" id="{9856D01B-EC9A-6047-B7FB-D47084AB3F50}"/>
+                <a16:creationId xmlns="" xmlns:a16="http://schemas.microsoft.com/office/drawing/2014/main" id="{9856D01B-EC9A-6047-B7FB-D47084AB3F50}"/>
               </a:ext>
             </a:extLst>
           </p:cNvPr>
@@ -4048,7 +4048,7 @@
           <p:cNvPr id="15" name="Текст 39">
             <a:extLst>
               <a:ext uri="{FF2B5EF4-FFF2-40B4-BE49-F238E27FC236}">
-                <a16:creationId xmlns:a16="http://schemas.microsoft.com/office/drawing/2014/main" xmlns="" id="{83E23342-AC91-354A-9A28-A14FF7BADCD2}"/>
+                <a16:creationId xmlns="" xmlns:a16="http://schemas.microsoft.com/office/drawing/2014/main" id="{83E23342-AC91-354A-9A28-A14FF7BADCD2}"/>
               </a:ext>
             </a:extLst>
           </p:cNvPr>
@@ -4146,7 +4146,7 @@
           <p:cNvPr id="17" name="Текст 39">
             <a:extLst>
               <a:ext uri="{FF2B5EF4-FFF2-40B4-BE49-F238E27FC236}">
-                <a16:creationId xmlns:a16="http://schemas.microsoft.com/office/drawing/2014/main" xmlns="" id="{BB1CCE68-8F57-1A41-BC43-633D2EFC801E}"/>
+                <a16:creationId xmlns="" xmlns:a16="http://schemas.microsoft.com/office/drawing/2014/main" id="{BB1CCE68-8F57-1A41-BC43-633D2EFC801E}"/>
               </a:ext>
             </a:extLst>
           </p:cNvPr>
@@ -4288,7 +4288,7 @@
           <p:cNvPr id="3" name="Rectangle 2">
             <a:extLst>
               <a:ext uri="{FF2B5EF4-FFF2-40B4-BE49-F238E27FC236}">
-                <a16:creationId xmlns:a16="http://schemas.microsoft.com/office/drawing/2014/main" xmlns="" id="{65234703-C735-5D41-99C2-019C7EBECCF4}"/>
+                <a16:creationId xmlns="" xmlns:a16="http://schemas.microsoft.com/office/drawing/2014/main" id="{65234703-C735-5D41-99C2-019C7EBECCF4}"/>
               </a:ext>
             </a:extLst>
           </p:cNvPr>
@@ -4334,7 +4334,7 @@
           <p:cNvPr id="2" name="Picture 1">
             <a:extLst>
               <a:ext uri="{FF2B5EF4-FFF2-40B4-BE49-F238E27FC236}">
-                <a16:creationId xmlns:a16="http://schemas.microsoft.com/office/drawing/2014/main" xmlns="" id="{682F59B5-E815-AE43-BAE2-FA594BB42C02}"/>
+                <a16:creationId xmlns="" xmlns:a16="http://schemas.microsoft.com/office/drawing/2014/main" id="{682F59B5-E815-AE43-BAE2-FA594BB42C02}"/>
               </a:ext>
             </a:extLst>
           </p:cNvPr>
@@ -4407,7 +4407,7 @@
           <p:cNvPr id="10" name="Picture 4" descr="Icon&#10;&#10;Description automatically generated">
             <a:extLst>
               <a:ext uri="{FF2B5EF4-FFF2-40B4-BE49-F238E27FC236}">
-                <a16:creationId xmlns:a16="http://schemas.microsoft.com/office/drawing/2014/main" xmlns="" id="{4A1436AC-5F96-2A4F-BFC7-B3442083EBE4}"/>
+                <a16:creationId xmlns="" xmlns:a16="http://schemas.microsoft.com/office/drawing/2014/main" id="{4A1436AC-5F96-2A4F-BFC7-B3442083EBE4}"/>
               </a:ext>
             </a:extLst>
           </p:cNvPr>
@@ -4437,7 +4437,7 @@
           <p:cNvPr id="11" name="Straight Connector 19">
             <a:extLst>
               <a:ext uri="{FF2B5EF4-FFF2-40B4-BE49-F238E27FC236}">
-                <a16:creationId xmlns:a16="http://schemas.microsoft.com/office/drawing/2014/main" xmlns="" id="{067DD2ED-246D-7D41-B51F-FED98BF873FD}"/>
+                <a16:creationId xmlns="" xmlns:a16="http://schemas.microsoft.com/office/drawing/2014/main" id="{067DD2ED-246D-7D41-B51F-FED98BF873FD}"/>
               </a:ext>
             </a:extLst>
           </p:cNvPr>
@@ -4480,7 +4480,7 @@
           <p:cNvPr id="12" name="Straight Connector 21">
             <a:extLst>
               <a:ext uri="{FF2B5EF4-FFF2-40B4-BE49-F238E27FC236}">
-                <a16:creationId xmlns:a16="http://schemas.microsoft.com/office/drawing/2014/main" xmlns="" id="{68E8C250-D449-A743-8975-B5BFB04D9744}"/>
+                <a16:creationId xmlns="" xmlns:a16="http://schemas.microsoft.com/office/drawing/2014/main" id="{68E8C250-D449-A743-8975-B5BFB04D9744}"/>
               </a:ext>
             </a:extLst>
           </p:cNvPr>
@@ -4523,7 +4523,7 @@
           <p:cNvPr id="13" name="Straight Connector 25">
             <a:extLst>
               <a:ext uri="{FF2B5EF4-FFF2-40B4-BE49-F238E27FC236}">
-                <a16:creationId xmlns:a16="http://schemas.microsoft.com/office/drawing/2014/main" xmlns="" id="{DD1C71CA-B883-AF42-959D-BCA5690AAA4B}"/>
+                <a16:creationId xmlns="" xmlns:a16="http://schemas.microsoft.com/office/drawing/2014/main" id="{DD1C71CA-B883-AF42-959D-BCA5690AAA4B}"/>
               </a:ext>
             </a:extLst>
           </p:cNvPr>
@@ -4566,7 +4566,7 @@
           <p:cNvPr id="17" name="TextBox 16">
             <a:extLst>
               <a:ext uri="{FF2B5EF4-FFF2-40B4-BE49-F238E27FC236}">
-                <a16:creationId xmlns:a16="http://schemas.microsoft.com/office/drawing/2014/main" xmlns="" id="{24D3A12E-0E10-C441-81D2-C3C1EB6A0537}"/>
+                <a16:creationId xmlns="" xmlns:a16="http://schemas.microsoft.com/office/drawing/2014/main" id="{24D3A12E-0E10-C441-81D2-C3C1EB6A0537}"/>
               </a:ext>
             </a:extLst>
           </p:cNvPr>
@@ -4612,7 +4612,7 @@
           <p:cNvPr id="19" name="Straight Connector 59">
             <a:extLst>
               <a:ext uri="{FF2B5EF4-FFF2-40B4-BE49-F238E27FC236}">
-                <a16:creationId xmlns:a16="http://schemas.microsoft.com/office/drawing/2014/main" xmlns="" id="{3447008E-4F3B-FC4E-B96D-3927FAE1ED17}"/>
+                <a16:creationId xmlns="" xmlns:a16="http://schemas.microsoft.com/office/drawing/2014/main" id="{3447008E-4F3B-FC4E-B96D-3927FAE1ED17}"/>
               </a:ext>
             </a:extLst>
           </p:cNvPr>
@@ -4655,7 +4655,7 @@
           <p:cNvPr id="24" name="Рисунок 23">
             <a:extLst>
               <a:ext uri="{FF2B5EF4-FFF2-40B4-BE49-F238E27FC236}">
-                <a16:creationId xmlns:a16="http://schemas.microsoft.com/office/drawing/2014/main" xmlns="" id="{61115A7A-23E5-E442-9551-F72F1CDA57B9}"/>
+                <a16:creationId xmlns="" xmlns:a16="http://schemas.microsoft.com/office/drawing/2014/main" id="{61115A7A-23E5-E442-9551-F72F1CDA57B9}"/>
               </a:ext>
             </a:extLst>
           </p:cNvPr>
@@ -4745,7 +4745,7 @@
           <p:cNvPr id="32" name="Заголовок 31">
             <a:extLst>
               <a:ext uri="{FF2B5EF4-FFF2-40B4-BE49-F238E27FC236}">
-                <a16:creationId xmlns:a16="http://schemas.microsoft.com/office/drawing/2014/main" xmlns="" id="{9ED7AA97-D972-DF4F-B662-A65F2A544CC5}"/>
+                <a16:creationId xmlns="" xmlns:a16="http://schemas.microsoft.com/office/drawing/2014/main" id="{9ED7AA97-D972-DF4F-B662-A65F2A544CC5}"/>
               </a:ext>
             </a:extLst>
           </p:cNvPr>
@@ -4844,7 +4844,7 @@
           <p:cNvPr id="36" name="Текст 35">
             <a:extLst>
               <a:ext uri="{FF2B5EF4-FFF2-40B4-BE49-F238E27FC236}">
-                <a16:creationId xmlns:a16="http://schemas.microsoft.com/office/drawing/2014/main" xmlns="" id="{69E35E54-2B19-7441-876F-1C6A84F4F156}"/>
+                <a16:creationId xmlns="" xmlns:a16="http://schemas.microsoft.com/office/drawing/2014/main" id="{69E35E54-2B19-7441-876F-1C6A84F4F156}"/>
               </a:ext>
             </a:extLst>
           </p:cNvPr>
@@ -4979,7 +4979,7 @@
           <p:cNvPr id="38" name="Текст 37">
             <a:extLst>
               <a:ext uri="{FF2B5EF4-FFF2-40B4-BE49-F238E27FC236}">
-                <a16:creationId xmlns:a16="http://schemas.microsoft.com/office/drawing/2014/main" xmlns="" id="{7FB4A275-856E-364D-8AA4-2071AADC6AAA}"/>
+                <a16:creationId xmlns="" xmlns:a16="http://schemas.microsoft.com/office/drawing/2014/main" id="{7FB4A275-856E-364D-8AA4-2071AADC6AAA}"/>
               </a:ext>
             </a:extLst>
           </p:cNvPr>
@@ -5109,7 +5109,7 @@
           <p:cNvPr id="40" name="Текст 39">
             <a:extLst>
               <a:ext uri="{FF2B5EF4-FFF2-40B4-BE49-F238E27FC236}">
-                <a16:creationId xmlns:a16="http://schemas.microsoft.com/office/drawing/2014/main" xmlns="" id="{58FBA0EA-8BE0-A643-B258-4E5C34467172}"/>
+                <a16:creationId xmlns="" xmlns:a16="http://schemas.microsoft.com/office/drawing/2014/main" id="{58FBA0EA-8BE0-A643-B258-4E5C34467172}"/>
               </a:ext>
             </a:extLst>
           </p:cNvPr>
@@ -5207,7 +5207,7 @@
           <p:cNvPr id="41" name="Текст 39">
             <a:extLst>
               <a:ext uri="{FF2B5EF4-FFF2-40B4-BE49-F238E27FC236}">
-                <a16:creationId xmlns:a16="http://schemas.microsoft.com/office/drawing/2014/main" xmlns="" id="{0BEC062F-1BEB-DE4C-B7EE-C552C9D45F13}"/>
+                <a16:creationId xmlns="" xmlns:a16="http://schemas.microsoft.com/office/drawing/2014/main" id="{0BEC062F-1BEB-DE4C-B7EE-C552C9D45F13}"/>
               </a:ext>
             </a:extLst>
           </p:cNvPr>
@@ -5349,7 +5349,7 @@
           <p:cNvPr id="7" name="Picture 4" descr="Icon&#10;&#10;Description automatically generated">
             <a:extLst>
               <a:ext uri="{FF2B5EF4-FFF2-40B4-BE49-F238E27FC236}">
-                <a16:creationId xmlns:a16="http://schemas.microsoft.com/office/drawing/2014/main" xmlns="" id="{FDC66DB8-29BC-5940-A721-40F10021456A}"/>
+                <a16:creationId xmlns="" xmlns:a16="http://schemas.microsoft.com/office/drawing/2014/main" id="{FDC66DB8-29BC-5940-A721-40F10021456A}"/>
               </a:ext>
             </a:extLst>
           </p:cNvPr>
@@ -5379,7 +5379,7 @@
           <p:cNvPr id="8" name="Straight Connector 19">
             <a:extLst>
               <a:ext uri="{FF2B5EF4-FFF2-40B4-BE49-F238E27FC236}">
-                <a16:creationId xmlns:a16="http://schemas.microsoft.com/office/drawing/2014/main" xmlns="" id="{DE27C859-478F-3648-8A9D-2C85DBDCAC09}"/>
+                <a16:creationId xmlns="" xmlns:a16="http://schemas.microsoft.com/office/drawing/2014/main" id="{DE27C859-478F-3648-8A9D-2C85DBDCAC09}"/>
               </a:ext>
             </a:extLst>
           </p:cNvPr>
@@ -5422,7 +5422,7 @@
           <p:cNvPr id="9" name="Straight Connector 21">
             <a:extLst>
               <a:ext uri="{FF2B5EF4-FFF2-40B4-BE49-F238E27FC236}">
-                <a16:creationId xmlns:a16="http://schemas.microsoft.com/office/drawing/2014/main" xmlns="" id="{58EA1144-CFD8-1D47-B430-7014F576043B}"/>
+                <a16:creationId xmlns="" xmlns:a16="http://schemas.microsoft.com/office/drawing/2014/main" id="{58EA1144-CFD8-1D47-B430-7014F576043B}"/>
               </a:ext>
             </a:extLst>
           </p:cNvPr>
@@ -5465,7 +5465,7 @@
           <p:cNvPr id="10" name="Straight Connector 25">
             <a:extLst>
               <a:ext uri="{FF2B5EF4-FFF2-40B4-BE49-F238E27FC236}">
-                <a16:creationId xmlns:a16="http://schemas.microsoft.com/office/drawing/2014/main" xmlns="" id="{96EDC73C-5A3C-014E-8E52-04CAFCA9B20B}"/>
+                <a16:creationId xmlns="" xmlns:a16="http://schemas.microsoft.com/office/drawing/2014/main" id="{96EDC73C-5A3C-014E-8E52-04CAFCA9B20B}"/>
               </a:ext>
             </a:extLst>
           </p:cNvPr>
@@ -5508,7 +5508,7 @@
           <p:cNvPr id="11" name="TextBox 10">
             <a:extLst>
               <a:ext uri="{FF2B5EF4-FFF2-40B4-BE49-F238E27FC236}">
-                <a16:creationId xmlns:a16="http://schemas.microsoft.com/office/drawing/2014/main" xmlns="" id="{55E88681-53A8-3B45-B80A-372EDFB53883}"/>
+                <a16:creationId xmlns="" xmlns:a16="http://schemas.microsoft.com/office/drawing/2014/main" id="{55E88681-53A8-3B45-B80A-372EDFB53883}"/>
               </a:ext>
             </a:extLst>
           </p:cNvPr>
@@ -5554,7 +5554,7 @@
           <p:cNvPr id="12" name="Straight Connector 59">
             <a:extLst>
               <a:ext uri="{FF2B5EF4-FFF2-40B4-BE49-F238E27FC236}">
-                <a16:creationId xmlns:a16="http://schemas.microsoft.com/office/drawing/2014/main" xmlns="" id="{EDA7D8BF-DF37-704F-B77F-7E40752ACE25}"/>
+                <a16:creationId xmlns="" xmlns:a16="http://schemas.microsoft.com/office/drawing/2014/main" id="{EDA7D8BF-DF37-704F-B77F-7E40752ACE25}"/>
               </a:ext>
             </a:extLst>
           </p:cNvPr>
@@ -5597,7 +5597,7 @@
           <p:cNvPr id="13" name="Текст 37">
             <a:extLst>
               <a:ext uri="{FF2B5EF4-FFF2-40B4-BE49-F238E27FC236}">
-                <a16:creationId xmlns:a16="http://schemas.microsoft.com/office/drawing/2014/main" xmlns="" id="{5026DBD8-54A3-1446-9D3B-BA2B38460F1E}"/>
+                <a16:creationId xmlns="" xmlns:a16="http://schemas.microsoft.com/office/drawing/2014/main" id="{5026DBD8-54A3-1446-9D3B-BA2B38460F1E}"/>
               </a:ext>
             </a:extLst>
           </p:cNvPr>
@@ -5727,7 +5727,7 @@
           <p:cNvPr id="14" name="Текст 39">
             <a:extLst>
               <a:ext uri="{FF2B5EF4-FFF2-40B4-BE49-F238E27FC236}">
-                <a16:creationId xmlns:a16="http://schemas.microsoft.com/office/drawing/2014/main" xmlns="" id="{E8AA3569-5054-7D47-AB14-BCFB0440D0A6}"/>
+                <a16:creationId xmlns="" xmlns:a16="http://schemas.microsoft.com/office/drawing/2014/main" id="{E8AA3569-5054-7D47-AB14-BCFB0440D0A6}"/>
               </a:ext>
             </a:extLst>
           </p:cNvPr>
@@ -5825,7 +5825,7 @@
           <p:cNvPr id="16" name="Заголовок 31">
             <a:extLst>
               <a:ext uri="{FF2B5EF4-FFF2-40B4-BE49-F238E27FC236}">
-                <a16:creationId xmlns:a16="http://schemas.microsoft.com/office/drawing/2014/main" xmlns="" id="{76942483-EB13-0A4B-8060-DB65024C294E}"/>
+                <a16:creationId xmlns="" xmlns:a16="http://schemas.microsoft.com/office/drawing/2014/main" id="{76942483-EB13-0A4B-8060-DB65024C294E}"/>
               </a:ext>
             </a:extLst>
           </p:cNvPr>
@@ -5907,7 +5907,7 @@
           <p:cNvPr id="17" name="Текст 35">
             <a:extLst>
               <a:ext uri="{FF2B5EF4-FFF2-40B4-BE49-F238E27FC236}">
-                <a16:creationId xmlns:a16="http://schemas.microsoft.com/office/drawing/2014/main" xmlns="" id="{66FAD63B-F743-0F47-BBE3-D7731766705A}"/>
+                <a16:creationId xmlns="" xmlns:a16="http://schemas.microsoft.com/office/drawing/2014/main" id="{66FAD63B-F743-0F47-BBE3-D7731766705A}"/>
               </a:ext>
             </a:extLst>
           </p:cNvPr>
@@ -6048,7 +6048,7 @@
           <p:cNvPr id="18" name="Текст 39">
             <a:extLst>
               <a:ext uri="{FF2B5EF4-FFF2-40B4-BE49-F238E27FC236}">
-                <a16:creationId xmlns:a16="http://schemas.microsoft.com/office/drawing/2014/main" xmlns="" id="{8A048480-30C9-044E-8C2E-0F67398FEE12}"/>
+                <a16:creationId xmlns="" xmlns:a16="http://schemas.microsoft.com/office/drawing/2014/main" id="{8A048480-30C9-044E-8C2E-0F67398FEE12}"/>
               </a:ext>
             </a:extLst>
           </p:cNvPr>
@@ -6190,7 +6190,7 @@
           <p:cNvPr id="7" name="Picture 4" descr="Icon&#10;&#10;Description automatically generated">
             <a:extLst>
               <a:ext uri="{FF2B5EF4-FFF2-40B4-BE49-F238E27FC236}">
-                <a16:creationId xmlns:a16="http://schemas.microsoft.com/office/drawing/2014/main" xmlns="" id="{0E78CA68-7A0C-CF41-9AC6-A547FB9EC3B0}"/>
+                <a16:creationId xmlns="" xmlns:a16="http://schemas.microsoft.com/office/drawing/2014/main" id="{0E78CA68-7A0C-CF41-9AC6-A547FB9EC3B0}"/>
               </a:ext>
             </a:extLst>
           </p:cNvPr>
@@ -6220,7 +6220,7 @@
           <p:cNvPr id="8" name="Straight Connector 19">
             <a:extLst>
               <a:ext uri="{FF2B5EF4-FFF2-40B4-BE49-F238E27FC236}">
-                <a16:creationId xmlns:a16="http://schemas.microsoft.com/office/drawing/2014/main" xmlns="" id="{45DC512A-A23B-B24D-A1F6-6793976867CF}"/>
+                <a16:creationId xmlns="" xmlns:a16="http://schemas.microsoft.com/office/drawing/2014/main" id="{45DC512A-A23B-B24D-A1F6-6793976867CF}"/>
               </a:ext>
             </a:extLst>
           </p:cNvPr>
@@ -6263,7 +6263,7 @@
           <p:cNvPr id="9" name="Straight Connector 21">
             <a:extLst>
               <a:ext uri="{FF2B5EF4-FFF2-40B4-BE49-F238E27FC236}">
-                <a16:creationId xmlns:a16="http://schemas.microsoft.com/office/drawing/2014/main" xmlns="" id="{21F91649-DF0F-5F45-A43B-2CED9ACDD049}"/>
+                <a16:creationId xmlns="" xmlns:a16="http://schemas.microsoft.com/office/drawing/2014/main" id="{21F91649-DF0F-5F45-A43B-2CED9ACDD049}"/>
               </a:ext>
             </a:extLst>
           </p:cNvPr>
@@ -6306,7 +6306,7 @@
           <p:cNvPr id="10" name="Straight Connector 25">
             <a:extLst>
               <a:ext uri="{FF2B5EF4-FFF2-40B4-BE49-F238E27FC236}">
-                <a16:creationId xmlns:a16="http://schemas.microsoft.com/office/drawing/2014/main" xmlns="" id="{3137B760-1A50-1845-B7F2-1EF31C71C72B}"/>
+                <a16:creationId xmlns="" xmlns:a16="http://schemas.microsoft.com/office/drawing/2014/main" id="{3137B760-1A50-1845-B7F2-1EF31C71C72B}"/>
               </a:ext>
             </a:extLst>
           </p:cNvPr>
@@ -6349,7 +6349,7 @@
           <p:cNvPr id="11" name="TextBox 10">
             <a:extLst>
               <a:ext uri="{FF2B5EF4-FFF2-40B4-BE49-F238E27FC236}">
-                <a16:creationId xmlns:a16="http://schemas.microsoft.com/office/drawing/2014/main" xmlns="" id="{05ECCF8F-5855-7943-B503-5573887A534D}"/>
+                <a16:creationId xmlns="" xmlns:a16="http://schemas.microsoft.com/office/drawing/2014/main" id="{05ECCF8F-5855-7943-B503-5573887A534D}"/>
               </a:ext>
             </a:extLst>
           </p:cNvPr>
@@ -6395,7 +6395,7 @@
           <p:cNvPr id="12" name="Straight Connector 59">
             <a:extLst>
               <a:ext uri="{FF2B5EF4-FFF2-40B4-BE49-F238E27FC236}">
-                <a16:creationId xmlns:a16="http://schemas.microsoft.com/office/drawing/2014/main" xmlns="" id="{FB81B23D-CDD8-E64C-9887-3540F7EE1C4B}"/>
+                <a16:creationId xmlns="" xmlns:a16="http://schemas.microsoft.com/office/drawing/2014/main" id="{FB81B23D-CDD8-E64C-9887-3540F7EE1C4B}"/>
               </a:ext>
             </a:extLst>
           </p:cNvPr>
@@ -6438,7 +6438,7 @@
           <p:cNvPr id="13" name="Текст 37">
             <a:extLst>
               <a:ext uri="{FF2B5EF4-FFF2-40B4-BE49-F238E27FC236}">
-                <a16:creationId xmlns:a16="http://schemas.microsoft.com/office/drawing/2014/main" xmlns="" id="{C2D710AE-3CBE-5940-A7EB-F96132E6592D}"/>
+                <a16:creationId xmlns="" xmlns:a16="http://schemas.microsoft.com/office/drawing/2014/main" id="{C2D710AE-3CBE-5940-A7EB-F96132E6592D}"/>
               </a:ext>
             </a:extLst>
           </p:cNvPr>
@@ -6568,7 +6568,7 @@
           <p:cNvPr id="14" name="Текст 39">
             <a:extLst>
               <a:ext uri="{FF2B5EF4-FFF2-40B4-BE49-F238E27FC236}">
-                <a16:creationId xmlns:a16="http://schemas.microsoft.com/office/drawing/2014/main" xmlns="" id="{FCC5A33D-0A3C-F140-B745-367744A5F308}"/>
+                <a16:creationId xmlns="" xmlns:a16="http://schemas.microsoft.com/office/drawing/2014/main" id="{FCC5A33D-0A3C-F140-B745-367744A5F308}"/>
               </a:ext>
             </a:extLst>
           </p:cNvPr>
@@ -6666,7 +6666,7 @@
           <p:cNvPr id="17" name="Текст 35">
             <a:extLst>
               <a:ext uri="{FF2B5EF4-FFF2-40B4-BE49-F238E27FC236}">
-                <a16:creationId xmlns:a16="http://schemas.microsoft.com/office/drawing/2014/main" xmlns="" id="{5163BE0A-A745-414A-AF21-D968BD69D2DA}"/>
+                <a16:creationId xmlns="" xmlns:a16="http://schemas.microsoft.com/office/drawing/2014/main" id="{5163BE0A-A745-414A-AF21-D968BD69D2DA}"/>
               </a:ext>
             </a:extLst>
           </p:cNvPr>
@@ -6801,7 +6801,7 @@
           <p:cNvPr id="20" name="Текст 35">
             <a:extLst>
               <a:ext uri="{FF2B5EF4-FFF2-40B4-BE49-F238E27FC236}">
-                <a16:creationId xmlns:a16="http://schemas.microsoft.com/office/drawing/2014/main" xmlns="" id="{B3D47CF6-5FC1-2346-8894-A7CC39063DE3}"/>
+                <a16:creationId xmlns="" xmlns:a16="http://schemas.microsoft.com/office/drawing/2014/main" id="{B3D47CF6-5FC1-2346-8894-A7CC39063DE3}"/>
               </a:ext>
             </a:extLst>
           </p:cNvPr>
@@ -6934,7 +6934,7 @@
           <p:cNvPr id="23" name="Текст 22">
             <a:extLst>
               <a:ext uri="{FF2B5EF4-FFF2-40B4-BE49-F238E27FC236}">
-                <a16:creationId xmlns:a16="http://schemas.microsoft.com/office/drawing/2014/main" xmlns="" id="{CD14B8F3-89C2-9F45-809E-D1EAF85AC566}"/>
+                <a16:creationId xmlns="" xmlns:a16="http://schemas.microsoft.com/office/drawing/2014/main" id="{CD14B8F3-89C2-9F45-809E-D1EAF85AC566}"/>
               </a:ext>
             </a:extLst>
           </p:cNvPr>
@@ -7018,7 +7018,7 @@
           <p:cNvPr id="24" name="Текст 39">
             <a:extLst>
               <a:ext uri="{FF2B5EF4-FFF2-40B4-BE49-F238E27FC236}">
-                <a16:creationId xmlns:a16="http://schemas.microsoft.com/office/drawing/2014/main" xmlns="" id="{3BE4279A-8109-B244-B721-18F10C696B17}"/>
+                <a16:creationId xmlns="" xmlns:a16="http://schemas.microsoft.com/office/drawing/2014/main" id="{3BE4279A-8109-B244-B721-18F10C696B17}"/>
               </a:ext>
             </a:extLst>
           </p:cNvPr>
@@ -7116,7 +7116,7 @@
           <p:cNvPr id="25" name="Заголовок 31">
             <a:extLst>
               <a:ext uri="{FF2B5EF4-FFF2-40B4-BE49-F238E27FC236}">
-                <a16:creationId xmlns:a16="http://schemas.microsoft.com/office/drawing/2014/main" xmlns="" id="{B32DC3D4-97A5-3E4F-A29B-422D5E3129B7}"/>
+                <a16:creationId xmlns="" xmlns:a16="http://schemas.microsoft.com/office/drawing/2014/main" id="{B32DC3D4-97A5-3E4F-A29B-422D5E3129B7}"/>
               </a:ext>
             </a:extLst>
           </p:cNvPr>
@@ -7242,7 +7242,7 @@
           <p:cNvPr id="7" name="Picture 4" descr="Icon&#10;&#10;Description automatically generated">
             <a:extLst>
               <a:ext uri="{FF2B5EF4-FFF2-40B4-BE49-F238E27FC236}">
-                <a16:creationId xmlns:a16="http://schemas.microsoft.com/office/drawing/2014/main" xmlns="" id="{9E89D752-CAC6-0943-9A3D-4C52DBF50CE2}"/>
+                <a16:creationId xmlns="" xmlns:a16="http://schemas.microsoft.com/office/drawing/2014/main" id="{9E89D752-CAC6-0943-9A3D-4C52DBF50CE2}"/>
               </a:ext>
             </a:extLst>
           </p:cNvPr>
@@ -7272,7 +7272,7 @@
           <p:cNvPr id="8" name="Straight Connector 19">
             <a:extLst>
               <a:ext uri="{FF2B5EF4-FFF2-40B4-BE49-F238E27FC236}">
-                <a16:creationId xmlns:a16="http://schemas.microsoft.com/office/drawing/2014/main" xmlns="" id="{64D89E64-93BB-044D-B3D4-8F2679C5CA4C}"/>
+                <a16:creationId xmlns="" xmlns:a16="http://schemas.microsoft.com/office/drawing/2014/main" id="{64D89E64-93BB-044D-B3D4-8F2679C5CA4C}"/>
               </a:ext>
             </a:extLst>
           </p:cNvPr>
@@ -7315,7 +7315,7 @@
           <p:cNvPr id="9" name="Straight Connector 21">
             <a:extLst>
               <a:ext uri="{FF2B5EF4-FFF2-40B4-BE49-F238E27FC236}">
-                <a16:creationId xmlns:a16="http://schemas.microsoft.com/office/drawing/2014/main" xmlns="" id="{D0C3B169-866D-C645-AF76-00F8C2A97E9B}"/>
+                <a16:creationId xmlns="" xmlns:a16="http://schemas.microsoft.com/office/drawing/2014/main" id="{D0C3B169-866D-C645-AF76-00F8C2A97E9B}"/>
               </a:ext>
             </a:extLst>
           </p:cNvPr>
@@ -7358,7 +7358,7 @@
           <p:cNvPr id="10" name="Straight Connector 25">
             <a:extLst>
               <a:ext uri="{FF2B5EF4-FFF2-40B4-BE49-F238E27FC236}">
-                <a16:creationId xmlns:a16="http://schemas.microsoft.com/office/drawing/2014/main" xmlns="" id="{FDDF48AB-D8AE-0E42-A544-8EA5B8744778}"/>
+                <a16:creationId xmlns="" xmlns:a16="http://schemas.microsoft.com/office/drawing/2014/main" id="{FDDF48AB-D8AE-0E42-A544-8EA5B8744778}"/>
               </a:ext>
             </a:extLst>
           </p:cNvPr>
@@ -7401,7 +7401,7 @@
           <p:cNvPr id="11" name="TextBox 10">
             <a:extLst>
               <a:ext uri="{FF2B5EF4-FFF2-40B4-BE49-F238E27FC236}">
-                <a16:creationId xmlns:a16="http://schemas.microsoft.com/office/drawing/2014/main" xmlns="" id="{66DF89EC-1E7C-3B40-85F4-6D19A7D29AC7}"/>
+                <a16:creationId xmlns="" xmlns:a16="http://schemas.microsoft.com/office/drawing/2014/main" id="{66DF89EC-1E7C-3B40-85F4-6D19A7D29AC7}"/>
               </a:ext>
             </a:extLst>
           </p:cNvPr>
@@ -7447,7 +7447,7 @@
           <p:cNvPr id="12" name="Straight Connector 59">
             <a:extLst>
               <a:ext uri="{FF2B5EF4-FFF2-40B4-BE49-F238E27FC236}">
-                <a16:creationId xmlns:a16="http://schemas.microsoft.com/office/drawing/2014/main" xmlns="" id="{019D6862-BD52-734D-9E19-38C147CA2D29}"/>
+                <a16:creationId xmlns="" xmlns:a16="http://schemas.microsoft.com/office/drawing/2014/main" id="{019D6862-BD52-734D-9E19-38C147CA2D29}"/>
               </a:ext>
             </a:extLst>
           </p:cNvPr>
@@ -7490,7 +7490,7 @@
           <p:cNvPr id="13" name="Текст 37">
             <a:extLst>
               <a:ext uri="{FF2B5EF4-FFF2-40B4-BE49-F238E27FC236}">
-                <a16:creationId xmlns:a16="http://schemas.microsoft.com/office/drawing/2014/main" xmlns="" id="{A9BD5ADD-B3F2-C342-82F7-83683F040D2F}"/>
+                <a16:creationId xmlns="" xmlns:a16="http://schemas.microsoft.com/office/drawing/2014/main" id="{A9BD5ADD-B3F2-C342-82F7-83683F040D2F}"/>
               </a:ext>
             </a:extLst>
           </p:cNvPr>
@@ -7620,7 +7620,7 @@
           <p:cNvPr id="14" name="Текст 39">
             <a:extLst>
               <a:ext uri="{FF2B5EF4-FFF2-40B4-BE49-F238E27FC236}">
-                <a16:creationId xmlns:a16="http://schemas.microsoft.com/office/drawing/2014/main" xmlns="" id="{4F15CBC0-FC8B-744E-95A7-C9863CDC31BD}"/>
+                <a16:creationId xmlns="" xmlns:a16="http://schemas.microsoft.com/office/drawing/2014/main" id="{4F15CBC0-FC8B-744E-95A7-C9863CDC31BD}"/>
               </a:ext>
             </a:extLst>
           </p:cNvPr>
@@ -7718,7 +7718,7 @@
           <p:cNvPr id="16" name="Текст 39">
             <a:extLst>
               <a:ext uri="{FF2B5EF4-FFF2-40B4-BE49-F238E27FC236}">
-                <a16:creationId xmlns:a16="http://schemas.microsoft.com/office/drawing/2014/main" xmlns="" id="{BC3B54AA-A0BD-E646-B3B7-C0E724D26D23}"/>
+                <a16:creationId xmlns="" xmlns:a16="http://schemas.microsoft.com/office/drawing/2014/main" id="{BC3B54AA-A0BD-E646-B3B7-C0E724D26D23}"/>
               </a:ext>
             </a:extLst>
           </p:cNvPr>
@@ -7816,7 +7816,7 @@
           <p:cNvPr id="17" name="Заголовок 31">
             <a:extLst>
               <a:ext uri="{FF2B5EF4-FFF2-40B4-BE49-F238E27FC236}">
-                <a16:creationId xmlns:a16="http://schemas.microsoft.com/office/drawing/2014/main" xmlns="" id="{B3F16318-C9C3-B948-A508-4BC53D0B7716}"/>
+                <a16:creationId xmlns="" xmlns:a16="http://schemas.microsoft.com/office/drawing/2014/main" id="{B3F16318-C9C3-B948-A508-4BC53D0B7716}"/>
               </a:ext>
             </a:extLst>
           </p:cNvPr>
@@ -7915,7 +7915,7 @@
           <p:cNvPr id="18" name="Текст 35">
             <a:extLst>
               <a:ext uri="{FF2B5EF4-FFF2-40B4-BE49-F238E27FC236}">
-                <a16:creationId xmlns:a16="http://schemas.microsoft.com/office/drawing/2014/main" xmlns="" id="{23B3E5FB-BBCE-4149-AD9A-8CAB06CC9FCF}"/>
+                <a16:creationId xmlns="" xmlns:a16="http://schemas.microsoft.com/office/drawing/2014/main" id="{23B3E5FB-BBCE-4149-AD9A-8CAB06CC9FCF}"/>
               </a:ext>
             </a:extLst>
           </p:cNvPr>
@@ -8594,7 +8594,7 @@
           <p:cNvPr id="19" name="Текст 35">
             <a:extLst>
               <a:ext uri="{FF2B5EF4-FFF2-40B4-BE49-F238E27FC236}">
-                <a16:creationId xmlns:a16="http://schemas.microsoft.com/office/drawing/2014/main" xmlns="" id="{658542D3-7E45-6E46-8039-27C4C43DD617}"/>
+                <a16:creationId xmlns="" xmlns:a16="http://schemas.microsoft.com/office/drawing/2014/main" id="{658542D3-7E45-6E46-8039-27C4C43DD617}"/>
               </a:ext>
             </a:extLst>
           </p:cNvPr>
@@ -8727,7 +8727,7 @@
           <p:cNvPr id="21" name="Диаграмма 7">
             <a:extLst>
               <a:ext uri="{FF2B5EF4-FFF2-40B4-BE49-F238E27FC236}">
-                <a16:creationId xmlns:a16="http://schemas.microsoft.com/office/drawing/2014/main" xmlns="" id="{57965DCA-4776-7546-97FD-A69317A34CF2}"/>
+                <a16:creationId xmlns="" xmlns:a16="http://schemas.microsoft.com/office/drawing/2014/main" id="{57965DCA-4776-7546-97FD-A69317A34CF2}"/>
               </a:ext>
             </a:extLst>
           </p:cNvPr>
@@ -8801,7 +8801,7 @@
           <p:cNvPr id="8" name="Picture 4" descr="Icon&#10;&#10;Description automatically generated">
             <a:extLst>
               <a:ext uri="{FF2B5EF4-FFF2-40B4-BE49-F238E27FC236}">
-                <a16:creationId xmlns:a16="http://schemas.microsoft.com/office/drawing/2014/main" xmlns="" id="{11D7C3EB-CCEB-E142-9753-8B2D75A0A80D}"/>
+                <a16:creationId xmlns="" xmlns:a16="http://schemas.microsoft.com/office/drawing/2014/main" id="{11D7C3EB-CCEB-E142-9753-8B2D75A0A80D}"/>
               </a:ext>
             </a:extLst>
           </p:cNvPr>
@@ -8831,7 +8831,7 @@
           <p:cNvPr id="9" name="Straight Connector 19">
             <a:extLst>
               <a:ext uri="{FF2B5EF4-FFF2-40B4-BE49-F238E27FC236}">
-                <a16:creationId xmlns:a16="http://schemas.microsoft.com/office/drawing/2014/main" xmlns="" id="{527C9F89-51CC-D243-9351-73AB081DB944}"/>
+                <a16:creationId xmlns="" xmlns:a16="http://schemas.microsoft.com/office/drawing/2014/main" id="{527C9F89-51CC-D243-9351-73AB081DB944}"/>
               </a:ext>
             </a:extLst>
           </p:cNvPr>
@@ -8874,7 +8874,7 @@
           <p:cNvPr id="10" name="Straight Connector 21">
             <a:extLst>
               <a:ext uri="{FF2B5EF4-FFF2-40B4-BE49-F238E27FC236}">
-                <a16:creationId xmlns:a16="http://schemas.microsoft.com/office/drawing/2014/main" xmlns="" id="{F09EE119-6C80-E846-95F9-BB3907664128}"/>
+                <a16:creationId xmlns="" xmlns:a16="http://schemas.microsoft.com/office/drawing/2014/main" id="{F09EE119-6C80-E846-95F9-BB3907664128}"/>
               </a:ext>
             </a:extLst>
           </p:cNvPr>
@@ -8917,7 +8917,7 @@
           <p:cNvPr id="11" name="Straight Connector 25">
             <a:extLst>
               <a:ext uri="{FF2B5EF4-FFF2-40B4-BE49-F238E27FC236}">
-                <a16:creationId xmlns:a16="http://schemas.microsoft.com/office/drawing/2014/main" xmlns="" id="{6C0A681B-44BF-6A46-98D8-483EF13B9114}"/>
+                <a16:creationId xmlns="" xmlns:a16="http://schemas.microsoft.com/office/drawing/2014/main" id="{6C0A681B-44BF-6A46-98D8-483EF13B9114}"/>
               </a:ext>
             </a:extLst>
           </p:cNvPr>
@@ -8960,7 +8960,7 @@
           <p:cNvPr id="12" name="TextBox 11">
             <a:extLst>
               <a:ext uri="{FF2B5EF4-FFF2-40B4-BE49-F238E27FC236}">
-                <a16:creationId xmlns:a16="http://schemas.microsoft.com/office/drawing/2014/main" xmlns="" id="{C65A5D7C-EB12-9D4D-A99A-4B26C81B7387}"/>
+                <a16:creationId xmlns="" xmlns:a16="http://schemas.microsoft.com/office/drawing/2014/main" id="{C65A5D7C-EB12-9D4D-A99A-4B26C81B7387}"/>
               </a:ext>
             </a:extLst>
           </p:cNvPr>
@@ -9006,7 +9006,7 @@
           <p:cNvPr id="13" name="Straight Connector 59">
             <a:extLst>
               <a:ext uri="{FF2B5EF4-FFF2-40B4-BE49-F238E27FC236}">
-                <a16:creationId xmlns:a16="http://schemas.microsoft.com/office/drawing/2014/main" xmlns="" id="{D4C3D74D-BE91-9547-ADCA-ACCE93C18789}"/>
+                <a16:creationId xmlns="" xmlns:a16="http://schemas.microsoft.com/office/drawing/2014/main" id="{D4C3D74D-BE91-9547-ADCA-ACCE93C18789}"/>
               </a:ext>
             </a:extLst>
           </p:cNvPr>
@@ -9049,7 +9049,7 @@
           <p:cNvPr id="14" name="Текст 37">
             <a:extLst>
               <a:ext uri="{FF2B5EF4-FFF2-40B4-BE49-F238E27FC236}">
-                <a16:creationId xmlns:a16="http://schemas.microsoft.com/office/drawing/2014/main" xmlns="" id="{3E0AB43B-5E98-6042-A282-C61E0C5A37B9}"/>
+                <a16:creationId xmlns="" xmlns:a16="http://schemas.microsoft.com/office/drawing/2014/main" id="{3E0AB43B-5E98-6042-A282-C61E0C5A37B9}"/>
               </a:ext>
             </a:extLst>
           </p:cNvPr>
@@ -9179,7 +9179,7 @@
           <p:cNvPr id="15" name="Текст 39">
             <a:extLst>
               <a:ext uri="{FF2B5EF4-FFF2-40B4-BE49-F238E27FC236}">
-                <a16:creationId xmlns:a16="http://schemas.microsoft.com/office/drawing/2014/main" xmlns="" id="{7388A8DF-D130-5445-A3F8-F96E1202BA19}"/>
+                <a16:creationId xmlns="" xmlns:a16="http://schemas.microsoft.com/office/drawing/2014/main" id="{7388A8DF-D130-5445-A3F8-F96E1202BA19}"/>
               </a:ext>
             </a:extLst>
           </p:cNvPr>
@@ -9277,7 +9277,7 @@
           <p:cNvPr id="17" name="Текст 39">
             <a:extLst>
               <a:ext uri="{FF2B5EF4-FFF2-40B4-BE49-F238E27FC236}">
-                <a16:creationId xmlns:a16="http://schemas.microsoft.com/office/drawing/2014/main" xmlns="" id="{02CBC466-1703-7541-94E4-AC76F4E6D938}"/>
+                <a16:creationId xmlns="" xmlns:a16="http://schemas.microsoft.com/office/drawing/2014/main" id="{02CBC466-1703-7541-94E4-AC76F4E6D938}"/>
               </a:ext>
             </a:extLst>
           </p:cNvPr>
@@ -9375,7 +9375,7 @@
           <p:cNvPr id="20" name="Текст 35">
             <a:extLst>
               <a:ext uri="{FF2B5EF4-FFF2-40B4-BE49-F238E27FC236}">
-                <a16:creationId xmlns:a16="http://schemas.microsoft.com/office/drawing/2014/main" xmlns="" id="{5812BF3C-1D24-3640-84D2-BFFCA525AE5F}"/>
+                <a16:creationId xmlns="" xmlns:a16="http://schemas.microsoft.com/office/drawing/2014/main" id="{5812BF3C-1D24-3640-84D2-BFFCA525AE5F}"/>
               </a:ext>
             </a:extLst>
           </p:cNvPr>
@@ -9508,7 +9508,7 @@
           <p:cNvPr id="21" name="Диаграмма 7">
             <a:extLst>
               <a:ext uri="{FF2B5EF4-FFF2-40B4-BE49-F238E27FC236}">
-                <a16:creationId xmlns:a16="http://schemas.microsoft.com/office/drawing/2014/main" xmlns="" id="{BCBBDD44-9DC9-F74E-979F-120A7BBD4EE1}"/>
+                <a16:creationId xmlns="" xmlns:a16="http://schemas.microsoft.com/office/drawing/2014/main" id="{BCBBDD44-9DC9-F74E-979F-120A7BBD4EE1}"/>
               </a:ext>
             </a:extLst>
           </p:cNvPr>
@@ -9538,7 +9538,7 @@
           <p:cNvPr id="23" name="Текст 22">
             <a:extLst>
               <a:ext uri="{FF2B5EF4-FFF2-40B4-BE49-F238E27FC236}">
-                <a16:creationId xmlns:a16="http://schemas.microsoft.com/office/drawing/2014/main" xmlns="" id="{7C68DF7B-E804-E44B-83DF-5DC36AF76F43}"/>
+                <a16:creationId xmlns="" xmlns:a16="http://schemas.microsoft.com/office/drawing/2014/main" id="{7C68DF7B-E804-E44B-83DF-5DC36AF76F43}"/>
               </a:ext>
             </a:extLst>
           </p:cNvPr>
@@ -9635,7 +9635,7 @@
           <p:cNvPr id="28" name="Текст 35">
             <a:extLst>
               <a:ext uri="{FF2B5EF4-FFF2-40B4-BE49-F238E27FC236}">
-                <a16:creationId xmlns:a16="http://schemas.microsoft.com/office/drawing/2014/main" xmlns="" id="{89E931D8-2901-A54D-86EA-096E47B81880}"/>
+                <a16:creationId xmlns="" xmlns:a16="http://schemas.microsoft.com/office/drawing/2014/main" id="{89E931D8-2901-A54D-86EA-096E47B81880}"/>
               </a:ext>
             </a:extLst>
           </p:cNvPr>
@@ -10358,7 +10358,7 @@
           <p:cNvPr id="6" name="Picture 4" descr="Icon&#10;&#10;Description automatically generated">
             <a:extLst>
               <a:ext uri="{FF2B5EF4-FFF2-40B4-BE49-F238E27FC236}">
-                <a16:creationId xmlns:a16="http://schemas.microsoft.com/office/drawing/2014/main" xmlns="" id="{E9A64721-E55E-8749-B29E-51DD8955936F}"/>
+                <a16:creationId xmlns="" xmlns:a16="http://schemas.microsoft.com/office/drawing/2014/main" id="{E9A64721-E55E-8749-B29E-51DD8955936F}"/>
               </a:ext>
             </a:extLst>
           </p:cNvPr>
@@ -10388,7 +10388,7 @@
           <p:cNvPr id="7" name="Straight Connector 19">
             <a:extLst>
               <a:ext uri="{FF2B5EF4-FFF2-40B4-BE49-F238E27FC236}">
-                <a16:creationId xmlns:a16="http://schemas.microsoft.com/office/drawing/2014/main" xmlns="" id="{B0C162B7-B84F-874A-960E-31F512518C6E}"/>
+                <a16:creationId xmlns="" xmlns:a16="http://schemas.microsoft.com/office/drawing/2014/main" id="{B0C162B7-B84F-874A-960E-31F512518C6E}"/>
               </a:ext>
             </a:extLst>
           </p:cNvPr>
@@ -10431,7 +10431,7 @@
           <p:cNvPr id="8" name="Straight Connector 21">
             <a:extLst>
               <a:ext uri="{FF2B5EF4-FFF2-40B4-BE49-F238E27FC236}">
-                <a16:creationId xmlns:a16="http://schemas.microsoft.com/office/drawing/2014/main" xmlns="" id="{1CB321BB-9FE3-294F-85D8-AA7DC75CA4AF}"/>
+                <a16:creationId xmlns="" xmlns:a16="http://schemas.microsoft.com/office/drawing/2014/main" id="{1CB321BB-9FE3-294F-85D8-AA7DC75CA4AF}"/>
               </a:ext>
             </a:extLst>
           </p:cNvPr>
@@ -10474,7 +10474,7 @@
           <p:cNvPr id="9" name="Straight Connector 25">
             <a:extLst>
               <a:ext uri="{FF2B5EF4-FFF2-40B4-BE49-F238E27FC236}">
-                <a16:creationId xmlns:a16="http://schemas.microsoft.com/office/drawing/2014/main" xmlns="" id="{0A610A45-8712-8A45-AFB3-931CF468EC32}"/>
+                <a16:creationId xmlns="" xmlns:a16="http://schemas.microsoft.com/office/drawing/2014/main" id="{0A610A45-8712-8A45-AFB3-931CF468EC32}"/>
               </a:ext>
             </a:extLst>
           </p:cNvPr>
@@ -10517,7 +10517,7 @@
           <p:cNvPr id="10" name="TextBox 9">
             <a:extLst>
               <a:ext uri="{FF2B5EF4-FFF2-40B4-BE49-F238E27FC236}">
-                <a16:creationId xmlns:a16="http://schemas.microsoft.com/office/drawing/2014/main" xmlns="" id="{30460EF6-ECAD-8941-8132-1B3E005D6067}"/>
+                <a16:creationId xmlns="" xmlns:a16="http://schemas.microsoft.com/office/drawing/2014/main" id="{30460EF6-ECAD-8941-8132-1B3E005D6067}"/>
               </a:ext>
             </a:extLst>
           </p:cNvPr>
@@ -10563,7 +10563,7 @@
           <p:cNvPr id="11" name="Straight Connector 59">
             <a:extLst>
               <a:ext uri="{FF2B5EF4-FFF2-40B4-BE49-F238E27FC236}">
-                <a16:creationId xmlns:a16="http://schemas.microsoft.com/office/drawing/2014/main" xmlns="" id="{41AE56A2-5FAA-FD44-AE1A-338E1E304184}"/>
+                <a16:creationId xmlns="" xmlns:a16="http://schemas.microsoft.com/office/drawing/2014/main" id="{41AE56A2-5FAA-FD44-AE1A-338E1E304184}"/>
               </a:ext>
             </a:extLst>
           </p:cNvPr>
@@ -10606,7 +10606,7 @@
           <p:cNvPr id="12" name="Текст 37">
             <a:extLst>
               <a:ext uri="{FF2B5EF4-FFF2-40B4-BE49-F238E27FC236}">
-                <a16:creationId xmlns:a16="http://schemas.microsoft.com/office/drawing/2014/main" xmlns="" id="{D9986185-6D5E-FD48-A5CA-AF2D5B58A3E7}"/>
+                <a16:creationId xmlns="" xmlns:a16="http://schemas.microsoft.com/office/drawing/2014/main" id="{D9986185-6D5E-FD48-A5CA-AF2D5B58A3E7}"/>
               </a:ext>
             </a:extLst>
           </p:cNvPr>
@@ -10736,7 +10736,7 @@
           <p:cNvPr id="13" name="Текст 39">
             <a:extLst>
               <a:ext uri="{FF2B5EF4-FFF2-40B4-BE49-F238E27FC236}">
-                <a16:creationId xmlns:a16="http://schemas.microsoft.com/office/drawing/2014/main" xmlns="" id="{5DBFD327-E3A8-944A-AABF-7D813AD0F13C}"/>
+                <a16:creationId xmlns="" xmlns:a16="http://schemas.microsoft.com/office/drawing/2014/main" id="{5DBFD327-E3A8-944A-AABF-7D813AD0F13C}"/>
               </a:ext>
             </a:extLst>
           </p:cNvPr>
@@ -10834,7 +10834,7 @@
           <p:cNvPr id="15" name="Текст 39">
             <a:extLst>
               <a:ext uri="{FF2B5EF4-FFF2-40B4-BE49-F238E27FC236}">
-                <a16:creationId xmlns:a16="http://schemas.microsoft.com/office/drawing/2014/main" xmlns="" id="{D206FCE0-05C3-2C45-A7D6-1FC287C017BE}"/>
+                <a16:creationId xmlns="" xmlns:a16="http://schemas.microsoft.com/office/drawing/2014/main" id="{D206FCE0-05C3-2C45-A7D6-1FC287C017BE}"/>
               </a:ext>
             </a:extLst>
           </p:cNvPr>
@@ -10932,7 +10932,7 @@
           <p:cNvPr id="17" name="Заголовок 31">
             <a:extLst>
               <a:ext uri="{FF2B5EF4-FFF2-40B4-BE49-F238E27FC236}">
-                <a16:creationId xmlns:a16="http://schemas.microsoft.com/office/drawing/2014/main" xmlns="" id="{3B28B62E-5EE9-834C-9BB6-BD66079B8164}"/>
+                <a16:creationId xmlns="" xmlns:a16="http://schemas.microsoft.com/office/drawing/2014/main" id="{3B28B62E-5EE9-834C-9BB6-BD66079B8164}"/>
               </a:ext>
             </a:extLst>
           </p:cNvPr>
@@ -11014,7 +11014,7 @@
           <p:cNvPr id="24" name="Текст 35">
             <a:extLst>
               <a:ext uri="{FF2B5EF4-FFF2-40B4-BE49-F238E27FC236}">
-                <a16:creationId xmlns:a16="http://schemas.microsoft.com/office/drawing/2014/main" xmlns="" id="{621215DE-C1FD-2B4C-B236-AF679CF906BE}"/>
+                <a16:creationId xmlns="" xmlns:a16="http://schemas.microsoft.com/office/drawing/2014/main" id="{621215DE-C1FD-2B4C-B236-AF679CF906BE}"/>
               </a:ext>
             </a:extLst>
           </p:cNvPr>
@@ -11138,7 +11138,7 @@
           <p:cNvPr id="25" name="Текст 35">
             <a:extLst>
               <a:ext uri="{FF2B5EF4-FFF2-40B4-BE49-F238E27FC236}">
-                <a16:creationId xmlns:a16="http://schemas.microsoft.com/office/drawing/2014/main" xmlns="" id="{8BC2F90D-0CE0-574C-A7C1-EAA3E6F1AB56}"/>
+                <a16:creationId xmlns="" xmlns:a16="http://schemas.microsoft.com/office/drawing/2014/main" id="{8BC2F90D-0CE0-574C-A7C1-EAA3E6F1AB56}"/>
               </a:ext>
             </a:extLst>
           </p:cNvPr>
@@ -11262,7 +11262,7 @@
           <p:cNvPr id="26" name="Текст 35">
             <a:extLst>
               <a:ext uri="{FF2B5EF4-FFF2-40B4-BE49-F238E27FC236}">
-                <a16:creationId xmlns:a16="http://schemas.microsoft.com/office/drawing/2014/main" xmlns="" id="{239E188B-2696-8A48-9F8A-36223EEF61E9}"/>
+                <a16:creationId xmlns="" xmlns:a16="http://schemas.microsoft.com/office/drawing/2014/main" id="{239E188B-2696-8A48-9F8A-36223EEF61E9}"/>
               </a:ext>
             </a:extLst>
           </p:cNvPr>
@@ -11386,7 +11386,7 @@
           <p:cNvPr id="28" name="Текст 27">
             <a:extLst>
               <a:ext uri="{FF2B5EF4-FFF2-40B4-BE49-F238E27FC236}">
-                <a16:creationId xmlns:a16="http://schemas.microsoft.com/office/drawing/2014/main" xmlns="" id="{379BF4C6-F899-294C-B88E-8363AFBEEC2A}"/>
+                <a16:creationId xmlns="" xmlns:a16="http://schemas.microsoft.com/office/drawing/2014/main" id="{379BF4C6-F899-294C-B88E-8363AFBEEC2A}"/>
               </a:ext>
             </a:extLst>
           </p:cNvPr>
@@ -11455,7 +11455,7 @@
           <p:cNvPr id="29" name="Текст 27">
             <a:extLst>
               <a:ext uri="{FF2B5EF4-FFF2-40B4-BE49-F238E27FC236}">
-                <a16:creationId xmlns:a16="http://schemas.microsoft.com/office/drawing/2014/main" xmlns="" id="{DE7F352B-F6D9-B545-A835-443A55956E74}"/>
+                <a16:creationId xmlns="" xmlns:a16="http://schemas.microsoft.com/office/drawing/2014/main" id="{DE7F352B-F6D9-B545-A835-443A55956E74}"/>
               </a:ext>
             </a:extLst>
           </p:cNvPr>
@@ -11524,7 +11524,7 @@
           <p:cNvPr id="30" name="Текст 27">
             <a:extLst>
               <a:ext uri="{FF2B5EF4-FFF2-40B4-BE49-F238E27FC236}">
-                <a16:creationId xmlns:a16="http://schemas.microsoft.com/office/drawing/2014/main" xmlns="" id="{D1D5AF9F-C1B0-7842-8789-1DB8963D981B}"/>
+                <a16:creationId xmlns="" xmlns:a16="http://schemas.microsoft.com/office/drawing/2014/main" id="{D1D5AF9F-C1B0-7842-8789-1DB8963D981B}"/>
               </a:ext>
             </a:extLst>
           </p:cNvPr>
@@ -11637,7 +11637,7 @@
           <p:cNvPr id="5" name="Picture 4" descr="Icon&#10;&#10;Description automatically generated">
             <a:extLst>
               <a:ext uri="{FF2B5EF4-FFF2-40B4-BE49-F238E27FC236}">
-                <a16:creationId xmlns:a16="http://schemas.microsoft.com/office/drawing/2014/main" xmlns="" id="{C5425806-16DD-844E-927C-26E7143A9ED8}"/>
+                <a16:creationId xmlns="" xmlns:a16="http://schemas.microsoft.com/office/drawing/2014/main" id="{C5425806-16DD-844E-927C-26E7143A9ED8}"/>
               </a:ext>
             </a:extLst>
           </p:cNvPr>
@@ -11667,7 +11667,7 @@
           <p:cNvPr id="6" name="Straight Connector 19">
             <a:extLst>
               <a:ext uri="{FF2B5EF4-FFF2-40B4-BE49-F238E27FC236}">
-                <a16:creationId xmlns:a16="http://schemas.microsoft.com/office/drawing/2014/main" xmlns="" id="{479746FF-3282-DF46-9D7C-D80431604A55}"/>
+                <a16:creationId xmlns="" xmlns:a16="http://schemas.microsoft.com/office/drawing/2014/main" id="{479746FF-3282-DF46-9D7C-D80431604A55}"/>
               </a:ext>
             </a:extLst>
           </p:cNvPr>
@@ -11710,7 +11710,7 @@
           <p:cNvPr id="7" name="Straight Connector 21">
             <a:extLst>
               <a:ext uri="{FF2B5EF4-FFF2-40B4-BE49-F238E27FC236}">
-                <a16:creationId xmlns:a16="http://schemas.microsoft.com/office/drawing/2014/main" xmlns="" id="{51B44297-B0E7-D74D-B291-D39A0D468B42}"/>
+                <a16:creationId xmlns="" xmlns:a16="http://schemas.microsoft.com/office/drawing/2014/main" id="{51B44297-B0E7-D74D-B291-D39A0D468B42}"/>
               </a:ext>
             </a:extLst>
           </p:cNvPr>
@@ -11753,7 +11753,7 @@
           <p:cNvPr id="8" name="Straight Connector 25">
             <a:extLst>
               <a:ext uri="{FF2B5EF4-FFF2-40B4-BE49-F238E27FC236}">
-                <a16:creationId xmlns:a16="http://schemas.microsoft.com/office/drawing/2014/main" xmlns="" id="{0EA4A057-F0CB-E04F-B472-4A1ABFB64C66}"/>
+                <a16:creationId xmlns="" xmlns:a16="http://schemas.microsoft.com/office/drawing/2014/main" id="{0EA4A057-F0CB-E04F-B472-4A1ABFB64C66}"/>
               </a:ext>
             </a:extLst>
           </p:cNvPr>
@@ -11796,7 +11796,7 @@
           <p:cNvPr id="9" name="TextBox 8">
             <a:extLst>
               <a:ext uri="{FF2B5EF4-FFF2-40B4-BE49-F238E27FC236}">
-                <a16:creationId xmlns:a16="http://schemas.microsoft.com/office/drawing/2014/main" xmlns="" id="{764502F5-56EE-354B-A3B1-E79F8B005172}"/>
+                <a16:creationId xmlns="" xmlns:a16="http://schemas.microsoft.com/office/drawing/2014/main" id="{764502F5-56EE-354B-A3B1-E79F8B005172}"/>
               </a:ext>
             </a:extLst>
           </p:cNvPr>
@@ -11842,7 +11842,7 @@
           <p:cNvPr id="10" name="Straight Connector 59">
             <a:extLst>
               <a:ext uri="{FF2B5EF4-FFF2-40B4-BE49-F238E27FC236}">
-                <a16:creationId xmlns:a16="http://schemas.microsoft.com/office/drawing/2014/main" xmlns="" id="{A80E0956-5C10-CC40-A426-CBD2E0C4158E}"/>
+                <a16:creationId xmlns="" xmlns:a16="http://schemas.microsoft.com/office/drawing/2014/main" id="{A80E0956-5C10-CC40-A426-CBD2E0C4158E}"/>
               </a:ext>
             </a:extLst>
           </p:cNvPr>
@@ -11885,7 +11885,7 @@
           <p:cNvPr id="11" name="Текст 37">
             <a:extLst>
               <a:ext uri="{FF2B5EF4-FFF2-40B4-BE49-F238E27FC236}">
-                <a16:creationId xmlns:a16="http://schemas.microsoft.com/office/drawing/2014/main" xmlns="" id="{6EC59AAD-5962-8D49-BF4D-7DA5D573073E}"/>
+                <a16:creationId xmlns="" xmlns:a16="http://schemas.microsoft.com/office/drawing/2014/main" id="{6EC59AAD-5962-8D49-BF4D-7DA5D573073E}"/>
               </a:ext>
             </a:extLst>
           </p:cNvPr>
@@ -12015,7 +12015,7 @@
           <p:cNvPr id="12" name="Текст 39">
             <a:extLst>
               <a:ext uri="{FF2B5EF4-FFF2-40B4-BE49-F238E27FC236}">
-                <a16:creationId xmlns:a16="http://schemas.microsoft.com/office/drawing/2014/main" xmlns="" id="{49041ACC-EEF4-D34B-A7DE-87B1AF2ED383}"/>
+                <a16:creationId xmlns="" xmlns:a16="http://schemas.microsoft.com/office/drawing/2014/main" id="{49041ACC-EEF4-D34B-A7DE-87B1AF2ED383}"/>
               </a:ext>
             </a:extLst>
           </p:cNvPr>
@@ -12113,7 +12113,7 @@
           <p:cNvPr id="14" name="Текст 39">
             <a:extLst>
               <a:ext uri="{FF2B5EF4-FFF2-40B4-BE49-F238E27FC236}">
-                <a16:creationId xmlns:a16="http://schemas.microsoft.com/office/drawing/2014/main" xmlns="" id="{BF93B2CC-81A4-0943-AF6C-C86576792995}"/>
+                <a16:creationId xmlns="" xmlns:a16="http://schemas.microsoft.com/office/drawing/2014/main" id="{BF93B2CC-81A4-0943-AF6C-C86576792995}"/>
               </a:ext>
             </a:extLst>
           </p:cNvPr>
@@ -12211,7 +12211,7 @@
           <p:cNvPr id="15" name="Текст 22">
             <a:extLst>
               <a:ext uri="{FF2B5EF4-FFF2-40B4-BE49-F238E27FC236}">
-                <a16:creationId xmlns:a16="http://schemas.microsoft.com/office/drawing/2014/main" xmlns="" id="{51340CB4-0355-3640-A212-F684523CDCCF}"/>
+                <a16:creationId xmlns="" xmlns:a16="http://schemas.microsoft.com/office/drawing/2014/main" id="{51340CB4-0355-3640-A212-F684523CDCCF}"/>
               </a:ext>
             </a:extLst>
           </p:cNvPr>
@@ -12317,7 +12317,7 @@
           <p:cNvPr id="17" name="Текст 16">
             <a:extLst>
               <a:ext uri="{FF2B5EF4-FFF2-40B4-BE49-F238E27FC236}">
-                <a16:creationId xmlns:a16="http://schemas.microsoft.com/office/drawing/2014/main" xmlns="" id="{8C6F2EA4-CEDC-324C-9C06-8713118041EB}"/>
+                <a16:creationId xmlns="" xmlns:a16="http://schemas.microsoft.com/office/drawing/2014/main" id="{8C6F2EA4-CEDC-324C-9C06-8713118041EB}"/>
               </a:ext>
             </a:extLst>
           </p:cNvPr>
@@ -12441,7 +12441,7 @@
           <p:cNvPr id="19" name="Таблица 18">
             <a:extLst>
               <a:ext uri="{FF2B5EF4-FFF2-40B4-BE49-F238E27FC236}">
-                <a16:creationId xmlns:a16="http://schemas.microsoft.com/office/drawing/2014/main" xmlns="" id="{7B291085-A9B9-D842-B1A7-96258FAF012C}"/>
+                <a16:creationId xmlns="" xmlns:a16="http://schemas.microsoft.com/office/drawing/2014/main" id="{7B291085-A9B9-D842-B1A7-96258FAF012C}"/>
               </a:ext>
             </a:extLst>
           </p:cNvPr>
@@ -12515,7 +12515,7 @@
           <p:cNvPr id="8" name="Picture 4" descr="Icon&#10;&#10;Description automatically generated">
             <a:extLst>
               <a:ext uri="{FF2B5EF4-FFF2-40B4-BE49-F238E27FC236}">
-                <a16:creationId xmlns:a16="http://schemas.microsoft.com/office/drawing/2014/main" xmlns="" id="{259ABC72-D738-1143-BF2A-D85AE9A4F73B}"/>
+                <a16:creationId xmlns="" xmlns:a16="http://schemas.microsoft.com/office/drawing/2014/main" id="{259ABC72-D738-1143-BF2A-D85AE9A4F73B}"/>
               </a:ext>
             </a:extLst>
           </p:cNvPr>
@@ -12545,7 +12545,7 @@
           <p:cNvPr id="9" name="Straight Connector 19">
             <a:extLst>
               <a:ext uri="{FF2B5EF4-FFF2-40B4-BE49-F238E27FC236}">
-                <a16:creationId xmlns:a16="http://schemas.microsoft.com/office/drawing/2014/main" xmlns="" id="{237A1E42-2FC3-8841-8C41-992C5BC2368D}"/>
+                <a16:creationId xmlns="" xmlns:a16="http://schemas.microsoft.com/office/drawing/2014/main" id="{237A1E42-2FC3-8841-8C41-992C5BC2368D}"/>
               </a:ext>
             </a:extLst>
           </p:cNvPr>
@@ -12588,7 +12588,7 @@
           <p:cNvPr id="10" name="Straight Connector 21">
             <a:extLst>
               <a:ext uri="{FF2B5EF4-FFF2-40B4-BE49-F238E27FC236}">
-                <a16:creationId xmlns:a16="http://schemas.microsoft.com/office/drawing/2014/main" xmlns="" id="{47503EA0-3883-E24D-9EB8-7B6175182929}"/>
+                <a16:creationId xmlns="" xmlns:a16="http://schemas.microsoft.com/office/drawing/2014/main" id="{47503EA0-3883-E24D-9EB8-7B6175182929}"/>
               </a:ext>
             </a:extLst>
           </p:cNvPr>
@@ -12631,7 +12631,7 @@
           <p:cNvPr id="11" name="Straight Connector 25">
             <a:extLst>
               <a:ext uri="{FF2B5EF4-FFF2-40B4-BE49-F238E27FC236}">
-                <a16:creationId xmlns:a16="http://schemas.microsoft.com/office/drawing/2014/main" xmlns="" id="{E0144DF2-9891-324D-B34E-AFA025FBCBF9}"/>
+                <a16:creationId xmlns="" xmlns:a16="http://schemas.microsoft.com/office/drawing/2014/main" id="{E0144DF2-9891-324D-B34E-AFA025FBCBF9}"/>
               </a:ext>
             </a:extLst>
           </p:cNvPr>
@@ -12674,7 +12674,7 @@
           <p:cNvPr id="12" name="TextBox 11">
             <a:extLst>
               <a:ext uri="{FF2B5EF4-FFF2-40B4-BE49-F238E27FC236}">
-                <a16:creationId xmlns:a16="http://schemas.microsoft.com/office/drawing/2014/main" xmlns="" id="{F33F65D6-1072-F140-B6A5-758D7B595A92}"/>
+                <a16:creationId xmlns="" xmlns:a16="http://schemas.microsoft.com/office/drawing/2014/main" id="{F33F65D6-1072-F140-B6A5-758D7B595A92}"/>
               </a:ext>
             </a:extLst>
           </p:cNvPr>
@@ -12720,7 +12720,7 @@
           <p:cNvPr id="13" name="Straight Connector 59">
             <a:extLst>
               <a:ext uri="{FF2B5EF4-FFF2-40B4-BE49-F238E27FC236}">
-                <a16:creationId xmlns:a16="http://schemas.microsoft.com/office/drawing/2014/main" xmlns="" id="{5F1F09D4-22FA-7B4B-9488-F8FDDCC2D447}"/>
+                <a16:creationId xmlns="" xmlns:a16="http://schemas.microsoft.com/office/drawing/2014/main" id="{5F1F09D4-22FA-7B4B-9488-F8FDDCC2D447}"/>
               </a:ext>
             </a:extLst>
           </p:cNvPr>
@@ -12763,7 +12763,7 @@
           <p:cNvPr id="14" name="Текст 37">
             <a:extLst>
               <a:ext uri="{FF2B5EF4-FFF2-40B4-BE49-F238E27FC236}">
-                <a16:creationId xmlns:a16="http://schemas.microsoft.com/office/drawing/2014/main" xmlns="" id="{44D0326E-FD7A-3541-A998-62A1C30E2738}"/>
+                <a16:creationId xmlns="" xmlns:a16="http://schemas.microsoft.com/office/drawing/2014/main" id="{44D0326E-FD7A-3541-A998-62A1C30E2738}"/>
               </a:ext>
             </a:extLst>
           </p:cNvPr>
@@ -12893,7 +12893,7 @@
           <p:cNvPr id="15" name="Текст 39">
             <a:extLst>
               <a:ext uri="{FF2B5EF4-FFF2-40B4-BE49-F238E27FC236}">
-                <a16:creationId xmlns:a16="http://schemas.microsoft.com/office/drawing/2014/main" xmlns="" id="{279CCCA0-F959-5245-8321-106D3C5E837D}"/>
+                <a16:creationId xmlns="" xmlns:a16="http://schemas.microsoft.com/office/drawing/2014/main" id="{279CCCA0-F959-5245-8321-106D3C5E837D}"/>
               </a:ext>
             </a:extLst>
           </p:cNvPr>
@@ -12991,7 +12991,7 @@
           <p:cNvPr id="17" name="Текст 39">
             <a:extLst>
               <a:ext uri="{FF2B5EF4-FFF2-40B4-BE49-F238E27FC236}">
-                <a16:creationId xmlns:a16="http://schemas.microsoft.com/office/drawing/2014/main" xmlns="" id="{8B839C6B-8494-8841-9714-4C8F710F8400}"/>
+                <a16:creationId xmlns="" xmlns:a16="http://schemas.microsoft.com/office/drawing/2014/main" id="{8B839C6B-8494-8841-9714-4C8F710F8400}"/>
               </a:ext>
             </a:extLst>
           </p:cNvPr>
@@ -13089,7 +13089,7 @@
           <p:cNvPr id="18" name="Текст 22">
             <a:extLst>
               <a:ext uri="{FF2B5EF4-FFF2-40B4-BE49-F238E27FC236}">
-                <a16:creationId xmlns:a16="http://schemas.microsoft.com/office/drawing/2014/main" xmlns="" id="{4D940599-2B77-CE47-91E6-CDB51ADE1840}"/>
+                <a16:creationId xmlns="" xmlns:a16="http://schemas.microsoft.com/office/drawing/2014/main" id="{4D940599-2B77-CE47-91E6-CDB51ADE1840}"/>
               </a:ext>
             </a:extLst>
           </p:cNvPr>
@@ -13195,7 +13195,7 @@
           <p:cNvPr id="19" name="Текст 16">
             <a:extLst>
               <a:ext uri="{FF2B5EF4-FFF2-40B4-BE49-F238E27FC236}">
-                <a16:creationId xmlns:a16="http://schemas.microsoft.com/office/drawing/2014/main" xmlns="" id="{A7333712-9DED-4F4B-B209-2F13075EDB3F}"/>
+                <a16:creationId xmlns="" xmlns:a16="http://schemas.microsoft.com/office/drawing/2014/main" id="{A7333712-9DED-4F4B-B209-2F13075EDB3F}"/>
               </a:ext>
             </a:extLst>
           </p:cNvPr>
@@ -13319,7 +13319,7 @@
           <p:cNvPr id="20" name="Таблица 18">
             <a:extLst>
               <a:ext uri="{FF2B5EF4-FFF2-40B4-BE49-F238E27FC236}">
-                <a16:creationId xmlns:a16="http://schemas.microsoft.com/office/drawing/2014/main" xmlns="" id="{DD467C42-8209-B740-8419-DBB6A6F7D5EE}"/>
+                <a16:creationId xmlns="" xmlns:a16="http://schemas.microsoft.com/office/drawing/2014/main" id="{DD467C42-8209-B740-8419-DBB6A6F7D5EE}"/>
               </a:ext>
             </a:extLst>
           </p:cNvPr>
@@ -13349,7 +13349,7 @@
           <p:cNvPr id="21" name="Текст 35">
             <a:extLst>
               <a:ext uri="{FF2B5EF4-FFF2-40B4-BE49-F238E27FC236}">
-                <a16:creationId xmlns:a16="http://schemas.microsoft.com/office/drawing/2014/main" xmlns="" id="{B4309850-76EA-224C-A9E2-B6BBDBF99DE2}"/>
+                <a16:creationId xmlns="" xmlns:a16="http://schemas.microsoft.com/office/drawing/2014/main" id="{B4309850-76EA-224C-A9E2-B6BBDBF99DE2}"/>
               </a:ext>
             </a:extLst>
           </p:cNvPr>
@@ -14063,7 +14063,7 @@
           <p:cNvPr id="2" name="Title Placeholder 1">
             <a:extLst>
               <a:ext uri="{FF2B5EF4-FFF2-40B4-BE49-F238E27FC236}">
-                <a16:creationId xmlns:a16="http://schemas.microsoft.com/office/drawing/2014/main" xmlns="" id="{D33F8FDE-7383-E947-8568-FF6B7A77655A}"/>
+                <a16:creationId xmlns="" xmlns:a16="http://schemas.microsoft.com/office/drawing/2014/main" id="{D33F8FDE-7383-E947-8568-FF6B7A77655A}"/>
               </a:ext>
             </a:extLst>
           </p:cNvPr>
@@ -14102,7 +14102,7 @@
           <p:cNvPr id="3" name="Text Placeholder 2">
             <a:extLst>
               <a:ext uri="{FF2B5EF4-FFF2-40B4-BE49-F238E27FC236}">
-                <a16:creationId xmlns:a16="http://schemas.microsoft.com/office/drawing/2014/main" xmlns="" id="{6F8E6541-45CA-8B42-98B4-D42737B8509B}"/>
+                <a16:creationId xmlns="" xmlns:a16="http://schemas.microsoft.com/office/drawing/2014/main" id="{6F8E6541-45CA-8B42-98B4-D42737B8509B}"/>
               </a:ext>
             </a:extLst>
           </p:cNvPr>
@@ -14170,7 +14170,7 @@
           <p:cNvPr id="4" name="Date Placeholder 3">
             <a:extLst>
               <a:ext uri="{FF2B5EF4-FFF2-40B4-BE49-F238E27FC236}">
-                <a16:creationId xmlns:a16="http://schemas.microsoft.com/office/drawing/2014/main" xmlns="" id="{0E70645B-C5D9-8544-BBF2-E4A13F8E4054}"/>
+                <a16:creationId xmlns="" xmlns:a16="http://schemas.microsoft.com/office/drawing/2014/main" id="{0E70645B-C5D9-8544-BBF2-E4A13F8E4054}"/>
               </a:ext>
             </a:extLst>
           </p:cNvPr>
@@ -14217,7 +14217,7 @@
           <p:cNvPr id="5" name="Footer Placeholder 4">
             <a:extLst>
               <a:ext uri="{FF2B5EF4-FFF2-40B4-BE49-F238E27FC236}">
-                <a16:creationId xmlns:a16="http://schemas.microsoft.com/office/drawing/2014/main" xmlns="" id="{71F52289-7F57-544F-95EE-F8B2E106276A}"/>
+                <a16:creationId xmlns="" xmlns:a16="http://schemas.microsoft.com/office/drawing/2014/main" id="{71F52289-7F57-544F-95EE-F8B2E106276A}"/>
               </a:ext>
             </a:extLst>
           </p:cNvPr>
@@ -14260,7 +14260,7 @@
           <p:cNvPr id="6" name="Slide Number Placeholder 5">
             <a:extLst>
               <a:ext uri="{FF2B5EF4-FFF2-40B4-BE49-F238E27FC236}">
-                <a16:creationId xmlns:a16="http://schemas.microsoft.com/office/drawing/2014/main" xmlns="" id="{A11C5F56-F795-5643-ABE3-DDED2186989C}"/>
+                <a16:creationId xmlns="" xmlns:a16="http://schemas.microsoft.com/office/drawing/2014/main" id="{A11C5F56-F795-5643-ABE3-DDED2186989C}"/>
               </a:ext>
             </a:extLst>
           </p:cNvPr>
@@ -14629,7 +14629,7 @@
           <p:cNvPr id="2" name="Заголовок 1">
             <a:extLst>
               <a:ext uri="{FF2B5EF4-FFF2-40B4-BE49-F238E27FC236}">
-                <a16:creationId xmlns:a16="http://schemas.microsoft.com/office/drawing/2014/main" xmlns="" id="{8CD95C0D-D7DC-EF40-9E45-F5F0A4817CD2}"/>
+                <a16:creationId xmlns="" xmlns:a16="http://schemas.microsoft.com/office/drawing/2014/main" id="{8CD95C0D-D7DC-EF40-9E45-F5F0A4817CD2}"/>
               </a:ext>
             </a:extLst>
           </p:cNvPr>
@@ -14669,7 +14669,7 @@
           <p:cNvPr id="3" name="Текст 2">
             <a:extLst>
               <a:ext uri="{FF2B5EF4-FFF2-40B4-BE49-F238E27FC236}">
-                <a16:creationId xmlns:a16="http://schemas.microsoft.com/office/drawing/2014/main" xmlns="" id="{2B85EA7E-BEC4-B745-B2A8-D4E4AFC614FC}"/>
+                <a16:creationId xmlns="" xmlns:a16="http://schemas.microsoft.com/office/drawing/2014/main" id="{2B85EA7E-BEC4-B745-B2A8-D4E4AFC614FC}"/>
               </a:ext>
             </a:extLst>
           </p:cNvPr>
@@ -14709,7 +14709,7 @@
           <p:cNvPr id="4" name="Текст 3">
             <a:extLst>
               <a:ext uri="{FF2B5EF4-FFF2-40B4-BE49-F238E27FC236}">
-                <a16:creationId xmlns:a16="http://schemas.microsoft.com/office/drawing/2014/main" xmlns="" id="{DB8D49EC-434A-5443-AC3F-85F01995E632}"/>
+                <a16:creationId xmlns="" xmlns:a16="http://schemas.microsoft.com/office/drawing/2014/main" id="{DB8D49EC-434A-5443-AC3F-85F01995E632}"/>
               </a:ext>
             </a:extLst>
           </p:cNvPr>
@@ -14747,7 +14747,7 @@
           <p:cNvPr id="5" name="Текст 4">
             <a:extLst>
               <a:ext uri="{FF2B5EF4-FFF2-40B4-BE49-F238E27FC236}">
-                <a16:creationId xmlns:a16="http://schemas.microsoft.com/office/drawing/2014/main" xmlns="" id="{C6FAE0FA-3CAF-BA4B-8F9F-5FEF3C2F3CC6}"/>
+                <a16:creationId xmlns="" xmlns:a16="http://schemas.microsoft.com/office/drawing/2014/main" id="{C6FAE0FA-3CAF-BA4B-8F9F-5FEF3C2F3CC6}"/>
               </a:ext>
             </a:extLst>
           </p:cNvPr>
@@ -14782,7 +14782,7 @@
           <p:cNvPr id="6" name="Текст 5">
             <a:extLst>
               <a:ext uri="{FF2B5EF4-FFF2-40B4-BE49-F238E27FC236}">
-                <a16:creationId xmlns:a16="http://schemas.microsoft.com/office/drawing/2014/main" xmlns="" id="{44AFB2BF-A7AB-5648-ADCD-2A7F1BD35815}"/>
+                <a16:creationId xmlns="" xmlns:a16="http://schemas.microsoft.com/office/drawing/2014/main" id="{44AFB2BF-A7AB-5648-ADCD-2A7F1BD35815}"/>
               </a:ext>
             </a:extLst>
           </p:cNvPr>
@@ -14940,7 +14940,7 @@
           <p:cNvPr id="2" name="Текст 1">
             <a:extLst>
               <a:ext uri="{FF2B5EF4-FFF2-40B4-BE49-F238E27FC236}">
-                <a16:creationId xmlns:a16="http://schemas.microsoft.com/office/drawing/2014/main" xmlns="" id="{2FFBD88B-BF2A-8F44-B648-677BB7D9750D}"/>
+                <a16:creationId xmlns="" xmlns:a16="http://schemas.microsoft.com/office/drawing/2014/main" id="{2FFBD88B-BF2A-8F44-B648-677BB7D9750D}"/>
               </a:ext>
             </a:extLst>
           </p:cNvPr>
@@ -14977,7 +14977,7 @@
           <p:cNvPr id="3" name="Текст 2">
             <a:extLst>
               <a:ext uri="{FF2B5EF4-FFF2-40B4-BE49-F238E27FC236}">
-                <a16:creationId xmlns:a16="http://schemas.microsoft.com/office/drawing/2014/main" xmlns="" id="{BD6DFA47-ACB8-5246-AC9C-19D438CF658E}"/>
+                <a16:creationId xmlns="" xmlns:a16="http://schemas.microsoft.com/office/drawing/2014/main" id="{BD6DFA47-ACB8-5246-AC9C-19D438CF658E}"/>
               </a:ext>
             </a:extLst>
           </p:cNvPr>
@@ -15025,7 +15025,7 @@
           <p:cNvPr id="4" name="Текст 3">
             <a:extLst>
               <a:ext uri="{FF2B5EF4-FFF2-40B4-BE49-F238E27FC236}">
-                <a16:creationId xmlns:a16="http://schemas.microsoft.com/office/drawing/2014/main" xmlns="" id="{49A5DD86-C5F3-5843-B60F-AC26E1B16228}"/>
+                <a16:creationId xmlns="" xmlns:a16="http://schemas.microsoft.com/office/drawing/2014/main" id="{49A5DD86-C5F3-5843-B60F-AC26E1B16228}"/>
               </a:ext>
             </a:extLst>
           </p:cNvPr>
@@ -15052,86 +15052,70 @@
           </a:p>
         </p:txBody>
       </p:sp>
-      <p:sp>
-        <p:nvSpPr>
-          <p:cNvPr id="5" name="Заголовок 4">
-            <a:extLst>
-              <a:ext uri="{FF2B5EF4-FFF2-40B4-BE49-F238E27FC236}">
-                <a16:creationId xmlns:a16="http://schemas.microsoft.com/office/drawing/2014/main" xmlns="" id="{D060AA73-8574-054A-B94B-1EAA5FAB0470}"/>
-              </a:ext>
-            </a:extLst>
-          </p:cNvPr>
-          <p:cNvSpPr>
-            <a:spLocks noGrp="1"/>
-          </p:cNvSpPr>
-          <p:nvPr>
-            <p:ph type="title"/>
-          </p:nvPr>
-        </p:nvSpPr>
-        <p:spPr>
+      <p:pic>
+        <p:nvPicPr>
+          <p:cNvPr id="1026" name="Picture 2"/>
+          <p:cNvPicPr>
+            <a:picLocks noChangeAspect="1" noChangeArrowheads="1"/>
+          </p:cNvPicPr>
+          <p:nvPr/>
+        </p:nvPicPr>
+        <p:blipFill>
+          <a:blip r:embed="rId3">
+            <a:extLst>
+              <a:ext uri="{28A0092B-C50C-407E-A947-70E740481C1C}">
+                <a14:useLocalDpi xmlns:a14="http://schemas.microsoft.com/office/drawing/2010/main" val="0"/>
+              </a:ext>
+            </a:extLst>
+          </a:blip>
+          <a:srcRect/>
+          <a:stretch>
+            <a:fillRect/>
+          </a:stretch>
+        </p:blipFill>
+        <p:spPr bwMode="auto">
           <a:xfrm>
-            <a:off x="7004987" y="1319774"/>
-            <a:ext cx="4322530" cy="777025"/>
+            <a:off x="647400" y="1144348"/>
+            <a:ext cx="10761697" cy="5230573"/>
           </a:xfrm>
+          <a:prstGeom prst="rect">
+            <a:avLst/>
+          </a:prstGeom>
+          <a:noFill/>
+          <a:ln>
+            <a:noFill/>
+          </a:ln>
+          <a:effectLst/>
+          <a:extLst>
+            <a:ext uri="{909E8E84-426E-40DD-AFC4-6F175D3DCCD1}">
+              <a14:hiddenFill xmlns:a14="http://schemas.microsoft.com/office/drawing/2010/main">
+                <a:solidFill>
+                  <a:schemeClr val="accent1"/>
+                </a:solidFill>
+              </a14:hiddenFill>
+            </a:ext>
+            <a:ext uri="{91240B29-F687-4F45-9708-019B960494DF}">
+              <a14:hiddenLine xmlns:a14="http://schemas.microsoft.com/office/drawing/2010/main" w="9525">
+                <a:solidFill>
+                  <a:schemeClr val="tx1"/>
+                </a:solidFill>
+                <a:miter lim="800000"/>
+                <a:headEnd/>
+                <a:tailEnd/>
+              </a14:hiddenLine>
+            </a:ext>
+            <a:ext uri="{AF507438-7753-43E0-B8FC-AC1667EBCBE1}">
+              <a14:hiddenEffects xmlns:a14="http://schemas.microsoft.com/office/drawing/2010/main">
+                <a:effectLst>
+                  <a:outerShdw dist="35921" dir="2700000" algn="ctr" rotWithShape="0">
+                    <a:schemeClr val="bg2"/>
+                  </a:outerShdw>
+                </a:effectLst>
+              </a14:hiddenEffects>
+            </a:ext>
+          </a:extLst>
         </p:spPr>
-        <p:txBody>
-          <a:bodyPr>
-            <a:normAutofit fontScale="90000"/>
-          </a:bodyPr>
-          <a:lstStyle/>
-          <a:p>
-            <a:pPr lvl="0"/>
-            <a:r>
-              <a:rPr lang="ru-RU" dirty="0"/>
-              <a:t>Архитектура приложения / программы</a:t>
-            </a:r>
-            <a:br>
-              <a:rPr lang="ru-RU" dirty="0"/>
-            </a:br>
-            <a:r>
-              <a:rPr lang="ru-RU" dirty="0"/>
-              <a:t/>
-            </a:r>
-            <a:br>
-              <a:rPr lang="ru-RU" dirty="0"/>
-            </a:br>
-            <a:endParaRPr lang="ru-RU" dirty="0"/>
-          </a:p>
-        </p:txBody>
-      </p:sp>
-      <p:sp>
-        <p:nvSpPr>
-          <p:cNvPr id="6" name="Текст 5">
-            <a:extLst>
-              <a:ext uri="{FF2B5EF4-FFF2-40B4-BE49-F238E27FC236}">
-                <a16:creationId xmlns:a16="http://schemas.microsoft.com/office/drawing/2014/main" xmlns="" id="{5E7B9744-FF5D-DB4B-8DCD-FF4C0C57287E}"/>
-              </a:ext>
-            </a:extLst>
-          </p:cNvPr>
-          <p:cNvSpPr>
-            <a:spLocks noGrp="1"/>
-          </p:cNvSpPr>
-          <p:nvPr>
-            <p:ph type="body" sz="quarter" idx="12"/>
-          </p:nvPr>
-        </p:nvSpPr>
-        <p:spPr>
-          <a:xfrm>
-            <a:off x="7004986" y="2822677"/>
-            <a:ext cx="4322531" cy="2399371"/>
-          </a:xfrm>
-        </p:spPr>
-        <p:txBody>
-          <a:bodyPr/>
-          <a:lstStyle/>
-          <a:p>
-            <a:r>
-              <a:rPr lang="ru-RU" dirty="0"/>
-              <a:t>Для оформления графиков, таблиц, диаграмм могут потребоваться дополнительные цвета и вы совершенно правы, задавая вопрос, какие цвета использовать и где их взять. Мы предлагаем использовать палитру цветов Вышки для этих целей.</a:t>
-            </a:r>
-          </a:p>
-        </p:txBody>
-      </p:sp>
+      </p:pic>
     </p:spTree>
     <p:extLst>
       <p:ext uri="{BB962C8B-B14F-4D97-AF65-F5344CB8AC3E}">
@@ -15167,7 +15151,7 @@
           <p:cNvPr id="2" name="Текст 1">
             <a:extLst>
               <a:ext uri="{FF2B5EF4-FFF2-40B4-BE49-F238E27FC236}">
-                <a16:creationId xmlns:a16="http://schemas.microsoft.com/office/drawing/2014/main" xmlns="" id="{2FFBD88B-BF2A-8F44-B648-677BB7D9750D}"/>
+                <a16:creationId xmlns="" xmlns:a16="http://schemas.microsoft.com/office/drawing/2014/main" id="{2FFBD88B-BF2A-8F44-B648-677BB7D9750D}"/>
               </a:ext>
             </a:extLst>
           </p:cNvPr>
@@ -15204,7 +15188,7 @@
           <p:cNvPr id="3" name="Текст 2">
             <a:extLst>
               <a:ext uri="{FF2B5EF4-FFF2-40B4-BE49-F238E27FC236}">
-                <a16:creationId xmlns:a16="http://schemas.microsoft.com/office/drawing/2014/main" xmlns="" id="{BD6DFA47-ACB8-5246-AC9C-19D438CF658E}"/>
+                <a16:creationId xmlns="" xmlns:a16="http://schemas.microsoft.com/office/drawing/2014/main" id="{BD6DFA47-ACB8-5246-AC9C-19D438CF658E}"/>
               </a:ext>
             </a:extLst>
           </p:cNvPr>
@@ -15252,7 +15236,7 @@
           <p:cNvPr id="4" name="Текст 3">
             <a:extLst>
               <a:ext uri="{FF2B5EF4-FFF2-40B4-BE49-F238E27FC236}">
-                <a16:creationId xmlns:a16="http://schemas.microsoft.com/office/drawing/2014/main" xmlns="" id="{49A5DD86-C5F3-5843-B60F-AC26E1B16228}"/>
+                <a16:creationId xmlns="" xmlns:a16="http://schemas.microsoft.com/office/drawing/2014/main" id="{49A5DD86-C5F3-5843-B60F-AC26E1B16228}"/>
               </a:ext>
             </a:extLst>
           </p:cNvPr>
@@ -15289,7 +15273,7 @@
           <p:cNvPr id="5" name="Заголовок 4">
             <a:extLst>
               <a:ext uri="{FF2B5EF4-FFF2-40B4-BE49-F238E27FC236}">
-                <a16:creationId xmlns:a16="http://schemas.microsoft.com/office/drawing/2014/main" xmlns="" id="{D060AA73-8574-054A-B94B-1EAA5FAB0470}"/>
+                <a16:creationId xmlns="" xmlns:a16="http://schemas.microsoft.com/office/drawing/2014/main" id="{D060AA73-8574-054A-B94B-1EAA5FAB0470}"/>
               </a:ext>
             </a:extLst>
           </p:cNvPr>
@@ -15332,7 +15316,7 @@
           <p:cNvPr id="6" name="Текст 5">
             <a:extLst>
               <a:ext uri="{FF2B5EF4-FFF2-40B4-BE49-F238E27FC236}">
-                <a16:creationId xmlns:a16="http://schemas.microsoft.com/office/drawing/2014/main" xmlns="" id="{5E7B9744-FF5D-DB4B-8DCD-FF4C0C57287E}"/>
+                <a16:creationId xmlns="" xmlns:a16="http://schemas.microsoft.com/office/drawing/2014/main" id="{5E7B9744-FF5D-DB4B-8DCD-FF4C0C57287E}"/>
               </a:ext>
             </a:extLst>
           </p:cNvPr>
@@ -15438,7 +15422,7 @@
           <p:cNvPr id="7" name="Текст 5">
             <a:extLst>
               <a:ext uri="{FF2B5EF4-FFF2-40B4-BE49-F238E27FC236}">
-                <a16:creationId xmlns:a16="http://schemas.microsoft.com/office/drawing/2014/main" xmlns="" id="{5E7B9744-FF5D-DB4B-8DCD-FF4C0C57287E}"/>
+                <a16:creationId xmlns="" xmlns:a16="http://schemas.microsoft.com/office/drawing/2014/main" id="{5E7B9744-FF5D-DB4B-8DCD-FF4C0C57287E}"/>
               </a:ext>
             </a:extLst>
           </p:cNvPr>
@@ -15824,7 +15808,7 @@
           <p:cNvPr id="2" name="Текст 1">
             <a:extLst>
               <a:ext uri="{FF2B5EF4-FFF2-40B4-BE49-F238E27FC236}">
-                <a16:creationId xmlns:a16="http://schemas.microsoft.com/office/drawing/2014/main" xmlns="" id="{2FFBD88B-BF2A-8F44-B648-677BB7D9750D}"/>
+                <a16:creationId xmlns="" xmlns:a16="http://schemas.microsoft.com/office/drawing/2014/main" id="{2FFBD88B-BF2A-8F44-B648-677BB7D9750D}"/>
               </a:ext>
             </a:extLst>
           </p:cNvPr>
@@ -15861,7 +15845,7 @@
           <p:cNvPr id="3" name="Текст 2">
             <a:extLst>
               <a:ext uri="{FF2B5EF4-FFF2-40B4-BE49-F238E27FC236}">
-                <a16:creationId xmlns:a16="http://schemas.microsoft.com/office/drawing/2014/main" xmlns="" id="{BD6DFA47-ACB8-5246-AC9C-19D438CF658E}"/>
+                <a16:creationId xmlns="" xmlns:a16="http://schemas.microsoft.com/office/drawing/2014/main" id="{BD6DFA47-ACB8-5246-AC9C-19D438CF658E}"/>
               </a:ext>
             </a:extLst>
           </p:cNvPr>
@@ -15909,7 +15893,7 @@
           <p:cNvPr id="4" name="Текст 3">
             <a:extLst>
               <a:ext uri="{FF2B5EF4-FFF2-40B4-BE49-F238E27FC236}">
-                <a16:creationId xmlns:a16="http://schemas.microsoft.com/office/drawing/2014/main" xmlns="" id="{49A5DD86-C5F3-5843-B60F-AC26E1B16228}"/>
+                <a16:creationId xmlns="" xmlns:a16="http://schemas.microsoft.com/office/drawing/2014/main" id="{49A5DD86-C5F3-5843-B60F-AC26E1B16228}"/>
               </a:ext>
             </a:extLst>
           </p:cNvPr>
@@ -16212,7 +16196,7 @@
           <p:cNvPr id="9" name="Текст 5">
             <a:extLst>
               <a:ext uri="{FF2B5EF4-FFF2-40B4-BE49-F238E27FC236}">
-                <a16:creationId xmlns:a16="http://schemas.microsoft.com/office/drawing/2014/main" xmlns="" id="{5E7B9744-FF5D-DB4B-8DCD-FF4C0C57287E}"/>
+                <a16:creationId xmlns="" xmlns:a16="http://schemas.microsoft.com/office/drawing/2014/main" id="{5E7B9744-FF5D-DB4B-8DCD-FF4C0C57287E}"/>
               </a:ext>
             </a:extLst>
           </p:cNvPr>
@@ -16269,7 +16253,6 @@
               <a:rPr lang="ru-RU" dirty="0"/>
               <a:t>://github.com/NikPeg/mnemonic_systems_app </a:t>
             </a:r>
-            <a:endParaRPr lang="ru-RU" dirty="0"/>
           </a:p>
         </p:txBody>
       </p:sp>
@@ -16308,7 +16291,7 @@
           <p:cNvPr id="2" name="Текст 1">
             <a:extLst>
               <a:ext uri="{FF2B5EF4-FFF2-40B4-BE49-F238E27FC236}">
-                <a16:creationId xmlns:a16="http://schemas.microsoft.com/office/drawing/2014/main" xmlns="" id="{2FFBD88B-BF2A-8F44-B648-677BB7D9750D}"/>
+                <a16:creationId xmlns="" xmlns:a16="http://schemas.microsoft.com/office/drawing/2014/main" id="{2FFBD88B-BF2A-8F44-B648-677BB7D9750D}"/>
               </a:ext>
             </a:extLst>
           </p:cNvPr>
@@ -16345,7 +16328,7 @@
           <p:cNvPr id="3" name="Текст 2">
             <a:extLst>
               <a:ext uri="{FF2B5EF4-FFF2-40B4-BE49-F238E27FC236}">
-                <a16:creationId xmlns:a16="http://schemas.microsoft.com/office/drawing/2014/main" xmlns="" id="{BD6DFA47-ACB8-5246-AC9C-19D438CF658E}"/>
+                <a16:creationId xmlns="" xmlns:a16="http://schemas.microsoft.com/office/drawing/2014/main" id="{BD6DFA47-ACB8-5246-AC9C-19D438CF658E}"/>
               </a:ext>
             </a:extLst>
           </p:cNvPr>
@@ -16393,7 +16376,7 @@
           <p:cNvPr id="4" name="Текст 3">
             <a:extLst>
               <a:ext uri="{FF2B5EF4-FFF2-40B4-BE49-F238E27FC236}">
-                <a16:creationId xmlns:a16="http://schemas.microsoft.com/office/drawing/2014/main" xmlns="" id="{49A5DD86-C5F3-5843-B60F-AC26E1B16228}"/>
+                <a16:creationId xmlns="" xmlns:a16="http://schemas.microsoft.com/office/drawing/2014/main" id="{49A5DD86-C5F3-5843-B60F-AC26E1B16228}"/>
               </a:ext>
             </a:extLst>
           </p:cNvPr>
@@ -16436,7 +16419,7 @@
           <p:cNvPr id="5" name="Заголовок 4">
             <a:extLst>
               <a:ext uri="{FF2B5EF4-FFF2-40B4-BE49-F238E27FC236}">
-                <a16:creationId xmlns:a16="http://schemas.microsoft.com/office/drawing/2014/main" xmlns="" id="{D060AA73-8574-054A-B94B-1EAA5FAB0470}"/>
+                <a16:creationId xmlns="" xmlns:a16="http://schemas.microsoft.com/office/drawing/2014/main" id="{D060AA73-8574-054A-B94B-1EAA5FAB0470}"/>
               </a:ext>
             </a:extLst>
           </p:cNvPr>
@@ -16476,7 +16459,7 @@
           <p:cNvPr id="6" name="Текст 5">
             <a:extLst>
               <a:ext uri="{FF2B5EF4-FFF2-40B4-BE49-F238E27FC236}">
-                <a16:creationId xmlns:a16="http://schemas.microsoft.com/office/drawing/2014/main" xmlns="" id="{5E7B9744-FF5D-DB4B-8DCD-FF4C0C57287E}"/>
+                <a16:creationId xmlns="" xmlns:a16="http://schemas.microsoft.com/office/drawing/2014/main" id="{5E7B9744-FF5D-DB4B-8DCD-FF4C0C57287E}"/>
               </a:ext>
             </a:extLst>
           </p:cNvPr>
@@ -16710,7 +16693,7 @@
           <p:cNvPr id="2" name="Текст 1">
             <a:extLst>
               <a:ext uri="{FF2B5EF4-FFF2-40B4-BE49-F238E27FC236}">
-                <a16:creationId xmlns:a16="http://schemas.microsoft.com/office/drawing/2014/main" xmlns="" id="{2FFBD88B-BF2A-8F44-B648-677BB7D9750D}"/>
+                <a16:creationId xmlns="" xmlns:a16="http://schemas.microsoft.com/office/drawing/2014/main" id="{2FFBD88B-BF2A-8F44-B648-677BB7D9750D}"/>
               </a:ext>
             </a:extLst>
           </p:cNvPr>
@@ -16747,7 +16730,7 @@
           <p:cNvPr id="3" name="Текст 2">
             <a:extLst>
               <a:ext uri="{FF2B5EF4-FFF2-40B4-BE49-F238E27FC236}">
-                <a16:creationId xmlns:a16="http://schemas.microsoft.com/office/drawing/2014/main" xmlns="" id="{BD6DFA47-ACB8-5246-AC9C-19D438CF658E}"/>
+                <a16:creationId xmlns="" xmlns:a16="http://schemas.microsoft.com/office/drawing/2014/main" id="{BD6DFA47-ACB8-5246-AC9C-19D438CF658E}"/>
               </a:ext>
             </a:extLst>
           </p:cNvPr>
@@ -16795,7 +16778,7 @@
           <p:cNvPr id="4" name="Текст 3">
             <a:extLst>
               <a:ext uri="{FF2B5EF4-FFF2-40B4-BE49-F238E27FC236}">
-                <a16:creationId xmlns:a16="http://schemas.microsoft.com/office/drawing/2014/main" xmlns="" id="{49A5DD86-C5F3-5843-B60F-AC26E1B16228}"/>
+                <a16:creationId xmlns="" xmlns:a16="http://schemas.microsoft.com/office/drawing/2014/main" id="{49A5DD86-C5F3-5843-B60F-AC26E1B16228}"/>
               </a:ext>
             </a:extLst>
           </p:cNvPr>
@@ -16827,7 +16810,7 @@
           <p:cNvPr id="5" name="Заголовок 4">
             <a:extLst>
               <a:ext uri="{FF2B5EF4-FFF2-40B4-BE49-F238E27FC236}">
-                <a16:creationId xmlns:a16="http://schemas.microsoft.com/office/drawing/2014/main" xmlns="" id="{D060AA73-8574-054A-B94B-1EAA5FAB0470}"/>
+                <a16:creationId xmlns="" xmlns:a16="http://schemas.microsoft.com/office/drawing/2014/main" id="{D060AA73-8574-054A-B94B-1EAA5FAB0470}"/>
               </a:ext>
             </a:extLst>
           </p:cNvPr>
@@ -16863,7 +16846,7 @@
           <p:cNvPr id="6" name="Текст 5">
             <a:extLst>
               <a:ext uri="{FF2B5EF4-FFF2-40B4-BE49-F238E27FC236}">
-                <a16:creationId xmlns:a16="http://schemas.microsoft.com/office/drawing/2014/main" xmlns="" id="{5E7B9744-FF5D-DB4B-8DCD-FF4C0C57287E}"/>
+                <a16:creationId xmlns="" xmlns:a16="http://schemas.microsoft.com/office/drawing/2014/main" id="{5E7B9744-FF5D-DB4B-8DCD-FF4C0C57287E}"/>
               </a:ext>
             </a:extLst>
           </p:cNvPr>
@@ -16890,10 +16873,6 @@
               <a:rPr lang="ru-RU" sz="1200" dirty="0"/>
               <a:t>[1] ГОСТ 19.101-77. Единая система программной документации. Термины и определения: утвержден и введен в действие Постановлением Государственного комитета стандартов Совета Министров СССР от 20 мая 1977 г. № 1268 срок введения: с 01.01.1980 г. – URL: https://www.swrit.ru/doc/espd/19.001-77.pdf (дата обращения: 27.01.2023). – Текст: электронный. </a:t>
             </a:r>
-            <a:r>
-              <a:rPr lang="ru-RU" sz="1200" dirty="0"/>
-              <a:t/>
-            </a:r>
             <a:br>
               <a:rPr lang="ru-RU" sz="1200" dirty="0"/>
             </a:br>
@@ -16952,7 +16931,7 @@
           <p:cNvPr id="7" name="Текст 5">
             <a:extLst>
               <a:ext uri="{FF2B5EF4-FFF2-40B4-BE49-F238E27FC236}">
-                <a16:creationId xmlns:a16="http://schemas.microsoft.com/office/drawing/2014/main" xmlns="" id="{5E7B9744-FF5D-DB4B-8DCD-FF4C0C57287E}"/>
+                <a16:creationId xmlns="" xmlns:a16="http://schemas.microsoft.com/office/drawing/2014/main" id="{5E7B9744-FF5D-DB4B-8DCD-FF4C0C57287E}"/>
               </a:ext>
             </a:extLst>
           </p:cNvPr>
@@ -17028,7 +17007,6 @@
               <a:rPr lang="ru-RU" dirty="0"/>
               <a:t>8] ГОСТ 19.603-78. Единая система программной документации. Термины и определения: утвержден и введен в действие Постановлением Государственного комитета стандартов Совета Министров СССР от 20 мая 1977 г. № 1268 срок введения: с 01.01.1980 г. – URL: https://www.swrit.ru/doc/espd/19.603-78.pdf (дата обращения: 27.01.2023). – Текст: электронный. </a:t>
             </a:r>
-            <a:endParaRPr lang="ru-RU" dirty="0"/>
           </a:p>
         </p:txBody>
       </p:sp>
@@ -17067,7 +17045,7 @@
           <p:cNvPr id="2" name="Текст 1">
             <a:extLst>
               <a:ext uri="{FF2B5EF4-FFF2-40B4-BE49-F238E27FC236}">
-                <a16:creationId xmlns:a16="http://schemas.microsoft.com/office/drawing/2014/main" xmlns="" id="{2FFBD88B-BF2A-8F44-B648-677BB7D9750D}"/>
+                <a16:creationId xmlns="" xmlns:a16="http://schemas.microsoft.com/office/drawing/2014/main" id="{2FFBD88B-BF2A-8F44-B648-677BB7D9750D}"/>
               </a:ext>
             </a:extLst>
           </p:cNvPr>
@@ -17104,7 +17082,7 @@
           <p:cNvPr id="3" name="Текст 2">
             <a:extLst>
               <a:ext uri="{FF2B5EF4-FFF2-40B4-BE49-F238E27FC236}">
-                <a16:creationId xmlns:a16="http://schemas.microsoft.com/office/drawing/2014/main" xmlns="" id="{BD6DFA47-ACB8-5246-AC9C-19D438CF658E}"/>
+                <a16:creationId xmlns="" xmlns:a16="http://schemas.microsoft.com/office/drawing/2014/main" id="{BD6DFA47-ACB8-5246-AC9C-19D438CF658E}"/>
               </a:ext>
             </a:extLst>
           </p:cNvPr>
@@ -17152,7 +17130,7 @@
           <p:cNvPr id="4" name="Текст 3">
             <a:extLst>
               <a:ext uri="{FF2B5EF4-FFF2-40B4-BE49-F238E27FC236}">
-                <a16:creationId xmlns:a16="http://schemas.microsoft.com/office/drawing/2014/main" xmlns="" id="{49A5DD86-C5F3-5843-B60F-AC26E1B16228}"/>
+                <a16:creationId xmlns="" xmlns:a16="http://schemas.microsoft.com/office/drawing/2014/main" id="{49A5DD86-C5F3-5843-B60F-AC26E1B16228}"/>
               </a:ext>
             </a:extLst>
           </p:cNvPr>
@@ -17184,7 +17162,7 @@
           <p:cNvPr id="5" name="Заголовок 4">
             <a:extLst>
               <a:ext uri="{FF2B5EF4-FFF2-40B4-BE49-F238E27FC236}">
-                <a16:creationId xmlns:a16="http://schemas.microsoft.com/office/drawing/2014/main" xmlns="" id="{D060AA73-8574-054A-B94B-1EAA5FAB0470}"/>
+                <a16:creationId xmlns="" xmlns:a16="http://schemas.microsoft.com/office/drawing/2014/main" id="{D060AA73-8574-054A-B94B-1EAA5FAB0470}"/>
               </a:ext>
             </a:extLst>
           </p:cNvPr>
@@ -17220,7 +17198,7 @@
           <p:cNvPr id="6" name="Текст 5">
             <a:extLst>
               <a:ext uri="{FF2B5EF4-FFF2-40B4-BE49-F238E27FC236}">
-                <a16:creationId xmlns:a16="http://schemas.microsoft.com/office/drawing/2014/main" xmlns="" id="{5E7B9744-FF5D-DB4B-8DCD-FF4C0C57287E}"/>
+                <a16:creationId xmlns="" xmlns:a16="http://schemas.microsoft.com/office/drawing/2014/main" id="{5E7B9744-FF5D-DB4B-8DCD-FF4C0C57287E}"/>
               </a:ext>
             </a:extLst>
           </p:cNvPr>
@@ -17336,7 +17314,7 @@
           <p:cNvPr id="7" name="Текст 5">
             <a:extLst>
               <a:ext uri="{FF2B5EF4-FFF2-40B4-BE49-F238E27FC236}">
-                <a16:creationId xmlns:a16="http://schemas.microsoft.com/office/drawing/2014/main" xmlns="" id="{5E7B9744-FF5D-DB4B-8DCD-FF4C0C57287E}"/>
+                <a16:creationId xmlns="" xmlns:a16="http://schemas.microsoft.com/office/drawing/2014/main" id="{5E7B9744-FF5D-DB4B-8DCD-FF4C0C57287E}"/>
               </a:ext>
             </a:extLst>
           </p:cNvPr>
@@ -17483,7 +17461,6 @@
               <a:rPr lang="ru-RU" dirty="0"/>
               <a:t>Просмотрено: 07.04.2023.</a:t>
             </a:r>
-            <a:endParaRPr lang="ru-RU" dirty="0"/>
           </a:p>
         </p:txBody>
       </p:sp>
@@ -17522,7 +17499,7 @@
           <p:cNvPr id="3" name="Заголовок 4">
             <a:extLst>
               <a:ext uri="{FF2B5EF4-FFF2-40B4-BE49-F238E27FC236}">
-                <a16:creationId xmlns:a16="http://schemas.microsoft.com/office/drawing/2014/main" xmlns="" id="{D060AA73-8574-054A-B94B-1EAA5FAB0470}"/>
+                <a16:creationId xmlns="" xmlns:a16="http://schemas.microsoft.com/office/drawing/2014/main" id="{D060AA73-8574-054A-B94B-1EAA5FAB0470}"/>
               </a:ext>
             </a:extLst>
           </p:cNvPr>
@@ -17615,7 +17592,7 @@
           <p:cNvPr id="3" name="Заголовок 2">
             <a:extLst>
               <a:ext uri="{FF2B5EF4-FFF2-40B4-BE49-F238E27FC236}">
-                <a16:creationId xmlns:a16="http://schemas.microsoft.com/office/drawing/2014/main" xmlns="" id="{E2EAF03B-EC26-1D47-94AC-C75942861D6C}"/>
+                <a16:creationId xmlns="" xmlns:a16="http://schemas.microsoft.com/office/drawing/2014/main" id="{E2EAF03B-EC26-1D47-94AC-C75942861D6C}"/>
               </a:ext>
             </a:extLst>
           </p:cNvPr>
@@ -17644,7 +17621,7 @@
           <p:cNvPr id="4" name="Текст 3">
             <a:extLst>
               <a:ext uri="{FF2B5EF4-FFF2-40B4-BE49-F238E27FC236}">
-                <a16:creationId xmlns:a16="http://schemas.microsoft.com/office/drawing/2014/main" xmlns="" id="{53356540-7218-FF4B-B6BC-5BD291A372E2}"/>
+                <a16:creationId xmlns="" xmlns:a16="http://schemas.microsoft.com/office/drawing/2014/main" id="{53356540-7218-FF4B-B6BC-5BD291A372E2}"/>
               </a:ext>
             </a:extLst>
           </p:cNvPr>
@@ -17679,7 +17656,7 @@
           <p:cNvPr id="5" name="Текст 4">
             <a:extLst>
               <a:ext uri="{FF2B5EF4-FFF2-40B4-BE49-F238E27FC236}">
-                <a16:creationId xmlns:a16="http://schemas.microsoft.com/office/drawing/2014/main" xmlns="" id="{3EB29DC1-D5D4-FB41-9E2D-AA4750D0CC8B}"/>
+                <a16:creationId xmlns="" xmlns:a16="http://schemas.microsoft.com/office/drawing/2014/main" id="{3EB29DC1-D5D4-FB41-9E2D-AA4750D0CC8B}"/>
               </a:ext>
             </a:extLst>
           </p:cNvPr>
@@ -17715,7 +17692,7 @@
           <p:cNvPr id="6" name="Текст 5">
             <a:extLst>
               <a:ext uri="{FF2B5EF4-FFF2-40B4-BE49-F238E27FC236}">
-                <a16:creationId xmlns:a16="http://schemas.microsoft.com/office/drawing/2014/main" xmlns="" id="{B5B6DD1A-BEFA-D842-9B7A-78D7BD1A5259}"/>
+                <a16:creationId xmlns="" xmlns:a16="http://schemas.microsoft.com/office/drawing/2014/main" id="{B5B6DD1A-BEFA-D842-9B7A-78D7BD1A5259}"/>
               </a:ext>
             </a:extLst>
           </p:cNvPr>
@@ -17751,7 +17728,7 @@
           <p:cNvPr id="7" name="Текст 6">
             <a:extLst>
               <a:ext uri="{FF2B5EF4-FFF2-40B4-BE49-F238E27FC236}">
-                <a16:creationId xmlns:a16="http://schemas.microsoft.com/office/drawing/2014/main" xmlns="" id="{88968744-3B75-9B47-92FD-77E1E725F232}"/>
+                <a16:creationId xmlns="" xmlns:a16="http://schemas.microsoft.com/office/drawing/2014/main" id="{88968744-3B75-9B47-92FD-77E1E725F232}"/>
               </a:ext>
             </a:extLst>
           </p:cNvPr>
@@ -17859,7 +17836,7 @@
           <p:cNvPr id="2" name="Текст 1">
             <a:extLst>
               <a:ext uri="{FF2B5EF4-FFF2-40B4-BE49-F238E27FC236}">
-                <a16:creationId xmlns:a16="http://schemas.microsoft.com/office/drawing/2014/main" xmlns="" id="{0648CF85-8F56-2C4F-8090-85FF4624B587}"/>
+                <a16:creationId xmlns="" xmlns:a16="http://schemas.microsoft.com/office/drawing/2014/main" id="{0648CF85-8F56-2C4F-8090-85FF4624B587}"/>
               </a:ext>
             </a:extLst>
           </p:cNvPr>
@@ -17895,7 +17872,7 @@
           <p:cNvPr id="3" name="Текст 2">
             <a:extLst>
               <a:ext uri="{FF2B5EF4-FFF2-40B4-BE49-F238E27FC236}">
-                <a16:creationId xmlns:a16="http://schemas.microsoft.com/office/drawing/2014/main" xmlns="" id="{5576F3CC-3C73-F441-AAE6-50AF712EACBF}"/>
+                <a16:creationId xmlns="" xmlns:a16="http://schemas.microsoft.com/office/drawing/2014/main" id="{5576F3CC-3C73-F441-AAE6-50AF712EACBF}"/>
               </a:ext>
             </a:extLst>
           </p:cNvPr>
@@ -17938,7 +17915,7 @@
           <p:cNvPr id="4" name="Заголовок 3">
             <a:extLst>
               <a:ext uri="{FF2B5EF4-FFF2-40B4-BE49-F238E27FC236}">
-                <a16:creationId xmlns:a16="http://schemas.microsoft.com/office/drawing/2014/main" xmlns="" id="{C7D49100-ECF5-A24F-9537-3BD16DFCCCC7}"/>
+                <a16:creationId xmlns="" xmlns:a16="http://schemas.microsoft.com/office/drawing/2014/main" id="{C7D49100-ECF5-A24F-9537-3BD16DFCCCC7}"/>
               </a:ext>
             </a:extLst>
           </p:cNvPr>
@@ -17980,7 +17957,7 @@
           <p:cNvPr id="5" name="Текст 4">
             <a:extLst>
               <a:ext uri="{FF2B5EF4-FFF2-40B4-BE49-F238E27FC236}">
-                <a16:creationId xmlns:a16="http://schemas.microsoft.com/office/drawing/2014/main" xmlns="" id="{9B7E5D6A-C1E4-8943-BE6A-9D9537FCC2D6}"/>
+                <a16:creationId xmlns="" xmlns:a16="http://schemas.microsoft.com/office/drawing/2014/main" id="{9B7E5D6A-C1E4-8943-BE6A-9D9537FCC2D6}"/>
               </a:ext>
             </a:extLst>
           </p:cNvPr>
@@ -18013,7 +17990,7 @@
           <p:cNvPr id="6" name="Текст 5">
             <a:extLst>
               <a:ext uri="{FF2B5EF4-FFF2-40B4-BE49-F238E27FC236}">
-                <a16:creationId xmlns:a16="http://schemas.microsoft.com/office/drawing/2014/main" xmlns="" id="{1F4B1D31-3576-0740-BA52-B317564F66BD}"/>
+                <a16:creationId xmlns="" xmlns:a16="http://schemas.microsoft.com/office/drawing/2014/main" id="{1F4B1D31-3576-0740-BA52-B317564F66BD}"/>
               </a:ext>
             </a:extLst>
           </p:cNvPr>
@@ -18148,7 +18125,7 @@
           <p:cNvPr id="2" name="Текст 1">
             <a:extLst>
               <a:ext uri="{FF2B5EF4-FFF2-40B4-BE49-F238E27FC236}">
-                <a16:creationId xmlns:a16="http://schemas.microsoft.com/office/drawing/2014/main" xmlns="" id="{DA33D5D5-13C7-8644-8CD8-A04CCCE73695}"/>
+                <a16:creationId xmlns="" xmlns:a16="http://schemas.microsoft.com/office/drawing/2014/main" id="{DA33D5D5-13C7-8644-8CD8-A04CCCE73695}"/>
               </a:ext>
             </a:extLst>
           </p:cNvPr>
@@ -18183,7 +18160,7 @@
           <p:cNvPr id="3" name="Текст 2">
             <a:extLst>
               <a:ext uri="{FF2B5EF4-FFF2-40B4-BE49-F238E27FC236}">
-                <a16:creationId xmlns:a16="http://schemas.microsoft.com/office/drawing/2014/main" xmlns="" id="{B68095CB-94DB-754D-A4ED-35EBDDB3F749}"/>
+                <a16:creationId xmlns="" xmlns:a16="http://schemas.microsoft.com/office/drawing/2014/main" id="{B68095CB-94DB-754D-A4ED-35EBDDB3F749}"/>
               </a:ext>
             </a:extLst>
           </p:cNvPr>
@@ -18219,7 +18196,7 @@
           <p:cNvPr id="4" name="Заголовок 3">
             <a:extLst>
               <a:ext uri="{FF2B5EF4-FFF2-40B4-BE49-F238E27FC236}">
-                <a16:creationId xmlns:a16="http://schemas.microsoft.com/office/drawing/2014/main" xmlns="" id="{DEBFC62C-9588-F544-918B-2104A12C933E}"/>
+                <a16:creationId xmlns="" xmlns:a16="http://schemas.microsoft.com/office/drawing/2014/main" id="{DEBFC62C-9588-F544-918B-2104A12C933E}"/>
               </a:ext>
             </a:extLst>
           </p:cNvPr>
@@ -18256,7 +18233,7 @@
           <p:cNvPr id="5" name="Текст 4">
             <a:extLst>
               <a:ext uri="{FF2B5EF4-FFF2-40B4-BE49-F238E27FC236}">
-                <a16:creationId xmlns:a16="http://schemas.microsoft.com/office/drawing/2014/main" xmlns="" id="{A6622317-DCC7-F945-8031-3E7F389B9870}"/>
+                <a16:creationId xmlns="" xmlns:a16="http://schemas.microsoft.com/office/drawing/2014/main" id="{A6622317-DCC7-F945-8031-3E7F389B9870}"/>
               </a:ext>
             </a:extLst>
           </p:cNvPr>
@@ -18328,7 +18305,7 @@
           <p:cNvPr id="7" name="Текст 6">
             <a:extLst>
               <a:ext uri="{FF2B5EF4-FFF2-40B4-BE49-F238E27FC236}">
-                <a16:creationId xmlns:a16="http://schemas.microsoft.com/office/drawing/2014/main" xmlns="" id="{B46BB51F-3F05-3C42-B510-D008849890AC}"/>
+                <a16:creationId xmlns="" xmlns:a16="http://schemas.microsoft.com/office/drawing/2014/main" id="{B46BB51F-3F05-3C42-B510-D008849890AC}"/>
               </a:ext>
             </a:extLst>
           </p:cNvPr>
@@ -18467,7 +18444,7 @@
           <p:cNvPr id="8" name="Текст 7">
             <a:extLst>
               <a:ext uri="{FF2B5EF4-FFF2-40B4-BE49-F238E27FC236}">
-                <a16:creationId xmlns:a16="http://schemas.microsoft.com/office/drawing/2014/main" xmlns="" id="{5FE4DD9E-D443-AF4F-A072-F5C4D494A05A}"/>
+                <a16:creationId xmlns="" xmlns:a16="http://schemas.microsoft.com/office/drawing/2014/main" id="{5FE4DD9E-D443-AF4F-A072-F5C4D494A05A}"/>
               </a:ext>
             </a:extLst>
           </p:cNvPr>
@@ -18536,7 +18513,7 @@
           <p:cNvPr id="2" name="Текст 1">
             <a:extLst>
               <a:ext uri="{FF2B5EF4-FFF2-40B4-BE49-F238E27FC236}">
-                <a16:creationId xmlns:a16="http://schemas.microsoft.com/office/drawing/2014/main" xmlns="" id="{7686AF3F-C863-864E-AFDC-D574F8060B43}"/>
+                <a16:creationId xmlns="" xmlns:a16="http://schemas.microsoft.com/office/drawing/2014/main" id="{7686AF3F-C863-864E-AFDC-D574F8060B43}"/>
               </a:ext>
             </a:extLst>
           </p:cNvPr>
@@ -18571,7 +18548,7 @@
           <p:cNvPr id="3" name="Текст 2">
             <a:extLst>
               <a:ext uri="{FF2B5EF4-FFF2-40B4-BE49-F238E27FC236}">
-                <a16:creationId xmlns:a16="http://schemas.microsoft.com/office/drawing/2014/main" xmlns="" id="{D3A1EC68-7619-8F49-AEC3-176ECF1F6A21}"/>
+                <a16:creationId xmlns="" xmlns:a16="http://schemas.microsoft.com/office/drawing/2014/main" id="{D3A1EC68-7619-8F49-AEC3-176ECF1F6A21}"/>
               </a:ext>
             </a:extLst>
           </p:cNvPr>
@@ -18614,7 +18591,7 @@
           <p:cNvPr id="4" name="Текст 3">
             <a:extLst>
               <a:ext uri="{FF2B5EF4-FFF2-40B4-BE49-F238E27FC236}">
-                <a16:creationId xmlns:a16="http://schemas.microsoft.com/office/drawing/2014/main" xmlns="" id="{D223B065-0902-0141-A245-63D5DCF436EE}"/>
+                <a16:creationId xmlns="" xmlns:a16="http://schemas.microsoft.com/office/drawing/2014/main" id="{D223B065-0902-0141-A245-63D5DCF436EE}"/>
               </a:ext>
             </a:extLst>
           </p:cNvPr>
@@ -18653,7 +18630,7 @@
           <p:cNvPr id="5" name="Заголовок 4">
             <a:extLst>
               <a:ext uri="{FF2B5EF4-FFF2-40B4-BE49-F238E27FC236}">
-                <a16:creationId xmlns:a16="http://schemas.microsoft.com/office/drawing/2014/main" xmlns="" id="{3872CBB7-AE1B-9D40-A298-6BDF023AFBD6}"/>
+                <a16:creationId xmlns="" xmlns:a16="http://schemas.microsoft.com/office/drawing/2014/main" id="{3872CBB7-AE1B-9D40-A298-6BDF023AFBD6}"/>
               </a:ext>
             </a:extLst>
           </p:cNvPr>
@@ -18687,7 +18664,7 @@
           <p:cNvPr id="6" name="Текст 5">
             <a:extLst>
               <a:ext uri="{FF2B5EF4-FFF2-40B4-BE49-F238E27FC236}">
-                <a16:creationId xmlns:a16="http://schemas.microsoft.com/office/drawing/2014/main" xmlns="" id="{87F297E4-9695-684A-A8A3-54FEC946000F}"/>
+                <a16:creationId xmlns="" xmlns:a16="http://schemas.microsoft.com/office/drawing/2014/main" id="{87F297E4-9695-684A-A8A3-54FEC946000F}"/>
               </a:ext>
             </a:extLst>
           </p:cNvPr>
@@ -18963,7 +18940,7 @@
           <p:cNvPr id="2" name="Текст 1">
             <a:extLst>
               <a:ext uri="{FF2B5EF4-FFF2-40B4-BE49-F238E27FC236}">
-                <a16:creationId xmlns:a16="http://schemas.microsoft.com/office/drawing/2014/main" xmlns="" id="{7686AF3F-C863-864E-AFDC-D574F8060B43}"/>
+                <a16:creationId xmlns="" xmlns:a16="http://schemas.microsoft.com/office/drawing/2014/main" id="{7686AF3F-C863-864E-AFDC-D574F8060B43}"/>
               </a:ext>
             </a:extLst>
           </p:cNvPr>
@@ -18998,7 +18975,7 @@
           <p:cNvPr id="3" name="Текст 2">
             <a:extLst>
               <a:ext uri="{FF2B5EF4-FFF2-40B4-BE49-F238E27FC236}">
-                <a16:creationId xmlns:a16="http://schemas.microsoft.com/office/drawing/2014/main" xmlns="" id="{D3A1EC68-7619-8F49-AEC3-176ECF1F6A21}"/>
+                <a16:creationId xmlns="" xmlns:a16="http://schemas.microsoft.com/office/drawing/2014/main" id="{D3A1EC68-7619-8F49-AEC3-176ECF1F6A21}"/>
               </a:ext>
             </a:extLst>
           </p:cNvPr>
@@ -19041,7 +19018,7 @@
           <p:cNvPr id="4" name="Текст 3">
             <a:extLst>
               <a:ext uri="{FF2B5EF4-FFF2-40B4-BE49-F238E27FC236}">
-                <a16:creationId xmlns:a16="http://schemas.microsoft.com/office/drawing/2014/main" xmlns="" id="{D223B065-0902-0141-A245-63D5DCF436EE}"/>
+                <a16:creationId xmlns="" xmlns:a16="http://schemas.microsoft.com/office/drawing/2014/main" id="{D223B065-0902-0141-A245-63D5DCF436EE}"/>
               </a:ext>
             </a:extLst>
           </p:cNvPr>
@@ -19171,7 +19148,7 @@
           <p:cNvPr id="2" name="Текст 1">
             <a:extLst>
               <a:ext uri="{FF2B5EF4-FFF2-40B4-BE49-F238E27FC236}">
-                <a16:creationId xmlns:a16="http://schemas.microsoft.com/office/drawing/2014/main" xmlns="" id="{ABE1F6DB-2C79-0F40-985F-DB8180BAFB92}"/>
+                <a16:creationId xmlns="" xmlns:a16="http://schemas.microsoft.com/office/drawing/2014/main" id="{ABE1F6DB-2C79-0F40-985F-DB8180BAFB92}"/>
               </a:ext>
             </a:extLst>
           </p:cNvPr>
@@ -19196,7 +19173,7 @@
           <p:cNvPr id="3" name="Текст 2">
             <a:extLst>
               <a:ext uri="{FF2B5EF4-FFF2-40B4-BE49-F238E27FC236}">
-                <a16:creationId xmlns:a16="http://schemas.microsoft.com/office/drawing/2014/main" xmlns="" id="{92CC9B4C-151F-204A-9B26-BE1838EFB24F}"/>
+                <a16:creationId xmlns="" xmlns:a16="http://schemas.microsoft.com/office/drawing/2014/main" id="{92CC9B4C-151F-204A-9B26-BE1838EFB24F}"/>
               </a:ext>
             </a:extLst>
           </p:cNvPr>
@@ -19238,7 +19215,7 @@
           <p:cNvPr id="4" name="Текст 3">
             <a:extLst>
               <a:ext uri="{FF2B5EF4-FFF2-40B4-BE49-F238E27FC236}">
-                <a16:creationId xmlns:a16="http://schemas.microsoft.com/office/drawing/2014/main" xmlns="" id="{43CD81CA-2715-AB4B-A575-27FBCE550D22}"/>
+                <a16:creationId xmlns="" xmlns:a16="http://schemas.microsoft.com/office/drawing/2014/main" id="{43CD81CA-2715-AB4B-A575-27FBCE550D22}"/>
               </a:ext>
             </a:extLst>
           </p:cNvPr>
@@ -19272,7 +19249,7 @@
           <p:cNvPr id="5" name="Заголовок 4">
             <a:extLst>
               <a:ext uri="{FF2B5EF4-FFF2-40B4-BE49-F238E27FC236}">
-                <a16:creationId xmlns:a16="http://schemas.microsoft.com/office/drawing/2014/main" xmlns="" id="{D6248A15-8E7E-BC4A-A1F2-4446573BCA36}"/>
+                <a16:creationId xmlns="" xmlns:a16="http://schemas.microsoft.com/office/drawing/2014/main" id="{D6248A15-8E7E-BC4A-A1F2-4446573BCA36}"/>
               </a:ext>
             </a:extLst>
           </p:cNvPr>
@@ -19306,7 +19283,7 @@
           <p:cNvPr id="6" name="Текст 5">
             <a:extLst>
               <a:ext uri="{FF2B5EF4-FFF2-40B4-BE49-F238E27FC236}">
-                <a16:creationId xmlns:a16="http://schemas.microsoft.com/office/drawing/2014/main" xmlns="" id="{5759A9C6-69C4-5447-8A46-A98387532C83}"/>
+                <a16:creationId xmlns="" xmlns:a16="http://schemas.microsoft.com/office/drawing/2014/main" id="{5759A9C6-69C4-5447-8A46-A98387532C83}"/>
               </a:ext>
             </a:extLst>
           </p:cNvPr>
@@ -19408,7 +19385,7 @@
           <p:cNvPr id="8" name="Текст 5">
             <a:extLst>
               <a:ext uri="{FF2B5EF4-FFF2-40B4-BE49-F238E27FC236}">
-                <a16:creationId xmlns:a16="http://schemas.microsoft.com/office/drawing/2014/main" xmlns="" id="{5759A9C6-69C4-5447-8A46-A98387532C83}"/>
+                <a16:creationId xmlns="" xmlns:a16="http://schemas.microsoft.com/office/drawing/2014/main" id="{5759A9C6-69C4-5447-8A46-A98387532C83}"/>
               </a:ext>
             </a:extLst>
           </p:cNvPr>
@@ -19529,7 +19506,7 @@
           <p:cNvPr id="2" name="Текст 1">
             <a:extLst>
               <a:ext uri="{FF2B5EF4-FFF2-40B4-BE49-F238E27FC236}">
-                <a16:creationId xmlns:a16="http://schemas.microsoft.com/office/drawing/2014/main" xmlns="" id="{ABE1F6DB-2C79-0F40-985F-DB8180BAFB92}"/>
+                <a16:creationId xmlns="" xmlns:a16="http://schemas.microsoft.com/office/drawing/2014/main" id="{ABE1F6DB-2C79-0F40-985F-DB8180BAFB92}"/>
               </a:ext>
             </a:extLst>
           </p:cNvPr>
@@ -19554,7 +19531,7 @@
           <p:cNvPr id="3" name="Текст 2">
             <a:extLst>
               <a:ext uri="{FF2B5EF4-FFF2-40B4-BE49-F238E27FC236}">
-                <a16:creationId xmlns:a16="http://schemas.microsoft.com/office/drawing/2014/main" xmlns="" id="{92CC9B4C-151F-204A-9B26-BE1838EFB24F}"/>
+                <a16:creationId xmlns="" xmlns:a16="http://schemas.microsoft.com/office/drawing/2014/main" id="{92CC9B4C-151F-204A-9B26-BE1838EFB24F}"/>
               </a:ext>
             </a:extLst>
           </p:cNvPr>
@@ -19596,7 +19573,7 @@
           <p:cNvPr id="4" name="Текст 3">
             <a:extLst>
               <a:ext uri="{FF2B5EF4-FFF2-40B4-BE49-F238E27FC236}">
-                <a16:creationId xmlns:a16="http://schemas.microsoft.com/office/drawing/2014/main" xmlns="" id="{43CD81CA-2715-AB4B-A575-27FBCE550D22}"/>
+                <a16:creationId xmlns="" xmlns:a16="http://schemas.microsoft.com/office/drawing/2014/main" id="{43CD81CA-2715-AB4B-A575-27FBCE550D22}"/>
               </a:ext>
             </a:extLst>
           </p:cNvPr>
@@ -19631,7 +19608,7 @@
           <p:cNvPr id="5" name="Заголовок 4">
             <a:extLst>
               <a:ext uri="{FF2B5EF4-FFF2-40B4-BE49-F238E27FC236}">
-                <a16:creationId xmlns:a16="http://schemas.microsoft.com/office/drawing/2014/main" xmlns="" id="{D6248A15-8E7E-BC4A-A1F2-4446573BCA36}"/>
+                <a16:creationId xmlns="" xmlns:a16="http://schemas.microsoft.com/office/drawing/2014/main" id="{D6248A15-8E7E-BC4A-A1F2-4446573BCA36}"/>
               </a:ext>
             </a:extLst>
           </p:cNvPr>
@@ -19672,7 +19649,7 @@
           <p:cNvPr id="6" name="Текст 5">
             <a:extLst>
               <a:ext uri="{FF2B5EF4-FFF2-40B4-BE49-F238E27FC236}">
-                <a16:creationId xmlns:a16="http://schemas.microsoft.com/office/drawing/2014/main" xmlns="" id="{5759A9C6-69C4-5447-8A46-A98387532C83}"/>
+                <a16:creationId xmlns="" xmlns:a16="http://schemas.microsoft.com/office/drawing/2014/main" id="{5759A9C6-69C4-5447-8A46-A98387532C83}"/>
               </a:ext>
             </a:extLst>
           </p:cNvPr>
@@ -19895,7 +19872,7 @@
           <p:cNvPr id="2" name="Текст 1">
             <a:extLst>
               <a:ext uri="{FF2B5EF4-FFF2-40B4-BE49-F238E27FC236}">
-                <a16:creationId xmlns:a16="http://schemas.microsoft.com/office/drawing/2014/main" xmlns="" id="{E239B216-F5ED-B348-A1BB-CE85242168B6}"/>
+                <a16:creationId xmlns="" xmlns:a16="http://schemas.microsoft.com/office/drawing/2014/main" id="{E239B216-F5ED-B348-A1BB-CE85242168B6}"/>
               </a:ext>
             </a:extLst>
           </p:cNvPr>
@@ -19932,7 +19909,7 @@
           <p:cNvPr id="3" name="Текст 2">
             <a:extLst>
               <a:ext uri="{FF2B5EF4-FFF2-40B4-BE49-F238E27FC236}">
-                <a16:creationId xmlns:a16="http://schemas.microsoft.com/office/drawing/2014/main" xmlns="" id="{7986A2D4-D42B-854C-9F3E-6A8095E580B6}"/>
+                <a16:creationId xmlns="" xmlns:a16="http://schemas.microsoft.com/office/drawing/2014/main" id="{7986A2D4-D42B-854C-9F3E-6A8095E580B6}"/>
               </a:ext>
             </a:extLst>
           </p:cNvPr>
@@ -19977,7 +19954,7 @@
           <p:cNvPr id="4" name="Текст 3">
             <a:extLst>
               <a:ext uri="{FF2B5EF4-FFF2-40B4-BE49-F238E27FC236}">
-                <a16:creationId xmlns:a16="http://schemas.microsoft.com/office/drawing/2014/main" xmlns="" id="{628F0E61-4402-1545-ABC6-7EB156E5B9E6}"/>
+                <a16:creationId xmlns="" xmlns:a16="http://schemas.microsoft.com/office/drawing/2014/main" id="{628F0E61-4402-1545-ABC6-7EB156E5B9E6}"/>
               </a:ext>
             </a:extLst>
           </p:cNvPr>
@@ -20019,7 +19996,7 @@
           <p:cNvPr id="5" name="Заголовок 4">
             <a:extLst>
               <a:ext uri="{FF2B5EF4-FFF2-40B4-BE49-F238E27FC236}">
-                <a16:creationId xmlns:a16="http://schemas.microsoft.com/office/drawing/2014/main" xmlns="" id="{7B6EC5B9-282D-B84A-B169-E82D52070680}"/>
+                <a16:creationId xmlns="" xmlns:a16="http://schemas.microsoft.com/office/drawing/2014/main" id="{7B6EC5B9-282D-B84A-B169-E82D52070680}"/>
               </a:ext>
             </a:extLst>
           </p:cNvPr>
@@ -20053,7 +20030,7 @@
           <p:cNvPr id="6" name="Текст 5">
             <a:extLst>
               <a:ext uri="{FF2B5EF4-FFF2-40B4-BE49-F238E27FC236}">
-                <a16:creationId xmlns:a16="http://schemas.microsoft.com/office/drawing/2014/main" xmlns="" id="{52A84FC5-C615-ED4D-97BC-765AAF50474A}"/>
+                <a16:creationId xmlns="" xmlns:a16="http://schemas.microsoft.com/office/drawing/2014/main" id="{52A84FC5-C615-ED4D-97BC-765AAF50474A}"/>
               </a:ext>
             </a:extLst>
           </p:cNvPr>
@@ -20149,7 +20126,6 @@
               <a:rPr lang="ru-RU" sz="2000" dirty="0"/>
               <a:t> в словаре нет. </a:t>
             </a:r>
-            <a:endParaRPr lang="ru-RU" sz="2000" dirty="0"/>
           </a:p>
         </p:txBody>
       </p:sp>
@@ -20512,7 +20488,7 @@
   <a:extraClrSchemeLst/>
   <a:extLst>
     <a:ext uri="{05A4C25C-085E-4340-85A3-A5531E510DB2}">
-      <thm15:themeFamily xmlns:thm15="http://schemas.microsoft.com/office/thememl/2012/main" xmlns="" name="Office Theme" id="{62F939B6-93AF-4DB8-9C6B-D6C7DFDC589F}" vid="{4A3C46E8-61CC-4603-A589-7422A47A8E4A}"/>
+      <thm15:themeFamily xmlns="" xmlns:thm15="http://schemas.microsoft.com/office/thememl/2012/main" name="Office Theme" id="{62F939B6-93AF-4DB8-9C6B-D6C7DFDC589F}" vid="{4A3C46E8-61CC-4603-A589-7422A47A8E4A}"/>
     </a:ext>
   </a:extLst>
 </a:theme>
@@ -20807,16 +20783,19 @@
   <a:extraClrSchemeLst/>
   <a:extLst>
     <a:ext uri="{05A4C25C-085E-4340-85A3-A5531E510DB2}">
-      <thm15:themeFamily xmlns:thm15="http://schemas.microsoft.com/office/thememl/2012/main" xmlns="" name="Office Theme" id="{62F939B6-93AF-4DB8-9C6B-D6C7DFDC589F}" vid="{4A3C46E8-61CC-4603-A589-7422A47A8E4A}"/>
+      <thm15:themeFamily xmlns="" xmlns:thm15="http://schemas.microsoft.com/office/thememl/2012/main" name="Office Theme" id="{62F939B6-93AF-4DB8-9C6B-D6C7DFDC589F}" vid="{4A3C46E8-61CC-4603-A589-7422A47A8E4A}"/>
     </a:ext>
   </a:extLst>
 </a:theme>
 </file>
 
 <file path=customXml/item1.xml><?xml version="1.0" encoding="utf-8"?>
-<p:properties xmlns:p="http://schemas.microsoft.com/office/2006/metadata/properties" xmlns:xsi="http://www.w3.org/2001/XMLSchema-instance" xmlns:pc="http://schemas.microsoft.com/office/infopath/2007/PartnerControls">
-  <documentManagement/>
-</p:properties>
+<?mso-contentType ?>
+<FormTemplates xmlns="http://schemas.microsoft.com/sharepoint/v3/contenttype/forms">
+  <Display>DocumentLibraryForm</Display>
+  <Edit>DocumentLibraryForm</Edit>
+  <New>DocumentLibraryForm</New>
+</FormTemplates>
 </file>
 
 <file path=customXml/item2.xml><?xml version="1.0" encoding="utf-8"?>
@@ -21043,27 +21022,15 @@
 </file>
 
 <file path=customXml/item3.xml><?xml version="1.0" encoding="utf-8"?>
-<?mso-contentType ?>
-<FormTemplates xmlns="http://schemas.microsoft.com/sharepoint/v3/contenttype/forms">
-  <Display>DocumentLibraryForm</Display>
-  <Edit>DocumentLibraryForm</Edit>
-  <New>DocumentLibraryForm</New>
-</FormTemplates>
+<p:properties xmlns:p="http://schemas.microsoft.com/office/2006/metadata/properties" xmlns:xsi="http://www.w3.org/2001/XMLSchema-instance" xmlns:pc="http://schemas.microsoft.com/office/infopath/2007/PartnerControls">
+  <documentManagement/>
+</p:properties>
 </file>
 
 <file path=customXml/itemProps1.xml><?xml version="1.0" encoding="utf-8"?>
-<ds:datastoreItem xmlns:ds="http://schemas.openxmlformats.org/officeDocument/2006/customXml" ds:itemID="{433DAF31-D8A6-49A0-9A5D-8B2EA5B1C511}">
+<ds:datastoreItem xmlns:ds="http://schemas.openxmlformats.org/officeDocument/2006/customXml" ds:itemID="{B34386AA-1848-4C75-B336-1053927CB025}">
   <ds:schemaRefs>
-    <ds:schemaRef ds:uri="http://purl.org/dc/terms/"/>
-    <ds:schemaRef ds:uri="http://schemas.microsoft.com/office/2006/documentManagement/types"/>
-    <ds:schemaRef ds:uri="e96afe77-3acb-4328-97fc-408e1bde3ecd"/>
-    <ds:schemaRef ds:uri="http://purl.org/dc/elements/1.1/"/>
-    <ds:schemaRef ds:uri="9875bd71-cde8-496c-a136-433f55d5e6d0"/>
-    <ds:schemaRef ds:uri="http://schemas.microsoft.com/office/infopath/2007/PartnerControls"/>
-    <ds:schemaRef ds:uri="http://schemas.openxmlformats.org/package/2006/metadata/core-properties"/>
-    <ds:schemaRef ds:uri="http://schemas.microsoft.com/office/2006/metadata/properties"/>
-    <ds:schemaRef ds:uri="http://www.w3.org/XML/1998/namespace"/>
-    <ds:schemaRef ds:uri="http://purl.org/dc/dcmitype/"/>
+    <ds:schemaRef ds:uri="http://schemas.microsoft.com/sharepoint/v3/contenttype/forms"/>
   </ds:schemaRefs>
 </ds:datastoreItem>
 </file>
@@ -21088,9 +21055,18 @@
 </file>
 
 <file path=customXml/itemProps3.xml><?xml version="1.0" encoding="utf-8"?>
-<ds:datastoreItem xmlns:ds="http://schemas.openxmlformats.org/officeDocument/2006/customXml" ds:itemID="{B34386AA-1848-4C75-B336-1053927CB025}">
+<ds:datastoreItem xmlns:ds="http://schemas.openxmlformats.org/officeDocument/2006/customXml" ds:itemID="{433DAF31-D8A6-49A0-9A5D-8B2EA5B1C511}">
   <ds:schemaRefs>
-    <ds:schemaRef ds:uri="http://schemas.microsoft.com/sharepoint/v3/contenttype/forms"/>
+    <ds:schemaRef ds:uri="http://purl.org/dc/terms/"/>
+    <ds:schemaRef ds:uri="http://schemas.microsoft.com/office/2006/documentManagement/types"/>
+    <ds:schemaRef ds:uri="e96afe77-3acb-4328-97fc-408e1bde3ecd"/>
+    <ds:schemaRef ds:uri="http://purl.org/dc/elements/1.1/"/>
+    <ds:schemaRef ds:uri="9875bd71-cde8-496c-a136-433f55d5e6d0"/>
+    <ds:schemaRef ds:uri="http://schemas.microsoft.com/office/infopath/2007/PartnerControls"/>
+    <ds:schemaRef ds:uri="http://schemas.openxmlformats.org/package/2006/metadata/core-properties"/>
+    <ds:schemaRef ds:uri="http://schemas.microsoft.com/office/2006/metadata/properties"/>
+    <ds:schemaRef ds:uri="http://www.w3.org/XML/1998/namespace"/>
+    <ds:schemaRef ds:uri="http://purl.org/dc/dcmitype/"/>
   </ds:schemaRefs>
 </ds:datastoreItem>
 </file>